--- a/assets/state-of-the-art.pptx
+++ b/assets/state-of-the-art.pptx
@@ -304,7 +304,7 @@
           <a:p>
             <a:fld id="{6DB206C8-F88B-4959-9CD2-3016D27660E1}" type="datetimeFigureOut">
               <a:rPr lang="en-US" smtClean="0"/>
-              <a:t>7/14/2018</a:t>
+              <a:t>7/18/2018</a:t>
             </a:fld>
             <a:endParaRPr lang="en-US"/>
           </a:p>
@@ -472,7 +472,7 @@
           <a:p>
             <a:fld id="{6DB206C8-F88B-4959-9CD2-3016D27660E1}" type="datetimeFigureOut">
               <a:rPr lang="en-US" smtClean="0"/>
-              <a:t>7/14/2018</a:t>
+              <a:t>7/18/2018</a:t>
             </a:fld>
             <a:endParaRPr lang="en-US"/>
           </a:p>
@@ -650,7 +650,7 @@
           <a:p>
             <a:fld id="{6DB206C8-F88B-4959-9CD2-3016D27660E1}" type="datetimeFigureOut">
               <a:rPr lang="en-US" smtClean="0"/>
-              <a:t>7/14/2018</a:t>
+              <a:t>7/18/2018</a:t>
             </a:fld>
             <a:endParaRPr lang="en-US"/>
           </a:p>
@@ -818,7 +818,7 @@
           <a:p>
             <a:fld id="{6DB206C8-F88B-4959-9CD2-3016D27660E1}" type="datetimeFigureOut">
               <a:rPr lang="en-US" smtClean="0"/>
-              <a:t>7/14/2018</a:t>
+              <a:t>7/18/2018</a:t>
             </a:fld>
             <a:endParaRPr lang="en-US"/>
           </a:p>
@@ -1063,7 +1063,7 @@
           <a:p>
             <a:fld id="{6DB206C8-F88B-4959-9CD2-3016D27660E1}" type="datetimeFigureOut">
               <a:rPr lang="en-US" smtClean="0"/>
-              <a:t>7/14/2018</a:t>
+              <a:t>7/18/2018</a:t>
             </a:fld>
             <a:endParaRPr lang="en-US"/>
           </a:p>
@@ -1348,7 +1348,7 @@
           <a:p>
             <a:fld id="{6DB206C8-F88B-4959-9CD2-3016D27660E1}" type="datetimeFigureOut">
               <a:rPr lang="en-US" smtClean="0"/>
-              <a:t>7/14/2018</a:t>
+              <a:t>7/18/2018</a:t>
             </a:fld>
             <a:endParaRPr lang="en-US"/>
           </a:p>
@@ -1767,7 +1767,7 @@
           <a:p>
             <a:fld id="{6DB206C8-F88B-4959-9CD2-3016D27660E1}" type="datetimeFigureOut">
               <a:rPr lang="en-US" smtClean="0"/>
-              <a:t>7/14/2018</a:t>
+              <a:t>7/18/2018</a:t>
             </a:fld>
             <a:endParaRPr lang="en-US"/>
           </a:p>
@@ -1884,7 +1884,7 @@
           <a:p>
             <a:fld id="{6DB206C8-F88B-4959-9CD2-3016D27660E1}" type="datetimeFigureOut">
               <a:rPr lang="en-US" smtClean="0"/>
-              <a:t>7/14/2018</a:t>
+              <a:t>7/18/2018</a:t>
             </a:fld>
             <a:endParaRPr lang="en-US"/>
           </a:p>
@@ -1979,7 +1979,7 @@
           <a:p>
             <a:fld id="{6DB206C8-F88B-4959-9CD2-3016D27660E1}" type="datetimeFigureOut">
               <a:rPr lang="en-US" smtClean="0"/>
-              <a:t>7/14/2018</a:t>
+              <a:t>7/18/2018</a:t>
             </a:fld>
             <a:endParaRPr lang="en-US"/>
           </a:p>
@@ -2254,7 +2254,7 @@
           <a:p>
             <a:fld id="{6DB206C8-F88B-4959-9CD2-3016D27660E1}" type="datetimeFigureOut">
               <a:rPr lang="en-US" smtClean="0"/>
-              <a:t>7/14/2018</a:t>
+              <a:t>7/18/2018</a:t>
             </a:fld>
             <a:endParaRPr lang="en-US"/>
           </a:p>
@@ -2506,7 +2506,7 @@
           <a:p>
             <a:fld id="{6DB206C8-F88B-4959-9CD2-3016D27660E1}" type="datetimeFigureOut">
               <a:rPr lang="en-US" smtClean="0"/>
-              <a:t>7/14/2018</a:t>
+              <a:t>7/18/2018</a:t>
             </a:fld>
             <a:endParaRPr lang="en-US"/>
           </a:p>
@@ -2717,7 +2717,7 @@
           <a:p>
             <a:fld id="{6DB206C8-F88B-4959-9CD2-3016D27660E1}" type="datetimeFigureOut">
               <a:rPr lang="en-US" smtClean="0"/>
-              <a:t>7/14/2018</a:t>
+              <a:t>7/18/2018</a:t>
             </a:fld>
             <a:endParaRPr lang="en-US"/>
           </a:p>
@@ -7088,16 +7088,13 @@
                   <a:spcPct val="0"/>
                 </a:spcAft>
               </a:pPr>
-              <a:r>
-                <a:rPr lang="en-US" sz="1131" b="1" dirty="0">
-                  <a:solidFill>
-                    <a:schemeClr val="tx1"/>
-                  </a:solidFill>
-                  <a:latin typeface="Segoe UI" charset="0"/>
-                  <a:cs typeface="Segoe UI" charset="0"/>
-                </a:rPr>
-                <a:t>Gateway</a:t>
-              </a:r>
+              <a:endParaRPr lang="en-US" sz="1131" b="1" dirty="0">
+                <a:solidFill>
+                  <a:schemeClr val="tx1"/>
+                </a:solidFill>
+                <a:latin typeface="Segoe UI" charset="0"/>
+                <a:cs typeface="Segoe UI" charset="0"/>
+              </a:endParaRPr>
             </a:p>
           </p:txBody>
         </p:sp>
@@ -7129,7 +7126,7 @@
           </p:blipFill>
           <p:spPr>
             <a:xfrm>
-              <a:off x="1485887" y="2338805"/>
+              <a:off x="1485887" y="2452343"/>
               <a:ext cx="678907" cy="154889"/>
             </a:xfrm>
             <a:prstGeom prst="rect">

--- a/assets/state-of-the-art.pptx
+++ b/assets/state-of-the-art.pptx
@@ -7282,8 +7282,8 @@
           </p:blipFill>
           <p:spPr>
             <a:xfrm>
-              <a:off x="2988196" y="1993719"/>
-              <a:ext cx="668971" cy="411226"/>
+              <a:off x="2870200" y="2103987"/>
+              <a:ext cx="554343" cy="340763"/>
             </a:xfrm>
             <a:prstGeom prst="rect">
               <a:avLst/>
@@ -7449,6 +7449,42 @@
           <a:xfrm>
             <a:off x="7211424" y="813185"/>
             <a:ext cx="779817" cy="779817"/>
+          </a:xfrm>
+          <a:prstGeom prst="rect">
+            <a:avLst/>
+          </a:prstGeom>
+        </p:spPr>
+      </p:pic>
+      <p:pic>
+        <p:nvPicPr>
+          <p:cNvPr id="7" name="Picture 6">
+            <a:extLst>
+              <a:ext uri="{FF2B5EF4-FFF2-40B4-BE49-F238E27FC236}">
+                <a16:creationId xmlns:a16="http://schemas.microsoft.com/office/drawing/2014/main" id="{EB3FDDB9-F57D-49DF-9AEB-966E3FA6C2B1}"/>
+              </a:ext>
+            </a:extLst>
+          </p:cNvPr>
+          <p:cNvPicPr>
+            <a:picLocks noChangeAspect="1"/>
+          </p:cNvPicPr>
+          <p:nvPr/>
+        </p:nvPicPr>
+        <p:blipFill>
+          <a:blip r:embed="rId11" cstate="print">
+            <a:extLst>
+              <a:ext uri="{28A0092B-C50C-407E-A947-70E740481C1C}">
+                <a14:useLocalDpi xmlns:a14="http://schemas.microsoft.com/office/drawing/2010/main" val="0"/>
+              </a:ext>
+            </a:extLst>
+          </a:blip>
+          <a:stretch>
+            <a:fillRect/>
+          </a:stretch>
+        </p:blipFill>
+        <p:spPr>
+          <a:xfrm>
+            <a:off x="3339680" y="2085555"/>
+            <a:ext cx="352845" cy="352845"/>
           </a:xfrm>
           <a:prstGeom prst="rect">
             <a:avLst/>

--- a/assets/state-of-the-art.pptx
+++ b/assets/state-of-the-art.pptx
@@ -6,8 +6,9 @@
   </p:sldMasterIdLst>
   <p:sldIdLst>
     <p:sldId id="256" r:id="rId2"/>
-    <p:sldId id="257" r:id="rId3"/>
+    <p:sldId id="259" r:id="rId3"/>
     <p:sldId id="258" r:id="rId4"/>
+    <p:sldId id="257" r:id="rId5"/>
   </p:sldIdLst>
   <p:sldSz cx="9144000" cy="6858000" type="screen4x3"/>
   <p:notesSz cx="6858000" cy="9144000"/>
@@ -304,7 +305,7 @@
           <a:p>
             <a:fld id="{6DB206C8-F88B-4959-9CD2-3016D27660E1}" type="datetimeFigureOut">
               <a:rPr lang="en-US" smtClean="0"/>
-              <a:t>7/18/2018</a:t>
+              <a:t>8/2/2018</a:t>
             </a:fld>
             <a:endParaRPr lang="en-US"/>
           </a:p>
@@ -472,7 +473,7 @@
           <a:p>
             <a:fld id="{6DB206C8-F88B-4959-9CD2-3016D27660E1}" type="datetimeFigureOut">
               <a:rPr lang="en-US" smtClean="0"/>
-              <a:t>7/18/2018</a:t>
+              <a:t>8/2/2018</a:t>
             </a:fld>
             <a:endParaRPr lang="en-US"/>
           </a:p>
@@ -650,7 +651,7 @@
           <a:p>
             <a:fld id="{6DB206C8-F88B-4959-9CD2-3016D27660E1}" type="datetimeFigureOut">
               <a:rPr lang="en-US" smtClean="0"/>
-              <a:t>7/18/2018</a:t>
+              <a:t>8/2/2018</a:t>
             </a:fld>
             <a:endParaRPr lang="en-US"/>
           </a:p>
@@ -818,7 +819,7 @@
           <a:p>
             <a:fld id="{6DB206C8-F88B-4959-9CD2-3016D27660E1}" type="datetimeFigureOut">
               <a:rPr lang="en-US" smtClean="0"/>
-              <a:t>7/18/2018</a:t>
+              <a:t>8/2/2018</a:t>
             </a:fld>
             <a:endParaRPr lang="en-US"/>
           </a:p>
@@ -1063,7 +1064,7 @@
           <a:p>
             <a:fld id="{6DB206C8-F88B-4959-9CD2-3016D27660E1}" type="datetimeFigureOut">
               <a:rPr lang="en-US" smtClean="0"/>
-              <a:t>7/18/2018</a:t>
+              <a:t>8/2/2018</a:t>
             </a:fld>
             <a:endParaRPr lang="en-US"/>
           </a:p>
@@ -1348,7 +1349,7 @@
           <a:p>
             <a:fld id="{6DB206C8-F88B-4959-9CD2-3016D27660E1}" type="datetimeFigureOut">
               <a:rPr lang="en-US" smtClean="0"/>
-              <a:t>7/18/2018</a:t>
+              <a:t>8/2/2018</a:t>
             </a:fld>
             <a:endParaRPr lang="en-US"/>
           </a:p>
@@ -1767,7 +1768,7 @@
           <a:p>
             <a:fld id="{6DB206C8-F88B-4959-9CD2-3016D27660E1}" type="datetimeFigureOut">
               <a:rPr lang="en-US" smtClean="0"/>
-              <a:t>7/18/2018</a:t>
+              <a:t>8/2/2018</a:t>
             </a:fld>
             <a:endParaRPr lang="en-US"/>
           </a:p>
@@ -1884,7 +1885,7 @@
           <a:p>
             <a:fld id="{6DB206C8-F88B-4959-9CD2-3016D27660E1}" type="datetimeFigureOut">
               <a:rPr lang="en-US" smtClean="0"/>
-              <a:t>7/18/2018</a:t>
+              <a:t>8/2/2018</a:t>
             </a:fld>
             <a:endParaRPr lang="en-US"/>
           </a:p>
@@ -1979,7 +1980,7 @@
           <a:p>
             <a:fld id="{6DB206C8-F88B-4959-9CD2-3016D27660E1}" type="datetimeFigureOut">
               <a:rPr lang="en-US" smtClean="0"/>
-              <a:t>7/18/2018</a:t>
+              <a:t>8/2/2018</a:t>
             </a:fld>
             <a:endParaRPr lang="en-US"/>
           </a:p>
@@ -2254,7 +2255,7 @@
           <a:p>
             <a:fld id="{6DB206C8-F88B-4959-9CD2-3016D27660E1}" type="datetimeFigureOut">
               <a:rPr lang="en-US" smtClean="0"/>
-              <a:t>7/18/2018</a:t>
+              <a:t>8/2/2018</a:t>
             </a:fld>
             <a:endParaRPr lang="en-US"/>
           </a:p>
@@ -2506,7 +2507,7 @@
           <a:p>
             <a:fld id="{6DB206C8-F88B-4959-9CD2-3016D27660E1}" type="datetimeFigureOut">
               <a:rPr lang="en-US" smtClean="0"/>
-              <a:t>7/18/2018</a:t>
+              <a:t>8/2/2018</a:t>
             </a:fld>
             <a:endParaRPr lang="en-US"/>
           </a:p>
@@ -2717,7 +2718,7 @@
           <a:p>
             <a:fld id="{6DB206C8-F88B-4959-9CD2-3016D27660E1}" type="datetimeFigureOut">
               <a:rPr lang="en-US" smtClean="0"/>
-              <a:t>7/18/2018</a:t>
+              <a:t>8/2/2018</a:t>
             </a:fld>
             <a:endParaRPr lang="en-US"/>
           </a:p>
@@ -3162,14 +3163,20 @@
       </p:grpSpPr>
       <p:sp>
         <p:nvSpPr>
-          <p:cNvPr id="46" name="Rectangle 45"/>
+          <p:cNvPr id="279" name="Rectangle 278">
+            <a:extLst>
+              <a:ext uri="{FF2B5EF4-FFF2-40B4-BE49-F238E27FC236}">
+                <a16:creationId xmlns:a16="http://schemas.microsoft.com/office/drawing/2014/main" id="{EB57D7B7-F9FA-43D4-9384-65299ABD2001}"/>
+              </a:ext>
+            </a:extLst>
+          </p:cNvPr>
           <p:cNvSpPr/>
           <p:nvPr/>
         </p:nvSpPr>
         <p:spPr>
           <a:xfrm>
-            <a:off x="76200" y="457201"/>
-            <a:ext cx="8991600" cy="5181600"/>
+            <a:off x="217714" y="554629"/>
+            <a:ext cx="8828154" cy="6124403"/>
           </a:xfrm>
           <a:prstGeom prst="rect">
             <a:avLst/>
@@ -3198,973 +3205,6 @@
           </a:p>
         </p:txBody>
       </p:sp>
-      <p:sp>
-        <p:nvSpPr>
-          <p:cNvPr id="5" name="Rounded Rectangle 4"/>
-          <p:cNvSpPr/>
-          <p:nvPr/>
-        </p:nvSpPr>
-        <p:spPr>
-          <a:xfrm>
-            <a:off x="2438400" y="695325"/>
-            <a:ext cx="1752600" cy="914400"/>
-          </a:xfrm>
-          <a:prstGeom prst="roundRect">
-            <a:avLst/>
-          </a:prstGeom>
-        </p:spPr>
-        <p:style>
-          <a:lnRef idx="2">
-            <a:schemeClr val="accent3"/>
-          </a:lnRef>
-          <a:fillRef idx="1">
-            <a:schemeClr val="lt1"/>
-          </a:fillRef>
-          <a:effectRef idx="0">
-            <a:schemeClr val="accent3"/>
-          </a:effectRef>
-          <a:fontRef idx="minor">
-            <a:schemeClr val="dk1"/>
-          </a:fontRef>
-        </p:style>
-        <p:txBody>
-          <a:bodyPr rtlCol="0" anchor="ctr"/>
-          <a:lstStyle/>
-          <a:p>
-            <a:pPr algn="ctr"/>
-            <a:r>
-              <a:rPr lang="en-US" dirty="0"/>
-              <a:t>Web UI</a:t>
-            </a:r>
-          </a:p>
-          <a:p>
-            <a:pPr algn="ctr"/>
-            <a:r>
-              <a:rPr lang="en-US" dirty="0"/>
-              <a:t>Vuejs + Nodejs</a:t>
-            </a:r>
-          </a:p>
-        </p:txBody>
-      </p:sp>
-      <p:sp>
-        <p:nvSpPr>
-          <p:cNvPr id="6" name="Rounded Rectangle 5"/>
-          <p:cNvSpPr/>
-          <p:nvPr/>
-        </p:nvSpPr>
-        <p:spPr>
-          <a:xfrm>
-            <a:off x="2438400" y="2057400"/>
-            <a:ext cx="1755820" cy="914400"/>
-          </a:xfrm>
-          <a:prstGeom prst="roundRect">
-            <a:avLst/>
-          </a:prstGeom>
-        </p:spPr>
-        <p:style>
-          <a:lnRef idx="2">
-            <a:schemeClr val="accent6"/>
-          </a:lnRef>
-          <a:fillRef idx="1">
-            <a:schemeClr val="lt1"/>
-          </a:fillRef>
-          <a:effectRef idx="0">
-            <a:schemeClr val="accent6"/>
-          </a:effectRef>
-          <a:fontRef idx="minor">
-            <a:schemeClr val="dk1"/>
-          </a:fontRef>
-        </p:style>
-        <p:txBody>
-          <a:bodyPr rtlCol="0" anchor="ctr"/>
-          <a:lstStyle/>
-          <a:p>
-            <a:pPr algn="ctr"/>
-            <a:r>
-              <a:rPr lang="en-US" dirty="0"/>
-              <a:t>Gateway</a:t>
-            </a:r>
-          </a:p>
-        </p:txBody>
-      </p:sp>
-      <p:sp>
-        <p:nvSpPr>
-          <p:cNvPr id="7" name="Rounded Rectangle 6"/>
-          <p:cNvSpPr/>
-          <p:nvPr/>
-        </p:nvSpPr>
-        <p:spPr>
-          <a:xfrm>
-            <a:off x="304800" y="3657600"/>
-            <a:ext cx="1066800" cy="685800"/>
-          </a:xfrm>
-          <a:prstGeom prst="roundRect">
-            <a:avLst/>
-          </a:prstGeom>
-        </p:spPr>
-        <p:style>
-          <a:lnRef idx="2">
-            <a:schemeClr val="accent3"/>
-          </a:lnRef>
-          <a:fillRef idx="1">
-            <a:schemeClr val="lt1"/>
-          </a:fillRef>
-          <a:effectRef idx="0">
-            <a:schemeClr val="accent3"/>
-          </a:effectRef>
-          <a:fontRef idx="minor">
-            <a:schemeClr val="dk1"/>
-          </a:fontRef>
-        </p:style>
-        <p:txBody>
-          <a:bodyPr rtlCol="0" anchor="ctr"/>
-          <a:lstStyle/>
-          <a:p>
-            <a:pPr algn="ctr"/>
-            <a:r>
-              <a:rPr lang="en-US" dirty="0"/>
-              <a:t>Rating</a:t>
-            </a:r>
-          </a:p>
-        </p:txBody>
-      </p:sp>
-      <p:sp>
-        <p:nvSpPr>
-          <p:cNvPr id="8" name="Rounded Rectangle 7"/>
-          <p:cNvSpPr/>
-          <p:nvPr/>
-        </p:nvSpPr>
-        <p:spPr>
-          <a:xfrm>
-            <a:off x="1790700" y="3628623"/>
-            <a:ext cx="1143000" cy="685800"/>
-          </a:xfrm>
-          <a:prstGeom prst="roundRect">
-            <a:avLst/>
-          </a:prstGeom>
-        </p:spPr>
-        <p:style>
-          <a:lnRef idx="2">
-            <a:schemeClr val="accent4"/>
-          </a:lnRef>
-          <a:fillRef idx="1">
-            <a:schemeClr val="lt1"/>
-          </a:fillRef>
-          <a:effectRef idx="0">
-            <a:schemeClr val="accent4"/>
-          </a:effectRef>
-          <a:fontRef idx="minor">
-            <a:schemeClr val="dk1"/>
-          </a:fontRef>
-        </p:style>
-        <p:txBody>
-          <a:bodyPr rtlCol="0" anchor="ctr"/>
-          <a:lstStyle/>
-          <a:p>
-            <a:pPr algn="ctr"/>
-            <a:r>
-              <a:rPr lang="en-US" dirty="0"/>
-              <a:t>Review</a:t>
-            </a:r>
-          </a:p>
-        </p:txBody>
-      </p:sp>
-      <p:sp>
-        <p:nvSpPr>
-          <p:cNvPr id="9" name="Rounded Rectangle 8"/>
-          <p:cNvSpPr/>
-          <p:nvPr/>
-        </p:nvSpPr>
-        <p:spPr>
-          <a:xfrm>
-            <a:off x="3237963" y="3657600"/>
-            <a:ext cx="1257837" cy="675068"/>
-          </a:xfrm>
-          <a:prstGeom prst="roundRect">
-            <a:avLst/>
-          </a:prstGeom>
-        </p:spPr>
-        <p:style>
-          <a:lnRef idx="2">
-            <a:schemeClr val="accent4"/>
-          </a:lnRef>
-          <a:fillRef idx="1">
-            <a:schemeClr val="lt1"/>
-          </a:fillRef>
-          <a:effectRef idx="0">
-            <a:schemeClr val="accent4"/>
-          </a:effectRef>
-          <a:fontRef idx="minor">
-            <a:schemeClr val="dk1"/>
-          </a:fontRef>
-        </p:style>
-        <p:txBody>
-          <a:bodyPr rtlCol="0" anchor="ctr"/>
-          <a:lstStyle/>
-          <a:p>
-            <a:pPr algn="ctr"/>
-            <a:r>
-              <a:rPr lang="en-US" dirty="0"/>
-              <a:t>Inventory</a:t>
-            </a:r>
-          </a:p>
-        </p:txBody>
-      </p:sp>
-      <p:sp>
-        <p:nvSpPr>
-          <p:cNvPr id="10" name="Rounded Rectangle 9"/>
-          <p:cNvSpPr/>
-          <p:nvPr/>
-        </p:nvSpPr>
-        <p:spPr>
-          <a:xfrm>
-            <a:off x="4873580" y="3655454"/>
-            <a:ext cx="1298620" cy="675068"/>
-          </a:xfrm>
-          <a:prstGeom prst="roundRect">
-            <a:avLst/>
-          </a:prstGeom>
-        </p:spPr>
-        <p:style>
-          <a:lnRef idx="2">
-            <a:schemeClr val="accent3"/>
-          </a:lnRef>
-          <a:fillRef idx="1">
-            <a:schemeClr val="lt1"/>
-          </a:fillRef>
-          <a:effectRef idx="0">
-            <a:schemeClr val="accent3"/>
-          </a:effectRef>
-          <a:fontRef idx="minor">
-            <a:schemeClr val="dk1"/>
-          </a:fontRef>
-        </p:style>
-        <p:txBody>
-          <a:bodyPr rtlCol="0" anchor="ctr"/>
-          <a:lstStyle/>
-          <a:p>
-            <a:pPr algn="ctr"/>
-            <a:r>
-              <a:rPr lang="en-US" dirty="0"/>
-              <a:t>Catalog</a:t>
-            </a:r>
-          </a:p>
-        </p:txBody>
-      </p:sp>
-      <p:sp>
-        <p:nvSpPr>
-          <p:cNvPr id="11" name="Rounded Rectangle 10"/>
-          <p:cNvSpPr/>
-          <p:nvPr/>
-        </p:nvSpPr>
-        <p:spPr>
-          <a:xfrm>
-            <a:off x="6553200" y="3657600"/>
-            <a:ext cx="990600" cy="685800"/>
-          </a:xfrm>
-          <a:prstGeom prst="roundRect">
-            <a:avLst/>
-          </a:prstGeom>
-        </p:spPr>
-        <p:style>
-          <a:lnRef idx="2">
-            <a:schemeClr val="accent4"/>
-          </a:lnRef>
-          <a:fillRef idx="1">
-            <a:schemeClr val="lt1"/>
-          </a:fillRef>
-          <a:effectRef idx="0">
-            <a:schemeClr val="accent4"/>
-          </a:effectRef>
-          <a:fontRef idx="minor">
-            <a:schemeClr val="dk1"/>
-          </a:fontRef>
-        </p:style>
-        <p:txBody>
-          <a:bodyPr rtlCol="0" anchor="ctr"/>
-          <a:lstStyle/>
-          <a:p>
-            <a:pPr algn="ctr"/>
-            <a:r>
-              <a:rPr lang="en-US" dirty="0"/>
-              <a:t>Cart</a:t>
-            </a:r>
-          </a:p>
-        </p:txBody>
-      </p:sp>
-      <p:sp>
-        <p:nvSpPr>
-          <p:cNvPr id="12" name="Rounded Rectangle 11"/>
-          <p:cNvSpPr/>
-          <p:nvPr/>
-        </p:nvSpPr>
-        <p:spPr>
-          <a:xfrm>
-            <a:off x="7924800" y="3655454"/>
-            <a:ext cx="990600" cy="685800"/>
-          </a:xfrm>
-          <a:prstGeom prst="roundRect">
-            <a:avLst/>
-          </a:prstGeom>
-        </p:spPr>
-        <p:style>
-          <a:lnRef idx="2">
-            <a:schemeClr val="accent4"/>
-          </a:lnRef>
-          <a:fillRef idx="1">
-            <a:schemeClr val="lt1"/>
-          </a:fillRef>
-          <a:effectRef idx="0">
-            <a:schemeClr val="accent4"/>
-          </a:effectRef>
-          <a:fontRef idx="minor">
-            <a:schemeClr val="dk1"/>
-          </a:fontRef>
-        </p:style>
-        <p:txBody>
-          <a:bodyPr rtlCol="0" anchor="ctr"/>
-          <a:lstStyle/>
-          <a:p>
-            <a:pPr algn="ctr"/>
-            <a:r>
-              <a:rPr lang="en-US" dirty="0"/>
-              <a:t>Pricing</a:t>
-            </a:r>
-          </a:p>
-        </p:txBody>
-      </p:sp>
-      <p:sp>
-        <p:nvSpPr>
-          <p:cNvPr id="13" name="Flowchart: Magnetic Disk 12"/>
-          <p:cNvSpPr/>
-          <p:nvPr/>
-        </p:nvSpPr>
-        <p:spPr>
-          <a:xfrm>
-            <a:off x="228600" y="4876800"/>
-            <a:ext cx="1219200" cy="510540"/>
-          </a:xfrm>
-          <a:prstGeom prst="flowChartMagneticDisk">
-            <a:avLst/>
-          </a:prstGeom>
-        </p:spPr>
-        <p:style>
-          <a:lnRef idx="1">
-            <a:schemeClr val="dk1"/>
-          </a:lnRef>
-          <a:fillRef idx="2">
-            <a:schemeClr val="dk1"/>
-          </a:fillRef>
-          <a:effectRef idx="1">
-            <a:schemeClr val="dk1"/>
-          </a:effectRef>
-          <a:fontRef idx="minor">
-            <a:schemeClr val="dk1"/>
-          </a:fontRef>
-        </p:style>
-        <p:txBody>
-          <a:bodyPr rtlCol="0" anchor="ctr"/>
-          <a:lstStyle/>
-          <a:p>
-            <a:pPr algn="ctr"/>
-            <a:r>
-              <a:rPr lang="en-US" dirty="0"/>
-              <a:t>Mongo DB</a:t>
-            </a:r>
-          </a:p>
-        </p:txBody>
-      </p:sp>
-      <p:sp>
-        <p:nvSpPr>
-          <p:cNvPr id="14" name="Flowchart: Magnetic Disk 13"/>
-          <p:cNvSpPr/>
-          <p:nvPr/>
-        </p:nvSpPr>
-        <p:spPr>
-          <a:xfrm>
-            <a:off x="1752600" y="4883239"/>
-            <a:ext cx="1219200" cy="510540"/>
-          </a:xfrm>
-          <a:prstGeom prst="flowChartMagneticDisk">
-            <a:avLst/>
-          </a:prstGeom>
-        </p:spPr>
-        <p:style>
-          <a:lnRef idx="2">
-            <a:schemeClr val="dk1"/>
-          </a:lnRef>
-          <a:fillRef idx="1">
-            <a:schemeClr val="lt1"/>
-          </a:fillRef>
-          <a:effectRef idx="0">
-            <a:schemeClr val="dk1"/>
-          </a:effectRef>
-          <a:fontRef idx="minor">
-            <a:schemeClr val="dk1"/>
-          </a:fontRef>
-        </p:style>
-        <p:txBody>
-          <a:bodyPr rtlCol="0" anchor="ctr"/>
-          <a:lstStyle/>
-          <a:p>
-            <a:pPr algn="ctr"/>
-            <a:r>
-              <a:rPr lang="en-US" dirty="0"/>
-              <a:t>SQL Server</a:t>
-            </a:r>
-          </a:p>
-        </p:txBody>
-      </p:sp>
-      <p:sp>
-        <p:nvSpPr>
-          <p:cNvPr id="15" name="Flowchart: Magnetic Disk 14"/>
-          <p:cNvSpPr/>
-          <p:nvPr/>
-        </p:nvSpPr>
-        <p:spPr>
-          <a:xfrm>
-            <a:off x="3276600" y="4866068"/>
-            <a:ext cx="1219200" cy="510540"/>
-          </a:xfrm>
-          <a:prstGeom prst="flowChartMagneticDisk">
-            <a:avLst/>
-          </a:prstGeom>
-        </p:spPr>
-        <p:style>
-          <a:lnRef idx="2">
-            <a:schemeClr val="dk1"/>
-          </a:lnRef>
-          <a:fillRef idx="1">
-            <a:schemeClr val="lt1"/>
-          </a:fillRef>
-          <a:effectRef idx="0">
-            <a:schemeClr val="dk1"/>
-          </a:effectRef>
-          <a:fontRef idx="minor">
-            <a:schemeClr val="dk1"/>
-          </a:fontRef>
-        </p:style>
-        <p:txBody>
-          <a:bodyPr rtlCol="0" anchor="ctr"/>
-          <a:lstStyle/>
-          <a:p>
-            <a:pPr algn="ctr"/>
-            <a:r>
-              <a:rPr lang="en-US" dirty="0"/>
-              <a:t>SQL Server</a:t>
-            </a:r>
-          </a:p>
-        </p:txBody>
-      </p:sp>
-      <p:sp>
-        <p:nvSpPr>
-          <p:cNvPr id="16" name="Flowchart: Magnetic Disk 15"/>
-          <p:cNvSpPr/>
-          <p:nvPr/>
-        </p:nvSpPr>
-        <p:spPr>
-          <a:xfrm>
-            <a:off x="4953000" y="4836151"/>
-            <a:ext cx="1219200" cy="510540"/>
-          </a:xfrm>
-          <a:prstGeom prst="flowChartMagneticDisk">
-            <a:avLst/>
-          </a:prstGeom>
-        </p:spPr>
-        <p:style>
-          <a:lnRef idx="1">
-            <a:schemeClr val="dk1"/>
-          </a:lnRef>
-          <a:fillRef idx="2">
-            <a:schemeClr val="dk1"/>
-          </a:fillRef>
-          <a:effectRef idx="1">
-            <a:schemeClr val="dk1"/>
-          </a:effectRef>
-          <a:fontRef idx="minor">
-            <a:schemeClr val="dk1"/>
-          </a:fontRef>
-        </p:style>
-        <p:txBody>
-          <a:bodyPr rtlCol="0" anchor="ctr"/>
-          <a:lstStyle/>
-          <a:p>
-            <a:pPr algn="ctr"/>
-            <a:r>
-              <a:rPr lang="en-US" dirty="0"/>
-              <a:t>Mongo DB</a:t>
-            </a:r>
-          </a:p>
-        </p:txBody>
-      </p:sp>
-      <p:cxnSp>
-        <p:nvCxnSpPr>
-          <p:cNvPr id="18" name="Straight Arrow Connector 17"/>
-          <p:cNvCxnSpPr>
-            <a:stCxn id="5" idx="2"/>
-            <a:endCxn id="6" idx="0"/>
-          </p:cNvCxnSpPr>
-          <p:nvPr/>
-        </p:nvCxnSpPr>
-        <p:spPr>
-          <a:xfrm>
-            <a:off x="3314700" y="1609725"/>
-            <a:ext cx="1610" cy="447675"/>
-          </a:xfrm>
-          <a:prstGeom prst="straightConnector1">
-            <a:avLst/>
-          </a:prstGeom>
-          <a:ln>
-            <a:tailEnd type="arrow"/>
-          </a:ln>
-        </p:spPr>
-        <p:style>
-          <a:lnRef idx="1">
-            <a:schemeClr val="accent1"/>
-          </a:lnRef>
-          <a:fillRef idx="0">
-            <a:schemeClr val="accent1"/>
-          </a:fillRef>
-          <a:effectRef idx="0">
-            <a:schemeClr val="accent1"/>
-          </a:effectRef>
-          <a:fontRef idx="minor">
-            <a:schemeClr val="tx1"/>
-          </a:fontRef>
-        </p:style>
-      </p:cxnSp>
-      <p:cxnSp>
-        <p:nvCxnSpPr>
-          <p:cNvPr id="20" name="Straight Arrow Connector 19"/>
-          <p:cNvCxnSpPr>
-            <a:stCxn id="6" idx="2"/>
-            <a:endCxn id="7" idx="0"/>
-          </p:cNvCxnSpPr>
-          <p:nvPr/>
-        </p:nvCxnSpPr>
-        <p:spPr>
-          <a:xfrm flipH="1">
-            <a:off x="838200" y="2971800"/>
-            <a:ext cx="2478110" cy="685800"/>
-          </a:xfrm>
-          <a:prstGeom prst="straightConnector1">
-            <a:avLst/>
-          </a:prstGeom>
-          <a:ln>
-            <a:tailEnd type="arrow"/>
-          </a:ln>
-        </p:spPr>
-        <p:style>
-          <a:lnRef idx="1">
-            <a:schemeClr val="accent1"/>
-          </a:lnRef>
-          <a:fillRef idx="0">
-            <a:schemeClr val="accent1"/>
-          </a:fillRef>
-          <a:effectRef idx="0">
-            <a:schemeClr val="accent1"/>
-          </a:effectRef>
-          <a:fontRef idx="minor">
-            <a:schemeClr val="tx1"/>
-          </a:fontRef>
-        </p:style>
-      </p:cxnSp>
-      <p:cxnSp>
-        <p:nvCxnSpPr>
-          <p:cNvPr id="22" name="Straight Arrow Connector 21"/>
-          <p:cNvCxnSpPr>
-            <a:stCxn id="6" idx="2"/>
-            <a:endCxn id="8" idx="0"/>
-          </p:cNvCxnSpPr>
-          <p:nvPr/>
-        </p:nvCxnSpPr>
-        <p:spPr>
-          <a:xfrm flipH="1">
-            <a:off x="2362200" y="2971800"/>
-            <a:ext cx="954110" cy="656823"/>
-          </a:xfrm>
-          <a:prstGeom prst="straightConnector1">
-            <a:avLst/>
-          </a:prstGeom>
-          <a:ln>
-            <a:tailEnd type="arrow"/>
-          </a:ln>
-        </p:spPr>
-        <p:style>
-          <a:lnRef idx="1">
-            <a:schemeClr val="accent1"/>
-          </a:lnRef>
-          <a:fillRef idx="0">
-            <a:schemeClr val="accent1"/>
-          </a:fillRef>
-          <a:effectRef idx="0">
-            <a:schemeClr val="accent1"/>
-          </a:effectRef>
-          <a:fontRef idx="minor">
-            <a:schemeClr val="tx1"/>
-          </a:fontRef>
-        </p:style>
-      </p:cxnSp>
-      <p:cxnSp>
-        <p:nvCxnSpPr>
-          <p:cNvPr id="24" name="Straight Arrow Connector 23"/>
-          <p:cNvCxnSpPr>
-            <a:stCxn id="6" idx="2"/>
-            <a:endCxn id="9" idx="0"/>
-          </p:cNvCxnSpPr>
-          <p:nvPr/>
-        </p:nvCxnSpPr>
-        <p:spPr>
-          <a:xfrm>
-            <a:off x="3316310" y="2971800"/>
-            <a:ext cx="550572" cy="685800"/>
-          </a:xfrm>
-          <a:prstGeom prst="straightConnector1">
-            <a:avLst/>
-          </a:prstGeom>
-          <a:ln>
-            <a:tailEnd type="arrow"/>
-          </a:ln>
-        </p:spPr>
-        <p:style>
-          <a:lnRef idx="1">
-            <a:schemeClr val="accent1"/>
-          </a:lnRef>
-          <a:fillRef idx="0">
-            <a:schemeClr val="accent1"/>
-          </a:fillRef>
-          <a:effectRef idx="0">
-            <a:schemeClr val="accent1"/>
-          </a:effectRef>
-          <a:fontRef idx="minor">
-            <a:schemeClr val="tx1"/>
-          </a:fontRef>
-        </p:style>
-      </p:cxnSp>
-      <p:cxnSp>
-        <p:nvCxnSpPr>
-          <p:cNvPr id="26" name="Straight Arrow Connector 25"/>
-          <p:cNvCxnSpPr>
-            <a:stCxn id="6" idx="2"/>
-            <a:endCxn id="10" idx="0"/>
-          </p:cNvCxnSpPr>
-          <p:nvPr/>
-        </p:nvCxnSpPr>
-        <p:spPr>
-          <a:xfrm>
-            <a:off x="3316310" y="2971800"/>
-            <a:ext cx="2206580" cy="683654"/>
-          </a:xfrm>
-          <a:prstGeom prst="straightConnector1">
-            <a:avLst/>
-          </a:prstGeom>
-          <a:ln>
-            <a:tailEnd type="arrow"/>
-          </a:ln>
-        </p:spPr>
-        <p:style>
-          <a:lnRef idx="1">
-            <a:schemeClr val="accent1"/>
-          </a:lnRef>
-          <a:fillRef idx="0">
-            <a:schemeClr val="accent1"/>
-          </a:fillRef>
-          <a:effectRef idx="0">
-            <a:schemeClr val="accent1"/>
-          </a:effectRef>
-          <a:fontRef idx="minor">
-            <a:schemeClr val="tx1"/>
-          </a:fontRef>
-        </p:style>
-      </p:cxnSp>
-      <p:cxnSp>
-        <p:nvCxnSpPr>
-          <p:cNvPr id="28" name="Straight Arrow Connector 27"/>
-          <p:cNvCxnSpPr>
-            <a:stCxn id="6" idx="2"/>
-            <a:endCxn id="11" idx="0"/>
-          </p:cNvCxnSpPr>
-          <p:nvPr/>
-        </p:nvCxnSpPr>
-        <p:spPr>
-          <a:xfrm>
-            <a:off x="3316310" y="2971800"/>
-            <a:ext cx="3732190" cy="685800"/>
-          </a:xfrm>
-          <a:prstGeom prst="straightConnector1">
-            <a:avLst/>
-          </a:prstGeom>
-          <a:ln>
-            <a:tailEnd type="arrow"/>
-          </a:ln>
-        </p:spPr>
-        <p:style>
-          <a:lnRef idx="1">
-            <a:schemeClr val="accent1"/>
-          </a:lnRef>
-          <a:fillRef idx="0">
-            <a:schemeClr val="accent1"/>
-          </a:fillRef>
-          <a:effectRef idx="0">
-            <a:schemeClr val="accent1"/>
-          </a:effectRef>
-          <a:fontRef idx="minor">
-            <a:schemeClr val="tx1"/>
-          </a:fontRef>
-        </p:style>
-      </p:cxnSp>
-      <p:cxnSp>
-        <p:nvCxnSpPr>
-          <p:cNvPr id="30" name="Straight Arrow Connector 29"/>
-          <p:cNvCxnSpPr>
-            <a:stCxn id="6" idx="2"/>
-            <a:endCxn id="12" idx="0"/>
-          </p:cNvCxnSpPr>
-          <p:nvPr/>
-        </p:nvCxnSpPr>
-        <p:spPr>
-          <a:xfrm>
-            <a:off x="3316310" y="2971800"/>
-            <a:ext cx="5103790" cy="683654"/>
-          </a:xfrm>
-          <a:prstGeom prst="straightConnector1">
-            <a:avLst/>
-          </a:prstGeom>
-          <a:ln>
-            <a:tailEnd type="arrow"/>
-          </a:ln>
-        </p:spPr>
-        <p:style>
-          <a:lnRef idx="1">
-            <a:schemeClr val="accent1"/>
-          </a:lnRef>
-          <a:fillRef idx="0">
-            <a:schemeClr val="accent1"/>
-          </a:fillRef>
-          <a:effectRef idx="0">
-            <a:schemeClr val="accent1"/>
-          </a:effectRef>
-          <a:fontRef idx="minor">
-            <a:schemeClr val="tx1"/>
-          </a:fontRef>
-        </p:style>
-      </p:cxnSp>
-      <p:cxnSp>
-        <p:nvCxnSpPr>
-          <p:cNvPr id="32" name="Straight Arrow Connector 31"/>
-          <p:cNvCxnSpPr>
-            <a:stCxn id="10" idx="3"/>
-            <a:endCxn id="11" idx="1"/>
-          </p:cNvCxnSpPr>
-          <p:nvPr/>
-        </p:nvCxnSpPr>
-        <p:spPr>
-          <a:xfrm>
-            <a:off x="6172200" y="3992988"/>
-            <a:ext cx="381000" cy="7512"/>
-          </a:xfrm>
-          <a:prstGeom prst="straightConnector1">
-            <a:avLst/>
-          </a:prstGeom>
-          <a:ln>
-            <a:headEnd type="arrow" w="med" len="med"/>
-            <a:tailEnd type="arrow" w="med" len="med"/>
-          </a:ln>
-        </p:spPr>
-        <p:style>
-          <a:lnRef idx="1">
-            <a:schemeClr val="accent1"/>
-          </a:lnRef>
-          <a:fillRef idx="0">
-            <a:schemeClr val="accent1"/>
-          </a:fillRef>
-          <a:effectRef idx="0">
-            <a:schemeClr val="accent1"/>
-          </a:effectRef>
-          <a:fontRef idx="minor">
-            <a:schemeClr val="tx1"/>
-          </a:fontRef>
-        </p:style>
-      </p:cxnSp>
-      <p:cxnSp>
-        <p:nvCxnSpPr>
-          <p:cNvPr id="34" name="Straight Arrow Connector 33"/>
-          <p:cNvCxnSpPr>
-            <a:stCxn id="11" idx="3"/>
-            <a:endCxn id="12" idx="1"/>
-          </p:cNvCxnSpPr>
-          <p:nvPr/>
-        </p:nvCxnSpPr>
-        <p:spPr>
-          <a:xfrm flipV="1">
-            <a:off x="7543800" y="3998354"/>
-            <a:ext cx="381000" cy="2146"/>
-          </a:xfrm>
-          <a:prstGeom prst="straightConnector1">
-            <a:avLst/>
-          </a:prstGeom>
-          <a:ln>
-            <a:tailEnd type="arrow"/>
-          </a:ln>
-        </p:spPr>
-        <p:style>
-          <a:lnRef idx="1">
-            <a:schemeClr val="accent1"/>
-          </a:lnRef>
-          <a:fillRef idx="0">
-            <a:schemeClr val="accent1"/>
-          </a:fillRef>
-          <a:effectRef idx="0">
-            <a:schemeClr val="accent1"/>
-          </a:effectRef>
-          <a:fontRef idx="minor">
-            <a:schemeClr val="tx1"/>
-          </a:fontRef>
-        </p:style>
-      </p:cxnSp>
-      <p:cxnSp>
-        <p:nvCxnSpPr>
-          <p:cNvPr id="37" name="Straight Arrow Connector 36"/>
-          <p:cNvCxnSpPr>
-            <a:stCxn id="7" idx="2"/>
-            <a:endCxn id="13" idx="1"/>
-          </p:cNvCxnSpPr>
-          <p:nvPr/>
-        </p:nvCxnSpPr>
-        <p:spPr>
-          <a:xfrm>
-            <a:off x="838200" y="4343400"/>
-            <a:ext cx="0" cy="533400"/>
-          </a:xfrm>
-          <a:prstGeom prst="straightConnector1">
-            <a:avLst/>
-          </a:prstGeom>
-          <a:ln>
-            <a:tailEnd type="arrow"/>
-          </a:ln>
-        </p:spPr>
-        <p:style>
-          <a:lnRef idx="1">
-            <a:schemeClr val="accent1"/>
-          </a:lnRef>
-          <a:fillRef idx="0">
-            <a:schemeClr val="accent1"/>
-          </a:fillRef>
-          <a:effectRef idx="0">
-            <a:schemeClr val="accent1"/>
-          </a:effectRef>
-          <a:fontRef idx="minor">
-            <a:schemeClr val="tx1"/>
-          </a:fontRef>
-        </p:style>
-      </p:cxnSp>
-      <p:cxnSp>
-        <p:nvCxnSpPr>
-          <p:cNvPr id="39" name="Straight Arrow Connector 38"/>
-          <p:cNvCxnSpPr>
-            <a:stCxn id="8" idx="2"/>
-            <a:endCxn id="14" idx="1"/>
-          </p:cNvCxnSpPr>
-          <p:nvPr/>
-        </p:nvCxnSpPr>
-        <p:spPr>
-          <a:xfrm>
-            <a:off x="2362200" y="4314423"/>
-            <a:ext cx="0" cy="568816"/>
-          </a:xfrm>
-          <a:prstGeom prst="straightConnector1">
-            <a:avLst/>
-          </a:prstGeom>
-          <a:ln>
-            <a:tailEnd type="arrow"/>
-          </a:ln>
-        </p:spPr>
-        <p:style>
-          <a:lnRef idx="1">
-            <a:schemeClr val="accent1"/>
-          </a:lnRef>
-          <a:fillRef idx="0">
-            <a:schemeClr val="accent1"/>
-          </a:fillRef>
-          <a:effectRef idx="0">
-            <a:schemeClr val="accent1"/>
-          </a:effectRef>
-          <a:fontRef idx="minor">
-            <a:schemeClr val="tx1"/>
-          </a:fontRef>
-        </p:style>
-      </p:cxnSp>
-      <p:cxnSp>
-        <p:nvCxnSpPr>
-          <p:cNvPr id="42" name="Straight Arrow Connector 41"/>
-          <p:cNvCxnSpPr>
-            <a:stCxn id="9" idx="2"/>
-            <a:endCxn id="15" idx="1"/>
-          </p:cNvCxnSpPr>
-          <p:nvPr/>
-        </p:nvCxnSpPr>
-        <p:spPr>
-          <a:xfrm>
-            <a:off x="3866882" y="4332668"/>
-            <a:ext cx="19318" cy="533400"/>
-          </a:xfrm>
-          <a:prstGeom prst="straightConnector1">
-            <a:avLst/>
-          </a:prstGeom>
-          <a:ln>
-            <a:tailEnd type="arrow"/>
-          </a:ln>
-        </p:spPr>
-        <p:style>
-          <a:lnRef idx="1">
-            <a:schemeClr val="accent1"/>
-          </a:lnRef>
-          <a:fillRef idx="0">
-            <a:schemeClr val="accent1"/>
-          </a:fillRef>
-          <a:effectRef idx="0">
-            <a:schemeClr val="accent1"/>
-          </a:effectRef>
-          <a:fontRef idx="minor">
-            <a:schemeClr val="tx1"/>
-          </a:fontRef>
-        </p:style>
-      </p:cxnSp>
-      <p:cxnSp>
-        <p:nvCxnSpPr>
-          <p:cNvPr id="44" name="Straight Arrow Connector 43"/>
-          <p:cNvCxnSpPr>
-            <a:stCxn id="10" idx="2"/>
-          </p:cNvCxnSpPr>
-          <p:nvPr/>
-        </p:nvCxnSpPr>
-        <p:spPr>
-          <a:xfrm>
-            <a:off x="5522890" y="4330522"/>
-            <a:ext cx="0" cy="505629"/>
-          </a:xfrm>
-          <a:prstGeom prst="straightConnector1">
-            <a:avLst/>
-          </a:prstGeom>
-          <a:ln>
-            <a:tailEnd type="arrow"/>
-          </a:ln>
-        </p:spPr>
-        <p:style>
-          <a:lnRef idx="1">
-            <a:schemeClr val="accent1"/>
-          </a:lnRef>
-          <a:fillRef idx="0">
-            <a:schemeClr val="accent1"/>
-          </a:fillRef>
-          <a:effectRef idx="0">
-            <a:schemeClr val="accent1"/>
-          </a:effectRef>
-          <a:fontRef idx="minor">
-            <a:schemeClr val="tx1"/>
-          </a:fontRef>
-        </p:style>
-      </p:cxnSp>
       <p:pic>
         <p:nvPicPr>
           <p:cNvPr id="45" name="Picture 44"/>
@@ -4187,8 +3227,8 @@
         </p:blipFill>
         <p:spPr>
           <a:xfrm>
-            <a:off x="8356600" y="467932"/>
-            <a:ext cx="700468" cy="700468"/>
+            <a:off x="8279201" y="605113"/>
+            <a:ext cx="728550" cy="728550"/>
           </a:xfrm>
           <a:prstGeom prst="rect">
             <a:avLst/>
@@ -4197,61 +3237,4701 @@
       </p:pic>
       <p:sp>
         <p:nvSpPr>
-          <p:cNvPr id="50" name="Rounded Rectangle 49"/>
-          <p:cNvSpPr/>
+          <p:cNvPr id="167" name="TextBox 166">
+            <a:extLst>
+              <a:ext uri="{FF2B5EF4-FFF2-40B4-BE49-F238E27FC236}">
+                <a16:creationId xmlns:a16="http://schemas.microsoft.com/office/drawing/2014/main" id="{786150D0-A442-477B-AEF6-6FCE285D9263}"/>
+              </a:ext>
+            </a:extLst>
+          </p:cNvPr>
+          <p:cNvSpPr txBox="1"/>
           <p:nvPr/>
         </p:nvSpPr>
         <p:spPr>
           <a:xfrm>
-            <a:off x="5638800" y="2133600"/>
-            <a:ext cx="990600" cy="685800"/>
+            <a:off x="5099395" y="6278177"/>
+            <a:ext cx="5582762" cy="276999"/>
           </a:xfrm>
-          <a:prstGeom prst="roundRect">
+          <a:prstGeom prst="rect">
             <a:avLst/>
           </a:prstGeom>
+          <a:noFill/>
         </p:spPr>
-        <p:style>
-          <a:lnRef idx="2">
-            <a:schemeClr val="accent4"/>
-          </a:lnRef>
-          <a:fillRef idx="1">
-            <a:schemeClr val="lt1"/>
-          </a:fillRef>
-          <a:effectRef idx="0">
-            <a:schemeClr val="accent4"/>
-          </a:effectRef>
-          <a:fontRef idx="minor">
-            <a:schemeClr val="dk1"/>
-          </a:fontRef>
-        </p:style>
         <p:txBody>
-          <a:bodyPr rtlCol="0" anchor="ctr"/>
+          <a:bodyPr wrap="square" rtlCol="0">
+            <a:spAutoFit/>
+          </a:bodyPr>
           <a:lstStyle/>
           <a:p>
-            <a:pPr algn="ctr"/>
-            <a:endParaRPr lang="en-US" dirty="0"/>
+            <a:r>
+              <a:rPr lang="en-US" sz="1200" b="1" dirty="0"/>
+              <a:t>https://github.com/vietnam-devs/coolstore-microservices</a:t>
+            </a:r>
           </a:p>
         </p:txBody>
       </p:sp>
+      <p:grpSp>
+        <p:nvGrpSpPr>
+          <p:cNvPr id="140" name="Group 139">
+            <a:extLst>
+              <a:ext uri="{FF2B5EF4-FFF2-40B4-BE49-F238E27FC236}">
+                <a16:creationId xmlns:a16="http://schemas.microsoft.com/office/drawing/2014/main" id="{E6EB9C6D-402E-48ED-A07E-39478DEB3BBC}"/>
+              </a:ext>
+            </a:extLst>
+          </p:cNvPr>
+          <p:cNvGrpSpPr/>
+          <p:nvPr/>
+        </p:nvGrpSpPr>
+        <p:grpSpPr>
+          <a:xfrm>
+            <a:off x="1067472" y="109631"/>
+            <a:ext cx="1068151" cy="1118650"/>
+            <a:chOff x="787631" y="188655"/>
+            <a:chExt cx="1068151" cy="1118650"/>
+          </a:xfrm>
+        </p:grpSpPr>
+        <p:pic>
+          <p:nvPicPr>
+            <p:cNvPr id="98" name="Picture 97">
+              <a:extLst>
+                <a:ext uri="{FF2B5EF4-FFF2-40B4-BE49-F238E27FC236}">
+                  <a16:creationId xmlns:a16="http://schemas.microsoft.com/office/drawing/2014/main" id="{94FE5355-1B67-4EF5-9A4C-9C69041F6E3B}"/>
+                </a:ext>
+              </a:extLst>
+            </p:cNvPr>
+            <p:cNvPicPr>
+              <a:picLocks noChangeAspect="1"/>
+            </p:cNvPicPr>
+            <p:nvPr/>
+          </p:nvPicPr>
+          <p:blipFill>
+            <a:blip r:embed="rId3" cstate="print">
+              <a:extLst>
+                <a:ext uri="{28A0092B-C50C-407E-A947-70E740481C1C}">
+                  <a14:useLocalDpi xmlns:a14="http://schemas.microsoft.com/office/drawing/2010/main" val="0"/>
+                </a:ext>
+              </a:extLst>
+            </a:blip>
+            <a:stretch>
+              <a:fillRect/>
+            </a:stretch>
+          </p:blipFill>
+          <p:spPr>
+            <a:xfrm>
+              <a:off x="1222670" y="1090755"/>
+              <a:ext cx="216550" cy="216550"/>
+            </a:xfrm>
+            <a:prstGeom prst="rect">
+              <a:avLst/>
+            </a:prstGeom>
+          </p:spPr>
+        </p:pic>
+        <p:grpSp>
+          <p:nvGrpSpPr>
+            <p:cNvPr id="5" name="Group 4">
+              <a:extLst>
+                <a:ext uri="{FF2B5EF4-FFF2-40B4-BE49-F238E27FC236}">
+                  <a16:creationId xmlns:a16="http://schemas.microsoft.com/office/drawing/2014/main" id="{FAA8E455-8B85-4E84-A42D-BF33678205E1}"/>
+                </a:ext>
+              </a:extLst>
+            </p:cNvPr>
+            <p:cNvGrpSpPr/>
+            <p:nvPr/>
+          </p:nvGrpSpPr>
+          <p:grpSpPr>
+            <a:xfrm>
+              <a:off x="787631" y="188655"/>
+              <a:ext cx="1068151" cy="919700"/>
+              <a:chOff x="2775925" y="643152"/>
+              <a:chExt cx="1068151" cy="919700"/>
+            </a:xfrm>
+          </p:grpSpPr>
+          <p:sp>
+            <p:nvSpPr>
+              <p:cNvPr id="120" name="Hexagon 176">
+                <a:extLst>
+                  <a:ext uri="{FF2B5EF4-FFF2-40B4-BE49-F238E27FC236}">
+                    <a16:creationId xmlns:a16="http://schemas.microsoft.com/office/drawing/2014/main" id="{BACA5EBF-6C4A-49C1-B081-0A677B548D74}"/>
+                  </a:ext>
+                </a:extLst>
+              </p:cNvPr>
+              <p:cNvSpPr/>
+              <p:nvPr/>
+            </p:nvSpPr>
+            <p:spPr bwMode="auto">
+              <a:xfrm>
+                <a:off x="2775925" y="643152"/>
+                <a:ext cx="1068151" cy="919700"/>
+              </a:xfrm>
+              <a:prstGeom prst="hexagon">
+                <a:avLst>
+                  <a:gd name="adj" fmla="val 28624"/>
+                  <a:gd name="vf" fmla="val 115470"/>
+                </a:avLst>
+              </a:prstGeom>
+              <a:ln>
+                <a:headEnd type="none" w="med" len="med"/>
+                <a:tailEnd type="none" w="med" len="med"/>
+              </a:ln>
+            </p:spPr>
+            <p:style>
+              <a:lnRef idx="2">
+                <a:schemeClr val="accent6"/>
+              </a:lnRef>
+              <a:fillRef idx="1">
+                <a:schemeClr val="lt1"/>
+              </a:fillRef>
+              <a:effectRef idx="0">
+                <a:schemeClr val="accent6"/>
+              </a:effectRef>
+              <a:fontRef idx="minor">
+                <a:schemeClr val="dk1"/>
+              </a:fontRef>
+            </p:style>
+            <p:txBody>
+              <a:bodyPr rot="0" spcFirstLastPara="0" vertOverflow="overflow" horzOverflow="overflow" vert="horz" wrap="square" lIns="0" tIns="560064" rIns="0" bIns="380632" numCol="1" spcCol="0" rtlCol="0" fromWordArt="0" anchor="t" anchorCtr="0" forceAA="0" compatLnSpc="1">
+                <a:prstTxWarp prst="textNoShape">
+                  <a:avLst/>
+                </a:prstTxWarp>
+                <a:noAutofit/>
+              </a:bodyPr>
+              <a:lstStyle/>
+              <a:p>
+                <a:pPr algn="ctr" defTabSz="878453" fontAlgn="base">
+                  <a:lnSpc>
+                    <a:spcPct val="90000"/>
+                  </a:lnSpc>
+                  <a:spcBef>
+                    <a:spcPct val="0"/>
+                  </a:spcBef>
+                  <a:spcAft>
+                    <a:spcPct val="0"/>
+                  </a:spcAft>
+                </a:pPr>
+                <a:r>
+                  <a:rPr lang="en-US" sz="1100" b="1" dirty="0">
+                    <a:solidFill>
+                      <a:schemeClr val="tx1"/>
+                    </a:solidFill>
+                    <a:latin typeface="Segoe UI" charset="0"/>
+                    <a:cs typeface="Segoe UI" charset="0"/>
+                  </a:rPr>
+                  <a:t>Web Front-end</a:t>
+                </a:r>
+                <a:endParaRPr lang="en-US" sz="1131" b="1" dirty="0">
+                  <a:solidFill>
+                    <a:schemeClr val="tx1"/>
+                  </a:solidFill>
+                  <a:latin typeface="Segoe UI" charset="0"/>
+                  <a:cs typeface="Segoe UI" charset="0"/>
+                </a:endParaRPr>
+              </a:p>
+            </p:txBody>
+          </p:sp>
+          <p:pic>
+            <p:nvPicPr>
+              <p:cNvPr id="3" name="Picture 2">
+                <a:extLst>
+                  <a:ext uri="{FF2B5EF4-FFF2-40B4-BE49-F238E27FC236}">
+                    <a16:creationId xmlns:a16="http://schemas.microsoft.com/office/drawing/2014/main" id="{242A128F-3B4E-44BE-B6BD-4D52EF38541F}"/>
+                  </a:ext>
+                </a:extLst>
+              </p:cNvPr>
+              <p:cNvPicPr>
+                <a:picLocks noChangeAspect="1"/>
+              </p:cNvPicPr>
+              <p:nvPr/>
+            </p:nvPicPr>
+            <p:blipFill>
+              <a:blip r:embed="rId4" cstate="print">
+                <a:extLst>
+                  <a:ext uri="{28A0092B-C50C-407E-A947-70E740481C1C}">
+                    <a14:useLocalDpi xmlns:a14="http://schemas.microsoft.com/office/drawing/2010/main" val="0"/>
+                  </a:ext>
+                </a:extLst>
+              </a:blip>
+              <a:stretch>
+                <a:fillRect/>
+              </a:stretch>
+            </p:blipFill>
+            <p:spPr>
+              <a:xfrm flipH="1">
+                <a:off x="3093226" y="712489"/>
+                <a:ext cx="426145" cy="426145"/>
+              </a:xfrm>
+              <a:prstGeom prst="rect">
+                <a:avLst/>
+              </a:prstGeom>
+            </p:spPr>
+          </p:pic>
+        </p:grpSp>
+      </p:grpSp>
+      <p:grpSp>
+        <p:nvGrpSpPr>
+          <p:cNvPr id="26" name="Group 25">
+            <a:extLst>
+              <a:ext uri="{FF2B5EF4-FFF2-40B4-BE49-F238E27FC236}">
+                <a16:creationId xmlns:a16="http://schemas.microsoft.com/office/drawing/2014/main" id="{C9A7787C-53B2-493F-8910-D9345DD32EBC}"/>
+              </a:ext>
+            </a:extLst>
+          </p:cNvPr>
+          <p:cNvGrpSpPr/>
+          <p:nvPr/>
+        </p:nvGrpSpPr>
+        <p:grpSpPr>
+          <a:xfrm>
+            <a:off x="3983582" y="101153"/>
+            <a:ext cx="1068151" cy="919700"/>
+            <a:chOff x="2818049" y="184199"/>
+            <a:chExt cx="1068151" cy="919700"/>
+          </a:xfrm>
+        </p:grpSpPr>
+        <p:sp>
+          <p:nvSpPr>
+            <p:cNvPr id="68" name="Hexagon 176">
+              <a:extLst>
+                <a:ext uri="{FF2B5EF4-FFF2-40B4-BE49-F238E27FC236}">
+                  <a16:creationId xmlns:a16="http://schemas.microsoft.com/office/drawing/2014/main" id="{EB25A3BB-EA25-4A80-AA78-51A4EAA55391}"/>
+                </a:ext>
+              </a:extLst>
+            </p:cNvPr>
+            <p:cNvSpPr/>
+            <p:nvPr/>
+          </p:nvSpPr>
+          <p:spPr bwMode="auto">
+            <a:xfrm>
+              <a:off x="2818049" y="184199"/>
+              <a:ext cx="1068151" cy="919700"/>
+            </a:xfrm>
+            <a:prstGeom prst="hexagon">
+              <a:avLst>
+                <a:gd name="adj" fmla="val 28624"/>
+                <a:gd name="vf" fmla="val 115470"/>
+              </a:avLst>
+            </a:prstGeom>
+            <a:ln>
+              <a:headEnd type="none" w="med" len="med"/>
+              <a:tailEnd type="none" w="med" len="med"/>
+            </a:ln>
+          </p:spPr>
+          <p:style>
+            <a:lnRef idx="2">
+              <a:schemeClr val="dk1"/>
+            </a:lnRef>
+            <a:fillRef idx="1">
+              <a:schemeClr val="lt1"/>
+            </a:fillRef>
+            <a:effectRef idx="0">
+              <a:schemeClr val="dk1"/>
+            </a:effectRef>
+            <a:fontRef idx="minor">
+              <a:schemeClr val="dk1"/>
+            </a:fontRef>
+          </p:style>
+          <p:txBody>
+            <a:bodyPr rot="0" spcFirstLastPara="0" vertOverflow="overflow" horzOverflow="overflow" vert="horz" wrap="square" lIns="0" tIns="560064" rIns="0" bIns="380632" numCol="1" spcCol="0" rtlCol="0" fromWordArt="0" anchor="t" anchorCtr="0" forceAA="0" compatLnSpc="1">
+              <a:prstTxWarp prst="textNoShape">
+                <a:avLst/>
+              </a:prstTxWarp>
+              <a:noAutofit/>
+            </a:bodyPr>
+            <a:lstStyle/>
+            <a:p>
+              <a:pPr algn="ctr" defTabSz="878453" fontAlgn="base">
+                <a:lnSpc>
+                  <a:spcPct val="90000"/>
+                </a:lnSpc>
+                <a:spcBef>
+                  <a:spcPct val="0"/>
+                </a:spcBef>
+                <a:spcAft>
+                  <a:spcPct val="0"/>
+                </a:spcAft>
+              </a:pPr>
+              <a:endParaRPr lang="en-US" sz="1131" b="1" dirty="0">
+                <a:solidFill>
+                  <a:schemeClr val="tx1"/>
+                </a:solidFill>
+                <a:latin typeface="Segoe UI" charset="0"/>
+                <a:cs typeface="Segoe UI" charset="0"/>
+              </a:endParaRPr>
+            </a:p>
+          </p:txBody>
+        </p:sp>
+        <p:pic>
+          <p:nvPicPr>
+            <p:cNvPr id="6" name="Picture 5">
+              <a:extLst>
+                <a:ext uri="{FF2B5EF4-FFF2-40B4-BE49-F238E27FC236}">
+                  <a16:creationId xmlns:a16="http://schemas.microsoft.com/office/drawing/2014/main" id="{83160874-8474-4756-9392-8B534E44A003}"/>
+                </a:ext>
+              </a:extLst>
+            </p:cNvPr>
+            <p:cNvPicPr>
+              <a:picLocks noChangeAspect="1"/>
+            </p:cNvPicPr>
+            <p:nvPr/>
+          </p:nvPicPr>
+          <p:blipFill>
+            <a:blip r:embed="rId5"/>
+            <a:stretch>
+              <a:fillRect/>
+            </a:stretch>
+          </p:blipFill>
+          <p:spPr>
+            <a:xfrm>
+              <a:off x="3006714" y="382588"/>
+              <a:ext cx="679205" cy="490537"/>
+            </a:xfrm>
+            <a:prstGeom prst="rect">
+              <a:avLst/>
+            </a:prstGeom>
+          </p:spPr>
+        </p:pic>
+      </p:grpSp>
+      <p:grpSp>
+        <p:nvGrpSpPr>
+          <p:cNvPr id="278" name="Group 277">
+            <a:extLst>
+              <a:ext uri="{FF2B5EF4-FFF2-40B4-BE49-F238E27FC236}">
+                <a16:creationId xmlns:a16="http://schemas.microsoft.com/office/drawing/2014/main" id="{D24C167A-38B5-4DCD-AF6B-C297C48F496E}"/>
+              </a:ext>
+            </a:extLst>
+          </p:cNvPr>
+          <p:cNvGrpSpPr/>
+          <p:nvPr/>
+        </p:nvGrpSpPr>
+        <p:grpSpPr>
+          <a:xfrm>
+            <a:off x="6688920" y="70680"/>
+            <a:ext cx="1068151" cy="1278533"/>
+            <a:chOff x="6573338" y="71437"/>
+            <a:chExt cx="1068151" cy="1278533"/>
+          </a:xfrm>
+        </p:grpSpPr>
+        <p:pic>
+          <p:nvPicPr>
+            <p:cNvPr id="32" name="Picture 31">
+              <a:extLst>
+                <a:ext uri="{FF2B5EF4-FFF2-40B4-BE49-F238E27FC236}">
+                  <a16:creationId xmlns:a16="http://schemas.microsoft.com/office/drawing/2014/main" id="{F5015925-A26C-4AB9-A94C-1E212346E018}"/>
+                </a:ext>
+              </a:extLst>
+            </p:cNvPr>
+            <p:cNvPicPr>
+              <a:picLocks noChangeAspect="1"/>
+            </p:cNvPicPr>
+            <p:nvPr/>
+          </p:nvPicPr>
+          <p:blipFill>
+            <a:blip r:embed="rId3" cstate="print">
+              <a:extLst>
+                <a:ext uri="{28A0092B-C50C-407E-A947-70E740481C1C}">
+                  <a14:useLocalDpi xmlns:a14="http://schemas.microsoft.com/office/drawing/2010/main" val="0"/>
+                </a:ext>
+              </a:extLst>
+            </a:blip>
+            <a:stretch>
+              <a:fillRect/>
+            </a:stretch>
+          </p:blipFill>
+          <p:spPr>
+            <a:xfrm>
+              <a:off x="7024252" y="1133420"/>
+              <a:ext cx="216550" cy="216550"/>
+            </a:xfrm>
+            <a:prstGeom prst="rect">
+              <a:avLst/>
+            </a:prstGeom>
+          </p:spPr>
+        </p:pic>
+        <p:grpSp>
+          <p:nvGrpSpPr>
+            <p:cNvPr id="86" name="Group 85">
+              <a:extLst>
+                <a:ext uri="{FF2B5EF4-FFF2-40B4-BE49-F238E27FC236}">
+                  <a16:creationId xmlns:a16="http://schemas.microsoft.com/office/drawing/2014/main" id="{0EB2EEA2-EED6-4589-9B31-C38176C0AD07}"/>
+                </a:ext>
+              </a:extLst>
+            </p:cNvPr>
+            <p:cNvGrpSpPr/>
+            <p:nvPr/>
+          </p:nvGrpSpPr>
+          <p:grpSpPr>
+            <a:xfrm>
+              <a:off x="6573338" y="111903"/>
+              <a:ext cx="1068151" cy="919700"/>
+              <a:chOff x="4598845" y="2001410"/>
+              <a:chExt cx="1068151" cy="919700"/>
+            </a:xfrm>
+          </p:grpSpPr>
+          <p:sp>
+            <p:nvSpPr>
+              <p:cNvPr id="84" name="Hexagon 176">
+                <a:extLst>
+                  <a:ext uri="{FF2B5EF4-FFF2-40B4-BE49-F238E27FC236}">
+                    <a16:creationId xmlns:a16="http://schemas.microsoft.com/office/drawing/2014/main" id="{FE48DF43-41B6-4330-AA25-ACA5FA3D4715}"/>
+                  </a:ext>
+                </a:extLst>
+              </p:cNvPr>
+              <p:cNvSpPr/>
+              <p:nvPr/>
+            </p:nvSpPr>
+            <p:spPr bwMode="auto">
+              <a:xfrm>
+                <a:off x="4598845" y="2001410"/>
+                <a:ext cx="1068151" cy="919700"/>
+              </a:xfrm>
+              <a:prstGeom prst="hexagon">
+                <a:avLst>
+                  <a:gd name="adj" fmla="val 28624"/>
+                  <a:gd name="vf" fmla="val 115470"/>
+                </a:avLst>
+              </a:prstGeom>
+              <a:ln>
+                <a:headEnd type="none" w="med" len="med"/>
+                <a:tailEnd type="none" w="med" len="med"/>
+              </a:ln>
+            </p:spPr>
+            <p:style>
+              <a:lnRef idx="2">
+                <a:schemeClr val="accent4"/>
+              </a:lnRef>
+              <a:fillRef idx="1">
+                <a:schemeClr val="lt1"/>
+              </a:fillRef>
+              <a:effectRef idx="0">
+                <a:schemeClr val="accent4"/>
+              </a:effectRef>
+              <a:fontRef idx="minor">
+                <a:schemeClr val="dk1"/>
+              </a:fontRef>
+            </p:style>
+            <p:txBody>
+              <a:bodyPr rot="0" spcFirstLastPara="0" vertOverflow="overflow" horzOverflow="overflow" vert="horz" wrap="square" lIns="0" tIns="560064" rIns="0" bIns="380632" numCol="1" spcCol="0" rtlCol="0" fromWordArt="0" anchor="t" anchorCtr="0" forceAA="0" compatLnSpc="1">
+                <a:prstTxWarp prst="textNoShape">
+                  <a:avLst/>
+                </a:prstTxWarp>
+                <a:noAutofit/>
+              </a:bodyPr>
+              <a:lstStyle/>
+              <a:p>
+                <a:pPr algn="ctr" defTabSz="878453" fontAlgn="base">
+                  <a:lnSpc>
+                    <a:spcPct val="90000"/>
+                  </a:lnSpc>
+                  <a:spcBef>
+                    <a:spcPct val="0"/>
+                  </a:spcBef>
+                  <a:spcAft>
+                    <a:spcPct val="0"/>
+                  </a:spcAft>
+                </a:pPr>
+                <a:endParaRPr lang="en-US" sz="1131" b="1" dirty="0">
+                  <a:solidFill>
+                    <a:schemeClr val="tx1"/>
+                  </a:solidFill>
+                  <a:latin typeface="Segoe UI" charset="0"/>
+                  <a:cs typeface="Segoe UI" charset="0"/>
+                </a:endParaRPr>
+              </a:p>
+            </p:txBody>
+          </p:sp>
+          <p:pic>
+            <p:nvPicPr>
+              <p:cNvPr id="4" name="Picture 3"/>
+              <p:cNvPicPr>
+                <a:picLocks noChangeAspect="1"/>
+              </p:cNvPicPr>
+              <p:nvPr/>
+            </p:nvPicPr>
+            <p:blipFill>
+              <a:blip r:embed="rId6" cstate="print">
+                <a:extLst>
+                  <a:ext uri="{28A0092B-C50C-407E-A947-70E740481C1C}">
+                    <a14:useLocalDpi xmlns:a14="http://schemas.microsoft.com/office/drawing/2010/main" val="0"/>
+                  </a:ext>
+                </a:extLst>
+              </a:blip>
+              <a:stretch>
+                <a:fillRect/>
+              </a:stretch>
+            </p:blipFill>
+            <p:spPr>
+              <a:xfrm>
+                <a:off x="4819717" y="2240600"/>
+                <a:ext cx="626406" cy="424390"/>
+              </a:xfrm>
+              <a:prstGeom prst="rect">
+                <a:avLst/>
+              </a:prstGeom>
+            </p:spPr>
+          </p:pic>
+        </p:grpSp>
+        <p:sp>
+          <p:nvSpPr>
+            <p:cNvPr id="2" name="Rectangle 1">
+              <a:extLst>
+                <a:ext uri="{FF2B5EF4-FFF2-40B4-BE49-F238E27FC236}">
+                  <a16:creationId xmlns:a16="http://schemas.microsoft.com/office/drawing/2014/main" id="{766F2105-FF0A-48EA-AA19-707D8077B040}"/>
+                </a:ext>
+              </a:extLst>
+            </p:cNvPr>
+            <p:cNvSpPr/>
+            <p:nvPr/>
+          </p:nvSpPr>
+          <p:spPr>
+            <a:xfrm>
+              <a:off x="6844522" y="1052333"/>
+              <a:ext cx="528158" cy="103356"/>
+            </a:xfrm>
+            <a:prstGeom prst="rect">
+              <a:avLst/>
+            </a:prstGeom>
+          </p:spPr>
+          <p:style>
+            <a:lnRef idx="2">
+              <a:schemeClr val="dk1">
+                <a:shade val="50000"/>
+              </a:schemeClr>
+            </a:lnRef>
+            <a:fillRef idx="1">
+              <a:schemeClr val="dk1"/>
+            </a:fillRef>
+            <a:effectRef idx="0">
+              <a:schemeClr val="dk1"/>
+            </a:effectRef>
+            <a:fontRef idx="minor">
+              <a:schemeClr val="lt1"/>
+            </a:fontRef>
+          </p:style>
+          <p:txBody>
+            <a:bodyPr rtlCol="0" anchor="ctr"/>
+            <a:lstStyle/>
+            <a:p>
+              <a:pPr algn="ctr"/>
+              <a:endParaRPr lang="en-US"/>
+            </a:p>
+          </p:txBody>
+        </p:sp>
+        <p:pic>
+          <p:nvPicPr>
+            <p:cNvPr id="21" name="Picture 20">
+              <a:extLst>
+                <a:ext uri="{FF2B5EF4-FFF2-40B4-BE49-F238E27FC236}">
+                  <a16:creationId xmlns:a16="http://schemas.microsoft.com/office/drawing/2014/main" id="{E66AA33F-98D3-4038-AFBF-C7922229139C}"/>
+                </a:ext>
+              </a:extLst>
+            </p:cNvPr>
+            <p:cNvPicPr>
+              <a:picLocks noChangeAspect="1"/>
+            </p:cNvPicPr>
+            <p:nvPr/>
+          </p:nvPicPr>
+          <p:blipFill>
+            <a:blip r:embed="rId7" cstate="print">
+              <a:extLst>
+                <a:ext uri="{28A0092B-C50C-407E-A947-70E740481C1C}">
+                  <a14:useLocalDpi xmlns:a14="http://schemas.microsoft.com/office/drawing/2010/main" val="0"/>
+                </a:ext>
+              </a:extLst>
+            </a:blip>
+            <a:stretch>
+              <a:fillRect/>
+            </a:stretch>
+          </p:blipFill>
+          <p:spPr>
+            <a:xfrm>
+              <a:off x="7261037" y="71437"/>
+              <a:ext cx="267213" cy="267213"/>
+            </a:xfrm>
+            <a:prstGeom prst="rect">
+              <a:avLst/>
+            </a:prstGeom>
+          </p:spPr>
+        </p:pic>
+      </p:grpSp>
+      <p:grpSp>
+        <p:nvGrpSpPr>
+          <p:cNvPr id="256" name="Group 255">
+            <a:extLst>
+              <a:ext uri="{FF2B5EF4-FFF2-40B4-BE49-F238E27FC236}">
+                <a16:creationId xmlns:a16="http://schemas.microsoft.com/office/drawing/2014/main" id="{7FE8B744-DA8B-4F48-8583-BF549921F438}"/>
+              </a:ext>
+            </a:extLst>
+          </p:cNvPr>
+          <p:cNvGrpSpPr/>
+          <p:nvPr/>
+        </p:nvGrpSpPr>
+        <p:grpSpPr>
+          <a:xfrm>
+            <a:off x="914400" y="3106110"/>
+            <a:ext cx="1191097" cy="2867842"/>
+            <a:chOff x="914400" y="3106110"/>
+            <a:chExt cx="1191097" cy="2867842"/>
+          </a:xfrm>
+        </p:grpSpPr>
+        <p:sp>
+          <p:nvSpPr>
+            <p:cNvPr id="143" name="Rectangle 142">
+              <a:extLst>
+                <a:ext uri="{FF2B5EF4-FFF2-40B4-BE49-F238E27FC236}">
+                  <a16:creationId xmlns:a16="http://schemas.microsoft.com/office/drawing/2014/main" id="{4DA1930F-6A37-4251-9B6A-4860ABB54638}"/>
+                </a:ext>
+              </a:extLst>
+            </p:cNvPr>
+            <p:cNvSpPr/>
+            <p:nvPr/>
+          </p:nvSpPr>
+          <p:spPr>
+            <a:xfrm>
+              <a:off x="914400" y="3106110"/>
+              <a:ext cx="1191097" cy="2867842"/>
+            </a:xfrm>
+            <a:prstGeom prst="rect">
+              <a:avLst/>
+            </a:prstGeom>
+            <a:noFill/>
+            <a:ln>
+              <a:solidFill>
+                <a:schemeClr val="bg1">
+                  <a:lumMod val="50000"/>
+                </a:schemeClr>
+              </a:solidFill>
+              <a:prstDash val="lgDash"/>
+            </a:ln>
+          </p:spPr>
+          <p:style>
+            <a:lnRef idx="2">
+              <a:schemeClr val="accent1">
+                <a:shade val="50000"/>
+              </a:schemeClr>
+            </a:lnRef>
+            <a:fillRef idx="1">
+              <a:schemeClr val="accent1"/>
+            </a:fillRef>
+            <a:effectRef idx="0">
+              <a:schemeClr val="accent1"/>
+            </a:effectRef>
+            <a:fontRef idx="minor">
+              <a:schemeClr val="lt1"/>
+            </a:fontRef>
+          </p:style>
+          <p:txBody>
+            <a:bodyPr rtlCol="0" anchor="ctr"/>
+            <a:lstStyle/>
+            <a:p>
+              <a:pPr algn="ctr"/>
+              <a:endParaRPr lang="en-US"/>
+            </a:p>
+          </p:txBody>
+        </p:sp>
+        <p:grpSp>
+          <p:nvGrpSpPr>
+            <p:cNvPr id="109" name="Group 108">
+              <a:extLst>
+                <a:ext uri="{FF2B5EF4-FFF2-40B4-BE49-F238E27FC236}">
+                  <a16:creationId xmlns:a16="http://schemas.microsoft.com/office/drawing/2014/main" id="{6C5A18E6-1DD9-43E9-A065-55CDB5CC0B45}"/>
+                </a:ext>
+              </a:extLst>
+            </p:cNvPr>
+            <p:cNvGrpSpPr/>
+            <p:nvPr/>
+          </p:nvGrpSpPr>
+          <p:grpSpPr>
+            <a:xfrm>
+              <a:off x="990600" y="3193405"/>
+              <a:ext cx="1030081" cy="1420721"/>
+              <a:chOff x="300864" y="3022694"/>
+              <a:chExt cx="1030081" cy="1420721"/>
+            </a:xfrm>
+          </p:grpSpPr>
+          <p:grpSp>
+            <p:nvGrpSpPr>
+              <p:cNvPr id="34" name="Group 33">
+                <a:extLst>
+                  <a:ext uri="{FF2B5EF4-FFF2-40B4-BE49-F238E27FC236}">
+                    <a16:creationId xmlns:a16="http://schemas.microsoft.com/office/drawing/2014/main" id="{DC14162A-DD8A-4676-9377-4AA99192880C}"/>
+                  </a:ext>
+                </a:extLst>
+              </p:cNvPr>
+              <p:cNvGrpSpPr/>
+              <p:nvPr/>
+            </p:nvGrpSpPr>
+            <p:grpSpPr>
+              <a:xfrm>
+                <a:off x="300864" y="3185003"/>
+                <a:ext cx="1030081" cy="1258412"/>
+                <a:chOff x="300864" y="3185003"/>
+                <a:chExt cx="1030081" cy="1258412"/>
+              </a:xfrm>
+            </p:grpSpPr>
+            <p:pic>
+              <p:nvPicPr>
+                <p:cNvPr id="94" name="Picture 93">
+                  <a:extLst>
+                    <a:ext uri="{FF2B5EF4-FFF2-40B4-BE49-F238E27FC236}">
+                      <a16:creationId xmlns:a16="http://schemas.microsoft.com/office/drawing/2014/main" id="{FF8D94F2-0EDB-4A2C-9128-F75E5E823A8D}"/>
+                    </a:ext>
+                  </a:extLst>
+                </p:cNvPr>
+                <p:cNvPicPr>
+                  <a:picLocks noChangeAspect="1"/>
+                </p:cNvPicPr>
+                <p:nvPr/>
+              </p:nvPicPr>
+              <p:blipFill>
+                <a:blip r:embed="rId3" cstate="print">
+                  <a:extLst>
+                    <a:ext uri="{28A0092B-C50C-407E-A947-70E740481C1C}">
+                      <a14:useLocalDpi xmlns:a14="http://schemas.microsoft.com/office/drawing/2010/main" val="0"/>
+                    </a:ext>
+                  </a:extLst>
+                </a:blip>
+                <a:stretch>
+                  <a:fillRect/>
+                </a:stretch>
+              </p:blipFill>
+              <p:spPr>
+                <a:xfrm>
+                  <a:off x="726123" y="4226865"/>
+                  <a:ext cx="216550" cy="216550"/>
+                </a:xfrm>
+                <a:prstGeom prst="rect">
+                  <a:avLst/>
+                </a:prstGeom>
+              </p:spPr>
+            </p:pic>
+            <p:grpSp>
+              <p:nvGrpSpPr>
+                <p:cNvPr id="20" name="Group 19">
+                  <a:extLst>
+                    <a:ext uri="{FF2B5EF4-FFF2-40B4-BE49-F238E27FC236}">
+                      <a16:creationId xmlns:a16="http://schemas.microsoft.com/office/drawing/2014/main" id="{49A47FC2-F008-4701-AD4C-222747491FFD}"/>
+                    </a:ext>
+                  </a:extLst>
+                </p:cNvPr>
+                <p:cNvGrpSpPr/>
+                <p:nvPr/>
+              </p:nvGrpSpPr>
+              <p:grpSpPr>
+                <a:xfrm>
+                  <a:off x="300864" y="3185003"/>
+                  <a:ext cx="1030081" cy="1060740"/>
+                  <a:chOff x="284754" y="3471690"/>
+                  <a:chExt cx="1030081" cy="1060740"/>
+                </a:xfrm>
+              </p:grpSpPr>
+              <p:grpSp>
+                <p:nvGrpSpPr>
+                  <p:cNvPr id="101" name="Group 100">
+                    <a:extLst>
+                      <a:ext uri="{FF2B5EF4-FFF2-40B4-BE49-F238E27FC236}">
+                        <a16:creationId xmlns:a16="http://schemas.microsoft.com/office/drawing/2014/main" id="{9EE0D2F7-1F43-459D-A4BF-A490B67D309A}"/>
+                      </a:ext>
+                    </a:extLst>
+                  </p:cNvPr>
+                  <p:cNvGrpSpPr/>
+                  <p:nvPr/>
+                </p:nvGrpSpPr>
+                <p:grpSpPr>
+                  <a:xfrm>
+                    <a:off x="284754" y="3471690"/>
+                    <a:ext cx="1030081" cy="935773"/>
+                    <a:chOff x="333068" y="3133055"/>
+                    <a:chExt cx="1030081" cy="935773"/>
+                  </a:xfrm>
+                </p:grpSpPr>
+                <p:sp>
+                  <p:nvSpPr>
+                    <p:cNvPr id="97" name="Hexagon 176">
+                      <a:extLst>
+                        <a:ext uri="{FF2B5EF4-FFF2-40B4-BE49-F238E27FC236}">
+                          <a16:creationId xmlns:a16="http://schemas.microsoft.com/office/drawing/2014/main" id="{007965F6-277F-46C6-97CD-20F39958C789}"/>
+                        </a:ext>
+                      </a:extLst>
+                    </p:cNvPr>
+                    <p:cNvSpPr/>
+                    <p:nvPr/>
+                  </p:nvSpPr>
+                  <p:spPr bwMode="auto">
+                    <a:xfrm>
+                      <a:off x="333068" y="3133055"/>
+                      <a:ext cx="1030081" cy="935773"/>
+                    </a:xfrm>
+                    <a:prstGeom prst="hexagon">
+                      <a:avLst>
+                        <a:gd name="adj" fmla="val 28624"/>
+                        <a:gd name="vf" fmla="val 115470"/>
+                      </a:avLst>
+                    </a:prstGeom>
+                    <a:ln>
+                      <a:headEnd type="none" w="med" len="med"/>
+                      <a:tailEnd type="none" w="med" len="med"/>
+                    </a:ln>
+                  </p:spPr>
+                  <p:style>
+                    <a:lnRef idx="2">
+                      <a:schemeClr val="accent3"/>
+                    </a:lnRef>
+                    <a:fillRef idx="1">
+                      <a:schemeClr val="lt1"/>
+                    </a:fillRef>
+                    <a:effectRef idx="0">
+                      <a:schemeClr val="accent3"/>
+                    </a:effectRef>
+                    <a:fontRef idx="minor">
+                      <a:schemeClr val="dk1"/>
+                    </a:fontRef>
+                  </p:style>
+                  <p:txBody>
+                    <a:bodyPr rot="0" spcFirstLastPara="0" vertOverflow="overflow" horzOverflow="overflow" vert="horz" wrap="square" lIns="0" tIns="560064" rIns="0" bIns="380632" numCol="1" spcCol="0" rtlCol="0" fromWordArt="0" anchor="t" anchorCtr="0" forceAA="0" compatLnSpc="1">
+                      <a:prstTxWarp prst="textNoShape">
+                        <a:avLst/>
+                      </a:prstTxWarp>
+                      <a:noAutofit/>
+                    </a:bodyPr>
+                    <a:lstStyle/>
+                    <a:p>
+                      <a:pPr algn="ctr" defTabSz="878453" fontAlgn="base">
+                        <a:lnSpc>
+                          <a:spcPct val="90000"/>
+                        </a:lnSpc>
+                        <a:spcBef>
+                          <a:spcPct val="0"/>
+                        </a:spcBef>
+                        <a:spcAft>
+                          <a:spcPct val="0"/>
+                        </a:spcAft>
+                      </a:pPr>
+                      <a:r>
+                        <a:rPr lang="en-US" sz="1131" b="1" dirty="0">
+                          <a:solidFill>
+                            <a:schemeClr val="tx1"/>
+                          </a:solidFill>
+                          <a:latin typeface="Segoe UI" charset="0"/>
+                          <a:cs typeface="Segoe UI" charset="0"/>
+                        </a:rPr>
+                        <a:t>Rating</a:t>
+                      </a:r>
+                    </a:p>
+                  </p:txBody>
+                </p:sp>
+                <p:pic>
+                  <p:nvPicPr>
+                    <p:cNvPr id="99" name="Picture 98">
+                      <a:extLst>
+                        <a:ext uri="{FF2B5EF4-FFF2-40B4-BE49-F238E27FC236}">
+                          <a16:creationId xmlns:a16="http://schemas.microsoft.com/office/drawing/2014/main" id="{B992DBA1-1DF7-462D-A0F5-06365F4BB0C5}"/>
+                        </a:ext>
+                      </a:extLst>
+                    </p:cNvPr>
+                    <p:cNvPicPr>
+                      <a:picLocks noChangeAspect="1"/>
+                    </p:cNvPicPr>
+                    <p:nvPr/>
+                  </p:nvPicPr>
+                  <p:blipFill>
+                    <a:blip r:embed="rId8"/>
+                    <a:stretch>
+                      <a:fillRect/>
+                    </a:stretch>
+                  </p:blipFill>
+                  <p:spPr>
+                    <a:xfrm>
+                      <a:off x="562368" y="3261024"/>
+                      <a:ext cx="567308" cy="330930"/>
+                    </a:xfrm>
+                    <a:prstGeom prst="rect">
+                      <a:avLst/>
+                    </a:prstGeom>
+                  </p:spPr>
+                </p:pic>
+              </p:grpSp>
+              <p:sp>
+                <p:nvSpPr>
+                  <p:cNvPr id="55" name="Rectangle 54">
+                    <a:extLst>
+                      <a:ext uri="{FF2B5EF4-FFF2-40B4-BE49-F238E27FC236}">
+                        <a16:creationId xmlns:a16="http://schemas.microsoft.com/office/drawing/2014/main" id="{16394209-9841-4957-ACAE-889A0F2A7AE2}"/>
+                      </a:ext>
+                    </a:extLst>
+                  </p:cNvPr>
+                  <p:cNvSpPr/>
+                  <p:nvPr/>
+                </p:nvSpPr>
+                <p:spPr>
+                  <a:xfrm>
+                    <a:off x="562838" y="4429074"/>
+                    <a:ext cx="476578" cy="103356"/>
+                  </a:xfrm>
+                  <a:prstGeom prst="rect">
+                    <a:avLst/>
+                  </a:prstGeom>
+                </p:spPr>
+                <p:style>
+                  <a:lnRef idx="2">
+                    <a:schemeClr val="dk1">
+                      <a:shade val="50000"/>
+                    </a:schemeClr>
+                  </a:lnRef>
+                  <a:fillRef idx="1">
+                    <a:schemeClr val="dk1"/>
+                  </a:fillRef>
+                  <a:effectRef idx="0">
+                    <a:schemeClr val="dk1"/>
+                  </a:effectRef>
+                  <a:fontRef idx="minor">
+                    <a:schemeClr val="lt1"/>
+                  </a:fontRef>
+                </p:style>
+                <p:txBody>
+                  <a:bodyPr rtlCol="0" anchor="ctr"/>
+                  <a:lstStyle/>
+                  <a:p>
+                    <a:pPr algn="ctr"/>
+                    <a:endParaRPr lang="en-US"/>
+                  </a:p>
+                </p:txBody>
+              </p:sp>
+            </p:grpSp>
+          </p:grpSp>
+          <p:pic>
+            <p:nvPicPr>
+              <p:cNvPr id="138" name="Picture 137">
+                <a:extLst>
+                  <a:ext uri="{FF2B5EF4-FFF2-40B4-BE49-F238E27FC236}">
+                    <a16:creationId xmlns:a16="http://schemas.microsoft.com/office/drawing/2014/main" id="{3AAA9233-2EC4-42DF-9949-D0DA024329BC}"/>
+                  </a:ext>
+                </a:extLst>
+              </p:cNvPr>
+              <p:cNvPicPr>
+                <a:picLocks noChangeAspect="1"/>
+              </p:cNvPicPr>
+              <p:nvPr/>
+            </p:nvPicPr>
+            <p:blipFill>
+              <a:blip r:embed="rId7" cstate="print">
+                <a:extLst>
+                  <a:ext uri="{28A0092B-C50C-407E-A947-70E740481C1C}">
+                    <a14:useLocalDpi xmlns:a14="http://schemas.microsoft.com/office/drawing/2010/main" val="0"/>
+                  </a:ext>
+                </a:extLst>
+              </a:blip>
+              <a:stretch>
+                <a:fillRect/>
+              </a:stretch>
+            </p:blipFill>
+            <p:spPr>
+              <a:xfrm>
+                <a:off x="987011" y="3022694"/>
+                <a:ext cx="267213" cy="267213"/>
+              </a:xfrm>
+              <a:prstGeom prst="rect">
+                <a:avLst/>
+              </a:prstGeom>
+            </p:spPr>
+          </p:pic>
+        </p:grpSp>
+        <p:grpSp>
+          <p:nvGrpSpPr>
+            <p:cNvPr id="110" name="Group 109">
+              <a:extLst>
+                <a:ext uri="{FF2B5EF4-FFF2-40B4-BE49-F238E27FC236}">
+                  <a16:creationId xmlns:a16="http://schemas.microsoft.com/office/drawing/2014/main" id="{12B885C9-D434-4CC1-B4E2-1950E4DB0893}"/>
+                </a:ext>
+              </a:extLst>
+            </p:cNvPr>
+            <p:cNvGrpSpPr/>
+            <p:nvPr/>
+          </p:nvGrpSpPr>
+          <p:grpSpPr>
+            <a:xfrm>
+              <a:off x="1003388" y="4546584"/>
+              <a:ext cx="1030081" cy="1384155"/>
+              <a:chOff x="500996" y="4624063"/>
+              <a:chExt cx="1030081" cy="1384155"/>
+            </a:xfrm>
+          </p:grpSpPr>
+          <p:pic>
+            <p:nvPicPr>
+              <p:cNvPr id="93" name="Picture 92">
+                <a:extLst>
+                  <a:ext uri="{FF2B5EF4-FFF2-40B4-BE49-F238E27FC236}">
+                    <a16:creationId xmlns:a16="http://schemas.microsoft.com/office/drawing/2014/main" id="{C9B12190-610A-4203-BCF7-9BCA2B4ADBB5}"/>
+                  </a:ext>
+                </a:extLst>
+              </p:cNvPr>
+              <p:cNvPicPr>
+                <a:picLocks noChangeAspect="1"/>
+              </p:cNvPicPr>
+              <p:nvPr/>
+            </p:nvPicPr>
+            <p:blipFill>
+              <a:blip r:embed="rId3" cstate="print">
+                <a:extLst>
+                  <a:ext uri="{28A0092B-C50C-407E-A947-70E740481C1C}">
+                    <a14:useLocalDpi xmlns:a14="http://schemas.microsoft.com/office/drawing/2010/main" val="0"/>
+                  </a:ext>
+                </a:extLst>
+              </a:blip>
+              <a:stretch>
+                <a:fillRect/>
+              </a:stretch>
+            </p:blipFill>
+            <p:spPr>
+              <a:xfrm>
+                <a:off x="916965" y="5791668"/>
+                <a:ext cx="216550" cy="216550"/>
+              </a:xfrm>
+              <a:prstGeom prst="rect">
+                <a:avLst/>
+              </a:prstGeom>
+            </p:spPr>
+          </p:pic>
+          <p:grpSp>
+            <p:nvGrpSpPr>
+              <p:cNvPr id="22" name="Group 21">
+                <a:extLst>
+                  <a:ext uri="{FF2B5EF4-FFF2-40B4-BE49-F238E27FC236}">
+                    <a16:creationId xmlns:a16="http://schemas.microsoft.com/office/drawing/2014/main" id="{61161702-D45A-4E75-99A7-EFDF68B1CD5E}"/>
+                  </a:ext>
+                </a:extLst>
+              </p:cNvPr>
+              <p:cNvGrpSpPr/>
+              <p:nvPr/>
+            </p:nvGrpSpPr>
+            <p:grpSpPr>
+              <a:xfrm>
+                <a:off x="500996" y="4747620"/>
+                <a:ext cx="1030081" cy="1062194"/>
+                <a:chOff x="284754" y="4872555"/>
+                <a:chExt cx="1030081" cy="1062194"/>
+              </a:xfrm>
+            </p:grpSpPr>
+            <p:grpSp>
+              <p:nvGrpSpPr>
+                <p:cNvPr id="133" name="Group 132">
+                  <a:extLst>
+                    <a:ext uri="{FF2B5EF4-FFF2-40B4-BE49-F238E27FC236}">
+                      <a16:creationId xmlns:a16="http://schemas.microsoft.com/office/drawing/2014/main" id="{4E5C556C-9FE4-47CA-99DF-F786B5A9DC13}"/>
+                    </a:ext>
+                  </a:extLst>
+                </p:cNvPr>
+                <p:cNvGrpSpPr/>
+                <p:nvPr/>
+              </p:nvGrpSpPr>
+              <p:grpSpPr>
+                <a:xfrm>
+                  <a:off x="284754" y="4872555"/>
+                  <a:ext cx="1030081" cy="935773"/>
+                  <a:chOff x="5055956" y="4812869"/>
+                  <a:chExt cx="1030081" cy="935773"/>
+                </a:xfrm>
+              </p:grpSpPr>
+              <p:sp>
+                <p:nvSpPr>
+                  <p:cNvPr id="134" name="Hexagon 176">
+                    <a:extLst>
+                      <a:ext uri="{FF2B5EF4-FFF2-40B4-BE49-F238E27FC236}">
+                        <a16:creationId xmlns:a16="http://schemas.microsoft.com/office/drawing/2014/main" id="{C43A71FD-C793-45C0-893C-E2DC35B80341}"/>
+                      </a:ext>
+                    </a:extLst>
+                  </p:cNvPr>
+                  <p:cNvSpPr/>
+                  <p:nvPr/>
+                </p:nvSpPr>
+                <p:spPr bwMode="auto">
+                  <a:xfrm>
+                    <a:off x="5055956" y="4812869"/>
+                    <a:ext cx="1030081" cy="935773"/>
+                  </a:xfrm>
+                  <a:prstGeom prst="hexagon">
+                    <a:avLst>
+                      <a:gd name="adj" fmla="val 28624"/>
+                      <a:gd name="vf" fmla="val 115470"/>
+                    </a:avLst>
+                  </a:prstGeom>
+                  <a:ln>
+                    <a:headEnd type="none" w="med" len="med"/>
+                    <a:tailEnd type="none" w="med" len="med"/>
+                  </a:ln>
+                </p:spPr>
+                <p:style>
+                  <a:lnRef idx="2">
+                    <a:schemeClr val="accent3"/>
+                  </a:lnRef>
+                  <a:fillRef idx="1">
+                    <a:schemeClr val="lt1"/>
+                  </a:fillRef>
+                  <a:effectRef idx="0">
+                    <a:schemeClr val="accent3"/>
+                  </a:effectRef>
+                  <a:fontRef idx="minor">
+                    <a:schemeClr val="dk1"/>
+                  </a:fontRef>
+                </p:style>
+                <p:txBody>
+                  <a:bodyPr rot="0" spcFirstLastPara="0" vertOverflow="overflow" horzOverflow="overflow" vert="horz" wrap="square" lIns="0" tIns="560064" rIns="0" bIns="380632" numCol="1" spcCol="0" rtlCol="0" fromWordArt="0" anchor="t" anchorCtr="0" forceAA="0" compatLnSpc="1">
+                    <a:prstTxWarp prst="textNoShape">
+                      <a:avLst/>
+                    </a:prstTxWarp>
+                    <a:noAutofit/>
+                  </a:bodyPr>
+                  <a:lstStyle/>
+                  <a:p>
+                    <a:pPr algn="ctr" defTabSz="878453" fontAlgn="base">
+                      <a:lnSpc>
+                        <a:spcPct val="90000"/>
+                      </a:lnSpc>
+                      <a:spcBef>
+                        <a:spcPct val="0"/>
+                      </a:spcBef>
+                      <a:spcAft>
+                        <a:spcPct val="0"/>
+                      </a:spcAft>
+                    </a:pPr>
+                    <a:endParaRPr lang="en-US" sz="1131" b="1" dirty="0">
+                      <a:solidFill>
+                        <a:schemeClr val="tx1"/>
+                      </a:solidFill>
+                      <a:latin typeface="Segoe UI" charset="0"/>
+                      <a:cs typeface="Segoe UI" charset="0"/>
+                    </a:endParaRPr>
+                  </a:p>
+                </p:txBody>
+              </p:sp>
+              <p:pic>
+                <p:nvPicPr>
+                  <p:cNvPr id="135" name="Picture 134">
+                    <a:extLst>
+                      <a:ext uri="{FF2B5EF4-FFF2-40B4-BE49-F238E27FC236}">
+                        <a16:creationId xmlns:a16="http://schemas.microsoft.com/office/drawing/2014/main" id="{C49A8728-A015-4899-95BB-F493DFEA8B82}"/>
+                      </a:ext>
+                    </a:extLst>
+                  </p:cNvPr>
+                  <p:cNvPicPr>
+                    <a:picLocks noChangeAspect="1"/>
+                  </p:cNvPicPr>
+                  <p:nvPr/>
+                </p:nvPicPr>
+                <p:blipFill>
+                  <a:blip r:embed="rId9" cstate="print">
+                    <a:extLst>
+                      <a:ext uri="{28A0092B-C50C-407E-A947-70E740481C1C}">
+                        <a14:useLocalDpi xmlns:a14="http://schemas.microsoft.com/office/drawing/2010/main" val="0"/>
+                      </a:ext>
+                    </a:extLst>
+                  </a:blip>
+                  <a:stretch>
+                    <a:fillRect/>
+                  </a:stretch>
+                </p:blipFill>
+                <p:spPr>
+                  <a:xfrm>
+                    <a:off x="5355993" y="4972050"/>
+                    <a:ext cx="506205" cy="572901"/>
+                  </a:xfrm>
+                  <a:prstGeom prst="rect">
+                    <a:avLst/>
+                  </a:prstGeom>
+                </p:spPr>
+              </p:pic>
+            </p:grpSp>
+            <p:sp>
+              <p:nvSpPr>
+                <p:cNvPr id="77" name="Rectangle 76">
+                  <a:extLst>
+                    <a:ext uri="{FF2B5EF4-FFF2-40B4-BE49-F238E27FC236}">
+                      <a16:creationId xmlns:a16="http://schemas.microsoft.com/office/drawing/2014/main" id="{27F85662-95E1-46D7-A7C7-73828473E7B7}"/>
+                    </a:ext>
+                  </a:extLst>
+                </p:cNvPr>
+                <p:cNvSpPr/>
+                <p:nvPr/>
+              </p:nvSpPr>
+              <p:spPr>
+                <a:xfrm>
+                  <a:off x="562838" y="5831393"/>
+                  <a:ext cx="477768" cy="103356"/>
+                </a:xfrm>
+                <a:prstGeom prst="rect">
+                  <a:avLst/>
+                </a:prstGeom>
+              </p:spPr>
+              <p:style>
+                <a:lnRef idx="2">
+                  <a:schemeClr val="dk1">
+                    <a:shade val="50000"/>
+                  </a:schemeClr>
+                </a:lnRef>
+                <a:fillRef idx="1">
+                  <a:schemeClr val="dk1"/>
+                </a:fillRef>
+                <a:effectRef idx="0">
+                  <a:schemeClr val="dk1"/>
+                </a:effectRef>
+                <a:fontRef idx="minor">
+                  <a:schemeClr val="lt1"/>
+                </a:fontRef>
+              </p:style>
+              <p:txBody>
+                <a:bodyPr rtlCol="0" anchor="ctr"/>
+                <a:lstStyle/>
+                <a:p>
+                  <a:pPr algn="ctr"/>
+                  <a:endParaRPr lang="en-US"/>
+                </a:p>
+              </p:txBody>
+            </p:sp>
+          </p:grpSp>
+          <p:pic>
+            <p:nvPicPr>
+              <p:cNvPr id="139" name="Picture 138">
+                <a:extLst>
+                  <a:ext uri="{FF2B5EF4-FFF2-40B4-BE49-F238E27FC236}">
+                    <a16:creationId xmlns:a16="http://schemas.microsoft.com/office/drawing/2014/main" id="{8EDB344A-13BE-422B-AFBD-0013CFEF7942}"/>
+                  </a:ext>
+                </a:extLst>
+              </p:cNvPr>
+              <p:cNvPicPr>
+                <a:picLocks noChangeAspect="1"/>
+              </p:cNvPicPr>
+              <p:nvPr/>
+            </p:nvPicPr>
+            <p:blipFill>
+              <a:blip r:embed="rId7" cstate="print">
+                <a:extLst>
+                  <a:ext uri="{28A0092B-C50C-407E-A947-70E740481C1C}">
+                    <a14:useLocalDpi xmlns:a14="http://schemas.microsoft.com/office/drawing/2010/main" val="0"/>
+                  </a:ext>
+                </a:extLst>
+              </a:blip>
+              <a:stretch>
+                <a:fillRect/>
+              </a:stretch>
+            </p:blipFill>
+            <p:spPr>
+              <a:xfrm>
+                <a:off x="1157987" y="4624063"/>
+                <a:ext cx="267213" cy="267213"/>
+              </a:xfrm>
+              <a:prstGeom prst="rect">
+                <a:avLst/>
+              </a:prstGeom>
+            </p:spPr>
+          </p:pic>
+        </p:grpSp>
+      </p:grpSp>
+      <p:grpSp>
+        <p:nvGrpSpPr>
+          <p:cNvPr id="253" name="Group 252">
+            <a:extLst>
+              <a:ext uri="{FF2B5EF4-FFF2-40B4-BE49-F238E27FC236}">
+                <a16:creationId xmlns:a16="http://schemas.microsoft.com/office/drawing/2014/main" id="{0F5394AE-A7B5-44A0-A8BC-DE576474FC8B}"/>
+              </a:ext>
+            </a:extLst>
+          </p:cNvPr>
+          <p:cNvGrpSpPr/>
+          <p:nvPr/>
+        </p:nvGrpSpPr>
+        <p:grpSpPr>
+          <a:xfrm>
+            <a:off x="5451384" y="3100764"/>
+            <a:ext cx="1191097" cy="2882912"/>
+            <a:chOff x="5451384" y="3100764"/>
+            <a:chExt cx="1191097" cy="2882912"/>
+          </a:xfrm>
+        </p:grpSpPr>
+        <p:grpSp>
+          <p:nvGrpSpPr>
+            <p:cNvPr id="49" name="Group 48">
+              <a:extLst>
+                <a:ext uri="{FF2B5EF4-FFF2-40B4-BE49-F238E27FC236}">
+                  <a16:creationId xmlns:a16="http://schemas.microsoft.com/office/drawing/2014/main" id="{BEED546C-5FE4-4717-BB21-3B38018DD1D5}"/>
+                </a:ext>
+              </a:extLst>
+            </p:cNvPr>
+            <p:cNvGrpSpPr/>
+            <p:nvPr/>
+          </p:nvGrpSpPr>
+          <p:grpSpPr>
+            <a:xfrm>
+              <a:off x="5509563" y="3177480"/>
+              <a:ext cx="1030081" cy="1400661"/>
+              <a:chOff x="5431029" y="2913171"/>
+              <a:chExt cx="1030081" cy="1400661"/>
+            </a:xfrm>
+          </p:grpSpPr>
+          <p:grpSp>
+            <p:nvGrpSpPr>
+              <p:cNvPr id="36" name="Group 35">
+                <a:extLst>
+                  <a:ext uri="{FF2B5EF4-FFF2-40B4-BE49-F238E27FC236}">
+                    <a16:creationId xmlns:a16="http://schemas.microsoft.com/office/drawing/2014/main" id="{CF54EFAD-3EBF-45E6-80B3-EEE518E3C3C7}"/>
+                  </a:ext>
+                </a:extLst>
+              </p:cNvPr>
+              <p:cNvGrpSpPr/>
+              <p:nvPr/>
+            </p:nvGrpSpPr>
+            <p:grpSpPr>
+              <a:xfrm>
+                <a:off x="5431029" y="3056694"/>
+                <a:ext cx="1030081" cy="1257138"/>
+                <a:chOff x="5431029" y="3056694"/>
+                <a:chExt cx="1030081" cy="1257138"/>
+              </a:xfrm>
+            </p:grpSpPr>
+            <p:pic>
+              <p:nvPicPr>
+                <p:cNvPr id="87" name="Picture 86">
+                  <a:extLst>
+                    <a:ext uri="{FF2B5EF4-FFF2-40B4-BE49-F238E27FC236}">
+                      <a16:creationId xmlns:a16="http://schemas.microsoft.com/office/drawing/2014/main" id="{F1B27EC8-35DA-48F0-B33F-14D342C9C50B}"/>
+                    </a:ext>
+                  </a:extLst>
+                </p:cNvPr>
+                <p:cNvPicPr>
+                  <a:picLocks noChangeAspect="1"/>
+                </p:cNvPicPr>
+                <p:nvPr/>
+              </p:nvPicPr>
+              <p:blipFill>
+                <a:blip r:embed="rId3" cstate="print">
+                  <a:extLst>
+                    <a:ext uri="{28A0092B-C50C-407E-A947-70E740481C1C}">
+                      <a14:useLocalDpi xmlns:a14="http://schemas.microsoft.com/office/drawing/2010/main" val="0"/>
+                    </a:ext>
+                  </a:extLst>
+                </a:blip>
+                <a:stretch>
+                  <a:fillRect/>
+                </a:stretch>
+              </p:blipFill>
+              <p:spPr>
+                <a:xfrm>
+                  <a:off x="5851140" y="4097282"/>
+                  <a:ext cx="216550" cy="216550"/>
+                </a:xfrm>
+                <a:prstGeom prst="rect">
+                  <a:avLst/>
+                </a:prstGeom>
+              </p:spPr>
+            </p:pic>
+            <p:grpSp>
+              <p:nvGrpSpPr>
+                <p:cNvPr id="16" name="Group 15">
+                  <a:extLst>
+                    <a:ext uri="{FF2B5EF4-FFF2-40B4-BE49-F238E27FC236}">
+                      <a16:creationId xmlns:a16="http://schemas.microsoft.com/office/drawing/2014/main" id="{86153CA2-4B7F-4446-90E7-DE320CA57DFD}"/>
+                    </a:ext>
+                  </a:extLst>
+                </p:cNvPr>
+                <p:cNvGrpSpPr/>
+                <p:nvPr/>
+              </p:nvGrpSpPr>
+              <p:grpSpPr>
+                <a:xfrm>
+                  <a:off x="5431029" y="3056694"/>
+                  <a:ext cx="1030081" cy="1063742"/>
+                  <a:chOff x="4800600" y="3436947"/>
+                  <a:chExt cx="1030081" cy="1063742"/>
+                </a:xfrm>
+              </p:grpSpPr>
+              <p:grpSp>
+                <p:nvGrpSpPr>
+                  <p:cNvPr id="104" name="Group 103">
+                    <a:extLst>
+                      <a:ext uri="{FF2B5EF4-FFF2-40B4-BE49-F238E27FC236}">
+                        <a16:creationId xmlns:a16="http://schemas.microsoft.com/office/drawing/2014/main" id="{D0F6231A-F6A9-43A3-95AD-B26735845A71}"/>
+                      </a:ext>
+                    </a:extLst>
+                  </p:cNvPr>
+                  <p:cNvGrpSpPr/>
+                  <p:nvPr/>
+                </p:nvGrpSpPr>
+                <p:grpSpPr>
+                  <a:xfrm>
+                    <a:off x="4800600" y="3436947"/>
+                    <a:ext cx="1030081" cy="935773"/>
+                    <a:chOff x="333068" y="3133055"/>
+                    <a:chExt cx="1030081" cy="935773"/>
+                  </a:xfrm>
+                </p:grpSpPr>
+                <p:sp>
+                  <p:nvSpPr>
+                    <p:cNvPr id="105" name="Hexagon 176">
+                      <a:extLst>
+                        <a:ext uri="{FF2B5EF4-FFF2-40B4-BE49-F238E27FC236}">
+                          <a16:creationId xmlns:a16="http://schemas.microsoft.com/office/drawing/2014/main" id="{0B625946-9372-4436-9DA6-DF18AA452D5B}"/>
+                        </a:ext>
+                      </a:extLst>
+                    </p:cNvPr>
+                    <p:cNvSpPr/>
+                    <p:nvPr/>
+                  </p:nvSpPr>
+                  <p:spPr bwMode="auto">
+                    <a:xfrm>
+                      <a:off x="333068" y="3133055"/>
+                      <a:ext cx="1030081" cy="935773"/>
+                    </a:xfrm>
+                    <a:prstGeom prst="hexagon">
+                      <a:avLst>
+                        <a:gd name="adj" fmla="val 28624"/>
+                        <a:gd name="vf" fmla="val 115470"/>
+                      </a:avLst>
+                    </a:prstGeom>
+                    <a:ln>
+                      <a:headEnd type="none" w="med" len="med"/>
+                      <a:tailEnd type="none" w="med" len="med"/>
+                    </a:ln>
+                  </p:spPr>
+                  <p:style>
+                    <a:lnRef idx="2">
+                      <a:schemeClr val="accent3"/>
+                    </a:lnRef>
+                    <a:fillRef idx="1">
+                      <a:schemeClr val="lt1"/>
+                    </a:fillRef>
+                    <a:effectRef idx="0">
+                      <a:schemeClr val="accent3"/>
+                    </a:effectRef>
+                    <a:fontRef idx="minor">
+                      <a:schemeClr val="dk1"/>
+                    </a:fontRef>
+                  </p:style>
+                  <p:txBody>
+                    <a:bodyPr rot="0" spcFirstLastPara="0" vertOverflow="overflow" horzOverflow="overflow" vert="horz" wrap="square" lIns="0" tIns="560064" rIns="0" bIns="380632" numCol="1" spcCol="0" rtlCol="0" fromWordArt="0" anchor="t" anchorCtr="0" forceAA="0" compatLnSpc="1">
+                      <a:prstTxWarp prst="textNoShape">
+                        <a:avLst/>
+                      </a:prstTxWarp>
+                      <a:noAutofit/>
+                    </a:bodyPr>
+                    <a:lstStyle/>
+                    <a:p>
+                      <a:pPr algn="ctr" defTabSz="878453" fontAlgn="base">
+                        <a:lnSpc>
+                          <a:spcPct val="90000"/>
+                        </a:lnSpc>
+                        <a:spcBef>
+                          <a:spcPct val="0"/>
+                        </a:spcBef>
+                        <a:spcAft>
+                          <a:spcPct val="0"/>
+                        </a:spcAft>
+                      </a:pPr>
+                      <a:r>
+                        <a:rPr lang="en-US" sz="1131" b="1" dirty="0">
+                          <a:solidFill>
+                            <a:schemeClr val="tx1"/>
+                          </a:solidFill>
+                          <a:latin typeface="Segoe UI" charset="0"/>
+                          <a:cs typeface="Segoe UI" charset="0"/>
+                        </a:rPr>
+                        <a:t>Catalog</a:t>
+                      </a:r>
+                    </a:p>
+                  </p:txBody>
+                </p:sp>
+                <p:pic>
+                  <p:nvPicPr>
+                    <p:cNvPr id="106" name="Picture 105">
+                      <a:extLst>
+                        <a:ext uri="{FF2B5EF4-FFF2-40B4-BE49-F238E27FC236}">
+                          <a16:creationId xmlns:a16="http://schemas.microsoft.com/office/drawing/2014/main" id="{E244D273-111D-44C1-9CF3-C17CE34C6AB5}"/>
+                        </a:ext>
+                      </a:extLst>
+                    </p:cNvPr>
+                    <p:cNvPicPr>
+                      <a:picLocks noChangeAspect="1"/>
+                    </p:cNvPicPr>
+                    <p:nvPr/>
+                  </p:nvPicPr>
+                  <p:blipFill>
+                    <a:blip r:embed="rId8"/>
+                    <a:stretch>
+                      <a:fillRect/>
+                    </a:stretch>
+                  </p:blipFill>
+                  <p:spPr>
+                    <a:xfrm>
+                      <a:off x="562368" y="3261024"/>
+                      <a:ext cx="567308" cy="330930"/>
+                    </a:xfrm>
+                    <a:prstGeom prst="rect">
+                      <a:avLst/>
+                    </a:prstGeom>
+                  </p:spPr>
+                </p:pic>
+              </p:grpSp>
+              <p:sp>
+                <p:nvSpPr>
+                  <p:cNvPr id="62" name="Rectangle 61">
+                    <a:extLst>
+                      <a:ext uri="{FF2B5EF4-FFF2-40B4-BE49-F238E27FC236}">
+                        <a16:creationId xmlns:a16="http://schemas.microsoft.com/office/drawing/2014/main" id="{9CA74A51-34E6-48DD-83CE-7273877C09F8}"/>
+                      </a:ext>
+                    </a:extLst>
+                  </p:cNvPr>
+                  <p:cNvSpPr/>
+                  <p:nvPr/>
+                </p:nvSpPr>
+                <p:spPr>
+                  <a:xfrm>
+                    <a:off x="5076197" y="4397333"/>
+                    <a:ext cx="485212" cy="103356"/>
+                  </a:xfrm>
+                  <a:prstGeom prst="rect">
+                    <a:avLst/>
+                  </a:prstGeom>
+                </p:spPr>
+                <p:style>
+                  <a:lnRef idx="2">
+                    <a:schemeClr val="dk1">
+                      <a:shade val="50000"/>
+                    </a:schemeClr>
+                  </a:lnRef>
+                  <a:fillRef idx="1">
+                    <a:schemeClr val="dk1"/>
+                  </a:fillRef>
+                  <a:effectRef idx="0">
+                    <a:schemeClr val="dk1"/>
+                  </a:effectRef>
+                  <a:fontRef idx="minor">
+                    <a:schemeClr val="lt1"/>
+                  </a:fontRef>
+                </p:style>
+                <p:txBody>
+                  <a:bodyPr rtlCol="0" anchor="ctr"/>
+                  <a:lstStyle/>
+                  <a:p>
+                    <a:pPr algn="ctr"/>
+                    <a:endParaRPr lang="en-US"/>
+                  </a:p>
+                </p:txBody>
+              </p:sp>
+            </p:grpSp>
+          </p:grpSp>
+          <p:pic>
+            <p:nvPicPr>
+              <p:cNvPr id="128" name="Picture 127">
+                <a:extLst>
+                  <a:ext uri="{FF2B5EF4-FFF2-40B4-BE49-F238E27FC236}">
+                    <a16:creationId xmlns:a16="http://schemas.microsoft.com/office/drawing/2014/main" id="{B407DD94-D23C-4703-B4B1-A138448A327E}"/>
+                  </a:ext>
+                </a:extLst>
+              </p:cNvPr>
+              <p:cNvPicPr>
+                <a:picLocks noChangeAspect="1"/>
+              </p:cNvPicPr>
+              <p:nvPr/>
+            </p:nvPicPr>
+            <p:blipFill>
+              <a:blip r:embed="rId7" cstate="print">
+                <a:extLst>
+                  <a:ext uri="{28A0092B-C50C-407E-A947-70E740481C1C}">
+                    <a14:useLocalDpi xmlns:a14="http://schemas.microsoft.com/office/drawing/2010/main" val="0"/>
+                  </a:ext>
+                </a:extLst>
+              </a:blip>
+              <a:stretch>
+                <a:fillRect/>
+              </a:stretch>
+            </p:blipFill>
+            <p:spPr>
+              <a:xfrm>
+                <a:off x="6123030" y="2913171"/>
+                <a:ext cx="267213" cy="267213"/>
+              </a:xfrm>
+              <a:prstGeom prst="rect">
+                <a:avLst/>
+              </a:prstGeom>
+            </p:spPr>
+          </p:pic>
+        </p:grpSp>
+        <p:grpSp>
+          <p:nvGrpSpPr>
+            <p:cNvPr id="50" name="Group 49">
+              <a:extLst>
+                <a:ext uri="{FF2B5EF4-FFF2-40B4-BE49-F238E27FC236}">
+                  <a16:creationId xmlns:a16="http://schemas.microsoft.com/office/drawing/2014/main" id="{9CD65E8A-0D21-4B3D-BFBD-90BBF2A3AAD6}"/>
+                </a:ext>
+              </a:extLst>
+            </p:cNvPr>
+            <p:cNvGrpSpPr/>
+            <p:nvPr/>
+          </p:nvGrpSpPr>
+          <p:grpSpPr>
+            <a:xfrm>
+              <a:off x="5551850" y="4526132"/>
+              <a:ext cx="1030081" cy="1406599"/>
+              <a:chOff x="5961796" y="4536395"/>
+              <a:chExt cx="1030081" cy="1406599"/>
+            </a:xfrm>
+          </p:grpSpPr>
+          <p:grpSp>
+            <p:nvGrpSpPr>
+              <p:cNvPr id="38" name="Group 37">
+                <a:extLst>
+                  <a:ext uri="{FF2B5EF4-FFF2-40B4-BE49-F238E27FC236}">
+                    <a16:creationId xmlns:a16="http://schemas.microsoft.com/office/drawing/2014/main" id="{380721FC-E6EC-4411-9ED5-1242AD8D78A3}"/>
+                  </a:ext>
+                </a:extLst>
+              </p:cNvPr>
+              <p:cNvGrpSpPr/>
+              <p:nvPr/>
+            </p:nvGrpSpPr>
+            <p:grpSpPr>
+              <a:xfrm>
+                <a:off x="5961796" y="4685006"/>
+                <a:ext cx="1030081" cy="1257988"/>
+                <a:chOff x="5961796" y="4685006"/>
+                <a:chExt cx="1030081" cy="1257988"/>
+              </a:xfrm>
+            </p:grpSpPr>
+            <p:pic>
+              <p:nvPicPr>
+                <p:cNvPr id="88" name="Picture 87">
+                  <a:extLst>
+                    <a:ext uri="{FF2B5EF4-FFF2-40B4-BE49-F238E27FC236}">
+                      <a16:creationId xmlns:a16="http://schemas.microsoft.com/office/drawing/2014/main" id="{A88C30F1-3736-4C5F-BC26-6171E6464CB8}"/>
+                    </a:ext>
+                  </a:extLst>
+                </p:cNvPr>
+                <p:cNvPicPr>
+                  <a:picLocks noChangeAspect="1"/>
+                </p:cNvPicPr>
+                <p:nvPr/>
+              </p:nvPicPr>
+              <p:blipFill>
+                <a:blip r:embed="rId3" cstate="print">
+                  <a:extLst>
+                    <a:ext uri="{28A0092B-C50C-407E-A947-70E740481C1C}">
+                      <a14:useLocalDpi xmlns:a14="http://schemas.microsoft.com/office/drawing/2010/main" val="0"/>
+                    </a:ext>
+                  </a:extLst>
+                </a:blip>
+                <a:stretch>
+                  <a:fillRect/>
+                </a:stretch>
+              </p:blipFill>
+              <p:spPr>
+                <a:xfrm>
+                  <a:off x="6394418" y="5726444"/>
+                  <a:ext cx="216550" cy="216550"/>
+                </a:xfrm>
+                <a:prstGeom prst="rect">
+                  <a:avLst/>
+                </a:prstGeom>
+              </p:spPr>
+            </p:pic>
+            <p:grpSp>
+              <p:nvGrpSpPr>
+                <p:cNvPr id="25" name="Group 24">
+                  <a:extLst>
+                    <a:ext uri="{FF2B5EF4-FFF2-40B4-BE49-F238E27FC236}">
+                      <a16:creationId xmlns:a16="http://schemas.microsoft.com/office/drawing/2014/main" id="{1B3FFEFB-294A-4090-83A0-94E7CC0126AC}"/>
+                    </a:ext>
+                  </a:extLst>
+                </p:cNvPr>
+                <p:cNvGrpSpPr/>
+                <p:nvPr/>
+              </p:nvGrpSpPr>
+              <p:grpSpPr>
+                <a:xfrm>
+                  <a:off x="5961796" y="4685006"/>
+                  <a:ext cx="1030081" cy="1063636"/>
+                  <a:chOff x="4860084" y="4812869"/>
+                  <a:chExt cx="1030081" cy="1063636"/>
+                </a:xfrm>
+              </p:grpSpPr>
+              <p:grpSp>
+                <p:nvGrpSpPr>
+                  <p:cNvPr id="132" name="Group 131">
+                    <a:extLst>
+                      <a:ext uri="{FF2B5EF4-FFF2-40B4-BE49-F238E27FC236}">
+                        <a16:creationId xmlns:a16="http://schemas.microsoft.com/office/drawing/2014/main" id="{C98623D0-3374-4417-8C0B-A34DA2ED0969}"/>
+                      </a:ext>
+                    </a:extLst>
+                  </p:cNvPr>
+                  <p:cNvGrpSpPr/>
+                  <p:nvPr/>
+                </p:nvGrpSpPr>
+                <p:grpSpPr>
+                  <a:xfrm>
+                    <a:off x="4860084" y="4812869"/>
+                    <a:ext cx="1030081" cy="935773"/>
+                    <a:chOff x="5055956" y="4812869"/>
+                    <a:chExt cx="1030081" cy="935773"/>
+                  </a:xfrm>
+                </p:grpSpPr>
+                <p:sp>
+                  <p:nvSpPr>
+                    <p:cNvPr id="123" name="Hexagon 176">
+                      <a:extLst>
+                        <a:ext uri="{FF2B5EF4-FFF2-40B4-BE49-F238E27FC236}">
+                          <a16:creationId xmlns:a16="http://schemas.microsoft.com/office/drawing/2014/main" id="{C0183146-FDED-48B6-B9C4-CA1FA9F991CE}"/>
+                        </a:ext>
+                      </a:extLst>
+                    </p:cNvPr>
+                    <p:cNvSpPr/>
+                    <p:nvPr/>
+                  </p:nvSpPr>
+                  <p:spPr bwMode="auto">
+                    <a:xfrm>
+                      <a:off x="5055956" y="4812869"/>
+                      <a:ext cx="1030081" cy="935773"/>
+                    </a:xfrm>
+                    <a:prstGeom prst="hexagon">
+                      <a:avLst>
+                        <a:gd name="adj" fmla="val 28624"/>
+                        <a:gd name="vf" fmla="val 115470"/>
+                      </a:avLst>
+                    </a:prstGeom>
+                    <a:ln>
+                      <a:headEnd type="none" w="med" len="med"/>
+                      <a:tailEnd type="none" w="med" len="med"/>
+                    </a:ln>
+                  </p:spPr>
+                  <p:style>
+                    <a:lnRef idx="2">
+                      <a:schemeClr val="accent3"/>
+                    </a:lnRef>
+                    <a:fillRef idx="1">
+                      <a:schemeClr val="lt1"/>
+                    </a:fillRef>
+                    <a:effectRef idx="0">
+                      <a:schemeClr val="accent3"/>
+                    </a:effectRef>
+                    <a:fontRef idx="minor">
+                      <a:schemeClr val="dk1"/>
+                    </a:fontRef>
+                  </p:style>
+                  <p:txBody>
+                    <a:bodyPr rot="0" spcFirstLastPara="0" vertOverflow="overflow" horzOverflow="overflow" vert="horz" wrap="square" lIns="0" tIns="560064" rIns="0" bIns="380632" numCol="1" spcCol="0" rtlCol="0" fromWordArt="0" anchor="t" anchorCtr="0" forceAA="0" compatLnSpc="1">
+                      <a:prstTxWarp prst="textNoShape">
+                        <a:avLst/>
+                      </a:prstTxWarp>
+                      <a:noAutofit/>
+                    </a:bodyPr>
+                    <a:lstStyle/>
+                    <a:p>
+                      <a:pPr algn="ctr" defTabSz="878453" fontAlgn="base">
+                        <a:lnSpc>
+                          <a:spcPct val="90000"/>
+                        </a:lnSpc>
+                        <a:spcBef>
+                          <a:spcPct val="0"/>
+                        </a:spcBef>
+                        <a:spcAft>
+                          <a:spcPct val="0"/>
+                        </a:spcAft>
+                      </a:pPr>
+                      <a:endParaRPr lang="en-US" sz="1131" b="1" dirty="0">
+                        <a:solidFill>
+                          <a:schemeClr val="tx1"/>
+                        </a:solidFill>
+                        <a:latin typeface="Segoe UI" charset="0"/>
+                        <a:cs typeface="Segoe UI" charset="0"/>
+                      </a:endParaRPr>
+                    </a:p>
+                  </p:txBody>
+                </p:sp>
+                <p:pic>
+                  <p:nvPicPr>
+                    <p:cNvPr id="126" name="Picture 125">
+                      <a:extLst>
+                        <a:ext uri="{FF2B5EF4-FFF2-40B4-BE49-F238E27FC236}">
+                          <a16:creationId xmlns:a16="http://schemas.microsoft.com/office/drawing/2014/main" id="{EB6412B3-D057-4657-8A51-126CFE6ABD13}"/>
+                        </a:ext>
+                      </a:extLst>
+                    </p:cNvPr>
+                    <p:cNvPicPr>
+                      <a:picLocks noChangeAspect="1"/>
+                    </p:cNvPicPr>
+                    <p:nvPr/>
+                  </p:nvPicPr>
+                  <p:blipFill>
+                    <a:blip r:embed="rId9" cstate="print">
+                      <a:extLst>
+                        <a:ext uri="{28A0092B-C50C-407E-A947-70E740481C1C}">
+                          <a14:useLocalDpi xmlns:a14="http://schemas.microsoft.com/office/drawing/2010/main" val="0"/>
+                        </a:ext>
+                      </a:extLst>
+                    </a:blip>
+                    <a:stretch>
+                      <a:fillRect/>
+                    </a:stretch>
+                  </p:blipFill>
+                  <p:spPr>
+                    <a:xfrm>
+                      <a:off x="5355993" y="4972050"/>
+                      <a:ext cx="506205" cy="572901"/>
+                    </a:xfrm>
+                    <a:prstGeom prst="rect">
+                      <a:avLst/>
+                    </a:prstGeom>
+                  </p:spPr>
+                </p:pic>
+              </p:grpSp>
+              <p:sp>
+                <p:nvSpPr>
+                  <p:cNvPr id="67" name="Rectangle 66">
+                    <a:extLst>
+                      <a:ext uri="{FF2B5EF4-FFF2-40B4-BE49-F238E27FC236}">
+                        <a16:creationId xmlns:a16="http://schemas.microsoft.com/office/drawing/2014/main" id="{FD712DE2-5A96-4E84-A461-EBF39EE0745D}"/>
+                      </a:ext>
+                    </a:extLst>
+                  </p:cNvPr>
+                  <p:cNvSpPr/>
+                  <p:nvPr/>
+                </p:nvSpPr>
+                <p:spPr>
+                  <a:xfrm>
+                    <a:off x="5131022" y="5773149"/>
+                    <a:ext cx="487537" cy="103356"/>
+                  </a:xfrm>
+                  <a:prstGeom prst="rect">
+                    <a:avLst/>
+                  </a:prstGeom>
+                </p:spPr>
+                <p:style>
+                  <a:lnRef idx="2">
+                    <a:schemeClr val="dk1">
+                      <a:shade val="50000"/>
+                    </a:schemeClr>
+                  </a:lnRef>
+                  <a:fillRef idx="1">
+                    <a:schemeClr val="dk1"/>
+                  </a:fillRef>
+                  <a:effectRef idx="0">
+                    <a:schemeClr val="dk1"/>
+                  </a:effectRef>
+                  <a:fontRef idx="minor">
+                    <a:schemeClr val="lt1"/>
+                  </a:fontRef>
+                </p:style>
+                <p:txBody>
+                  <a:bodyPr rtlCol="0" anchor="ctr"/>
+                  <a:lstStyle/>
+                  <a:p>
+                    <a:pPr algn="ctr"/>
+                    <a:endParaRPr lang="en-US"/>
+                  </a:p>
+                </p:txBody>
+              </p:sp>
+            </p:grpSp>
+          </p:grpSp>
+          <p:pic>
+            <p:nvPicPr>
+              <p:cNvPr id="130" name="Picture 129">
+                <a:extLst>
+                  <a:ext uri="{FF2B5EF4-FFF2-40B4-BE49-F238E27FC236}">
+                    <a16:creationId xmlns:a16="http://schemas.microsoft.com/office/drawing/2014/main" id="{F05C654C-9158-4D61-BBD7-3339B18CAE04}"/>
+                  </a:ext>
+                </a:extLst>
+              </p:cNvPr>
+              <p:cNvPicPr>
+                <a:picLocks noChangeAspect="1"/>
+              </p:cNvPicPr>
+              <p:nvPr/>
+            </p:nvPicPr>
+            <p:blipFill>
+              <a:blip r:embed="rId7" cstate="print">
+                <a:extLst>
+                  <a:ext uri="{28A0092B-C50C-407E-A947-70E740481C1C}">
+                    <a14:useLocalDpi xmlns:a14="http://schemas.microsoft.com/office/drawing/2010/main" val="0"/>
+                  </a:ext>
+                </a:extLst>
+              </a:blip>
+              <a:stretch>
+                <a:fillRect/>
+              </a:stretch>
+            </p:blipFill>
+            <p:spPr>
+              <a:xfrm>
+                <a:off x="6610968" y="4536395"/>
+                <a:ext cx="267213" cy="267213"/>
+              </a:xfrm>
+              <a:prstGeom prst="rect">
+                <a:avLst/>
+              </a:prstGeom>
+            </p:spPr>
+          </p:pic>
+        </p:grpSp>
+        <p:sp>
+          <p:nvSpPr>
+            <p:cNvPr id="154" name="Rectangle 153">
+              <a:extLst>
+                <a:ext uri="{FF2B5EF4-FFF2-40B4-BE49-F238E27FC236}">
+                  <a16:creationId xmlns:a16="http://schemas.microsoft.com/office/drawing/2014/main" id="{BF1A18FA-CB15-49EE-B60C-1672B35C9175}"/>
+                </a:ext>
+              </a:extLst>
+            </p:cNvPr>
+            <p:cNvSpPr/>
+            <p:nvPr/>
+          </p:nvSpPr>
+          <p:spPr>
+            <a:xfrm>
+              <a:off x="5451384" y="3100764"/>
+              <a:ext cx="1191097" cy="2882912"/>
+            </a:xfrm>
+            <a:prstGeom prst="rect">
+              <a:avLst/>
+            </a:prstGeom>
+            <a:noFill/>
+            <a:ln>
+              <a:solidFill>
+                <a:schemeClr val="bg1">
+                  <a:lumMod val="50000"/>
+                </a:schemeClr>
+              </a:solidFill>
+              <a:prstDash val="lgDash"/>
+            </a:ln>
+          </p:spPr>
+          <p:style>
+            <a:lnRef idx="2">
+              <a:schemeClr val="accent1">
+                <a:shade val="50000"/>
+              </a:schemeClr>
+            </a:lnRef>
+            <a:fillRef idx="1">
+              <a:schemeClr val="accent1"/>
+            </a:fillRef>
+            <a:effectRef idx="0">
+              <a:schemeClr val="accent1"/>
+            </a:effectRef>
+            <a:fontRef idx="minor">
+              <a:schemeClr val="lt1"/>
+            </a:fontRef>
+          </p:style>
+          <p:txBody>
+            <a:bodyPr rtlCol="0" anchor="ctr"/>
+            <a:lstStyle/>
+            <a:p>
+              <a:pPr algn="ctr"/>
+              <a:endParaRPr lang="en-US"/>
+            </a:p>
+          </p:txBody>
+        </p:sp>
+      </p:grpSp>
+      <p:grpSp>
+        <p:nvGrpSpPr>
+          <p:cNvPr id="254" name="Group 253">
+            <a:extLst>
+              <a:ext uri="{FF2B5EF4-FFF2-40B4-BE49-F238E27FC236}">
+                <a16:creationId xmlns:a16="http://schemas.microsoft.com/office/drawing/2014/main" id="{0675D61B-784E-4612-A5B8-472AA5CA389A}"/>
+              </a:ext>
+            </a:extLst>
+          </p:cNvPr>
+          <p:cNvGrpSpPr/>
+          <p:nvPr/>
+        </p:nvGrpSpPr>
+        <p:grpSpPr>
+          <a:xfrm>
+            <a:off x="3941646" y="3100764"/>
+            <a:ext cx="1191097" cy="2882912"/>
+            <a:chOff x="3941646" y="3100764"/>
+            <a:chExt cx="1191097" cy="2882912"/>
+          </a:xfrm>
+        </p:grpSpPr>
+        <p:grpSp>
+          <p:nvGrpSpPr>
+            <p:cNvPr id="51" name="Group 50">
+              <a:extLst>
+                <a:ext uri="{FF2B5EF4-FFF2-40B4-BE49-F238E27FC236}">
+                  <a16:creationId xmlns:a16="http://schemas.microsoft.com/office/drawing/2014/main" id="{3BE227DB-2BD5-4AEC-BC28-623AC359FEAF}"/>
+                </a:ext>
+              </a:extLst>
+            </p:cNvPr>
+            <p:cNvGrpSpPr/>
+            <p:nvPr/>
+          </p:nvGrpSpPr>
+          <p:grpSpPr>
+            <a:xfrm>
+              <a:off x="3986083" y="3175871"/>
+              <a:ext cx="1068151" cy="1385144"/>
+              <a:chOff x="3615771" y="3067520"/>
+              <a:chExt cx="1068151" cy="1385144"/>
+            </a:xfrm>
+          </p:grpSpPr>
+          <p:grpSp>
+            <p:nvGrpSpPr>
+              <p:cNvPr id="35" name="Group 34">
+                <a:extLst>
+                  <a:ext uri="{FF2B5EF4-FFF2-40B4-BE49-F238E27FC236}">
+                    <a16:creationId xmlns:a16="http://schemas.microsoft.com/office/drawing/2014/main" id="{3544D76F-AEED-4D1F-B875-94A63C52D8CC}"/>
+                  </a:ext>
+                </a:extLst>
+              </p:cNvPr>
+              <p:cNvGrpSpPr/>
+              <p:nvPr/>
+            </p:nvGrpSpPr>
+            <p:grpSpPr>
+              <a:xfrm>
+                <a:off x="3615771" y="3213685"/>
+                <a:ext cx="1068151" cy="1238979"/>
+                <a:chOff x="3615771" y="3213685"/>
+                <a:chExt cx="1068151" cy="1238979"/>
+              </a:xfrm>
+            </p:grpSpPr>
+            <p:pic>
+              <p:nvPicPr>
+                <p:cNvPr id="90" name="Picture 89">
+                  <a:extLst>
+                    <a:ext uri="{FF2B5EF4-FFF2-40B4-BE49-F238E27FC236}">
+                      <a16:creationId xmlns:a16="http://schemas.microsoft.com/office/drawing/2014/main" id="{03C64589-8B6B-4241-9BBD-7C42203381BA}"/>
+                    </a:ext>
+                  </a:extLst>
+                </p:cNvPr>
+                <p:cNvPicPr>
+                  <a:picLocks noChangeAspect="1"/>
+                </p:cNvPicPr>
+                <p:nvPr/>
+              </p:nvPicPr>
+              <p:blipFill>
+                <a:blip r:embed="rId3" cstate="print">
+                  <a:extLst>
+                    <a:ext uri="{28A0092B-C50C-407E-A947-70E740481C1C}">
+                      <a14:useLocalDpi xmlns:a14="http://schemas.microsoft.com/office/drawing/2010/main" val="0"/>
+                    </a:ext>
+                  </a:extLst>
+                </a:blip>
+                <a:stretch>
+                  <a:fillRect/>
+                </a:stretch>
+              </p:blipFill>
+              <p:spPr>
+                <a:xfrm>
+                  <a:off x="4060619" y="4236114"/>
+                  <a:ext cx="216550" cy="216550"/>
+                </a:xfrm>
+                <a:prstGeom prst="rect">
+                  <a:avLst/>
+                </a:prstGeom>
+              </p:spPr>
+            </p:pic>
+            <p:grpSp>
+              <p:nvGrpSpPr>
+                <p:cNvPr id="17" name="Group 16">
+                  <a:extLst>
+                    <a:ext uri="{FF2B5EF4-FFF2-40B4-BE49-F238E27FC236}">
+                      <a16:creationId xmlns:a16="http://schemas.microsoft.com/office/drawing/2014/main" id="{0E3B5424-7151-4E46-8259-87A8A63264ED}"/>
+                    </a:ext>
+                  </a:extLst>
+                </p:cNvPr>
+                <p:cNvGrpSpPr/>
+                <p:nvPr/>
+              </p:nvGrpSpPr>
+              <p:grpSpPr>
+                <a:xfrm>
+                  <a:off x="3615771" y="3213685"/>
+                  <a:ext cx="1068151" cy="1043784"/>
+                  <a:chOff x="3275249" y="3444984"/>
+                  <a:chExt cx="1068151" cy="1043784"/>
+                </a:xfrm>
+              </p:grpSpPr>
+              <p:grpSp>
+                <p:nvGrpSpPr>
+                  <p:cNvPr id="57" name="Group 56">
+                    <a:extLst>
+                      <a:ext uri="{FF2B5EF4-FFF2-40B4-BE49-F238E27FC236}">
+                        <a16:creationId xmlns:a16="http://schemas.microsoft.com/office/drawing/2014/main" id="{73F0C555-9091-43E9-A6E4-79E26D672B12}"/>
+                      </a:ext>
+                    </a:extLst>
+                  </p:cNvPr>
+                  <p:cNvGrpSpPr/>
+                  <p:nvPr/>
+                </p:nvGrpSpPr>
+                <p:grpSpPr>
+                  <a:xfrm>
+                    <a:off x="3275249" y="3444984"/>
+                    <a:ext cx="1068151" cy="919700"/>
+                    <a:chOff x="9254078" y="4883240"/>
+                    <a:chExt cx="844906" cy="728368"/>
+                  </a:xfrm>
+                </p:grpSpPr>
+                <p:sp>
+                  <p:nvSpPr>
+                    <p:cNvPr id="58" name="Hexagon 176">
+                      <a:extLst>
+                        <a:ext uri="{FF2B5EF4-FFF2-40B4-BE49-F238E27FC236}">
+                          <a16:creationId xmlns:a16="http://schemas.microsoft.com/office/drawing/2014/main" id="{2DD51459-D4C4-437D-8DCA-510BBD19FC32}"/>
+                        </a:ext>
+                      </a:extLst>
+                    </p:cNvPr>
+                    <p:cNvSpPr/>
+                    <p:nvPr/>
+                  </p:nvSpPr>
+                  <p:spPr bwMode="auto">
+                    <a:xfrm>
+                      <a:off x="9254078" y="4883240"/>
+                      <a:ext cx="844906" cy="728368"/>
+                    </a:xfrm>
+                    <a:prstGeom prst="hexagon">
+                      <a:avLst>
+                        <a:gd name="adj" fmla="val 28624"/>
+                        <a:gd name="vf" fmla="val 115470"/>
+                      </a:avLst>
+                    </a:prstGeom>
+                    <a:ln>
+                      <a:headEnd type="none" w="med" len="med"/>
+                      <a:tailEnd type="none" w="med" len="med"/>
+                    </a:ln>
+                  </p:spPr>
+                  <p:style>
+                    <a:lnRef idx="2">
+                      <a:schemeClr val="accent4"/>
+                    </a:lnRef>
+                    <a:fillRef idx="1">
+                      <a:schemeClr val="lt1"/>
+                    </a:fillRef>
+                    <a:effectRef idx="0">
+                      <a:schemeClr val="accent4"/>
+                    </a:effectRef>
+                    <a:fontRef idx="minor">
+                      <a:schemeClr val="dk1"/>
+                    </a:fontRef>
+                  </p:style>
+                  <p:txBody>
+                    <a:bodyPr rot="0" spcFirstLastPara="0" vertOverflow="overflow" horzOverflow="overflow" vert="horz" wrap="square" lIns="0" tIns="560064" rIns="0" bIns="380632" numCol="1" spcCol="0" rtlCol="0" fromWordArt="0" anchor="t" anchorCtr="0" forceAA="0" compatLnSpc="1">
+                      <a:prstTxWarp prst="textNoShape">
+                        <a:avLst/>
+                      </a:prstTxWarp>
+                      <a:noAutofit/>
+                    </a:bodyPr>
+                    <a:lstStyle/>
+                    <a:p>
+                      <a:pPr algn="ctr" defTabSz="878453" fontAlgn="base">
+                        <a:lnSpc>
+                          <a:spcPct val="90000"/>
+                        </a:lnSpc>
+                        <a:spcBef>
+                          <a:spcPct val="0"/>
+                        </a:spcBef>
+                        <a:spcAft>
+                          <a:spcPct val="0"/>
+                        </a:spcAft>
+                      </a:pPr>
+                      <a:r>
+                        <a:rPr lang="en-US" sz="1131" b="1" dirty="0">
+                          <a:solidFill>
+                            <a:schemeClr val="tx1"/>
+                          </a:solidFill>
+                          <a:latin typeface="Segoe UI" charset="0"/>
+                          <a:cs typeface="Segoe UI" charset="0"/>
+                        </a:rPr>
+                        <a:t>Inventory</a:t>
+                      </a:r>
+                    </a:p>
+                  </p:txBody>
+                </p:sp>
+                <p:pic>
+                  <p:nvPicPr>
+                    <p:cNvPr id="59" name="Picture 58">
+                      <a:extLst>
+                        <a:ext uri="{FF2B5EF4-FFF2-40B4-BE49-F238E27FC236}">
+                          <a16:creationId xmlns:a16="http://schemas.microsoft.com/office/drawing/2014/main" id="{7125FF4C-632A-46CD-B634-226A5D4A4589}"/>
+                        </a:ext>
+                      </a:extLst>
+                    </p:cNvPr>
+                    <p:cNvPicPr>
+                      <a:picLocks noChangeAspect="1"/>
+                    </p:cNvPicPr>
+                    <p:nvPr/>
+                  </p:nvPicPr>
+                  <p:blipFill>
+                    <a:blip r:embed="rId10"/>
+                    <a:stretch>
+                      <a:fillRect/>
+                    </a:stretch>
+                  </p:blipFill>
+                  <p:spPr>
+                    <a:xfrm>
+                      <a:off x="9399369" y="4956768"/>
+                      <a:ext cx="548712" cy="320082"/>
+                    </a:xfrm>
+                    <a:prstGeom prst="rect">
+                      <a:avLst/>
+                    </a:prstGeom>
+                  </p:spPr>
+                </p:pic>
+              </p:grpSp>
+              <p:sp>
+                <p:nvSpPr>
+                  <p:cNvPr id="60" name="Rectangle 59">
+                    <a:extLst>
+                      <a:ext uri="{FF2B5EF4-FFF2-40B4-BE49-F238E27FC236}">
+                        <a16:creationId xmlns:a16="http://schemas.microsoft.com/office/drawing/2014/main" id="{151DCDA4-2801-4029-828C-E92FDA204DDB}"/>
+                      </a:ext>
+                    </a:extLst>
+                  </p:cNvPr>
+                  <p:cNvSpPr/>
+                  <p:nvPr/>
+                </p:nvSpPr>
+                <p:spPr>
+                  <a:xfrm>
+                    <a:off x="3548357" y="4385412"/>
+                    <a:ext cx="528158" cy="103356"/>
+                  </a:xfrm>
+                  <a:prstGeom prst="rect">
+                    <a:avLst/>
+                  </a:prstGeom>
+                </p:spPr>
+                <p:style>
+                  <a:lnRef idx="2">
+                    <a:schemeClr val="dk1">
+                      <a:shade val="50000"/>
+                    </a:schemeClr>
+                  </a:lnRef>
+                  <a:fillRef idx="1">
+                    <a:schemeClr val="dk1"/>
+                  </a:fillRef>
+                  <a:effectRef idx="0">
+                    <a:schemeClr val="dk1"/>
+                  </a:effectRef>
+                  <a:fontRef idx="minor">
+                    <a:schemeClr val="lt1"/>
+                  </a:fontRef>
+                </p:style>
+                <p:txBody>
+                  <a:bodyPr rtlCol="0" anchor="ctr"/>
+                  <a:lstStyle/>
+                  <a:p>
+                    <a:pPr algn="ctr"/>
+                    <a:endParaRPr lang="en-US"/>
+                  </a:p>
+                </p:txBody>
+              </p:sp>
+            </p:grpSp>
+          </p:grpSp>
+          <p:pic>
+            <p:nvPicPr>
+              <p:cNvPr id="129" name="Picture 128">
+                <a:extLst>
+                  <a:ext uri="{FF2B5EF4-FFF2-40B4-BE49-F238E27FC236}">
+                    <a16:creationId xmlns:a16="http://schemas.microsoft.com/office/drawing/2014/main" id="{7297DAA0-F3C7-4649-8EC0-2DFB580DA251}"/>
+                  </a:ext>
+                </a:extLst>
+              </p:cNvPr>
+              <p:cNvPicPr>
+                <a:picLocks noChangeAspect="1"/>
+              </p:cNvPicPr>
+              <p:nvPr/>
+            </p:nvPicPr>
+            <p:blipFill>
+              <a:blip r:embed="rId7" cstate="print">
+                <a:extLst>
+                  <a:ext uri="{28A0092B-C50C-407E-A947-70E740481C1C}">
+                    <a14:useLocalDpi xmlns:a14="http://schemas.microsoft.com/office/drawing/2010/main" val="0"/>
+                  </a:ext>
+                </a:extLst>
+              </a:blip>
+              <a:stretch>
+                <a:fillRect/>
+              </a:stretch>
+            </p:blipFill>
+            <p:spPr>
+              <a:xfrm>
+                <a:off x="4320049" y="3067520"/>
+                <a:ext cx="267213" cy="267213"/>
+              </a:xfrm>
+              <a:prstGeom prst="rect">
+                <a:avLst/>
+              </a:prstGeom>
+            </p:spPr>
+          </p:pic>
+        </p:grpSp>
+        <p:grpSp>
+          <p:nvGrpSpPr>
+            <p:cNvPr id="78" name="Group 77">
+              <a:extLst>
+                <a:ext uri="{FF2B5EF4-FFF2-40B4-BE49-F238E27FC236}">
+                  <a16:creationId xmlns:a16="http://schemas.microsoft.com/office/drawing/2014/main" id="{8149C838-4EA0-472D-B09B-43F4BF8AA0FE}"/>
+                </a:ext>
+              </a:extLst>
+            </p:cNvPr>
+            <p:cNvGrpSpPr/>
+            <p:nvPr/>
+          </p:nvGrpSpPr>
+          <p:grpSpPr>
+            <a:xfrm>
+              <a:off x="4018012" y="4502106"/>
+              <a:ext cx="1030081" cy="1404482"/>
+              <a:chOff x="3972260" y="4490699"/>
+              <a:chExt cx="1030081" cy="1404482"/>
+            </a:xfrm>
+          </p:grpSpPr>
+          <p:grpSp>
+            <p:nvGrpSpPr>
+              <p:cNvPr id="39" name="Group 38">
+                <a:extLst>
+                  <a:ext uri="{FF2B5EF4-FFF2-40B4-BE49-F238E27FC236}">
+                    <a16:creationId xmlns:a16="http://schemas.microsoft.com/office/drawing/2014/main" id="{12C5038A-57CB-4886-A18C-2BC3BBC8C5CE}"/>
+                  </a:ext>
+                </a:extLst>
+              </p:cNvPr>
+              <p:cNvGrpSpPr/>
+              <p:nvPr/>
+            </p:nvGrpSpPr>
+            <p:grpSpPr>
+              <a:xfrm>
+                <a:off x="3972260" y="4636864"/>
+                <a:ext cx="1030081" cy="1258317"/>
+                <a:chOff x="3972260" y="4636864"/>
+                <a:chExt cx="1030081" cy="1258317"/>
+              </a:xfrm>
+            </p:grpSpPr>
+            <p:pic>
+              <p:nvPicPr>
+                <p:cNvPr id="89" name="Picture 88">
+                  <a:extLst>
+                    <a:ext uri="{FF2B5EF4-FFF2-40B4-BE49-F238E27FC236}">
+                      <a16:creationId xmlns:a16="http://schemas.microsoft.com/office/drawing/2014/main" id="{9C04A81C-9409-403E-AA1E-0A4CECE31CC1}"/>
+                    </a:ext>
+                  </a:extLst>
+                </p:cNvPr>
+                <p:cNvPicPr>
+                  <a:picLocks noChangeAspect="1"/>
+                </p:cNvPicPr>
+                <p:nvPr/>
+              </p:nvPicPr>
+              <p:blipFill>
+                <a:blip r:embed="rId3" cstate="print">
+                  <a:extLst>
+                    <a:ext uri="{28A0092B-C50C-407E-A947-70E740481C1C}">
+                      <a14:useLocalDpi xmlns:a14="http://schemas.microsoft.com/office/drawing/2010/main" val="0"/>
+                    </a:ext>
+                  </a:extLst>
+                </a:blip>
+                <a:stretch>
+                  <a:fillRect/>
+                </a:stretch>
+              </p:blipFill>
+              <p:spPr>
+                <a:xfrm>
+                  <a:off x="4391431" y="5678631"/>
+                  <a:ext cx="216550" cy="216550"/>
+                </a:xfrm>
+                <a:prstGeom prst="rect">
+                  <a:avLst/>
+                </a:prstGeom>
+              </p:spPr>
+            </p:pic>
+            <p:grpSp>
+              <p:nvGrpSpPr>
+                <p:cNvPr id="24" name="Group 23">
+                  <a:extLst>
+                    <a:ext uri="{FF2B5EF4-FFF2-40B4-BE49-F238E27FC236}">
+                      <a16:creationId xmlns:a16="http://schemas.microsoft.com/office/drawing/2014/main" id="{92BEAFC3-CD2E-4E45-BF48-44B47BDDF465}"/>
+                    </a:ext>
+                  </a:extLst>
+                </p:cNvPr>
+                <p:cNvGrpSpPr/>
+                <p:nvPr/>
+              </p:nvGrpSpPr>
+              <p:grpSpPr>
+                <a:xfrm>
+                  <a:off x="3972260" y="4636864"/>
+                  <a:ext cx="1030081" cy="1064247"/>
+                  <a:chOff x="3313319" y="4812869"/>
+                  <a:chExt cx="1030081" cy="1064247"/>
+                </a:xfrm>
+              </p:grpSpPr>
+              <p:grpSp>
+                <p:nvGrpSpPr>
+                  <p:cNvPr id="64" name="Group 63">
+                    <a:extLst>
+                      <a:ext uri="{FF2B5EF4-FFF2-40B4-BE49-F238E27FC236}">
+                        <a16:creationId xmlns:a16="http://schemas.microsoft.com/office/drawing/2014/main" id="{A534364C-145B-415B-88ED-CCB611E7FF4F}"/>
+                      </a:ext>
+                    </a:extLst>
+                  </p:cNvPr>
+                  <p:cNvGrpSpPr/>
+                  <p:nvPr/>
+                </p:nvGrpSpPr>
+                <p:grpSpPr>
+                  <a:xfrm>
+                    <a:off x="3313319" y="4812869"/>
+                    <a:ext cx="1030081" cy="935773"/>
+                    <a:chOff x="1847159" y="4836151"/>
+                    <a:chExt cx="1030081" cy="935773"/>
+                  </a:xfrm>
+                </p:grpSpPr>
+                <p:sp>
+                  <p:nvSpPr>
+                    <p:cNvPr id="65" name="Hexagon 176">
+                      <a:extLst>
+                        <a:ext uri="{FF2B5EF4-FFF2-40B4-BE49-F238E27FC236}">
+                          <a16:creationId xmlns:a16="http://schemas.microsoft.com/office/drawing/2014/main" id="{8F8E11A5-36AB-4E1E-88D8-BE5A0A8AF256}"/>
+                        </a:ext>
+                      </a:extLst>
+                    </p:cNvPr>
+                    <p:cNvSpPr/>
+                    <p:nvPr/>
+                  </p:nvSpPr>
+                  <p:spPr bwMode="auto">
+                    <a:xfrm>
+                      <a:off x="1847159" y="4836151"/>
+                      <a:ext cx="1030081" cy="935773"/>
+                    </a:xfrm>
+                    <a:prstGeom prst="hexagon">
+                      <a:avLst>
+                        <a:gd name="adj" fmla="val 28624"/>
+                        <a:gd name="vf" fmla="val 115470"/>
+                      </a:avLst>
+                    </a:prstGeom>
+                    <a:ln>
+                      <a:headEnd type="none" w="med" len="med"/>
+                      <a:tailEnd type="none" w="med" len="med"/>
+                    </a:ln>
+                  </p:spPr>
+                  <p:style>
+                    <a:lnRef idx="2">
+                      <a:schemeClr val="accent4"/>
+                    </a:lnRef>
+                    <a:fillRef idx="1">
+                      <a:schemeClr val="lt1"/>
+                    </a:fillRef>
+                    <a:effectRef idx="0">
+                      <a:schemeClr val="accent4"/>
+                    </a:effectRef>
+                    <a:fontRef idx="minor">
+                      <a:schemeClr val="dk1"/>
+                    </a:fontRef>
+                  </p:style>
+                  <p:txBody>
+                    <a:bodyPr rot="0" spcFirstLastPara="0" vertOverflow="overflow" horzOverflow="overflow" vert="horz" wrap="square" lIns="0" tIns="560064" rIns="0" bIns="380632" numCol="1" spcCol="0" rtlCol="0" fromWordArt="0" anchor="t" anchorCtr="0" forceAA="0" compatLnSpc="1">
+                      <a:prstTxWarp prst="textNoShape">
+                        <a:avLst/>
+                      </a:prstTxWarp>
+                      <a:noAutofit/>
+                    </a:bodyPr>
+                    <a:lstStyle/>
+                    <a:p>
+                      <a:pPr algn="ctr" defTabSz="878453" fontAlgn="base">
+                        <a:lnSpc>
+                          <a:spcPct val="90000"/>
+                        </a:lnSpc>
+                        <a:spcBef>
+                          <a:spcPct val="0"/>
+                        </a:spcBef>
+                        <a:spcAft>
+                          <a:spcPct val="0"/>
+                        </a:spcAft>
+                      </a:pPr>
+                      <a:endParaRPr lang="en-US" sz="1131" b="1" dirty="0">
+                        <a:solidFill>
+                          <a:schemeClr val="tx1"/>
+                        </a:solidFill>
+                        <a:latin typeface="Segoe UI" charset="0"/>
+                        <a:cs typeface="Segoe UI" charset="0"/>
+                      </a:endParaRPr>
+                    </a:p>
+                  </p:txBody>
+                </p:sp>
+                <p:pic>
+                  <p:nvPicPr>
+                    <p:cNvPr id="66" name="Picture 65">
+                      <a:extLst>
+                        <a:ext uri="{FF2B5EF4-FFF2-40B4-BE49-F238E27FC236}">
+                          <a16:creationId xmlns:a16="http://schemas.microsoft.com/office/drawing/2014/main" id="{4914D168-09C0-457F-B73D-4C024B0532A6}"/>
+                        </a:ext>
+                      </a:extLst>
+                    </p:cNvPr>
+                    <p:cNvPicPr>
+                      <a:picLocks noChangeAspect="1"/>
+                    </p:cNvPicPr>
+                    <p:nvPr/>
+                  </p:nvPicPr>
+                  <p:blipFill>
+                    <a:blip r:embed="rId11" cstate="print">
+                      <a:extLst>
+                        <a:ext uri="{28A0092B-C50C-407E-A947-70E740481C1C}">
+                          <a14:useLocalDpi xmlns:a14="http://schemas.microsoft.com/office/drawing/2010/main" val="0"/>
+                        </a:ext>
+                      </a:extLst>
+                    </a:blip>
+                    <a:stretch>
+                      <a:fillRect/>
+                    </a:stretch>
+                  </p:blipFill>
+                  <p:spPr>
+                    <a:xfrm>
+                      <a:off x="2082197" y="5059918"/>
+                      <a:ext cx="562911" cy="455057"/>
+                    </a:xfrm>
+                    <a:prstGeom prst="rect">
+                      <a:avLst/>
+                    </a:prstGeom>
+                  </p:spPr>
+                </p:pic>
+              </p:grpSp>
+              <p:sp>
+                <p:nvSpPr>
+                  <p:cNvPr id="69" name="Rectangle 68">
+                    <a:extLst>
+                      <a:ext uri="{FF2B5EF4-FFF2-40B4-BE49-F238E27FC236}">
+                        <a16:creationId xmlns:a16="http://schemas.microsoft.com/office/drawing/2014/main" id="{C4656AB4-35B1-4189-917F-871D5DEE2F5F}"/>
+                      </a:ext>
+                    </a:extLst>
+                  </p:cNvPr>
+                  <p:cNvSpPr/>
+                  <p:nvPr/>
+                </p:nvSpPr>
+                <p:spPr>
+                  <a:xfrm>
+                    <a:off x="3587874" y="5773760"/>
+                    <a:ext cx="486445" cy="103356"/>
+                  </a:xfrm>
+                  <a:prstGeom prst="rect">
+                    <a:avLst/>
+                  </a:prstGeom>
+                </p:spPr>
+                <p:style>
+                  <a:lnRef idx="2">
+                    <a:schemeClr val="dk1">
+                      <a:shade val="50000"/>
+                    </a:schemeClr>
+                  </a:lnRef>
+                  <a:fillRef idx="1">
+                    <a:schemeClr val="dk1"/>
+                  </a:fillRef>
+                  <a:effectRef idx="0">
+                    <a:schemeClr val="dk1"/>
+                  </a:effectRef>
+                  <a:fontRef idx="minor">
+                    <a:schemeClr val="lt1"/>
+                  </a:fontRef>
+                </p:style>
+                <p:txBody>
+                  <a:bodyPr rtlCol="0" anchor="ctr"/>
+                  <a:lstStyle/>
+                  <a:p>
+                    <a:pPr algn="ctr"/>
+                    <a:endParaRPr lang="en-US"/>
+                  </a:p>
+                </p:txBody>
+              </p:sp>
+            </p:grpSp>
+          </p:grpSp>
+          <p:pic>
+            <p:nvPicPr>
+              <p:cNvPr id="131" name="Picture 130">
+                <a:extLst>
+                  <a:ext uri="{FF2B5EF4-FFF2-40B4-BE49-F238E27FC236}">
+                    <a16:creationId xmlns:a16="http://schemas.microsoft.com/office/drawing/2014/main" id="{5C68C18F-0D40-4330-B64B-045350EF4597}"/>
+                  </a:ext>
+                </a:extLst>
+              </p:cNvPr>
+              <p:cNvPicPr>
+                <a:picLocks noChangeAspect="1"/>
+              </p:cNvPicPr>
+              <p:nvPr/>
+            </p:nvPicPr>
+            <p:blipFill>
+              <a:blip r:embed="rId7" cstate="print">
+                <a:extLst>
+                  <a:ext uri="{28A0092B-C50C-407E-A947-70E740481C1C}">
+                    <a14:useLocalDpi xmlns:a14="http://schemas.microsoft.com/office/drawing/2010/main" val="0"/>
+                  </a:ext>
+                </a:extLst>
+              </a:blip>
+              <a:stretch>
+                <a:fillRect/>
+              </a:stretch>
+            </p:blipFill>
+            <p:spPr>
+              <a:xfrm>
+                <a:off x="4619400" y="4490699"/>
+                <a:ext cx="267213" cy="267213"/>
+              </a:xfrm>
+              <a:prstGeom prst="rect">
+                <a:avLst/>
+              </a:prstGeom>
+            </p:spPr>
+          </p:pic>
+        </p:grpSp>
+        <p:sp>
+          <p:nvSpPr>
+            <p:cNvPr id="155" name="Rectangle 154">
+              <a:extLst>
+                <a:ext uri="{FF2B5EF4-FFF2-40B4-BE49-F238E27FC236}">
+                  <a16:creationId xmlns:a16="http://schemas.microsoft.com/office/drawing/2014/main" id="{A38E5C86-0781-41B0-92A7-43B442642AC4}"/>
+                </a:ext>
+              </a:extLst>
+            </p:cNvPr>
+            <p:cNvSpPr/>
+            <p:nvPr/>
+          </p:nvSpPr>
+          <p:spPr>
+            <a:xfrm>
+              <a:off x="3941646" y="3100764"/>
+              <a:ext cx="1191097" cy="2882912"/>
+            </a:xfrm>
+            <a:prstGeom prst="rect">
+              <a:avLst/>
+            </a:prstGeom>
+            <a:noFill/>
+            <a:ln>
+              <a:solidFill>
+                <a:schemeClr val="bg1">
+                  <a:lumMod val="50000"/>
+                </a:schemeClr>
+              </a:solidFill>
+              <a:prstDash val="lgDash"/>
+            </a:ln>
+          </p:spPr>
+          <p:style>
+            <a:lnRef idx="2">
+              <a:schemeClr val="accent1">
+                <a:shade val="50000"/>
+              </a:schemeClr>
+            </a:lnRef>
+            <a:fillRef idx="1">
+              <a:schemeClr val="accent1"/>
+            </a:fillRef>
+            <a:effectRef idx="0">
+              <a:schemeClr val="accent1"/>
+            </a:effectRef>
+            <a:fontRef idx="minor">
+              <a:schemeClr val="lt1"/>
+            </a:fontRef>
+          </p:style>
+          <p:txBody>
+            <a:bodyPr rtlCol="0" anchor="ctr"/>
+            <a:lstStyle/>
+            <a:p>
+              <a:pPr algn="ctr"/>
+              <a:endParaRPr lang="en-US"/>
+            </a:p>
+          </p:txBody>
+        </p:sp>
+      </p:grpSp>
+      <p:grpSp>
+        <p:nvGrpSpPr>
+          <p:cNvPr id="255" name="Group 254">
+            <a:extLst>
+              <a:ext uri="{FF2B5EF4-FFF2-40B4-BE49-F238E27FC236}">
+                <a16:creationId xmlns:a16="http://schemas.microsoft.com/office/drawing/2014/main" id="{5DCAD6EC-452D-4C2E-8C9A-C22AAA7577C2}"/>
+              </a:ext>
+            </a:extLst>
+          </p:cNvPr>
+          <p:cNvGrpSpPr/>
+          <p:nvPr/>
+        </p:nvGrpSpPr>
+        <p:grpSpPr>
+          <a:xfrm>
+            <a:off x="2428395" y="3091038"/>
+            <a:ext cx="1191097" cy="2892638"/>
+            <a:chOff x="2428395" y="3091038"/>
+            <a:chExt cx="1191097" cy="2892638"/>
+          </a:xfrm>
+        </p:grpSpPr>
+        <p:grpSp>
+          <p:nvGrpSpPr>
+            <p:cNvPr id="80" name="Group 79">
+              <a:extLst>
+                <a:ext uri="{FF2B5EF4-FFF2-40B4-BE49-F238E27FC236}">
+                  <a16:creationId xmlns:a16="http://schemas.microsoft.com/office/drawing/2014/main" id="{A8B2F9DF-6EA2-4C52-AD1B-839D41413DCA}"/>
+                </a:ext>
+              </a:extLst>
+            </p:cNvPr>
+            <p:cNvGrpSpPr/>
+            <p:nvPr/>
+          </p:nvGrpSpPr>
+          <p:grpSpPr>
+            <a:xfrm>
+              <a:off x="2515833" y="4542220"/>
+              <a:ext cx="1030081" cy="1371231"/>
+              <a:chOff x="2396226" y="4639505"/>
+              <a:chExt cx="1030081" cy="1371231"/>
+            </a:xfrm>
+          </p:grpSpPr>
+          <p:pic>
+            <p:nvPicPr>
+              <p:cNvPr id="92" name="Picture 91">
+                <a:extLst>
+                  <a:ext uri="{FF2B5EF4-FFF2-40B4-BE49-F238E27FC236}">
+                    <a16:creationId xmlns:a16="http://schemas.microsoft.com/office/drawing/2014/main" id="{FD28476E-A149-496A-8D1E-327B78813DD7}"/>
+                  </a:ext>
+                </a:extLst>
+              </p:cNvPr>
+              <p:cNvPicPr>
+                <a:picLocks noChangeAspect="1"/>
+              </p:cNvPicPr>
+              <p:nvPr/>
+            </p:nvPicPr>
+            <p:blipFill>
+              <a:blip r:embed="rId3" cstate="print">
+                <a:extLst>
+                  <a:ext uri="{28A0092B-C50C-407E-A947-70E740481C1C}">
+                    <a14:useLocalDpi xmlns:a14="http://schemas.microsoft.com/office/drawing/2010/main" val="0"/>
+                  </a:ext>
+                </a:extLst>
+              </a:blip>
+              <a:stretch>
+                <a:fillRect/>
+              </a:stretch>
+            </p:blipFill>
+            <p:spPr>
+              <a:xfrm>
+                <a:off x="2817277" y="5794186"/>
+                <a:ext cx="216550" cy="216550"/>
+              </a:xfrm>
+              <a:prstGeom prst="rect">
+                <a:avLst/>
+              </a:prstGeom>
+            </p:spPr>
+          </p:pic>
+          <p:grpSp>
+            <p:nvGrpSpPr>
+              <p:cNvPr id="23" name="Group 22">
+                <a:extLst>
+                  <a:ext uri="{FF2B5EF4-FFF2-40B4-BE49-F238E27FC236}">
+                    <a16:creationId xmlns:a16="http://schemas.microsoft.com/office/drawing/2014/main" id="{C9463A2C-0C0F-4185-BEA0-E8E21180FC1E}"/>
+                  </a:ext>
+                </a:extLst>
+              </p:cNvPr>
+              <p:cNvGrpSpPr/>
+              <p:nvPr/>
+            </p:nvGrpSpPr>
+            <p:grpSpPr>
+              <a:xfrm>
+                <a:off x="2396226" y="4760401"/>
+                <a:ext cx="1030081" cy="1054478"/>
+                <a:chOff x="1858787" y="4847680"/>
+                <a:chExt cx="1030081" cy="1054478"/>
+              </a:xfrm>
+            </p:grpSpPr>
+            <p:grpSp>
+              <p:nvGrpSpPr>
+                <p:cNvPr id="29" name="Group 28">
+                  <a:extLst>
+                    <a:ext uri="{FF2B5EF4-FFF2-40B4-BE49-F238E27FC236}">
+                      <a16:creationId xmlns:a16="http://schemas.microsoft.com/office/drawing/2014/main" id="{5711DF41-7BE3-415F-9E7F-E89773174A0C}"/>
+                    </a:ext>
+                  </a:extLst>
+                </p:cNvPr>
+                <p:cNvGrpSpPr/>
+                <p:nvPr/>
+              </p:nvGrpSpPr>
+              <p:grpSpPr>
+                <a:xfrm>
+                  <a:off x="1858787" y="4847680"/>
+                  <a:ext cx="1030081" cy="935773"/>
+                  <a:chOff x="1847159" y="4836151"/>
+                  <a:chExt cx="1030081" cy="935773"/>
+                </a:xfrm>
+              </p:grpSpPr>
+              <p:sp>
+                <p:nvSpPr>
+                  <p:cNvPr id="61" name="Hexagon 176">
+                    <a:extLst>
+                      <a:ext uri="{FF2B5EF4-FFF2-40B4-BE49-F238E27FC236}">
+                        <a16:creationId xmlns:a16="http://schemas.microsoft.com/office/drawing/2014/main" id="{37C51CFF-FD26-4F34-BF6D-2C68729102B7}"/>
+                      </a:ext>
+                    </a:extLst>
+                  </p:cNvPr>
+                  <p:cNvSpPr/>
+                  <p:nvPr/>
+                </p:nvSpPr>
+                <p:spPr bwMode="auto">
+                  <a:xfrm>
+                    <a:off x="1847159" y="4836151"/>
+                    <a:ext cx="1030081" cy="935773"/>
+                  </a:xfrm>
+                  <a:prstGeom prst="hexagon">
+                    <a:avLst>
+                      <a:gd name="adj" fmla="val 28624"/>
+                      <a:gd name="vf" fmla="val 115470"/>
+                    </a:avLst>
+                  </a:prstGeom>
+                  <a:ln>
+                    <a:headEnd type="none" w="med" len="med"/>
+                    <a:tailEnd type="none" w="med" len="med"/>
+                  </a:ln>
+                </p:spPr>
+                <p:style>
+                  <a:lnRef idx="2">
+                    <a:schemeClr val="accent4"/>
+                  </a:lnRef>
+                  <a:fillRef idx="1">
+                    <a:schemeClr val="lt1"/>
+                  </a:fillRef>
+                  <a:effectRef idx="0">
+                    <a:schemeClr val="accent4"/>
+                  </a:effectRef>
+                  <a:fontRef idx="minor">
+                    <a:schemeClr val="dk1"/>
+                  </a:fontRef>
+                </p:style>
+                <p:txBody>
+                  <a:bodyPr rot="0" spcFirstLastPara="0" vertOverflow="overflow" horzOverflow="overflow" vert="horz" wrap="square" lIns="0" tIns="560064" rIns="0" bIns="380632" numCol="1" spcCol="0" rtlCol="0" fromWordArt="0" anchor="t" anchorCtr="0" forceAA="0" compatLnSpc="1">
+                    <a:prstTxWarp prst="textNoShape">
+                      <a:avLst/>
+                    </a:prstTxWarp>
+                    <a:noAutofit/>
+                  </a:bodyPr>
+                  <a:lstStyle/>
+                  <a:p>
+                    <a:pPr algn="ctr" defTabSz="878453" fontAlgn="base">
+                      <a:lnSpc>
+                        <a:spcPct val="90000"/>
+                      </a:lnSpc>
+                      <a:spcBef>
+                        <a:spcPct val="0"/>
+                      </a:spcBef>
+                      <a:spcAft>
+                        <a:spcPct val="0"/>
+                      </a:spcAft>
+                    </a:pPr>
+                    <a:endParaRPr lang="en-US" sz="1131" b="1" dirty="0">
+                      <a:solidFill>
+                        <a:schemeClr val="tx1"/>
+                      </a:solidFill>
+                      <a:latin typeface="Segoe UI" charset="0"/>
+                      <a:cs typeface="Segoe UI" charset="0"/>
+                    </a:endParaRPr>
+                  </a:p>
+                </p:txBody>
+              </p:sp>
+              <p:pic>
+                <p:nvPicPr>
+                  <p:cNvPr id="27" name="Picture 26">
+                    <a:extLst>
+                      <a:ext uri="{FF2B5EF4-FFF2-40B4-BE49-F238E27FC236}">
+                        <a16:creationId xmlns:a16="http://schemas.microsoft.com/office/drawing/2014/main" id="{814B6059-262D-4CA7-BED1-D6D172E1E070}"/>
+                      </a:ext>
+                    </a:extLst>
+                  </p:cNvPr>
+                  <p:cNvPicPr>
+                    <a:picLocks noChangeAspect="1"/>
+                  </p:cNvPicPr>
+                  <p:nvPr/>
+                </p:nvPicPr>
+                <p:blipFill>
+                  <a:blip r:embed="rId11" cstate="print">
+                    <a:extLst>
+                      <a:ext uri="{28A0092B-C50C-407E-A947-70E740481C1C}">
+                        <a14:useLocalDpi xmlns:a14="http://schemas.microsoft.com/office/drawing/2010/main" val="0"/>
+                      </a:ext>
+                    </a:extLst>
+                  </a:blip>
+                  <a:stretch>
+                    <a:fillRect/>
+                  </a:stretch>
+                </p:blipFill>
+                <p:spPr>
+                  <a:xfrm>
+                    <a:off x="2082197" y="5059918"/>
+                    <a:ext cx="562911" cy="455057"/>
+                  </a:xfrm>
+                  <a:prstGeom prst="rect">
+                    <a:avLst/>
+                  </a:prstGeom>
+                </p:spPr>
+              </p:pic>
+            </p:grpSp>
+            <p:sp>
+              <p:nvSpPr>
+                <p:cNvPr id="70" name="Rectangle 69">
+                  <a:extLst>
+                    <a:ext uri="{FF2B5EF4-FFF2-40B4-BE49-F238E27FC236}">
+                      <a16:creationId xmlns:a16="http://schemas.microsoft.com/office/drawing/2014/main" id="{0AA4ECE9-5F31-46EB-9B29-75C7F059296F}"/>
+                    </a:ext>
+                  </a:extLst>
+                </p:cNvPr>
+                <p:cNvSpPr/>
+                <p:nvPr/>
+              </p:nvSpPr>
+              <p:spPr>
+                <a:xfrm>
+                  <a:off x="2132409" y="5798802"/>
+                  <a:ext cx="486966" cy="103356"/>
+                </a:xfrm>
+                <a:prstGeom prst="rect">
+                  <a:avLst/>
+                </a:prstGeom>
+              </p:spPr>
+              <p:style>
+                <a:lnRef idx="2">
+                  <a:schemeClr val="dk1">
+                    <a:shade val="50000"/>
+                  </a:schemeClr>
+                </a:lnRef>
+                <a:fillRef idx="1">
+                  <a:schemeClr val="dk1"/>
+                </a:fillRef>
+                <a:effectRef idx="0">
+                  <a:schemeClr val="dk1"/>
+                </a:effectRef>
+                <a:fontRef idx="minor">
+                  <a:schemeClr val="lt1"/>
+                </a:fontRef>
+              </p:style>
+              <p:txBody>
+                <a:bodyPr rtlCol="0" anchor="ctr"/>
+                <a:lstStyle/>
+                <a:p>
+                  <a:pPr algn="ctr"/>
+                  <a:endParaRPr lang="en-US"/>
+                </a:p>
+              </p:txBody>
+            </p:sp>
+          </p:grpSp>
+          <p:pic>
+            <p:nvPicPr>
+              <p:cNvPr id="136" name="Picture 135">
+                <a:extLst>
+                  <a:ext uri="{FF2B5EF4-FFF2-40B4-BE49-F238E27FC236}">
+                    <a16:creationId xmlns:a16="http://schemas.microsoft.com/office/drawing/2014/main" id="{919ADDF4-6688-4AA5-B47B-3EBF97E6A2C3}"/>
+                  </a:ext>
+                </a:extLst>
+              </p:cNvPr>
+              <p:cNvPicPr>
+                <a:picLocks noChangeAspect="1"/>
+              </p:cNvPicPr>
+              <p:nvPr/>
+            </p:nvPicPr>
+            <p:blipFill>
+              <a:blip r:embed="rId7" cstate="print">
+                <a:extLst>
+                  <a:ext uri="{28A0092B-C50C-407E-A947-70E740481C1C}">
+                    <a14:useLocalDpi xmlns:a14="http://schemas.microsoft.com/office/drawing/2010/main" val="0"/>
+                  </a:ext>
+                </a:extLst>
+              </a:blip>
+              <a:stretch>
+                <a:fillRect/>
+              </a:stretch>
+            </p:blipFill>
+            <p:spPr>
+              <a:xfrm>
+                <a:off x="3033827" y="4639505"/>
+                <a:ext cx="267213" cy="267213"/>
+              </a:xfrm>
+              <a:prstGeom prst="rect">
+                <a:avLst/>
+              </a:prstGeom>
+            </p:spPr>
+          </p:pic>
+        </p:grpSp>
+        <p:grpSp>
+          <p:nvGrpSpPr>
+            <p:cNvPr id="108" name="Group 107">
+              <a:extLst>
+                <a:ext uri="{FF2B5EF4-FFF2-40B4-BE49-F238E27FC236}">
+                  <a16:creationId xmlns:a16="http://schemas.microsoft.com/office/drawing/2014/main" id="{B4DF8B84-A24E-48A6-8DF8-40FC5DED8919}"/>
+                </a:ext>
+              </a:extLst>
+            </p:cNvPr>
+            <p:cNvGrpSpPr/>
+            <p:nvPr/>
+          </p:nvGrpSpPr>
+          <p:grpSpPr>
+            <a:xfrm>
+              <a:off x="2496220" y="3170519"/>
+              <a:ext cx="1030081" cy="1431299"/>
+              <a:chOff x="1822498" y="3023683"/>
+              <a:chExt cx="1030081" cy="1431299"/>
+            </a:xfrm>
+          </p:grpSpPr>
+          <p:grpSp>
+            <p:nvGrpSpPr>
+              <p:cNvPr id="33" name="Group 32">
+                <a:extLst>
+                  <a:ext uri="{FF2B5EF4-FFF2-40B4-BE49-F238E27FC236}">
+                    <a16:creationId xmlns:a16="http://schemas.microsoft.com/office/drawing/2014/main" id="{2D7E2BCC-1190-4D39-AC51-1A17C637F7E7}"/>
+                  </a:ext>
+                </a:extLst>
+              </p:cNvPr>
+              <p:cNvGrpSpPr/>
+              <p:nvPr/>
+            </p:nvGrpSpPr>
+            <p:grpSpPr>
+              <a:xfrm>
+                <a:off x="1822498" y="3194016"/>
+                <a:ext cx="1030081" cy="1260966"/>
+                <a:chOff x="1822498" y="3194016"/>
+                <a:chExt cx="1030081" cy="1260966"/>
+              </a:xfrm>
+            </p:grpSpPr>
+            <p:pic>
+              <p:nvPicPr>
+                <p:cNvPr id="91" name="Picture 90">
+                  <a:extLst>
+                    <a:ext uri="{FF2B5EF4-FFF2-40B4-BE49-F238E27FC236}">
+                      <a16:creationId xmlns:a16="http://schemas.microsoft.com/office/drawing/2014/main" id="{9D564112-AD73-4096-8998-0EE90F74A488}"/>
+                    </a:ext>
+                  </a:extLst>
+                </p:cNvPr>
+                <p:cNvPicPr>
+                  <a:picLocks noChangeAspect="1"/>
+                </p:cNvPicPr>
+                <p:nvPr/>
+              </p:nvPicPr>
+              <p:blipFill>
+                <a:blip r:embed="rId3" cstate="print">
+                  <a:extLst>
+                    <a:ext uri="{28A0092B-C50C-407E-A947-70E740481C1C}">
+                      <a14:useLocalDpi xmlns:a14="http://schemas.microsoft.com/office/drawing/2010/main" val="0"/>
+                    </a:ext>
+                  </a:extLst>
+                </a:blip>
+                <a:stretch>
+                  <a:fillRect/>
+                </a:stretch>
+              </p:blipFill>
+              <p:spPr>
+                <a:xfrm>
+                  <a:off x="2254460" y="4238432"/>
+                  <a:ext cx="216550" cy="216550"/>
+                </a:xfrm>
+                <a:prstGeom prst="rect">
+                  <a:avLst/>
+                </a:prstGeom>
+              </p:spPr>
+            </p:pic>
+            <p:grpSp>
+              <p:nvGrpSpPr>
+                <p:cNvPr id="18" name="Group 17">
+                  <a:extLst>
+                    <a:ext uri="{FF2B5EF4-FFF2-40B4-BE49-F238E27FC236}">
+                      <a16:creationId xmlns:a16="http://schemas.microsoft.com/office/drawing/2014/main" id="{CEE90218-3C1A-421E-979C-DBF04DEC5373}"/>
+                    </a:ext>
+                  </a:extLst>
+                </p:cNvPr>
+                <p:cNvGrpSpPr/>
+                <p:nvPr/>
+              </p:nvGrpSpPr>
+              <p:grpSpPr>
+                <a:xfrm>
+                  <a:off x="1822498" y="3194016"/>
+                  <a:ext cx="1030081" cy="1063453"/>
+                  <a:chOff x="1797301" y="3444984"/>
+                  <a:chExt cx="1030081" cy="1063453"/>
+                </a:xfrm>
+              </p:grpSpPr>
+              <p:grpSp>
+                <p:nvGrpSpPr>
+                  <p:cNvPr id="19" name="Group 18">
+                    <a:extLst>
+                      <a:ext uri="{FF2B5EF4-FFF2-40B4-BE49-F238E27FC236}">
+                        <a16:creationId xmlns:a16="http://schemas.microsoft.com/office/drawing/2014/main" id="{ABD97A81-4C8D-4F84-ABC3-6159DF636B7E}"/>
+                      </a:ext>
+                    </a:extLst>
+                  </p:cNvPr>
+                  <p:cNvGrpSpPr/>
+                  <p:nvPr/>
+                </p:nvGrpSpPr>
+                <p:grpSpPr>
+                  <a:xfrm>
+                    <a:off x="1797301" y="3444984"/>
+                    <a:ext cx="1030081" cy="935773"/>
+                    <a:chOff x="9254078" y="4883240"/>
+                    <a:chExt cx="844906" cy="728368"/>
+                  </a:xfrm>
+                </p:grpSpPr>
+                <p:sp>
+                  <p:nvSpPr>
+                    <p:cNvPr id="54" name="Hexagon 176">
+                      <a:extLst>
+                        <a:ext uri="{FF2B5EF4-FFF2-40B4-BE49-F238E27FC236}">
+                          <a16:creationId xmlns:a16="http://schemas.microsoft.com/office/drawing/2014/main" id="{D6071B8B-79E2-4A01-8CCB-115A32156F10}"/>
+                        </a:ext>
+                      </a:extLst>
+                    </p:cNvPr>
+                    <p:cNvSpPr/>
+                    <p:nvPr/>
+                  </p:nvSpPr>
+                  <p:spPr bwMode="auto">
+                    <a:xfrm>
+                      <a:off x="9254078" y="4883240"/>
+                      <a:ext cx="844906" cy="728368"/>
+                    </a:xfrm>
+                    <a:prstGeom prst="hexagon">
+                      <a:avLst>
+                        <a:gd name="adj" fmla="val 28624"/>
+                        <a:gd name="vf" fmla="val 115470"/>
+                      </a:avLst>
+                    </a:prstGeom>
+                    <a:ln>
+                      <a:headEnd type="none" w="med" len="med"/>
+                      <a:tailEnd type="none" w="med" len="med"/>
+                    </a:ln>
+                  </p:spPr>
+                  <p:style>
+                    <a:lnRef idx="2">
+                      <a:schemeClr val="accent4"/>
+                    </a:lnRef>
+                    <a:fillRef idx="1">
+                      <a:schemeClr val="lt1"/>
+                    </a:fillRef>
+                    <a:effectRef idx="0">
+                      <a:schemeClr val="accent4"/>
+                    </a:effectRef>
+                    <a:fontRef idx="minor">
+                      <a:schemeClr val="dk1"/>
+                    </a:fontRef>
+                  </p:style>
+                  <p:txBody>
+                    <a:bodyPr rot="0" spcFirstLastPara="0" vertOverflow="overflow" horzOverflow="overflow" vert="horz" wrap="square" lIns="0" tIns="560064" rIns="0" bIns="380632" numCol="1" spcCol="0" rtlCol="0" fromWordArt="0" anchor="t" anchorCtr="0" forceAA="0" compatLnSpc="1">
+                      <a:prstTxWarp prst="textNoShape">
+                        <a:avLst/>
+                      </a:prstTxWarp>
+                      <a:noAutofit/>
+                    </a:bodyPr>
+                    <a:lstStyle/>
+                    <a:p>
+                      <a:pPr algn="ctr" defTabSz="878453" fontAlgn="base">
+                        <a:lnSpc>
+                          <a:spcPct val="90000"/>
+                        </a:lnSpc>
+                        <a:spcBef>
+                          <a:spcPct val="0"/>
+                        </a:spcBef>
+                        <a:spcAft>
+                          <a:spcPct val="0"/>
+                        </a:spcAft>
+                      </a:pPr>
+                      <a:r>
+                        <a:rPr lang="en-US" sz="1131" b="1" dirty="0">
+                          <a:solidFill>
+                            <a:schemeClr val="tx1"/>
+                          </a:solidFill>
+                          <a:latin typeface="Segoe UI" charset="0"/>
+                          <a:cs typeface="Segoe UI" charset="0"/>
+                        </a:rPr>
+                        <a:t>Review</a:t>
+                      </a:r>
+                    </a:p>
+                  </p:txBody>
+                </p:sp>
+                <p:pic>
+                  <p:nvPicPr>
+                    <p:cNvPr id="56" name="Picture 55">
+                      <a:extLst>
+                        <a:ext uri="{FF2B5EF4-FFF2-40B4-BE49-F238E27FC236}">
+                          <a16:creationId xmlns:a16="http://schemas.microsoft.com/office/drawing/2014/main" id="{9E82F4B9-30F4-424A-B31C-958C6728E24E}"/>
+                        </a:ext>
+                      </a:extLst>
+                    </p:cNvPr>
+                    <p:cNvPicPr>
+                      <a:picLocks noChangeAspect="1"/>
+                    </p:cNvPicPr>
+                    <p:nvPr/>
+                  </p:nvPicPr>
+                  <p:blipFill>
+                    <a:blip r:embed="rId10"/>
+                    <a:stretch>
+                      <a:fillRect/>
+                    </a:stretch>
+                  </p:blipFill>
+                  <p:spPr>
+                    <a:xfrm>
+                      <a:off x="9398813" y="4941940"/>
+                      <a:ext cx="548712" cy="320082"/>
+                    </a:xfrm>
+                    <a:prstGeom prst="rect">
+                      <a:avLst/>
+                    </a:prstGeom>
+                  </p:spPr>
+                </p:pic>
+              </p:grpSp>
+              <p:sp>
+                <p:nvSpPr>
+                  <p:cNvPr id="53" name="Rectangle 52">
+                    <a:extLst>
+                      <a:ext uri="{FF2B5EF4-FFF2-40B4-BE49-F238E27FC236}">
+                        <a16:creationId xmlns:a16="http://schemas.microsoft.com/office/drawing/2014/main" id="{580B4494-E34B-41E9-A11E-E50C0CC97DEC}"/>
+                      </a:ext>
+                    </a:extLst>
+                  </p:cNvPr>
+                  <p:cNvSpPr/>
+                  <p:nvPr/>
+                </p:nvSpPr>
+                <p:spPr>
+                  <a:xfrm>
+                    <a:off x="2070501" y="4405081"/>
+                    <a:ext cx="489343" cy="103356"/>
+                  </a:xfrm>
+                  <a:prstGeom prst="rect">
+                    <a:avLst/>
+                  </a:prstGeom>
+                </p:spPr>
+                <p:style>
+                  <a:lnRef idx="2">
+                    <a:schemeClr val="dk1">
+                      <a:shade val="50000"/>
+                    </a:schemeClr>
+                  </a:lnRef>
+                  <a:fillRef idx="1">
+                    <a:schemeClr val="dk1"/>
+                  </a:fillRef>
+                  <a:effectRef idx="0">
+                    <a:schemeClr val="dk1"/>
+                  </a:effectRef>
+                  <a:fontRef idx="minor">
+                    <a:schemeClr val="lt1"/>
+                  </a:fontRef>
+                </p:style>
+                <p:txBody>
+                  <a:bodyPr rtlCol="0" anchor="ctr"/>
+                  <a:lstStyle/>
+                  <a:p>
+                    <a:pPr algn="ctr"/>
+                    <a:endParaRPr lang="en-US"/>
+                  </a:p>
+                </p:txBody>
+              </p:sp>
+            </p:grpSp>
+          </p:grpSp>
+          <p:pic>
+            <p:nvPicPr>
+              <p:cNvPr id="137" name="Picture 136">
+                <a:extLst>
+                  <a:ext uri="{FF2B5EF4-FFF2-40B4-BE49-F238E27FC236}">
+                    <a16:creationId xmlns:a16="http://schemas.microsoft.com/office/drawing/2014/main" id="{90F3DB87-7E41-4C61-B53D-77F751D41CEB}"/>
+                  </a:ext>
+                </a:extLst>
+              </p:cNvPr>
+              <p:cNvPicPr>
+                <a:picLocks noChangeAspect="1"/>
+              </p:cNvPicPr>
+              <p:nvPr/>
+            </p:nvPicPr>
+            <p:blipFill>
+              <a:blip r:embed="rId7" cstate="print">
+                <a:extLst>
+                  <a:ext uri="{28A0092B-C50C-407E-A947-70E740481C1C}">
+                    <a14:useLocalDpi xmlns:a14="http://schemas.microsoft.com/office/drawing/2010/main" val="0"/>
+                  </a:ext>
+                </a:extLst>
+              </a:blip>
+              <a:stretch>
+                <a:fillRect/>
+              </a:stretch>
+            </p:blipFill>
+            <p:spPr>
+              <a:xfrm>
+                <a:off x="2459460" y="3023683"/>
+                <a:ext cx="267213" cy="267213"/>
+              </a:xfrm>
+              <a:prstGeom prst="rect">
+                <a:avLst/>
+              </a:prstGeom>
+            </p:spPr>
+          </p:pic>
+        </p:grpSp>
+        <p:sp>
+          <p:nvSpPr>
+            <p:cNvPr id="153" name="Rectangle 152">
+              <a:extLst>
+                <a:ext uri="{FF2B5EF4-FFF2-40B4-BE49-F238E27FC236}">
+                  <a16:creationId xmlns:a16="http://schemas.microsoft.com/office/drawing/2014/main" id="{4FFE3447-DF46-480A-874B-01A3816F87C7}"/>
+                </a:ext>
+              </a:extLst>
+            </p:cNvPr>
+            <p:cNvSpPr/>
+            <p:nvPr/>
+          </p:nvSpPr>
+          <p:spPr>
+            <a:xfrm>
+              <a:off x="2428395" y="3091038"/>
+              <a:ext cx="1191097" cy="2892638"/>
+            </a:xfrm>
+            <a:prstGeom prst="rect">
+              <a:avLst/>
+            </a:prstGeom>
+            <a:noFill/>
+            <a:ln>
+              <a:solidFill>
+                <a:schemeClr val="bg1">
+                  <a:lumMod val="50000"/>
+                </a:schemeClr>
+              </a:solidFill>
+              <a:prstDash val="lgDash"/>
+            </a:ln>
+          </p:spPr>
+          <p:style>
+            <a:lnRef idx="2">
+              <a:schemeClr val="accent1">
+                <a:shade val="50000"/>
+              </a:schemeClr>
+            </a:lnRef>
+            <a:fillRef idx="1">
+              <a:schemeClr val="accent1"/>
+            </a:fillRef>
+            <a:effectRef idx="0">
+              <a:schemeClr val="accent1"/>
+            </a:effectRef>
+            <a:fontRef idx="minor">
+              <a:schemeClr val="lt1"/>
+            </a:fontRef>
+          </p:style>
+          <p:txBody>
+            <a:bodyPr rtlCol="0" anchor="ctr"/>
+            <a:lstStyle/>
+            <a:p>
+              <a:pPr algn="ctr"/>
+              <a:endParaRPr lang="en-US"/>
+            </a:p>
+          </p:txBody>
+        </p:sp>
+      </p:grpSp>
+      <p:grpSp>
+        <p:nvGrpSpPr>
+          <p:cNvPr id="186" name="Group 185">
+            <a:extLst>
+              <a:ext uri="{FF2B5EF4-FFF2-40B4-BE49-F238E27FC236}">
+                <a16:creationId xmlns:a16="http://schemas.microsoft.com/office/drawing/2014/main" id="{4205626F-200F-4F5A-AA92-5E8CA1A0580F}"/>
+              </a:ext>
+            </a:extLst>
+          </p:cNvPr>
+          <p:cNvGrpSpPr/>
+          <p:nvPr/>
+        </p:nvGrpSpPr>
+        <p:grpSpPr>
+          <a:xfrm>
+            <a:off x="3249742" y="1281195"/>
+            <a:ext cx="2503714" cy="1538205"/>
+            <a:chOff x="3249742" y="1281195"/>
+            <a:chExt cx="2503714" cy="1538205"/>
+          </a:xfrm>
+        </p:grpSpPr>
+        <p:grpSp>
+          <p:nvGrpSpPr>
+            <p:cNvPr id="141" name="Group 140">
+              <a:extLst>
+                <a:ext uri="{FF2B5EF4-FFF2-40B4-BE49-F238E27FC236}">
+                  <a16:creationId xmlns:a16="http://schemas.microsoft.com/office/drawing/2014/main" id="{85B1C271-744E-40E9-BAC9-187CED3CF6A0}"/>
+                </a:ext>
+              </a:extLst>
+            </p:cNvPr>
+            <p:cNvGrpSpPr/>
+            <p:nvPr/>
+          </p:nvGrpSpPr>
+          <p:grpSpPr>
+            <a:xfrm>
+              <a:off x="4607558" y="1415583"/>
+              <a:ext cx="1068151" cy="1360820"/>
+              <a:chOff x="2843001" y="1370270"/>
+              <a:chExt cx="1068151" cy="1360820"/>
+            </a:xfrm>
+          </p:grpSpPr>
+          <p:pic>
+            <p:nvPicPr>
+              <p:cNvPr id="81" name="Picture 80">
+                <a:extLst>
+                  <a:ext uri="{FF2B5EF4-FFF2-40B4-BE49-F238E27FC236}">
+                    <a16:creationId xmlns:a16="http://schemas.microsoft.com/office/drawing/2014/main" id="{78F961F4-5F4F-4E50-87C8-A95DAD774AF4}"/>
+                  </a:ext>
+                </a:extLst>
+              </p:cNvPr>
+              <p:cNvPicPr>
+                <a:picLocks noChangeAspect="1"/>
+              </p:cNvPicPr>
+              <p:nvPr/>
+            </p:nvPicPr>
+            <p:blipFill>
+              <a:blip r:embed="rId3" cstate="print">
+                <a:extLst>
+                  <a:ext uri="{28A0092B-C50C-407E-A947-70E740481C1C}">
+                    <a14:useLocalDpi xmlns:a14="http://schemas.microsoft.com/office/drawing/2010/main" val="0"/>
+                  </a:ext>
+                </a:extLst>
+              </a:blip>
+              <a:stretch>
+                <a:fillRect/>
+              </a:stretch>
+            </p:blipFill>
+            <p:spPr>
+              <a:xfrm>
+                <a:off x="3277158" y="2514540"/>
+                <a:ext cx="216550" cy="216550"/>
+              </a:xfrm>
+              <a:prstGeom prst="rect">
+                <a:avLst/>
+              </a:prstGeom>
+            </p:spPr>
+          </p:pic>
+          <p:grpSp>
+            <p:nvGrpSpPr>
+              <p:cNvPr id="13" name="Group 12">
+                <a:extLst>
+                  <a:ext uri="{FF2B5EF4-FFF2-40B4-BE49-F238E27FC236}">
+                    <a16:creationId xmlns:a16="http://schemas.microsoft.com/office/drawing/2014/main" id="{7EB1FF20-D5A7-41A5-B9CC-A1F9C80554D1}"/>
+                  </a:ext>
+                </a:extLst>
+              </p:cNvPr>
+              <p:cNvGrpSpPr/>
+              <p:nvPr/>
+            </p:nvGrpSpPr>
+            <p:grpSpPr>
+              <a:xfrm>
+                <a:off x="2843001" y="1484013"/>
+                <a:ext cx="1068151" cy="1047288"/>
+                <a:chOff x="2824083" y="1919566"/>
+                <a:chExt cx="1068151" cy="1047288"/>
+              </a:xfrm>
+            </p:grpSpPr>
+            <p:grpSp>
+              <p:nvGrpSpPr>
+                <p:cNvPr id="71" name="Group 70">
+                  <a:extLst>
+                    <a:ext uri="{FF2B5EF4-FFF2-40B4-BE49-F238E27FC236}">
+                      <a16:creationId xmlns:a16="http://schemas.microsoft.com/office/drawing/2014/main" id="{4CAB8941-4553-4747-903C-F34E6A188FB9}"/>
+                    </a:ext>
+                  </a:extLst>
+                </p:cNvPr>
+                <p:cNvGrpSpPr/>
+                <p:nvPr/>
+              </p:nvGrpSpPr>
+              <p:grpSpPr>
+                <a:xfrm>
+                  <a:off x="2824083" y="1919566"/>
+                  <a:ext cx="1068151" cy="919700"/>
+                  <a:chOff x="9254078" y="4883240"/>
+                  <a:chExt cx="844906" cy="728368"/>
+                </a:xfrm>
+              </p:grpSpPr>
+              <p:sp>
+                <p:nvSpPr>
+                  <p:cNvPr id="72" name="Hexagon 176">
+                    <a:extLst>
+                      <a:ext uri="{FF2B5EF4-FFF2-40B4-BE49-F238E27FC236}">
+                        <a16:creationId xmlns:a16="http://schemas.microsoft.com/office/drawing/2014/main" id="{AB41C03A-ADF8-433B-8F3C-8C5173D098BA}"/>
+                      </a:ext>
+                    </a:extLst>
+                  </p:cNvPr>
+                  <p:cNvSpPr/>
+                  <p:nvPr/>
+                </p:nvSpPr>
+                <p:spPr bwMode="auto">
+                  <a:xfrm>
+                    <a:off x="9254078" y="4883240"/>
+                    <a:ext cx="844906" cy="728368"/>
+                  </a:xfrm>
+                  <a:prstGeom prst="hexagon">
+                    <a:avLst>
+                      <a:gd name="adj" fmla="val 28624"/>
+                      <a:gd name="vf" fmla="val 115470"/>
+                    </a:avLst>
+                  </a:prstGeom>
+                  <a:ln>
+                    <a:headEnd type="none" w="med" len="med"/>
+                    <a:tailEnd type="none" w="med" len="med"/>
+                  </a:ln>
+                </p:spPr>
+                <p:style>
+                  <a:lnRef idx="2">
+                    <a:schemeClr val="accent4"/>
+                  </a:lnRef>
+                  <a:fillRef idx="1">
+                    <a:schemeClr val="lt1"/>
+                  </a:fillRef>
+                  <a:effectRef idx="0">
+                    <a:schemeClr val="accent4"/>
+                  </a:effectRef>
+                  <a:fontRef idx="minor">
+                    <a:schemeClr val="dk1"/>
+                  </a:fontRef>
+                </p:style>
+                <p:txBody>
+                  <a:bodyPr rot="0" spcFirstLastPara="0" vertOverflow="overflow" horzOverflow="overflow" vert="horz" wrap="square" lIns="0" tIns="560064" rIns="0" bIns="380632" numCol="1" spcCol="0" rtlCol="0" fromWordArt="0" anchor="t" anchorCtr="0" forceAA="0" compatLnSpc="1">
+                    <a:prstTxWarp prst="textNoShape">
+                      <a:avLst/>
+                    </a:prstTxWarp>
+                    <a:noAutofit/>
+                  </a:bodyPr>
+                  <a:lstStyle/>
+                  <a:p>
+                    <a:pPr algn="ctr" defTabSz="878453" fontAlgn="base">
+                      <a:lnSpc>
+                        <a:spcPct val="90000"/>
+                      </a:lnSpc>
+                      <a:spcBef>
+                        <a:spcPct val="0"/>
+                      </a:spcBef>
+                      <a:spcAft>
+                        <a:spcPct val="0"/>
+                      </a:spcAft>
+                    </a:pPr>
+                    <a:r>
+                      <a:rPr lang="en-US" sz="1131" b="1" dirty="0">
+                        <a:solidFill>
+                          <a:schemeClr val="tx1"/>
+                        </a:solidFill>
+                        <a:latin typeface="Segoe UI" charset="0"/>
+                        <a:cs typeface="Segoe UI" charset="0"/>
+                      </a:rPr>
+                      <a:t>Cart</a:t>
+                    </a:r>
+                  </a:p>
+                </p:txBody>
+              </p:sp>
+              <p:pic>
+                <p:nvPicPr>
+                  <p:cNvPr id="73" name="Picture 72">
+                    <a:extLst>
+                      <a:ext uri="{FF2B5EF4-FFF2-40B4-BE49-F238E27FC236}">
+                        <a16:creationId xmlns:a16="http://schemas.microsoft.com/office/drawing/2014/main" id="{2E719C7F-55F8-482E-B327-E39E6B1B9C2E}"/>
+                      </a:ext>
+                    </a:extLst>
+                  </p:cNvPr>
+                  <p:cNvPicPr>
+                    <a:picLocks noChangeAspect="1"/>
+                  </p:cNvPicPr>
+                  <p:nvPr/>
+                </p:nvPicPr>
+                <p:blipFill>
+                  <a:blip r:embed="rId10"/>
+                  <a:stretch>
+                    <a:fillRect/>
+                  </a:stretch>
+                </p:blipFill>
+                <p:spPr>
+                  <a:xfrm>
+                    <a:off x="9399369" y="4956768"/>
+                    <a:ext cx="548712" cy="320082"/>
+                  </a:xfrm>
+                  <a:prstGeom prst="rect">
+                    <a:avLst/>
+                  </a:prstGeom>
+                </p:spPr>
+              </p:pic>
+            </p:grpSp>
+            <p:sp>
+              <p:nvSpPr>
+                <p:cNvPr id="52" name="Rectangle 51">
+                  <a:extLst>
+                    <a:ext uri="{FF2B5EF4-FFF2-40B4-BE49-F238E27FC236}">
+                      <a16:creationId xmlns:a16="http://schemas.microsoft.com/office/drawing/2014/main" id="{B1D218AB-C42E-4ABA-B8E3-5D8ACCE34E0E}"/>
+                    </a:ext>
+                  </a:extLst>
+                </p:cNvPr>
+                <p:cNvSpPr/>
+                <p:nvPr/>
+              </p:nvSpPr>
+              <p:spPr>
+                <a:xfrm>
+                  <a:off x="3090531" y="2863498"/>
+                  <a:ext cx="528158" cy="103356"/>
+                </a:xfrm>
+                <a:prstGeom prst="rect">
+                  <a:avLst/>
+                </a:prstGeom>
+              </p:spPr>
+              <p:style>
+                <a:lnRef idx="2">
+                  <a:schemeClr val="dk1">
+                    <a:shade val="50000"/>
+                  </a:schemeClr>
+                </a:lnRef>
+                <a:fillRef idx="1">
+                  <a:schemeClr val="dk1"/>
+                </a:fillRef>
+                <a:effectRef idx="0">
+                  <a:schemeClr val="dk1"/>
+                </a:effectRef>
+                <a:fontRef idx="minor">
+                  <a:schemeClr val="lt1"/>
+                </a:fontRef>
+              </p:style>
+              <p:txBody>
+                <a:bodyPr rtlCol="0" anchor="ctr"/>
+                <a:lstStyle/>
+                <a:p>
+                  <a:pPr algn="ctr"/>
+                  <a:endParaRPr lang="en-US"/>
+                </a:p>
+              </p:txBody>
+            </p:sp>
+          </p:grpSp>
+          <p:pic>
+            <p:nvPicPr>
+              <p:cNvPr id="124" name="Picture 123">
+                <a:extLst>
+                  <a:ext uri="{FF2B5EF4-FFF2-40B4-BE49-F238E27FC236}">
+                    <a16:creationId xmlns:a16="http://schemas.microsoft.com/office/drawing/2014/main" id="{614E7903-9E5C-4381-8663-65FD5F0E6F0B}"/>
+                  </a:ext>
+                </a:extLst>
+              </p:cNvPr>
+              <p:cNvPicPr>
+                <a:picLocks noChangeAspect="1"/>
+              </p:cNvPicPr>
+              <p:nvPr/>
+            </p:nvPicPr>
+            <p:blipFill>
+              <a:blip r:embed="rId7" cstate="print">
+                <a:extLst>
+                  <a:ext uri="{28A0092B-C50C-407E-A947-70E740481C1C}">
+                    <a14:useLocalDpi xmlns:a14="http://schemas.microsoft.com/office/drawing/2010/main" val="0"/>
+                  </a:ext>
+                </a:extLst>
+              </a:blip>
+              <a:stretch>
+                <a:fillRect/>
+              </a:stretch>
+            </p:blipFill>
+            <p:spPr>
+              <a:xfrm>
+                <a:off x="3568411" y="1370270"/>
+                <a:ext cx="267213" cy="267213"/>
+              </a:xfrm>
+              <a:prstGeom prst="rect">
+                <a:avLst/>
+              </a:prstGeom>
+            </p:spPr>
+          </p:pic>
+        </p:grpSp>
+        <p:grpSp>
+          <p:nvGrpSpPr>
+            <p:cNvPr id="47" name="Group 46">
+              <a:extLst>
+                <a:ext uri="{FF2B5EF4-FFF2-40B4-BE49-F238E27FC236}">
+                  <a16:creationId xmlns:a16="http://schemas.microsoft.com/office/drawing/2014/main" id="{128DE9B9-AC4A-4417-B11B-B5BF9E075A21}"/>
+                </a:ext>
+              </a:extLst>
+            </p:cNvPr>
+            <p:cNvGrpSpPr/>
+            <p:nvPr/>
+          </p:nvGrpSpPr>
+          <p:grpSpPr>
+            <a:xfrm>
+              <a:off x="3302339" y="1376142"/>
+              <a:ext cx="1030081" cy="1443258"/>
+              <a:chOff x="7076802" y="1245171"/>
+              <a:chExt cx="1030081" cy="1443258"/>
+            </a:xfrm>
+          </p:grpSpPr>
+          <p:grpSp>
+            <p:nvGrpSpPr>
+              <p:cNvPr id="14" name="Group 13">
+                <a:extLst>
+                  <a:ext uri="{FF2B5EF4-FFF2-40B4-BE49-F238E27FC236}">
+                    <a16:creationId xmlns:a16="http://schemas.microsoft.com/office/drawing/2014/main" id="{4605E485-FD62-422E-AF03-29B2D1DC9B6A}"/>
+                  </a:ext>
+                </a:extLst>
+              </p:cNvPr>
+              <p:cNvGrpSpPr/>
+              <p:nvPr/>
+            </p:nvGrpSpPr>
+            <p:grpSpPr>
+              <a:xfrm>
+                <a:off x="7076802" y="1386096"/>
+                <a:ext cx="1030081" cy="1060064"/>
+                <a:chOff x="6513719" y="1879600"/>
+                <a:chExt cx="1030081" cy="1060064"/>
+              </a:xfrm>
+            </p:grpSpPr>
+            <p:grpSp>
+              <p:nvGrpSpPr>
+                <p:cNvPr id="114" name="Group 113">
+                  <a:extLst>
+                    <a:ext uri="{FF2B5EF4-FFF2-40B4-BE49-F238E27FC236}">
+                      <a16:creationId xmlns:a16="http://schemas.microsoft.com/office/drawing/2014/main" id="{24C89F02-222A-45B9-8396-F8A79AFA2B28}"/>
+                    </a:ext>
+                  </a:extLst>
+                </p:cNvPr>
+                <p:cNvGrpSpPr/>
+                <p:nvPr/>
+              </p:nvGrpSpPr>
+              <p:grpSpPr>
+                <a:xfrm>
+                  <a:off x="6513719" y="1879600"/>
+                  <a:ext cx="1030081" cy="935773"/>
+                  <a:chOff x="1847159" y="4836151"/>
+                  <a:chExt cx="1030081" cy="935773"/>
+                </a:xfrm>
+              </p:grpSpPr>
+              <p:sp>
+                <p:nvSpPr>
+                  <p:cNvPr id="115" name="Hexagon 176">
+                    <a:extLst>
+                      <a:ext uri="{FF2B5EF4-FFF2-40B4-BE49-F238E27FC236}">
+                        <a16:creationId xmlns:a16="http://schemas.microsoft.com/office/drawing/2014/main" id="{E21049BF-1197-4C95-85A3-E6C05CEF2E78}"/>
+                      </a:ext>
+                    </a:extLst>
+                  </p:cNvPr>
+                  <p:cNvSpPr/>
+                  <p:nvPr/>
+                </p:nvSpPr>
+                <p:spPr bwMode="auto">
+                  <a:xfrm>
+                    <a:off x="1847159" y="4836151"/>
+                    <a:ext cx="1030081" cy="935773"/>
+                  </a:xfrm>
+                  <a:prstGeom prst="hexagon">
+                    <a:avLst>
+                      <a:gd name="adj" fmla="val 28624"/>
+                      <a:gd name="vf" fmla="val 115470"/>
+                    </a:avLst>
+                  </a:prstGeom>
+                  <a:ln>
+                    <a:headEnd type="none" w="med" len="med"/>
+                    <a:tailEnd type="none" w="med" len="med"/>
+                  </a:ln>
+                </p:spPr>
+                <p:style>
+                  <a:lnRef idx="2">
+                    <a:schemeClr val="accent4"/>
+                  </a:lnRef>
+                  <a:fillRef idx="1">
+                    <a:schemeClr val="lt1"/>
+                  </a:fillRef>
+                  <a:effectRef idx="0">
+                    <a:schemeClr val="accent4"/>
+                  </a:effectRef>
+                  <a:fontRef idx="minor">
+                    <a:schemeClr val="dk1"/>
+                  </a:fontRef>
+                </p:style>
+                <p:txBody>
+                  <a:bodyPr rot="0" spcFirstLastPara="0" vertOverflow="overflow" horzOverflow="overflow" vert="horz" wrap="square" lIns="0" tIns="560064" rIns="0" bIns="380632" numCol="1" spcCol="0" rtlCol="0" fromWordArt="0" anchor="t" anchorCtr="0" forceAA="0" compatLnSpc="1">
+                    <a:prstTxWarp prst="textNoShape">
+                      <a:avLst/>
+                    </a:prstTxWarp>
+                    <a:noAutofit/>
+                  </a:bodyPr>
+                  <a:lstStyle/>
+                  <a:p>
+                    <a:pPr algn="ctr" defTabSz="878453" fontAlgn="base">
+                      <a:lnSpc>
+                        <a:spcPct val="90000"/>
+                      </a:lnSpc>
+                      <a:spcBef>
+                        <a:spcPct val="0"/>
+                      </a:spcBef>
+                      <a:spcAft>
+                        <a:spcPct val="0"/>
+                      </a:spcAft>
+                    </a:pPr>
+                    <a:endParaRPr lang="en-US" sz="1131" b="1" dirty="0">
+                      <a:solidFill>
+                        <a:schemeClr val="tx1"/>
+                      </a:solidFill>
+                      <a:latin typeface="Segoe UI" charset="0"/>
+                      <a:cs typeface="Segoe UI" charset="0"/>
+                    </a:endParaRPr>
+                  </a:p>
+                </p:txBody>
+              </p:sp>
+              <p:pic>
+                <p:nvPicPr>
+                  <p:cNvPr id="116" name="Picture 115">
+                    <a:extLst>
+                      <a:ext uri="{FF2B5EF4-FFF2-40B4-BE49-F238E27FC236}">
+                        <a16:creationId xmlns:a16="http://schemas.microsoft.com/office/drawing/2014/main" id="{61F15293-8B95-42DE-91E3-E65FE9669AE8}"/>
+                      </a:ext>
+                    </a:extLst>
+                  </p:cNvPr>
+                  <p:cNvPicPr>
+                    <a:picLocks noChangeAspect="1"/>
+                  </p:cNvPicPr>
+                  <p:nvPr/>
+                </p:nvPicPr>
+                <p:blipFill>
+                  <a:blip r:embed="rId11" cstate="print">
+                    <a:extLst>
+                      <a:ext uri="{28A0092B-C50C-407E-A947-70E740481C1C}">
+                        <a14:useLocalDpi xmlns:a14="http://schemas.microsoft.com/office/drawing/2010/main" val="0"/>
+                      </a:ext>
+                    </a:extLst>
+                  </a:blip>
+                  <a:stretch>
+                    <a:fillRect/>
+                  </a:stretch>
+                </p:blipFill>
+                <p:spPr>
+                  <a:xfrm>
+                    <a:off x="2082197" y="5059918"/>
+                    <a:ext cx="562911" cy="455057"/>
+                  </a:xfrm>
+                  <a:prstGeom prst="rect">
+                    <a:avLst/>
+                  </a:prstGeom>
+                </p:spPr>
+              </p:pic>
+            </p:grpSp>
+            <p:sp>
+              <p:nvSpPr>
+                <p:cNvPr id="79" name="Rectangle 78">
+                  <a:extLst>
+                    <a:ext uri="{FF2B5EF4-FFF2-40B4-BE49-F238E27FC236}">
+                      <a16:creationId xmlns:a16="http://schemas.microsoft.com/office/drawing/2014/main" id="{587139C4-AE40-4F89-8F2E-E593417A8691}"/>
+                    </a:ext>
+                  </a:extLst>
+                </p:cNvPr>
+                <p:cNvSpPr/>
+                <p:nvPr/>
+              </p:nvSpPr>
+              <p:spPr>
+                <a:xfrm>
+                  <a:off x="6786066" y="2836308"/>
+                  <a:ext cx="487860" cy="103356"/>
+                </a:xfrm>
+                <a:prstGeom prst="rect">
+                  <a:avLst/>
+                </a:prstGeom>
+              </p:spPr>
+              <p:style>
+                <a:lnRef idx="2">
+                  <a:schemeClr val="dk1">
+                    <a:shade val="50000"/>
+                  </a:schemeClr>
+                </a:lnRef>
+                <a:fillRef idx="1">
+                  <a:schemeClr val="dk1"/>
+                </a:fillRef>
+                <a:effectRef idx="0">
+                  <a:schemeClr val="dk1"/>
+                </a:effectRef>
+                <a:fontRef idx="minor">
+                  <a:schemeClr val="lt1"/>
+                </a:fontRef>
+              </p:style>
+              <p:txBody>
+                <a:bodyPr rtlCol="0" anchor="ctr"/>
+                <a:lstStyle/>
+                <a:p>
+                  <a:pPr algn="ctr"/>
+                  <a:endParaRPr lang="en-US"/>
+                </a:p>
+              </p:txBody>
+            </p:sp>
+          </p:grpSp>
+          <p:pic>
+            <p:nvPicPr>
+              <p:cNvPr id="82" name="Picture 81">
+                <a:extLst>
+                  <a:ext uri="{FF2B5EF4-FFF2-40B4-BE49-F238E27FC236}">
+                    <a16:creationId xmlns:a16="http://schemas.microsoft.com/office/drawing/2014/main" id="{B1CED33E-A4B5-441E-8847-D50C1A5BDD4C}"/>
+                  </a:ext>
+                </a:extLst>
+              </p:cNvPr>
+              <p:cNvPicPr>
+                <a:picLocks noChangeAspect="1"/>
+              </p:cNvPicPr>
+              <p:nvPr/>
+            </p:nvPicPr>
+            <p:blipFill>
+              <a:blip r:embed="rId3" cstate="print">
+                <a:extLst>
+                  <a:ext uri="{28A0092B-C50C-407E-A947-70E740481C1C}">
+                    <a14:useLocalDpi xmlns:a14="http://schemas.microsoft.com/office/drawing/2010/main" val="0"/>
+                  </a:ext>
+                </a:extLst>
+              </a:blip>
+              <a:stretch>
+                <a:fillRect/>
+              </a:stretch>
+            </p:blipFill>
+            <p:spPr>
+              <a:xfrm>
+                <a:off x="7511348" y="2471879"/>
+                <a:ext cx="216550" cy="216550"/>
+              </a:xfrm>
+              <a:prstGeom prst="rect">
+                <a:avLst/>
+              </a:prstGeom>
+            </p:spPr>
+          </p:pic>
+          <p:pic>
+            <p:nvPicPr>
+              <p:cNvPr id="125" name="Picture 124">
+                <a:extLst>
+                  <a:ext uri="{FF2B5EF4-FFF2-40B4-BE49-F238E27FC236}">
+                    <a16:creationId xmlns:a16="http://schemas.microsoft.com/office/drawing/2014/main" id="{364746AD-4735-4444-9647-9270F0222E21}"/>
+                  </a:ext>
+                </a:extLst>
+              </p:cNvPr>
+              <p:cNvPicPr>
+                <a:picLocks noChangeAspect="1"/>
+              </p:cNvPicPr>
+              <p:nvPr/>
+            </p:nvPicPr>
+            <p:blipFill>
+              <a:blip r:embed="rId7" cstate="print">
+                <a:extLst>
+                  <a:ext uri="{28A0092B-C50C-407E-A947-70E740481C1C}">
+                    <a14:useLocalDpi xmlns:a14="http://schemas.microsoft.com/office/drawing/2010/main" val="0"/>
+                  </a:ext>
+                </a:extLst>
+              </a:blip>
+              <a:stretch>
+                <a:fillRect/>
+              </a:stretch>
+            </p:blipFill>
+            <p:spPr>
+              <a:xfrm>
+                <a:off x="7727898" y="1245171"/>
+                <a:ext cx="267213" cy="267213"/>
+              </a:xfrm>
+              <a:prstGeom prst="rect">
+                <a:avLst/>
+              </a:prstGeom>
+            </p:spPr>
+          </p:pic>
+        </p:grpSp>
+        <p:sp>
+          <p:nvSpPr>
+            <p:cNvPr id="183" name="Rectangle 182">
+              <a:extLst>
+                <a:ext uri="{FF2B5EF4-FFF2-40B4-BE49-F238E27FC236}">
+                  <a16:creationId xmlns:a16="http://schemas.microsoft.com/office/drawing/2014/main" id="{4F7CD2E2-BAC6-42AD-B94A-9B8F2FEEA484}"/>
+                </a:ext>
+              </a:extLst>
+            </p:cNvPr>
+            <p:cNvSpPr/>
+            <p:nvPr/>
+          </p:nvSpPr>
+          <p:spPr>
+            <a:xfrm>
+              <a:off x="3249742" y="1281195"/>
+              <a:ext cx="2503714" cy="1535397"/>
+            </a:xfrm>
+            <a:prstGeom prst="rect">
+              <a:avLst/>
+            </a:prstGeom>
+            <a:noFill/>
+            <a:ln>
+              <a:solidFill>
+                <a:schemeClr val="bg1">
+                  <a:lumMod val="50000"/>
+                </a:schemeClr>
+              </a:solidFill>
+              <a:prstDash val="lgDash"/>
+            </a:ln>
+          </p:spPr>
+          <p:style>
+            <a:lnRef idx="2">
+              <a:schemeClr val="accent1">
+                <a:shade val="50000"/>
+              </a:schemeClr>
+            </a:lnRef>
+            <a:fillRef idx="1">
+              <a:schemeClr val="accent1"/>
+            </a:fillRef>
+            <a:effectRef idx="0">
+              <a:schemeClr val="accent1"/>
+            </a:effectRef>
+            <a:fontRef idx="minor">
+              <a:schemeClr val="lt1"/>
+            </a:fontRef>
+          </p:style>
+          <p:txBody>
+            <a:bodyPr rtlCol="0" anchor="ctr"/>
+            <a:lstStyle/>
+            <a:p>
+              <a:pPr algn="ctr"/>
+              <a:endParaRPr lang="en-US"/>
+            </a:p>
+          </p:txBody>
+        </p:sp>
+      </p:grpSp>
+      <p:grpSp>
+        <p:nvGrpSpPr>
+          <p:cNvPr id="252" name="Group 251">
+            <a:extLst>
+              <a:ext uri="{FF2B5EF4-FFF2-40B4-BE49-F238E27FC236}">
+                <a16:creationId xmlns:a16="http://schemas.microsoft.com/office/drawing/2014/main" id="{EE8C7D67-4528-4BCF-A1F3-5147DD0767BE}"/>
+              </a:ext>
+            </a:extLst>
+          </p:cNvPr>
+          <p:cNvGrpSpPr/>
+          <p:nvPr/>
+        </p:nvGrpSpPr>
+        <p:grpSpPr>
+          <a:xfrm>
+            <a:off x="6942518" y="3091039"/>
+            <a:ext cx="1191097" cy="2882912"/>
+            <a:chOff x="6942518" y="3091039"/>
+            <a:chExt cx="1191097" cy="2882912"/>
+          </a:xfrm>
+        </p:grpSpPr>
+        <p:grpSp>
+          <p:nvGrpSpPr>
+            <p:cNvPr id="48" name="Group 47">
+              <a:extLst>
+                <a:ext uri="{FF2B5EF4-FFF2-40B4-BE49-F238E27FC236}">
+                  <a16:creationId xmlns:a16="http://schemas.microsoft.com/office/drawing/2014/main" id="{B0ED8BB8-6621-48BA-86DA-CEFB5CBDFC8F}"/>
+                </a:ext>
+              </a:extLst>
+            </p:cNvPr>
+            <p:cNvGrpSpPr/>
+            <p:nvPr/>
+          </p:nvGrpSpPr>
+          <p:grpSpPr>
+            <a:xfrm>
+              <a:off x="7013401" y="3144137"/>
+              <a:ext cx="1068151" cy="1380125"/>
+              <a:chOff x="7511348" y="3179365"/>
+              <a:chExt cx="1068151" cy="1380125"/>
+            </a:xfrm>
+          </p:grpSpPr>
+          <p:grpSp>
+            <p:nvGrpSpPr>
+              <p:cNvPr id="37" name="Group 36">
+                <a:extLst>
+                  <a:ext uri="{FF2B5EF4-FFF2-40B4-BE49-F238E27FC236}">
+                    <a16:creationId xmlns:a16="http://schemas.microsoft.com/office/drawing/2014/main" id="{6883E438-0D84-4325-B34D-CD270E0482E1}"/>
+                  </a:ext>
+                </a:extLst>
+              </p:cNvPr>
+              <p:cNvGrpSpPr/>
+              <p:nvPr/>
+            </p:nvGrpSpPr>
+            <p:grpSpPr>
+              <a:xfrm>
+                <a:off x="7511348" y="3318470"/>
+                <a:ext cx="1068151" cy="1241020"/>
+                <a:chOff x="7511348" y="3318470"/>
+                <a:chExt cx="1068151" cy="1241020"/>
+              </a:xfrm>
+            </p:grpSpPr>
+            <p:pic>
+              <p:nvPicPr>
+                <p:cNvPr id="85" name="Picture 84">
+                  <a:extLst>
+                    <a:ext uri="{FF2B5EF4-FFF2-40B4-BE49-F238E27FC236}">
+                      <a16:creationId xmlns:a16="http://schemas.microsoft.com/office/drawing/2014/main" id="{02B0DEEB-44B9-4AF8-95F7-7B2DC440CD99}"/>
+                    </a:ext>
+                  </a:extLst>
+                </p:cNvPr>
+                <p:cNvPicPr>
+                  <a:picLocks noChangeAspect="1"/>
+                </p:cNvPicPr>
+                <p:nvPr/>
+              </p:nvPicPr>
+              <p:blipFill>
+                <a:blip r:embed="rId3" cstate="print">
+                  <a:extLst>
+                    <a:ext uri="{28A0092B-C50C-407E-A947-70E740481C1C}">
+                      <a14:useLocalDpi xmlns:a14="http://schemas.microsoft.com/office/drawing/2010/main" val="0"/>
+                    </a:ext>
+                  </a:extLst>
+                </a:blip>
+                <a:stretch>
+                  <a:fillRect/>
+                </a:stretch>
+              </p:blipFill>
+              <p:spPr>
+                <a:xfrm>
+                  <a:off x="7953364" y="4342940"/>
+                  <a:ext cx="216550" cy="216550"/>
+                </a:xfrm>
+                <a:prstGeom prst="rect">
+                  <a:avLst/>
+                </a:prstGeom>
+              </p:spPr>
+            </p:pic>
+            <p:grpSp>
+              <p:nvGrpSpPr>
+                <p:cNvPr id="15" name="Group 14">
+                  <a:extLst>
+                    <a:ext uri="{FF2B5EF4-FFF2-40B4-BE49-F238E27FC236}">
+                      <a16:creationId xmlns:a16="http://schemas.microsoft.com/office/drawing/2014/main" id="{275C940A-7C88-4701-BC41-B9C85CF03A94}"/>
+                    </a:ext>
+                  </a:extLst>
+                </p:cNvPr>
+                <p:cNvGrpSpPr/>
+                <p:nvPr/>
+              </p:nvGrpSpPr>
+              <p:grpSpPr>
+                <a:xfrm>
+                  <a:off x="7511348" y="3318470"/>
+                  <a:ext cx="1068151" cy="1046214"/>
+                  <a:chOff x="6278548" y="3412955"/>
+                  <a:chExt cx="1068151" cy="1046214"/>
+                </a:xfrm>
+              </p:grpSpPr>
+              <p:grpSp>
+                <p:nvGrpSpPr>
+                  <p:cNvPr id="74" name="Group 73">
+                    <a:extLst>
+                      <a:ext uri="{FF2B5EF4-FFF2-40B4-BE49-F238E27FC236}">
+                        <a16:creationId xmlns:a16="http://schemas.microsoft.com/office/drawing/2014/main" id="{4385EE93-5BA1-494C-8CD6-EDD423486621}"/>
+                      </a:ext>
+                    </a:extLst>
+                  </p:cNvPr>
+                  <p:cNvGrpSpPr/>
+                  <p:nvPr/>
+                </p:nvGrpSpPr>
+                <p:grpSpPr>
+                  <a:xfrm>
+                    <a:off x="6278548" y="3412955"/>
+                    <a:ext cx="1068151" cy="919700"/>
+                    <a:chOff x="9254078" y="4883240"/>
+                    <a:chExt cx="844906" cy="728368"/>
+                  </a:xfrm>
+                </p:grpSpPr>
+                <p:sp>
+                  <p:nvSpPr>
+                    <p:cNvPr id="75" name="Hexagon 176">
+                      <a:extLst>
+                        <a:ext uri="{FF2B5EF4-FFF2-40B4-BE49-F238E27FC236}">
+                          <a16:creationId xmlns:a16="http://schemas.microsoft.com/office/drawing/2014/main" id="{B4E90AAB-7944-4FB5-A458-2C8D3C88EE78}"/>
+                        </a:ext>
+                      </a:extLst>
+                    </p:cNvPr>
+                    <p:cNvSpPr/>
+                    <p:nvPr/>
+                  </p:nvSpPr>
+                  <p:spPr bwMode="auto">
+                    <a:xfrm>
+                      <a:off x="9254078" y="4883240"/>
+                      <a:ext cx="844906" cy="728368"/>
+                    </a:xfrm>
+                    <a:prstGeom prst="hexagon">
+                      <a:avLst>
+                        <a:gd name="adj" fmla="val 28624"/>
+                        <a:gd name="vf" fmla="val 115470"/>
+                      </a:avLst>
+                    </a:prstGeom>
+                    <a:ln>
+                      <a:headEnd type="none" w="med" len="med"/>
+                      <a:tailEnd type="none" w="med" len="med"/>
+                    </a:ln>
+                  </p:spPr>
+                  <p:style>
+                    <a:lnRef idx="2">
+                      <a:schemeClr val="accent4"/>
+                    </a:lnRef>
+                    <a:fillRef idx="1">
+                      <a:schemeClr val="lt1"/>
+                    </a:fillRef>
+                    <a:effectRef idx="0">
+                      <a:schemeClr val="accent4"/>
+                    </a:effectRef>
+                    <a:fontRef idx="minor">
+                      <a:schemeClr val="dk1"/>
+                    </a:fontRef>
+                  </p:style>
+                  <p:txBody>
+                    <a:bodyPr rot="0" spcFirstLastPara="0" vertOverflow="overflow" horzOverflow="overflow" vert="horz" wrap="square" lIns="0" tIns="560064" rIns="0" bIns="380632" numCol="1" spcCol="0" rtlCol="0" fromWordArt="0" anchor="t" anchorCtr="0" forceAA="0" compatLnSpc="1">
+                      <a:prstTxWarp prst="textNoShape">
+                        <a:avLst/>
+                      </a:prstTxWarp>
+                      <a:noAutofit/>
+                    </a:bodyPr>
+                    <a:lstStyle/>
+                    <a:p>
+                      <a:pPr algn="ctr" defTabSz="878453" fontAlgn="base">
+                        <a:lnSpc>
+                          <a:spcPct val="90000"/>
+                        </a:lnSpc>
+                        <a:spcBef>
+                          <a:spcPct val="0"/>
+                        </a:spcBef>
+                        <a:spcAft>
+                          <a:spcPct val="0"/>
+                        </a:spcAft>
+                      </a:pPr>
+                      <a:r>
+                        <a:rPr lang="en-US" sz="1131" b="1" dirty="0">
+                          <a:solidFill>
+                            <a:schemeClr val="tx1"/>
+                          </a:solidFill>
+                          <a:latin typeface="Segoe UI" charset="0"/>
+                          <a:cs typeface="Segoe UI" charset="0"/>
+                        </a:rPr>
+                        <a:t>Pricing</a:t>
+                      </a:r>
+                    </a:p>
+                  </p:txBody>
+                </p:sp>
+                <p:pic>
+                  <p:nvPicPr>
+                    <p:cNvPr id="76" name="Picture 75">
+                      <a:extLst>
+                        <a:ext uri="{FF2B5EF4-FFF2-40B4-BE49-F238E27FC236}">
+                          <a16:creationId xmlns:a16="http://schemas.microsoft.com/office/drawing/2014/main" id="{025A4D64-5671-48F8-B5AF-F94F543C5E23}"/>
+                        </a:ext>
+                      </a:extLst>
+                    </p:cNvPr>
+                    <p:cNvPicPr>
+                      <a:picLocks noChangeAspect="1"/>
+                    </p:cNvPicPr>
+                    <p:nvPr/>
+                  </p:nvPicPr>
+                  <p:blipFill>
+                    <a:blip r:embed="rId10"/>
+                    <a:stretch>
+                      <a:fillRect/>
+                    </a:stretch>
+                  </p:blipFill>
+                  <p:spPr>
+                    <a:xfrm>
+                      <a:off x="9399369" y="4956768"/>
+                      <a:ext cx="548712" cy="320082"/>
+                    </a:xfrm>
+                    <a:prstGeom prst="rect">
+                      <a:avLst/>
+                    </a:prstGeom>
+                  </p:spPr>
+                </p:pic>
+              </p:grpSp>
+              <p:sp>
+                <p:nvSpPr>
+                  <p:cNvPr id="63" name="Rectangle 62">
+                    <a:extLst>
+                      <a:ext uri="{FF2B5EF4-FFF2-40B4-BE49-F238E27FC236}">
+                        <a16:creationId xmlns:a16="http://schemas.microsoft.com/office/drawing/2014/main" id="{B2024317-B5C6-4012-BBB9-793515514CDD}"/>
+                      </a:ext>
+                    </a:extLst>
+                  </p:cNvPr>
+                  <p:cNvSpPr/>
+                  <p:nvPr/>
+                </p:nvSpPr>
+                <p:spPr>
+                  <a:xfrm>
+                    <a:off x="6548644" y="4355813"/>
+                    <a:ext cx="528158" cy="103356"/>
+                  </a:xfrm>
+                  <a:prstGeom prst="rect">
+                    <a:avLst/>
+                  </a:prstGeom>
+                </p:spPr>
+                <p:style>
+                  <a:lnRef idx="2">
+                    <a:schemeClr val="dk1">
+                      <a:shade val="50000"/>
+                    </a:schemeClr>
+                  </a:lnRef>
+                  <a:fillRef idx="1">
+                    <a:schemeClr val="dk1"/>
+                  </a:fillRef>
+                  <a:effectRef idx="0">
+                    <a:schemeClr val="dk1"/>
+                  </a:effectRef>
+                  <a:fontRef idx="minor">
+                    <a:schemeClr val="lt1"/>
+                  </a:fontRef>
+                </p:style>
+                <p:txBody>
+                  <a:bodyPr rtlCol="0" anchor="ctr"/>
+                  <a:lstStyle/>
+                  <a:p>
+                    <a:pPr algn="ctr"/>
+                    <a:endParaRPr lang="en-US"/>
+                  </a:p>
+                </p:txBody>
+              </p:sp>
+            </p:grpSp>
+          </p:grpSp>
+          <p:pic>
+            <p:nvPicPr>
+              <p:cNvPr id="127" name="Picture 126">
+                <a:extLst>
+                  <a:ext uri="{FF2B5EF4-FFF2-40B4-BE49-F238E27FC236}">
+                    <a16:creationId xmlns:a16="http://schemas.microsoft.com/office/drawing/2014/main" id="{BDBE1064-FE32-4DB1-A8A4-62435883F74C}"/>
+                  </a:ext>
+                </a:extLst>
+              </p:cNvPr>
+              <p:cNvPicPr>
+                <a:picLocks noChangeAspect="1"/>
+              </p:cNvPicPr>
+              <p:nvPr/>
+            </p:nvPicPr>
+            <p:blipFill>
+              <a:blip r:embed="rId7" cstate="print">
+                <a:extLst>
+                  <a:ext uri="{28A0092B-C50C-407E-A947-70E740481C1C}">
+                    <a14:useLocalDpi xmlns:a14="http://schemas.microsoft.com/office/drawing/2010/main" val="0"/>
+                  </a:ext>
+                </a:extLst>
+              </a:blip>
+              <a:stretch>
+                <a:fillRect/>
+              </a:stretch>
+            </p:blipFill>
+            <p:spPr>
+              <a:xfrm>
+                <a:off x="8175995" y="3179365"/>
+                <a:ext cx="267213" cy="267213"/>
+              </a:xfrm>
+              <a:prstGeom prst="rect">
+                <a:avLst/>
+              </a:prstGeom>
+            </p:spPr>
+          </p:pic>
+        </p:grpSp>
+        <p:grpSp>
+          <p:nvGrpSpPr>
+            <p:cNvPr id="144" name="Group 143">
+              <a:extLst>
+                <a:ext uri="{FF2B5EF4-FFF2-40B4-BE49-F238E27FC236}">
+                  <a16:creationId xmlns:a16="http://schemas.microsoft.com/office/drawing/2014/main" id="{48F6F05D-EB5A-42BF-B67C-3BC73C838AAB}"/>
+                </a:ext>
+              </a:extLst>
+            </p:cNvPr>
+            <p:cNvGrpSpPr/>
+            <p:nvPr/>
+          </p:nvGrpSpPr>
+          <p:grpSpPr>
+            <a:xfrm>
+              <a:off x="7032435" y="4506345"/>
+              <a:ext cx="1030081" cy="1443258"/>
+              <a:chOff x="7076802" y="1245171"/>
+              <a:chExt cx="1030081" cy="1443258"/>
+            </a:xfrm>
+          </p:grpSpPr>
+          <p:grpSp>
+            <p:nvGrpSpPr>
+              <p:cNvPr id="145" name="Group 144">
+                <a:extLst>
+                  <a:ext uri="{FF2B5EF4-FFF2-40B4-BE49-F238E27FC236}">
+                    <a16:creationId xmlns:a16="http://schemas.microsoft.com/office/drawing/2014/main" id="{0DA91167-AF30-4CE0-99F9-73BCABDEA9C3}"/>
+                  </a:ext>
+                </a:extLst>
+              </p:cNvPr>
+              <p:cNvGrpSpPr/>
+              <p:nvPr/>
+            </p:nvGrpSpPr>
+            <p:grpSpPr>
+              <a:xfrm>
+                <a:off x="7076802" y="1386096"/>
+                <a:ext cx="1030081" cy="1060064"/>
+                <a:chOff x="6513719" y="1879600"/>
+                <a:chExt cx="1030081" cy="1060064"/>
+              </a:xfrm>
+            </p:grpSpPr>
+            <p:grpSp>
+              <p:nvGrpSpPr>
+                <p:cNvPr id="148" name="Group 147">
+                  <a:extLst>
+                    <a:ext uri="{FF2B5EF4-FFF2-40B4-BE49-F238E27FC236}">
+                      <a16:creationId xmlns:a16="http://schemas.microsoft.com/office/drawing/2014/main" id="{3938CDAE-0DDD-4B86-9233-58358A471101}"/>
+                    </a:ext>
+                  </a:extLst>
+                </p:cNvPr>
+                <p:cNvGrpSpPr/>
+                <p:nvPr/>
+              </p:nvGrpSpPr>
+              <p:grpSpPr>
+                <a:xfrm>
+                  <a:off x="6513719" y="1879600"/>
+                  <a:ext cx="1030081" cy="935773"/>
+                  <a:chOff x="1847159" y="4836151"/>
+                  <a:chExt cx="1030081" cy="935773"/>
+                </a:xfrm>
+              </p:grpSpPr>
+              <p:sp>
+                <p:nvSpPr>
+                  <p:cNvPr id="150" name="Hexagon 176">
+                    <a:extLst>
+                      <a:ext uri="{FF2B5EF4-FFF2-40B4-BE49-F238E27FC236}">
+                        <a16:creationId xmlns:a16="http://schemas.microsoft.com/office/drawing/2014/main" id="{94CA3966-4A02-4A3F-85CE-FD8CECD3B5A0}"/>
+                      </a:ext>
+                    </a:extLst>
+                  </p:cNvPr>
+                  <p:cNvSpPr/>
+                  <p:nvPr/>
+                </p:nvSpPr>
+                <p:spPr bwMode="auto">
+                  <a:xfrm>
+                    <a:off x="1847159" y="4836151"/>
+                    <a:ext cx="1030081" cy="935773"/>
+                  </a:xfrm>
+                  <a:prstGeom prst="hexagon">
+                    <a:avLst>
+                      <a:gd name="adj" fmla="val 28624"/>
+                      <a:gd name="vf" fmla="val 115470"/>
+                    </a:avLst>
+                  </a:prstGeom>
+                  <a:ln>
+                    <a:headEnd type="none" w="med" len="med"/>
+                    <a:tailEnd type="none" w="med" len="med"/>
+                  </a:ln>
+                </p:spPr>
+                <p:style>
+                  <a:lnRef idx="2">
+                    <a:schemeClr val="accent4"/>
+                  </a:lnRef>
+                  <a:fillRef idx="1">
+                    <a:schemeClr val="lt1"/>
+                  </a:fillRef>
+                  <a:effectRef idx="0">
+                    <a:schemeClr val="accent4"/>
+                  </a:effectRef>
+                  <a:fontRef idx="minor">
+                    <a:schemeClr val="dk1"/>
+                  </a:fontRef>
+                </p:style>
+                <p:txBody>
+                  <a:bodyPr rot="0" spcFirstLastPara="0" vertOverflow="overflow" horzOverflow="overflow" vert="horz" wrap="square" lIns="0" tIns="560064" rIns="0" bIns="380632" numCol="1" spcCol="0" rtlCol="0" fromWordArt="0" anchor="t" anchorCtr="0" forceAA="0" compatLnSpc="1">
+                    <a:prstTxWarp prst="textNoShape">
+                      <a:avLst/>
+                    </a:prstTxWarp>
+                    <a:noAutofit/>
+                  </a:bodyPr>
+                  <a:lstStyle/>
+                  <a:p>
+                    <a:pPr algn="ctr" defTabSz="878453" fontAlgn="base">
+                      <a:lnSpc>
+                        <a:spcPct val="90000"/>
+                      </a:lnSpc>
+                      <a:spcBef>
+                        <a:spcPct val="0"/>
+                      </a:spcBef>
+                      <a:spcAft>
+                        <a:spcPct val="0"/>
+                      </a:spcAft>
+                    </a:pPr>
+                    <a:endParaRPr lang="en-US" sz="1131" b="1" dirty="0">
+                      <a:solidFill>
+                        <a:schemeClr val="tx1"/>
+                      </a:solidFill>
+                      <a:latin typeface="Segoe UI" charset="0"/>
+                      <a:cs typeface="Segoe UI" charset="0"/>
+                    </a:endParaRPr>
+                  </a:p>
+                </p:txBody>
+              </p:sp>
+              <p:pic>
+                <p:nvPicPr>
+                  <p:cNvPr id="151" name="Picture 150">
+                    <a:extLst>
+                      <a:ext uri="{FF2B5EF4-FFF2-40B4-BE49-F238E27FC236}">
+                        <a16:creationId xmlns:a16="http://schemas.microsoft.com/office/drawing/2014/main" id="{3E754663-3C7F-42A5-AE6F-64963368E68D}"/>
+                      </a:ext>
+                    </a:extLst>
+                  </p:cNvPr>
+                  <p:cNvPicPr>
+                    <a:picLocks noChangeAspect="1"/>
+                  </p:cNvPicPr>
+                  <p:nvPr/>
+                </p:nvPicPr>
+                <p:blipFill>
+                  <a:blip r:embed="rId11" cstate="print">
+                    <a:extLst>
+                      <a:ext uri="{28A0092B-C50C-407E-A947-70E740481C1C}">
+                        <a14:useLocalDpi xmlns:a14="http://schemas.microsoft.com/office/drawing/2010/main" val="0"/>
+                      </a:ext>
+                    </a:extLst>
+                  </a:blip>
+                  <a:stretch>
+                    <a:fillRect/>
+                  </a:stretch>
+                </p:blipFill>
+                <p:spPr>
+                  <a:xfrm>
+                    <a:off x="2082197" y="5059918"/>
+                    <a:ext cx="562911" cy="455057"/>
+                  </a:xfrm>
+                  <a:prstGeom prst="rect">
+                    <a:avLst/>
+                  </a:prstGeom>
+                </p:spPr>
+              </p:pic>
+            </p:grpSp>
+            <p:sp>
+              <p:nvSpPr>
+                <p:cNvPr id="149" name="Rectangle 148">
+                  <a:extLst>
+                    <a:ext uri="{FF2B5EF4-FFF2-40B4-BE49-F238E27FC236}">
+                      <a16:creationId xmlns:a16="http://schemas.microsoft.com/office/drawing/2014/main" id="{2D56FAF0-C54D-40D7-806E-8C7402524FEF}"/>
+                    </a:ext>
+                  </a:extLst>
+                </p:cNvPr>
+                <p:cNvSpPr/>
+                <p:nvPr/>
+              </p:nvSpPr>
+              <p:spPr>
+                <a:xfrm>
+                  <a:off x="6786066" y="2836308"/>
+                  <a:ext cx="487860" cy="103356"/>
+                </a:xfrm>
+                <a:prstGeom prst="rect">
+                  <a:avLst/>
+                </a:prstGeom>
+              </p:spPr>
+              <p:style>
+                <a:lnRef idx="2">
+                  <a:schemeClr val="dk1">
+                    <a:shade val="50000"/>
+                  </a:schemeClr>
+                </a:lnRef>
+                <a:fillRef idx="1">
+                  <a:schemeClr val="dk1"/>
+                </a:fillRef>
+                <a:effectRef idx="0">
+                  <a:schemeClr val="dk1"/>
+                </a:effectRef>
+                <a:fontRef idx="minor">
+                  <a:schemeClr val="lt1"/>
+                </a:fontRef>
+              </p:style>
+              <p:txBody>
+                <a:bodyPr rtlCol="0" anchor="ctr"/>
+                <a:lstStyle/>
+                <a:p>
+                  <a:pPr algn="ctr"/>
+                  <a:endParaRPr lang="en-US"/>
+                </a:p>
+              </p:txBody>
+            </p:sp>
+          </p:grpSp>
+          <p:pic>
+            <p:nvPicPr>
+              <p:cNvPr id="146" name="Picture 145">
+                <a:extLst>
+                  <a:ext uri="{FF2B5EF4-FFF2-40B4-BE49-F238E27FC236}">
+                    <a16:creationId xmlns:a16="http://schemas.microsoft.com/office/drawing/2014/main" id="{294D064E-FFC2-4556-8643-619675395061}"/>
+                  </a:ext>
+                </a:extLst>
+              </p:cNvPr>
+              <p:cNvPicPr>
+                <a:picLocks noChangeAspect="1"/>
+              </p:cNvPicPr>
+              <p:nvPr/>
+            </p:nvPicPr>
+            <p:blipFill>
+              <a:blip r:embed="rId3" cstate="print">
+                <a:extLst>
+                  <a:ext uri="{28A0092B-C50C-407E-A947-70E740481C1C}">
+                    <a14:useLocalDpi xmlns:a14="http://schemas.microsoft.com/office/drawing/2010/main" val="0"/>
+                  </a:ext>
+                </a:extLst>
+              </a:blip>
+              <a:stretch>
+                <a:fillRect/>
+              </a:stretch>
+            </p:blipFill>
+            <p:spPr>
+              <a:xfrm>
+                <a:off x="7511348" y="2471879"/>
+                <a:ext cx="216550" cy="216550"/>
+              </a:xfrm>
+              <a:prstGeom prst="rect">
+                <a:avLst/>
+              </a:prstGeom>
+            </p:spPr>
+          </p:pic>
+          <p:pic>
+            <p:nvPicPr>
+              <p:cNvPr id="147" name="Picture 146">
+                <a:extLst>
+                  <a:ext uri="{FF2B5EF4-FFF2-40B4-BE49-F238E27FC236}">
+                    <a16:creationId xmlns:a16="http://schemas.microsoft.com/office/drawing/2014/main" id="{103157B7-D6EB-4954-AC8A-1310B457491D}"/>
+                  </a:ext>
+                </a:extLst>
+              </p:cNvPr>
+              <p:cNvPicPr>
+                <a:picLocks noChangeAspect="1"/>
+              </p:cNvPicPr>
+              <p:nvPr/>
+            </p:nvPicPr>
+            <p:blipFill>
+              <a:blip r:embed="rId7" cstate="print">
+                <a:extLst>
+                  <a:ext uri="{28A0092B-C50C-407E-A947-70E740481C1C}">
+                    <a14:useLocalDpi xmlns:a14="http://schemas.microsoft.com/office/drawing/2010/main" val="0"/>
+                  </a:ext>
+                </a:extLst>
+              </a:blip>
+              <a:stretch>
+                <a:fillRect/>
+              </a:stretch>
+            </p:blipFill>
+            <p:spPr>
+              <a:xfrm>
+                <a:off x="7727898" y="1245171"/>
+                <a:ext cx="267213" cy="267213"/>
+              </a:xfrm>
+              <a:prstGeom prst="rect">
+                <a:avLst/>
+              </a:prstGeom>
+            </p:spPr>
+          </p:pic>
+        </p:grpSp>
+        <p:sp>
+          <p:nvSpPr>
+            <p:cNvPr id="156" name="Rectangle 155">
+              <a:extLst>
+                <a:ext uri="{FF2B5EF4-FFF2-40B4-BE49-F238E27FC236}">
+                  <a16:creationId xmlns:a16="http://schemas.microsoft.com/office/drawing/2014/main" id="{88DF945A-EFB3-4094-B42E-13D06B6E3C9E}"/>
+                </a:ext>
+              </a:extLst>
+            </p:cNvPr>
+            <p:cNvSpPr/>
+            <p:nvPr/>
+          </p:nvSpPr>
+          <p:spPr>
+            <a:xfrm>
+              <a:off x="6942518" y="3091039"/>
+              <a:ext cx="1191097" cy="2882912"/>
+            </a:xfrm>
+            <a:prstGeom prst="rect">
+              <a:avLst/>
+            </a:prstGeom>
+            <a:noFill/>
+            <a:ln>
+              <a:solidFill>
+                <a:schemeClr val="bg1">
+                  <a:lumMod val="50000"/>
+                </a:schemeClr>
+              </a:solidFill>
+              <a:prstDash val="lgDash"/>
+            </a:ln>
+          </p:spPr>
+          <p:style>
+            <a:lnRef idx="2">
+              <a:schemeClr val="accent1">
+                <a:shade val="50000"/>
+              </a:schemeClr>
+            </a:lnRef>
+            <a:fillRef idx="1">
+              <a:schemeClr val="accent1"/>
+            </a:fillRef>
+            <a:effectRef idx="0">
+              <a:schemeClr val="accent1"/>
+            </a:effectRef>
+            <a:fontRef idx="minor">
+              <a:schemeClr val="lt1"/>
+            </a:fontRef>
+          </p:style>
+          <p:txBody>
+            <a:bodyPr rtlCol="0" anchor="ctr"/>
+            <a:lstStyle/>
+            <a:p>
+              <a:pPr algn="ctr"/>
+              <a:endParaRPr lang="en-US"/>
+            </a:p>
+          </p:txBody>
+        </p:sp>
+      </p:grpSp>
       <p:cxnSp>
         <p:nvCxnSpPr>
-          <p:cNvPr id="52" name="Straight Arrow Connector 51"/>
+          <p:cNvPr id="194" name="Straight Arrow Connector 193">
+            <a:extLst>
+              <a:ext uri="{FF2B5EF4-FFF2-40B4-BE49-F238E27FC236}">
+                <a16:creationId xmlns:a16="http://schemas.microsoft.com/office/drawing/2014/main" id="{EDA5BECD-4FDD-4873-86D7-CDFD07B721E7}"/>
+              </a:ext>
+            </a:extLst>
+          </p:cNvPr>
           <p:cNvCxnSpPr>
-            <a:stCxn id="6" idx="3"/>
-            <a:endCxn id="50" idx="1"/>
+            <a:cxnSpLocks/>
           </p:cNvCxnSpPr>
           <p:nvPr/>
         </p:nvCxnSpPr>
         <p:spPr>
           <a:xfrm flipV="1">
-            <a:off x="4194220" y="2476500"/>
-            <a:ext cx="1444580" cy="38100"/>
+            <a:off x="2020681" y="707254"/>
+            <a:ext cx="2026711" cy="52139"/>
           </a:xfrm>
-          <a:prstGeom prst="straightConnector1">
-            <a:avLst/>
+          <a:prstGeom prst="curvedConnector3">
+            <a:avLst>
+              <a:gd name="adj1" fmla="val 52506"/>
+            </a:avLst>
           </a:prstGeom>
-          <a:ln>
-            <a:tailEnd type="arrow"/>
+          <a:ln w="6350">
+            <a:prstDash val="sysDot"/>
+            <a:headEnd type="triangle"/>
+            <a:tailEnd type="triangle"/>
           </a:ln>
         </p:spPr>
         <p:style>
@@ -4269,66 +7949,33 @@
           </a:fontRef>
         </p:style>
       </p:cxnSp>
-      <p:sp>
-        <p:nvSpPr>
-          <p:cNvPr id="53" name="Flowchart: Magnetic Disk 52"/>
-          <p:cNvSpPr/>
-          <p:nvPr/>
-        </p:nvSpPr>
-        <p:spPr>
-          <a:xfrm>
-            <a:off x="7137400" y="2221230"/>
-            <a:ext cx="1219200" cy="510540"/>
-          </a:xfrm>
-          <a:prstGeom prst="flowChartMagneticDisk">
-            <a:avLst/>
-          </a:prstGeom>
-        </p:spPr>
-        <p:style>
-          <a:lnRef idx="2">
-            <a:schemeClr val="dk1"/>
-          </a:lnRef>
-          <a:fillRef idx="1">
-            <a:schemeClr val="lt1"/>
-          </a:fillRef>
-          <a:effectRef idx="0">
-            <a:schemeClr val="dk1"/>
-          </a:effectRef>
-          <a:fontRef idx="minor">
-            <a:schemeClr val="dk1"/>
-          </a:fontRef>
-        </p:style>
-        <p:txBody>
-          <a:bodyPr rtlCol="0" anchor="ctr"/>
-          <a:lstStyle/>
-          <a:p>
-            <a:pPr algn="ctr"/>
-            <a:r>
-              <a:rPr lang="en-US" dirty="0"/>
-              <a:t>SQL Server</a:t>
-            </a:r>
-          </a:p>
-        </p:txBody>
-      </p:sp>
       <p:cxnSp>
         <p:nvCxnSpPr>
-          <p:cNvPr id="55" name="Straight Arrow Connector 54"/>
+          <p:cNvPr id="204" name="Straight Arrow Connector 203">
+            <a:extLst>
+              <a:ext uri="{FF2B5EF4-FFF2-40B4-BE49-F238E27FC236}">
+                <a16:creationId xmlns:a16="http://schemas.microsoft.com/office/drawing/2014/main" id="{8BBBD776-932E-47C9-86EA-737FC6FBB7E5}"/>
+              </a:ext>
+            </a:extLst>
+          </p:cNvPr>
           <p:cNvCxnSpPr>
-            <a:stCxn id="50" idx="3"/>
-            <a:endCxn id="53" idx="2"/>
+            <a:cxnSpLocks/>
+            <a:endCxn id="52" idx="1"/>
           </p:cNvCxnSpPr>
           <p:nvPr/>
         </p:nvCxnSpPr>
         <p:spPr>
-          <a:xfrm>
-            <a:off x="6629400" y="2476500"/>
-            <a:ext cx="508000" cy="0"/>
+          <a:xfrm rot="16200000" flipH="1">
+            <a:off x="3943988" y="1594917"/>
+            <a:ext cx="1487629" cy="372407"/>
           </a:xfrm>
-          <a:prstGeom prst="straightConnector1">
+          <a:prstGeom prst="curvedConnector2">
             <a:avLst/>
           </a:prstGeom>
-          <a:ln>
-            <a:tailEnd type="arrow"/>
+          <a:ln w="6350">
+            <a:prstDash val="sysDot"/>
+            <a:headEnd type="triangle"/>
+            <a:tailEnd type="triangle"/>
           </a:ln>
         </p:spPr>
         <p:style>
@@ -4346,340 +7993,282 @@
           </a:fontRef>
         </p:style>
       </p:cxnSp>
-      <p:pic>
-        <p:nvPicPr>
-          <p:cNvPr id="63" name="Picture 62"/>
-          <p:cNvPicPr>
-            <a:picLocks noChangeAspect="1"/>
-          </p:cNvPicPr>
-          <p:nvPr/>
-        </p:nvPicPr>
-        <p:blipFill>
-          <a:blip r:embed="rId3" cstate="print">
+      <p:cxnSp>
+        <p:nvCxnSpPr>
+          <p:cNvPr id="207" name="Straight Arrow Connector 206">
             <a:extLst>
-              <a:ext uri="{28A0092B-C50C-407E-A947-70E740481C1C}">
-                <a14:useLocalDpi xmlns:a14="http://schemas.microsoft.com/office/drawing/2010/main" val="0"/>
+              <a:ext uri="{FF2B5EF4-FFF2-40B4-BE49-F238E27FC236}">
+                <a16:creationId xmlns:a16="http://schemas.microsoft.com/office/drawing/2014/main" id="{D716966C-1F82-4698-B0D4-66949C61F7AD}"/>
               </a:ext>
             </a:extLst>
-          </a:blip>
-          <a:stretch>
-            <a:fillRect/>
-          </a:stretch>
-        </p:blipFill>
+          </p:cNvPr>
+          <p:cNvCxnSpPr>
+            <a:cxnSpLocks/>
+            <a:stCxn id="52" idx="3"/>
+            <a:endCxn id="2" idx="1"/>
+          </p:cNvCxnSpPr>
+          <p:nvPr/>
+        </p:nvCxnSpPr>
+        <p:spPr>
+          <a:xfrm flipV="1">
+            <a:off x="5402164" y="1103254"/>
+            <a:ext cx="1557940" cy="1421682"/>
+          </a:xfrm>
+          <a:prstGeom prst="bentConnector3">
+            <a:avLst>
+              <a:gd name="adj1" fmla="val 50000"/>
+            </a:avLst>
+          </a:prstGeom>
+          <a:ln w="6350">
+            <a:prstDash val="sysDot"/>
+            <a:headEnd type="triangle"/>
+            <a:tailEnd type="triangle"/>
+          </a:ln>
+        </p:spPr>
+        <p:style>
+          <a:lnRef idx="1">
+            <a:schemeClr val="accent1"/>
+          </a:lnRef>
+          <a:fillRef idx="0">
+            <a:schemeClr val="accent1"/>
+          </a:fillRef>
+          <a:effectRef idx="0">
+            <a:schemeClr val="accent1"/>
+          </a:effectRef>
+          <a:fontRef idx="minor">
+            <a:schemeClr val="tx1"/>
+          </a:fontRef>
+        </p:style>
+      </p:cxnSp>
+      <p:cxnSp>
+        <p:nvCxnSpPr>
+          <p:cNvPr id="211" name="Straight Arrow Connector 210">
+            <a:extLst>
+              <a:ext uri="{FF2B5EF4-FFF2-40B4-BE49-F238E27FC236}">
+                <a16:creationId xmlns:a16="http://schemas.microsoft.com/office/drawing/2014/main" id="{1A7DB7D1-5503-442F-B81C-AF5C6D2CFA70}"/>
+              </a:ext>
+            </a:extLst>
+          </p:cNvPr>
+          <p:cNvCxnSpPr>
+            <a:cxnSpLocks/>
+            <a:stCxn id="2" idx="3"/>
+            <a:endCxn id="63" idx="3"/>
+          </p:cNvCxnSpPr>
+          <p:nvPr/>
+        </p:nvCxnSpPr>
         <p:spPr>
           <a:xfrm>
-            <a:off x="3932397" y="730376"/>
-            <a:ext cx="230028" cy="259430"/>
+            <a:off x="7488262" y="1103254"/>
+            <a:ext cx="323393" cy="3174524"/>
           </a:xfrm>
-          <a:prstGeom prst="rect">
+          <a:prstGeom prst="bentConnector3">
+            <a:avLst>
+              <a:gd name="adj1" fmla="val 170688"/>
+            </a:avLst>
+          </a:prstGeom>
+          <a:ln w="6350">
+            <a:prstDash val="sysDot"/>
+            <a:headEnd type="triangle"/>
+            <a:tailEnd type="triangle"/>
+          </a:ln>
+        </p:spPr>
+        <p:style>
+          <a:lnRef idx="1">
+            <a:schemeClr val="accent1"/>
+          </a:lnRef>
+          <a:fillRef idx="0">
+            <a:schemeClr val="accent1"/>
+          </a:fillRef>
+          <a:effectRef idx="0">
+            <a:schemeClr val="accent1"/>
+          </a:effectRef>
+          <a:fontRef idx="minor">
+            <a:schemeClr val="tx1"/>
+          </a:fontRef>
+        </p:style>
+      </p:cxnSp>
+      <p:cxnSp>
+        <p:nvCxnSpPr>
+          <p:cNvPr id="221" name="Straight Arrow Connector 220">
+            <a:extLst>
+              <a:ext uri="{FF2B5EF4-FFF2-40B4-BE49-F238E27FC236}">
+                <a16:creationId xmlns:a16="http://schemas.microsoft.com/office/drawing/2014/main" id="{88C4B541-E334-4132-840C-834DC1E773E8}"/>
+              </a:ext>
+            </a:extLst>
+          </p:cNvPr>
+          <p:cNvCxnSpPr>
+            <a:cxnSpLocks/>
+            <a:stCxn id="62" idx="3"/>
+          </p:cNvCxnSpPr>
+          <p:nvPr/>
+        </p:nvCxnSpPr>
+        <p:spPr>
+          <a:xfrm flipV="1">
+            <a:off x="6270372" y="1164595"/>
+            <a:ext cx="1066613" cy="3168472"/>
+          </a:xfrm>
+          <a:prstGeom prst="straightConnector1">
             <a:avLst/>
           </a:prstGeom>
+          <a:ln w="6350">
+            <a:prstDash val="sysDot"/>
+            <a:headEnd type="triangle"/>
+            <a:tailEnd type="triangle"/>
+          </a:ln>
         </p:spPr>
-      </p:pic>
-      <p:pic>
-        <p:nvPicPr>
-          <p:cNvPr id="41" name="Picture 40"/>
-          <p:cNvPicPr>
-            <a:picLocks noChangeAspect="1"/>
-          </p:cNvPicPr>
-          <p:nvPr/>
-        </p:nvPicPr>
-        <p:blipFill>
-          <a:blip r:embed="rId4" cstate="print">
+        <p:style>
+          <a:lnRef idx="1">
+            <a:schemeClr val="accent1"/>
+          </a:lnRef>
+          <a:fillRef idx="0">
+            <a:schemeClr val="accent1"/>
+          </a:fillRef>
+          <a:effectRef idx="0">
+            <a:schemeClr val="accent1"/>
+          </a:effectRef>
+          <a:fontRef idx="minor">
+            <a:schemeClr val="tx1"/>
+          </a:fontRef>
+        </p:style>
+      </p:cxnSp>
+      <p:cxnSp>
+        <p:nvCxnSpPr>
+          <p:cNvPr id="224" name="Straight Arrow Connector 223">
             <a:extLst>
-              <a:ext uri="{28A0092B-C50C-407E-A947-70E740481C1C}">
-                <a14:useLocalDpi xmlns:a14="http://schemas.microsoft.com/office/drawing/2010/main" val="0"/>
+              <a:ext uri="{FF2B5EF4-FFF2-40B4-BE49-F238E27FC236}">
+                <a16:creationId xmlns:a16="http://schemas.microsoft.com/office/drawing/2014/main" id="{FD5E8B67-63BB-4791-AABA-CFE019094D3F}"/>
               </a:ext>
             </a:extLst>
-          </a:blip>
-          <a:stretch>
-            <a:fillRect/>
-          </a:stretch>
-        </p:blipFill>
+          </p:cNvPr>
+          <p:cNvCxnSpPr>
+            <a:cxnSpLocks/>
+            <a:stCxn id="60" idx="3"/>
+            <a:endCxn id="2" idx="2"/>
+          </p:cNvCxnSpPr>
+          <p:nvPr/>
+        </p:nvCxnSpPr>
         <p:spPr>
-          <a:xfrm>
-            <a:off x="1170367" y="4125363"/>
-            <a:ext cx="172255" cy="194273"/>
+          <a:xfrm flipV="1">
+            <a:off x="4787349" y="1154932"/>
+            <a:ext cx="2436834" cy="3159210"/>
           </a:xfrm>
-          <a:prstGeom prst="rect">
+          <a:prstGeom prst="straightConnector1">
             <a:avLst/>
           </a:prstGeom>
+          <a:ln w="6350">
+            <a:prstDash val="sysDot"/>
+            <a:headEnd type="triangle"/>
+            <a:tailEnd type="triangle"/>
+          </a:ln>
         </p:spPr>
-      </p:pic>
-      <p:pic>
-        <p:nvPicPr>
-          <p:cNvPr id="43" name="Picture 42"/>
-          <p:cNvPicPr>
-            <a:picLocks noChangeAspect="1"/>
-          </p:cNvPicPr>
-          <p:nvPr/>
-        </p:nvPicPr>
-        <p:blipFill>
-          <a:blip r:embed="rId4" cstate="print">
+        <p:style>
+          <a:lnRef idx="1">
+            <a:schemeClr val="accent1"/>
+          </a:lnRef>
+          <a:fillRef idx="0">
+            <a:schemeClr val="accent1"/>
+          </a:fillRef>
+          <a:effectRef idx="0">
+            <a:schemeClr val="accent1"/>
+          </a:effectRef>
+          <a:fontRef idx="minor">
+            <a:schemeClr val="tx1"/>
+          </a:fontRef>
+        </p:style>
+      </p:cxnSp>
+      <p:cxnSp>
+        <p:nvCxnSpPr>
+          <p:cNvPr id="227" name="Straight Arrow Connector 226">
             <a:extLst>
-              <a:ext uri="{28A0092B-C50C-407E-A947-70E740481C1C}">
-                <a14:useLocalDpi xmlns:a14="http://schemas.microsoft.com/office/drawing/2010/main" val="0"/>
+              <a:ext uri="{FF2B5EF4-FFF2-40B4-BE49-F238E27FC236}">
+                <a16:creationId xmlns:a16="http://schemas.microsoft.com/office/drawing/2014/main" id="{2516F833-306C-4F65-8B85-2C1436680E06}"/>
               </a:ext>
             </a:extLst>
-          </a:blip>
-          <a:stretch>
-            <a:fillRect/>
-          </a:stretch>
-        </p:blipFill>
+          </p:cNvPr>
+          <p:cNvCxnSpPr>
+            <a:cxnSpLocks/>
+          </p:cNvCxnSpPr>
+          <p:nvPr/>
+        </p:nvCxnSpPr>
         <p:spPr>
-          <a:xfrm>
-            <a:off x="5961845" y="4106323"/>
-            <a:ext cx="172255" cy="194273"/>
+          <a:xfrm flipV="1">
+            <a:off x="3299630" y="1167018"/>
+            <a:ext cx="3659286" cy="3212148"/>
           </a:xfrm>
-          <a:prstGeom prst="rect">
+          <a:prstGeom prst="straightConnector1">
             <a:avLst/>
           </a:prstGeom>
+          <a:ln w="6350">
+            <a:prstDash val="sysDot"/>
+            <a:headEnd type="triangle"/>
+            <a:tailEnd type="triangle"/>
+          </a:ln>
         </p:spPr>
-      </p:pic>
-      <p:pic>
-        <p:nvPicPr>
-          <p:cNvPr id="2" name="Picture 1"/>
-          <p:cNvPicPr>
-            <a:picLocks noChangeAspect="1"/>
-          </p:cNvPicPr>
-          <p:nvPr/>
-        </p:nvPicPr>
-        <p:blipFill>
-          <a:blip r:embed="rId5" cstate="print">
+        <p:style>
+          <a:lnRef idx="1">
+            <a:schemeClr val="accent1"/>
+          </a:lnRef>
+          <a:fillRef idx="0">
+            <a:schemeClr val="accent1"/>
+          </a:fillRef>
+          <a:effectRef idx="0">
+            <a:schemeClr val="accent1"/>
+          </a:effectRef>
+          <a:fontRef idx="minor">
+            <a:schemeClr val="tx1"/>
+          </a:fontRef>
+        </p:style>
+      </p:cxnSp>
+      <p:cxnSp>
+        <p:nvCxnSpPr>
+          <p:cNvPr id="232" name="Straight Arrow Connector 231">
             <a:extLst>
-              <a:ext uri="{28A0092B-C50C-407E-A947-70E740481C1C}">
-                <a14:useLocalDpi xmlns:a14="http://schemas.microsoft.com/office/drawing/2010/main" val="0"/>
+              <a:ext uri="{FF2B5EF4-FFF2-40B4-BE49-F238E27FC236}">
+                <a16:creationId xmlns:a16="http://schemas.microsoft.com/office/drawing/2014/main" id="{D759BA30-6647-4A52-B6D5-DE780650FD8D}"/>
               </a:ext>
             </a:extLst>
-          </a:blip>
-          <a:stretch>
-            <a:fillRect/>
-          </a:stretch>
-        </p:blipFill>
+          </p:cNvPr>
+          <p:cNvCxnSpPr>
+            <a:cxnSpLocks/>
+            <a:endCxn id="2" idx="1"/>
+          </p:cNvCxnSpPr>
+          <p:nvPr/>
+        </p:nvCxnSpPr>
         <p:spPr>
-          <a:xfrm>
-            <a:off x="4273550" y="4106323"/>
-            <a:ext cx="209531" cy="209531"/>
+          <a:xfrm flipV="1">
+            <a:off x="1375403" y="1103254"/>
+            <a:ext cx="5584701" cy="3275906"/>
           </a:xfrm>
-          <a:prstGeom prst="rect">
-            <a:avLst/>
+          <a:prstGeom prst="bentConnector3">
+            <a:avLst>
+              <a:gd name="adj1" fmla="val -10831"/>
+            </a:avLst>
           </a:prstGeom>
+          <a:ln w="6350">
+            <a:prstDash val="sysDot"/>
+            <a:headEnd type="triangle"/>
+            <a:tailEnd type="triangle"/>
+          </a:ln>
         </p:spPr>
-      </p:pic>
-      <p:pic>
-        <p:nvPicPr>
-          <p:cNvPr id="47" name="Picture 46"/>
-          <p:cNvPicPr>
-            <a:picLocks noChangeAspect="1"/>
-          </p:cNvPicPr>
-          <p:nvPr/>
-        </p:nvPicPr>
-        <p:blipFill>
-          <a:blip r:embed="rId5" cstate="print">
-            <a:extLst>
-              <a:ext uri="{28A0092B-C50C-407E-A947-70E740481C1C}">
-                <a14:useLocalDpi xmlns:a14="http://schemas.microsoft.com/office/drawing/2010/main" val="0"/>
-              </a:ext>
-            </a:extLst>
-          </a:blip>
-          <a:stretch>
-            <a:fillRect/>
-          </a:stretch>
-        </p:blipFill>
-        <p:spPr>
-          <a:xfrm>
-            <a:off x="7315200" y="4121169"/>
-            <a:ext cx="209531" cy="209531"/>
-          </a:xfrm>
-          <a:prstGeom prst="rect">
-            <a:avLst/>
-          </a:prstGeom>
-        </p:spPr>
-      </p:pic>
-      <p:pic>
-        <p:nvPicPr>
-          <p:cNvPr id="48" name="Picture 47"/>
-          <p:cNvPicPr>
-            <a:picLocks noChangeAspect="1"/>
-          </p:cNvPicPr>
-          <p:nvPr/>
-        </p:nvPicPr>
-        <p:blipFill>
-          <a:blip r:embed="rId5" cstate="print">
-            <a:extLst>
-              <a:ext uri="{28A0092B-C50C-407E-A947-70E740481C1C}">
-                <a14:useLocalDpi xmlns:a14="http://schemas.microsoft.com/office/drawing/2010/main" val="0"/>
-              </a:ext>
-            </a:extLst>
-          </a:blip>
-          <a:stretch>
-            <a:fillRect/>
-          </a:stretch>
-        </p:blipFill>
-        <p:spPr>
-          <a:xfrm>
-            <a:off x="8696334" y="4117592"/>
-            <a:ext cx="209531" cy="209531"/>
-          </a:xfrm>
-          <a:prstGeom prst="rect">
-            <a:avLst/>
-          </a:prstGeom>
-        </p:spPr>
-      </p:pic>
-      <p:pic>
-        <p:nvPicPr>
-          <p:cNvPr id="49" name="Picture 48"/>
-          <p:cNvPicPr>
-            <a:picLocks noChangeAspect="1"/>
-          </p:cNvPicPr>
-          <p:nvPr/>
-        </p:nvPicPr>
-        <p:blipFill>
-          <a:blip r:embed="rId5" cstate="print">
-            <a:extLst>
-              <a:ext uri="{28A0092B-C50C-407E-A947-70E740481C1C}">
-                <a14:useLocalDpi xmlns:a14="http://schemas.microsoft.com/office/drawing/2010/main" val="0"/>
-              </a:ext>
-            </a:extLst>
-          </a:blip>
-          <a:stretch>
-            <a:fillRect/>
-          </a:stretch>
-        </p:blipFill>
-        <p:spPr>
-          <a:xfrm>
-            <a:off x="6407150" y="2596776"/>
-            <a:ext cx="209531" cy="209531"/>
-          </a:xfrm>
-          <a:prstGeom prst="rect">
-            <a:avLst/>
-          </a:prstGeom>
-        </p:spPr>
-      </p:pic>
-      <p:pic>
-        <p:nvPicPr>
-          <p:cNvPr id="51" name="Picture 50"/>
-          <p:cNvPicPr>
-            <a:picLocks noChangeAspect="1"/>
-          </p:cNvPicPr>
-          <p:nvPr/>
-        </p:nvPicPr>
-        <p:blipFill>
-          <a:blip r:embed="rId5" cstate="print">
-            <a:extLst>
-              <a:ext uri="{28A0092B-C50C-407E-A947-70E740481C1C}">
-                <a14:useLocalDpi xmlns:a14="http://schemas.microsoft.com/office/drawing/2010/main" val="0"/>
-              </a:ext>
-            </a:extLst>
-          </a:blip>
-          <a:stretch>
-            <a:fillRect/>
-          </a:stretch>
-        </p:blipFill>
-        <p:spPr>
-          <a:xfrm>
-            <a:off x="2702259" y="4095367"/>
-            <a:ext cx="209531" cy="209531"/>
-          </a:xfrm>
-          <a:prstGeom prst="rect">
-            <a:avLst/>
-          </a:prstGeom>
-        </p:spPr>
-      </p:pic>
-      <p:pic>
-        <p:nvPicPr>
-          <p:cNvPr id="3" name="Picture 2"/>
-          <p:cNvPicPr>
-            <a:picLocks noChangeAspect="1"/>
-          </p:cNvPicPr>
-          <p:nvPr/>
-        </p:nvPicPr>
-        <p:blipFill>
-          <a:blip r:embed="rId6" cstate="print">
-            <a:extLst>
-              <a:ext uri="{28A0092B-C50C-407E-A947-70E740481C1C}">
-                <a14:useLocalDpi xmlns:a14="http://schemas.microsoft.com/office/drawing/2010/main" val="0"/>
-              </a:ext>
-            </a:extLst>
-          </a:blip>
-          <a:stretch>
-            <a:fillRect/>
-          </a:stretch>
-        </p:blipFill>
-        <p:spPr>
-          <a:xfrm>
-            <a:off x="3657600" y="2811175"/>
-            <a:ext cx="495300" cy="113000"/>
-          </a:xfrm>
-          <a:prstGeom prst="rect">
-            <a:avLst/>
-          </a:prstGeom>
-        </p:spPr>
-      </p:pic>
-      <p:pic>
-        <p:nvPicPr>
-          <p:cNvPr id="4" name="Picture 3"/>
-          <p:cNvPicPr>
-            <a:picLocks noChangeAspect="1"/>
-          </p:cNvPicPr>
-          <p:nvPr/>
-        </p:nvPicPr>
-        <p:blipFill>
-          <a:blip r:embed="rId7" cstate="print">
-            <a:extLst>
-              <a:ext uri="{28A0092B-C50C-407E-A947-70E740481C1C}">
-                <a14:useLocalDpi xmlns:a14="http://schemas.microsoft.com/office/drawing/2010/main" val="0"/>
-              </a:ext>
-            </a:extLst>
-          </a:blip>
-          <a:stretch>
-            <a:fillRect/>
-          </a:stretch>
-        </p:blipFill>
-        <p:spPr>
-          <a:xfrm>
-            <a:off x="5837884" y="2257425"/>
-            <a:ext cx="626406" cy="424390"/>
-          </a:xfrm>
-          <a:prstGeom prst="rect">
-            <a:avLst/>
-          </a:prstGeom>
-        </p:spPr>
-      </p:pic>
-      <p:pic>
-        <p:nvPicPr>
-          <p:cNvPr id="17" name="Picture 16"/>
-          <p:cNvPicPr>
-            <a:picLocks noChangeAspect="1"/>
-          </p:cNvPicPr>
-          <p:nvPr/>
-        </p:nvPicPr>
-        <p:blipFill>
-          <a:blip r:embed="rId8" cstate="print">
-            <a:extLst>
-              <a:ext uri="{28A0092B-C50C-407E-A947-70E740481C1C}">
-                <a14:useLocalDpi xmlns:a14="http://schemas.microsoft.com/office/drawing/2010/main" val="0"/>
-              </a:ext>
-            </a:extLst>
-          </a:blip>
-          <a:stretch>
-            <a:fillRect/>
-          </a:stretch>
-        </p:blipFill>
-        <p:spPr>
-          <a:xfrm>
-            <a:off x="2496355" y="756121"/>
-            <a:ext cx="177329" cy="177329"/>
-          </a:xfrm>
-          <a:prstGeom prst="rect">
-            <a:avLst/>
-          </a:prstGeom>
-        </p:spPr>
-      </p:pic>
+        <p:style>
+          <a:lnRef idx="1">
+            <a:schemeClr val="accent1"/>
+          </a:lnRef>
+          <a:fillRef idx="0">
+            <a:schemeClr val="accent1"/>
+          </a:fillRef>
+          <a:effectRef idx="0">
+            <a:schemeClr val="accent1"/>
+          </a:effectRef>
+          <a:fontRef idx="minor">
+            <a:schemeClr val="tx1"/>
+          </a:fontRef>
+        </p:style>
+      </p:cxnSp>
     </p:spTree>
     <p:extLst>
       <p:ext uri="{BB962C8B-B14F-4D97-AF65-F5344CB8AC3E}">
-        <p14:creationId xmlns:p14="http://schemas.microsoft.com/office/powerpoint/2010/main" val="2850761221"/>
+        <p14:creationId xmlns:p14="http://schemas.microsoft.com/office/powerpoint/2010/main" val="3483240158"/>
       </p:ext>
     </p:extLst>
   </p:cSld>
@@ -7504,6 +11093,1552 @@
 </p:sld>
 </file>
 
+<file path=ppt/slides/slide4.xml><?xml version="1.0" encoding="utf-8"?>
+<p:sld xmlns:a="http://schemas.openxmlformats.org/drawingml/2006/main" xmlns:r="http://schemas.openxmlformats.org/officeDocument/2006/relationships" xmlns:p="http://schemas.openxmlformats.org/presentationml/2006/main">
+  <p:cSld>
+    <p:spTree>
+      <p:nvGrpSpPr>
+        <p:cNvPr id="1" name=""/>
+        <p:cNvGrpSpPr/>
+        <p:nvPr/>
+      </p:nvGrpSpPr>
+      <p:grpSpPr>
+        <a:xfrm>
+          <a:off x="0" y="0"/>
+          <a:ext cx="0" cy="0"/>
+          <a:chOff x="0" y="0"/>
+          <a:chExt cx="0" cy="0"/>
+        </a:xfrm>
+      </p:grpSpPr>
+      <p:sp>
+        <p:nvSpPr>
+          <p:cNvPr id="46" name="Rectangle 45"/>
+          <p:cNvSpPr/>
+          <p:nvPr/>
+        </p:nvSpPr>
+        <p:spPr>
+          <a:xfrm>
+            <a:off x="76200" y="457201"/>
+            <a:ext cx="8991600" cy="5181600"/>
+          </a:xfrm>
+          <a:prstGeom prst="rect">
+            <a:avLst/>
+          </a:prstGeom>
+        </p:spPr>
+        <p:style>
+          <a:lnRef idx="2">
+            <a:schemeClr val="dk1"/>
+          </a:lnRef>
+          <a:fillRef idx="1">
+            <a:schemeClr val="lt1"/>
+          </a:fillRef>
+          <a:effectRef idx="0">
+            <a:schemeClr val="dk1"/>
+          </a:effectRef>
+          <a:fontRef idx="minor">
+            <a:schemeClr val="dk1"/>
+          </a:fontRef>
+        </p:style>
+        <p:txBody>
+          <a:bodyPr rtlCol="0" anchor="ctr"/>
+          <a:lstStyle/>
+          <a:p>
+            <a:pPr algn="ctr"/>
+            <a:endParaRPr lang="en-US"/>
+          </a:p>
+        </p:txBody>
+      </p:sp>
+      <p:sp>
+        <p:nvSpPr>
+          <p:cNvPr id="5" name="Rounded Rectangle 4"/>
+          <p:cNvSpPr/>
+          <p:nvPr/>
+        </p:nvSpPr>
+        <p:spPr>
+          <a:xfrm>
+            <a:off x="2438400" y="695325"/>
+            <a:ext cx="1752600" cy="914400"/>
+          </a:xfrm>
+          <a:prstGeom prst="roundRect">
+            <a:avLst/>
+          </a:prstGeom>
+        </p:spPr>
+        <p:style>
+          <a:lnRef idx="2">
+            <a:schemeClr val="accent3"/>
+          </a:lnRef>
+          <a:fillRef idx="1">
+            <a:schemeClr val="lt1"/>
+          </a:fillRef>
+          <a:effectRef idx="0">
+            <a:schemeClr val="accent3"/>
+          </a:effectRef>
+          <a:fontRef idx="minor">
+            <a:schemeClr val="dk1"/>
+          </a:fontRef>
+        </p:style>
+        <p:txBody>
+          <a:bodyPr rtlCol="0" anchor="ctr"/>
+          <a:lstStyle/>
+          <a:p>
+            <a:pPr algn="ctr"/>
+            <a:r>
+              <a:rPr lang="en-US" dirty="0"/>
+              <a:t>Web UI</a:t>
+            </a:r>
+          </a:p>
+          <a:p>
+            <a:pPr algn="ctr"/>
+            <a:r>
+              <a:rPr lang="en-US" dirty="0"/>
+              <a:t>Vuejs + Nodejs</a:t>
+            </a:r>
+          </a:p>
+        </p:txBody>
+      </p:sp>
+      <p:sp>
+        <p:nvSpPr>
+          <p:cNvPr id="6" name="Rounded Rectangle 5"/>
+          <p:cNvSpPr/>
+          <p:nvPr/>
+        </p:nvSpPr>
+        <p:spPr>
+          <a:xfrm>
+            <a:off x="2438400" y="2057400"/>
+            <a:ext cx="1755820" cy="914400"/>
+          </a:xfrm>
+          <a:prstGeom prst="roundRect">
+            <a:avLst/>
+          </a:prstGeom>
+        </p:spPr>
+        <p:style>
+          <a:lnRef idx="2">
+            <a:schemeClr val="accent6"/>
+          </a:lnRef>
+          <a:fillRef idx="1">
+            <a:schemeClr val="lt1"/>
+          </a:fillRef>
+          <a:effectRef idx="0">
+            <a:schemeClr val="accent6"/>
+          </a:effectRef>
+          <a:fontRef idx="minor">
+            <a:schemeClr val="dk1"/>
+          </a:fontRef>
+        </p:style>
+        <p:txBody>
+          <a:bodyPr rtlCol="0" anchor="ctr"/>
+          <a:lstStyle/>
+          <a:p>
+            <a:pPr algn="ctr"/>
+            <a:r>
+              <a:rPr lang="en-US" dirty="0"/>
+              <a:t>Gateway</a:t>
+            </a:r>
+          </a:p>
+        </p:txBody>
+      </p:sp>
+      <p:sp>
+        <p:nvSpPr>
+          <p:cNvPr id="7" name="Rounded Rectangle 6"/>
+          <p:cNvSpPr/>
+          <p:nvPr/>
+        </p:nvSpPr>
+        <p:spPr>
+          <a:xfrm>
+            <a:off x="304800" y="3657600"/>
+            <a:ext cx="1066800" cy="685800"/>
+          </a:xfrm>
+          <a:prstGeom prst="roundRect">
+            <a:avLst/>
+          </a:prstGeom>
+        </p:spPr>
+        <p:style>
+          <a:lnRef idx="2">
+            <a:schemeClr val="accent3"/>
+          </a:lnRef>
+          <a:fillRef idx="1">
+            <a:schemeClr val="lt1"/>
+          </a:fillRef>
+          <a:effectRef idx="0">
+            <a:schemeClr val="accent3"/>
+          </a:effectRef>
+          <a:fontRef idx="minor">
+            <a:schemeClr val="dk1"/>
+          </a:fontRef>
+        </p:style>
+        <p:txBody>
+          <a:bodyPr rtlCol="0" anchor="ctr"/>
+          <a:lstStyle/>
+          <a:p>
+            <a:pPr algn="ctr"/>
+            <a:r>
+              <a:rPr lang="en-US" dirty="0"/>
+              <a:t>Rating</a:t>
+            </a:r>
+          </a:p>
+        </p:txBody>
+      </p:sp>
+      <p:sp>
+        <p:nvSpPr>
+          <p:cNvPr id="8" name="Rounded Rectangle 7"/>
+          <p:cNvSpPr/>
+          <p:nvPr/>
+        </p:nvSpPr>
+        <p:spPr>
+          <a:xfrm>
+            <a:off x="1790700" y="3628623"/>
+            <a:ext cx="1143000" cy="685800"/>
+          </a:xfrm>
+          <a:prstGeom prst="roundRect">
+            <a:avLst/>
+          </a:prstGeom>
+        </p:spPr>
+        <p:style>
+          <a:lnRef idx="2">
+            <a:schemeClr val="accent4"/>
+          </a:lnRef>
+          <a:fillRef idx="1">
+            <a:schemeClr val="lt1"/>
+          </a:fillRef>
+          <a:effectRef idx="0">
+            <a:schemeClr val="accent4"/>
+          </a:effectRef>
+          <a:fontRef idx="minor">
+            <a:schemeClr val="dk1"/>
+          </a:fontRef>
+        </p:style>
+        <p:txBody>
+          <a:bodyPr rtlCol="0" anchor="ctr"/>
+          <a:lstStyle/>
+          <a:p>
+            <a:pPr algn="ctr"/>
+            <a:r>
+              <a:rPr lang="en-US" dirty="0"/>
+              <a:t>Review</a:t>
+            </a:r>
+          </a:p>
+        </p:txBody>
+      </p:sp>
+      <p:sp>
+        <p:nvSpPr>
+          <p:cNvPr id="9" name="Rounded Rectangle 8"/>
+          <p:cNvSpPr/>
+          <p:nvPr/>
+        </p:nvSpPr>
+        <p:spPr>
+          <a:xfrm>
+            <a:off x="3237963" y="3657600"/>
+            <a:ext cx="1257837" cy="675068"/>
+          </a:xfrm>
+          <a:prstGeom prst="roundRect">
+            <a:avLst/>
+          </a:prstGeom>
+        </p:spPr>
+        <p:style>
+          <a:lnRef idx="2">
+            <a:schemeClr val="accent4"/>
+          </a:lnRef>
+          <a:fillRef idx="1">
+            <a:schemeClr val="lt1"/>
+          </a:fillRef>
+          <a:effectRef idx="0">
+            <a:schemeClr val="accent4"/>
+          </a:effectRef>
+          <a:fontRef idx="minor">
+            <a:schemeClr val="dk1"/>
+          </a:fontRef>
+        </p:style>
+        <p:txBody>
+          <a:bodyPr rtlCol="0" anchor="ctr"/>
+          <a:lstStyle/>
+          <a:p>
+            <a:pPr algn="ctr"/>
+            <a:r>
+              <a:rPr lang="en-US" dirty="0"/>
+              <a:t>Inventory</a:t>
+            </a:r>
+          </a:p>
+        </p:txBody>
+      </p:sp>
+      <p:sp>
+        <p:nvSpPr>
+          <p:cNvPr id="10" name="Rounded Rectangle 9"/>
+          <p:cNvSpPr/>
+          <p:nvPr/>
+        </p:nvSpPr>
+        <p:spPr>
+          <a:xfrm>
+            <a:off x="4873580" y="3655454"/>
+            <a:ext cx="1298620" cy="675068"/>
+          </a:xfrm>
+          <a:prstGeom prst="roundRect">
+            <a:avLst/>
+          </a:prstGeom>
+        </p:spPr>
+        <p:style>
+          <a:lnRef idx="2">
+            <a:schemeClr val="accent3"/>
+          </a:lnRef>
+          <a:fillRef idx="1">
+            <a:schemeClr val="lt1"/>
+          </a:fillRef>
+          <a:effectRef idx="0">
+            <a:schemeClr val="accent3"/>
+          </a:effectRef>
+          <a:fontRef idx="minor">
+            <a:schemeClr val="dk1"/>
+          </a:fontRef>
+        </p:style>
+        <p:txBody>
+          <a:bodyPr rtlCol="0" anchor="ctr"/>
+          <a:lstStyle/>
+          <a:p>
+            <a:pPr algn="ctr"/>
+            <a:r>
+              <a:rPr lang="en-US" dirty="0"/>
+              <a:t>Catalog</a:t>
+            </a:r>
+          </a:p>
+        </p:txBody>
+      </p:sp>
+      <p:sp>
+        <p:nvSpPr>
+          <p:cNvPr id="11" name="Rounded Rectangle 10"/>
+          <p:cNvSpPr/>
+          <p:nvPr/>
+        </p:nvSpPr>
+        <p:spPr>
+          <a:xfrm>
+            <a:off x="6553200" y="3657600"/>
+            <a:ext cx="990600" cy="685800"/>
+          </a:xfrm>
+          <a:prstGeom prst="roundRect">
+            <a:avLst/>
+          </a:prstGeom>
+        </p:spPr>
+        <p:style>
+          <a:lnRef idx="2">
+            <a:schemeClr val="accent4"/>
+          </a:lnRef>
+          <a:fillRef idx="1">
+            <a:schemeClr val="lt1"/>
+          </a:fillRef>
+          <a:effectRef idx="0">
+            <a:schemeClr val="accent4"/>
+          </a:effectRef>
+          <a:fontRef idx="minor">
+            <a:schemeClr val="dk1"/>
+          </a:fontRef>
+        </p:style>
+        <p:txBody>
+          <a:bodyPr rtlCol="0" anchor="ctr"/>
+          <a:lstStyle/>
+          <a:p>
+            <a:pPr algn="ctr"/>
+            <a:r>
+              <a:rPr lang="en-US" dirty="0"/>
+              <a:t>Cart</a:t>
+            </a:r>
+          </a:p>
+        </p:txBody>
+      </p:sp>
+      <p:sp>
+        <p:nvSpPr>
+          <p:cNvPr id="12" name="Rounded Rectangle 11"/>
+          <p:cNvSpPr/>
+          <p:nvPr/>
+        </p:nvSpPr>
+        <p:spPr>
+          <a:xfrm>
+            <a:off x="7924800" y="3655454"/>
+            <a:ext cx="990600" cy="685800"/>
+          </a:xfrm>
+          <a:prstGeom prst="roundRect">
+            <a:avLst/>
+          </a:prstGeom>
+        </p:spPr>
+        <p:style>
+          <a:lnRef idx="2">
+            <a:schemeClr val="accent4"/>
+          </a:lnRef>
+          <a:fillRef idx="1">
+            <a:schemeClr val="lt1"/>
+          </a:fillRef>
+          <a:effectRef idx="0">
+            <a:schemeClr val="accent4"/>
+          </a:effectRef>
+          <a:fontRef idx="minor">
+            <a:schemeClr val="dk1"/>
+          </a:fontRef>
+        </p:style>
+        <p:txBody>
+          <a:bodyPr rtlCol="0" anchor="ctr"/>
+          <a:lstStyle/>
+          <a:p>
+            <a:pPr algn="ctr"/>
+            <a:r>
+              <a:rPr lang="en-US" dirty="0"/>
+              <a:t>Pricing</a:t>
+            </a:r>
+          </a:p>
+        </p:txBody>
+      </p:sp>
+      <p:sp>
+        <p:nvSpPr>
+          <p:cNvPr id="13" name="Flowchart: Magnetic Disk 12"/>
+          <p:cNvSpPr/>
+          <p:nvPr/>
+        </p:nvSpPr>
+        <p:spPr>
+          <a:xfrm>
+            <a:off x="228600" y="4876800"/>
+            <a:ext cx="1219200" cy="510540"/>
+          </a:xfrm>
+          <a:prstGeom prst="flowChartMagneticDisk">
+            <a:avLst/>
+          </a:prstGeom>
+        </p:spPr>
+        <p:style>
+          <a:lnRef idx="1">
+            <a:schemeClr val="dk1"/>
+          </a:lnRef>
+          <a:fillRef idx="2">
+            <a:schemeClr val="dk1"/>
+          </a:fillRef>
+          <a:effectRef idx="1">
+            <a:schemeClr val="dk1"/>
+          </a:effectRef>
+          <a:fontRef idx="minor">
+            <a:schemeClr val="dk1"/>
+          </a:fontRef>
+        </p:style>
+        <p:txBody>
+          <a:bodyPr rtlCol="0" anchor="ctr"/>
+          <a:lstStyle/>
+          <a:p>
+            <a:pPr algn="ctr"/>
+            <a:r>
+              <a:rPr lang="en-US" dirty="0"/>
+              <a:t>Mongo DB</a:t>
+            </a:r>
+          </a:p>
+        </p:txBody>
+      </p:sp>
+      <p:sp>
+        <p:nvSpPr>
+          <p:cNvPr id="14" name="Flowchart: Magnetic Disk 13"/>
+          <p:cNvSpPr/>
+          <p:nvPr/>
+        </p:nvSpPr>
+        <p:spPr>
+          <a:xfrm>
+            <a:off x="1752600" y="4883239"/>
+            <a:ext cx="1219200" cy="510540"/>
+          </a:xfrm>
+          <a:prstGeom prst="flowChartMagneticDisk">
+            <a:avLst/>
+          </a:prstGeom>
+        </p:spPr>
+        <p:style>
+          <a:lnRef idx="2">
+            <a:schemeClr val="dk1"/>
+          </a:lnRef>
+          <a:fillRef idx="1">
+            <a:schemeClr val="lt1"/>
+          </a:fillRef>
+          <a:effectRef idx="0">
+            <a:schemeClr val="dk1"/>
+          </a:effectRef>
+          <a:fontRef idx="minor">
+            <a:schemeClr val="dk1"/>
+          </a:fontRef>
+        </p:style>
+        <p:txBody>
+          <a:bodyPr rtlCol="0" anchor="ctr"/>
+          <a:lstStyle/>
+          <a:p>
+            <a:pPr algn="ctr"/>
+            <a:r>
+              <a:rPr lang="en-US" dirty="0"/>
+              <a:t>SQL Server</a:t>
+            </a:r>
+          </a:p>
+        </p:txBody>
+      </p:sp>
+      <p:sp>
+        <p:nvSpPr>
+          <p:cNvPr id="15" name="Flowchart: Magnetic Disk 14"/>
+          <p:cNvSpPr/>
+          <p:nvPr/>
+        </p:nvSpPr>
+        <p:spPr>
+          <a:xfrm>
+            <a:off x="3276600" y="4866068"/>
+            <a:ext cx="1219200" cy="510540"/>
+          </a:xfrm>
+          <a:prstGeom prst="flowChartMagneticDisk">
+            <a:avLst/>
+          </a:prstGeom>
+        </p:spPr>
+        <p:style>
+          <a:lnRef idx="2">
+            <a:schemeClr val="dk1"/>
+          </a:lnRef>
+          <a:fillRef idx="1">
+            <a:schemeClr val="lt1"/>
+          </a:fillRef>
+          <a:effectRef idx="0">
+            <a:schemeClr val="dk1"/>
+          </a:effectRef>
+          <a:fontRef idx="minor">
+            <a:schemeClr val="dk1"/>
+          </a:fontRef>
+        </p:style>
+        <p:txBody>
+          <a:bodyPr rtlCol="0" anchor="ctr"/>
+          <a:lstStyle/>
+          <a:p>
+            <a:pPr algn="ctr"/>
+            <a:r>
+              <a:rPr lang="en-US" dirty="0"/>
+              <a:t>SQL Server</a:t>
+            </a:r>
+          </a:p>
+        </p:txBody>
+      </p:sp>
+      <p:sp>
+        <p:nvSpPr>
+          <p:cNvPr id="16" name="Flowchart: Magnetic Disk 15"/>
+          <p:cNvSpPr/>
+          <p:nvPr/>
+        </p:nvSpPr>
+        <p:spPr>
+          <a:xfrm>
+            <a:off x="4953000" y="4836151"/>
+            <a:ext cx="1219200" cy="510540"/>
+          </a:xfrm>
+          <a:prstGeom prst="flowChartMagneticDisk">
+            <a:avLst/>
+          </a:prstGeom>
+        </p:spPr>
+        <p:style>
+          <a:lnRef idx="1">
+            <a:schemeClr val="dk1"/>
+          </a:lnRef>
+          <a:fillRef idx="2">
+            <a:schemeClr val="dk1"/>
+          </a:fillRef>
+          <a:effectRef idx="1">
+            <a:schemeClr val="dk1"/>
+          </a:effectRef>
+          <a:fontRef idx="minor">
+            <a:schemeClr val="dk1"/>
+          </a:fontRef>
+        </p:style>
+        <p:txBody>
+          <a:bodyPr rtlCol="0" anchor="ctr"/>
+          <a:lstStyle/>
+          <a:p>
+            <a:pPr algn="ctr"/>
+            <a:r>
+              <a:rPr lang="en-US" dirty="0"/>
+              <a:t>Mongo DB</a:t>
+            </a:r>
+          </a:p>
+        </p:txBody>
+      </p:sp>
+      <p:cxnSp>
+        <p:nvCxnSpPr>
+          <p:cNvPr id="18" name="Straight Arrow Connector 17"/>
+          <p:cNvCxnSpPr>
+            <a:stCxn id="5" idx="2"/>
+            <a:endCxn id="6" idx="0"/>
+          </p:cNvCxnSpPr>
+          <p:nvPr/>
+        </p:nvCxnSpPr>
+        <p:spPr>
+          <a:xfrm>
+            <a:off x="3314700" y="1609725"/>
+            <a:ext cx="1610" cy="447675"/>
+          </a:xfrm>
+          <a:prstGeom prst="straightConnector1">
+            <a:avLst/>
+          </a:prstGeom>
+          <a:ln>
+            <a:tailEnd type="arrow"/>
+          </a:ln>
+        </p:spPr>
+        <p:style>
+          <a:lnRef idx="1">
+            <a:schemeClr val="accent1"/>
+          </a:lnRef>
+          <a:fillRef idx="0">
+            <a:schemeClr val="accent1"/>
+          </a:fillRef>
+          <a:effectRef idx="0">
+            <a:schemeClr val="accent1"/>
+          </a:effectRef>
+          <a:fontRef idx="minor">
+            <a:schemeClr val="tx1"/>
+          </a:fontRef>
+        </p:style>
+      </p:cxnSp>
+      <p:cxnSp>
+        <p:nvCxnSpPr>
+          <p:cNvPr id="20" name="Straight Arrow Connector 19"/>
+          <p:cNvCxnSpPr>
+            <a:stCxn id="6" idx="2"/>
+            <a:endCxn id="7" idx="0"/>
+          </p:cNvCxnSpPr>
+          <p:nvPr/>
+        </p:nvCxnSpPr>
+        <p:spPr>
+          <a:xfrm flipH="1">
+            <a:off x="838200" y="2971800"/>
+            <a:ext cx="2478110" cy="685800"/>
+          </a:xfrm>
+          <a:prstGeom prst="straightConnector1">
+            <a:avLst/>
+          </a:prstGeom>
+          <a:ln>
+            <a:tailEnd type="arrow"/>
+          </a:ln>
+        </p:spPr>
+        <p:style>
+          <a:lnRef idx="1">
+            <a:schemeClr val="accent1"/>
+          </a:lnRef>
+          <a:fillRef idx="0">
+            <a:schemeClr val="accent1"/>
+          </a:fillRef>
+          <a:effectRef idx="0">
+            <a:schemeClr val="accent1"/>
+          </a:effectRef>
+          <a:fontRef idx="minor">
+            <a:schemeClr val="tx1"/>
+          </a:fontRef>
+        </p:style>
+      </p:cxnSp>
+      <p:cxnSp>
+        <p:nvCxnSpPr>
+          <p:cNvPr id="22" name="Straight Arrow Connector 21"/>
+          <p:cNvCxnSpPr>
+            <a:stCxn id="6" idx="2"/>
+            <a:endCxn id="8" idx="0"/>
+          </p:cNvCxnSpPr>
+          <p:nvPr/>
+        </p:nvCxnSpPr>
+        <p:spPr>
+          <a:xfrm flipH="1">
+            <a:off x="2362200" y="2971800"/>
+            <a:ext cx="954110" cy="656823"/>
+          </a:xfrm>
+          <a:prstGeom prst="straightConnector1">
+            <a:avLst/>
+          </a:prstGeom>
+          <a:ln>
+            <a:tailEnd type="arrow"/>
+          </a:ln>
+        </p:spPr>
+        <p:style>
+          <a:lnRef idx="1">
+            <a:schemeClr val="accent1"/>
+          </a:lnRef>
+          <a:fillRef idx="0">
+            <a:schemeClr val="accent1"/>
+          </a:fillRef>
+          <a:effectRef idx="0">
+            <a:schemeClr val="accent1"/>
+          </a:effectRef>
+          <a:fontRef idx="minor">
+            <a:schemeClr val="tx1"/>
+          </a:fontRef>
+        </p:style>
+      </p:cxnSp>
+      <p:cxnSp>
+        <p:nvCxnSpPr>
+          <p:cNvPr id="24" name="Straight Arrow Connector 23"/>
+          <p:cNvCxnSpPr>
+            <a:stCxn id="6" idx="2"/>
+            <a:endCxn id="9" idx="0"/>
+          </p:cNvCxnSpPr>
+          <p:nvPr/>
+        </p:nvCxnSpPr>
+        <p:spPr>
+          <a:xfrm>
+            <a:off x="3316310" y="2971800"/>
+            <a:ext cx="550572" cy="685800"/>
+          </a:xfrm>
+          <a:prstGeom prst="straightConnector1">
+            <a:avLst/>
+          </a:prstGeom>
+          <a:ln>
+            <a:tailEnd type="arrow"/>
+          </a:ln>
+        </p:spPr>
+        <p:style>
+          <a:lnRef idx="1">
+            <a:schemeClr val="accent1"/>
+          </a:lnRef>
+          <a:fillRef idx="0">
+            <a:schemeClr val="accent1"/>
+          </a:fillRef>
+          <a:effectRef idx="0">
+            <a:schemeClr val="accent1"/>
+          </a:effectRef>
+          <a:fontRef idx="minor">
+            <a:schemeClr val="tx1"/>
+          </a:fontRef>
+        </p:style>
+      </p:cxnSp>
+      <p:cxnSp>
+        <p:nvCxnSpPr>
+          <p:cNvPr id="26" name="Straight Arrow Connector 25"/>
+          <p:cNvCxnSpPr>
+            <a:stCxn id="6" idx="2"/>
+            <a:endCxn id="10" idx="0"/>
+          </p:cNvCxnSpPr>
+          <p:nvPr/>
+        </p:nvCxnSpPr>
+        <p:spPr>
+          <a:xfrm>
+            <a:off x="3316310" y="2971800"/>
+            <a:ext cx="2206580" cy="683654"/>
+          </a:xfrm>
+          <a:prstGeom prst="straightConnector1">
+            <a:avLst/>
+          </a:prstGeom>
+          <a:ln>
+            <a:tailEnd type="arrow"/>
+          </a:ln>
+        </p:spPr>
+        <p:style>
+          <a:lnRef idx="1">
+            <a:schemeClr val="accent1"/>
+          </a:lnRef>
+          <a:fillRef idx="0">
+            <a:schemeClr val="accent1"/>
+          </a:fillRef>
+          <a:effectRef idx="0">
+            <a:schemeClr val="accent1"/>
+          </a:effectRef>
+          <a:fontRef idx="minor">
+            <a:schemeClr val="tx1"/>
+          </a:fontRef>
+        </p:style>
+      </p:cxnSp>
+      <p:cxnSp>
+        <p:nvCxnSpPr>
+          <p:cNvPr id="28" name="Straight Arrow Connector 27"/>
+          <p:cNvCxnSpPr>
+            <a:stCxn id="6" idx="2"/>
+            <a:endCxn id="11" idx="0"/>
+          </p:cNvCxnSpPr>
+          <p:nvPr/>
+        </p:nvCxnSpPr>
+        <p:spPr>
+          <a:xfrm>
+            <a:off x="3316310" y="2971800"/>
+            <a:ext cx="3732190" cy="685800"/>
+          </a:xfrm>
+          <a:prstGeom prst="straightConnector1">
+            <a:avLst/>
+          </a:prstGeom>
+          <a:ln>
+            <a:tailEnd type="arrow"/>
+          </a:ln>
+        </p:spPr>
+        <p:style>
+          <a:lnRef idx="1">
+            <a:schemeClr val="accent1"/>
+          </a:lnRef>
+          <a:fillRef idx="0">
+            <a:schemeClr val="accent1"/>
+          </a:fillRef>
+          <a:effectRef idx="0">
+            <a:schemeClr val="accent1"/>
+          </a:effectRef>
+          <a:fontRef idx="minor">
+            <a:schemeClr val="tx1"/>
+          </a:fontRef>
+        </p:style>
+      </p:cxnSp>
+      <p:cxnSp>
+        <p:nvCxnSpPr>
+          <p:cNvPr id="30" name="Straight Arrow Connector 29"/>
+          <p:cNvCxnSpPr>
+            <a:stCxn id="6" idx="2"/>
+            <a:endCxn id="12" idx="0"/>
+          </p:cNvCxnSpPr>
+          <p:nvPr/>
+        </p:nvCxnSpPr>
+        <p:spPr>
+          <a:xfrm>
+            <a:off x="3316310" y="2971800"/>
+            <a:ext cx="5103790" cy="683654"/>
+          </a:xfrm>
+          <a:prstGeom prst="straightConnector1">
+            <a:avLst/>
+          </a:prstGeom>
+          <a:ln>
+            <a:tailEnd type="arrow"/>
+          </a:ln>
+        </p:spPr>
+        <p:style>
+          <a:lnRef idx="1">
+            <a:schemeClr val="accent1"/>
+          </a:lnRef>
+          <a:fillRef idx="0">
+            <a:schemeClr val="accent1"/>
+          </a:fillRef>
+          <a:effectRef idx="0">
+            <a:schemeClr val="accent1"/>
+          </a:effectRef>
+          <a:fontRef idx="minor">
+            <a:schemeClr val="tx1"/>
+          </a:fontRef>
+        </p:style>
+      </p:cxnSp>
+      <p:cxnSp>
+        <p:nvCxnSpPr>
+          <p:cNvPr id="32" name="Straight Arrow Connector 31"/>
+          <p:cNvCxnSpPr>
+            <a:stCxn id="10" idx="3"/>
+            <a:endCxn id="11" idx="1"/>
+          </p:cNvCxnSpPr>
+          <p:nvPr/>
+        </p:nvCxnSpPr>
+        <p:spPr>
+          <a:xfrm>
+            <a:off x="6172200" y="3992988"/>
+            <a:ext cx="381000" cy="7512"/>
+          </a:xfrm>
+          <a:prstGeom prst="straightConnector1">
+            <a:avLst/>
+          </a:prstGeom>
+          <a:ln>
+            <a:headEnd type="arrow" w="med" len="med"/>
+            <a:tailEnd type="arrow" w="med" len="med"/>
+          </a:ln>
+        </p:spPr>
+        <p:style>
+          <a:lnRef idx="1">
+            <a:schemeClr val="accent1"/>
+          </a:lnRef>
+          <a:fillRef idx="0">
+            <a:schemeClr val="accent1"/>
+          </a:fillRef>
+          <a:effectRef idx="0">
+            <a:schemeClr val="accent1"/>
+          </a:effectRef>
+          <a:fontRef idx="minor">
+            <a:schemeClr val="tx1"/>
+          </a:fontRef>
+        </p:style>
+      </p:cxnSp>
+      <p:cxnSp>
+        <p:nvCxnSpPr>
+          <p:cNvPr id="34" name="Straight Arrow Connector 33"/>
+          <p:cNvCxnSpPr>
+            <a:stCxn id="11" idx="3"/>
+            <a:endCxn id="12" idx="1"/>
+          </p:cNvCxnSpPr>
+          <p:nvPr/>
+        </p:nvCxnSpPr>
+        <p:spPr>
+          <a:xfrm flipV="1">
+            <a:off x="7543800" y="3998354"/>
+            <a:ext cx="381000" cy="2146"/>
+          </a:xfrm>
+          <a:prstGeom prst="straightConnector1">
+            <a:avLst/>
+          </a:prstGeom>
+          <a:ln>
+            <a:tailEnd type="arrow"/>
+          </a:ln>
+        </p:spPr>
+        <p:style>
+          <a:lnRef idx="1">
+            <a:schemeClr val="accent1"/>
+          </a:lnRef>
+          <a:fillRef idx="0">
+            <a:schemeClr val="accent1"/>
+          </a:fillRef>
+          <a:effectRef idx="0">
+            <a:schemeClr val="accent1"/>
+          </a:effectRef>
+          <a:fontRef idx="minor">
+            <a:schemeClr val="tx1"/>
+          </a:fontRef>
+        </p:style>
+      </p:cxnSp>
+      <p:cxnSp>
+        <p:nvCxnSpPr>
+          <p:cNvPr id="37" name="Straight Arrow Connector 36"/>
+          <p:cNvCxnSpPr>
+            <a:stCxn id="7" idx="2"/>
+            <a:endCxn id="13" idx="1"/>
+          </p:cNvCxnSpPr>
+          <p:nvPr/>
+        </p:nvCxnSpPr>
+        <p:spPr>
+          <a:xfrm>
+            <a:off x="838200" y="4343400"/>
+            <a:ext cx="0" cy="533400"/>
+          </a:xfrm>
+          <a:prstGeom prst="straightConnector1">
+            <a:avLst/>
+          </a:prstGeom>
+          <a:ln>
+            <a:tailEnd type="arrow"/>
+          </a:ln>
+        </p:spPr>
+        <p:style>
+          <a:lnRef idx="1">
+            <a:schemeClr val="accent1"/>
+          </a:lnRef>
+          <a:fillRef idx="0">
+            <a:schemeClr val="accent1"/>
+          </a:fillRef>
+          <a:effectRef idx="0">
+            <a:schemeClr val="accent1"/>
+          </a:effectRef>
+          <a:fontRef idx="minor">
+            <a:schemeClr val="tx1"/>
+          </a:fontRef>
+        </p:style>
+      </p:cxnSp>
+      <p:cxnSp>
+        <p:nvCxnSpPr>
+          <p:cNvPr id="39" name="Straight Arrow Connector 38"/>
+          <p:cNvCxnSpPr>
+            <a:stCxn id="8" idx="2"/>
+            <a:endCxn id="14" idx="1"/>
+          </p:cNvCxnSpPr>
+          <p:nvPr/>
+        </p:nvCxnSpPr>
+        <p:spPr>
+          <a:xfrm>
+            <a:off x="2362200" y="4314423"/>
+            <a:ext cx="0" cy="568816"/>
+          </a:xfrm>
+          <a:prstGeom prst="straightConnector1">
+            <a:avLst/>
+          </a:prstGeom>
+          <a:ln>
+            <a:tailEnd type="arrow"/>
+          </a:ln>
+        </p:spPr>
+        <p:style>
+          <a:lnRef idx="1">
+            <a:schemeClr val="accent1"/>
+          </a:lnRef>
+          <a:fillRef idx="0">
+            <a:schemeClr val="accent1"/>
+          </a:fillRef>
+          <a:effectRef idx="0">
+            <a:schemeClr val="accent1"/>
+          </a:effectRef>
+          <a:fontRef idx="minor">
+            <a:schemeClr val="tx1"/>
+          </a:fontRef>
+        </p:style>
+      </p:cxnSp>
+      <p:cxnSp>
+        <p:nvCxnSpPr>
+          <p:cNvPr id="42" name="Straight Arrow Connector 41"/>
+          <p:cNvCxnSpPr>
+            <a:stCxn id="9" idx="2"/>
+            <a:endCxn id="15" idx="1"/>
+          </p:cNvCxnSpPr>
+          <p:nvPr/>
+        </p:nvCxnSpPr>
+        <p:spPr>
+          <a:xfrm>
+            <a:off x="3866882" y="4332668"/>
+            <a:ext cx="19318" cy="533400"/>
+          </a:xfrm>
+          <a:prstGeom prst="straightConnector1">
+            <a:avLst/>
+          </a:prstGeom>
+          <a:ln>
+            <a:tailEnd type="arrow"/>
+          </a:ln>
+        </p:spPr>
+        <p:style>
+          <a:lnRef idx="1">
+            <a:schemeClr val="accent1"/>
+          </a:lnRef>
+          <a:fillRef idx="0">
+            <a:schemeClr val="accent1"/>
+          </a:fillRef>
+          <a:effectRef idx="0">
+            <a:schemeClr val="accent1"/>
+          </a:effectRef>
+          <a:fontRef idx="minor">
+            <a:schemeClr val="tx1"/>
+          </a:fontRef>
+        </p:style>
+      </p:cxnSp>
+      <p:cxnSp>
+        <p:nvCxnSpPr>
+          <p:cNvPr id="44" name="Straight Arrow Connector 43"/>
+          <p:cNvCxnSpPr>
+            <a:stCxn id="10" idx="2"/>
+          </p:cNvCxnSpPr>
+          <p:nvPr/>
+        </p:nvCxnSpPr>
+        <p:spPr>
+          <a:xfrm>
+            <a:off x="5522890" y="4330522"/>
+            <a:ext cx="0" cy="505629"/>
+          </a:xfrm>
+          <a:prstGeom prst="straightConnector1">
+            <a:avLst/>
+          </a:prstGeom>
+          <a:ln>
+            <a:tailEnd type="arrow"/>
+          </a:ln>
+        </p:spPr>
+        <p:style>
+          <a:lnRef idx="1">
+            <a:schemeClr val="accent1"/>
+          </a:lnRef>
+          <a:fillRef idx="0">
+            <a:schemeClr val="accent1"/>
+          </a:fillRef>
+          <a:effectRef idx="0">
+            <a:schemeClr val="accent1"/>
+          </a:effectRef>
+          <a:fontRef idx="minor">
+            <a:schemeClr val="tx1"/>
+          </a:fontRef>
+        </p:style>
+      </p:cxnSp>
+      <p:pic>
+        <p:nvPicPr>
+          <p:cNvPr id="45" name="Picture 44"/>
+          <p:cNvPicPr>
+            <a:picLocks noChangeAspect="1"/>
+          </p:cNvPicPr>
+          <p:nvPr/>
+        </p:nvPicPr>
+        <p:blipFill>
+          <a:blip r:embed="rId2" cstate="print">
+            <a:extLst>
+              <a:ext uri="{28A0092B-C50C-407E-A947-70E740481C1C}">
+                <a14:useLocalDpi xmlns:a14="http://schemas.microsoft.com/office/drawing/2010/main" val="0"/>
+              </a:ext>
+            </a:extLst>
+          </a:blip>
+          <a:stretch>
+            <a:fillRect/>
+          </a:stretch>
+        </p:blipFill>
+        <p:spPr>
+          <a:xfrm>
+            <a:off x="8356600" y="467932"/>
+            <a:ext cx="700468" cy="700468"/>
+          </a:xfrm>
+          <a:prstGeom prst="rect">
+            <a:avLst/>
+          </a:prstGeom>
+        </p:spPr>
+      </p:pic>
+      <p:sp>
+        <p:nvSpPr>
+          <p:cNvPr id="50" name="Rounded Rectangle 49"/>
+          <p:cNvSpPr/>
+          <p:nvPr/>
+        </p:nvSpPr>
+        <p:spPr>
+          <a:xfrm>
+            <a:off x="5638800" y="2133600"/>
+            <a:ext cx="990600" cy="685800"/>
+          </a:xfrm>
+          <a:prstGeom prst="roundRect">
+            <a:avLst/>
+          </a:prstGeom>
+        </p:spPr>
+        <p:style>
+          <a:lnRef idx="2">
+            <a:schemeClr val="accent4"/>
+          </a:lnRef>
+          <a:fillRef idx="1">
+            <a:schemeClr val="lt1"/>
+          </a:fillRef>
+          <a:effectRef idx="0">
+            <a:schemeClr val="accent4"/>
+          </a:effectRef>
+          <a:fontRef idx="minor">
+            <a:schemeClr val="dk1"/>
+          </a:fontRef>
+        </p:style>
+        <p:txBody>
+          <a:bodyPr rtlCol="0" anchor="ctr"/>
+          <a:lstStyle/>
+          <a:p>
+            <a:pPr algn="ctr"/>
+            <a:endParaRPr lang="en-US" dirty="0"/>
+          </a:p>
+        </p:txBody>
+      </p:sp>
+      <p:cxnSp>
+        <p:nvCxnSpPr>
+          <p:cNvPr id="52" name="Straight Arrow Connector 51"/>
+          <p:cNvCxnSpPr>
+            <a:stCxn id="6" idx="3"/>
+            <a:endCxn id="50" idx="1"/>
+          </p:cNvCxnSpPr>
+          <p:nvPr/>
+        </p:nvCxnSpPr>
+        <p:spPr>
+          <a:xfrm flipV="1">
+            <a:off x="4194220" y="2476500"/>
+            <a:ext cx="1444580" cy="38100"/>
+          </a:xfrm>
+          <a:prstGeom prst="straightConnector1">
+            <a:avLst/>
+          </a:prstGeom>
+          <a:ln>
+            <a:tailEnd type="arrow"/>
+          </a:ln>
+        </p:spPr>
+        <p:style>
+          <a:lnRef idx="1">
+            <a:schemeClr val="accent1"/>
+          </a:lnRef>
+          <a:fillRef idx="0">
+            <a:schemeClr val="accent1"/>
+          </a:fillRef>
+          <a:effectRef idx="0">
+            <a:schemeClr val="accent1"/>
+          </a:effectRef>
+          <a:fontRef idx="minor">
+            <a:schemeClr val="tx1"/>
+          </a:fontRef>
+        </p:style>
+      </p:cxnSp>
+      <p:sp>
+        <p:nvSpPr>
+          <p:cNvPr id="53" name="Flowchart: Magnetic Disk 52"/>
+          <p:cNvSpPr/>
+          <p:nvPr/>
+        </p:nvSpPr>
+        <p:spPr>
+          <a:xfrm>
+            <a:off x="7137400" y="2221230"/>
+            <a:ext cx="1219200" cy="510540"/>
+          </a:xfrm>
+          <a:prstGeom prst="flowChartMagneticDisk">
+            <a:avLst/>
+          </a:prstGeom>
+        </p:spPr>
+        <p:style>
+          <a:lnRef idx="2">
+            <a:schemeClr val="dk1"/>
+          </a:lnRef>
+          <a:fillRef idx="1">
+            <a:schemeClr val="lt1"/>
+          </a:fillRef>
+          <a:effectRef idx="0">
+            <a:schemeClr val="dk1"/>
+          </a:effectRef>
+          <a:fontRef idx="minor">
+            <a:schemeClr val="dk1"/>
+          </a:fontRef>
+        </p:style>
+        <p:txBody>
+          <a:bodyPr rtlCol="0" anchor="ctr"/>
+          <a:lstStyle/>
+          <a:p>
+            <a:pPr algn="ctr"/>
+            <a:r>
+              <a:rPr lang="en-US" dirty="0"/>
+              <a:t>SQL Server</a:t>
+            </a:r>
+          </a:p>
+        </p:txBody>
+      </p:sp>
+      <p:cxnSp>
+        <p:nvCxnSpPr>
+          <p:cNvPr id="55" name="Straight Arrow Connector 54"/>
+          <p:cNvCxnSpPr>
+            <a:stCxn id="50" idx="3"/>
+            <a:endCxn id="53" idx="2"/>
+          </p:cNvCxnSpPr>
+          <p:nvPr/>
+        </p:nvCxnSpPr>
+        <p:spPr>
+          <a:xfrm>
+            <a:off x="6629400" y="2476500"/>
+            <a:ext cx="508000" cy="0"/>
+          </a:xfrm>
+          <a:prstGeom prst="straightConnector1">
+            <a:avLst/>
+          </a:prstGeom>
+          <a:ln>
+            <a:tailEnd type="arrow"/>
+          </a:ln>
+        </p:spPr>
+        <p:style>
+          <a:lnRef idx="1">
+            <a:schemeClr val="accent1"/>
+          </a:lnRef>
+          <a:fillRef idx="0">
+            <a:schemeClr val="accent1"/>
+          </a:fillRef>
+          <a:effectRef idx="0">
+            <a:schemeClr val="accent1"/>
+          </a:effectRef>
+          <a:fontRef idx="minor">
+            <a:schemeClr val="tx1"/>
+          </a:fontRef>
+        </p:style>
+      </p:cxnSp>
+      <p:pic>
+        <p:nvPicPr>
+          <p:cNvPr id="63" name="Picture 62"/>
+          <p:cNvPicPr>
+            <a:picLocks noChangeAspect="1"/>
+          </p:cNvPicPr>
+          <p:nvPr/>
+        </p:nvPicPr>
+        <p:blipFill>
+          <a:blip r:embed="rId3" cstate="print">
+            <a:extLst>
+              <a:ext uri="{28A0092B-C50C-407E-A947-70E740481C1C}">
+                <a14:useLocalDpi xmlns:a14="http://schemas.microsoft.com/office/drawing/2010/main" val="0"/>
+              </a:ext>
+            </a:extLst>
+          </a:blip>
+          <a:stretch>
+            <a:fillRect/>
+          </a:stretch>
+        </p:blipFill>
+        <p:spPr>
+          <a:xfrm>
+            <a:off x="3932397" y="730376"/>
+            <a:ext cx="230028" cy="259430"/>
+          </a:xfrm>
+          <a:prstGeom prst="rect">
+            <a:avLst/>
+          </a:prstGeom>
+        </p:spPr>
+      </p:pic>
+      <p:pic>
+        <p:nvPicPr>
+          <p:cNvPr id="41" name="Picture 40"/>
+          <p:cNvPicPr>
+            <a:picLocks noChangeAspect="1"/>
+          </p:cNvPicPr>
+          <p:nvPr/>
+        </p:nvPicPr>
+        <p:blipFill>
+          <a:blip r:embed="rId4" cstate="print">
+            <a:extLst>
+              <a:ext uri="{28A0092B-C50C-407E-A947-70E740481C1C}">
+                <a14:useLocalDpi xmlns:a14="http://schemas.microsoft.com/office/drawing/2010/main" val="0"/>
+              </a:ext>
+            </a:extLst>
+          </a:blip>
+          <a:stretch>
+            <a:fillRect/>
+          </a:stretch>
+        </p:blipFill>
+        <p:spPr>
+          <a:xfrm>
+            <a:off x="1170367" y="4125363"/>
+            <a:ext cx="172255" cy="194273"/>
+          </a:xfrm>
+          <a:prstGeom prst="rect">
+            <a:avLst/>
+          </a:prstGeom>
+        </p:spPr>
+      </p:pic>
+      <p:pic>
+        <p:nvPicPr>
+          <p:cNvPr id="43" name="Picture 42"/>
+          <p:cNvPicPr>
+            <a:picLocks noChangeAspect="1"/>
+          </p:cNvPicPr>
+          <p:nvPr/>
+        </p:nvPicPr>
+        <p:blipFill>
+          <a:blip r:embed="rId4" cstate="print">
+            <a:extLst>
+              <a:ext uri="{28A0092B-C50C-407E-A947-70E740481C1C}">
+                <a14:useLocalDpi xmlns:a14="http://schemas.microsoft.com/office/drawing/2010/main" val="0"/>
+              </a:ext>
+            </a:extLst>
+          </a:blip>
+          <a:stretch>
+            <a:fillRect/>
+          </a:stretch>
+        </p:blipFill>
+        <p:spPr>
+          <a:xfrm>
+            <a:off x="5961845" y="4106323"/>
+            <a:ext cx="172255" cy="194273"/>
+          </a:xfrm>
+          <a:prstGeom prst="rect">
+            <a:avLst/>
+          </a:prstGeom>
+        </p:spPr>
+      </p:pic>
+      <p:pic>
+        <p:nvPicPr>
+          <p:cNvPr id="2" name="Picture 1"/>
+          <p:cNvPicPr>
+            <a:picLocks noChangeAspect="1"/>
+          </p:cNvPicPr>
+          <p:nvPr/>
+        </p:nvPicPr>
+        <p:blipFill>
+          <a:blip r:embed="rId5" cstate="print">
+            <a:extLst>
+              <a:ext uri="{28A0092B-C50C-407E-A947-70E740481C1C}">
+                <a14:useLocalDpi xmlns:a14="http://schemas.microsoft.com/office/drawing/2010/main" val="0"/>
+              </a:ext>
+            </a:extLst>
+          </a:blip>
+          <a:stretch>
+            <a:fillRect/>
+          </a:stretch>
+        </p:blipFill>
+        <p:spPr>
+          <a:xfrm>
+            <a:off x="4273550" y="4106323"/>
+            <a:ext cx="209531" cy="209531"/>
+          </a:xfrm>
+          <a:prstGeom prst="rect">
+            <a:avLst/>
+          </a:prstGeom>
+        </p:spPr>
+      </p:pic>
+      <p:pic>
+        <p:nvPicPr>
+          <p:cNvPr id="47" name="Picture 46"/>
+          <p:cNvPicPr>
+            <a:picLocks noChangeAspect="1"/>
+          </p:cNvPicPr>
+          <p:nvPr/>
+        </p:nvPicPr>
+        <p:blipFill>
+          <a:blip r:embed="rId5" cstate="print">
+            <a:extLst>
+              <a:ext uri="{28A0092B-C50C-407E-A947-70E740481C1C}">
+                <a14:useLocalDpi xmlns:a14="http://schemas.microsoft.com/office/drawing/2010/main" val="0"/>
+              </a:ext>
+            </a:extLst>
+          </a:blip>
+          <a:stretch>
+            <a:fillRect/>
+          </a:stretch>
+        </p:blipFill>
+        <p:spPr>
+          <a:xfrm>
+            <a:off x="7315200" y="4121169"/>
+            <a:ext cx="209531" cy="209531"/>
+          </a:xfrm>
+          <a:prstGeom prst="rect">
+            <a:avLst/>
+          </a:prstGeom>
+        </p:spPr>
+      </p:pic>
+      <p:pic>
+        <p:nvPicPr>
+          <p:cNvPr id="48" name="Picture 47"/>
+          <p:cNvPicPr>
+            <a:picLocks noChangeAspect="1"/>
+          </p:cNvPicPr>
+          <p:nvPr/>
+        </p:nvPicPr>
+        <p:blipFill>
+          <a:blip r:embed="rId5" cstate="print">
+            <a:extLst>
+              <a:ext uri="{28A0092B-C50C-407E-A947-70E740481C1C}">
+                <a14:useLocalDpi xmlns:a14="http://schemas.microsoft.com/office/drawing/2010/main" val="0"/>
+              </a:ext>
+            </a:extLst>
+          </a:blip>
+          <a:stretch>
+            <a:fillRect/>
+          </a:stretch>
+        </p:blipFill>
+        <p:spPr>
+          <a:xfrm>
+            <a:off x="8696334" y="4117592"/>
+            <a:ext cx="209531" cy="209531"/>
+          </a:xfrm>
+          <a:prstGeom prst="rect">
+            <a:avLst/>
+          </a:prstGeom>
+        </p:spPr>
+      </p:pic>
+      <p:pic>
+        <p:nvPicPr>
+          <p:cNvPr id="49" name="Picture 48"/>
+          <p:cNvPicPr>
+            <a:picLocks noChangeAspect="1"/>
+          </p:cNvPicPr>
+          <p:nvPr/>
+        </p:nvPicPr>
+        <p:blipFill>
+          <a:blip r:embed="rId5" cstate="print">
+            <a:extLst>
+              <a:ext uri="{28A0092B-C50C-407E-A947-70E740481C1C}">
+                <a14:useLocalDpi xmlns:a14="http://schemas.microsoft.com/office/drawing/2010/main" val="0"/>
+              </a:ext>
+            </a:extLst>
+          </a:blip>
+          <a:stretch>
+            <a:fillRect/>
+          </a:stretch>
+        </p:blipFill>
+        <p:spPr>
+          <a:xfrm>
+            <a:off x="6407150" y="2596776"/>
+            <a:ext cx="209531" cy="209531"/>
+          </a:xfrm>
+          <a:prstGeom prst="rect">
+            <a:avLst/>
+          </a:prstGeom>
+        </p:spPr>
+      </p:pic>
+      <p:pic>
+        <p:nvPicPr>
+          <p:cNvPr id="51" name="Picture 50"/>
+          <p:cNvPicPr>
+            <a:picLocks noChangeAspect="1"/>
+          </p:cNvPicPr>
+          <p:nvPr/>
+        </p:nvPicPr>
+        <p:blipFill>
+          <a:blip r:embed="rId5" cstate="print">
+            <a:extLst>
+              <a:ext uri="{28A0092B-C50C-407E-A947-70E740481C1C}">
+                <a14:useLocalDpi xmlns:a14="http://schemas.microsoft.com/office/drawing/2010/main" val="0"/>
+              </a:ext>
+            </a:extLst>
+          </a:blip>
+          <a:stretch>
+            <a:fillRect/>
+          </a:stretch>
+        </p:blipFill>
+        <p:spPr>
+          <a:xfrm>
+            <a:off x="2702259" y="4095367"/>
+            <a:ext cx="209531" cy="209531"/>
+          </a:xfrm>
+          <a:prstGeom prst="rect">
+            <a:avLst/>
+          </a:prstGeom>
+        </p:spPr>
+      </p:pic>
+      <p:pic>
+        <p:nvPicPr>
+          <p:cNvPr id="3" name="Picture 2"/>
+          <p:cNvPicPr>
+            <a:picLocks noChangeAspect="1"/>
+          </p:cNvPicPr>
+          <p:nvPr/>
+        </p:nvPicPr>
+        <p:blipFill>
+          <a:blip r:embed="rId6" cstate="print">
+            <a:extLst>
+              <a:ext uri="{28A0092B-C50C-407E-A947-70E740481C1C}">
+                <a14:useLocalDpi xmlns:a14="http://schemas.microsoft.com/office/drawing/2010/main" val="0"/>
+              </a:ext>
+            </a:extLst>
+          </a:blip>
+          <a:stretch>
+            <a:fillRect/>
+          </a:stretch>
+        </p:blipFill>
+        <p:spPr>
+          <a:xfrm>
+            <a:off x="3657600" y="2811175"/>
+            <a:ext cx="495300" cy="113000"/>
+          </a:xfrm>
+          <a:prstGeom prst="rect">
+            <a:avLst/>
+          </a:prstGeom>
+        </p:spPr>
+      </p:pic>
+      <p:pic>
+        <p:nvPicPr>
+          <p:cNvPr id="4" name="Picture 3"/>
+          <p:cNvPicPr>
+            <a:picLocks noChangeAspect="1"/>
+          </p:cNvPicPr>
+          <p:nvPr/>
+        </p:nvPicPr>
+        <p:blipFill>
+          <a:blip r:embed="rId7" cstate="print">
+            <a:extLst>
+              <a:ext uri="{28A0092B-C50C-407E-A947-70E740481C1C}">
+                <a14:useLocalDpi xmlns:a14="http://schemas.microsoft.com/office/drawing/2010/main" val="0"/>
+              </a:ext>
+            </a:extLst>
+          </a:blip>
+          <a:stretch>
+            <a:fillRect/>
+          </a:stretch>
+        </p:blipFill>
+        <p:spPr>
+          <a:xfrm>
+            <a:off x="5837884" y="2257425"/>
+            <a:ext cx="626406" cy="424390"/>
+          </a:xfrm>
+          <a:prstGeom prst="rect">
+            <a:avLst/>
+          </a:prstGeom>
+        </p:spPr>
+      </p:pic>
+      <p:pic>
+        <p:nvPicPr>
+          <p:cNvPr id="17" name="Picture 16"/>
+          <p:cNvPicPr>
+            <a:picLocks noChangeAspect="1"/>
+          </p:cNvPicPr>
+          <p:nvPr/>
+        </p:nvPicPr>
+        <p:blipFill>
+          <a:blip r:embed="rId8" cstate="print">
+            <a:extLst>
+              <a:ext uri="{28A0092B-C50C-407E-A947-70E740481C1C}">
+                <a14:useLocalDpi xmlns:a14="http://schemas.microsoft.com/office/drawing/2010/main" val="0"/>
+              </a:ext>
+            </a:extLst>
+          </a:blip>
+          <a:stretch>
+            <a:fillRect/>
+          </a:stretch>
+        </p:blipFill>
+        <p:spPr>
+          <a:xfrm>
+            <a:off x="2496355" y="756121"/>
+            <a:ext cx="177329" cy="177329"/>
+          </a:xfrm>
+          <a:prstGeom prst="rect">
+            <a:avLst/>
+          </a:prstGeom>
+        </p:spPr>
+      </p:pic>
+    </p:spTree>
+    <p:extLst>
+      <p:ext uri="{BB962C8B-B14F-4D97-AF65-F5344CB8AC3E}">
+        <p14:creationId xmlns:p14="http://schemas.microsoft.com/office/powerpoint/2010/main" val="2850761221"/>
+      </p:ext>
+    </p:extLst>
+  </p:cSld>
+  <p:clrMapOvr>
+    <a:masterClrMapping/>
+  </p:clrMapOvr>
+</p:sld>
+</file>
+
 <file path=ppt/theme/theme1.xml><?xml version="1.0" encoding="utf-8"?>
 <a:theme xmlns:a="http://schemas.openxmlformats.org/drawingml/2006/main" name="Office Theme">
   <a:themeElements>

--- a/assets/state-of-the-art.pptx
+++ b/assets/state-of-the-art.pptx
@@ -2,13 +2,14 @@
 <file path=ppt/presentation.xml><?xml version="1.0" encoding="utf-8"?>
 <p:presentation xmlns:a="http://schemas.openxmlformats.org/drawingml/2006/main" xmlns:r="http://schemas.openxmlformats.org/officeDocument/2006/relationships" xmlns:p="http://schemas.openxmlformats.org/presentationml/2006/main" saveSubsetFonts="1">
   <p:sldMasterIdLst>
-    <p:sldMasterId id="2147483648" r:id="rId1"/>
+    <p:sldMasterId id="2147483672" r:id="rId1"/>
   </p:sldMasterIdLst>
   <p:sldIdLst>
     <p:sldId id="256" r:id="rId2"/>
-    <p:sldId id="259" r:id="rId3"/>
-    <p:sldId id="258" r:id="rId4"/>
-    <p:sldId id="257" r:id="rId5"/>
+    <p:sldId id="260" r:id="rId3"/>
+    <p:sldId id="259" r:id="rId4"/>
+    <p:sldId id="258" r:id="rId5"/>
+    <p:sldId id="257" r:id="rId6"/>
   </p:sldIdLst>
   <p:sldSz cx="9144000" cy="6858000" type="screen4x3"/>
   <p:notesSz cx="6858000" cy="9144000"/>
@@ -145,7 +146,13 @@
       </p:grpSpPr>
       <p:sp>
         <p:nvSpPr>
-          <p:cNvPr id="2" name="Title 1"/>
+          <p:cNvPr id="2" name="Title 1">
+            <a:extLst>
+              <a:ext uri="{FF2B5EF4-FFF2-40B4-BE49-F238E27FC236}">
+                <a16:creationId xmlns:a16="http://schemas.microsoft.com/office/drawing/2014/main" id="{4E1A3618-7687-49D8-9409-2DFE52281B47}"/>
+              </a:ext>
+            </a:extLst>
+          </p:cNvPr>
           <p:cNvSpPr>
             <a:spLocks noGrp="1"/>
           </p:cNvSpPr>
@@ -155,13 +162,17 @@
         </p:nvSpPr>
         <p:spPr>
           <a:xfrm>
-            <a:off x="685800" y="2130425"/>
-            <a:ext cx="7772400" cy="1470025"/>
+            <a:off x="1143000" y="1122363"/>
+            <a:ext cx="6858000" cy="2387600"/>
           </a:xfrm>
         </p:spPr>
         <p:txBody>
-          <a:bodyPr/>
-          <a:lstStyle/>
+          <a:bodyPr anchor="b"/>
+          <a:lstStyle>
+            <a:lvl1pPr algn="ctr">
+              <a:defRPr sz="4500"/>
+            </a:lvl1pPr>
+          </a:lstStyle>
           <a:p>
             <a:r>
               <a:rPr lang="en-US"/>
@@ -172,7 +183,13 @@
       </p:sp>
       <p:sp>
         <p:nvSpPr>
-          <p:cNvPr id="3" name="Subtitle 2"/>
+          <p:cNvPr id="3" name="Subtitle 2">
+            <a:extLst>
+              <a:ext uri="{FF2B5EF4-FFF2-40B4-BE49-F238E27FC236}">
+                <a16:creationId xmlns:a16="http://schemas.microsoft.com/office/drawing/2014/main" id="{54AAEA42-9D08-4C7C-ACC8-E8D7C63E9C04}"/>
+              </a:ext>
+            </a:extLst>
+          </p:cNvPr>
           <p:cNvSpPr>
             <a:spLocks noGrp="1"/>
           </p:cNvSpPr>
@@ -182,8 +199,8 @@
         </p:nvSpPr>
         <p:spPr>
           <a:xfrm>
-            <a:off x="1371600" y="3886200"/>
-            <a:ext cx="6400800" cy="1752600"/>
+            <a:off x="1143000" y="3602038"/>
+            <a:ext cx="6858000" cy="1655762"/>
           </a:xfrm>
         </p:spPr>
         <p:txBody>
@@ -191,93 +208,39 @@
           <a:lstStyle>
             <a:lvl1pPr marL="0" indent="0" algn="ctr">
               <a:buNone/>
-              <a:defRPr>
-                <a:solidFill>
-                  <a:schemeClr val="tx1">
-                    <a:tint val="75000"/>
-                  </a:schemeClr>
-                </a:solidFill>
-              </a:defRPr>
+              <a:defRPr sz="1800"/>
             </a:lvl1pPr>
-            <a:lvl2pPr marL="457200" indent="0" algn="ctr">
+            <a:lvl2pPr marL="342900" indent="0" algn="ctr">
               <a:buNone/>
-              <a:defRPr>
-                <a:solidFill>
-                  <a:schemeClr val="tx1">
-                    <a:tint val="75000"/>
-                  </a:schemeClr>
-                </a:solidFill>
-              </a:defRPr>
+              <a:defRPr sz="1500"/>
             </a:lvl2pPr>
-            <a:lvl3pPr marL="914400" indent="0" algn="ctr">
+            <a:lvl3pPr marL="685800" indent="0" algn="ctr">
               <a:buNone/>
-              <a:defRPr>
-                <a:solidFill>
-                  <a:schemeClr val="tx1">
-                    <a:tint val="75000"/>
-                  </a:schemeClr>
-                </a:solidFill>
-              </a:defRPr>
+              <a:defRPr sz="1350"/>
             </a:lvl3pPr>
-            <a:lvl4pPr marL="1371600" indent="0" algn="ctr">
+            <a:lvl4pPr marL="1028700" indent="0" algn="ctr">
               <a:buNone/>
-              <a:defRPr>
-                <a:solidFill>
-                  <a:schemeClr val="tx1">
-                    <a:tint val="75000"/>
-                  </a:schemeClr>
-                </a:solidFill>
-              </a:defRPr>
+              <a:defRPr sz="1200"/>
             </a:lvl4pPr>
-            <a:lvl5pPr marL="1828800" indent="0" algn="ctr">
+            <a:lvl5pPr marL="1371600" indent="0" algn="ctr">
               <a:buNone/>
-              <a:defRPr>
-                <a:solidFill>
-                  <a:schemeClr val="tx1">
-                    <a:tint val="75000"/>
-                  </a:schemeClr>
-                </a:solidFill>
-              </a:defRPr>
+              <a:defRPr sz="1200"/>
             </a:lvl5pPr>
-            <a:lvl6pPr marL="2286000" indent="0" algn="ctr">
+            <a:lvl6pPr marL="1714500" indent="0" algn="ctr">
               <a:buNone/>
-              <a:defRPr>
-                <a:solidFill>
-                  <a:schemeClr val="tx1">
-                    <a:tint val="75000"/>
-                  </a:schemeClr>
-                </a:solidFill>
-              </a:defRPr>
+              <a:defRPr sz="1200"/>
             </a:lvl6pPr>
-            <a:lvl7pPr marL="2743200" indent="0" algn="ctr">
+            <a:lvl7pPr marL="2057400" indent="0" algn="ctr">
               <a:buNone/>
-              <a:defRPr>
-                <a:solidFill>
-                  <a:schemeClr val="tx1">
-                    <a:tint val="75000"/>
-                  </a:schemeClr>
-                </a:solidFill>
-              </a:defRPr>
+              <a:defRPr sz="1200"/>
             </a:lvl7pPr>
-            <a:lvl8pPr marL="3200400" indent="0" algn="ctr">
+            <a:lvl8pPr marL="2400300" indent="0" algn="ctr">
               <a:buNone/>
-              <a:defRPr>
-                <a:solidFill>
-                  <a:schemeClr val="tx1">
-                    <a:tint val="75000"/>
-                  </a:schemeClr>
-                </a:solidFill>
-              </a:defRPr>
+              <a:defRPr sz="1200"/>
             </a:lvl8pPr>
-            <a:lvl9pPr marL="3657600" indent="0" algn="ctr">
+            <a:lvl9pPr marL="2743200" indent="0" algn="ctr">
               <a:buNone/>
-              <a:defRPr>
-                <a:solidFill>
-                  <a:schemeClr val="tx1">
-                    <a:tint val="75000"/>
-                  </a:schemeClr>
-                </a:solidFill>
-              </a:defRPr>
+              <a:defRPr sz="1200"/>
             </a:lvl9pPr>
           </a:lstStyle>
           <a:p>
@@ -290,7 +253,13 @@
       </p:sp>
       <p:sp>
         <p:nvSpPr>
-          <p:cNvPr id="4" name="Date Placeholder 3"/>
+          <p:cNvPr id="4" name="Date Placeholder 3">
+            <a:extLst>
+              <a:ext uri="{FF2B5EF4-FFF2-40B4-BE49-F238E27FC236}">
+                <a16:creationId xmlns:a16="http://schemas.microsoft.com/office/drawing/2014/main" id="{2A1C4C32-E34D-408C-A070-1A4EE5AAA059}"/>
+              </a:ext>
+            </a:extLst>
+          </p:cNvPr>
           <p:cNvSpPr>
             <a:spLocks noGrp="1"/>
           </p:cNvSpPr>
@@ -305,7 +274,7 @@
           <a:p>
             <a:fld id="{6DB206C8-F88B-4959-9CD2-3016D27660E1}" type="datetimeFigureOut">
               <a:rPr lang="en-US" smtClean="0"/>
-              <a:t>8/2/2018</a:t>
+              <a:t>8/8/2018</a:t>
             </a:fld>
             <a:endParaRPr lang="en-US"/>
           </a:p>
@@ -313,7 +282,13 @@
       </p:sp>
       <p:sp>
         <p:nvSpPr>
-          <p:cNvPr id="5" name="Footer Placeholder 4"/>
+          <p:cNvPr id="5" name="Footer Placeholder 4">
+            <a:extLst>
+              <a:ext uri="{FF2B5EF4-FFF2-40B4-BE49-F238E27FC236}">
+                <a16:creationId xmlns:a16="http://schemas.microsoft.com/office/drawing/2014/main" id="{81842FFB-185E-4EEA-8A48-ABA6779DC88B}"/>
+              </a:ext>
+            </a:extLst>
+          </p:cNvPr>
           <p:cNvSpPr>
             <a:spLocks noGrp="1"/>
           </p:cNvSpPr>
@@ -332,7 +307,13 @@
       </p:sp>
       <p:sp>
         <p:nvSpPr>
-          <p:cNvPr id="6" name="Slide Number Placeholder 5"/>
+          <p:cNvPr id="6" name="Slide Number Placeholder 5">
+            <a:extLst>
+              <a:ext uri="{FF2B5EF4-FFF2-40B4-BE49-F238E27FC236}">
+                <a16:creationId xmlns:a16="http://schemas.microsoft.com/office/drawing/2014/main" id="{B3302B14-BC97-49CC-BD39-360ED47377D7}"/>
+              </a:ext>
+            </a:extLst>
+          </p:cNvPr>
           <p:cNvSpPr>
             <a:spLocks noGrp="1"/>
           </p:cNvSpPr>
@@ -356,7 +337,7 @@
     </p:spTree>
     <p:extLst>
       <p:ext uri="{BB962C8B-B14F-4D97-AF65-F5344CB8AC3E}">
-        <p14:creationId xmlns:p14="http://schemas.microsoft.com/office/powerpoint/2010/main" val="951375579"/>
+        <p14:creationId xmlns:p14="http://schemas.microsoft.com/office/powerpoint/2010/main" val="827391551"/>
       </p:ext>
     </p:extLst>
   </p:cSld>
@@ -385,7 +366,13 @@
       </p:grpSpPr>
       <p:sp>
         <p:nvSpPr>
-          <p:cNvPr id="2" name="Title 1"/>
+          <p:cNvPr id="2" name="Title 1">
+            <a:extLst>
+              <a:ext uri="{FF2B5EF4-FFF2-40B4-BE49-F238E27FC236}">
+                <a16:creationId xmlns:a16="http://schemas.microsoft.com/office/drawing/2014/main" id="{B6330EEC-6093-43D8-A53B-817CFB9B7FB9}"/>
+              </a:ext>
+            </a:extLst>
+          </p:cNvPr>
           <p:cNvSpPr>
             <a:spLocks noGrp="1"/>
           </p:cNvSpPr>
@@ -407,7 +394,13 @@
       </p:sp>
       <p:sp>
         <p:nvSpPr>
-          <p:cNvPr id="3" name="Vertical Text Placeholder 2"/>
+          <p:cNvPr id="3" name="Vertical Text Placeholder 2">
+            <a:extLst>
+              <a:ext uri="{FF2B5EF4-FFF2-40B4-BE49-F238E27FC236}">
+                <a16:creationId xmlns:a16="http://schemas.microsoft.com/office/drawing/2014/main" id="{F2133E25-CAE3-40C4-A5F7-E823B43AE890}"/>
+              </a:ext>
+            </a:extLst>
+          </p:cNvPr>
           <p:cNvSpPr>
             <a:spLocks noGrp="1"/>
           </p:cNvSpPr>
@@ -423,7 +416,7 @@
             <a:pPr lvl="0"/>
             <a:r>
               <a:rPr lang="en-US"/>
-              <a:t>Click to edit Master text styles</a:t>
+              <a:t>Edit Master text styles</a:t>
             </a:r>
           </a:p>
           <a:p>
@@ -458,7 +451,13 @@
       </p:sp>
       <p:sp>
         <p:nvSpPr>
-          <p:cNvPr id="4" name="Date Placeholder 3"/>
+          <p:cNvPr id="4" name="Date Placeholder 3">
+            <a:extLst>
+              <a:ext uri="{FF2B5EF4-FFF2-40B4-BE49-F238E27FC236}">
+                <a16:creationId xmlns:a16="http://schemas.microsoft.com/office/drawing/2014/main" id="{DE772FBC-31F4-463D-B403-5F278A000EB8}"/>
+              </a:ext>
+            </a:extLst>
+          </p:cNvPr>
           <p:cNvSpPr>
             <a:spLocks noGrp="1"/>
           </p:cNvSpPr>
@@ -473,7 +472,7 @@
           <a:p>
             <a:fld id="{6DB206C8-F88B-4959-9CD2-3016D27660E1}" type="datetimeFigureOut">
               <a:rPr lang="en-US" smtClean="0"/>
-              <a:t>8/2/2018</a:t>
+              <a:t>8/8/2018</a:t>
             </a:fld>
             <a:endParaRPr lang="en-US"/>
           </a:p>
@@ -481,7 +480,13 @@
       </p:sp>
       <p:sp>
         <p:nvSpPr>
-          <p:cNvPr id="5" name="Footer Placeholder 4"/>
+          <p:cNvPr id="5" name="Footer Placeholder 4">
+            <a:extLst>
+              <a:ext uri="{FF2B5EF4-FFF2-40B4-BE49-F238E27FC236}">
+                <a16:creationId xmlns:a16="http://schemas.microsoft.com/office/drawing/2014/main" id="{F6705945-7FD0-43BA-B518-59F516030F77}"/>
+              </a:ext>
+            </a:extLst>
+          </p:cNvPr>
           <p:cNvSpPr>
             <a:spLocks noGrp="1"/>
           </p:cNvSpPr>
@@ -500,7 +505,13 @@
       </p:sp>
       <p:sp>
         <p:nvSpPr>
-          <p:cNvPr id="6" name="Slide Number Placeholder 5"/>
+          <p:cNvPr id="6" name="Slide Number Placeholder 5">
+            <a:extLst>
+              <a:ext uri="{FF2B5EF4-FFF2-40B4-BE49-F238E27FC236}">
+                <a16:creationId xmlns:a16="http://schemas.microsoft.com/office/drawing/2014/main" id="{378CD78A-B1B5-44F4-BF52-FD498FA2565E}"/>
+              </a:ext>
+            </a:extLst>
+          </p:cNvPr>
           <p:cNvSpPr>
             <a:spLocks noGrp="1"/>
           </p:cNvSpPr>
@@ -524,7 +535,7 @@
     </p:spTree>
     <p:extLst>
       <p:ext uri="{BB962C8B-B14F-4D97-AF65-F5344CB8AC3E}">
-        <p14:creationId xmlns:p14="http://schemas.microsoft.com/office/powerpoint/2010/main" val="316934567"/>
+        <p14:creationId xmlns:p14="http://schemas.microsoft.com/office/powerpoint/2010/main" val="3492054200"/>
       </p:ext>
     </p:extLst>
   </p:cSld>
@@ -553,7 +564,13 @@
       </p:grpSpPr>
       <p:sp>
         <p:nvSpPr>
-          <p:cNvPr id="2" name="Vertical Title 1"/>
+          <p:cNvPr id="2" name="Vertical Title 1">
+            <a:extLst>
+              <a:ext uri="{FF2B5EF4-FFF2-40B4-BE49-F238E27FC236}">
+                <a16:creationId xmlns:a16="http://schemas.microsoft.com/office/drawing/2014/main" id="{28909099-283A-48CA-AB7B-FD19FBB10BD8}"/>
+              </a:ext>
+            </a:extLst>
+          </p:cNvPr>
           <p:cNvSpPr>
             <a:spLocks noGrp="1"/>
           </p:cNvSpPr>
@@ -563,8 +580,8 @@
         </p:nvSpPr>
         <p:spPr>
           <a:xfrm>
-            <a:off x="6629400" y="274638"/>
-            <a:ext cx="2057400" cy="5851525"/>
+            <a:off x="6543675" y="365125"/>
+            <a:ext cx="1971675" cy="5811838"/>
           </a:xfrm>
         </p:spPr>
         <p:txBody>
@@ -580,7 +597,13 @@
       </p:sp>
       <p:sp>
         <p:nvSpPr>
-          <p:cNvPr id="3" name="Vertical Text Placeholder 2"/>
+          <p:cNvPr id="3" name="Vertical Text Placeholder 2">
+            <a:extLst>
+              <a:ext uri="{FF2B5EF4-FFF2-40B4-BE49-F238E27FC236}">
+                <a16:creationId xmlns:a16="http://schemas.microsoft.com/office/drawing/2014/main" id="{5BA288DF-0D28-4C43-AE91-4641610FFD35}"/>
+              </a:ext>
+            </a:extLst>
+          </p:cNvPr>
           <p:cNvSpPr>
             <a:spLocks noGrp="1"/>
           </p:cNvSpPr>
@@ -590,8 +613,8 @@
         </p:nvSpPr>
         <p:spPr>
           <a:xfrm>
-            <a:off x="457200" y="274638"/>
-            <a:ext cx="6019800" cy="5851525"/>
+            <a:off x="628650" y="365125"/>
+            <a:ext cx="5800725" cy="5811838"/>
           </a:xfrm>
         </p:spPr>
         <p:txBody>
@@ -601,7 +624,7 @@
             <a:pPr lvl="0"/>
             <a:r>
               <a:rPr lang="en-US"/>
-              <a:t>Click to edit Master text styles</a:t>
+              <a:t>Edit Master text styles</a:t>
             </a:r>
           </a:p>
           <a:p>
@@ -636,7 +659,13 @@
       </p:sp>
       <p:sp>
         <p:nvSpPr>
-          <p:cNvPr id="4" name="Date Placeholder 3"/>
+          <p:cNvPr id="4" name="Date Placeholder 3">
+            <a:extLst>
+              <a:ext uri="{FF2B5EF4-FFF2-40B4-BE49-F238E27FC236}">
+                <a16:creationId xmlns:a16="http://schemas.microsoft.com/office/drawing/2014/main" id="{3A7EFDCB-0A59-45F0-9AB2-4A2036343750}"/>
+              </a:ext>
+            </a:extLst>
+          </p:cNvPr>
           <p:cNvSpPr>
             <a:spLocks noGrp="1"/>
           </p:cNvSpPr>
@@ -651,7 +680,7 @@
           <a:p>
             <a:fld id="{6DB206C8-F88B-4959-9CD2-3016D27660E1}" type="datetimeFigureOut">
               <a:rPr lang="en-US" smtClean="0"/>
-              <a:t>8/2/2018</a:t>
+              <a:t>8/8/2018</a:t>
             </a:fld>
             <a:endParaRPr lang="en-US"/>
           </a:p>
@@ -659,7 +688,13 @@
       </p:sp>
       <p:sp>
         <p:nvSpPr>
-          <p:cNvPr id="5" name="Footer Placeholder 4"/>
+          <p:cNvPr id="5" name="Footer Placeholder 4">
+            <a:extLst>
+              <a:ext uri="{FF2B5EF4-FFF2-40B4-BE49-F238E27FC236}">
+                <a16:creationId xmlns:a16="http://schemas.microsoft.com/office/drawing/2014/main" id="{77CF45FE-3ACE-458C-8BAE-B7D2D4EBAE51}"/>
+              </a:ext>
+            </a:extLst>
+          </p:cNvPr>
           <p:cNvSpPr>
             <a:spLocks noGrp="1"/>
           </p:cNvSpPr>
@@ -678,7 +713,13 @@
       </p:sp>
       <p:sp>
         <p:nvSpPr>
-          <p:cNvPr id="6" name="Slide Number Placeholder 5"/>
+          <p:cNvPr id="6" name="Slide Number Placeholder 5">
+            <a:extLst>
+              <a:ext uri="{FF2B5EF4-FFF2-40B4-BE49-F238E27FC236}">
+                <a16:creationId xmlns:a16="http://schemas.microsoft.com/office/drawing/2014/main" id="{7B7F64F2-F300-4F55-B3E3-C50053A89592}"/>
+              </a:ext>
+            </a:extLst>
+          </p:cNvPr>
           <p:cNvSpPr>
             <a:spLocks noGrp="1"/>
           </p:cNvSpPr>
@@ -702,7 +743,7 @@
     </p:spTree>
     <p:extLst>
       <p:ext uri="{BB962C8B-B14F-4D97-AF65-F5344CB8AC3E}">
-        <p14:creationId xmlns:p14="http://schemas.microsoft.com/office/powerpoint/2010/main" val="3799529218"/>
+        <p14:creationId xmlns:p14="http://schemas.microsoft.com/office/powerpoint/2010/main" val="2307939138"/>
       </p:ext>
     </p:extLst>
   </p:cSld>
@@ -731,7 +772,13 @@
       </p:grpSpPr>
       <p:sp>
         <p:nvSpPr>
-          <p:cNvPr id="2" name="Title 1"/>
+          <p:cNvPr id="2" name="Title 1">
+            <a:extLst>
+              <a:ext uri="{FF2B5EF4-FFF2-40B4-BE49-F238E27FC236}">
+                <a16:creationId xmlns:a16="http://schemas.microsoft.com/office/drawing/2014/main" id="{307174B1-A015-46B4-B560-AFBCAB582590}"/>
+              </a:ext>
+            </a:extLst>
+          </p:cNvPr>
           <p:cNvSpPr>
             <a:spLocks noGrp="1"/>
           </p:cNvSpPr>
@@ -753,7 +800,13 @@
       </p:sp>
       <p:sp>
         <p:nvSpPr>
-          <p:cNvPr id="3" name="Content Placeholder 2"/>
+          <p:cNvPr id="3" name="Content Placeholder 2">
+            <a:extLst>
+              <a:ext uri="{FF2B5EF4-FFF2-40B4-BE49-F238E27FC236}">
+                <a16:creationId xmlns:a16="http://schemas.microsoft.com/office/drawing/2014/main" id="{B60A1B87-1AA3-4C45-A165-7A1D9C1C2C7E}"/>
+              </a:ext>
+            </a:extLst>
+          </p:cNvPr>
           <p:cNvSpPr>
             <a:spLocks noGrp="1"/>
           </p:cNvSpPr>
@@ -769,7 +822,7 @@
             <a:pPr lvl="0"/>
             <a:r>
               <a:rPr lang="en-US"/>
-              <a:t>Click to edit Master text styles</a:t>
+              <a:t>Edit Master text styles</a:t>
             </a:r>
           </a:p>
           <a:p>
@@ -804,7 +857,13 @@
       </p:sp>
       <p:sp>
         <p:nvSpPr>
-          <p:cNvPr id="4" name="Date Placeholder 3"/>
+          <p:cNvPr id="4" name="Date Placeholder 3">
+            <a:extLst>
+              <a:ext uri="{FF2B5EF4-FFF2-40B4-BE49-F238E27FC236}">
+                <a16:creationId xmlns:a16="http://schemas.microsoft.com/office/drawing/2014/main" id="{4C034CE6-D598-4161-84B8-BBADC9BAD500}"/>
+              </a:ext>
+            </a:extLst>
+          </p:cNvPr>
           <p:cNvSpPr>
             <a:spLocks noGrp="1"/>
           </p:cNvSpPr>
@@ -819,7 +878,7 @@
           <a:p>
             <a:fld id="{6DB206C8-F88B-4959-9CD2-3016D27660E1}" type="datetimeFigureOut">
               <a:rPr lang="en-US" smtClean="0"/>
-              <a:t>8/2/2018</a:t>
+              <a:t>8/8/2018</a:t>
             </a:fld>
             <a:endParaRPr lang="en-US"/>
           </a:p>
@@ -827,7 +886,13 @@
       </p:sp>
       <p:sp>
         <p:nvSpPr>
-          <p:cNvPr id="5" name="Footer Placeholder 4"/>
+          <p:cNvPr id="5" name="Footer Placeholder 4">
+            <a:extLst>
+              <a:ext uri="{FF2B5EF4-FFF2-40B4-BE49-F238E27FC236}">
+                <a16:creationId xmlns:a16="http://schemas.microsoft.com/office/drawing/2014/main" id="{542AF648-570B-47FD-ACAA-BC10899B5D58}"/>
+              </a:ext>
+            </a:extLst>
+          </p:cNvPr>
           <p:cNvSpPr>
             <a:spLocks noGrp="1"/>
           </p:cNvSpPr>
@@ -846,7 +911,13 @@
       </p:sp>
       <p:sp>
         <p:nvSpPr>
-          <p:cNvPr id="6" name="Slide Number Placeholder 5"/>
+          <p:cNvPr id="6" name="Slide Number Placeholder 5">
+            <a:extLst>
+              <a:ext uri="{FF2B5EF4-FFF2-40B4-BE49-F238E27FC236}">
+                <a16:creationId xmlns:a16="http://schemas.microsoft.com/office/drawing/2014/main" id="{717A339D-80BE-4244-856A-AD23ADC6B045}"/>
+              </a:ext>
+            </a:extLst>
+          </p:cNvPr>
           <p:cNvSpPr>
             <a:spLocks noGrp="1"/>
           </p:cNvSpPr>
@@ -870,7 +941,7 @@
     </p:spTree>
     <p:extLst>
       <p:ext uri="{BB962C8B-B14F-4D97-AF65-F5344CB8AC3E}">
-        <p14:creationId xmlns:p14="http://schemas.microsoft.com/office/powerpoint/2010/main" val="3066554721"/>
+        <p14:creationId xmlns:p14="http://schemas.microsoft.com/office/powerpoint/2010/main" val="49351366"/>
       </p:ext>
     </p:extLst>
   </p:cSld>
@@ -899,7 +970,13 @@
       </p:grpSpPr>
       <p:sp>
         <p:nvSpPr>
-          <p:cNvPr id="2" name="Title 1"/>
+          <p:cNvPr id="2" name="Title 1">
+            <a:extLst>
+              <a:ext uri="{FF2B5EF4-FFF2-40B4-BE49-F238E27FC236}">
+                <a16:creationId xmlns:a16="http://schemas.microsoft.com/office/drawing/2014/main" id="{A4605DBC-0231-4AE6-9DC1-715BA662A075}"/>
+              </a:ext>
+            </a:extLst>
+          </p:cNvPr>
           <p:cNvSpPr>
             <a:spLocks noGrp="1"/>
           </p:cNvSpPr>
@@ -909,15 +986,15 @@
         </p:nvSpPr>
         <p:spPr>
           <a:xfrm>
-            <a:off x="722313" y="4406900"/>
-            <a:ext cx="7772400" cy="1362075"/>
+            <a:off x="623888" y="1709739"/>
+            <a:ext cx="7886700" cy="2852737"/>
           </a:xfrm>
         </p:spPr>
         <p:txBody>
-          <a:bodyPr anchor="t"/>
+          <a:bodyPr anchor="b"/>
           <a:lstStyle>
-            <a:lvl1pPr algn="l">
-              <a:defRPr sz="4000" b="1" cap="all"/>
+            <a:lvl1pPr>
+              <a:defRPr sz="4500"/>
             </a:lvl1pPr>
           </a:lstStyle>
           <a:p>
@@ -930,7 +1007,13 @@
       </p:sp>
       <p:sp>
         <p:nvSpPr>
-          <p:cNvPr id="3" name="Text Placeholder 2"/>
+          <p:cNvPr id="3" name="Text Placeholder 2">
+            <a:extLst>
+              <a:ext uri="{FF2B5EF4-FFF2-40B4-BE49-F238E27FC236}">
+                <a16:creationId xmlns:a16="http://schemas.microsoft.com/office/drawing/2014/main" id="{4139AAE0-125B-4E4C-AF9B-F1C8E644A23E}"/>
+              </a:ext>
+            </a:extLst>
+          </p:cNvPr>
           <p:cNvSpPr>
             <a:spLocks noGrp="1"/>
           </p:cNvSpPr>
@@ -940,24 +1023,14 @@
         </p:nvSpPr>
         <p:spPr>
           <a:xfrm>
-            <a:off x="722313" y="2906713"/>
-            <a:ext cx="7772400" cy="1500187"/>
+            <a:off x="623888" y="4589464"/>
+            <a:ext cx="7886700" cy="1500187"/>
           </a:xfrm>
         </p:spPr>
         <p:txBody>
-          <a:bodyPr anchor="b"/>
+          <a:bodyPr/>
           <a:lstStyle>
             <a:lvl1pPr marL="0" indent="0">
-              <a:buNone/>
-              <a:defRPr sz="2000">
-                <a:solidFill>
-                  <a:schemeClr val="tx1">
-                    <a:tint val="75000"/>
-                  </a:schemeClr>
-                </a:solidFill>
-              </a:defRPr>
-            </a:lvl1pPr>
-            <a:lvl2pPr marL="457200" indent="0">
               <a:buNone/>
               <a:defRPr sz="1800">
                 <a:solidFill>
@@ -966,10 +1039,20 @@
                   </a:schemeClr>
                 </a:solidFill>
               </a:defRPr>
+            </a:lvl1pPr>
+            <a:lvl2pPr marL="342900" indent="0">
+              <a:buNone/>
+              <a:defRPr sz="1500">
+                <a:solidFill>
+                  <a:schemeClr val="tx1">
+                    <a:tint val="75000"/>
+                  </a:schemeClr>
+                </a:solidFill>
+              </a:defRPr>
             </a:lvl2pPr>
-            <a:lvl3pPr marL="914400" indent="0">
+            <a:lvl3pPr marL="685800" indent="0">
               <a:buNone/>
-              <a:defRPr sz="1600">
+              <a:defRPr sz="1350">
                 <a:solidFill>
                   <a:schemeClr val="tx1">
                     <a:tint val="75000"/>
@@ -977,9 +1060,9 @@
                 </a:solidFill>
               </a:defRPr>
             </a:lvl3pPr>
-            <a:lvl4pPr marL="1371600" indent="0">
+            <a:lvl4pPr marL="1028700" indent="0">
               <a:buNone/>
-              <a:defRPr sz="1400">
+              <a:defRPr sz="1200">
                 <a:solidFill>
                   <a:schemeClr val="tx1">
                     <a:tint val="75000"/>
@@ -987,9 +1070,9 @@
                 </a:solidFill>
               </a:defRPr>
             </a:lvl4pPr>
-            <a:lvl5pPr marL="1828800" indent="0">
+            <a:lvl5pPr marL="1371600" indent="0">
               <a:buNone/>
-              <a:defRPr sz="1400">
+              <a:defRPr sz="1200">
                 <a:solidFill>
                   <a:schemeClr val="tx1">
                     <a:tint val="75000"/>
@@ -997,9 +1080,9 @@
                 </a:solidFill>
               </a:defRPr>
             </a:lvl5pPr>
-            <a:lvl6pPr marL="2286000" indent="0">
+            <a:lvl6pPr marL="1714500" indent="0">
               <a:buNone/>
-              <a:defRPr sz="1400">
+              <a:defRPr sz="1200">
                 <a:solidFill>
                   <a:schemeClr val="tx1">
                     <a:tint val="75000"/>
@@ -1007,9 +1090,9 @@
                 </a:solidFill>
               </a:defRPr>
             </a:lvl6pPr>
-            <a:lvl7pPr marL="2743200" indent="0">
+            <a:lvl7pPr marL="2057400" indent="0">
               <a:buNone/>
-              <a:defRPr sz="1400">
+              <a:defRPr sz="1200">
                 <a:solidFill>
                   <a:schemeClr val="tx1">
                     <a:tint val="75000"/>
@@ -1017,9 +1100,9 @@
                 </a:solidFill>
               </a:defRPr>
             </a:lvl7pPr>
-            <a:lvl8pPr marL="3200400" indent="0">
+            <a:lvl8pPr marL="2400300" indent="0">
               <a:buNone/>
-              <a:defRPr sz="1400">
+              <a:defRPr sz="1200">
                 <a:solidFill>
                   <a:schemeClr val="tx1">
                     <a:tint val="75000"/>
@@ -1027,9 +1110,9 @@
                 </a:solidFill>
               </a:defRPr>
             </a:lvl8pPr>
-            <a:lvl9pPr marL="3657600" indent="0">
+            <a:lvl9pPr marL="2743200" indent="0">
               <a:buNone/>
-              <a:defRPr sz="1400">
+              <a:defRPr sz="1200">
                 <a:solidFill>
                   <a:schemeClr val="tx1">
                     <a:tint val="75000"/>
@@ -1042,14 +1125,20 @@
             <a:pPr lvl="0"/>
             <a:r>
               <a:rPr lang="en-US"/>
-              <a:t>Click to edit Master text styles</a:t>
+              <a:t>Edit Master text styles</a:t>
             </a:r>
           </a:p>
         </p:txBody>
       </p:sp>
       <p:sp>
         <p:nvSpPr>
-          <p:cNvPr id="4" name="Date Placeholder 3"/>
+          <p:cNvPr id="4" name="Date Placeholder 3">
+            <a:extLst>
+              <a:ext uri="{FF2B5EF4-FFF2-40B4-BE49-F238E27FC236}">
+                <a16:creationId xmlns:a16="http://schemas.microsoft.com/office/drawing/2014/main" id="{642F290B-893D-4136-9200-DF8135DF7235}"/>
+              </a:ext>
+            </a:extLst>
+          </p:cNvPr>
           <p:cNvSpPr>
             <a:spLocks noGrp="1"/>
           </p:cNvSpPr>
@@ -1064,7 +1153,7 @@
           <a:p>
             <a:fld id="{6DB206C8-F88B-4959-9CD2-3016D27660E1}" type="datetimeFigureOut">
               <a:rPr lang="en-US" smtClean="0"/>
-              <a:t>8/2/2018</a:t>
+              <a:t>8/8/2018</a:t>
             </a:fld>
             <a:endParaRPr lang="en-US"/>
           </a:p>
@@ -1072,7 +1161,13 @@
       </p:sp>
       <p:sp>
         <p:nvSpPr>
-          <p:cNvPr id="5" name="Footer Placeholder 4"/>
+          <p:cNvPr id="5" name="Footer Placeholder 4">
+            <a:extLst>
+              <a:ext uri="{FF2B5EF4-FFF2-40B4-BE49-F238E27FC236}">
+                <a16:creationId xmlns:a16="http://schemas.microsoft.com/office/drawing/2014/main" id="{80F4DF47-45F0-42E5-B874-F748CCFEC2AC}"/>
+              </a:ext>
+            </a:extLst>
+          </p:cNvPr>
           <p:cNvSpPr>
             <a:spLocks noGrp="1"/>
           </p:cNvSpPr>
@@ -1091,7 +1186,13 @@
       </p:sp>
       <p:sp>
         <p:nvSpPr>
-          <p:cNvPr id="6" name="Slide Number Placeholder 5"/>
+          <p:cNvPr id="6" name="Slide Number Placeholder 5">
+            <a:extLst>
+              <a:ext uri="{FF2B5EF4-FFF2-40B4-BE49-F238E27FC236}">
+                <a16:creationId xmlns:a16="http://schemas.microsoft.com/office/drawing/2014/main" id="{7DBA8523-B25B-4727-A7FD-64E6AD02F9BE}"/>
+              </a:ext>
+            </a:extLst>
+          </p:cNvPr>
           <p:cNvSpPr>
             <a:spLocks noGrp="1"/>
           </p:cNvSpPr>
@@ -1115,7 +1216,7 @@
     </p:spTree>
     <p:extLst>
       <p:ext uri="{BB962C8B-B14F-4D97-AF65-F5344CB8AC3E}">
-        <p14:creationId xmlns:p14="http://schemas.microsoft.com/office/powerpoint/2010/main" val="4089243173"/>
+        <p14:creationId xmlns:p14="http://schemas.microsoft.com/office/powerpoint/2010/main" val="2122246277"/>
       </p:ext>
     </p:extLst>
   </p:cSld>
@@ -1144,7 +1245,13 @@
       </p:grpSpPr>
       <p:sp>
         <p:nvSpPr>
-          <p:cNvPr id="2" name="Title 1"/>
+          <p:cNvPr id="2" name="Title 1">
+            <a:extLst>
+              <a:ext uri="{FF2B5EF4-FFF2-40B4-BE49-F238E27FC236}">
+                <a16:creationId xmlns:a16="http://schemas.microsoft.com/office/drawing/2014/main" id="{30C64605-6406-4656-AC0F-77CB3B71929B}"/>
+              </a:ext>
+            </a:extLst>
+          </p:cNvPr>
           <p:cNvSpPr>
             <a:spLocks noGrp="1"/>
           </p:cNvSpPr>
@@ -1166,7 +1273,13 @@
       </p:sp>
       <p:sp>
         <p:nvSpPr>
-          <p:cNvPr id="3" name="Content Placeholder 2"/>
+          <p:cNvPr id="3" name="Content Placeholder 2">
+            <a:extLst>
+              <a:ext uri="{FF2B5EF4-FFF2-40B4-BE49-F238E27FC236}">
+                <a16:creationId xmlns:a16="http://schemas.microsoft.com/office/drawing/2014/main" id="{66D0A543-09BE-4B48-989C-42E28651E428}"/>
+              </a:ext>
+            </a:extLst>
+          </p:cNvPr>
           <p:cNvSpPr>
             <a:spLocks noGrp="1"/>
           </p:cNvSpPr>
@@ -1176,46 +1289,18 @@
         </p:nvSpPr>
         <p:spPr>
           <a:xfrm>
-            <a:off x="457200" y="1600200"/>
-            <a:ext cx="4038600" cy="4525963"/>
+            <a:off x="628650" y="1825625"/>
+            <a:ext cx="3886200" cy="4351338"/>
           </a:xfrm>
         </p:spPr>
         <p:txBody>
           <a:bodyPr/>
-          <a:lstStyle>
-            <a:lvl1pPr>
-              <a:defRPr sz="2800"/>
-            </a:lvl1pPr>
-            <a:lvl2pPr>
-              <a:defRPr sz="2400"/>
-            </a:lvl2pPr>
-            <a:lvl3pPr>
-              <a:defRPr sz="2000"/>
-            </a:lvl3pPr>
-            <a:lvl4pPr>
-              <a:defRPr sz="1800"/>
-            </a:lvl4pPr>
-            <a:lvl5pPr>
-              <a:defRPr sz="1800"/>
-            </a:lvl5pPr>
-            <a:lvl6pPr>
-              <a:defRPr sz="1800"/>
-            </a:lvl6pPr>
-            <a:lvl7pPr>
-              <a:defRPr sz="1800"/>
-            </a:lvl7pPr>
-            <a:lvl8pPr>
-              <a:defRPr sz="1800"/>
-            </a:lvl8pPr>
-            <a:lvl9pPr>
-              <a:defRPr sz="1800"/>
-            </a:lvl9pPr>
-          </a:lstStyle>
+          <a:lstStyle/>
           <a:p>
             <a:pPr lvl="0"/>
             <a:r>
               <a:rPr lang="en-US"/>
-              <a:t>Click to edit Master text styles</a:t>
+              <a:t>Edit Master text styles</a:t>
             </a:r>
           </a:p>
           <a:p>
@@ -1250,7 +1335,13 @@
       </p:sp>
       <p:sp>
         <p:nvSpPr>
-          <p:cNvPr id="4" name="Content Placeholder 3"/>
+          <p:cNvPr id="4" name="Content Placeholder 3">
+            <a:extLst>
+              <a:ext uri="{FF2B5EF4-FFF2-40B4-BE49-F238E27FC236}">
+                <a16:creationId xmlns:a16="http://schemas.microsoft.com/office/drawing/2014/main" id="{CCE54084-99A3-4211-A2B6-D9F424A5BA7B}"/>
+              </a:ext>
+            </a:extLst>
+          </p:cNvPr>
           <p:cNvSpPr>
             <a:spLocks noGrp="1"/>
           </p:cNvSpPr>
@@ -1260,46 +1351,18 @@
         </p:nvSpPr>
         <p:spPr>
           <a:xfrm>
-            <a:off x="4648200" y="1600200"/>
-            <a:ext cx="4038600" cy="4525963"/>
+            <a:off x="4629150" y="1825625"/>
+            <a:ext cx="3886200" cy="4351338"/>
           </a:xfrm>
         </p:spPr>
         <p:txBody>
           <a:bodyPr/>
-          <a:lstStyle>
-            <a:lvl1pPr>
-              <a:defRPr sz="2800"/>
-            </a:lvl1pPr>
-            <a:lvl2pPr>
-              <a:defRPr sz="2400"/>
-            </a:lvl2pPr>
-            <a:lvl3pPr>
-              <a:defRPr sz="2000"/>
-            </a:lvl3pPr>
-            <a:lvl4pPr>
-              <a:defRPr sz="1800"/>
-            </a:lvl4pPr>
-            <a:lvl5pPr>
-              <a:defRPr sz="1800"/>
-            </a:lvl5pPr>
-            <a:lvl6pPr>
-              <a:defRPr sz="1800"/>
-            </a:lvl6pPr>
-            <a:lvl7pPr>
-              <a:defRPr sz="1800"/>
-            </a:lvl7pPr>
-            <a:lvl8pPr>
-              <a:defRPr sz="1800"/>
-            </a:lvl8pPr>
-            <a:lvl9pPr>
-              <a:defRPr sz="1800"/>
-            </a:lvl9pPr>
-          </a:lstStyle>
+          <a:lstStyle/>
           <a:p>
             <a:pPr lvl="0"/>
             <a:r>
               <a:rPr lang="en-US"/>
-              <a:t>Click to edit Master text styles</a:t>
+              <a:t>Edit Master text styles</a:t>
             </a:r>
           </a:p>
           <a:p>
@@ -1334,7 +1397,13 @@
       </p:sp>
       <p:sp>
         <p:nvSpPr>
-          <p:cNvPr id="5" name="Date Placeholder 4"/>
+          <p:cNvPr id="5" name="Date Placeholder 4">
+            <a:extLst>
+              <a:ext uri="{FF2B5EF4-FFF2-40B4-BE49-F238E27FC236}">
+                <a16:creationId xmlns:a16="http://schemas.microsoft.com/office/drawing/2014/main" id="{00F82382-5F23-4479-87CA-4705907FC916}"/>
+              </a:ext>
+            </a:extLst>
+          </p:cNvPr>
           <p:cNvSpPr>
             <a:spLocks noGrp="1"/>
           </p:cNvSpPr>
@@ -1349,7 +1418,7 @@
           <a:p>
             <a:fld id="{6DB206C8-F88B-4959-9CD2-3016D27660E1}" type="datetimeFigureOut">
               <a:rPr lang="en-US" smtClean="0"/>
-              <a:t>8/2/2018</a:t>
+              <a:t>8/8/2018</a:t>
             </a:fld>
             <a:endParaRPr lang="en-US"/>
           </a:p>
@@ -1357,7 +1426,13 @@
       </p:sp>
       <p:sp>
         <p:nvSpPr>
-          <p:cNvPr id="6" name="Footer Placeholder 5"/>
+          <p:cNvPr id="6" name="Footer Placeholder 5">
+            <a:extLst>
+              <a:ext uri="{FF2B5EF4-FFF2-40B4-BE49-F238E27FC236}">
+                <a16:creationId xmlns:a16="http://schemas.microsoft.com/office/drawing/2014/main" id="{89573AC7-0725-4ADF-B5C8-B2F726E4B512}"/>
+              </a:ext>
+            </a:extLst>
+          </p:cNvPr>
           <p:cNvSpPr>
             <a:spLocks noGrp="1"/>
           </p:cNvSpPr>
@@ -1376,7 +1451,13 @@
       </p:sp>
       <p:sp>
         <p:nvSpPr>
-          <p:cNvPr id="7" name="Slide Number Placeholder 6"/>
+          <p:cNvPr id="7" name="Slide Number Placeholder 6">
+            <a:extLst>
+              <a:ext uri="{FF2B5EF4-FFF2-40B4-BE49-F238E27FC236}">
+                <a16:creationId xmlns:a16="http://schemas.microsoft.com/office/drawing/2014/main" id="{43796F14-A486-4CCE-A22A-8EA9103EDC22}"/>
+              </a:ext>
+            </a:extLst>
+          </p:cNvPr>
           <p:cNvSpPr>
             <a:spLocks noGrp="1"/>
           </p:cNvSpPr>
@@ -1400,7 +1481,7 @@
     </p:spTree>
     <p:extLst>
       <p:ext uri="{BB962C8B-B14F-4D97-AF65-F5344CB8AC3E}">
-        <p14:creationId xmlns:p14="http://schemas.microsoft.com/office/powerpoint/2010/main" val="3085400429"/>
+        <p14:creationId xmlns:p14="http://schemas.microsoft.com/office/powerpoint/2010/main" val="2140806681"/>
       </p:ext>
     </p:extLst>
   </p:cSld>
@@ -1429,7 +1510,13 @@
       </p:grpSpPr>
       <p:sp>
         <p:nvSpPr>
-          <p:cNvPr id="2" name="Title 1"/>
+          <p:cNvPr id="2" name="Title 1">
+            <a:extLst>
+              <a:ext uri="{FF2B5EF4-FFF2-40B4-BE49-F238E27FC236}">
+                <a16:creationId xmlns:a16="http://schemas.microsoft.com/office/drawing/2014/main" id="{69B064FD-0194-40FB-B603-269DBB17F95E}"/>
+              </a:ext>
+            </a:extLst>
+          </p:cNvPr>
           <p:cNvSpPr>
             <a:spLocks noGrp="1"/>
           </p:cNvSpPr>
@@ -1437,14 +1524,15 @@
             <p:ph type="title"/>
           </p:nvPr>
         </p:nvSpPr>
-        <p:spPr/>
+        <p:spPr>
+          <a:xfrm>
+            <a:off x="629841" y="365126"/>
+            <a:ext cx="7886700" cy="1325563"/>
+          </a:xfrm>
+        </p:spPr>
         <p:txBody>
           <a:bodyPr/>
-          <a:lstStyle>
-            <a:lvl1pPr>
-              <a:defRPr/>
-            </a:lvl1pPr>
-          </a:lstStyle>
+          <a:lstStyle/>
           <a:p>
             <a:r>
               <a:rPr lang="en-US"/>
@@ -1455,7 +1543,13 @@
       </p:sp>
       <p:sp>
         <p:nvSpPr>
-          <p:cNvPr id="3" name="Text Placeholder 2"/>
+          <p:cNvPr id="3" name="Text Placeholder 2">
+            <a:extLst>
+              <a:ext uri="{FF2B5EF4-FFF2-40B4-BE49-F238E27FC236}">
+                <a16:creationId xmlns:a16="http://schemas.microsoft.com/office/drawing/2014/main" id="{BB9AC1B2-7126-4F19-A4C2-E2429A512685}"/>
+              </a:ext>
+            </a:extLst>
+          </p:cNvPr>
           <p:cNvSpPr>
             <a:spLocks noGrp="1"/>
           </p:cNvSpPr>
@@ -1465,8 +1559,8 @@
         </p:nvSpPr>
         <p:spPr>
           <a:xfrm>
-            <a:off x="457200" y="1535113"/>
-            <a:ext cx="4040188" cy="639762"/>
+            <a:off x="629842" y="1681163"/>
+            <a:ext cx="3868340" cy="823912"/>
           </a:xfrm>
         </p:spPr>
         <p:txBody>
@@ -1474,53 +1568,59 @@
           <a:lstStyle>
             <a:lvl1pPr marL="0" indent="0">
               <a:buNone/>
-              <a:defRPr sz="2400" b="1"/>
+              <a:defRPr sz="1800" b="1"/>
             </a:lvl1pPr>
-            <a:lvl2pPr marL="457200" indent="0">
+            <a:lvl2pPr marL="342900" indent="0">
               <a:buNone/>
-              <a:defRPr sz="2000" b="1"/>
+              <a:defRPr sz="1500" b="1"/>
             </a:lvl2pPr>
-            <a:lvl3pPr marL="914400" indent="0">
+            <a:lvl3pPr marL="685800" indent="0">
               <a:buNone/>
-              <a:defRPr sz="1800" b="1"/>
+              <a:defRPr sz="1350" b="1"/>
             </a:lvl3pPr>
-            <a:lvl4pPr marL="1371600" indent="0">
+            <a:lvl4pPr marL="1028700" indent="0">
               <a:buNone/>
-              <a:defRPr sz="1600" b="1"/>
+              <a:defRPr sz="1200" b="1"/>
             </a:lvl4pPr>
-            <a:lvl5pPr marL="1828800" indent="0">
+            <a:lvl5pPr marL="1371600" indent="0">
               <a:buNone/>
-              <a:defRPr sz="1600" b="1"/>
+              <a:defRPr sz="1200" b="1"/>
             </a:lvl5pPr>
-            <a:lvl6pPr marL="2286000" indent="0">
+            <a:lvl6pPr marL="1714500" indent="0">
               <a:buNone/>
-              <a:defRPr sz="1600" b="1"/>
+              <a:defRPr sz="1200" b="1"/>
             </a:lvl6pPr>
-            <a:lvl7pPr marL="2743200" indent="0">
+            <a:lvl7pPr marL="2057400" indent="0">
               <a:buNone/>
-              <a:defRPr sz="1600" b="1"/>
+              <a:defRPr sz="1200" b="1"/>
             </a:lvl7pPr>
-            <a:lvl8pPr marL="3200400" indent="0">
+            <a:lvl8pPr marL="2400300" indent="0">
               <a:buNone/>
-              <a:defRPr sz="1600" b="1"/>
+              <a:defRPr sz="1200" b="1"/>
             </a:lvl8pPr>
-            <a:lvl9pPr marL="3657600" indent="0">
+            <a:lvl9pPr marL="2743200" indent="0">
               <a:buNone/>
-              <a:defRPr sz="1600" b="1"/>
+              <a:defRPr sz="1200" b="1"/>
             </a:lvl9pPr>
           </a:lstStyle>
           <a:p>
             <a:pPr lvl="0"/>
             <a:r>
               <a:rPr lang="en-US"/>
-              <a:t>Click to edit Master text styles</a:t>
+              <a:t>Edit Master text styles</a:t>
             </a:r>
           </a:p>
         </p:txBody>
       </p:sp>
       <p:sp>
         <p:nvSpPr>
-          <p:cNvPr id="4" name="Content Placeholder 3"/>
+          <p:cNvPr id="4" name="Content Placeholder 3">
+            <a:extLst>
+              <a:ext uri="{FF2B5EF4-FFF2-40B4-BE49-F238E27FC236}">
+                <a16:creationId xmlns:a16="http://schemas.microsoft.com/office/drawing/2014/main" id="{A7606E40-AC67-4BEF-99EF-B3A0B200F008}"/>
+              </a:ext>
+            </a:extLst>
+          </p:cNvPr>
           <p:cNvSpPr>
             <a:spLocks noGrp="1"/>
           </p:cNvSpPr>
@@ -1530,46 +1630,18 @@
         </p:nvSpPr>
         <p:spPr>
           <a:xfrm>
-            <a:off x="457200" y="2174875"/>
-            <a:ext cx="4040188" cy="3951288"/>
+            <a:off x="629842" y="2505075"/>
+            <a:ext cx="3868340" cy="3684588"/>
           </a:xfrm>
         </p:spPr>
         <p:txBody>
           <a:bodyPr/>
-          <a:lstStyle>
-            <a:lvl1pPr>
-              <a:defRPr sz="2400"/>
-            </a:lvl1pPr>
-            <a:lvl2pPr>
-              <a:defRPr sz="2000"/>
-            </a:lvl2pPr>
-            <a:lvl3pPr>
-              <a:defRPr sz="1800"/>
-            </a:lvl3pPr>
-            <a:lvl4pPr>
-              <a:defRPr sz="1600"/>
-            </a:lvl4pPr>
-            <a:lvl5pPr>
-              <a:defRPr sz="1600"/>
-            </a:lvl5pPr>
-            <a:lvl6pPr>
-              <a:defRPr sz="1600"/>
-            </a:lvl6pPr>
-            <a:lvl7pPr>
-              <a:defRPr sz="1600"/>
-            </a:lvl7pPr>
-            <a:lvl8pPr>
-              <a:defRPr sz="1600"/>
-            </a:lvl8pPr>
-            <a:lvl9pPr>
-              <a:defRPr sz="1600"/>
-            </a:lvl9pPr>
-          </a:lstStyle>
+          <a:lstStyle/>
           <a:p>
             <a:pPr lvl="0"/>
             <a:r>
               <a:rPr lang="en-US"/>
-              <a:t>Click to edit Master text styles</a:t>
+              <a:t>Edit Master text styles</a:t>
             </a:r>
           </a:p>
           <a:p>
@@ -1604,7 +1676,13 @@
       </p:sp>
       <p:sp>
         <p:nvSpPr>
-          <p:cNvPr id="5" name="Text Placeholder 4"/>
+          <p:cNvPr id="5" name="Text Placeholder 4">
+            <a:extLst>
+              <a:ext uri="{FF2B5EF4-FFF2-40B4-BE49-F238E27FC236}">
+                <a16:creationId xmlns:a16="http://schemas.microsoft.com/office/drawing/2014/main" id="{7A40CD69-027F-462E-93C3-EC9DA56F4D29}"/>
+              </a:ext>
+            </a:extLst>
+          </p:cNvPr>
           <p:cNvSpPr>
             <a:spLocks noGrp="1"/>
           </p:cNvSpPr>
@@ -1614,8 +1692,8 @@
         </p:nvSpPr>
         <p:spPr>
           <a:xfrm>
-            <a:off x="4645025" y="1535113"/>
-            <a:ext cx="4041775" cy="639762"/>
+            <a:off x="4629150" y="1681163"/>
+            <a:ext cx="3887391" cy="823912"/>
           </a:xfrm>
         </p:spPr>
         <p:txBody>
@@ -1623,53 +1701,59 @@
           <a:lstStyle>
             <a:lvl1pPr marL="0" indent="0">
               <a:buNone/>
-              <a:defRPr sz="2400" b="1"/>
+              <a:defRPr sz="1800" b="1"/>
             </a:lvl1pPr>
-            <a:lvl2pPr marL="457200" indent="0">
+            <a:lvl2pPr marL="342900" indent="0">
               <a:buNone/>
-              <a:defRPr sz="2000" b="1"/>
+              <a:defRPr sz="1500" b="1"/>
             </a:lvl2pPr>
-            <a:lvl3pPr marL="914400" indent="0">
+            <a:lvl3pPr marL="685800" indent="0">
               <a:buNone/>
-              <a:defRPr sz="1800" b="1"/>
+              <a:defRPr sz="1350" b="1"/>
             </a:lvl3pPr>
-            <a:lvl4pPr marL="1371600" indent="0">
+            <a:lvl4pPr marL="1028700" indent="0">
               <a:buNone/>
-              <a:defRPr sz="1600" b="1"/>
+              <a:defRPr sz="1200" b="1"/>
             </a:lvl4pPr>
-            <a:lvl5pPr marL="1828800" indent="0">
+            <a:lvl5pPr marL="1371600" indent="0">
               <a:buNone/>
-              <a:defRPr sz="1600" b="1"/>
+              <a:defRPr sz="1200" b="1"/>
             </a:lvl5pPr>
-            <a:lvl6pPr marL="2286000" indent="0">
+            <a:lvl6pPr marL="1714500" indent="0">
               <a:buNone/>
-              <a:defRPr sz="1600" b="1"/>
+              <a:defRPr sz="1200" b="1"/>
             </a:lvl6pPr>
-            <a:lvl7pPr marL="2743200" indent="0">
+            <a:lvl7pPr marL="2057400" indent="0">
               <a:buNone/>
-              <a:defRPr sz="1600" b="1"/>
+              <a:defRPr sz="1200" b="1"/>
             </a:lvl7pPr>
-            <a:lvl8pPr marL="3200400" indent="0">
+            <a:lvl8pPr marL="2400300" indent="0">
               <a:buNone/>
-              <a:defRPr sz="1600" b="1"/>
+              <a:defRPr sz="1200" b="1"/>
             </a:lvl8pPr>
-            <a:lvl9pPr marL="3657600" indent="0">
+            <a:lvl9pPr marL="2743200" indent="0">
               <a:buNone/>
-              <a:defRPr sz="1600" b="1"/>
+              <a:defRPr sz="1200" b="1"/>
             </a:lvl9pPr>
           </a:lstStyle>
           <a:p>
             <a:pPr lvl="0"/>
             <a:r>
               <a:rPr lang="en-US"/>
-              <a:t>Click to edit Master text styles</a:t>
+              <a:t>Edit Master text styles</a:t>
             </a:r>
           </a:p>
         </p:txBody>
       </p:sp>
       <p:sp>
         <p:nvSpPr>
-          <p:cNvPr id="6" name="Content Placeholder 5"/>
+          <p:cNvPr id="6" name="Content Placeholder 5">
+            <a:extLst>
+              <a:ext uri="{FF2B5EF4-FFF2-40B4-BE49-F238E27FC236}">
+                <a16:creationId xmlns:a16="http://schemas.microsoft.com/office/drawing/2014/main" id="{3EA3852A-A7E4-4D27-805F-0D4A0FF53122}"/>
+              </a:ext>
+            </a:extLst>
+          </p:cNvPr>
           <p:cNvSpPr>
             <a:spLocks noGrp="1"/>
           </p:cNvSpPr>
@@ -1679,46 +1763,18 @@
         </p:nvSpPr>
         <p:spPr>
           <a:xfrm>
-            <a:off x="4645025" y="2174875"/>
-            <a:ext cx="4041775" cy="3951288"/>
+            <a:off x="4629150" y="2505075"/>
+            <a:ext cx="3887391" cy="3684588"/>
           </a:xfrm>
         </p:spPr>
         <p:txBody>
           <a:bodyPr/>
-          <a:lstStyle>
-            <a:lvl1pPr>
-              <a:defRPr sz="2400"/>
-            </a:lvl1pPr>
-            <a:lvl2pPr>
-              <a:defRPr sz="2000"/>
-            </a:lvl2pPr>
-            <a:lvl3pPr>
-              <a:defRPr sz="1800"/>
-            </a:lvl3pPr>
-            <a:lvl4pPr>
-              <a:defRPr sz="1600"/>
-            </a:lvl4pPr>
-            <a:lvl5pPr>
-              <a:defRPr sz="1600"/>
-            </a:lvl5pPr>
-            <a:lvl6pPr>
-              <a:defRPr sz="1600"/>
-            </a:lvl6pPr>
-            <a:lvl7pPr>
-              <a:defRPr sz="1600"/>
-            </a:lvl7pPr>
-            <a:lvl8pPr>
-              <a:defRPr sz="1600"/>
-            </a:lvl8pPr>
-            <a:lvl9pPr>
-              <a:defRPr sz="1600"/>
-            </a:lvl9pPr>
-          </a:lstStyle>
+          <a:lstStyle/>
           <a:p>
             <a:pPr lvl="0"/>
             <a:r>
               <a:rPr lang="en-US"/>
-              <a:t>Click to edit Master text styles</a:t>
+              <a:t>Edit Master text styles</a:t>
             </a:r>
           </a:p>
           <a:p>
@@ -1753,7 +1809,13 @@
       </p:sp>
       <p:sp>
         <p:nvSpPr>
-          <p:cNvPr id="7" name="Date Placeholder 6"/>
+          <p:cNvPr id="7" name="Date Placeholder 6">
+            <a:extLst>
+              <a:ext uri="{FF2B5EF4-FFF2-40B4-BE49-F238E27FC236}">
+                <a16:creationId xmlns:a16="http://schemas.microsoft.com/office/drawing/2014/main" id="{44924881-72A8-42FA-B381-AD2AC749EE80}"/>
+              </a:ext>
+            </a:extLst>
+          </p:cNvPr>
           <p:cNvSpPr>
             <a:spLocks noGrp="1"/>
           </p:cNvSpPr>
@@ -1768,7 +1830,7 @@
           <a:p>
             <a:fld id="{6DB206C8-F88B-4959-9CD2-3016D27660E1}" type="datetimeFigureOut">
               <a:rPr lang="en-US" smtClean="0"/>
-              <a:t>8/2/2018</a:t>
+              <a:t>8/8/2018</a:t>
             </a:fld>
             <a:endParaRPr lang="en-US"/>
           </a:p>
@@ -1776,7 +1838,13 @@
       </p:sp>
       <p:sp>
         <p:nvSpPr>
-          <p:cNvPr id="8" name="Footer Placeholder 7"/>
+          <p:cNvPr id="8" name="Footer Placeholder 7">
+            <a:extLst>
+              <a:ext uri="{FF2B5EF4-FFF2-40B4-BE49-F238E27FC236}">
+                <a16:creationId xmlns:a16="http://schemas.microsoft.com/office/drawing/2014/main" id="{B39215EF-BC82-4D09-A1A1-FFDE0342C68F}"/>
+              </a:ext>
+            </a:extLst>
+          </p:cNvPr>
           <p:cNvSpPr>
             <a:spLocks noGrp="1"/>
           </p:cNvSpPr>
@@ -1795,7 +1863,13 @@
       </p:sp>
       <p:sp>
         <p:nvSpPr>
-          <p:cNvPr id="9" name="Slide Number Placeholder 8"/>
+          <p:cNvPr id="9" name="Slide Number Placeholder 8">
+            <a:extLst>
+              <a:ext uri="{FF2B5EF4-FFF2-40B4-BE49-F238E27FC236}">
+                <a16:creationId xmlns:a16="http://schemas.microsoft.com/office/drawing/2014/main" id="{BA57B9B0-DDF2-46D8-B64C-C41043F5928C}"/>
+              </a:ext>
+            </a:extLst>
+          </p:cNvPr>
           <p:cNvSpPr>
             <a:spLocks noGrp="1"/>
           </p:cNvSpPr>
@@ -1819,7 +1893,7 @@
     </p:spTree>
     <p:extLst>
       <p:ext uri="{BB962C8B-B14F-4D97-AF65-F5344CB8AC3E}">
-        <p14:creationId xmlns:p14="http://schemas.microsoft.com/office/powerpoint/2010/main" val="1030886299"/>
+        <p14:creationId xmlns:p14="http://schemas.microsoft.com/office/powerpoint/2010/main" val="3464121076"/>
       </p:ext>
     </p:extLst>
   </p:cSld>
@@ -1848,7 +1922,13 @@
       </p:grpSpPr>
       <p:sp>
         <p:nvSpPr>
-          <p:cNvPr id="2" name="Title 1"/>
+          <p:cNvPr id="2" name="Title 1">
+            <a:extLst>
+              <a:ext uri="{FF2B5EF4-FFF2-40B4-BE49-F238E27FC236}">
+                <a16:creationId xmlns:a16="http://schemas.microsoft.com/office/drawing/2014/main" id="{8AB07EE8-F276-44A7-982A-88434F653CB4}"/>
+              </a:ext>
+            </a:extLst>
+          </p:cNvPr>
           <p:cNvSpPr>
             <a:spLocks noGrp="1"/>
           </p:cNvSpPr>
@@ -1870,7 +1950,13 @@
       </p:sp>
       <p:sp>
         <p:nvSpPr>
-          <p:cNvPr id="3" name="Date Placeholder 2"/>
+          <p:cNvPr id="3" name="Date Placeholder 2">
+            <a:extLst>
+              <a:ext uri="{FF2B5EF4-FFF2-40B4-BE49-F238E27FC236}">
+                <a16:creationId xmlns:a16="http://schemas.microsoft.com/office/drawing/2014/main" id="{9F41D249-D104-4124-80FC-CB65B964E78C}"/>
+              </a:ext>
+            </a:extLst>
+          </p:cNvPr>
           <p:cNvSpPr>
             <a:spLocks noGrp="1"/>
           </p:cNvSpPr>
@@ -1885,7 +1971,7 @@
           <a:p>
             <a:fld id="{6DB206C8-F88B-4959-9CD2-3016D27660E1}" type="datetimeFigureOut">
               <a:rPr lang="en-US" smtClean="0"/>
-              <a:t>8/2/2018</a:t>
+              <a:t>8/8/2018</a:t>
             </a:fld>
             <a:endParaRPr lang="en-US"/>
           </a:p>
@@ -1893,7 +1979,13 @@
       </p:sp>
       <p:sp>
         <p:nvSpPr>
-          <p:cNvPr id="4" name="Footer Placeholder 3"/>
+          <p:cNvPr id="4" name="Footer Placeholder 3">
+            <a:extLst>
+              <a:ext uri="{FF2B5EF4-FFF2-40B4-BE49-F238E27FC236}">
+                <a16:creationId xmlns:a16="http://schemas.microsoft.com/office/drawing/2014/main" id="{1F84F6F8-CC80-4164-A8A2-74C6FE579C7C}"/>
+              </a:ext>
+            </a:extLst>
+          </p:cNvPr>
           <p:cNvSpPr>
             <a:spLocks noGrp="1"/>
           </p:cNvSpPr>
@@ -1912,7 +2004,13 @@
       </p:sp>
       <p:sp>
         <p:nvSpPr>
-          <p:cNvPr id="5" name="Slide Number Placeholder 4"/>
+          <p:cNvPr id="5" name="Slide Number Placeholder 4">
+            <a:extLst>
+              <a:ext uri="{FF2B5EF4-FFF2-40B4-BE49-F238E27FC236}">
+                <a16:creationId xmlns:a16="http://schemas.microsoft.com/office/drawing/2014/main" id="{11FB4411-515A-4D2A-9C0E-522CC5B4ADA5}"/>
+              </a:ext>
+            </a:extLst>
+          </p:cNvPr>
           <p:cNvSpPr>
             <a:spLocks noGrp="1"/>
           </p:cNvSpPr>
@@ -1936,7 +2034,7 @@
     </p:spTree>
     <p:extLst>
       <p:ext uri="{BB962C8B-B14F-4D97-AF65-F5344CB8AC3E}">
-        <p14:creationId xmlns:p14="http://schemas.microsoft.com/office/powerpoint/2010/main" val="1295735525"/>
+        <p14:creationId xmlns:p14="http://schemas.microsoft.com/office/powerpoint/2010/main" val="347964398"/>
       </p:ext>
     </p:extLst>
   </p:cSld>
@@ -1965,7 +2063,13 @@
       </p:grpSpPr>
       <p:sp>
         <p:nvSpPr>
-          <p:cNvPr id="2" name="Date Placeholder 1"/>
+          <p:cNvPr id="2" name="Date Placeholder 1">
+            <a:extLst>
+              <a:ext uri="{FF2B5EF4-FFF2-40B4-BE49-F238E27FC236}">
+                <a16:creationId xmlns:a16="http://schemas.microsoft.com/office/drawing/2014/main" id="{0C796E03-CE6B-4538-BA62-1A053C7E0006}"/>
+              </a:ext>
+            </a:extLst>
+          </p:cNvPr>
           <p:cNvSpPr>
             <a:spLocks noGrp="1"/>
           </p:cNvSpPr>
@@ -1980,7 +2084,7 @@
           <a:p>
             <a:fld id="{6DB206C8-F88B-4959-9CD2-3016D27660E1}" type="datetimeFigureOut">
               <a:rPr lang="en-US" smtClean="0"/>
-              <a:t>8/2/2018</a:t>
+              <a:t>8/8/2018</a:t>
             </a:fld>
             <a:endParaRPr lang="en-US"/>
           </a:p>
@@ -1988,7 +2092,13 @@
       </p:sp>
       <p:sp>
         <p:nvSpPr>
-          <p:cNvPr id="3" name="Footer Placeholder 2"/>
+          <p:cNvPr id="3" name="Footer Placeholder 2">
+            <a:extLst>
+              <a:ext uri="{FF2B5EF4-FFF2-40B4-BE49-F238E27FC236}">
+                <a16:creationId xmlns:a16="http://schemas.microsoft.com/office/drawing/2014/main" id="{8CD5F4E1-FF8F-4545-A106-8E8B451D6187}"/>
+              </a:ext>
+            </a:extLst>
+          </p:cNvPr>
           <p:cNvSpPr>
             <a:spLocks noGrp="1"/>
           </p:cNvSpPr>
@@ -2007,7 +2117,13 @@
       </p:sp>
       <p:sp>
         <p:nvSpPr>
-          <p:cNvPr id="4" name="Slide Number Placeholder 3"/>
+          <p:cNvPr id="4" name="Slide Number Placeholder 3">
+            <a:extLst>
+              <a:ext uri="{FF2B5EF4-FFF2-40B4-BE49-F238E27FC236}">
+                <a16:creationId xmlns:a16="http://schemas.microsoft.com/office/drawing/2014/main" id="{9EA17FB2-D13D-4472-830D-91E7200E5972}"/>
+              </a:ext>
+            </a:extLst>
+          </p:cNvPr>
           <p:cNvSpPr>
             <a:spLocks noGrp="1"/>
           </p:cNvSpPr>
@@ -2031,7 +2147,7 @@
     </p:spTree>
     <p:extLst>
       <p:ext uri="{BB962C8B-B14F-4D97-AF65-F5344CB8AC3E}">
-        <p14:creationId xmlns:p14="http://schemas.microsoft.com/office/powerpoint/2010/main" val="1879183053"/>
+        <p14:creationId xmlns:p14="http://schemas.microsoft.com/office/powerpoint/2010/main" val="895217778"/>
       </p:ext>
     </p:extLst>
   </p:cSld>
@@ -2060,7 +2176,13 @@
       </p:grpSpPr>
       <p:sp>
         <p:nvSpPr>
-          <p:cNvPr id="2" name="Title 1"/>
+          <p:cNvPr id="2" name="Title 1">
+            <a:extLst>
+              <a:ext uri="{FF2B5EF4-FFF2-40B4-BE49-F238E27FC236}">
+                <a16:creationId xmlns:a16="http://schemas.microsoft.com/office/drawing/2014/main" id="{19F4B1CE-E1EF-4731-BDA3-824447894181}"/>
+              </a:ext>
+            </a:extLst>
+          </p:cNvPr>
           <p:cNvSpPr>
             <a:spLocks noGrp="1"/>
           </p:cNvSpPr>
@@ -2070,15 +2192,15 @@
         </p:nvSpPr>
         <p:spPr>
           <a:xfrm>
-            <a:off x="457200" y="273050"/>
-            <a:ext cx="3008313" cy="1162050"/>
+            <a:off x="629841" y="457200"/>
+            <a:ext cx="2949178" cy="1600200"/>
           </a:xfrm>
         </p:spPr>
         <p:txBody>
           <a:bodyPr anchor="b"/>
           <a:lstStyle>
-            <a:lvl1pPr algn="l">
-              <a:defRPr sz="2000" b="1"/>
+            <a:lvl1pPr>
+              <a:defRPr sz="2400"/>
             </a:lvl1pPr>
           </a:lstStyle>
           <a:p>
@@ -2091,7 +2213,13 @@
       </p:sp>
       <p:sp>
         <p:nvSpPr>
-          <p:cNvPr id="3" name="Content Placeholder 2"/>
+          <p:cNvPr id="3" name="Content Placeholder 2">
+            <a:extLst>
+              <a:ext uri="{FF2B5EF4-FFF2-40B4-BE49-F238E27FC236}">
+                <a16:creationId xmlns:a16="http://schemas.microsoft.com/office/drawing/2014/main" id="{0AFF8D69-9355-455A-96F6-E33AFDAE89C1}"/>
+              </a:ext>
+            </a:extLst>
+          </p:cNvPr>
           <p:cNvSpPr>
             <a:spLocks noGrp="1"/>
           </p:cNvSpPr>
@@ -2101,46 +2229,46 @@
         </p:nvSpPr>
         <p:spPr>
           <a:xfrm>
-            <a:off x="3575050" y="273050"/>
-            <a:ext cx="5111750" cy="5853113"/>
+            <a:off x="3887391" y="987426"/>
+            <a:ext cx="4629150" cy="4873625"/>
           </a:xfrm>
         </p:spPr>
         <p:txBody>
           <a:bodyPr/>
           <a:lstStyle>
             <a:lvl1pPr>
-              <a:defRPr sz="3200"/>
+              <a:defRPr sz="2400"/>
             </a:lvl1pPr>
             <a:lvl2pPr>
-              <a:defRPr sz="2800"/>
+              <a:defRPr sz="2100"/>
             </a:lvl2pPr>
             <a:lvl3pPr>
-              <a:defRPr sz="2400"/>
+              <a:defRPr sz="1800"/>
             </a:lvl3pPr>
             <a:lvl4pPr>
-              <a:defRPr sz="2000"/>
+              <a:defRPr sz="1500"/>
             </a:lvl4pPr>
             <a:lvl5pPr>
-              <a:defRPr sz="2000"/>
+              <a:defRPr sz="1500"/>
             </a:lvl5pPr>
             <a:lvl6pPr>
-              <a:defRPr sz="2000"/>
+              <a:defRPr sz="1500"/>
             </a:lvl6pPr>
             <a:lvl7pPr>
-              <a:defRPr sz="2000"/>
+              <a:defRPr sz="1500"/>
             </a:lvl7pPr>
             <a:lvl8pPr>
-              <a:defRPr sz="2000"/>
+              <a:defRPr sz="1500"/>
             </a:lvl8pPr>
             <a:lvl9pPr>
-              <a:defRPr sz="2000"/>
+              <a:defRPr sz="1500"/>
             </a:lvl9pPr>
           </a:lstStyle>
           <a:p>
             <a:pPr lvl="0"/>
             <a:r>
               <a:rPr lang="en-US"/>
-              <a:t>Click to edit Master text styles</a:t>
+              <a:t>Edit Master text styles</a:t>
             </a:r>
           </a:p>
           <a:p>
@@ -2175,7 +2303,13 @@
       </p:sp>
       <p:sp>
         <p:nvSpPr>
-          <p:cNvPr id="4" name="Text Placeholder 3"/>
+          <p:cNvPr id="4" name="Text Placeholder 3">
+            <a:extLst>
+              <a:ext uri="{FF2B5EF4-FFF2-40B4-BE49-F238E27FC236}">
+                <a16:creationId xmlns:a16="http://schemas.microsoft.com/office/drawing/2014/main" id="{A122B9FB-7FFE-4A06-8A88-DBBEF5DDF2A5}"/>
+              </a:ext>
+            </a:extLst>
+          </p:cNvPr>
           <p:cNvSpPr>
             <a:spLocks noGrp="1"/>
           </p:cNvSpPr>
@@ -2185,8 +2319,8 @@
         </p:nvSpPr>
         <p:spPr>
           <a:xfrm>
-            <a:off x="457200" y="1435100"/>
-            <a:ext cx="3008313" cy="4691063"/>
+            <a:off x="629841" y="2057400"/>
+            <a:ext cx="2949178" cy="3811588"/>
           </a:xfrm>
         </p:spPr>
         <p:txBody>
@@ -2194,53 +2328,59 @@
           <a:lstStyle>
             <a:lvl1pPr marL="0" indent="0">
               <a:buNone/>
-              <a:defRPr sz="1400"/>
+              <a:defRPr sz="1200"/>
             </a:lvl1pPr>
-            <a:lvl2pPr marL="457200" indent="0">
+            <a:lvl2pPr marL="342900" indent="0">
               <a:buNone/>
-              <a:defRPr sz="1200"/>
+              <a:defRPr sz="1050"/>
             </a:lvl2pPr>
-            <a:lvl3pPr marL="914400" indent="0">
-              <a:buNone/>
-              <a:defRPr sz="1000"/>
-            </a:lvl3pPr>
-            <a:lvl4pPr marL="1371600" indent="0">
+            <a:lvl3pPr marL="685800" indent="0">
               <a:buNone/>
               <a:defRPr sz="900"/>
+            </a:lvl3pPr>
+            <a:lvl4pPr marL="1028700" indent="0">
+              <a:buNone/>
+              <a:defRPr sz="750"/>
             </a:lvl4pPr>
-            <a:lvl5pPr marL="1828800" indent="0">
+            <a:lvl5pPr marL="1371600" indent="0">
               <a:buNone/>
-              <a:defRPr sz="900"/>
+              <a:defRPr sz="750"/>
             </a:lvl5pPr>
-            <a:lvl6pPr marL="2286000" indent="0">
+            <a:lvl6pPr marL="1714500" indent="0">
               <a:buNone/>
-              <a:defRPr sz="900"/>
+              <a:defRPr sz="750"/>
             </a:lvl6pPr>
-            <a:lvl7pPr marL="2743200" indent="0">
+            <a:lvl7pPr marL="2057400" indent="0">
               <a:buNone/>
-              <a:defRPr sz="900"/>
+              <a:defRPr sz="750"/>
             </a:lvl7pPr>
-            <a:lvl8pPr marL="3200400" indent="0">
+            <a:lvl8pPr marL="2400300" indent="0">
               <a:buNone/>
-              <a:defRPr sz="900"/>
+              <a:defRPr sz="750"/>
             </a:lvl8pPr>
-            <a:lvl9pPr marL="3657600" indent="0">
+            <a:lvl9pPr marL="2743200" indent="0">
               <a:buNone/>
-              <a:defRPr sz="900"/>
+              <a:defRPr sz="750"/>
             </a:lvl9pPr>
           </a:lstStyle>
           <a:p>
             <a:pPr lvl="0"/>
             <a:r>
               <a:rPr lang="en-US"/>
-              <a:t>Click to edit Master text styles</a:t>
+              <a:t>Edit Master text styles</a:t>
             </a:r>
           </a:p>
         </p:txBody>
       </p:sp>
       <p:sp>
         <p:nvSpPr>
-          <p:cNvPr id="5" name="Date Placeholder 4"/>
+          <p:cNvPr id="5" name="Date Placeholder 4">
+            <a:extLst>
+              <a:ext uri="{FF2B5EF4-FFF2-40B4-BE49-F238E27FC236}">
+                <a16:creationId xmlns:a16="http://schemas.microsoft.com/office/drawing/2014/main" id="{E49CF1A5-7FFC-4148-8BD2-2E27F83AD17B}"/>
+              </a:ext>
+            </a:extLst>
+          </p:cNvPr>
           <p:cNvSpPr>
             <a:spLocks noGrp="1"/>
           </p:cNvSpPr>
@@ -2255,7 +2395,7 @@
           <a:p>
             <a:fld id="{6DB206C8-F88B-4959-9CD2-3016D27660E1}" type="datetimeFigureOut">
               <a:rPr lang="en-US" smtClean="0"/>
-              <a:t>8/2/2018</a:t>
+              <a:t>8/8/2018</a:t>
             </a:fld>
             <a:endParaRPr lang="en-US"/>
           </a:p>
@@ -2263,7 +2403,13 @@
       </p:sp>
       <p:sp>
         <p:nvSpPr>
-          <p:cNvPr id="6" name="Footer Placeholder 5"/>
+          <p:cNvPr id="6" name="Footer Placeholder 5">
+            <a:extLst>
+              <a:ext uri="{FF2B5EF4-FFF2-40B4-BE49-F238E27FC236}">
+                <a16:creationId xmlns:a16="http://schemas.microsoft.com/office/drawing/2014/main" id="{B3552167-8D52-43CD-8F26-D4ABC5C0EA86}"/>
+              </a:ext>
+            </a:extLst>
+          </p:cNvPr>
           <p:cNvSpPr>
             <a:spLocks noGrp="1"/>
           </p:cNvSpPr>
@@ -2282,7 +2428,13 @@
       </p:sp>
       <p:sp>
         <p:nvSpPr>
-          <p:cNvPr id="7" name="Slide Number Placeholder 6"/>
+          <p:cNvPr id="7" name="Slide Number Placeholder 6">
+            <a:extLst>
+              <a:ext uri="{FF2B5EF4-FFF2-40B4-BE49-F238E27FC236}">
+                <a16:creationId xmlns:a16="http://schemas.microsoft.com/office/drawing/2014/main" id="{68D2CABB-69E3-451F-8DCE-9ACADBF9500D}"/>
+              </a:ext>
+            </a:extLst>
+          </p:cNvPr>
           <p:cNvSpPr>
             <a:spLocks noGrp="1"/>
           </p:cNvSpPr>
@@ -2306,7 +2458,7 @@
     </p:spTree>
     <p:extLst>
       <p:ext uri="{BB962C8B-B14F-4D97-AF65-F5344CB8AC3E}">
-        <p14:creationId xmlns:p14="http://schemas.microsoft.com/office/powerpoint/2010/main" val="1624838179"/>
+        <p14:creationId xmlns:p14="http://schemas.microsoft.com/office/powerpoint/2010/main" val="4022945196"/>
       </p:ext>
     </p:extLst>
   </p:cSld>
@@ -2335,7 +2487,13 @@
       </p:grpSpPr>
       <p:sp>
         <p:nvSpPr>
-          <p:cNvPr id="2" name="Title 1"/>
+          <p:cNvPr id="2" name="Title 1">
+            <a:extLst>
+              <a:ext uri="{FF2B5EF4-FFF2-40B4-BE49-F238E27FC236}">
+                <a16:creationId xmlns:a16="http://schemas.microsoft.com/office/drawing/2014/main" id="{56AE5C35-62FE-4083-B802-16E939F20C49}"/>
+              </a:ext>
+            </a:extLst>
+          </p:cNvPr>
           <p:cNvSpPr>
             <a:spLocks noGrp="1"/>
           </p:cNvSpPr>
@@ -2345,15 +2503,15 @@
         </p:nvSpPr>
         <p:spPr>
           <a:xfrm>
-            <a:off x="1792288" y="4800600"/>
-            <a:ext cx="5486400" cy="566738"/>
+            <a:off x="629841" y="457200"/>
+            <a:ext cx="2949178" cy="1600200"/>
           </a:xfrm>
         </p:spPr>
         <p:txBody>
           <a:bodyPr anchor="b"/>
           <a:lstStyle>
-            <a:lvl1pPr algn="l">
-              <a:defRPr sz="2000" b="1"/>
+            <a:lvl1pPr>
+              <a:defRPr sz="2400"/>
             </a:lvl1pPr>
           </a:lstStyle>
           <a:p>
@@ -2366,7 +2524,13 @@
       </p:sp>
       <p:sp>
         <p:nvSpPr>
-          <p:cNvPr id="3" name="Picture Placeholder 2"/>
+          <p:cNvPr id="3" name="Picture Placeholder 2">
+            <a:extLst>
+              <a:ext uri="{FF2B5EF4-FFF2-40B4-BE49-F238E27FC236}">
+                <a16:creationId xmlns:a16="http://schemas.microsoft.com/office/drawing/2014/main" id="{B39C27BF-90F4-4FAB-8BCE-24208AFA03BD}"/>
+              </a:ext>
+            </a:extLst>
+          </p:cNvPr>
           <p:cNvSpPr>
             <a:spLocks noGrp="1"/>
           </p:cNvSpPr>
@@ -2376,8 +2540,8 @@
         </p:nvSpPr>
         <p:spPr>
           <a:xfrm>
-            <a:off x="1792288" y="612775"/>
-            <a:ext cx="5486400" cy="4114800"/>
+            <a:off x="3887391" y="987426"/>
+            <a:ext cx="4629150" cy="4873625"/>
           </a:xfrm>
         </p:spPr>
         <p:txBody>
@@ -2385,39 +2549,39 @@
           <a:lstStyle>
             <a:lvl1pPr marL="0" indent="0">
               <a:buNone/>
-              <a:defRPr sz="3200"/>
+              <a:defRPr sz="2400"/>
             </a:lvl1pPr>
-            <a:lvl2pPr marL="457200" indent="0">
+            <a:lvl2pPr marL="342900" indent="0">
               <a:buNone/>
-              <a:defRPr sz="2800"/>
+              <a:defRPr sz="2100"/>
             </a:lvl2pPr>
-            <a:lvl3pPr marL="914400" indent="0">
+            <a:lvl3pPr marL="685800" indent="0">
               <a:buNone/>
-              <a:defRPr sz="2400"/>
+              <a:defRPr sz="1800"/>
             </a:lvl3pPr>
-            <a:lvl4pPr marL="1371600" indent="0">
+            <a:lvl4pPr marL="1028700" indent="0">
               <a:buNone/>
-              <a:defRPr sz="2000"/>
+              <a:defRPr sz="1500"/>
             </a:lvl4pPr>
-            <a:lvl5pPr marL="1828800" indent="0">
+            <a:lvl5pPr marL="1371600" indent="0">
               <a:buNone/>
-              <a:defRPr sz="2000"/>
+              <a:defRPr sz="1500"/>
             </a:lvl5pPr>
-            <a:lvl6pPr marL="2286000" indent="0">
+            <a:lvl6pPr marL="1714500" indent="0">
               <a:buNone/>
-              <a:defRPr sz="2000"/>
+              <a:defRPr sz="1500"/>
             </a:lvl6pPr>
-            <a:lvl7pPr marL="2743200" indent="0">
+            <a:lvl7pPr marL="2057400" indent="0">
               <a:buNone/>
-              <a:defRPr sz="2000"/>
+              <a:defRPr sz="1500"/>
             </a:lvl7pPr>
-            <a:lvl8pPr marL="3200400" indent="0">
+            <a:lvl8pPr marL="2400300" indent="0">
               <a:buNone/>
-              <a:defRPr sz="2000"/>
+              <a:defRPr sz="1500"/>
             </a:lvl8pPr>
-            <a:lvl9pPr marL="3657600" indent="0">
+            <a:lvl9pPr marL="2743200" indent="0">
               <a:buNone/>
-              <a:defRPr sz="2000"/>
+              <a:defRPr sz="1500"/>
             </a:lvl9pPr>
           </a:lstStyle>
           <a:p>
@@ -2427,7 +2591,13 @@
       </p:sp>
       <p:sp>
         <p:nvSpPr>
-          <p:cNvPr id="4" name="Text Placeholder 3"/>
+          <p:cNvPr id="4" name="Text Placeholder 3">
+            <a:extLst>
+              <a:ext uri="{FF2B5EF4-FFF2-40B4-BE49-F238E27FC236}">
+                <a16:creationId xmlns:a16="http://schemas.microsoft.com/office/drawing/2014/main" id="{3E73F161-AFAF-4D07-B914-F91CC02BA417}"/>
+              </a:ext>
+            </a:extLst>
+          </p:cNvPr>
           <p:cNvSpPr>
             <a:spLocks noGrp="1"/>
           </p:cNvSpPr>
@@ -2437,8 +2607,8 @@
         </p:nvSpPr>
         <p:spPr>
           <a:xfrm>
-            <a:off x="1792288" y="5367338"/>
-            <a:ext cx="5486400" cy="804862"/>
+            <a:off x="629841" y="2057400"/>
+            <a:ext cx="2949178" cy="3811588"/>
           </a:xfrm>
         </p:spPr>
         <p:txBody>
@@ -2446,53 +2616,59 @@
           <a:lstStyle>
             <a:lvl1pPr marL="0" indent="0">
               <a:buNone/>
-              <a:defRPr sz="1400"/>
+              <a:defRPr sz="1200"/>
             </a:lvl1pPr>
-            <a:lvl2pPr marL="457200" indent="0">
+            <a:lvl2pPr marL="342900" indent="0">
               <a:buNone/>
-              <a:defRPr sz="1200"/>
+              <a:defRPr sz="1050"/>
             </a:lvl2pPr>
-            <a:lvl3pPr marL="914400" indent="0">
-              <a:buNone/>
-              <a:defRPr sz="1000"/>
-            </a:lvl3pPr>
-            <a:lvl4pPr marL="1371600" indent="0">
+            <a:lvl3pPr marL="685800" indent="0">
               <a:buNone/>
               <a:defRPr sz="900"/>
+            </a:lvl3pPr>
+            <a:lvl4pPr marL="1028700" indent="0">
+              <a:buNone/>
+              <a:defRPr sz="750"/>
             </a:lvl4pPr>
-            <a:lvl5pPr marL="1828800" indent="0">
+            <a:lvl5pPr marL="1371600" indent="0">
               <a:buNone/>
-              <a:defRPr sz="900"/>
+              <a:defRPr sz="750"/>
             </a:lvl5pPr>
-            <a:lvl6pPr marL="2286000" indent="0">
+            <a:lvl6pPr marL="1714500" indent="0">
               <a:buNone/>
-              <a:defRPr sz="900"/>
+              <a:defRPr sz="750"/>
             </a:lvl6pPr>
-            <a:lvl7pPr marL="2743200" indent="0">
+            <a:lvl7pPr marL="2057400" indent="0">
               <a:buNone/>
-              <a:defRPr sz="900"/>
+              <a:defRPr sz="750"/>
             </a:lvl7pPr>
-            <a:lvl8pPr marL="3200400" indent="0">
+            <a:lvl8pPr marL="2400300" indent="0">
               <a:buNone/>
-              <a:defRPr sz="900"/>
+              <a:defRPr sz="750"/>
             </a:lvl8pPr>
-            <a:lvl9pPr marL="3657600" indent="0">
+            <a:lvl9pPr marL="2743200" indent="0">
               <a:buNone/>
-              <a:defRPr sz="900"/>
+              <a:defRPr sz="750"/>
             </a:lvl9pPr>
           </a:lstStyle>
           <a:p>
             <a:pPr lvl="0"/>
             <a:r>
               <a:rPr lang="en-US"/>
-              <a:t>Click to edit Master text styles</a:t>
+              <a:t>Edit Master text styles</a:t>
             </a:r>
           </a:p>
         </p:txBody>
       </p:sp>
       <p:sp>
         <p:nvSpPr>
-          <p:cNvPr id="5" name="Date Placeholder 4"/>
+          <p:cNvPr id="5" name="Date Placeholder 4">
+            <a:extLst>
+              <a:ext uri="{FF2B5EF4-FFF2-40B4-BE49-F238E27FC236}">
+                <a16:creationId xmlns:a16="http://schemas.microsoft.com/office/drawing/2014/main" id="{38FDEA48-7A73-446B-8F1F-C8DC33E73BF9}"/>
+              </a:ext>
+            </a:extLst>
+          </p:cNvPr>
           <p:cNvSpPr>
             <a:spLocks noGrp="1"/>
           </p:cNvSpPr>
@@ -2507,7 +2683,7 @@
           <a:p>
             <a:fld id="{6DB206C8-F88B-4959-9CD2-3016D27660E1}" type="datetimeFigureOut">
               <a:rPr lang="en-US" smtClean="0"/>
-              <a:t>8/2/2018</a:t>
+              <a:t>8/8/2018</a:t>
             </a:fld>
             <a:endParaRPr lang="en-US"/>
           </a:p>
@@ -2515,7 +2691,13 @@
       </p:sp>
       <p:sp>
         <p:nvSpPr>
-          <p:cNvPr id="6" name="Footer Placeholder 5"/>
+          <p:cNvPr id="6" name="Footer Placeholder 5">
+            <a:extLst>
+              <a:ext uri="{FF2B5EF4-FFF2-40B4-BE49-F238E27FC236}">
+                <a16:creationId xmlns:a16="http://schemas.microsoft.com/office/drawing/2014/main" id="{70F58E06-E8A8-455D-B81C-8558DA26388C}"/>
+              </a:ext>
+            </a:extLst>
+          </p:cNvPr>
           <p:cNvSpPr>
             <a:spLocks noGrp="1"/>
           </p:cNvSpPr>
@@ -2534,7 +2716,13 @@
       </p:sp>
       <p:sp>
         <p:nvSpPr>
-          <p:cNvPr id="7" name="Slide Number Placeholder 6"/>
+          <p:cNvPr id="7" name="Slide Number Placeholder 6">
+            <a:extLst>
+              <a:ext uri="{FF2B5EF4-FFF2-40B4-BE49-F238E27FC236}">
+                <a16:creationId xmlns:a16="http://schemas.microsoft.com/office/drawing/2014/main" id="{E24641BA-5923-400D-AF2E-78856684D153}"/>
+              </a:ext>
+            </a:extLst>
+          </p:cNvPr>
           <p:cNvSpPr>
             <a:spLocks noGrp="1"/>
           </p:cNvSpPr>
@@ -2558,7 +2746,7 @@
     </p:spTree>
     <p:extLst>
       <p:ext uri="{BB962C8B-B14F-4D97-AF65-F5344CB8AC3E}">
-        <p14:creationId xmlns:p14="http://schemas.microsoft.com/office/powerpoint/2010/main" val="798315355"/>
+        <p14:creationId xmlns:p14="http://schemas.microsoft.com/office/powerpoint/2010/main" val="3199045788"/>
       </p:ext>
     </p:extLst>
   </p:cSld>
@@ -2592,7 +2780,13 @@
       </p:grpSpPr>
       <p:sp>
         <p:nvSpPr>
-          <p:cNvPr id="2" name="Title Placeholder 1"/>
+          <p:cNvPr id="2" name="Title Placeholder 1">
+            <a:extLst>
+              <a:ext uri="{FF2B5EF4-FFF2-40B4-BE49-F238E27FC236}">
+                <a16:creationId xmlns:a16="http://schemas.microsoft.com/office/drawing/2014/main" id="{C61FEFF9-5A09-4BFF-85AE-C297D66937FE}"/>
+              </a:ext>
+            </a:extLst>
+          </p:cNvPr>
           <p:cNvSpPr>
             <a:spLocks noGrp="1"/>
           </p:cNvSpPr>
@@ -2602,8 +2796,8 @@
         </p:nvSpPr>
         <p:spPr>
           <a:xfrm>
-            <a:off x="457200" y="274638"/>
-            <a:ext cx="8229600" cy="1143000"/>
+            <a:off x="628650" y="365126"/>
+            <a:ext cx="7886700" cy="1325563"/>
           </a:xfrm>
           <a:prstGeom prst="rect">
             <a:avLst/>
@@ -2624,7 +2818,13 @@
       </p:sp>
       <p:sp>
         <p:nvSpPr>
-          <p:cNvPr id="3" name="Text Placeholder 2"/>
+          <p:cNvPr id="3" name="Text Placeholder 2">
+            <a:extLst>
+              <a:ext uri="{FF2B5EF4-FFF2-40B4-BE49-F238E27FC236}">
+                <a16:creationId xmlns:a16="http://schemas.microsoft.com/office/drawing/2014/main" id="{38AF24C5-A988-49E0-B17B-46F3BADB24AD}"/>
+              </a:ext>
+            </a:extLst>
+          </p:cNvPr>
           <p:cNvSpPr>
             <a:spLocks noGrp="1"/>
           </p:cNvSpPr>
@@ -2634,8 +2834,8 @@
         </p:nvSpPr>
         <p:spPr>
           <a:xfrm>
-            <a:off x="457200" y="1600200"/>
-            <a:ext cx="8229600" cy="4525963"/>
+            <a:off x="628650" y="1825625"/>
+            <a:ext cx="7886700" cy="4351338"/>
           </a:xfrm>
           <a:prstGeom prst="rect">
             <a:avLst/>
@@ -2650,7 +2850,7 @@
             <a:pPr lvl="0"/>
             <a:r>
               <a:rPr lang="en-US"/>
-              <a:t>Click to edit Master text styles</a:t>
+              <a:t>Edit Master text styles</a:t>
             </a:r>
           </a:p>
           <a:p>
@@ -2685,7 +2885,13 @@
       </p:sp>
       <p:sp>
         <p:nvSpPr>
-          <p:cNvPr id="4" name="Date Placeholder 3"/>
+          <p:cNvPr id="4" name="Date Placeholder 3">
+            <a:extLst>
+              <a:ext uri="{FF2B5EF4-FFF2-40B4-BE49-F238E27FC236}">
+                <a16:creationId xmlns:a16="http://schemas.microsoft.com/office/drawing/2014/main" id="{74C52917-92C9-4BC6-899D-B1555B947D26}"/>
+              </a:ext>
+            </a:extLst>
+          </p:cNvPr>
           <p:cNvSpPr>
             <a:spLocks noGrp="1"/>
           </p:cNvSpPr>
@@ -2695,8 +2901,8 @@
         </p:nvSpPr>
         <p:spPr>
           <a:xfrm>
-            <a:off x="457200" y="6356350"/>
-            <a:ext cx="2133600" cy="365125"/>
+            <a:off x="628650" y="6356351"/>
+            <a:ext cx="2057400" cy="365125"/>
           </a:xfrm>
           <a:prstGeom prst="rect">
             <a:avLst/>
@@ -2706,7 +2912,7 @@
           <a:bodyPr vert="horz" lIns="91440" tIns="45720" rIns="91440" bIns="45720" rtlCol="0" anchor="ctr"/>
           <a:lstStyle>
             <a:lvl1pPr algn="l">
-              <a:defRPr sz="1200">
+              <a:defRPr sz="900">
                 <a:solidFill>
                   <a:schemeClr val="tx1">
                     <a:tint val="75000"/>
@@ -2718,7 +2924,7 @@
           <a:p>
             <a:fld id="{6DB206C8-F88B-4959-9CD2-3016D27660E1}" type="datetimeFigureOut">
               <a:rPr lang="en-US" smtClean="0"/>
-              <a:t>8/2/2018</a:t>
+              <a:t>8/8/2018</a:t>
             </a:fld>
             <a:endParaRPr lang="en-US"/>
           </a:p>
@@ -2726,7 +2932,13 @@
       </p:sp>
       <p:sp>
         <p:nvSpPr>
-          <p:cNvPr id="5" name="Footer Placeholder 4"/>
+          <p:cNvPr id="5" name="Footer Placeholder 4">
+            <a:extLst>
+              <a:ext uri="{FF2B5EF4-FFF2-40B4-BE49-F238E27FC236}">
+                <a16:creationId xmlns:a16="http://schemas.microsoft.com/office/drawing/2014/main" id="{5CFE555E-5926-4647-939D-64591C757CA5}"/>
+              </a:ext>
+            </a:extLst>
+          </p:cNvPr>
           <p:cNvSpPr>
             <a:spLocks noGrp="1"/>
           </p:cNvSpPr>
@@ -2736,8 +2948,8 @@
         </p:nvSpPr>
         <p:spPr>
           <a:xfrm>
-            <a:off x="3124200" y="6356350"/>
-            <a:ext cx="2895600" cy="365125"/>
+            <a:off x="3028950" y="6356351"/>
+            <a:ext cx="3086100" cy="365125"/>
           </a:xfrm>
           <a:prstGeom prst="rect">
             <a:avLst/>
@@ -2747,7 +2959,7 @@
           <a:bodyPr vert="horz" lIns="91440" tIns="45720" rIns="91440" bIns="45720" rtlCol="0" anchor="ctr"/>
           <a:lstStyle>
             <a:lvl1pPr algn="ctr">
-              <a:defRPr sz="1200">
+              <a:defRPr sz="900">
                 <a:solidFill>
                   <a:schemeClr val="tx1">
                     <a:tint val="75000"/>
@@ -2763,7 +2975,13 @@
       </p:sp>
       <p:sp>
         <p:nvSpPr>
-          <p:cNvPr id="6" name="Slide Number Placeholder 5"/>
+          <p:cNvPr id="6" name="Slide Number Placeholder 5">
+            <a:extLst>
+              <a:ext uri="{FF2B5EF4-FFF2-40B4-BE49-F238E27FC236}">
+                <a16:creationId xmlns:a16="http://schemas.microsoft.com/office/drawing/2014/main" id="{3D8CA1B8-5CDB-4A35-888C-E5801AA69143}"/>
+              </a:ext>
+            </a:extLst>
+          </p:cNvPr>
           <p:cNvSpPr>
             <a:spLocks noGrp="1"/>
           </p:cNvSpPr>
@@ -2773,8 +2991,8 @@
         </p:nvSpPr>
         <p:spPr>
           <a:xfrm>
-            <a:off x="6553200" y="6356350"/>
-            <a:ext cx="2133600" cy="365125"/>
+            <a:off x="6457950" y="6356351"/>
+            <a:ext cx="2057400" cy="365125"/>
           </a:xfrm>
           <a:prstGeom prst="rect">
             <a:avLst/>
@@ -2784,7 +3002,7 @@
           <a:bodyPr vert="horz" lIns="91440" tIns="45720" rIns="91440" bIns="45720" rtlCol="0" anchor="ctr"/>
           <a:lstStyle>
             <a:lvl1pPr algn="r">
-              <a:defRPr sz="1200">
+              <a:defRPr sz="900">
                 <a:solidFill>
                   <a:schemeClr val="tx1">
                     <a:tint val="75000"/>
@@ -2805,32 +3023,35 @@
     </p:spTree>
     <p:extLst>
       <p:ext uri="{BB962C8B-B14F-4D97-AF65-F5344CB8AC3E}">
-        <p14:creationId xmlns:p14="http://schemas.microsoft.com/office/powerpoint/2010/main" val="785050265"/>
+        <p14:creationId xmlns:p14="http://schemas.microsoft.com/office/powerpoint/2010/main" val="278502464"/>
       </p:ext>
     </p:extLst>
   </p:cSld>
   <p:clrMap bg1="lt1" tx1="dk1" bg2="lt2" tx2="dk2" accent1="accent1" accent2="accent2" accent3="accent3" accent4="accent4" accent5="accent5" accent6="accent6" hlink="hlink" folHlink="folHlink"/>
   <p:sldLayoutIdLst>
-    <p:sldLayoutId id="2147483649" r:id="rId1"/>
-    <p:sldLayoutId id="2147483650" r:id="rId2"/>
-    <p:sldLayoutId id="2147483651" r:id="rId3"/>
-    <p:sldLayoutId id="2147483652" r:id="rId4"/>
-    <p:sldLayoutId id="2147483653" r:id="rId5"/>
-    <p:sldLayoutId id="2147483654" r:id="rId6"/>
-    <p:sldLayoutId id="2147483655" r:id="rId7"/>
-    <p:sldLayoutId id="2147483656" r:id="rId8"/>
-    <p:sldLayoutId id="2147483657" r:id="rId9"/>
-    <p:sldLayoutId id="2147483658" r:id="rId10"/>
-    <p:sldLayoutId id="2147483659" r:id="rId11"/>
+    <p:sldLayoutId id="2147483673" r:id="rId1"/>
+    <p:sldLayoutId id="2147483674" r:id="rId2"/>
+    <p:sldLayoutId id="2147483675" r:id="rId3"/>
+    <p:sldLayoutId id="2147483676" r:id="rId4"/>
+    <p:sldLayoutId id="2147483677" r:id="rId5"/>
+    <p:sldLayoutId id="2147483678" r:id="rId6"/>
+    <p:sldLayoutId id="2147483679" r:id="rId7"/>
+    <p:sldLayoutId id="2147483680" r:id="rId8"/>
+    <p:sldLayoutId id="2147483681" r:id="rId9"/>
+    <p:sldLayoutId id="2147483682" r:id="rId10"/>
+    <p:sldLayoutId id="2147483683" r:id="rId11"/>
   </p:sldLayoutIdLst>
   <p:txStyles>
     <p:titleStyle>
-      <a:lvl1pPr algn="ctr" defTabSz="914400" rtl="0" eaLnBrk="1" latinLnBrk="0" hangingPunct="1">
+      <a:lvl1pPr algn="l" defTabSz="685800" rtl="0" eaLnBrk="1" latinLnBrk="0" hangingPunct="1">
+        <a:lnSpc>
+          <a:spcPct val="90000"/>
+        </a:lnSpc>
         <a:spcBef>
           <a:spcPct val="0"/>
         </a:spcBef>
         <a:buNone/>
-        <a:defRPr sz="4400" kern="1200">
+        <a:defRPr sz="3300" kern="1200">
           <a:solidFill>
             <a:schemeClr val="tx1"/>
           </a:solidFill>
@@ -2841,13 +3062,16 @@
       </a:lvl1pPr>
     </p:titleStyle>
     <p:bodyStyle>
-      <a:lvl1pPr marL="342900" indent="-342900" algn="l" defTabSz="914400" rtl="0" eaLnBrk="1" latinLnBrk="0" hangingPunct="1">
+      <a:lvl1pPr marL="171450" indent="-171450" algn="l" defTabSz="685800" rtl="0" eaLnBrk="1" latinLnBrk="0" hangingPunct="1">
+        <a:lnSpc>
+          <a:spcPct val="90000"/>
+        </a:lnSpc>
         <a:spcBef>
-          <a:spcPct val="20000"/>
+          <a:spcPts val="750"/>
         </a:spcBef>
-        <a:buFont typeface="Arial" pitchFamily="34" charset="0"/>
+        <a:buFont typeface="Arial" panose="020B0604020202020204" pitchFamily="34" charset="0"/>
         <a:buChar char="•"/>
-        <a:defRPr sz="3200" kern="1200">
+        <a:defRPr sz="2100" kern="1200">
           <a:solidFill>
             <a:schemeClr val="tx1"/>
           </a:solidFill>
@@ -2856,13 +3080,16 @@
           <a:cs typeface="+mn-cs"/>
         </a:defRPr>
       </a:lvl1pPr>
-      <a:lvl2pPr marL="742950" indent="-285750" algn="l" defTabSz="914400" rtl="0" eaLnBrk="1" latinLnBrk="0" hangingPunct="1">
+      <a:lvl2pPr marL="514350" indent="-171450" algn="l" defTabSz="685800" rtl="0" eaLnBrk="1" latinLnBrk="0" hangingPunct="1">
+        <a:lnSpc>
+          <a:spcPct val="90000"/>
+        </a:lnSpc>
         <a:spcBef>
-          <a:spcPct val="20000"/>
+          <a:spcPts val="375"/>
         </a:spcBef>
-        <a:buFont typeface="Arial" pitchFamily="34" charset="0"/>
-        <a:buChar char="–"/>
-        <a:defRPr sz="2800" kern="1200">
+        <a:buFont typeface="Arial" panose="020B0604020202020204" pitchFamily="34" charset="0"/>
+        <a:buChar char="•"/>
+        <a:defRPr sz="1800" kern="1200">
           <a:solidFill>
             <a:schemeClr val="tx1"/>
           </a:solidFill>
@@ -2871,13 +3098,16 @@
           <a:cs typeface="+mn-cs"/>
         </a:defRPr>
       </a:lvl2pPr>
-      <a:lvl3pPr marL="1143000" indent="-228600" algn="l" defTabSz="914400" rtl="0" eaLnBrk="1" latinLnBrk="0" hangingPunct="1">
+      <a:lvl3pPr marL="857250" indent="-171450" algn="l" defTabSz="685800" rtl="0" eaLnBrk="1" latinLnBrk="0" hangingPunct="1">
+        <a:lnSpc>
+          <a:spcPct val="90000"/>
+        </a:lnSpc>
         <a:spcBef>
-          <a:spcPct val="20000"/>
+          <a:spcPts val="375"/>
         </a:spcBef>
-        <a:buFont typeface="Arial" pitchFamily="34" charset="0"/>
+        <a:buFont typeface="Arial" panose="020B0604020202020204" pitchFamily="34" charset="0"/>
         <a:buChar char="•"/>
-        <a:defRPr sz="2400" kern="1200">
+        <a:defRPr sz="1500" kern="1200">
           <a:solidFill>
             <a:schemeClr val="tx1"/>
           </a:solidFill>
@@ -2886,13 +3116,16 @@
           <a:cs typeface="+mn-cs"/>
         </a:defRPr>
       </a:lvl3pPr>
-      <a:lvl4pPr marL="1600200" indent="-228600" algn="l" defTabSz="914400" rtl="0" eaLnBrk="1" latinLnBrk="0" hangingPunct="1">
+      <a:lvl4pPr marL="1200150" indent="-171450" algn="l" defTabSz="685800" rtl="0" eaLnBrk="1" latinLnBrk="0" hangingPunct="1">
+        <a:lnSpc>
+          <a:spcPct val="90000"/>
+        </a:lnSpc>
         <a:spcBef>
-          <a:spcPct val="20000"/>
+          <a:spcPts val="375"/>
         </a:spcBef>
-        <a:buFont typeface="Arial" pitchFamily="34" charset="0"/>
-        <a:buChar char="–"/>
-        <a:defRPr sz="2000" kern="1200">
+        <a:buFont typeface="Arial" panose="020B0604020202020204" pitchFamily="34" charset="0"/>
+        <a:buChar char="•"/>
+        <a:defRPr sz="1350" kern="1200">
           <a:solidFill>
             <a:schemeClr val="tx1"/>
           </a:solidFill>
@@ -2901,13 +3134,16 @@
           <a:cs typeface="+mn-cs"/>
         </a:defRPr>
       </a:lvl4pPr>
-      <a:lvl5pPr marL="2057400" indent="-228600" algn="l" defTabSz="914400" rtl="0" eaLnBrk="1" latinLnBrk="0" hangingPunct="1">
+      <a:lvl5pPr marL="1543050" indent="-171450" algn="l" defTabSz="685800" rtl="0" eaLnBrk="1" latinLnBrk="0" hangingPunct="1">
+        <a:lnSpc>
+          <a:spcPct val="90000"/>
+        </a:lnSpc>
         <a:spcBef>
-          <a:spcPct val="20000"/>
+          <a:spcPts val="375"/>
         </a:spcBef>
-        <a:buFont typeface="Arial" pitchFamily="34" charset="0"/>
-        <a:buChar char="»"/>
-        <a:defRPr sz="2000" kern="1200">
+        <a:buFont typeface="Arial" panose="020B0604020202020204" pitchFamily="34" charset="0"/>
+        <a:buChar char="•"/>
+        <a:defRPr sz="1350" kern="1200">
           <a:solidFill>
             <a:schemeClr val="tx1"/>
           </a:solidFill>
@@ -2916,13 +3152,16 @@
           <a:cs typeface="+mn-cs"/>
         </a:defRPr>
       </a:lvl5pPr>
-      <a:lvl6pPr marL="2514600" indent="-228600" algn="l" defTabSz="914400" rtl="0" eaLnBrk="1" latinLnBrk="0" hangingPunct="1">
+      <a:lvl6pPr marL="1885950" indent="-171450" algn="l" defTabSz="685800" rtl="0" eaLnBrk="1" latinLnBrk="0" hangingPunct="1">
+        <a:lnSpc>
+          <a:spcPct val="90000"/>
+        </a:lnSpc>
         <a:spcBef>
-          <a:spcPct val="20000"/>
+          <a:spcPts val="375"/>
         </a:spcBef>
-        <a:buFont typeface="Arial" pitchFamily="34" charset="0"/>
+        <a:buFont typeface="Arial" panose="020B0604020202020204" pitchFamily="34" charset="0"/>
         <a:buChar char="•"/>
-        <a:defRPr sz="2000" kern="1200">
+        <a:defRPr sz="1350" kern="1200">
           <a:solidFill>
             <a:schemeClr val="tx1"/>
           </a:solidFill>
@@ -2931,13 +3170,16 @@
           <a:cs typeface="+mn-cs"/>
         </a:defRPr>
       </a:lvl6pPr>
-      <a:lvl7pPr marL="2971800" indent="-228600" algn="l" defTabSz="914400" rtl="0" eaLnBrk="1" latinLnBrk="0" hangingPunct="1">
+      <a:lvl7pPr marL="2228850" indent="-171450" algn="l" defTabSz="685800" rtl="0" eaLnBrk="1" latinLnBrk="0" hangingPunct="1">
+        <a:lnSpc>
+          <a:spcPct val="90000"/>
+        </a:lnSpc>
         <a:spcBef>
-          <a:spcPct val="20000"/>
+          <a:spcPts val="375"/>
         </a:spcBef>
-        <a:buFont typeface="Arial" pitchFamily="34" charset="0"/>
+        <a:buFont typeface="Arial" panose="020B0604020202020204" pitchFamily="34" charset="0"/>
         <a:buChar char="•"/>
-        <a:defRPr sz="2000" kern="1200">
+        <a:defRPr sz="1350" kern="1200">
           <a:solidFill>
             <a:schemeClr val="tx1"/>
           </a:solidFill>
@@ -2946,13 +3188,16 @@
           <a:cs typeface="+mn-cs"/>
         </a:defRPr>
       </a:lvl7pPr>
-      <a:lvl8pPr marL="3429000" indent="-228600" algn="l" defTabSz="914400" rtl="0" eaLnBrk="1" latinLnBrk="0" hangingPunct="1">
+      <a:lvl8pPr marL="2571750" indent="-171450" algn="l" defTabSz="685800" rtl="0" eaLnBrk="1" latinLnBrk="0" hangingPunct="1">
+        <a:lnSpc>
+          <a:spcPct val="90000"/>
+        </a:lnSpc>
         <a:spcBef>
-          <a:spcPct val="20000"/>
+          <a:spcPts val="375"/>
         </a:spcBef>
-        <a:buFont typeface="Arial" pitchFamily="34" charset="0"/>
+        <a:buFont typeface="Arial" panose="020B0604020202020204" pitchFamily="34" charset="0"/>
         <a:buChar char="•"/>
-        <a:defRPr sz="2000" kern="1200">
+        <a:defRPr sz="1350" kern="1200">
           <a:solidFill>
             <a:schemeClr val="tx1"/>
           </a:solidFill>
@@ -2961,13 +3206,16 @@
           <a:cs typeface="+mn-cs"/>
         </a:defRPr>
       </a:lvl8pPr>
-      <a:lvl9pPr marL="3886200" indent="-228600" algn="l" defTabSz="914400" rtl="0" eaLnBrk="1" latinLnBrk="0" hangingPunct="1">
+      <a:lvl9pPr marL="2914650" indent="-171450" algn="l" defTabSz="685800" rtl="0" eaLnBrk="1" latinLnBrk="0" hangingPunct="1">
+        <a:lnSpc>
+          <a:spcPct val="90000"/>
+        </a:lnSpc>
         <a:spcBef>
-          <a:spcPct val="20000"/>
+          <a:spcPts val="375"/>
         </a:spcBef>
-        <a:buFont typeface="Arial" pitchFamily="34" charset="0"/>
+        <a:buFont typeface="Arial" panose="020B0604020202020204" pitchFamily="34" charset="0"/>
         <a:buChar char="•"/>
-        <a:defRPr sz="2000" kern="1200">
+        <a:defRPr sz="1350" kern="1200">
           <a:solidFill>
             <a:schemeClr val="tx1"/>
           </a:solidFill>
@@ -2981,8 +3229,8 @@
       <a:defPPr>
         <a:defRPr lang="en-US"/>
       </a:defPPr>
-      <a:lvl1pPr marL="0" algn="l" defTabSz="914400" rtl="0" eaLnBrk="1" latinLnBrk="0" hangingPunct="1">
-        <a:defRPr sz="1800" kern="1200">
+      <a:lvl1pPr marL="0" algn="l" defTabSz="685800" rtl="0" eaLnBrk="1" latinLnBrk="0" hangingPunct="1">
+        <a:defRPr sz="1350" kern="1200">
           <a:solidFill>
             <a:schemeClr val="tx1"/>
           </a:solidFill>
@@ -2991,8 +3239,8 @@
           <a:cs typeface="+mn-cs"/>
         </a:defRPr>
       </a:lvl1pPr>
-      <a:lvl2pPr marL="457200" algn="l" defTabSz="914400" rtl="0" eaLnBrk="1" latinLnBrk="0" hangingPunct="1">
-        <a:defRPr sz="1800" kern="1200">
+      <a:lvl2pPr marL="342900" algn="l" defTabSz="685800" rtl="0" eaLnBrk="1" latinLnBrk="0" hangingPunct="1">
+        <a:defRPr sz="1350" kern="1200">
           <a:solidFill>
             <a:schemeClr val="tx1"/>
           </a:solidFill>
@@ -3001,8 +3249,8 @@
           <a:cs typeface="+mn-cs"/>
         </a:defRPr>
       </a:lvl2pPr>
-      <a:lvl3pPr marL="914400" algn="l" defTabSz="914400" rtl="0" eaLnBrk="1" latinLnBrk="0" hangingPunct="1">
-        <a:defRPr sz="1800" kern="1200">
+      <a:lvl3pPr marL="685800" algn="l" defTabSz="685800" rtl="0" eaLnBrk="1" latinLnBrk="0" hangingPunct="1">
+        <a:defRPr sz="1350" kern="1200">
           <a:solidFill>
             <a:schemeClr val="tx1"/>
           </a:solidFill>
@@ -3011,8 +3259,8 @@
           <a:cs typeface="+mn-cs"/>
         </a:defRPr>
       </a:lvl3pPr>
-      <a:lvl4pPr marL="1371600" algn="l" defTabSz="914400" rtl="0" eaLnBrk="1" latinLnBrk="0" hangingPunct="1">
-        <a:defRPr sz="1800" kern="1200">
+      <a:lvl4pPr marL="1028700" algn="l" defTabSz="685800" rtl="0" eaLnBrk="1" latinLnBrk="0" hangingPunct="1">
+        <a:defRPr sz="1350" kern="1200">
           <a:solidFill>
             <a:schemeClr val="tx1"/>
           </a:solidFill>
@@ -3021,8 +3269,8 @@
           <a:cs typeface="+mn-cs"/>
         </a:defRPr>
       </a:lvl4pPr>
-      <a:lvl5pPr marL="1828800" algn="l" defTabSz="914400" rtl="0" eaLnBrk="1" latinLnBrk="0" hangingPunct="1">
-        <a:defRPr sz="1800" kern="1200">
+      <a:lvl5pPr marL="1371600" algn="l" defTabSz="685800" rtl="0" eaLnBrk="1" latinLnBrk="0" hangingPunct="1">
+        <a:defRPr sz="1350" kern="1200">
           <a:solidFill>
             <a:schemeClr val="tx1"/>
           </a:solidFill>
@@ -3031,8 +3279,8 @@
           <a:cs typeface="+mn-cs"/>
         </a:defRPr>
       </a:lvl5pPr>
-      <a:lvl6pPr marL="2286000" algn="l" defTabSz="914400" rtl="0" eaLnBrk="1" latinLnBrk="0" hangingPunct="1">
-        <a:defRPr sz="1800" kern="1200">
+      <a:lvl6pPr marL="1714500" algn="l" defTabSz="685800" rtl="0" eaLnBrk="1" latinLnBrk="0" hangingPunct="1">
+        <a:defRPr sz="1350" kern="1200">
           <a:solidFill>
             <a:schemeClr val="tx1"/>
           </a:solidFill>
@@ -3041,8 +3289,8 @@
           <a:cs typeface="+mn-cs"/>
         </a:defRPr>
       </a:lvl6pPr>
-      <a:lvl7pPr marL="2743200" algn="l" defTabSz="914400" rtl="0" eaLnBrk="1" latinLnBrk="0" hangingPunct="1">
-        <a:defRPr sz="1800" kern="1200">
+      <a:lvl7pPr marL="2057400" algn="l" defTabSz="685800" rtl="0" eaLnBrk="1" latinLnBrk="0" hangingPunct="1">
+        <a:defRPr sz="1350" kern="1200">
           <a:solidFill>
             <a:schemeClr val="tx1"/>
           </a:solidFill>
@@ -3051,8 +3299,8 @@
           <a:cs typeface="+mn-cs"/>
         </a:defRPr>
       </a:lvl7pPr>
-      <a:lvl8pPr marL="3200400" algn="l" defTabSz="914400" rtl="0" eaLnBrk="1" latinLnBrk="0" hangingPunct="1">
-        <a:defRPr sz="1800" kern="1200">
+      <a:lvl8pPr marL="2400300" algn="l" defTabSz="685800" rtl="0" eaLnBrk="1" latinLnBrk="0" hangingPunct="1">
+        <a:defRPr sz="1350" kern="1200">
           <a:solidFill>
             <a:schemeClr val="tx1"/>
           </a:solidFill>
@@ -3061,8 +3309,8 @@
           <a:cs typeface="+mn-cs"/>
         </a:defRPr>
       </a:lvl8pPr>
-      <a:lvl9pPr marL="3657600" algn="l" defTabSz="914400" rtl="0" eaLnBrk="1" latinLnBrk="0" hangingPunct="1">
-        <a:defRPr sz="1800" kern="1200">
+      <a:lvl9pPr marL="2743200" algn="l" defTabSz="685800" rtl="0" eaLnBrk="1" latinLnBrk="0" hangingPunct="1">
+        <a:defRPr sz="1350" kern="1200">
           <a:solidFill>
             <a:schemeClr val="tx1"/>
           </a:solidFill>
@@ -3145,6 +3393,167 @@
 </file>
 
 <file path=ppt/slides/slide2.xml><?xml version="1.0" encoding="utf-8"?>
+<p:sld xmlns:a="http://schemas.openxmlformats.org/drawingml/2006/main" xmlns:r="http://schemas.openxmlformats.org/officeDocument/2006/relationships" xmlns:p="http://schemas.openxmlformats.org/presentationml/2006/main">
+  <p:cSld>
+    <p:bg>
+      <p:bgPr>
+        <a:solidFill>
+          <a:schemeClr val="bg1"/>
+        </a:solidFill>
+        <a:effectLst/>
+      </p:bgPr>
+    </p:bg>
+    <p:spTree>
+      <p:nvGrpSpPr>
+        <p:cNvPr id="1" name=""/>
+        <p:cNvGrpSpPr/>
+        <p:nvPr/>
+      </p:nvGrpSpPr>
+      <p:grpSpPr>
+        <a:xfrm>
+          <a:off x="0" y="0"/>
+          <a:ext cx="0" cy="0"/>
+          <a:chOff x="0" y="0"/>
+          <a:chExt cx="0" cy="0"/>
+        </a:xfrm>
+      </p:grpSpPr>
+      <p:pic>
+        <p:nvPicPr>
+          <p:cNvPr id="1026" name="Picture 2" descr="Image result for clean architecture">
+            <a:extLst>
+              <a:ext uri="{FF2B5EF4-FFF2-40B4-BE49-F238E27FC236}">
+                <a16:creationId xmlns:a16="http://schemas.microsoft.com/office/drawing/2014/main" id="{75A5AFDA-B3DE-4C67-A3EF-A33E06F27D42}"/>
+              </a:ext>
+            </a:extLst>
+          </p:cNvPr>
+          <p:cNvPicPr>
+            <a:picLocks noChangeAspect="1" noChangeArrowheads="1"/>
+          </p:cNvPicPr>
+          <p:nvPr/>
+        </p:nvPicPr>
+        <p:blipFill>
+          <a:blip r:embed="rId2">
+            <a:extLst>
+              <a:ext uri="{28A0092B-C50C-407E-A947-70E740481C1C}">
+                <a14:useLocalDpi xmlns:a14="http://schemas.microsoft.com/office/drawing/2010/main" val="0"/>
+              </a:ext>
+            </a:extLst>
+          </a:blip>
+          <a:srcRect/>
+          <a:stretch>
+            <a:fillRect/>
+          </a:stretch>
+        </p:blipFill>
+        <p:spPr bwMode="auto">
+          <a:xfrm>
+            <a:off x="3976914" y="1526171"/>
+            <a:ext cx="5181600" cy="3805657"/>
+          </a:xfrm>
+          <a:prstGeom prst="rect">
+            <a:avLst/>
+          </a:prstGeom>
+          <a:noFill/>
+          <a:extLst>
+            <a:ext uri="{909E8E84-426E-40DD-AFC4-6F175D3DCCD1}">
+              <a14:hiddenFill xmlns:a14="http://schemas.microsoft.com/office/drawing/2010/main">
+                <a:solidFill>
+                  <a:srgbClr val="FFFFFF"/>
+                </a:solidFill>
+              </a14:hiddenFill>
+            </a:ext>
+          </a:extLst>
+        </p:spPr>
+      </p:pic>
+      <p:pic>
+        <p:nvPicPr>
+          <p:cNvPr id="17" name="Picture 16">
+            <a:extLst>
+              <a:ext uri="{FF2B5EF4-FFF2-40B4-BE49-F238E27FC236}">
+                <a16:creationId xmlns:a16="http://schemas.microsoft.com/office/drawing/2014/main" id="{4104EB0C-723A-4FD7-9F77-AA0735EDC421}"/>
+              </a:ext>
+            </a:extLst>
+          </p:cNvPr>
+          <p:cNvPicPr>
+            <a:picLocks noChangeAspect="1"/>
+          </p:cNvPicPr>
+          <p:nvPr/>
+        </p:nvPicPr>
+        <p:blipFill>
+          <a:blip r:embed="rId3"/>
+          <a:stretch>
+            <a:fillRect/>
+          </a:stretch>
+        </p:blipFill>
+        <p:spPr>
+          <a:xfrm>
+            <a:off x="152400" y="228600"/>
+            <a:ext cx="2837378" cy="6248400"/>
+          </a:xfrm>
+          <a:prstGeom prst="rect">
+            <a:avLst/>
+          </a:prstGeom>
+        </p:spPr>
+      </p:pic>
+      <p:sp>
+        <p:nvSpPr>
+          <p:cNvPr id="62" name="Arrow: Left-Right 61">
+            <a:extLst>
+              <a:ext uri="{FF2B5EF4-FFF2-40B4-BE49-F238E27FC236}">
+                <a16:creationId xmlns:a16="http://schemas.microsoft.com/office/drawing/2014/main" id="{A2D9A96F-B399-4B23-AEAC-93372217D570}"/>
+              </a:ext>
+            </a:extLst>
+          </p:cNvPr>
+          <p:cNvSpPr/>
+          <p:nvPr/>
+        </p:nvSpPr>
+        <p:spPr>
+          <a:xfrm>
+            <a:off x="3124200" y="3233057"/>
+            <a:ext cx="838200" cy="533400"/>
+          </a:xfrm>
+          <a:prstGeom prst="leftRightArrow">
+            <a:avLst/>
+          </a:prstGeom>
+        </p:spPr>
+        <p:style>
+          <a:lnRef idx="2">
+            <a:schemeClr val="accent3">
+              <a:shade val="50000"/>
+            </a:schemeClr>
+          </a:lnRef>
+          <a:fillRef idx="1">
+            <a:schemeClr val="accent3"/>
+          </a:fillRef>
+          <a:effectRef idx="0">
+            <a:schemeClr val="accent3"/>
+          </a:effectRef>
+          <a:fontRef idx="minor">
+            <a:schemeClr val="lt1"/>
+          </a:fontRef>
+        </p:style>
+        <p:txBody>
+          <a:bodyPr rtlCol="0" anchor="ctr"/>
+          <a:lstStyle/>
+          <a:p>
+            <a:pPr algn="ctr"/>
+            <a:endParaRPr lang="en-US"/>
+          </a:p>
+        </p:txBody>
+      </p:sp>
+    </p:spTree>
+    <p:extLst>
+      <p:ext uri="{BB962C8B-B14F-4D97-AF65-F5344CB8AC3E}">
+        <p14:creationId xmlns:p14="http://schemas.microsoft.com/office/powerpoint/2010/main" val="1980456384"/>
+      </p:ext>
+    </p:extLst>
+  </p:cSld>
+  <p:clrMapOvr>
+    <a:masterClrMapping/>
+  </p:clrMapOvr>
+</p:sld>
+</file>
+
+<file path=ppt/slides/slide3.xml><?xml version="1.0" encoding="utf-8"?>
 <p:sld xmlns:a="http://schemas.openxmlformats.org/drawingml/2006/main" xmlns:r="http://schemas.openxmlformats.org/officeDocument/2006/relationships" xmlns:p="http://schemas.openxmlformats.org/presentationml/2006/main">
   <p:cSld>
     <p:spTree>
@@ -8230,18 +8639,301 @@
           </p:cNvPr>
           <p:cNvCxnSpPr>
             <a:cxnSpLocks/>
+            <a:stCxn id="55" idx="1"/>
             <a:endCxn id="2" idx="1"/>
           </p:cNvCxnSpPr>
           <p:nvPr/>
         </p:nvCxnSpPr>
         <p:spPr>
-          <a:xfrm flipV="1">
-            <a:off x="1375403" y="1103254"/>
-            <a:ext cx="5584701" cy="3275906"/>
+          <a:xfrm rot="10800000" flipH="1">
+            <a:off x="1268684" y="1103254"/>
+            <a:ext cx="5691420" cy="3261522"/>
           </a:xfrm>
           <a:prstGeom prst="bentConnector3">
             <a:avLst>
-              <a:gd name="adj1" fmla="val -10831"/>
+              <a:gd name="adj1" fmla="val -9791"/>
+            </a:avLst>
+          </a:prstGeom>
+          <a:ln w="6350">
+            <a:prstDash val="sysDot"/>
+            <a:headEnd type="triangle"/>
+            <a:tailEnd type="triangle"/>
+          </a:ln>
+        </p:spPr>
+        <p:style>
+          <a:lnRef idx="1">
+            <a:schemeClr val="accent1"/>
+          </a:lnRef>
+          <a:fillRef idx="0">
+            <a:schemeClr val="accent1"/>
+          </a:fillRef>
+          <a:effectRef idx="0">
+            <a:schemeClr val="accent1"/>
+          </a:effectRef>
+          <a:fontRef idx="minor">
+            <a:schemeClr val="tx1"/>
+          </a:fontRef>
+        </p:style>
+      </p:cxnSp>
+      <p:cxnSp>
+        <p:nvCxnSpPr>
+          <p:cNvPr id="152" name="Straight Arrow Connector 203">
+            <a:extLst>
+              <a:ext uri="{FF2B5EF4-FFF2-40B4-BE49-F238E27FC236}">
+                <a16:creationId xmlns:a16="http://schemas.microsoft.com/office/drawing/2014/main" id="{3E54E58B-49B4-4C04-8C80-7DD2C30518B2}"/>
+              </a:ext>
+            </a:extLst>
+          </p:cNvPr>
+          <p:cNvCxnSpPr>
+            <a:cxnSpLocks/>
+            <a:stCxn id="79" idx="3"/>
+            <a:endCxn id="52" idx="1"/>
+          </p:cNvCxnSpPr>
+          <p:nvPr/>
+        </p:nvCxnSpPr>
+        <p:spPr>
+          <a:xfrm flipV="1">
+            <a:off x="4062546" y="2524936"/>
+            <a:ext cx="811460" cy="517"/>
+          </a:xfrm>
+          <a:prstGeom prst="curvedConnector3">
+            <a:avLst>
+              <a:gd name="adj1" fmla="val 50000"/>
+            </a:avLst>
+          </a:prstGeom>
+          <a:ln w="6350">
+            <a:prstDash val="sysDot"/>
+            <a:headEnd type="triangle"/>
+            <a:tailEnd type="triangle"/>
+          </a:ln>
+        </p:spPr>
+        <p:style>
+          <a:lnRef idx="1">
+            <a:schemeClr val="accent1"/>
+          </a:lnRef>
+          <a:fillRef idx="0">
+            <a:schemeClr val="accent1"/>
+          </a:fillRef>
+          <a:effectRef idx="0">
+            <a:schemeClr val="accent1"/>
+          </a:effectRef>
+          <a:fontRef idx="minor">
+            <a:schemeClr val="tx1"/>
+          </a:fontRef>
+        </p:style>
+      </p:cxnSp>
+      <p:cxnSp>
+        <p:nvCxnSpPr>
+          <p:cNvPr id="157" name="Straight Arrow Connector 203">
+            <a:extLst>
+              <a:ext uri="{FF2B5EF4-FFF2-40B4-BE49-F238E27FC236}">
+                <a16:creationId xmlns:a16="http://schemas.microsoft.com/office/drawing/2014/main" id="{BD97999A-0266-44B8-AB13-AE34F609CF3C}"/>
+              </a:ext>
+            </a:extLst>
+          </p:cNvPr>
+          <p:cNvCxnSpPr>
+            <a:cxnSpLocks/>
+            <a:stCxn id="77" idx="1"/>
+            <a:endCxn id="55" idx="1"/>
+          </p:cNvCxnSpPr>
+          <p:nvPr/>
+        </p:nvCxnSpPr>
+        <p:spPr>
+          <a:xfrm rot="10800000">
+            <a:off x="1268684" y="4364777"/>
+            <a:ext cx="12788" cy="1315881"/>
+          </a:xfrm>
+          <a:prstGeom prst="curvedConnector3">
+            <a:avLst>
+              <a:gd name="adj1" fmla="val 3749711"/>
+            </a:avLst>
+          </a:prstGeom>
+          <a:ln w="6350">
+            <a:prstDash val="sysDot"/>
+            <a:headEnd type="triangle"/>
+            <a:tailEnd type="triangle"/>
+          </a:ln>
+        </p:spPr>
+        <p:style>
+          <a:lnRef idx="1">
+            <a:schemeClr val="accent1"/>
+          </a:lnRef>
+          <a:fillRef idx="0">
+            <a:schemeClr val="accent1"/>
+          </a:fillRef>
+          <a:effectRef idx="0">
+            <a:schemeClr val="accent1"/>
+          </a:effectRef>
+          <a:fontRef idx="minor">
+            <a:schemeClr val="tx1"/>
+          </a:fontRef>
+        </p:style>
+      </p:cxnSp>
+      <p:cxnSp>
+        <p:nvCxnSpPr>
+          <p:cNvPr id="158" name="Straight Arrow Connector 203">
+            <a:extLst>
+              <a:ext uri="{FF2B5EF4-FFF2-40B4-BE49-F238E27FC236}">
+                <a16:creationId xmlns:a16="http://schemas.microsoft.com/office/drawing/2014/main" id="{612AFF81-4DBA-4692-9FC9-BA8F175D947E}"/>
+              </a:ext>
+            </a:extLst>
+          </p:cNvPr>
+          <p:cNvCxnSpPr>
+            <a:cxnSpLocks/>
+            <a:stCxn id="70" idx="1"/>
+            <a:endCxn id="53" idx="1"/>
+          </p:cNvCxnSpPr>
+          <p:nvPr/>
+        </p:nvCxnSpPr>
+        <p:spPr>
+          <a:xfrm rot="10800000">
+            <a:off x="2769421" y="4352628"/>
+            <a:ext cx="20035" cy="1313289"/>
+          </a:xfrm>
+          <a:prstGeom prst="curvedConnector3">
+            <a:avLst>
+              <a:gd name="adj1" fmla="val 2263149"/>
+            </a:avLst>
+          </a:prstGeom>
+          <a:ln w="6350">
+            <a:prstDash val="sysDot"/>
+            <a:headEnd type="triangle"/>
+            <a:tailEnd type="triangle"/>
+          </a:ln>
+        </p:spPr>
+        <p:style>
+          <a:lnRef idx="1">
+            <a:schemeClr val="accent1"/>
+          </a:lnRef>
+          <a:fillRef idx="0">
+            <a:schemeClr val="accent1"/>
+          </a:fillRef>
+          <a:effectRef idx="0">
+            <a:schemeClr val="accent1"/>
+          </a:effectRef>
+          <a:fontRef idx="minor">
+            <a:schemeClr val="tx1"/>
+          </a:fontRef>
+        </p:style>
+      </p:cxnSp>
+      <p:cxnSp>
+        <p:nvCxnSpPr>
+          <p:cNvPr id="159" name="Straight Arrow Connector 203">
+            <a:extLst>
+              <a:ext uri="{FF2B5EF4-FFF2-40B4-BE49-F238E27FC236}">
+                <a16:creationId xmlns:a16="http://schemas.microsoft.com/office/drawing/2014/main" id="{C1C56FB2-1C18-456D-B611-E7F5719A68BA}"/>
+              </a:ext>
+            </a:extLst>
+          </p:cNvPr>
+          <p:cNvCxnSpPr>
+            <a:cxnSpLocks/>
+            <a:stCxn id="69" idx="1"/>
+            <a:endCxn id="60" idx="1"/>
+          </p:cNvCxnSpPr>
+          <p:nvPr/>
+        </p:nvCxnSpPr>
+        <p:spPr>
+          <a:xfrm rot="10800000">
+            <a:off x="4259191" y="4314142"/>
+            <a:ext cx="33376" cy="1346698"/>
+          </a:xfrm>
+          <a:prstGeom prst="curvedConnector3">
+            <a:avLst>
+              <a:gd name="adj1" fmla="val 1284348"/>
+            </a:avLst>
+          </a:prstGeom>
+          <a:ln w="6350">
+            <a:prstDash val="sysDot"/>
+            <a:headEnd type="triangle"/>
+            <a:tailEnd type="triangle"/>
+          </a:ln>
+        </p:spPr>
+        <p:style>
+          <a:lnRef idx="1">
+            <a:schemeClr val="accent1"/>
+          </a:lnRef>
+          <a:fillRef idx="0">
+            <a:schemeClr val="accent1"/>
+          </a:fillRef>
+          <a:effectRef idx="0">
+            <a:schemeClr val="accent1"/>
+          </a:effectRef>
+          <a:fontRef idx="minor">
+            <a:schemeClr val="tx1"/>
+          </a:fontRef>
+        </p:style>
+      </p:cxnSp>
+      <p:cxnSp>
+        <p:nvCxnSpPr>
+          <p:cNvPr id="160" name="Straight Arrow Connector 203">
+            <a:extLst>
+              <a:ext uri="{FF2B5EF4-FFF2-40B4-BE49-F238E27FC236}">
+                <a16:creationId xmlns:a16="http://schemas.microsoft.com/office/drawing/2014/main" id="{521EE7D9-EF74-4731-B4BC-630792704D36}"/>
+              </a:ext>
+            </a:extLst>
+          </p:cNvPr>
+          <p:cNvCxnSpPr>
+            <a:cxnSpLocks/>
+            <a:stCxn id="67" idx="1"/>
+            <a:endCxn id="62" idx="1"/>
+          </p:cNvCxnSpPr>
+          <p:nvPr/>
+        </p:nvCxnSpPr>
+        <p:spPr>
+          <a:xfrm rot="10800000">
+            <a:off x="5785160" y="4333067"/>
+            <a:ext cx="37628" cy="1353634"/>
+          </a:xfrm>
+          <a:prstGeom prst="curvedConnector3">
+            <a:avLst>
+              <a:gd name="adj1" fmla="val 1213798"/>
+            </a:avLst>
+          </a:prstGeom>
+          <a:ln w="6350">
+            <a:prstDash val="sysDot"/>
+            <a:headEnd type="triangle"/>
+            <a:tailEnd type="triangle"/>
+          </a:ln>
+        </p:spPr>
+        <p:style>
+          <a:lnRef idx="1">
+            <a:schemeClr val="accent1"/>
+          </a:lnRef>
+          <a:fillRef idx="0">
+            <a:schemeClr val="accent1"/>
+          </a:fillRef>
+          <a:effectRef idx="0">
+            <a:schemeClr val="accent1"/>
+          </a:effectRef>
+          <a:fontRef idx="minor">
+            <a:schemeClr val="tx1"/>
+          </a:fontRef>
+        </p:style>
+      </p:cxnSp>
+      <p:cxnSp>
+        <p:nvCxnSpPr>
+          <p:cNvPr id="164" name="Straight Arrow Connector 203">
+            <a:extLst>
+              <a:ext uri="{FF2B5EF4-FFF2-40B4-BE49-F238E27FC236}">
+                <a16:creationId xmlns:a16="http://schemas.microsoft.com/office/drawing/2014/main" id="{0265B949-2BF6-4A7B-B9DE-CDAAF7FB5FE1}"/>
+              </a:ext>
+            </a:extLst>
+          </p:cNvPr>
+          <p:cNvCxnSpPr>
+            <a:cxnSpLocks/>
+            <a:stCxn id="149" idx="1"/>
+            <a:endCxn id="63" idx="1"/>
+          </p:cNvCxnSpPr>
+          <p:nvPr/>
+        </p:nvCxnSpPr>
+        <p:spPr>
+          <a:xfrm rot="10800000">
+            <a:off x="7283498" y="4277778"/>
+            <a:ext cx="21285" cy="1377878"/>
+          </a:xfrm>
+          <a:prstGeom prst="curvedConnector3">
+            <a:avLst>
+              <a:gd name="adj1" fmla="val 2091365"/>
             </a:avLst>
           </a:prstGeom>
           <a:ln w="6350">
@@ -8278,7 +8970,7 @@
 </p:sld>
 </file>
 
-<file path=ppt/slides/slide3.xml><?xml version="1.0" encoding="utf-8"?>
+<file path=ppt/slides/slide4.xml><?xml version="1.0" encoding="utf-8"?>
 <p:sld xmlns:a="http://schemas.openxmlformats.org/drawingml/2006/main" xmlns:r="http://schemas.openxmlformats.org/officeDocument/2006/relationships" xmlns:p="http://schemas.openxmlformats.org/presentationml/2006/main">
   <p:cSld>
     <p:spTree>
@@ -11093,7 +11785,7 @@
 </p:sld>
 </file>
 
-<file path=ppt/slides/slide4.xml><?xml version="1.0" encoding="utf-8"?>
+<file path=ppt/slides/slide5.xml><?xml version="1.0" encoding="utf-8"?>
 <p:sld xmlns:a="http://schemas.openxmlformats.org/drawingml/2006/main" xmlns:r="http://schemas.openxmlformats.org/officeDocument/2006/relationships" xmlns:p="http://schemas.openxmlformats.org/presentationml/2006/main">
   <p:cSld>
     <p:spTree>
@@ -12650,44 +13342,44 @@
         <a:sysClr val="window" lastClr="FFFFFF"/>
       </a:lt1>
       <a:dk2>
-        <a:srgbClr val="1F497D"/>
+        <a:srgbClr val="44546A"/>
       </a:dk2>
       <a:lt2>
-        <a:srgbClr val="EEECE1"/>
+        <a:srgbClr val="E7E6E6"/>
       </a:lt2>
       <a:accent1>
-        <a:srgbClr val="4F81BD"/>
+        <a:srgbClr val="4472C4"/>
       </a:accent1>
       <a:accent2>
-        <a:srgbClr val="C0504D"/>
+        <a:srgbClr val="ED7D31"/>
       </a:accent2>
       <a:accent3>
-        <a:srgbClr val="9BBB59"/>
+        <a:srgbClr val="A5A5A5"/>
       </a:accent3>
       <a:accent4>
-        <a:srgbClr val="8064A2"/>
+        <a:srgbClr val="FFC000"/>
       </a:accent4>
       <a:accent5>
-        <a:srgbClr val="4BACC6"/>
+        <a:srgbClr val="5B9BD5"/>
       </a:accent5>
       <a:accent6>
-        <a:srgbClr val="F79646"/>
+        <a:srgbClr val="70AD47"/>
       </a:accent6>
       <a:hlink>
-        <a:srgbClr val="0000FF"/>
+        <a:srgbClr val="0563C1"/>
       </a:hlink>
       <a:folHlink>
-        <a:srgbClr val="800080"/>
+        <a:srgbClr val="954F72"/>
       </a:folHlink>
     </a:clrScheme>
     <a:fontScheme name="Office">
       <a:majorFont>
-        <a:latin typeface="Calibri"/>
+        <a:latin typeface="Calibri Light" panose="020F0302020204030204"/>
         <a:ea typeface=""/>
         <a:cs typeface=""/>
-        <a:font script="Jpan" typeface="ＭＳ Ｐゴシック"/>
+        <a:font script="Jpan" typeface="游ゴシック Light"/>
         <a:font script="Hang" typeface="맑은 고딕"/>
-        <a:font script="Hans" typeface="宋体"/>
+        <a:font script="Hans" typeface="等线 Light"/>
         <a:font script="Hant" typeface="新細明體"/>
         <a:font script="Arab" typeface="Times New Roman"/>
         <a:font script="Hebr" typeface="Times New Roman"/>
@@ -12715,14 +13407,31 @@
         <a:font script="Viet" typeface="Times New Roman"/>
         <a:font script="Uigh" typeface="Microsoft Uighur"/>
         <a:font script="Geor" typeface="Sylfaen"/>
+        <a:font script="Armn" typeface="Arial"/>
+        <a:font script="Bugi" typeface="Leelawadee UI"/>
+        <a:font script="Bopo" typeface="Microsoft JhengHei"/>
+        <a:font script="Java" typeface="Javanese Text"/>
+        <a:font script="Lisu" typeface="Segoe UI"/>
+        <a:font script="Mymr" typeface="Myanmar Text"/>
+        <a:font script="Nkoo" typeface="Ebrima"/>
+        <a:font script="Olck" typeface="Nirmala UI"/>
+        <a:font script="Osma" typeface="Ebrima"/>
+        <a:font script="Phag" typeface="Phagspa"/>
+        <a:font script="Syrn" typeface="Estrangelo Edessa"/>
+        <a:font script="Syrj" typeface="Estrangelo Edessa"/>
+        <a:font script="Syre" typeface="Estrangelo Edessa"/>
+        <a:font script="Sora" typeface="Nirmala UI"/>
+        <a:font script="Tale" typeface="Microsoft Tai Le"/>
+        <a:font script="Talu" typeface="Microsoft New Tai Lue"/>
+        <a:font script="Tfng" typeface="Ebrima"/>
       </a:majorFont>
       <a:minorFont>
-        <a:latin typeface="Calibri"/>
+        <a:latin typeface="Calibri" panose="020F0502020204030204"/>
         <a:ea typeface=""/>
         <a:cs typeface=""/>
-        <a:font script="Jpan" typeface="ＭＳ Ｐゴシック"/>
+        <a:font script="Jpan" typeface="游ゴシック"/>
         <a:font script="Hang" typeface="맑은 고딕"/>
-        <a:font script="Hans" typeface="宋体"/>
+        <a:font script="Hans" typeface="等线"/>
         <a:font script="Hant" typeface="新細明體"/>
         <a:font script="Arab" typeface="Arial"/>
         <a:font script="Hebr" typeface="Arial"/>
@@ -12750,6 +13459,23 @@
         <a:font script="Viet" typeface="Arial"/>
         <a:font script="Uigh" typeface="Microsoft Uighur"/>
         <a:font script="Geor" typeface="Sylfaen"/>
+        <a:font script="Armn" typeface="Arial"/>
+        <a:font script="Bugi" typeface="Leelawadee UI"/>
+        <a:font script="Bopo" typeface="Microsoft JhengHei"/>
+        <a:font script="Java" typeface="Javanese Text"/>
+        <a:font script="Lisu" typeface="Segoe UI"/>
+        <a:font script="Mymr" typeface="Myanmar Text"/>
+        <a:font script="Nkoo" typeface="Ebrima"/>
+        <a:font script="Olck" typeface="Nirmala UI"/>
+        <a:font script="Osma" typeface="Ebrima"/>
+        <a:font script="Phag" typeface="Phagspa"/>
+        <a:font script="Syrn" typeface="Estrangelo Edessa"/>
+        <a:font script="Syrj" typeface="Estrangelo Edessa"/>
+        <a:font script="Syre" typeface="Estrangelo Edessa"/>
+        <a:font script="Sora" typeface="Nirmala UI"/>
+        <a:font script="Tale" typeface="Microsoft Tai Le"/>
+        <a:font script="Talu" typeface="Microsoft New Tai Lue"/>
+        <a:font script="Tfng" typeface="Ebrima"/>
       </a:minorFont>
     </a:fontScheme>
     <a:fmtScheme name="Office">
@@ -12761,165 +13487,141 @@
           <a:gsLst>
             <a:gs pos="0">
               <a:schemeClr val="phClr">
-                <a:tint val="50000"/>
-                <a:satMod val="300000"/>
+                <a:lumMod val="110000"/>
+                <a:satMod val="105000"/>
+                <a:tint val="67000"/>
               </a:schemeClr>
             </a:gs>
-            <a:gs pos="35000">
+            <a:gs pos="50000">
               <a:schemeClr val="phClr">
-                <a:tint val="37000"/>
-                <a:satMod val="300000"/>
+                <a:lumMod val="105000"/>
+                <a:satMod val="103000"/>
+                <a:tint val="73000"/>
               </a:schemeClr>
             </a:gs>
             <a:gs pos="100000">
               <a:schemeClr val="phClr">
-                <a:tint val="15000"/>
-                <a:satMod val="350000"/>
+                <a:lumMod val="105000"/>
+                <a:satMod val="109000"/>
+                <a:tint val="81000"/>
               </a:schemeClr>
             </a:gs>
           </a:gsLst>
-          <a:lin ang="16200000" scaled="1"/>
+          <a:lin ang="5400000" scaled="0"/>
         </a:gradFill>
         <a:gradFill rotWithShape="1">
           <a:gsLst>
             <a:gs pos="0">
               <a:schemeClr val="phClr">
-                <a:shade val="51000"/>
-                <a:satMod val="130000"/>
+                <a:satMod val="103000"/>
+                <a:lumMod val="102000"/>
+                <a:tint val="94000"/>
               </a:schemeClr>
             </a:gs>
-            <a:gs pos="80000">
+            <a:gs pos="50000">
               <a:schemeClr val="phClr">
-                <a:shade val="93000"/>
-                <a:satMod val="130000"/>
+                <a:satMod val="110000"/>
+                <a:lumMod val="100000"/>
+                <a:shade val="100000"/>
               </a:schemeClr>
             </a:gs>
             <a:gs pos="100000">
               <a:schemeClr val="phClr">
-                <a:shade val="94000"/>
-                <a:satMod val="135000"/>
+                <a:lumMod val="99000"/>
+                <a:satMod val="120000"/>
+                <a:shade val="78000"/>
               </a:schemeClr>
             </a:gs>
           </a:gsLst>
-          <a:lin ang="16200000" scaled="0"/>
+          <a:lin ang="5400000" scaled="0"/>
         </a:gradFill>
       </a:fillStyleLst>
       <a:lnStyleLst>
-        <a:ln w="9525" cap="flat" cmpd="sng" algn="ctr">
-          <a:solidFill>
-            <a:schemeClr val="phClr">
-              <a:shade val="95000"/>
-              <a:satMod val="105000"/>
-            </a:schemeClr>
-          </a:solidFill>
-          <a:prstDash val="solid"/>
-        </a:ln>
-        <a:ln w="25400" cap="flat" cmpd="sng" algn="ctr">
+        <a:ln w="6350" cap="flat" cmpd="sng" algn="ctr">
           <a:solidFill>
             <a:schemeClr val="phClr"/>
           </a:solidFill>
           <a:prstDash val="solid"/>
+          <a:miter lim="800000"/>
         </a:ln>
-        <a:ln w="38100" cap="flat" cmpd="sng" algn="ctr">
+        <a:ln w="12700" cap="flat" cmpd="sng" algn="ctr">
           <a:solidFill>
             <a:schemeClr val="phClr"/>
           </a:solidFill>
           <a:prstDash val="solid"/>
+          <a:miter lim="800000"/>
+        </a:ln>
+        <a:ln w="19050" cap="flat" cmpd="sng" algn="ctr">
+          <a:solidFill>
+            <a:schemeClr val="phClr"/>
+          </a:solidFill>
+          <a:prstDash val="solid"/>
+          <a:miter lim="800000"/>
         </a:ln>
       </a:lnStyleLst>
       <a:effectStyleLst>
         <a:effectStyle>
+          <a:effectLst/>
+        </a:effectStyle>
+        <a:effectStyle>
+          <a:effectLst/>
+        </a:effectStyle>
+        <a:effectStyle>
           <a:effectLst>
-            <a:outerShdw blurRad="40000" dist="20000" dir="5400000" rotWithShape="0">
+            <a:outerShdw blurRad="57150" dist="19050" dir="5400000" algn="ctr" rotWithShape="0">
               <a:srgbClr val="000000">
-                <a:alpha val="38000"/>
+                <a:alpha val="63000"/>
               </a:srgbClr>
             </a:outerShdw>
           </a:effectLst>
-        </a:effectStyle>
-        <a:effectStyle>
-          <a:effectLst>
-            <a:outerShdw blurRad="40000" dist="23000" dir="5400000" rotWithShape="0">
-              <a:srgbClr val="000000">
-                <a:alpha val="35000"/>
-              </a:srgbClr>
-            </a:outerShdw>
-          </a:effectLst>
-        </a:effectStyle>
-        <a:effectStyle>
-          <a:effectLst>
-            <a:outerShdw blurRad="40000" dist="23000" dir="5400000" rotWithShape="0">
-              <a:srgbClr val="000000">
-                <a:alpha val="35000"/>
-              </a:srgbClr>
-            </a:outerShdw>
-          </a:effectLst>
-          <a:scene3d>
-            <a:camera prst="orthographicFront">
-              <a:rot lat="0" lon="0" rev="0"/>
-            </a:camera>
-            <a:lightRig rig="threePt" dir="t">
-              <a:rot lat="0" lon="0" rev="1200000"/>
-            </a:lightRig>
-          </a:scene3d>
-          <a:sp3d>
-            <a:bevelT w="63500" h="25400"/>
-          </a:sp3d>
         </a:effectStyle>
       </a:effectStyleLst>
       <a:bgFillStyleLst>
         <a:solidFill>
           <a:schemeClr val="phClr"/>
         </a:solidFill>
+        <a:solidFill>
+          <a:schemeClr val="phClr">
+            <a:tint val="95000"/>
+            <a:satMod val="170000"/>
+          </a:schemeClr>
+        </a:solidFill>
         <a:gradFill rotWithShape="1">
           <a:gsLst>
             <a:gs pos="0">
               <a:schemeClr val="phClr">
-                <a:tint val="40000"/>
-                <a:satMod val="350000"/>
+                <a:tint val="93000"/>
+                <a:satMod val="150000"/>
+                <a:shade val="98000"/>
+                <a:lumMod val="102000"/>
               </a:schemeClr>
             </a:gs>
-            <a:gs pos="40000">
+            <a:gs pos="50000">
               <a:schemeClr val="phClr">
-                <a:tint val="45000"/>
-                <a:shade val="99000"/>
-                <a:satMod val="350000"/>
+                <a:tint val="98000"/>
+                <a:satMod val="130000"/>
+                <a:shade val="90000"/>
+                <a:lumMod val="103000"/>
               </a:schemeClr>
             </a:gs>
             <a:gs pos="100000">
               <a:schemeClr val="phClr">
-                <a:shade val="20000"/>
-                <a:satMod val="255000"/>
+                <a:shade val="63000"/>
+                <a:satMod val="120000"/>
               </a:schemeClr>
             </a:gs>
           </a:gsLst>
-          <a:path path="circle">
-            <a:fillToRect l="50000" t="-80000" r="50000" b="180000"/>
-          </a:path>
-        </a:gradFill>
-        <a:gradFill rotWithShape="1">
-          <a:gsLst>
-            <a:gs pos="0">
-              <a:schemeClr val="phClr">
-                <a:tint val="80000"/>
-                <a:satMod val="300000"/>
-              </a:schemeClr>
-            </a:gs>
-            <a:gs pos="100000">
-              <a:schemeClr val="phClr">
-                <a:shade val="30000"/>
-                <a:satMod val="200000"/>
-              </a:schemeClr>
-            </a:gs>
-          </a:gsLst>
-          <a:path path="circle">
-            <a:fillToRect l="50000" t="50000" r="50000" b="50000"/>
-          </a:path>
+          <a:lin ang="5400000" scaled="0"/>
         </a:gradFill>
       </a:bgFillStyleLst>
     </a:fmtScheme>
   </a:themeElements>
   <a:objectDefaults/>
   <a:extraClrSchemeLst/>
+  <a:extLst>
+    <a:ext uri="{05A4C25C-085E-4340-85A3-A5531E510DB2}">
+      <thm15:themeFamily xmlns:thm15="http://schemas.microsoft.com/office/thememl/2012/main" name="Office Theme" id="{62F939B6-93AF-4DB8-9C6B-D6C7DFDC589F}" vid="{4A3C46E8-61CC-4603-A589-7422A47A8E4A}"/>
+    </a:ext>
+  </a:extLst>
 </a:theme>
 </file>
--- a/assets/state-of-the-art.pptx
+++ b/assets/state-of-the-art.pptx
@@ -274,7 +274,7 @@
           <a:p>
             <a:fld id="{6DB206C8-F88B-4959-9CD2-3016D27660E1}" type="datetimeFigureOut">
               <a:rPr lang="en-US" smtClean="0"/>
-              <a:t>8/8/2018</a:t>
+              <a:t>8/26/2018</a:t>
             </a:fld>
             <a:endParaRPr lang="en-US"/>
           </a:p>
@@ -472,7 +472,7 @@
           <a:p>
             <a:fld id="{6DB206C8-F88B-4959-9CD2-3016D27660E1}" type="datetimeFigureOut">
               <a:rPr lang="en-US" smtClean="0"/>
-              <a:t>8/8/2018</a:t>
+              <a:t>8/26/2018</a:t>
             </a:fld>
             <a:endParaRPr lang="en-US"/>
           </a:p>
@@ -680,7 +680,7 @@
           <a:p>
             <a:fld id="{6DB206C8-F88B-4959-9CD2-3016D27660E1}" type="datetimeFigureOut">
               <a:rPr lang="en-US" smtClean="0"/>
-              <a:t>8/8/2018</a:t>
+              <a:t>8/26/2018</a:t>
             </a:fld>
             <a:endParaRPr lang="en-US"/>
           </a:p>
@@ -878,7 +878,7 @@
           <a:p>
             <a:fld id="{6DB206C8-F88B-4959-9CD2-3016D27660E1}" type="datetimeFigureOut">
               <a:rPr lang="en-US" smtClean="0"/>
-              <a:t>8/8/2018</a:t>
+              <a:t>8/26/2018</a:t>
             </a:fld>
             <a:endParaRPr lang="en-US"/>
           </a:p>
@@ -1153,7 +1153,7 @@
           <a:p>
             <a:fld id="{6DB206C8-F88B-4959-9CD2-3016D27660E1}" type="datetimeFigureOut">
               <a:rPr lang="en-US" smtClean="0"/>
-              <a:t>8/8/2018</a:t>
+              <a:t>8/26/2018</a:t>
             </a:fld>
             <a:endParaRPr lang="en-US"/>
           </a:p>
@@ -1418,7 +1418,7 @@
           <a:p>
             <a:fld id="{6DB206C8-F88B-4959-9CD2-3016D27660E1}" type="datetimeFigureOut">
               <a:rPr lang="en-US" smtClean="0"/>
-              <a:t>8/8/2018</a:t>
+              <a:t>8/26/2018</a:t>
             </a:fld>
             <a:endParaRPr lang="en-US"/>
           </a:p>
@@ -1830,7 +1830,7 @@
           <a:p>
             <a:fld id="{6DB206C8-F88B-4959-9CD2-3016D27660E1}" type="datetimeFigureOut">
               <a:rPr lang="en-US" smtClean="0"/>
-              <a:t>8/8/2018</a:t>
+              <a:t>8/26/2018</a:t>
             </a:fld>
             <a:endParaRPr lang="en-US"/>
           </a:p>
@@ -1971,7 +1971,7 @@
           <a:p>
             <a:fld id="{6DB206C8-F88B-4959-9CD2-3016D27660E1}" type="datetimeFigureOut">
               <a:rPr lang="en-US" smtClean="0"/>
-              <a:t>8/8/2018</a:t>
+              <a:t>8/26/2018</a:t>
             </a:fld>
             <a:endParaRPr lang="en-US"/>
           </a:p>
@@ -2084,7 +2084,7 @@
           <a:p>
             <a:fld id="{6DB206C8-F88B-4959-9CD2-3016D27660E1}" type="datetimeFigureOut">
               <a:rPr lang="en-US" smtClean="0"/>
-              <a:t>8/8/2018</a:t>
+              <a:t>8/26/2018</a:t>
             </a:fld>
             <a:endParaRPr lang="en-US"/>
           </a:p>
@@ -2395,7 +2395,7 @@
           <a:p>
             <a:fld id="{6DB206C8-F88B-4959-9CD2-3016D27660E1}" type="datetimeFigureOut">
               <a:rPr lang="en-US" smtClean="0"/>
-              <a:t>8/8/2018</a:t>
+              <a:t>8/26/2018</a:t>
             </a:fld>
             <a:endParaRPr lang="en-US"/>
           </a:p>
@@ -2683,7 +2683,7 @@
           <a:p>
             <a:fld id="{6DB206C8-F88B-4959-9CD2-3016D27660E1}" type="datetimeFigureOut">
               <a:rPr lang="en-US" smtClean="0"/>
-              <a:t>8/8/2018</a:t>
+              <a:t>8/26/2018</a:t>
             </a:fld>
             <a:endParaRPr lang="en-US"/>
           </a:p>
@@ -2924,7 +2924,7 @@
           <a:p>
             <a:fld id="{6DB206C8-F88B-4959-9CD2-3016D27660E1}" type="datetimeFigureOut">
               <a:rPr lang="en-US" smtClean="0"/>
-              <a:t>8/8/2018</a:t>
+              <a:t>8/26/2018</a:t>
             </a:fld>
             <a:endParaRPr lang="en-US"/>
           </a:p>
@@ -6048,135 +6048,78 @@
                   <a:chExt cx="1030081" cy="1064247"/>
                 </a:xfrm>
               </p:grpSpPr>
-              <p:grpSp>
-                <p:nvGrpSpPr>
-                  <p:cNvPr id="64" name="Group 63">
+              <p:sp>
+                <p:nvSpPr>
+                  <p:cNvPr id="65" name="Hexagon 176">
                     <a:extLst>
                       <a:ext uri="{FF2B5EF4-FFF2-40B4-BE49-F238E27FC236}">
-                        <a16:creationId xmlns:a16="http://schemas.microsoft.com/office/drawing/2014/main" id="{A534364C-145B-415B-88ED-CCB611E7FF4F}"/>
+                        <a16:creationId xmlns:a16="http://schemas.microsoft.com/office/drawing/2014/main" id="{8F8E11A5-36AB-4E1E-88D8-BE5A0A8AF256}"/>
                       </a:ext>
                     </a:extLst>
                   </p:cNvPr>
-                  <p:cNvGrpSpPr/>
+                  <p:cNvSpPr/>
                   <p:nvPr/>
-                </p:nvGrpSpPr>
-                <p:grpSpPr>
+                </p:nvSpPr>
+                <p:spPr bwMode="auto">
                   <a:xfrm>
                     <a:off x="3313319" y="4812869"/>
                     <a:ext cx="1030081" cy="935773"/>
-                    <a:chOff x="1847159" y="4836151"/>
-                    <a:chExt cx="1030081" cy="935773"/>
                   </a:xfrm>
-                </p:grpSpPr>
-                <p:sp>
-                  <p:nvSpPr>
-                    <p:cNvPr id="65" name="Hexagon 176">
-                      <a:extLst>
-                        <a:ext uri="{FF2B5EF4-FFF2-40B4-BE49-F238E27FC236}">
-                          <a16:creationId xmlns:a16="http://schemas.microsoft.com/office/drawing/2014/main" id="{8F8E11A5-36AB-4E1E-88D8-BE5A0A8AF256}"/>
-                        </a:ext>
-                      </a:extLst>
-                    </p:cNvPr>
-                    <p:cNvSpPr/>
-                    <p:nvPr/>
-                  </p:nvSpPr>
-                  <p:spPr bwMode="auto">
-                    <a:xfrm>
-                      <a:off x="1847159" y="4836151"/>
-                      <a:ext cx="1030081" cy="935773"/>
-                    </a:xfrm>
-                    <a:prstGeom prst="hexagon">
-                      <a:avLst>
-                        <a:gd name="adj" fmla="val 28624"/>
-                        <a:gd name="vf" fmla="val 115470"/>
-                      </a:avLst>
-                    </a:prstGeom>
-                    <a:ln>
-                      <a:headEnd type="none" w="med" len="med"/>
-                      <a:tailEnd type="none" w="med" len="med"/>
-                    </a:ln>
-                  </p:spPr>
-                  <p:style>
-                    <a:lnRef idx="2">
-                      <a:schemeClr val="accent4"/>
-                    </a:lnRef>
-                    <a:fillRef idx="1">
-                      <a:schemeClr val="lt1"/>
-                    </a:fillRef>
-                    <a:effectRef idx="0">
-                      <a:schemeClr val="accent4"/>
-                    </a:effectRef>
-                    <a:fontRef idx="minor">
-                      <a:schemeClr val="dk1"/>
-                    </a:fontRef>
-                  </p:style>
-                  <p:txBody>
-                    <a:bodyPr rot="0" spcFirstLastPara="0" vertOverflow="overflow" horzOverflow="overflow" vert="horz" wrap="square" lIns="0" tIns="560064" rIns="0" bIns="380632" numCol="1" spcCol="0" rtlCol="0" fromWordArt="0" anchor="t" anchorCtr="0" forceAA="0" compatLnSpc="1">
-                      <a:prstTxWarp prst="textNoShape">
-                        <a:avLst/>
-                      </a:prstTxWarp>
-                      <a:noAutofit/>
-                    </a:bodyPr>
-                    <a:lstStyle/>
-                    <a:p>
-                      <a:pPr algn="ctr" defTabSz="878453" fontAlgn="base">
-                        <a:lnSpc>
-                          <a:spcPct val="90000"/>
-                        </a:lnSpc>
-                        <a:spcBef>
-                          <a:spcPct val="0"/>
-                        </a:spcBef>
-                        <a:spcAft>
-                          <a:spcPct val="0"/>
-                        </a:spcAft>
-                      </a:pPr>
-                      <a:endParaRPr lang="en-US" sz="1131" b="1" dirty="0">
-                        <a:solidFill>
-                          <a:schemeClr val="tx1"/>
-                        </a:solidFill>
-                        <a:latin typeface="Segoe UI" charset="0"/>
-                        <a:cs typeface="Segoe UI" charset="0"/>
-                      </a:endParaRPr>
-                    </a:p>
-                  </p:txBody>
-                </p:sp>
-                <p:pic>
-                  <p:nvPicPr>
-                    <p:cNvPr id="66" name="Picture 65">
-                      <a:extLst>
-                        <a:ext uri="{FF2B5EF4-FFF2-40B4-BE49-F238E27FC236}">
-                          <a16:creationId xmlns:a16="http://schemas.microsoft.com/office/drawing/2014/main" id="{4914D168-09C0-457F-B73D-4C024B0532A6}"/>
-                        </a:ext>
-                      </a:extLst>
-                    </p:cNvPr>
-                    <p:cNvPicPr>
-                      <a:picLocks noChangeAspect="1"/>
-                    </p:cNvPicPr>
-                    <p:nvPr/>
-                  </p:nvPicPr>
-                  <p:blipFill>
-                    <a:blip r:embed="rId11" cstate="print">
-                      <a:extLst>
-                        <a:ext uri="{28A0092B-C50C-407E-A947-70E740481C1C}">
-                          <a14:useLocalDpi xmlns:a14="http://schemas.microsoft.com/office/drawing/2010/main" val="0"/>
-                        </a:ext>
-                      </a:extLst>
-                    </a:blip>
-                    <a:stretch>
-                      <a:fillRect/>
-                    </a:stretch>
-                  </p:blipFill>
-                  <p:spPr>
-                    <a:xfrm>
-                      <a:off x="2082197" y="5059918"/>
-                      <a:ext cx="562911" cy="455057"/>
-                    </a:xfrm>
-                    <a:prstGeom prst="rect">
+                  <a:prstGeom prst="hexagon">
+                    <a:avLst>
+                      <a:gd name="adj" fmla="val 28624"/>
+                      <a:gd name="vf" fmla="val 115470"/>
+                    </a:avLst>
+                  </a:prstGeom>
+                  <a:ln>
+                    <a:headEnd type="none" w="med" len="med"/>
+                    <a:tailEnd type="none" w="med" len="med"/>
+                  </a:ln>
+                </p:spPr>
+                <p:style>
+                  <a:lnRef idx="2">
+                    <a:schemeClr val="accent4"/>
+                  </a:lnRef>
+                  <a:fillRef idx="1">
+                    <a:schemeClr val="lt1"/>
+                  </a:fillRef>
+                  <a:effectRef idx="0">
+                    <a:schemeClr val="accent4"/>
+                  </a:effectRef>
+                  <a:fontRef idx="minor">
+                    <a:schemeClr val="dk1"/>
+                  </a:fontRef>
+                </p:style>
+                <p:txBody>
+                  <a:bodyPr rot="0" spcFirstLastPara="0" vertOverflow="overflow" horzOverflow="overflow" vert="horz" wrap="square" lIns="0" tIns="560064" rIns="0" bIns="380632" numCol="1" spcCol="0" rtlCol="0" fromWordArt="0" anchor="t" anchorCtr="0" forceAA="0" compatLnSpc="1">
+                    <a:prstTxWarp prst="textNoShape">
                       <a:avLst/>
-                    </a:prstGeom>
-                  </p:spPr>
-                </p:pic>
-              </p:grpSp>
+                    </a:prstTxWarp>
+                    <a:noAutofit/>
+                  </a:bodyPr>
+                  <a:lstStyle/>
+                  <a:p>
+                    <a:pPr algn="ctr" defTabSz="878453" fontAlgn="base">
+                      <a:lnSpc>
+                        <a:spcPct val="90000"/>
+                      </a:lnSpc>
+                      <a:spcBef>
+                        <a:spcPct val="0"/>
+                      </a:spcBef>
+                      <a:spcAft>
+                        <a:spcPct val="0"/>
+                      </a:spcAft>
+                    </a:pPr>
+                    <a:endParaRPr lang="en-US" sz="1131" b="1" dirty="0">
+                      <a:solidFill>
+                        <a:schemeClr val="tx1"/>
+                      </a:solidFill>
+                      <a:latin typeface="Segoe UI" charset="0"/>
+                      <a:cs typeface="Segoe UI" charset="0"/>
+                    </a:endParaRPr>
+                  </a:p>
+                </p:txBody>
+              </p:sp>
               <p:sp>
                 <p:nvSpPr>
                   <p:cNvPr id="69" name="Rectangle 68">
@@ -6414,135 +6357,78 @@
                 <a:chExt cx="1030081" cy="1054478"/>
               </a:xfrm>
             </p:grpSpPr>
-            <p:grpSp>
-              <p:nvGrpSpPr>
-                <p:cNvPr id="29" name="Group 28">
+            <p:sp>
+              <p:nvSpPr>
+                <p:cNvPr id="61" name="Hexagon 176">
                   <a:extLst>
                     <a:ext uri="{FF2B5EF4-FFF2-40B4-BE49-F238E27FC236}">
-                      <a16:creationId xmlns:a16="http://schemas.microsoft.com/office/drawing/2014/main" id="{5711DF41-7BE3-415F-9E7F-E89773174A0C}"/>
+                      <a16:creationId xmlns:a16="http://schemas.microsoft.com/office/drawing/2014/main" id="{37C51CFF-FD26-4F34-BF6D-2C68729102B7}"/>
                     </a:ext>
                   </a:extLst>
                 </p:cNvPr>
-                <p:cNvGrpSpPr/>
+                <p:cNvSpPr/>
                 <p:nvPr/>
-              </p:nvGrpSpPr>
-              <p:grpSpPr>
+              </p:nvSpPr>
+              <p:spPr bwMode="auto">
                 <a:xfrm>
                   <a:off x="1858787" y="4847680"/>
                   <a:ext cx="1030081" cy="935773"/>
-                  <a:chOff x="1847159" y="4836151"/>
-                  <a:chExt cx="1030081" cy="935773"/>
                 </a:xfrm>
-              </p:grpSpPr>
-              <p:sp>
-                <p:nvSpPr>
-                  <p:cNvPr id="61" name="Hexagon 176">
-                    <a:extLst>
-                      <a:ext uri="{FF2B5EF4-FFF2-40B4-BE49-F238E27FC236}">
-                        <a16:creationId xmlns:a16="http://schemas.microsoft.com/office/drawing/2014/main" id="{37C51CFF-FD26-4F34-BF6D-2C68729102B7}"/>
-                      </a:ext>
-                    </a:extLst>
-                  </p:cNvPr>
-                  <p:cNvSpPr/>
-                  <p:nvPr/>
-                </p:nvSpPr>
-                <p:spPr bwMode="auto">
-                  <a:xfrm>
-                    <a:off x="1847159" y="4836151"/>
-                    <a:ext cx="1030081" cy="935773"/>
-                  </a:xfrm>
-                  <a:prstGeom prst="hexagon">
-                    <a:avLst>
-                      <a:gd name="adj" fmla="val 28624"/>
-                      <a:gd name="vf" fmla="val 115470"/>
-                    </a:avLst>
-                  </a:prstGeom>
-                  <a:ln>
-                    <a:headEnd type="none" w="med" len="med"/>
-                    <a:tailEnd type="none" w="med" len="med"/>
-                  </a:ln>
-                </p:spPr>
-                <p:style>
-                  <a:lnRef idx="2">
-                    <a:schemeClr val="accent4"/>
-                  </a:lnRef>
-                  <a:fillRef idx="1">
-                    <a:schemeClr val="lt1"/>
-                  </a:fillRef>
-                  <a:effectRef idx="0">
-                    <a:schemeClr val="accent4"/>
-                  </a:effectRef>
-                  <a:fontRef idx="minor">
-                    <a:schemeClr val="dk1"/>
-                  </a:fontRef>
-                </p:style>
-                <p:txBody>
-                  <a:bodyPr rot="0" spcFirstLastPara="0" vertOverflow="overflow" horzOverflow="overflow" vert="horz" wrap="square" lIns="0" tIns="560064" rIns="0" bIns="380632" numCol="1" spcCol="0" rtlCol="0" fromWordArt="0" anchor="t" anchorCtr="0" forceAA="0" compatLnSpc="1">
-                    <a:prstTxWarp prst="textNoShape">
-                      <a:avLst/>
-                    </a:prstTxWarp>
-                    <a:noAutofit/>
-                  </a:bodyPr>
-                  <a:lstStyle/>
-                  <a:p>
-                    <a:pPr algn="ctr" defTabSz="878453" fontAlgn="base">
-                      <a:lnSpc>
-                        <a:spcPct val="90000"/>
-                      </a:lnSpc>
-                      <a:spcBef>
-                        <a:spcPct val="0"/>
-                      </a:spcBef>
-                      <a:spcAft>
-                        <a:spcPct val="0"/>
-                      </a:spcAft>
-                    </a:pPr>
-                    <a:endParaRPr lang="en-US" sz="1131" b="1" dirty="0">
-                      <a:solidFill>
-                        <a:schemeClr val="tx1"/>
-                      </a:solidFill>
-                      <a:latin typeface="Segoe UI" charset="0"/>
-                      <a:cs typeface="Segoe UI" charset="0"/>
-                    </a:endParaRPr>
-                  </a:p>
-                </p:txBody>
-              </p:sp>
-              <p:pic>
-                <p:nvPicPr>
-                  <p:cNvPr id="27" name="Picture 26">
-                    <a:extLst>
-                      <a:ext uri="{FF2B5EF4-FFF2-40B4-BE49-F238E27FC236}">
-                        <a16:creationId xmlns:a16="http://schemas.microsoft.com/office/drawing/2014/main" id="{814B6059-262D-4CA7-BED1-D6D172E1E070}"/>
-                      </a:ext>
-                    </a:extLst>
-                  </p:cNvPr>
-                  <p:cNvPicPr>
-                    <a:picLocks noChangeAspect="1"/>
-                  </p:cNvPicPr>
-                  <p:nvPr/>
-                </p:nvPicPr>
-                <p:blipFill>
-                  <a:blip r:embed="rId11" cstate="print">
-                    <a:extLst>
-                      <a:ext uri="{28A0092B-C50C-407E-A947-70E740481C1C}">
-                        <a14:useLocalDpi xmlns:a14="http://schemas.microsoft.com/office/drawing/2010/main" val="0"/>
-                      </a:ext>
-                    </a:extLst>
-                  </a:blip>
-                  <a:stretch>
-                    <a:fillRect/>
-                  </a:stretch>
-                </p:blipFill>
-                <p:spPr>
-                  <a:xfrm>
-                    <a:off x="2082197" y="5059918"/>
-                    <a:ext cx="562911" cy="455057"/>
-                  </a:xfrm>
-                  <a:prstGeom prst="rect">
+                <a:prstGeom prst="hexagon">
+                  <a:avLst>
+                    <a:gd name="adj" fmla="val 28624"/>
+                    <a:gd name="vf" fmla="val 115470"/>
+                  </a:avLst>
+                </a:prstGeom>
+                <a:ln>
+                  <a:headEnd type="none" w="med" len="med"/>
+                  <a:tailEnd type="none" w="med" len="med"/>
+                </a:ln>
+              </p:spPr>
+              <p:style>
+                <a:lnRef idx="2">
+                  <a:schemeClr val="accent4"/>
+                </a:lnRef>
+                <a:fillRef idx="1">
+                  <a:schemeClr val="lt1"/>
+                </a:fillRef>
+                <a:effectRef idx="0">
+                  <a:schemeClr val="accent4"/>
+                </a:effectRef>
+                <a:fontRef idx="minor">
+                  <a:schemeClr val="dk1"/>
+                </a:fontRef>
+              </p:style>
+              <p:txBody>
+                <a:bodyPr rot="0" spcFirstLastPara="0" vertOverflow="overflow" horzOverflow="overflow" vert="horz" wrap="square" lIns="0" tIns="560064" rIns="0" bIns="380632" numCol="1" spcCol="0" rtlCol="0" fromWordArt="0" anchor="t" anchorCtr="0" forceAA="0" compatLnSpc="1">
+                  <a:prstTxWarp prst="textNoShape">
                     <a:avLst/>
-                  </a:prstGeom>
-                </p:spPr>
-              </p:pic>
-            </p:grpSp>
+                  </a:prstTxWarp>
+                  <a:noAutofit/>
+                </a:bodyPr>
+                <a:lstStyle/>
+                <a:p>
+                  <a:pPr algn="ctr" defTabSz="878453" fontAlgn="base">
+                    <a:lnSpc>
+                      <a:spcPct val="90000"/>
+                    </a:lnSpc>
+                    <a:spcBef>
+                      <a:spcPct val="0"/>
+                    </a:spcBef>
+                    <a:spcAft>
+                      <a:spcPct val="0"/>
+                    </a:spcAft>
+                  </a:pPr>
+                  <a:endParaRPr lang="en-US" sz="1131" b="1" dirty="0">
+                    <a:solidFill>
+                      <a:schemeClr val="tx1"/>
+                    </a:solidFill>
+                    <a:latin typeface="Segoe UI" charset="0"/>
+                    <a:cs typeface="Segoe UI" charset="0"/>
+                  </a:endParaRPr>
+                </a:p>
+              </p:txBody>
+            </p:sp>
             <p:sp>
               <p:nvSpPr>
                 <p:cNvPr id="70" name="Rectangle 69">
@@ -7336,135 +7222,78 @@
                 <a:chExt cx="1030081" cy="1060064"/>
               </a:xfrm>
             </p:grpSpPr>
-            <p:grpSp>
-              <p:nvGrpSpPr>
-                <p:cNvPr id="114" name="Group 113">
+            <p:sp>
+              <p:nvSpPr>
+                <p:cNvPr id="115" name="Hexagon 176">
                   <a:extLst>
                     <a:ext uri="{FF2B5EF4-FFF2-40B4-BE49-F238E27FC236}">
-                      <a16:creationId xmlns:a16="http://schemas.microsoft.com/office/drawing/2014/main" id="{24C89F02-222A-45B9-8396-F8A79AFA2B28}"/>
+                      <a16:creationId xmlns:a16="http://schemas.microsoft.com/office/drawing/2014/main" id="{E21049BF-1197-4C95-85A3-E6C05CEF2E78}"/>
                     </a:ext>
                   </a:extLst>
                 </p:cNvPr>
-                <p:cNvGrpSpPr/>
+                <p:cNvSpPr/>
                 <p:nvPr/>
-              </p:nvGrpSpPr>
-              <p:grpSpPr>
+              </p:nvSpPr>
+              <p:spPr bwMode="auto">
                 <a:xfrm>
                   <a:off x="6513719" y="1879600"/>
                   <a:ext cx="1030081" cy="935773"/>
-                  <a:chOff x="1847159" y="4836151"/>
-                  <a:chExt cx="1030081" cy="935773"/>
                 </a:xfrm>
-              </p:grpSpPr>
-              <p:sp>
-                <p:nvSpPr>
-                  <p:cNvPr id="115" name="Hexagon 176">
-                    <a:extLst>
-                      <a:ext uri="{FF2B5EF4-FFF2-40B4-BE49-F238E27FC236}">
-                        <a16:creationId xmlns:a16="http://schemas.microsoft.com/office/drawing/2014/main" id="{E21049BF-1197-4C95-85A3-E6C05CEF2E78}"/>
-                      </a:ext>
-                    </a:extLst>
-                  </p:cNvPr>
-                  <p:cNvSpPr/>
-                  <p:nvPr/>
-                </p:nvSpPr>
-                <p:spPr bwMode="auto">
-                  <a:xfrm>
-                    <a:off x="1847159" y="4836151"/>
-                    <a:ext cx="1030081" cy="935773"/>
-                  </a:xfrm>
-                  <a:prstGeom prst="hexagon">
-                    <a:avLst>
-                      <a:gd name="adj" fmla="val 28624"/>
-                      <a:gd name="vf" fmla="val 115470"/>
-                    </a:avLst>
-                  </a:prstGeom>
-                  <a:ln>
-                    <a:headEnd type="none" w="med" len="med"/>
-                    <a:tailEnd type="none" w="med" len="med"/>
-                  </a:ln>
-                </p:spPr>
-                <p:style>
-                  <a:lnRef idx="2">
-                    <a:schemeClr val="accent4"/>
-                  </a:lnRef>
-                  <a:fillRef idx="1">
-                    <a:schemeClr val="lt1"/>
-                  </a:fillRef>
-                  <a:effectRef idx="0">
-                    <a:schemeClr val="accent4"/>
-                  </a:effectRef>
-                  <a:fontRef idx="minor">
-                    <a:schemeClr val="dk1"/>
-                  </a:fontRef>
-                </p:style>
-                <p:txBody>
-                  <a:bodyPr rot="0" spcFirstLastPara="0" vertOverflow="overflow" horzOverflow="overflow" vert="horz" wrap="square" lIns="0" tIns="560064" rIns="0" bIns="380632" numCol="1" spcCol="0" rtlCol="0" fromWordArt="0" anchor="t" anchorCtr="0" forceAA="0" compatLnSpc="1">
-                    <a:prstTxWarp prst="textNoShape">
-                      <a:avLst/>
-                    </a:prstTxWarp>
-                    <a:noAutofit/>
-                  </a:bodyPr>
-                  <a:lstStyle/>
-                  <a:p>
-                    <a:pPr algn="ctr" defTabSz="878453" fontAlgn="base">
-                      <a:lnSpc>
-                        <a:spcPct val="90000"/>
-                      </a:lnSpc>
-                      <a:spcBef>
-                        <a:spcPct val="0"/>
-                      </a:spcBef>
-                      <a:spcAft>
-                        <a:spcPct val="0"/>
-                      </a:spcAft>
-                    </a:pPr>
-                    <a:endParaRPr lang="en-US" sz="1131" b="1" dirty="0">
-                      <a:solidFill>
-                        <a:schemeClr val="tx1"/>
-                      </a:solidFill>
-                      <a:latin typeface="Segoe UI" charset="0"/>
-                      <a:cs typeface="Segoe UI" charset="0"/>
-                    </a:endParaRPr>
-                  </a:p>
-                </p:txBody>
-              </p:sp>
-              <p:pic>
-                <p:nvPicPr>
-                  <p:cNvPr id="116" name="Picture 115">
-                    <a:extLst>
-                      <a:ext uri="{FF2B5EF4-FFF2-40B4-BE49-F238E27FC236}">
-                        <a16:creationId xmlns:a16="http://schemas.microsoft.com/office/drawing/2014/main" id="{61F15293-8B95-42DE-91E3-E65FE9669AE8}"/>
-                      </a:ext>
-                    </a:extLst>
-                  </p:cNvPr>
-                  <p:cNvPicPr>
-                    <a:picLocks noChangeAspect="1"/>
-                  </p:cNvPicPr>
-                  <p:nvPr/>
-                </p:nvPicPr>
-                <p:blipFill>
-                  <a:blip r:embed="rId11" cstate="print">
-                    <a:extLst>
-                      <a:ext uri="{28A0092B-C50C-407E-A947-70E740481C1C}">
-                        <a14:useLocalDpi xmlns:a14="http://schemas.microsoft.com/office/drawing/2010/main" val="0"/>
-                      </a:ext>
-                    </a:extLst>
-                  </a:blip>
-                  <a:stretch>
-                    <a:fillRect/>
-                  </a:stretch>
-                </p:blipFill>
-                <p:spPr>
-                  <a:xfrm>
-                    <a:off x="2082197" y="5059918"/>
-                    <a:ext cx="562911" cy="455057"/>
-                  </a:xfrm>
-                  <a:prstGeom prst="rect">
+                <a:prstGeom prst="hexagon">
+                  <a:avLst>
+                    <a:gd name="adj" fmla="val 28624"/>
+                    <a:gd name="vf" fmla="val 115470"/>
+                  </a:avLst>
+                </a:prstGeom>
+                <a:ln>
+                  <a:headEnd type="none" w="med" len="med"/>
+                  <a:tailEnd type="none" w="med" len="med"/>
+                </a:ln>
+              </p:spPr>
+              <p:style>
+                <a:lnRef idx="2">
+                  <a:schemeClr val="accent4"/>
+                </a:lnRef>
+                <a:fillRef idx="1">
+                  <a:schemeClr val="lt1"/>
+                </a:fillRef>
+                <a:effectRef idx="0">
+                  <a:schemeClr val="accent4"/>
+                </a:effectRef>
+                <a:fontRef idx="minor">
+                  <a:schemeClr val="dk1"/>
+                </a:fontRef>
+              </p:style>
+              <p:txBody>
+                <a:bodyPr rot="0" spcFirstLastPara="0" vertOverflow="overflow" horzOverflow="overflow" vert="horz" wrap="square" lIns="0" tIns="560064" rIns="0" bIns="380632" numCol="1" spcCol="0" rtlCol="0" fromWordArt="0" anchor="t" anchorCtr="0" forceAA="0" compatLnSpc="1">
+                  <a:prstTxWarp prst="textNoShape">
                     <a:avLst/>
-                  </a:prstGeom>
-                </p:spPr>
-              </p:pic>
-            </p:grpSp>
+                  </a:prstTxWarp>
+                  <a:noAutofit/>
+                </a:bodyPr>
+                <a:lstStyle/>
+                <a:p>
+                  <a:pPr algn="ctr" defTabSz="878453" fontAlgn="base">
+                    <a:lnSpc>
+                      <a:spcPct val="90000"/>
+                    </a:lnSpc>
+                    <a:spcBef>
+                      <a:spcPct val="0"/>
+                    </a:spcBef>
+                    <a:spcAft>
+                      <a:spcPct val="0"/>
+                    </a:spcAft>
+                  </a:pPr>
+                  <a:endParaRPr lang="en-US" sz="1131" b="1" dirty="0">
+                    <a:solidFill>
+                      <a:schemeClr val="tx1"/>
+                    </a:solidFill>
+                    <a:latin typeface="Segoe UI" charset="0"/>
+                    <a:cs typeface="Segoe UI" charset="0"/>
+                  </a:endParaRPr>
+                </a:p>
+              </p:txBody>
+            </p:sp>
             <p:sp>
               <p:nvSpPr>
                 <p:cNvPr id="79" name="Rectangle 78">
@@ -8008,135 +7837,78 @@
                 <a:chExt cx="1030081" cy="1060064"/>
               </a:xfrm>
             </p:grpSpPr>
-            <p:grpSp>
-              <p:nvGrpSpPr>
-                <p:cNvPr id="148" name="Group 147">
+            <p:sp>
+              <p:nvSpPr>
+                <p:cNvPr id="150" name="Hexagon 176">
                   <a:extLst>
                     <a:ext uri="{FF2B5EF4-FFF2-40B4-BE49-F238E27FC236}">
-                      <a16:creationId xmlns:a16="http://schemas.microsoft.com/office/drawing/2014/main" id="{3938CDAE-0DDD-4B86-9233-58358A471101}"/>
+                      <a16:creationId xmlns:a16="http://schemas.microsoft.com/office/drawing/2014/main" id="{94CA3966-4A02-4A3F-85CE-FD8CECD3B5A0}"/>
                     </a:ext>
                   </a:extLst>
                 </p:cNvPr>
-                <p:cNvGrpSpPr/>
+                <p:cNvSpPr/>
                 <p:nvPr/>
-              </p:nvGrpSpPr>
-              <p:grpSpPr>
+              </p:nvSpPr>
+              <p:spPr bwMode="auto">
                 <a:xfrm>
                   <a:off x="6513719" y="1879600"/>
                   <a:ext cx="1030081" cy="935773"/>
-                  <a:chOff x="1847159" y="4836151"/>
-                  <a:chExt cx="1030081" cy="935773"/>
                 </a:xfrm>
-              </p:grpSpPr>
-              <p:sp>
-                <p:nvSpPr>
-                  <p:cNvPr id="150" name="Hexagon 176">
-                    <a:extLst>
-                      <a:ext uri="{FF2B5EF4-FFF2-40B4-BE49-F238E27FC236}">
-                        <a16:creationId xmlns:a16="http://schemas.microsoft.com/office/drawing/2014/main" id="{94CA3966-4A02-4A3F-85CE-FD8CECD3B5A0}"/>
-                      </a:ext>
-                    </a:extLst>
-                  </p:cNvPr>
-                  <p:cNvSpPr/>
-                  <p:nvPr/>
-                </p:nvSpPr>
-                <p:spPr bwMode="auto">
-                  <a:xfrm>
-                    <a:off x="1847159" y="4836151"/>
-                    <a:ext cx="1030081" cy="935773"/>
-                  </a:xfrm>
-                  <a:prstGeom prst="hexagon">
-                    <a:avLst>
-                      <a:gd name="adj" fmla="val 28624"/>
-                      <a:gd name="vf" fmla="val 115470"/>
-                    </a:avLst>
-                  </a:prstGeom>
-                  <a:ln>
-                    <a:headEnd type="none" w="med" len="med"/>
-                    <a:tailEnd type="none" w="med" len="med"/>
-                  </a:ln>
-                </p:spPr>
-                <p:style>
-                  <a:lnRef idx="2">
-                    <a:schemeClr val="accent4"/>
-                  </a:lnRef>
-                  <a:fillRef idx="1">
-                    <a:schemeClr val="lt1"/>
-                  </a:fillRef>
-                  <a:effectRef idx="0">
-                    <a:schemeClr val="accent4"/>
-                  </a:effectRef>
-                  <a:fontRef idx="minor">
-                    <a:schemeClr val="dk1"/>
-                  </a:fontRef>
-                </p:style>
-                <p:txBody>
-                  <a:bodyPr rot="0" spcFirstLastPara="0" vertOverflow="overflow" horzOverflow="overflow" vert="horz" wrap="square" lIns="0" tIns="560064" rIns="0" bIns="380632" numCol="1" spcCol="0" rtlCol="0" fromWordArt="0" anchor="t" anchorCtr="0" forceAA="0" compatLnSpc="1">
-                    <a:prstTxWarp prst="textNoShape">
-                      <a:avLst/>
-                    </a:prstTxWarp>
-                    <a:noAutofit/>
-                  </a:bodyPr>
-                  <a:lstStyle/>
-                  <a:p>
-                    <a:pPr algn="ctr" defTabSz="878453" fontAlgn="base">
-                      <a:lnSpc>
-                        <a:spcPct val="90000"/>
-                      </a:lnSpc>
-                      <a:spcBef>
-                        <a:spcPct val="0"/>
-                      </a:spcBef>
-                      <a:spcAft>
-                        <a:spcPct val="0"/>
-                      </a:spcAft>
-                    </a:pPr>
-                    <a:endParaRPr lang="en-US" sz="1131" b="1" dirty="0">
-                      <a:solidFill>
-                        <a:schemeClr val="tx1"/>
-                      </a:solidFill>
-                      <a:latin typeface="Segoe UI" charset="0"/>
-                      <a:cs typeface="Segoe UI" charset="0"/>
-                    </a:endParaRPr>
-                  </a:p>
-                </p:txBody>
-              </p:sp>
-              <p:pic>
-                <p:nvPicPr>
-                  <p:cNvPr id="151" name="Picture 150">
-                    <a:extLst>
-                      <a:ext uri="{FF2B5EF4-FFF2-40B4-BE49-F238E27FC236}">
-                        <a16:creationId xmlns:a16="http://schemas.microsoft.com/office/drawing/2014/main" id="{3E754663-3C7F-42A5-AE6F-64963368E68D}"/>
-                      </a:ext>
-                    </a:extLst>
-                  </p:cNvPr>
-                  <p:cNvPicPr>
-                    <a:picLocks noChangeAspect="1"/>
-                  </p:cNvPicPr>
-                  <p:nvPr/>
-                </p:nvPicPr>
-                <p:blipFill>
-                  <a:blip r:embed="rId11" cstate="print">
-                    <a:extLst>
-                      <a:ext uri="{28A0092B-C50C-407E-A947-70E740481C1C}">
-                        <a14:useLocalDpi xmlns:a14="http://schemas.microsoft.com/office/drawing/2010/main" val="0"/>
-                      </a:ext>
-                    </a:extLst>
-                  </a:blip>
-                  <a:stretch>
-                    <a:fillRect/>
-                  </a:stretch>
-                </p:blipFill>
-                <p:spPr>
-                  <a:xfrm>
-                    <a:off x="2082197" y="5059918"/>
-                    <a:ext cx="562911" cy="455057"/>
-                  </a:xfrm>
-                  <a:prstGeom prst="rect">
+                <a:prstGeom prst="hexagon">
+                  <a:avLst>
+                    <a:gd name="adj" fmla="val 28624"/>
+                    <a:gd name="vf" fmla="val 115470"/>
+                  </a:avLst>
+                </a:prstGeom>
+                <a:ln>
+                  <a:headEnd type="none" w="med" len="med"/>
+                  <a:tailEnd type="none" w="med" len="med"/>
+                </a:ln>
+              </p:spPr>
+              <p:style>
+                <a:lnRef idx="2">
+                  <a:schemeClr val="accent4"/>
+                </a:lnRef>
+                <a:fillRef idx="1">
+                  <a:schemeClr val="lt1"/>
+                </a:fillRef>
+                <a:effectRef idx="0">
+                  <a:schemeClr val="accent4"/>
+                </a:effectRef>
+                <a:fontRef idx="minor">
+                  <a:schemeClr val="dk1"/>
+                </a:fontRef>
+              </p:style>
+              <p:txBody>
+                <a:bodyPr rot="0" spcFirstLastPara="0" vertOverflow="overflow" horzOverflow="overflow" vert="horz" wrap="square" lIns="0" tIns="560064" rIns="0" bIns="380632" numCol="1" spcCol="0" rtlCol="0" fromWordArt="0" anchor="t" anchorCtr="0" forceAA="0" compatLnSpc="1">
+                  <a:prstTxWarp prst="textNoShape">
                     <a:avLst/>
-                  </a:prstGeom>
-                </p:spPr>
-              </p:pic>
-            </p:grpSp>
+                  </a:prstTxWarp>
+                  <a:noAutofit/>
+                </a:bodyPr>
+                <a:lstStyle/>
+                <a:p>
+                  <a:pPr algn="ctr" defTabSz="878453" fontAlgn="base">
+                    <a:lnSpc>
+                      <a:spcPct val="90000"/>
+                    </a:lnSpc>
+                    <a:spcBef>
+                      <a:spcPct val="0"/>
+                    </a:spcBef>
+                    <a:spcAft>
+                      <a:spcPct val="0"/>
+                    </a:spcAft>
+                  </a:pPr>
+                  <a:endParaRPr lang="en-US" sz="1131" b="1" dirty="0">
+                    <a:solidFill>
+                      <a:schemeClr val="tx1"/>
+                    </a:solidFill>
+                    <a:latin typeface="Segoe UI" charset="0"/>
+                    <a:cs typeface="Segoe UI" charset="0"/>
+                  </a:endParaRPr>
+                </a:p>
+              </p:txBody>
+            </p:sp>
             <p:sp>
               <p:nvSpPr>
                 <p:cNvPr id="149" name="Rectangle 148">
@@ -8957,6 +8729,150 @@
           </a:fontRef>
         </p:style>
       </p:cxnSp>
+      <p:pic>
+        <p:nvPicPr>
+          <p:cNvPr id="8" name="Picture 7">
+            <a:extLst>
+              <a:ext uri="{FF2B5EF4-FFF2-40B4-BE49-F238E27FC236}">
+                <a16:creationId xmlns:a16="http://schemas.microsoft.com/office/drawing/2014/main" id="{78C6F4FA-29D7-47F1-94CB-EA0A5FE7B4AB}"/>
+              </a:ext>
+            </a:extLst>
+          </p:cNvPr>
+          <p:cNvPicPr>
+            <a:picLocks noChangeAspect="1"/>
+          </p:cNvPicPr>
+          <p:nvPr/>
+        </p:nvPicPr>
+        <p:blipFill>
+          <a:blip r:embed="rId11" cstate="print">
+            <a:extLst>
+              <a:ext uri="{28A0092B-C50C-407E-A947-70E740481C1C}">
+                <a14:useLocalDpi xmlns:a14="http://schemas.microsoft.com/office/drawing/2010/main" val="0"/>
+              </a:ext>
+            </a:extLst>
+          </a:blip>
+          <a:stretch>
+            <a:fillRect/>
+          </a:stretch>
+        </p:blipFill>
+        <p:spPr>
+          <a:xfrm>
+            <a:off x="3483916" y="1759921"/>
+            <a:ext cx="724246" cy="374571"/>
+          </a:xfrm>
+          <a:prstGeom prst="rect">
+            <a:avLst/>
+          </a:prstGeom>
+        </p:spPr>
+      </p:pic>
+      <p:pic>
+        <p:nvPicPr>
+          <p:cNvPr id="161" name="Picture 160">
+            <a:extLst>
+              <a:ext uri="{FF2B5EF4-FFF2-40B4-BE49-F238E27FC236}">
+                <a16:creationId xmlns:a16="http://schemas.microsoft.com/office/drawing/2014/main" id="{13DEA6E5-65D9-4969-ACE7-656079E309B6}"/>
+              </a:ext>
+            </a:extLst>
+          </p:cNvPr>
+          <p:cNvPicPr>
+            <a:picLocks noChangeAspect="1"/>
+          </p:cNvPicPr>
+          <p:nvPr/>
+        </p:nvPicPr>
+        <p:blipFill>
+          <a:blip r:embed="rId11" cstate="print">
+            <a:extLst>
+              <a:ext uri="{28A0092B-C50C-407E-A947-70E740481C1C}">
+                <a14:useLocalDpi xmlns:a14="http://schemas.microsoft.com/office/drawing/2010/main" val="0"/>
+              </a:ext>
+            </a:extLst>
+          </a:blip>
+          <a:stretch>
+            <a:fillRect/>
+          </a:stretch>
+        </p:blipFill>
+        <p:spPr>
+          <a:xfrm>
+            <a:off x="2636949" y="4917002"/>
+            <a:ext cx="724246" cy="374571"/>
+          </a:xfrm>
+          <a:prstGeom prst="rect">
+            <a:avLst/>
+          </a:prstGeom>
+        </p:spPr>
+      </p:pic>
+      <p:pic>
+        <p:nvPicPr>
+          <p:cNvPr id="162" name="Picture 161">
+            <a:extLst>
+              <a:ext uri="{FF2B5EF4-FFF2-40B4-BE49-F238E27FC236}">
+                <a16:creationId xmlns:a16="http://schemas.microsoft.com/office/drawing/2014/main" id="{78678F3B-2534-4D0F-81FC-C9F8F1B8C234}"/>
+              </a:ext>
+            </a:extLst>
+          </p:cNvPr>
+          <p:cNvPicPr>
+            <a:picLocks noChangeAspect="1"/>
+          </p:cNvPicPr>
+          <p:nvPr/>
+        </p:nvPicPr>
+        <p:blipFill>
+          <a:blip r:embed="rId11" cstate="print">
+            <a:extLst>
+              <a:ext uri="{28A0092B-C50C-407E-A947-70E740481C1C}">
+                <a14:useLocalDpi xmlns:a14="http://schemas.microsoft.com/office/drawing/2010/main" val="0"/>
+              </a:ext>
+            </a:extLst>
+          </a:blip>
+          <a:stretch>
+            <a:fillRect/>
+          </a:stretch>
+        </p:blipFill>
+        <p:spPr>
+          <a:xfrm>
+            <a:off x="4185516" y="4913402"/>
+            <a:ext cx="724246" cy="374571"/>
+          </a:xfrm>
+          <a:prstGeom prst="rect">
+            <a:avLst/>
+          </a:prstGeom>
+        </p:spPr>
+      </p:pic>
+      <p:pic>
+        <p:nvPicPr>
+          <p:cNvPr id="163" name="Picture 162">
+            <a:extLst>
+              <a:ext uri="{FF2B5EF4-FFF2-40B4-BE49-F238E27FC236}">
+                <a16:creationId xmlns:a16="http://schemas.microsoft.com/office/drawing/2014/main" id="{5A035B36-A8F2-48C8-8280-AD1186AD4CBA}"/>
+              </a:ext>
+            </a:extLst>
+          </p:cNvPr>
+          <p:cNvPicPr>
+            <a:picLocks noChangeAspect="1"/>
+          </p:cNvPicPr>
+          <p:nvPr/>
+        </p:nvPicPr>
+        <p:blipFill>
+          <a:blip r:embed="rId11" cstate="print">
+            <a:extLst>
+              <a:ext uri="{28A0092B-C50C-407E-A947-70E740481C1C}">
+                <a14:useLocalDpi xmlns:a14="http://schemas.microsoft.com/office/drawing/2010/main" val="0"/>
+              </a:ext>
+            </a:extLst>
+          </a:blip>
+          <a:stretch>
+            <a:fillRect/>
+          </a:stretch>
+        </p:blipFill>
+        <p:spPr>
+          <a:xfrm>
+            <a:off x="7213133" y="4914578"/>
+            <a:ext cx="724246" cy="374571"/>
+          </a:xfrm>
+          <a:prstGeom prst="rect">
+            <a:avLst/>
+          </a:prstGeom>
+        </p:spPr>
+      </p:pic>
     </p:spTree>
     <p:extLst>
       <p:ext uri="{BB962C8B-B14F-4D97-AF65-F5344CB8AC3E}">

--- a/assets/state-of-the-art.pptx
+++ b/assets/state-of-the-art.pptx
@@ -4,12 +4,18 @@
   <p:sldMasterIdLst>
     <p:sldMasterId id="2147483672" r:id="rId1"/>
   </p:sldMasterIdLst>
+  <p:notesMasterIdLst>
+    <p:notesMasterId r:id="rId10"/>
+  </p:notesMasterIdLst>
   <p:sldIdLst>
     <p:sldId id="256" r:id="rId2"/>
-    <p:sldId id="260" r:id="rId3"/>
-    <p:sldId id="259" r:id="rId4"/>
-    <p:sldId id="258" r:id="rId5"/>
-    <p:sldId id="257" r:id="rId6"/>
+    <p:sldId id="263" r:id="rId3"/>
+    <p:sldId id="262" r:id="rId4"/>
+    <p:sldId id="261" r:id="rId5"/>
+    <p:sldId id="260" r:id="rId6"/>
+    <p:sldId id="259" r:id="rId7"/>
+    <p:sldId id="258" r:id="rId8"/>
+    <p:sldId id="257" r:id="rId9"/>
   </p:sldIdLst>
   <p:sldSz cx="9144000" cy="6858000" type="screen4x3"/>
   <p:notesSz cx="6858000" cy="9144000"/>
@@ -127,6 +133,439 @@
 </p:presentation>
 </file>
 
+<file path=ppt/notesMasters/notesMaster1.xml><?xml version="1.0" encoding="utf-8"?>
+<p:notesMaster xmlns:a="http://schemas.openxmlformats.org/drawingml/2006/main" xmlns:r="http://schemas.openxmlformats.org/officeDocument/2006/relationships" xmlns:p="http://schemas.openxmlformats.org/presentationml/2006/main">
+  <p:cSld>
+    <p:bg>
+      <p:bgRef idx="1001">
+        <a:schemeClr val="bg1"/>
+      </p:bgRef>
+    </p:bg>
+    <p:spTree>
+      <p:nvGrpSpPr>
+        <p:cNvPr id="1" name=""/>
+        <p:cNvGrpSpPr/>
+        <p:nvPr/>
+      </p:nvGrpSpPr>
+      <p:grpSpPr>
+        <a:xfrm>
+          <a:off x="0" y="0"/>
+          <a:ext cx="0" cy="0"/>
+          <a:chOff x="0" y="0"/>
+          <a:chExt cx="0" cy="0"/>
+        </a:xfrm>
+      </p:grpSpPr>
+      <p:sp>
+        <p:nvSpPr>
+          <p:cNvPr id="2" name="Header Placeholder 1"/>
+          <p:cNvSpPr>
+            <a:spLocks noGrp="1"/>
+          </p:cNvSpPr>
+          <p:nvPr>
+            <p:ph type="hdr" sz="quarter"/>
+          </p:nvPr>
+        </p:nvSpPr>
+        <p:spPr>
+          <a:xfrm>
+            <a:off x="0" y="0"/>
+            <a:ext cx="2971800" cy="458788"/>
+          </a:xfrm>
+          <a:prstGeom prst="rect">
+            <a:avLst/>
+          </a:prstGeom>
+        </p:spPr>
+        <p:txBody>
+          <a:bodyPr vert="horz" lIns="91440" tIns="45720" rIns="91440" bIns="45720" rtlCol="0"/>
+          <a:lstStyle>
+            <a:lvl1pPr algn="l">
+              <a:defRPr sz="1200"/>
+            </a:lvl1pPr>
+          </a:lstStyle>
+          <a:p>
+            <a:endParaRPr lang="en-US"/>
+          </a:p>
+        </p:txBody>
+      </p:sp>
+      <p:sp>
+        <p:nvSpPr>
+          <p:cNvPr id="3" name="Date Placeholder 2"/>
+          <p:cNvSpPr>
+            <a:spLocks noGrp="1"/>
+          </p:cNvSpPr>
+          <p:nvPr>
+            <p:ph type="dt" idx="1"/>
+          </p:nvPr>
+        </p:nvSpPr>
+        <p:spPr>
+          <a:xfrm>
+            <a:off x="3884613" y="0"/>
+            <a:ext cx="2971800" cy="458788"/>
+          </a:xfrm>
+          <a:prstGeom prst="rect">
+            <a:avLst/>
+          </a:prstGeom>
+        </p:spPr>
+        <p:txBody>
+          <a:bodyPr vert="horz" lIns="91440" tIns="45720" rIns="91440" bIns="45720" rtlCol="0"/>
+          <a:lstStyle>
+            <a:lvl1pPr algn="r">
+              <a:defRPr sz="1200"/>
+            </a:lvl1pPr>
+          </a:lstStyle>
+          <a:p>
+            <a:fld id="{6F691532-B6D6-4700-A728-C2B52154D95E}" type="datetimeFigureOut">
+              <a:rPr lang="en-US" smtClean="0"/>
+              <a:t>9/7/2018</a:t>
+            </a:fld>
+            <a:endParaRPr lang="en-US"/>
+          </a:p>
+        </p:txBody>
+      </p:sp>
+      <p:sp>
+        <p:nvSpPr>
+          <p:cNvPr id="4" name="Slide Image Placeholder 3"/>
+          <p:cNvSpPr>
+            <a:spLocks noGrp="1" noRot="1" noChangeAspect="1"/>
+          </p:cNvSpPr>
+          <p:nvPr>
+            <p:ph type="sldImg" idx="2"/>
+          </p:nvPr>
+        </p:nvSpPr>
+        <p:spPr>
+          <a:xfrm>
+            <a:off x="1371600" y="1143000"/>
+            <a:ext cx="4114800" cy="3086100"/>
+          </a:xfrm>
+          <a:prstGeom prst="rect">
+            <a:avLst/>
+          </a:prstGeom>
+          <a:noFill/>
+          <a:ln w="12700">
+            <a:solidFill>
+              <a:prstClr val="black"/>
+            </a:solidFill>
+          </a:ln>
+        </p:spPr>
+        <p:txBody>
+          <a:bodyPr vert="horz" lIns="91440" tIns="45720" rIns="91440" bIns="45720" rtlCol="0" anchor="ctr"/>
+          <a:lstStyle/>
+          <a:p>
+            <a:endParaRPr lang="en-US"/>
+          </a:p>
+        </p:txBody>
+      </p:sp>
+      <p:sp>
+        <p:nvSpPr>
+          <p:cNvPr id="5" name="Notes Placeholder 4"/>
+          <p:cNvSpPr>
+            <a:spLocks noGrp="1"/>
+          </p:cNvSpPr>
+          <p:nvPr>
+            <p:ph type="body" sz="quarter" idx="3"/>
+          </p:nvPr>
+        </p:nvSpPr>
+        <p:spPr>
+          <a:xfrm>
+            <a:off x="685800" y="4400550"/>
+            <a:ext cx="5486400" cy="3600450"/>
+          </a:xfrm>
+          <a:prstGeom prst="rect">
+            <a:avLst/>
+          </a:prstGeom>
+        </p:spPr>
+        <p:txBody>
+          <a:bodyPr vert="horz" lIns="91440" tIns="45720" rIns="91440" bIns="45720" rtlCol="0"/>
+          <a:lstStyle/>
+          <a:p>
+            <a:pPr lvl="0"/>
+            <a:r>
+              <a:rPr lang="en-US"/>
+              <a:t>Edit Master text styles</a:t>
+            </a:r>
+          </a:p>
+          <a:p>
+            <a:pPr lvl="1"/>
+            <a:r>
+              <a:rPr lang="en-US"/>
+              <a:t>Second level</a:t>
+            </a:r>
+          </a:p>
+          <a:p>
+            <a:pPr lvl="2"/>
+            <a:r>
+              <a:rPr lang="en-US"/>
+              <a:t>Third level</a:t>
+            </a:r>
+          </a:p>
+          <a:p>
+            <a:pPr lvl="3"/>
+            <a:r>
+              <a:rPr lang="en-US"/>
+              <a:t>Fourth level</a:t>
+            </a:r>
+          </a:p>
+          <a:p>
+            <a:pPr lvl="4"/>
+            <a:r>
+              <a:rPr lang="en-US"/>
+              <a:t>Fifth level</a:t>
+            </a:r>
+          </a:p>
+        </p:txBody>
+      </p:sp>
+      <p:sp>
+        <p:nvSpPr>
+          <p:cNvPr id="6" name="Footer Placeholder 5"/>
+          <p:cNvSpPr>
+            <a:spLocks noGrp="1"/>
+          </p:cNvSpPr>
+          <p:nvPr>
+            <p:ph type="ftr" sz="quarter" idx="4"/>
+          </p:nvPr>
+        </p:nvSpPr>
+        <p:spPr>
+          <a:xfrm>
+            <a:off x="0" y="8685213"/>
+            <a:ext cx="2971800" cy="458787"/>
+          </a:xfrm>
+          <a:prstGeom prst="rect">
+            <a:avLst/>
+          </a:prstGeom>
+        </p:spPr>
+        <p:txBody>
+          <a:bodyPr vert="horz" lIns="91440" tIns="45720" rIns="91440" bIns="45720" rtlCol="0" anchor="b"/>
+          <a:lstStyle>
+            <a:lvl1pPr algn="l">
+              <a:defRPr sz="1200"/>
+            </a:lvl1pPr>
+          </a:lstStyle>
+          <a:p>
+            <a:endParaRPr lang="en-US"/>
+          </a:p>
+        </p:txBody>
+      </p:sp>
+      <p:sp>
+        <p:nvSpPr>
+          <p:cNvPr id="7" name="Slide Number Placeholder 6"/>
+          <p:cNvSpPr>
+            <a:spLocks noGrp="1"/>
+          </p:cNvSpPr>
+          <p:nvPr>
+            <p:ph type="sldNum" sz="quarter" idx="5"/>
+          </p:nvPr>
+        </p:nvSpPr>
+        <p:spPr>
+          <a:xfrm>
+            <a:off x="3884613" y="8685213"/>
+            <a:ext cx="2971800" cy="458787"/>
+          </a:xfrm>
+          <a:prstGeom prst="rect">
+            <a:avLst/>
+          </a:prstGeom>
+        </p:spPr>
+        <p:txBody>
+          <a:bodyPr vert="horz" lIns="91440" tIns="45720" rIns="91440" bIns="45720" rtlCol="0" anchor="b"/>
+          <a:lstStyle>
+            <a:lvl1pPr algn="r">
+              <a:defRPr sz="1200"/>
+            </a:lvl1pPr>
+          </a:lstStyle>
+          <a:p>
+            <a:fld id="{03A57A77-4693-4243-8B18-17C3B8565A4C}" type="slidenum">
+              <a:rPr lang="en-US" smtClean="0"/>
+              <a:t>‹#›</a:t>
+            </a:fld>
+            <a:endParaRPr lang="en-US"/>
+          </a:p>
+        </p:txBody>
+      </p:sp>
+    </p:spTree>
+    <p:extLst>
+      <p:ext uri="{BB962C8B-B14F-4D97-AF65-F5344CB8AC3E}">
+        <p14:creationId xmlns:p14="http://schemas.microsoft.com/office/powerpoint/2010/main" val="3170152788"/>
+      </p:ext>
+    </p:extLst>
+  </p:cSld>
+  <p:clrMap bg1="lt1" tx1="dk1" bg2="lt2" tx2="dk2" accent1="accent1" accent2="accent2" accent3="accent3" accent4="accent4" accent5="accent5" accent6="accent6" hlink="hlink" folHlink="folHlink"/>
+  <p:notesStyle>
+    <a:lvl1pPr marL="0" algn="l" defTabSz="914400" rtl="0" eaLnBrk="1" latinLnBrk="0" hangingPunct="1">
+      <a:defRPr sz="1200" kern="1200">
+        <a:solidFill>
+          <a:schemeClr val="tx1"/>
+        </a:solidFill>
+        <a:latin typeface="+mn-lt"/>
+        <a:ea typeface="+mn-ea"/>
+        <a:cs typeface="+mn-cs"/>
+      </a:defRPr>
+    </a:lvl1pPr>
+    <a:lvl2pPr marL="457200" algn="l" defTabSz="914400" rtl="0" eaLnBrk="1" latinLnBrk="0" hangingPunct="1">
+      <a:defRPr sz="1200" kern="1200">
+        <a:solidFill>
+          <a:schemeClr val="tx1"/>
+        </a:solidFill>
+        <a:latin typeface="+mn-lt"/>
+        <a:ea typeface="+mn-ea"/>
+        <a:cs typeface="+mn-cs"/>
+      </a:defRPr>
+    </a:lvl2pPr>
+    <a:lvl3pPr marL="914400" algn="l" defTabSz="914400" rtl="0" eaLnBrk="1" latinLnBrk="0" hangingPunct="1">
+      <a:defRPr sz="1200" kern="1200">
+        <a:solidFill>
+          <a:schemeClr val="tx1"/>
+        </a:solidFill>
+        <a:latin typeface="+mn-lt"/>
+        <a:ea typeface="+mn-ea"/>
+        <a:cs typeface="+mn-cs"/>
+      </a:defRPr>
+    </a:lvl3pPr>
+    <a:lvl4pPr marL="1371600" algn="l" defTabSz="914400" rtl="0" eaLnBrk="1" latinLnBrk="0" hangingPunct="1">
+      <a:defRPr sz="1200" kern="1200">
+        <a:solidFill>
+          <a:schemeClr val="tx1"/>
+        </a:solidFill>
+        <a:latin typeface="+mn-lt"/>
+        <a:ea typeface="+mn-ea"/>
+        <a:cs typeface="+mn-cs"/>
+      </a:defRPr>
+    </a:lvl4pPr>
+    <a:lvl5pPr marL="1828800" algn="l" defTabSz="914400" rtl="0" eaLnBrk="1" latinLnBrk="0" hangingPunct="1">
+      <a:defRPr sz="1200" kern="1200">
+        <a:solidFill>
+          <a:schemeClr val="tx1"/>
+        </a:solidFill>
+        <a:latin typeface="+mn-lt"/>
+        <a:ea typeface="+mn-ea"/>
+        <a:cs typeface="+mn-cs"/>
+      </a:defRPr>
+    </a:lvl5pPr>
+    <a:lvl6pPr marL="2286000" algn="l" defTabSz="914400" rtl="0" eaLnBrk="1" latinLnBrk="0" hangingPunct="1">
+      <a:defRPr sz="1200" kern="1200">
+        <a:solidFill>
+          <a:schemeClr val="tx1"/>
+        </a:solidFill>
+        <a:latin typeface="+mn-lt"/>
+        <a:ea typeface="+mn-ea"/>
+        <a:cs typeface="+mn-cs"/>
+      </a:defRPr>
+    </a:lvl6pPr>
+    <a:lvl7pPr marL="2743200" algn="l" defTabSz="914400" rtl="0" eaLnBrk="1" latinLnBrk="0" hangingPunct="1">
+      <a:defRPr sz="1200" kern="1200">
+        <a:solidFill>
+          <a:schemeClr val="tx1"/>
+        </a:solidFill>
+        <a:latin typeface="+mn-lt"/>
+        <a:ea typeface="+mn-ea"/>
+        <a:cs typeface="+mn-cs"/>
+      </a:defRPr>
+    </a:lvl7pPr>
+    <a:lvl8pPr marL="3200400" algn="l" defTabSz="914400" rtl="0" eaLnBrk="1" latinLnBrk="0" hangingPunct="1">
+      <a:defRPr sz="1200" kern="1200">
+        <a:solidFill>
+          <a:schemeClr val="tx1"/>
+        </a:solidFill>
+        <a:latin typeface="+mn-lt"/>
+        <a:ea typeface="+mn-ea"/>
+        <a:cs typeface="+mn-cs"/>
+      </a:defRPr>
+    </a:lvl8pPr>
+    <a:lvl9pPr marL="3657600" algn="l" defTabSz="914400" rtl="0" eaLnBrk="1" latinLnBrk="0" hangingPunct="1">
+      <a:defRPr sz="1200" kern="1200">
+        <a:solidFill>
+          <a:schemeClr val="tx1"/>
+        </a:solidFill>
+        <a:latin typeface="+mn-lt"/>
+        <a:ea typeface="+mn-ea"/>
+        <a:cs typeface="+mn-cs"/>
+      </a:defRPr>
+    </a:lvl9pPr>
+  </p:notesStyle>
+</p:notesMaster>
+</file>
+
+<file path=ppt/notesSlides/notesSlide1.xml><?xml version="1.0" encoding="utf-8"?>
+<p:notes xmlns:a="http://schemas.openxmlformats.org/drawingml/2006/main" xmlns:r="http://schemas.openxmlformats.org/officeDocument/2006/relationships" xmlns:p="http://schemas.openxmlformats.org/presentationml/2006/main">
+  <p:cSld>
+    <p:spTree>
+      <p:nvGrpSpPr>
+        <p:cNvPr id="1" name=""/>
+        <p:cNvGrpSpPr/>
+        <p:nvPr/>
+      </p:nvGrpSpPr>
+      <p:grpSpPr>
+        <a:xfrm>
+          <a:off x="0" y="0"/>
+          <a:ext cx="0" cy="0"/>
+          <a:chOff x="0" y="0"/>
+          <a:chExt cx="0" cy="0"/>
+        </a:xfrm>
+      </p:grpSpPr>
+      <p:sp>
+        <p:nvSpPr>
+          <p:cNvPr id="2" name="Slide Image Placeholder 1"/>
+          <p:cNvSpPr>
+            <a:spLocks noGrp="1" noRot="1" noChangeAspect="1"/>
+          </p:cNvSpPr>
+          <p:nvPr>
+            <p:ph type="sldImg"/>
+          </p:nvPr>
+        </p:nvSpPr>
+        <p:spPr/>
+      </p:sp>
+      <p:sp>
+        <p:nvSpPr>
+          <p:cNvPr id="3" name="Notes Placeholder 2"/>
+          <p:cNvSpPr>
+            <a:spLocks noGrp="1"/>
+          </p:cNvSpPr>
+          <p:nvPr>
+            <p:ph type="body" idx="1"/>
+          </p:nvPr>
+        </p:nvSpPr>
+        <p:spPr/>
+        <p:txBody>
+          <a:bodyPr/>
+          <a:lstStyle/>
+          <a:p>
+            <a:endParaRPr lang="en-US" dirty="0"/>
+          </a:p>
+        </p:txBody>
+      </p:sp>
+      <p:sp>
+        <p:nvSpPr>
+          <p:cNvPr id="4" name="Slide Number Placeholder 3"/>
+          <p:cNvSpPr>
+            <a:spLocks noGrp="1"/>
+          </p:cNvSpPr>
+          <p:nvPr>
+            <p:ph type="sldNum" sz="quarter" idx="10"/>
+          </p:nvPr>
+        </p:nvSpPr>
+        <p:spPr/>
+        <p:txBody>
+          <a:bodyPr/>
+          <a:lstStyle/>
+          <a:p>
+            <a:fld id="{03A57A77-4693-4243-8B18-17C3B8565A4C}" type="slidenum">
+              <a:rPr lang="en-US" smtClean="0"/>
+              <a:t>2</a:t>
+            </a:fld>
+            <a:endParaRPr lang="en-US"/>
+          </a:p>
+        </p:txBody>
+      </p:sp>
+    </p:spTree>
+    <p:extLst>
+      <p:ext uri="{BB962C8B-B14F-4D97-AF65-F5344CB8AC3E}">
+        <p14:creationId xmlns:p14="http://schemas.microsoft.com/office/powerpoint/2010/main" val="386368536"/>
+      </p:ext>
+    </p:extLst>
+  </p:cSld>
+  <p:clrMapOvr>
+    <a:masterClrMapping/>
+  </p:clrMapOvr>
+</p:notes>
+</file>
+
 <file path=ppt/slideLayouts/slideLayout1.xml><?xml version="1.0" encoding="utf-8"?>
 <p:sldLayout xmlns:a="http://schemas.openxmlformats.org/drawingml/2006/main" xmlns:r="http://schemas.openxmlformats.org/officeDocument/2006/relationships" xmlns:p="http://schemas.openxmlformats.org/presentationml/2006/main" type="title" preserve="1">
   <p:cSld name="Title Slide">
@@ -274,7 +713,7 @@
           <a:p>
             <a:fld id="{6DB206C8-F88B-4959-9CD2-3016D27660E1}" type="datetimeFigureOut">
               <a:rPr lang="en-US" smtClean="0"/>
-              <a:t>8/26/2018</a:t>
+              <a:t>9/7/2018</a:t>
             </a:fld>
             <a:endParaRPr lang="en-US"/>
           </a:p>
@@ -472,7 +911,7 @@
           <a:p>
             <a:fld id="{6DB206C8-F88B-4959-9CD2-3016D27660E1}" type="datetimeFigureOut">
               <a:rPr lang="en-US" smtClean="0"/>
-              <a:t>8/26/2018</a:t>
+              <a:t>9/7/2018</a:t>
             </a:fld>
             <a:endParaRPr lang="en-US"/>
           </a:p>
@@ -680,7 +1119,7 @@
           <a:p>
             <a:fld id="{6DB206C8-F88B-4959-9CD2-3016D27660E1}" type="datetimeFigureOut">
               <a:rPr lang="en-US" smtClean="0"/>
-              <a:t>8/26/2018</a:t>
+              <a:t>9/7/2018</a:t>
             </a:fld>
             <a:endParaRPr lang="en-US"/>
           </a:p>
@@ -878,7 +1317,7 @@
           <a:p>
             <a:fld id="{6DB206C8-F88B-4959-9CD2-3016D27660E1}" type="datetimeFigureOut">
               <a:rPr lang="en-US" smtClean="0"/>
-              <a:t>8/26/2018</a:t>
+              <a:t>9/7/2018</a:t>
             </a:fld>
             <a:endParaRPr lang="en-US"/>
           </a:p>
@@ -1153,7 +1592,7 @@
           <a:p>
             <a:fld id="{6DB206C8-F88B-4959-9CD2-3016D27660E1}" type="datetimeFigureOut">
               <a:rPr lang="en-US" smtClean="0"/>
-              <a:t>8/26/2018</a:t>
+              <a:t>9/7/2018</a:t>
             </a:fld>
             <a:endParaRPr lang="en-US"/>
           </a:p>
@@ -1418,7 +1857,7 @@
           <a:p>
             <a:fld id="{6DB206C8-F88B-4959-9CD2-3016D27660E1}" type="datetimeFigureOut">
               <a:rPr lang="en-US" smtClean="0"/>
-              <a:t>8/26/2018</a:t>
+              <a:t>9/7/2018</a:t>
             </a:fld>
             <a:endParaRPr lang="en-US"/>
           </a:p>
@@ -1830,7 +2269,7 @@
           <a:p>
             <a:fld id="{6DB206C8-F88B-4959-9CD2-3016D27660E1}" type="datetimeFigureOut">
               <a:rPr lang="en-US" smtClean="0"/>
-              <a:t>8/26/2018</a:t>
+              <a:t>9/7/2018</a:t>
             </a:fld>
             <a:endParaRPr lang="en-US"/>
           </a:p>
@@ -1971,7 +2410,7 @@
           <a:p>
             <a:fld id="{6DB206C8-F88B-4959-9CD2-3016D27660E1}" type="datetimeFigureOut">
               <a:rPr lang="en-US" smtClean="0"/>
-              <a:t>8/26/2018</a:t>
+              <a:t>9/7/2018</a:t>
             </a:fld>
             <a:endParaRPr lang="en-US"/>
           </a:p>
@@ -2084,7 +2523,7 @@
           <a:p>
             <a:fld id="{6DB206C8-F88B-4959-9CD2-3016D27660E1}" type="datetimeFigureOut">
               <a:rPr lang="en-US" smtClean="0"/>
-              <a:t>8/26/2018</a:t>
+              <a:t>9/7/2018</a:t>
             </a:fld>
             <a:endParaRPr lang="en-US"/>
           </a:p>
@@ -2395,7 +2834,7 @@
           <a:p>
             <a:fld id="{6DB206C8-F88B-4959-9CD2-3016D27660E1}" type="datetimeFigureOut">
               <a:rPr lang="en-US" smtClean="0"/>
-              <a:t>8/26/2018</a:t>
+              <a:t>9/7/2018</a:t>
             </a:fld>
             <a:endParaRPr lang="en-US"/>
           </a:p>
@@ -2683,7 +3122,7 @@
           <a:p>
             <a:fld id="{6DB206C8-F88B-4959-9CD2-3016D27660E1}" type="datetimeFigureOut">
               <a:rPr lang="en-US" smtClean="0"/>
-              <a:t>8/26/2018</a:t>
+              <a:t>9/7/2018</a:t>
             </a:fld>
             <a:endParaRPr lang="en-US"/>
           </a:p>
@@ -2924,7 +3363,7 @@
           <a:p>
             <a:fld id="{6DB206C8-F88B-4959-9CD2-3016D27660E1}" type="datetimeFigureOut">
               <a:rPr lang="en-US" smtClean="0"/>
-              <a:t>8/26/2018</a:t>
+              <a:t>9/7/2018</a:t>
             </a:fld>
             <a:endParaRPr lang="en-US"/>
           </a:p>
@@ -3395,6 +3834,2874 @@
 <file path=ppt/slides/slide2.xml><?xml version="1.0" encoding="utf-8"?>
 <p:sld xmlns:a="http://schemas.openxmlformats.org/drawingml/2006/main" xmlns:r="http://schemas.openxmlformats.org/officeDocument/2006/relationships" xmlns:p="http://schemas.openxmlformats.org/presentationml/2006/main">
   <p:cSld>
+    <p:spTree>
+      <p:nvGrpSpPr>
+        <p:cNvPr id="1" name=""/>
+        <p:cNvGrpSpPr/>
+        <p:nvPr/>
+      </p:nvGrpSpPr>
+      <p:grpSpPr>
+        <a:xfrm>
+          <a:off x="0" y="0"/>
+          <a:ext cx="0" cy="0"/>
+          <a:chOff x="0" y="0"/>
+          <a:chExt cx="0" cy="0"/>
+        </a:xfrm>
+      </p:grpSpPr>
+      <p:sp>
+        <p:nvSpPr>
+          <p:cNvPr id="34" name="Rectangle 33">
+            <a:extLst>
+              <a:ext uri="{FF2B5EF4-FFF2-40B4-BE49-F238E27FC236}">
+                <a16:creationId xmlns:a16="http://schemas.microsoft.com/office/drawing/2014/main" id="{DD7EA069-4E14-4502-8FC1-96AF35B9BBDF}"/>
+              </a:ext>
+            </a:extLst>
+          </p:cNvPr>
+          <p:cNvSpPr/>
+          <p:nvPr/>
+        </p:nvSpPr>
+        <p:spPr>
+          <a:xfrm>
+            <a:off x="304800" y="185058"/>
+            <a:ext cx="7848600" cy="4691742"/>
+          </a:xfrm>
+          <a:prstGeom prst="rect">
+            <a:avLst/>
+          </a:prstGeom>
+        </p:spPr>
+        <p:style>
+          <a:lnRef idx="2">
+            <a:schemeClr val="dk1"/>
+          </a:lnRef>
+          <a:fillRef idx="1">
+            <a:schemeClr val="lt1"/>
+          </a:fillRef>
+          <a:effectRef idx="0">
+            <a:schemeClr val="dk1"/>
+          </a:effectRef>
+          <a:fontRef idx="minor">
+            <a:schemeClr val="dk1"/>
+          </a:fontRef>
+        </p:style>
+        <p:txBody>
+          <a:bodyPr rtlCol="0" anchor="ctr"/>
+          <a:lstStyle/>
+          <a:p>
+            <a:pPr algn="ctr"/>
+            <a:endParaRPr lang="en-US"/>
+          </a:p>
+        </p:txBody>
+      </p:sp>
+      <p:sp>
+        <p:nvSpPr>
+          <p:cNvPr id="4" name="Rectangle 3">
+            <a:extLst>
+              <a:ext uri="{FF2B5EF4-FFF2-40B4-BE49-F238E27FC236}">
+                <a16:creationId xmlns:a16="http://schemas.microsoft.com/office/drawing/2014/main" id="{687A61BF-3785-4116-B8B7-99A77E7CE096}"/>
+              </a:ext>
+            </a:extLst>
+          </p:cNvPr>
+          <p:cNvSpPr/>
+          <p:nvPr/>
+        </p:nvSpPr>
+        <p:spPr>
+          <a:xfrm>
+            <a:off x="3372757" y="1972129"/>
+            <a:ext cx="1905000" cy="990600"/>
+          </a:xfrm>
+          <a:prstGeom prst="rect">
+            <a:avLst/>
+          </a:prstGeom>
+        </p:spPr>
+        <p:style>
+          <a:lnRef idx="2">
+            <a:schemeClr val="accent2">
+              <a:shade val="50000"/>
+            </a:schemeClr>
+          </a:lnRef>
+          <a:fillRef idx="1">
+            <a:schemeClr val="accent2"/>
+          </a:fillRef>
+          <a:effectRef idx="0">
+            <a:schemeClr val="accent2"/>
+          </a:effectRef>
+          <a:fontRef idx="minor">
+            <a:schemeClr val="lt1"/>
+          </a:fontRef>
+        </p:style>
+        <p:txBody>
+          <a:bodyPr rtlCol="0" anchor="ctr"/>
+          <a:lstStyle/>
+          <a:p>
+            <a:pPr algn="ctr"/>
+            <a:r>
+              <a:rPr lang="en-US" b="1" dirty="0">
+                <a:solidFill>
+                  <a:schemeClr val="tx1"/>
+                </a:solidFill>
+              </a:rPr>
+              <a:t>Cart</a:t>
+            </a:r>
+          </a:p>
+          <a:p>
+            <a:pPr algn="ctr"/>
+            <a:r>
+              <a:rPr lang="en-US" b="1" dirty="0">
+                <a:solidFill>
+                  <a:schemeClr val="tx1"/>
+                </a:solidFill>
+              </a:rPr>
+              <a:t>(Root Aggregate)</a:t>
+            </a:r>
+          </a:p>
+        </p:txBody>
+      </p:sp>
+      <p:sp>
+        <p:nvSpPr>
+          <p:cNvPr id="5" name="Rectangle 4">
+            <a:extLst>
+              <a:ext uri="{FF2B5EF4-FFF2-40B4-BE49-F238E27FC236}">
+                <a16:creationId xmlns:a16="http://schemas.microsoft.com/office/drawing/2014/main" id="{DA74752C-27E3-4DA7-966F-98CF73E76ED9}"/>
+              </a:ext>
+            </a:extLst>
+          </p:cNvPr>
+          <p:cNvSpPr/>
+          <p:nvPr/>
+        </p:nvSpPr>
+        <p:spPr>
+          <a:xfrm>
+            <a:off x="3372757" y="304800"/>
+            <a:ext cx="1905000" cy="990600"/>
+          </a:xfrm>
+          <a:prstGeom prst="rect">
+            <a:avLst/>
+          </a:prstGeom>
+        </p:spPr>
+        <p:style>
+          <a:lnRef idx="2">
+            <a:schemeClr val="accent4">
+              <a:shade val="50000"/>
+            </a:schemeClr>
+          </a:lnRef>
+          <a:fillRef idx="1">
+            <a:schemeClr val="accent4"/>
+          </a:fillRef>
+          <a:effectRef idx="0">
+            <a:schemeClr val="accent4"/>
+          </a:effectRef>
+          <a:fontRef idx="minor">
+            <a:schemeClr val="lt1"/>
+          </a:fontRef>
+        </p:style>
+        <p:txBody>
+          <a:bodyPr rtlCol="0" anchor="ctr"/>
+          <a:lstStyle/>
+          <a:p>
+            <a:pPr algn="ctr"/>
+            <a:r>
+              <a:rPr lang="en-US" b="1" dirty="0">
+                <a:solidFill>
+                  <a:schemeClr val="tx1"/>
+                </a:solidFill>
+              </a:rPr>
+              <a:t>CartItem</a:t>
+            </a:r>
+          </a:p>
+          <a:p>
+            <a:pPr algn="ctr"/>
+            <a:r>
+              <a:rPr lang="en-US" b="1" dirty="0">
+                <a:solidFill>
+                  <a:schemeClr val="tx1"/>
+                </a:solidFill>
+              </a:rPr>
+              <a:t>(Entity)</a:t>
+            </a:r>
+          </a:p>
+        </p:txBody>
+      </p:sp>
+      <p:sp>
+        <p:nvSpPr>
+          <p:cNvPr id="6" name="Rectangle 5">
+            <a:extLst>
+              <a:ext uri="{FF2B5EF4-FFF2-40B4-BE49-F238E27FC236}">
+                <a16:creationId xmlns:a16="http://schemas.microsoft.com/office/drawing/2014/main" id="{CE049D82-645D-48BE-82A6-D9CADE6307FF}"/>
+              </a:ext>
+            </a:extLst>
+          </p:cNvPr>
+          <p:cNvSpPr/>
+          <p:nvPr/>
+        </p:nvSpPr>
+        <p:spPr>
+          <a:xfrm>
+            <a:off x="5573488" y="304800"/>
+            <a:ext cx="1905000" cy="990600"/>
+          </a:xfrm>
+          <a:prstGeom prst="rect">
+            <a:avLst/>
+          </a:prstGeom>
+        </p:spPr>
+        <p:style>
+          <a:lnRef idx="2">
+            <a:schemeClr val="accent6">
+              <a:shade val="50000"/>
+            </a:schemeClr>
+          </a:lnRef>
+          <a:fillRef idx="1">
+            <a:schemeClr val="accent6"/>
+          </a:fillRef>
+          <a:effectRef idx="0">
+            <a:schemeClr val="accent6"/>
+          </a:effectRef>
+          <a:fontRef idx="minor">
+            <a:schemeClr val="lt1"/>
+          </a:fontRef>
+        </p:style>
+        <p:txBody>
+          <a:bodyPr rtlCol="0" anchor="ctr"/>
+          <a:lstStyle/>
+          <a:p>
+            <a:pPr algn="ctr"/>
+            <a:r>
+              <a:rPr lang="en-US" b="1" dirty="0">
+                <a:solidFill>
+                  <a:schemeClr val="tx1"/>
+                </a:solidFill>
+              </a:rPr>
+              <a:t>Product</a:t>
+            </a:r>
+          </a:p>
+          <a:p>
+            <a:pPr algn="ctr"/>
+            <a:r>
+              <a:rPr lang="en-US" b="1" dirty="0">
+                <a:solidFill>
+                  <a:schemeClr val="tx1"/>
+                </a:solidFill>
+              </a:rPr>
+              <a:t>(Identity)</a:t>
+            </a:r>
+          </a:p>
+        </p:txBody>
+      </p:sp>
+      <p:sp>
+        <p:nvSpPr>
+          <p:cNvPr id="7" name="Rectangle 6">
+            <a:extLst>
+              <a:ext uri="{FF2B5EF4-FFF2-40B4-BE49-F238E27FC236}">
+                <a16:creationId xmlns:a16="http://schemas.microsoft.com/office/drawing/2014/main" id="{BCA4ADE8-2B20-4516-8964-0D619868A973}"/>
+              </a:ext>
+            </a:extLst>
+          </p:cNvPr>
+          <p:cNvSpPr/>
+          <p:nvPr/>
+        </p:nvSpPr>
+        <p:spPr>
+          <a:xfrm>
+            <a:off x="5573488" y="3459844"/>
+            <a:ext cx="1905000" cy="990600"/>
+          </a:xfrm>
+          <a:prstGeom prst="rect">
+            <a:avLst/>
+          </a:prstGeom>
+        </p:spPr>
+        <p:style>
+          <a:lnRef idx="1">
+            <a:schemeClr val="accent1"/>
+          </a:lnRef>
+          <a:fillRef idx="2">
+            <a:schemeClr val="accent1"/>
+          </a:fillRef>
+          <a:effectRef idx="1">
+            <a:schemeClr val="accent1"/>
+          </a:effectRef>
+          <a:fontRef idx="minor">
+            <a:schemeClr val="dk1"/>
+          </a:fontRef>
+        </p:style>
+        <p:txBody>
+          <a:bodyPr rtlCol="0" anchor="ctr"/>
+          <a:lstStyle/>
+          <a:p>
+            <a:pPr algn="ctr"/>
+            <a:r>
+              <a:rPr lang="en-US" b="1" dirty="0">
+                <a:solidFill>
+                  <a:schemeClr val="tx1"/>
+                </a:solidFill>
+              </a:rPr>
+              <a:t>ICatalogGateway</a:t>
+            </a:r>
+          </a:p>
+        </p:txBody>
+      </p:sp>
+      <p:sp>
+        <p:nvSpPr>
+          <p:cNvPr id="8" name="Rectangle 7">
+            <a:extLst>
+              <a:ext uri="{FF2B5EF4-FFF2-40B4-BE49-F238E27FC236}">
+                <a16:creationId xmlns:a16="http://schemas.microsoft.com/office/drawing/2014/main" id="{0F8414E6-3E1D-4F12-810D-03AD7288184E}"/>
+              </a:ext>
+            </a:extLst>
+          </p:cNvPr>
+          <p:cNvSpPr/>
+          <p:nvPr/>
+        </p:nvSpPr>
+        <p:spPr>
+          <a:xfrm>
+            <a:off x="3372757" y="3458029"/>
+            <a:ext cx="1905000" cy="990600"/>
+          </a:xfrm>
+          <a:prstGeom prst="rect">
+            <a:avLst/>
+          </a:prstGeom>
+        </p:spPr>
+        <p:style>
+          <a:lnRef idx="1">
+            <a:schemeClr val="accent1"/>
+          </a:lnRef>
+          <a:fillRef idx="2">
+            <a:schemeClr val="accent1"/>
+          </a:fillRef>
+          <a:effectRef idx="1">
+            <a:schemeClr val="accent1"/>
+          </a:effectRef>
+          <a:fontRef idx="minor">
+            <a:schemeClr val="dk1"/>
+          </a:fontRef>
+        </p:style>
+        <p:txBody>
+          <a:bodyPr rtlCol="0" anchor="ctr"/>
+          <a:lstStyle/>
+          <a:p>
+            <a:pPr algn="ctr"/>
+            <a:r>
+              <a:rPr lang="en-US" b="1" dirty="0">
+                <a:solidFill>
+                  <a:schemeClr val="tx1"/>
+                </a:solidFill>
+              </a:rPr>
+              <a:t>IPromoGateway</a:t>
+            </a:r>
+          </a:p>
+        </p:txBody>
+      </p:sp>
+      <p:sp>
+        <p:nvSpPr>
+          <p:cNvPr id="9" name="Rectangle 8">
+            <a:extLst>
+              <a:ext uri="{FF2B5EF4-FFF2-40B4-BE49-F238E27FC236}">
+                <a16:creationId xmlns:a16="http://schemas.microsoft.com/office/drawing/2014/main" id="{C4435B9C-8755-42AD-8D1F-48C8C1921D91}"/>
+              </a:ext>
+            </a:extLst>
+          </p:cNvPr>
+          <p:cNvSpPr/>
+          <p:nvPr/>
+        </p:nvSpPr>
+        <p:spPr>
+          <a:xfrm>
+            <a:off x="1182915" y="3459844"/>
+            <a:ext cx="1905000" cy="990600"/>
+          </a:xfrm>
+          <a:prstGeom prst="rect">
+            <a:avLst/>
+          </a:prstGeom>
+        </p:spPr>
+        <p:style>
+          <a:lnRef idx="1">
+            <a:schemeClr val="accent1"/>
+          </a:lnRef>
+          <a:fillRef idx="2">
+            <a:schemeClr val="accent1"/>
+          </a:fillRef>
+          <a:effectRef idx="1">
+            <a:schemeClr val="accent1"/>
+          </a:effectRef>
+          <a:fontRef idx="minor">
+            <a:schemeClr val="dk1"/>
+          </a:fontRef>
+        </p:style>
+        <p:txBody>
+          <a:bodyPr rtlCol="0" anchor="ctr"/>
+          <a:lstStyle/>
+          <a:p>
+            <a:pPr algn="ctr"/>
+            <a:r>
+              <a:rPr lang="en-US" b="1" dirty="0">
+                <a:solidFill>
+                  <a:schemeClr val="tx1"/>
+                </a:solidFill>
+              </a:rPr>
+              <a:t>IShippingGateway</a:t>
+            </a:r>
+          </a:p>
+        </p:txBody>
+      </p:sp>
+      <p:sp>
+        <p:nvSpPr>
+          <p:cNvPr id="10" name="Rectangle 9">
+            <a:extLst>
+              <a:ext uri="{FF2B5EF4-FFF2-40B4-BE49-F238E27FC236}">
+                <a16:creationId xmlns:a16="http://schemas.microsoft.com/office/drawing/2014/main" id="{D0EB6457-2BD7-405B-A5EB-04ABC96AFDA5}"/>
+              </a:ext>
+            </a:extLst>
+          </p:cNvPr>
+          <p:cNvSpPr/>
+          <p:nvPr/>
+        </p:nvSpPr>
+        <p:spPr>
+          <a:xfrm>
+            <a:off x="1182915" y="304800"/>
+            <a:ext cx="1905000" cy="990600"/>
+          </a:xfrm>
+          <a:prstGeom prst="rect">
+            <a:avLst/>
+          </a:prstGeom>
+        </p:spPr>
+        <p:style>
+          <a:lnRef idx="2">
+            <a:schemeClr val="accent3">
+              <a:shade val="50000"/>
+            </a:schemeClr>
+          </a:lnRef>
+          <a:fillRef idx="1">
+            <a:schemeClr val="accent3"/>
+          </a:fillRef>
+          <a:effectRef idx="0">
+            <a:schemeClr val="accent3"/>
+          </a:effectRef>
+          <a:fontRef idx="minor">
+            <a:schemeClr val="lt1"/>
+          </a:fontRef>
+        </p:style>
+        <p:txBody>
+          <a:bodyPr rtlCol="0" anchor="ctr"/>
+          <a:lstStyle/>
+          <a:p>
+            <a:pPr algn="ctr"/>
+            <a:r>
+              <a:rPr lang="en-US" b="1" dirty="0">
+                <a:solidFill>
+                  <a:schemeClr val="tx1"/>
+                </a:solidFill>
+              </a:rPr>
+              <a:t>TaxType</a:t>
+            </a:r>
+          </a:p>
+          <a:p>
+            <a:pPr algn="ctr"/>
+            <a:r>
+              <a:rPr lang="en-US" b="1" dirty="0">
+                <a:solidFill>
+                  <a:schemeClr val="tx1"/>
+                </a:solidFill>
+              </a:rPr>
+              <a:t>(Enum)</a:t>
+            </a:r>
+          </a:p>
+        </p:txBody>
+      </p:sp>
+      <p:cxnSp>
+        <p:nvCxnSpPr>
+          <p:cNvPr id="32" name="Straight Arrow Connector 31">
+            <a:extLst>
+              <a:ext uri="{FF2B5EF4-FFF2-40B4-BE49-F238E27FC236}">
+                <a16:creationId xmlns:a16="http://schemas.microsoft.com/office/drawing/2014/main" id="{3DAB1093-2A32-47FD-AF1D-FD85E3AD68CF}"/>
+              </a:ext>
+            </a:extLst>
+          </p:cNvPr>
+          <p:cNvCxnSpPr>
+            <a:cxnSpLocks/>
+            <a:stCxn id="4" idx="0"/>
+            <a:endCxn id="5" idx="2"/>
+          </p:cNvCxnSpPr>
+          <p:nvPr/>
+        </p:nvCxnSpPr>
+        <p:spPr>
+          <a:xfrm flipV="1">
+            <a:off x="4325257" y="1295400"/>
+            <a:ext cx="0" cy="676729"/>
+          </a:xfrm>
+          <a:prstGeom prst="straightConnector1">
+            <a:avLst/>
+          </a:prstGeom>
+          <a:ln>
+            <a:tailEnd type="triangle"/>
+          </a:ln>
+        </p:spPr>
+        <p:style>
+          <a:lnRef idx="3">
+            <a:schemeClr val="dk1"/>
+          </a:lnRef>
+          <a:fillRef idx="0">
+            <a:schemeClr val="dk1"/>
+          </a:fillRef>
+          <a:effectRef idx="2">
+            <a:schemeClr val="dk1"/>
+          </a:effectRef>
+          <a:fontRef idx="minor">
+            <a:schemeClr val="tx1"/>
+          </a:fontRef>
+        </p:style>
+      </p:cxnSp>
+      <p:cxnSp>
+        <p:nvCxnSpPr>
+          <p:cNvPr id="35" name="Straight Arrow Connector 34">
+            <a:extLst>
+              <a:ext uri="{FF2B5EF4-FFF2-40B4-BE49-F238E27FC236}">
+                <a16:creationId xmlns:a16="http://schemas.microsoft.com/office/drawing/2014/main" id="{91BCF80E-F84D-43F1-A3DC-8B6F66F4084B}"/>
+              </a:ext>
+            </a:extLst>
+          </p:cNvPr>
+          <p:cNvCxnSpPr>
+            <a:cxnSpLocks/>
+            <a:endCxn id="10" idx="2"/>
+          </p:cNvCxnSpPr>
+          <p:nvPr/>
+        </p:nvCxnSpPr>
+        <p:spPr>
+          <a:xfrm flipH="1" flipV="1">
+            <a:off x="2135415" y="1295400"/>
+            <a:ext cx="1667326" cy="676729"/>
+          </a:xfrm>
+          <a:prstGeom prst="straightConnector1">
+            <a:avLst/>
+          </a:prstGeom>
+          <a:ln>
+            <a:tailEnd type="triangle"/>
+          </a:ln>
+        </p:spPr>
+        <p:style>
+          <a:lnRef idx="3">
+            <a:schemeClr val="dk1"/>
+          </a:lnRef>
+          <a:fillRef idx="0">
+            <a:schemeClr val="dk1"/>
+          </a:fillRef>
+          <a:effectRef idx="2">
+            <a:schemeClr val="dk1"/>
+          </a:effectRef>
+          <a:fontRef idx="minor">
+            <a:schemeClr val="tx1"/>
+          </a:fontRef>
+        </p:style>
+      </p:cxnSp>
+      <p:cxnSp>
+        <p:nvCxnSpPr>
+          <p:cNvPr id="39" name="Straight Arrow Connector 38">
+            <a:extLst>
+              <a:ext uri="{FF2B5EF4-FFF2-40B4-BE49-F238E27FC236}">
+                <a16:creationId xmlns:a16="http://schemas.microsoft.com/office/drawing/2014/main" id="{BEB8902C-1476-46C1-8E37-1471470466D2}"/>
+              </a:ext>
+            </a:extLst>
+          </p:cNvPr>
+          <p:cNvCxnSpPr>
+            <a:cxnSpLocks/>
+            <a:stCxn id="5" idx="3"/>
+            <a:endCxn id="6" idx="1"/>
+          </p:cNvCxnSpPr>
+          <p:nvPr/>
+        </p:nvCxnSpPr>
+        <p:spPr>
+          <a:xfrm>
+            <a:off x="5277757" y="800100"/>
+            <a:ext cx="295731" cy="0"/>
+          </a:xfrm>
+          <a:prstGeom prst="straightConnector1">
+            <a:avLst/>
+          </a:prstGeom>
+          <a:ln>
+            <a:tailEnd type="triangle"/>
+          </a:ln>
+        </p:spPr>
+        <p:style>
+          <a:lnRef idx="3">
+            <a:schemeClr val="dk1"/>
+          </a:lnRef>
+          <a:fillRef idx="0">
+            <a:schemeClr val="dk1"/>
+          </a:fillRef>
+          <a:effectRef idx="2">
+            <a:schemeClr val="dk1"/>
+          </a:effectRef>
+          <a:fontRef idx="minor">
+            <a:schemeClr val="tx1"/>
+          </a:fontRef>
+        </p:style>
+      </p:cxnSp>
+      <p:sp>
+        <p:nvSpPr>
+          <p:cNvPr id="37" name="Rectangle 36">
+            <a:extLst>
+              <a:ext uri="{FF2B5EF4-FFF2-40B4-BE49-F238E27FC236}">
+                <a16:creationId xmlns:a16="http://schemas.microsoft.com/office/drawing/2014/main" id="{939D16F8-E9EC-49B9-96F0-791F2AEC65A3}"/>
+              </a:ext>
+            </a:extLst>
+          </p:cNvPr>
+          <p:cNvSpPr/>
+          <p:nvPr/>
+        </p:nvSpPr>
+        <p:spPr>
+          <a:xfrm>
+            <a:off x="5573488" y="5290400"/>
+            <a:ext cx="1905000" cy="990600"/>
+          </a:xfrm>
+          <a:prstGeom prst="rect">
+            <a:avLst/>
+          </a:prstGeom>
+        </p:spPr>
+        <p:style>
+          <a:lnRef idx="1">
+            <a:schemeClr val="accent1"/>
+          </a:lnRef>
+          <a:fillRef idx="3">
+            <a:schemeClr val="accent1"/>
+          </a:fillRef>
+          <a:effectRef idx="2">
+            <a:schemeClr val="accent1"/>
+          </a:effectRef>
+          <a:fontRef idx="minor">
+            <a:schemeClr val="lt1"/>
+          </a:fontRef>
+        </p:style>
+        <p:txBody>
+          <a:bodyPr rtlCol="0" anchor="ctr"/>
+          <a:lstStyle/>
+          <a:p>
+            <a:pPr algn="ctr"/>
+            <a:r>
+              <a:rPr lang="en-US" b="1" dirty="0">
+                <a:solidFill>
+                  <a:schemeClr val="bg1"/>
+                </a:solidFill>
+              </a:rPr>
+              <a:t>CatalogGateway</a:t>
+            </a:r>
+          </a:p>
+        </p:txBody>
+      </p:sp>
+      <p:sp>
+        <p:nvSpPr>
+          <p:cNvPr id="38" name="Rectangle 37">
+            <a:extLst>
+              <a:ext uri="{FF2B5EF4-FFF2-40B4-BE49-F238E27FC236}">
+                <a16:creationId xmlns:a16="http://schemas.microsoft.com/office/drawing/2014/main" id="{8E68E3E2-C89E-430B-82AB-2C7F7F8F0FF6}"/>
+              </a:ext>
+            </a:extLst>
+          </p:cNvPr>
+          <p:cNvSpPr/>
+          <p:nvPr/>
+        </p:nvSpPr>
+        <p:spPr>
+          <a:xfrm>
+            <a:off x="3372757" y="5288585"/>
+            <a:ext cx="1905000" cy="990600"/>
+          </a:xfrm>
+          <a:prstGeom prst="rect">
+            <a:avLst/>
+          </a:prstGeom>
+        </p:spPr>
+        <p:style>
+          <a:lnRef idx="1">
+            <a:schemeClr val="accent1"/>
+          </a:lnRef>
+          <a:fillRef idx="3">
+            <a:schemeClr val="accent1"/>
+          </a:fillRef>
+          <a:effectRef idx="2">
+            <a:schemeClr val="accent1"/>
+          </a:effectRef>
+          <a:fontRef idx="minor">
+            <a:schemeClr val="lt1"/>
+          </a:fontRef>
+        </p:style>
+        <p:txBody>
+          <a:bodyPr rtlCol="0" anchor="ctr"/>
+          <a:lstStyle/>
+          <a:p>
+            <a:pPr algn="ctr"/>
+            <a:r>
+              <a:rPr lang="en-US" b="1" dirty="0">
+                <a:solidFill>
+                  <a:schemeClr val="bg1"/>
+                </a:solidFill>
+              </a:rPr>
+              <a:t>PromoGateway</a:t>
+            </a:r>
+          </a:p>
+        </p:txBody>
+      </p:sp>
+      <p:sp>
+        <p:nvSpPr>
+          <p:cNvPr id="40" name="Rectangle 39">
+            <a:extLst>
+              <a:ext uri="{FF2B5EF4-FFF2-40B4-BE49-F238E27FC236}">
+                <a16:creationId xmlns:a16="http://schemas.microsoft.com/office/drawing/2014/main" id="{D9C61C48-A5D7-4482-AC25-660588F9499D}"/>
+              </a:ext>
+            </a:extLst>
+          </p:cNvPr>
+          <p:cNvSpPr/>
+          <p:nvPr/>
+        </p:nvSpPr>
+        <p:spPr>
+          <a:xfrm>
+            <a:off x="1182915" y="5290400"/>
+            <a:ext cx="1905000" cy="990600"/>
+          </a:xfrm>
+          <a:prstGeom prst="rect">
+            <a:avLst/>
+          </a:prstGeom>
+        </p:spPr>
+        <p:style>
+          <a:lnRef idx="1">
+            <a:schemeClr val="accent1"/>
+          </a:lnRef>
+          <a:fillRef idx="3">
+            <a:schemeClr val="accent1"/>
+          </a:fillRef>
+          <a:effectRef idx="2">
+            <a:schemeClr val="accent1"/>
+          </a:effectRef>
+          <a:fontRef idx="minor">
+            <a:schemeClr val="lt1"/>
+          </a:fontRef>
+        </p:style>
+        <p:txBody>
+          <a:bodyPr rtlCol="0" anchor="ctr"/>
+          <a:lstStyle/>
+          <a:p>
+            <a:pPr algn="ctr"/>
+            <a:r>
+              <a:rPr lang="en-US" b="1" dirty="0">
+                <a:solidFill>
+                  <a:schemeClr val="bg1"/>
+                </a:solidFill>
+              </a:rPr>
+              <a:t>ShippingGateway</a:t>
+            </a:r>
+          </a:p>
+        </p:txBody>
+      </p:sp>
+      <p:cxnSp>
+        <p:nvCxnSpPr>
+          <p:cNvPr id="41" name="Straight Arrow Connector 40">
+            <a:extLst>
+              <a:ext uri="{FF2B5EF4-FFF2-40B4-BE49-F238E27FC236}">
+                <a16:creationId xmlns:a16="http://schemas.microsoft.com/office/drawing/2014/main" id="{3913299A-0EAE-475E-B0EC-F95AB7FF67B6}"/>
+              </a:ext>
+            </a:extLst>
+          </p:cNvPr>
+          <p:cNvCxnSpPr>
+            <a:cxnSpLocks/>
+            <a:stCxn id="40" idx="0"/>
+            <a:endCxn id="9" idx="2"/>
+          </p:cNvCxnSpPr>
+          <p:nvPr/>
+        </p:nvCxnSpPr>
+        <p:spPr>
+          <a:xfrm flipV="1">
+            <a:off x="2135415" y="4450444"/>
+            <a:ext cx="0" cy="839956"/>
+          </a:xfrm>
+          <a:prstGeom prst="straightConnector1">
+            <a:avLst/>
+          </a:prstGeom>
+          <a:ln>
+            <a:prstDash val="dash"/>
+            <a:tailEnd type="triangle"/>
+          </a:ln>
+        </p:spPr>
+        <p:style>
+          <a:lnRef idx="3">
+            <a:schemeClr val="dk1"/>
+          </a:lnRef>
+          <a:fillRef idx="0">
+            <a:schemeClr val="dk1"/>
+          </a:fillRef>
+          <a:effectRef idx="2">
+            <a:schemeClr val="dk1"/>
+          </a:effectRef>
+          <a:fontRef idx="minor">
+            <a:schemeClr val="tx1"/>
+          </a:fontRef>
+        </p:style>
+      </p:cxnSp>
+      <p:cxnSp>
+        <p:nvCxnSpPr>
+          <p:cNvPr id="48" name="Straight Arrow Connector 47">
+            <a:extLst>
+              <a:ext uri="{FF2B5EF4-FFF2-40B4-BE49-F238E27FC236}">
+                <a16:creationId xmlns:a16="http://schemas.microsoft.com/office/drawing/2014/main" id="{B08C77EE-8246-49DA-8C0C-93FD0733AA81}"/>
+              </a:ext>
+            </a:extLst>
+          </p:cNvPr>
+          <p:cNvCxnSpPr>
+            <a:cxnSpLocks/>
+            <a:stCxn id="38" idx="0"/>
+            <a:endCxn id="8" idx="2"/>
+          </p:cNvCxnSpPr>
+          <p:nvPr/>
+        </p:nvCxnSpPr>
+        <p:spPr>
+          <a:xfrm flipV="1">
+            <a:off x="4325257" y="4448629"/>
+            <a:ext cx="0" cy="839956"/>
+          </a:xfrm>
+          <a:prstGeom prst="straightConnector1">
+            <a:avLst/>
+          </a:prstGeom>
+          <a:ln>
+            <a:prstDash val="dash"/>
+            <a:tailEnd type="triangle"/>
+          </a:ln>
+        </p:spPr>
+        <p:style>
+          <a:lnRef idx="3">
+            <a:schemeClr val="dk1"/>
+          </a:lnRef>
+          <a:fillRef idx="0">
+            <a:schemeClr val="dk1"/>
+          </a:fillRef>
+          <a:effectRef idx="2">
+            <a:schemeClr val="dk1"/>
+          </a:effectRef>
+          <a:fontRef idx="minor">
+            <a:schemeClr val="tx1"/>
+          </a:fontRef>
+        </p:style>
+      </p:cxnSp>
+      <p:cxnSp>
+        <p:nvCxnSpPr>
+          <p:cNvPr id="51" name="Straight Arrow Connector 50">
+            <a:extLst>
+              <a:ext uri="{FF2B5EF4-FFF2-40B4-BE49-F238E27FC236}">
+                <a16:creationId xmlns:a16="http://schemas.microsoft.com/office/drawing/2014/main" id="{252DD4FB-4BEB-4CE1-BE6E-FA8CFEF4C2B0}"/>
+              </a:ext>
+            </a:extLst>
+          </p:cNvPr>
+          <p:cNvCxnSpPr>
+            <a:cxnSpLocks/>
+            <a:stCxn id="37" idx="0"/>
+            <a:endCxn id="7" idx="2"/>
+          </p:cNvCxnSpPr>
+          <p:nvPr/>
+        </p:nvCxnSpPr>
+        <p:spPr>
+          <a:xfrm flipV="1">
+            <a:off x="6525988" y="4450444"/>
+            <a:ext cx="0" cy="839956"/>
+          </a:xfrm>
+          <a:prstGeom prst="straightConnector1">
+            <a:avLst/>
+          </a:prstGeom>
+          <a:ln>
+            <a:prstDash val="dash"/>
+            <a:tailEnd type="triangle"/>
+          </a:ln>
+        </p:spPr>
+        <p:style>
+          <a:lnRef idx="3">
+            <a:schemeClr val="dk1"/>
+          </a:lnRef>
+          <a:fillRef idx="0">
+            <a:schemeClr val="dk1"/>
+          </a:fillRef>
+          <a:effectRef idx="2">
+            <a:schemeClr val="dk1"/>
+          </a:effectRef>
+          <a:fontRef idx="minor">
+            <a:schemeClr val="tx1"/>
+          </a:fontRef>
+        </p:style>
+      </p:cxnSp>
+      <p:cxnSp>
+        <p:nvCxnSpPr>
+          <p:cNvPr id="54" name="Straight Arrow Connector 53">
+            <a:extLst>
+              <a:ext uri="{FF2B5EF4-FFF2-40B4-BE49-F238E27FC236}">
+                <a16:creationId xmlns:a16="http://schemas.microsoft.com/office/drawing/2014/main" id="{E61EE217-8B2B-4DC6-A6B3-B8B46335716A}"/>
+              </a:ext>
+            </a:extLst>
+          </p:cNvPr>
+          <p:cNvCxnSpPr>
+            <a:cxnSpLocks/>
+            <a:endCxn id="9" idx="0"/>
+          </p:cNvCxnSpPr>
+          <p:nvPr/>
+        </p:nvCxnSpPr>
+        <p:spPr>
+          <a:xfrm flipH="1">
+            <a:off x="2135415" y="2961822"/>
+            <a:ext cx="1434194" cy="498022"/>
+          </a:xfrm>
+          <a:prstGeom prst="straightConnector1">
+            <a:avLst/>
+          </a:prstGeom>
+          <a:ln>
+            <a:tailEnd type="triangle"/>
+          </a:ln>
+        </p:spPr>
+        <p:style>
+          <a:lnRef idx="3">
+            <a:schemeClr val="dk1"/>
+          </a:lnRef>
+          <a:fillRef idx="0">
+            <a:schemeClr val="dk1"/>
+          </a:fillRef>
+          <a:effectRef idx="2">
+            <a:schemeClr val="dk1"/>
+          </a:effectRef>
+          <a:fontRef idx="minor">
+            <a:schemeClr val="tx1"/>
+          </a:fontRef>
+        </p:style>
+      </p:cxnSp>
+      <p:cxnSp>
+        <p:nvCxnSpPr>
+          <p:cNvPr id="57" name="Straight Arrow Connector 56">
+            <a:extLst>
+              <a:ext uri="{FF2B5EF4-FFF2-40B4-BE49-F238E27FC236}">
+                <a16:creationId xmlns:a16="http://schemas.microsoft.com/office/drawing/2014/main" id="{B2F94B31-B5A5-47D4-B1F5-1DFE3875EF45}"/>
+              </a:ext>
+            </a:extLst>
+          </p:cNvPr>
+          <p:cNvCxnSpPr>
+            <a:cxnSpLocks/>
+            <a:stCxn id="4" idx="2"/>
+            <a:endCxn id="8" idx="0"/>
+          </p:cNvCxnSpPr>
+          <p:nvPr/>
+        </p:nvCxnSpPr>
+        <p:spPr>
+          <a:xfrm>
+            <a:off x="4325257" y="2962729"/>
+            <a:ext cx="0" cy="495300"/>
+          </a:xfrm>
+          <a:prstGeom prst="straightConnector1">
+            <a:avLst/>
+          </a:prstGeom>
+          <a:ln>
+            <a:tailEnd type="triangle"/>
+          </a:ln>
+        </p:spPr>
+        <p:style>
+          <a:lnRef idx="3">
+            <a:schemeClr val="dk1"/>
+          </a:lnRef>
+          <a:fillRef idx="0">
+            <a:schemeClr val="dk1"/>
+          </a:fillRef>
+          <a:effectRef idx="2">
+            <a:schemeClr val="dk1"/>
+          </a:effectRef>
+          <a:fontRef idx="minor">
+            <a:schemeClr val="tx1"/>
+          </a:fontRef>
+        </p:style>
+      </p:cxnSp>
+      <p:cxnSp>
+        <p:nvCxnSpPr>
+          <p:cNvPr id="60" name="Straight Arrow Connector 59">
+            <a:extLst>
+              <a:ext uri="{FF2B5EF4-FFF2-40B4-BE49-F238E27FC236}">
+                <a16:creationId xmlns:a16="http://schemas.microsoft.com/office/drawing/2014/main" id="{D550488B-A6B0-43B8-B0F1-C6D5D4589804}"/>
+              </a:ext>
+            </a:extLst>
+          </p:cNvPr>
+          <p:cNvCxnSpPr>
+            <a:cxnSpLocks/>
+            <a:stCxn id="6" idx="2"/>
+            <a:endCxn id="7" idx="0"/>
+          </p:cNvCxnSpPr>
+          <p:nvPr/>
+        </p:nvCxnSpPr>
+        <p:spPr>
+          <a:xfrm>
+            <a:off x="6525988" y="1295400"/>
+            <a:ext cx="0" cy="2164444"/>
+          </a:xfrm>
+          <a:prstGeom prst="straightConnector1">
+            <a:avLst/>
+          </a:prstGeom>
+          <a:ln>
+            <a:tailEnd type="triangle"/>
+          </a:ln>
+        </p:spPr>
+        <p:style>
+          <a:lnRef idx="3">
+            <a:schemeClr val="dk1"/>
+          </a:lnRef>
+          <a:fillRef idx="0">
+            <a:schemeClr val="dk1"/>
+          </a:fillRef>
+          <a:effectRef idx="2">
+            <a:schemeClr val="dk1"/>
+          </a:effectRef>
+          <a:fontRef idx="minor">
+            <a:schemeClr val="tx1"/>
+          </a:fontRef>
+        </p:style>
+      </p:cxnSp>
+      <p:sp>
+        <p:nvSpPr>
+          <p:cNvPr id="66" name="Rectangle 65">
+            <a:extLst>
+              <a:ext uri="{FF2B5EF4-FFF2-40B4-BE49-F238E27FC236}">
+                <a16:creationId xmlns:a16="http://schemas.microsoft.com/office/drawing/2014/main" id="{546A8262-EE01-4E40-8163-57FC0F5471A8}"/>
+              </a:ext>
+            </a:extLst>
+          </p:cNvPr>
+          <p:cNvSpPr/>
+          <p:nvPr/>
+        </p:nvSpPr>
+        <p:spPr>
+          <a:xfrm>
+            <a:off x="406429" y="1508798"/>
+            <a:ext cx="1905000" cy="777422"/>
+          </a:xfrm>
+          <a:prstGeom prst="rect">
+            <a:avLst/>
+          </a:prstGeom>
+        </p:spPr>
+        <p:style>
+          <a:lnRef idx="2">
+            <a:schemeClr val="dk1">
+              <a:shade val="50000"/>
+            </a:schemeClr>
+          </a:lnRef>
+          <a:fillRef idx="1">
+            <a:schemeClr val="dk1"/>
+          </a:fillRef>
+          <a:effectRef idx="0">
+            <a:schemeClr val="dk1"/>
+          </a:effectRef>
+          <a:fontRef idx="minor">
+            <a:schemeClr val="lt1"/>
+          </a:fontRef>
+        </p:style>
+        <p:txBody>
+          <a:bodyPr rtlCol="0" anchor="ctr"/>
+          <a:lstStyle/>
+          <a:p>
+            <a:pPr algn="ctr"/>
+            <a:r>
+              <a:rPr lang="en-US" b="1" dirty="0">
+                <a:solidFill>
+                  <a:schemeClr val="bg1"/>
+                </a:solidFill>
+              </a:rPr>
+              <a:t>Generic Repository</a:t>
+            </a:r>
+          </a:p>
+        </p:txBody>
+      </p:sp>
+      <p:sp>
+        <p:nvSpPr>
+          <p:cNvPr id="67" name="Rectangle 66">
+            <a:extLst>
+              <a:ext uri="{FF2B5EF4-FFF2-40B4-BE49-F238E27FC236}">
+                <a16:creationId xmlns:a16="http://schemas.microsoft.com/office/drawing/2014/main" id="{D3F2A308-B374-43CD-BBDF-66BA4CAB9DF4}"/>
+              </a:ext>
+            </a:extLst>
+          </p:cNvPr>
+          <p:cNvSpPr/>
+          <p:nvPr/>
+        </p:nvSpPr>
+        <p:spPr>
+          <a:xfrm>
+            <a:off x="406429" y="2477670"/>
+            <a:ext cx="1905000" cy="770589"/>
+          </a:xfrm>
+          <a:prstGeom prst="rect">
+            <a:avLst/>
+          </a:prstGeom>
+        </p:spPr>
+        <p:style>
+          <a:lnRef idx="2">
+            <a:schemeClr val="dk1">
+              <a:shade val="50000"/>
+            </a:schemeClr>
+          </a:lnRef>
+          <a:fillRef idx="1">
+            <a:schemeClr val="dk1"/>
+          </a:fillRef>
+          <a:effectRef idx="0">
+            <a:schemeClr val="dk1"/>
+          </a:effectRef>
+          <a:fontRef idx="minor">
+            <a:schemeClr val="lt1"/>
+          </a:fontRef>
+        </p:style>
+        <p:txBody>
+          <a:bodyPr rtlCol="0" anchor="ctr"/>
+          <a:lstStyle/>
+          <a:p>
+            <a:pPr algn="ctr"/>
+            <a:r>
+              <a:rPr lang="en-US" b="1" dirty="0">
+                <a:solidFill>
+                  <a:schemeClr val="bg1"/>
+                </a:solidFill>
+              </a:rPr>
+              <a:t>Unit Of Work</a:t>
+            </a:r>
+          </a:p>
+        </p:txBody>
+      </p:sp>
+      <p:cxnSp>
+        <p:nvCxnSpPr>
+          <p:cNvPr id="71" name="Straight Arrow Connector 70">
+            <a:extLst>
+              <a:ext uri="{FF2B5EF4-FFF2-40B4-BE49-F238E27FC236}">
+                <a16:creationId xmlns:a16="http://schemas.microsoft.com/office/drawing/2014/main" id="{FCA257B0-8C4A-4F84-BA87-4A20C7CAB4F9}"/>
+              </a:ext>
+            </a:extLst>
+          </p:cNvPr>
+          <p:cNvCxnSpPr>
+            <a:cxnSpLocks/>
+            <a:stCxn id="66" idx="3"/>
+          </p:cNvCxnSpPr>
+          <p:nvPr/>
+        </p:nvCxnSpPr>
+        <p:spPr>
+          <a:xfrm>
+            <a:off x="2311429" y="1897509"/>
+            <a:ext cx="1054129" cy="387584"/>
+          </a:xfrm>
+          <a:prstGeom prst="straightConnector1">
+            <a:avLst/>
+          </a:prstGeom>
+          <a:ln>
+            <a:prstDash val="dash"/>
+            <a:tailEnd type="triangle"/>
+          </a:ln>
+        </p:spPr>
+        <p:style>
+          <a:lnRef idx="3">
+            <a:schemeClr val="dk1"/>
+          </a:lnRef>
+          <a:fillRef idx="0">
+            <a:schemeClr val="dk1"/>
+          </a:fillRef>
+          <a:effectRef idx="2">
+            <a:schemeClr val="dk1"/>
+          </a:effectRef>
+          <a:fontRef idx="minor">
+            <a:schemeClr val="tx1"/>
+          </a:fontRef>
+        </p:style>
+      </p:cxnSp>
+      <p:cxnSp>
+        <p:nvCxnSpPr>
+          <p:cNvPr id="74" name="Straight Arrow Connector 73">
+            <a:extLst>
+              <a:ext uri="{FF2B5EF4-FFF2-40B4-BE49-F238E27FC236}">
+                <a16:creationId xmlns:a16="http://schemas.microsoft.com/office/drawing/2014/main" id="{5AA29808-63E9-4F1A-991C-F59565208E5C}"/>
+              </a:ext>
+            </a:extLst>
+          </p:cNvPr>
+          <p:cNvCxnSpPr>
+            <a:cxnSpLocks/>
+            <a:stCxn id="67" idx="3"/>
+            <a:endCxn id="4" idx="1"/>
+          </p:cNvCxnSpPr>
+          <p:nvPr/>
+        </p:nvCxnSpPr>
+        <p:spPr>
+          <a:xfrm flipV="1">
+            <a:off x="2311429" y="2467429"/>
+            <a:ext cx="1061328" cy="395536"/>
+          </a:xfrm>
+          <a:prstGeom prst="straightConnector1">
+            <a:avLst/>
+          </a:prstGeom>
+          <a:ln>
+            <a:prstDash val="dash"/>
+            <a:tailEnd type="triangle"/>
+          </a:ln>
+        </p:spPr>
+        <p:style>
+          <a:lnRef idx="3">
+            <a:schemeClr val="dk1"/>
+          </a:lnRef>
+          <a:fillRef idx="0">
+            <a:schemeClr val="dk1"/>
+          </a:fillRef>
+          <a:effectRef idx="2">
+            <a:schemeClr val="dk1"/>
+          </a:effectRef>
+          <a:fontRef idx="minor">
+            <a:schemeClr val="tx1"/>
+          </a:fontRef>
+        </p:style>
+      </p:cxnSp>
+      <p:cxnSp>
+        <p:nvCxnSpPr>
+          <p:cNvPr id="82" name="Straight Arrow Connector 81">
+            <a:extLst>
+              <a:ext uri="{FF2B5EF4-FFF2-40B4-BE49-F238E27FC236}">
+                <a16:creationId xmlns:a16="http://schemas.microsoft.com/office/drawing/2014/main" id="{40F23C76-55A5-4F9F-A3BD-A1EF87F23D65}"/>
+              </a:ext>
+            </a:extLst>
+          </p:cNvPr>
+          <p:cNvCxnSpPr>
+            <a:cxnSpLocks/>
+            <a:stCxn id="67" idx="0"/>
+            <a:endCxn id="66" idx="2"/>
+          </p:cNvCxnSpPr>
+          <p:nvPr/>
+        </p:nvCxnSpPr>
+        <p:spPr>
+          <a:xfrm flipV="1">
+            <a:off x="1358929" y="2286220"/>
+            <a:ext cx="0" cy="191450"/>
+          </a:xfrm>
+          <a:prstGeom prst="straightConnector1">
+            <a:avLst/>
+          </a:prstGeom>
+          <a:ln>
+            <a:prstDash val="dash"/>
+            <a:tailEnd type="triangle"/>
+          </a:ln>
+        </p:spPr>
+        <p:style>
+          <a:lnRef idx="3">
+            <a:schemeClr val="dk1"/>
+          </a:lnRef>
+          <a:fillRef idx="0">
+            <a:schemeClr val="dk1"/>
+          </a:fillRef>
+          <a:effectRef idx="2">
+            <a:schemeClr val="dk1"/>
+          </a:effectRef>
+          <a:fontRef idx="minor">
+            <a:schemeClr val="tx1"/>
+          </a:fontRef>
+        </p:style>
+      </p:cxnSp>
+      <p:sp>
+        <p:nvSpPr>
+          <p:cNvPr id="87" name="TextBox 86">
+            <a:extLst>
+              <a:ext uri="{FF2B5EF4-FFF2-40B4-BE49-F238E27FC236}">
+                <a16:creationId xmlns:a16="http://schemas.microsoft.com/office/drawing/2014/main" id="{E0EEFE85-ADA3-4DE4-AC6F-D3901F37287B}"/>
+              </a:ext>
+            </a:extLst>
+          </p:cNvPr>
+          <p:cNvSpPr txBox="1"/>
+          <p:nvPr/>
+        </p:nvSpPr>
+        <p:spPr>
+          <a:xfrm>
+            <a:off x="2438400" y="6392200"/>
+            <a:ext cx="5582762" cy="276999"/>
+          </a:xfrm>
+          <a:prstGeom prst="rect">
+            <a:avLst/>
+          </a:prstGeom>
+          <a:noFill/>
+        </p:spPr>
+        <p:txBody>
+          <a:bodyPr wrap="square" rtlCol="0">
+            <a:spAutoFit/>
+          </a:bodyPr>
+          <a:lstStyle/>
+          <a:p>
+            <a:r>
+              <a:rPr lang="en-US" sz="1200" b="1" dirty="0"/>
+              <a:t>https://github.com/vietnam-devs/coolstore-microservices</a:t>
+            </a:r>
+          </a:p>
+        </p:txBody>
+      </p:sp>
+    </p:spTree>
+    <p:extLst>
+      <p:ext uri="{BB962C8B-B14F-4D97-AF65-F5344CB8AC3E}">
+        <p14:creationId xmlns:p14="http://schemas.microsoft.com/office/powerpoint/2010/main" val="1205198440"/>
+      </p:ext>
+    </p:extLst>
+  </p:cSld>
+  <p:clrMapOvr>
+    <a:masterClrMapping/>
+  </p:clrMapOvr>
+</p:sld>
+</file>
+
+<file path=ppt/slides/slide3.xml><?xml version="1.0" encoding="utf-8"?>
+<p:sld xmlns:a="http://schemas.openxmlformats.org/drawingml/2006/main" xmlns:r="http://schemas.openxmlformats.org/officeDocument/2006/relationships" xmlns:p="http://schemas.openxmlformats.org/presentationml/2006/main">
+  <p:cSld>
+    <p:spTree>
+      <p:nvGrpSpPr>
+        <p:cNvPr id="1" name=""/>
+        <p:cNvGrpSpPr/>
+        <p:nvPr/>
+      </p:nvGrpSpPr>
+      <p:grpSpPr>
+        <a:xfrm>
+          <a:off x="0" y="0"/>
+          <a:ext cx="0" cy="0"/>
+          <a:chOff x="0" y="0"/>
+          <a:chExt cx="0" cy="0"/>
+        </a:xfrm>
+      </p:grpSpPr>
+      <p:pic>
+        <p:nvPicPr>
+          <p:cNvPr id="5" name="Graphic 4" descr="Users">
+            <a:extLst>
+              <a:ext uri="{FF2B5EF4-FFF2-40B4-BE49-F238E27FC236}">
+                <a16:creationId xmlns:a16="http://schemas.microsoft.com/office/drawing/2014/main" id="{EAC079B7-3EE8-4CD2-88CA-F927A582B41D}"/>
+              </a:ext>
+            </a:extLst>
+          </p:cNvPr>
+          <p:cNvPicPr>
+            <a:picLocks noChangeAspect="1"/>
+          </p:cNvPicPr>
+          <p:nvPr/>
+        </p:nvPicPr>
+        <p:blipFill>
+          <a:blip r:embed="rId2">
+            <a:extLst>
+              <a:ext uri="{28A0092B-C50C-407E-A947-70E740481C1C}">
+                <a14:useLocalDpi xmlns:a14="http://schemas.microsoft.com/office/drawing/2010/main" val="0"/>
+              </a:ext>
+              <a:ext uri="{96DAC541-7B7A-43D3-8B79-37D633B846F1}">
+                <asvg:svgBlip xmlns:asvg="http://schemas.microsoft.com/office/drawing/2016/SVG/main" r:embed="rId3"/>
+              </a:ext>
+            </a:extLst>
+          </a:blip>
+          <a:stretch>
+            <a:fillRect/>
+          </a:stretch>
+        </p:blipFill>
+        <p:spPr>
+          <a:xfrm>
+            <a:off x="457200" y="2895600"/>
+            <a:ext cx="914400" cy="914400"/>
+          </a:xfrm>
+          <a:prstGeom prst="rect">
+            <a:avLst/>
+          </a:prstGeom>
+        </p:spPr>
+      </p:pic>
+      <p:sp>
+        <p:nvSpPr>
+          <p:cNvPr id="6" name="Oval 5">
+            <a:extLst>
+              <a:ext uri="{FF2B5EF4-FFF2-40B4-BE49-F238E27FC236}">
+                <a16:creationId xmlns:a16="http://schemas.microsoft.com/office/drawing/2014/main" id="{6488A68D-8F36-4063-88CA-C4E558815550}"/>
+              </a:ext>
+            </a:extLst>
+          </p:cNvPr>
+          <p:cNvSpPr/>
+          <p:nvPr/>
+        </p:nvSpPr>
+        <p:spPr>
+          <a:xfrm>
+            <a:off x="2554514" y="1447800"/>
+            <a:ext cx="2286000" cy="990600"/>
+          </a:xfrm>
+          <a:prstGeom prst="ellipse">
+            <a:avLst/>
+          </a:prstGeom>
+        </p:spPr>
+        <p:style>
+          <a:lnRef idx="2">
+            <a:schemeClr val="accent6">
+              <a:shade val="50000"/>
+            </a:schemeClr>
+          </a:lnRef>
+          <a:fillRef idx="1">
+            <a:schemeClr val="accent6"/>
+          </a:fillRef>
+          <a:effectRef idx="0">
+            <a:schemeClr val="accent6"/>
+          </a:effectRef>
+          <a:fontRef idx="minor">
+            <a:schemeClr val="lt1"/>
+          </a:fontRef>
+        </p:style>
+        <p:txBody>
+          <a:bodyPr rtlCol="0" anchor="ctr"/>
+          <a:lstStyle/>
+          <a:p>
+            <a:pPr algn="ctr"/>
+            <a:r>
+              <a:rPr lang="en-US" dirty="0"/>
+              <a:t>Add Product to a Cart</a:t>
+            </a:r>
+          </a:p>
+        </p:txBody>
+      </p:sp>
+      <p:sp>
+        <p:nvSpPr>
+          <p:cNvPr id="8" name="Oval 7">
+            <a:extLst>
+              <a:ext uri="{FF2B5EF4-FFF2-40B4-BE49-F238E27FC236}">
+                <a16:creationId xmlns:a16="http://schemas.microsoft.com/office/drawing/2014/main" id="{D8FF8582-4CB3-4F29-8419-FBCD4AF922D5}"/>
+              </a:ext>
+            </a:extLst>
+          </p:cNvPr>
+          <p:cNvSpPr/>
+          <p:nvPr/>
+        </p:nvSpPr>
+        <p:spPr>
+          <a:xfrm>
+            <a:off x="2554514" y="2819400"/>
+            <a:ext cx="2286000" cy="990600"/>
+          </a:xfrm>
+          <a:prstGeom prst="ellipse">
+            <a:avLst/>
+          </a:prstGeom>
+        </p:spPr>
+        <p:style>
+          <a:lnRef idx="2">
+            <a:schemeClr val="accent4">
+              <a:shade val="50000"/>
+            </a:schemeClr>
+          </a:lnRef>
+          <a:fillRef idx="1">
+            <a:schemeClr val="accent4"/>
+          </a:fillRef>
+          <a:effectRef idx="0">
+            <a:schemeClr val="accent4"/>
+          </a:effectRef>
+          <a:fontRef idx="minor">
+            <a:schemeClr val="lt1"/>
+          </a:fontRef>
+        </p:style>
+        <p:txBody>
+          <a:bodyPr rtlCol="0" anchor="ctr"/>
+          <a:lstStyle/>
+          <a:p>
+            <a:pPr algn="ctr"/>
+            <a:r>
+              <a:rPr lang="en-US" dirty="0"/>
+              <a:t>Update Product in the Cart</a:t>
+            </a:r>
+          </a:p>
+        </p:txBody>
+      </p:sp>
+      <p:sp>
+        <p:nvSpPr>
+          <p:cNvPr id="9" name="Oval 8">
+            <a:extLst>
+              <a:ext uri="{FF2B5EF4-FFF2-40B4-BE49-F238E27FC236}">
+                <a16:creationId xmlns:a16="http://schemas.microsoft.com/office/drawing/2014/main" id="{DBD1A664-7EF0-41BA-92BE-9D284EAA386E}"/>
+              </a:ext>
+            </a:extLst>
+          </p:cNvPr>
+          <p:cNvSpPr/>
+          <p:nvPr/>
+        </p:nvSpPr>
+        <p:spPr>
+          <a:xfrm>
+            <a:off x="2587171" y="4343400"/>
+            <a:ext cx="2286000" cy="990600"/>
+          </a:xfrm>
+          <a:prstGeom prst="ellipse">
+            <a:avLst/>
+          </a:prstGeom>
+        </p:spPr>
+        <p:style>
+          <a:lnRef idx="2">
+            <a:schemeClr val="accent2">
+              <a:shade val="50000"/>
+            </a:schemeClr>
+          </a:lnRef>
+          <a:fillRef idx="1">
+            <a:schemeClr val="accent2"/>
+          </a:fillRef>
+          <a:effectRef idx="0">
+            <a:schemeClr val="accent2"/>
+          </a:effectRef>
+          <a:fontRef idx="minor">
+            <a:schemeClr val="lt1"/>
+          </a:fontRef>
+        </p:style>
+        <p:txBody>
+          <a:bodyPr rtlCol="0" anchor="ctr"/>
+          <a:lstStyle/>
+          <a:p>
+            <a:pPr algn="ctr"/>
+            <a:r>
+              <a:rPr lang="en-US" dirty="0"/>
+              <a:t>Delete Product in the Cart</a:t>
+            </a:r>
+          </a:p>
+        </p:txBody>
+      </p:sp>
+      <p:sp>
+        <p:nvSpPr>
+          <p:cNvPr id="10" name="Oval 9">
+            <a:extLst>
+              <a:ext uri="{FF2B5EF4-FFF2-40B4-BE49-F238E27FC236}">
+                <a16:creationId xmlns:a16="http://schemas.microsoft.com/office/drawing/2014/main" id="{8AFC87BB-D4A5-44DF-AAB3-C300478C2AA8}"/>
+              </a:ext>
+            </a:extLst>
+          </p:cNvPr>
+          <p:cNvSpPr/>
+          <p:nvPr/>
+        </p:nvSpPr>
+        <p:spPr>
+          <a:xfrm>
+            <a:off x="2587171" y="5751286"/>
+            <a:ext cx="2286000" cy="990600"/>
+          </a:xfrm>
+          <a:prstGeom prst="ellipse">
+            <a:avLst/>
+          </a:prstGeom>
+        </p:spPr>
+        <p:style>
+          <a:lnRef idx="2">
+            <a:schemeClr val="accent4">
+              <a:shade val="50000"/>
+            </a:schemeClr>
+          </a:lnRef>
+          <a:fillRef idx="1">
+            <a:schemeClr val="accent4"/>
+          </a:fillRef>
+          <a:effectRef idx="0">
+            <a:schemeClr val="accent4"/>
+          </a:effectRef>
+          <a:fontRef idx="minor">
+            <a:schemeClr val="lt1"/>
+          </a:fontRef>
+        </p:style>
+        <p:txBody>
+          <a:bodyPr rtlCol="0" anchor="ctr"/>
+          <a:lstStyle/>
+          <a:p>
+            <a:pPr algn="ctr"/>
+            <a:r>
+              <a:rPr lang="en-US" dirty="0"/>
+              <a:t>Checkout</a:t>
+            </a:r>
+          </a:p>
+        </p:txBody>
+      </p:sp>
+      <p:sp>
+        <p:nvSpPr>
+          <p:cNvPr id="11" name="Oval 10">
+            <a:extLst>
+              <a:ext uri="{FF2B5EF4-FFF2-40B4-BE49-F238E27FC236}">
+                <a16:creationId xmlns:a16="http://schemas.microsoft.com/office/drawing/2014/main" id="{5E51F7C2-5922-4E12-AD0D-C151B37DFA73}"/>
+              </a:ext>
+            </a:extLst>
+          </p:cNvPr>
+          <p:cNvSpPr/>
+          <p:nvPr/>
+        </p:nvSpPr>
+        <p:spPr>
+          <a:xfrm>
+            <a:off x="2438400" y="159657"/>
+            <a:ext cx="2286000" cy="990600"/>
+          </a:xfrm>
+          <a:prstGeom prst="ellipse">
+            <a:avLst/>
+          </a:prstGeom>
+        </p:spPr>
+        <p:style>
+          <a:lnRef idx="2">
+            <a:schemeClr val="accent1">
+              <a:shade val="50000"/>
+            </a:schemeClr>
+          </a:lnRef>
+          <a:fillRef idx="1">
+            <a:schemeClr val="accent1"/>
+          </a:fillRef>
+          <a:effectRef idx="0">
+            <a:schemeClr val="accent1"/>
+          </a:effectRef>
+          <a:fontRef idx="minor">
+            <a:schemeClr val="lt1"/>
+          </a:fontRef>
+        </p:style>
+        <p:txBody>
+          <a:bodyPr rtlCol="0" anchor="ctr"/>
+          <a:lstStyle/>
+          <a:p>
+            <a:pPr algn="ctr"/>
+            <a:r>
+              <a:rPr lang="en-US" dirty="0"/>
+              <a:t>Get Cart with Products</a:t>
+            </a:r>
+          </a:p>
+        </p:txBody>
+      </p:sp>
+      <p:cxnSp>
+        <p:nvCxnSpPr>
+          <p:cNvPr id="13" name="Straight Arrow Connector 12">
+            <a:extLst>
+              <a:ext uri="{FF2B5EF4-FFF2-40B4-BE49-F238E27FC236}">
+                <a16:creationId xmlns:a16="http://schemas.microsoft.com/office/drawing/2014/main" id="{A27C924D-904C-4572-B7DB-431120772B33}"/>
+              </a:ext>
+            </a:extLst>
+          </p:cNvPr>
+          <p:cNvCxnSpPr>
+            <a:cxnSpLocks/>
+            <a:stCxn id="5" idx="0"/>
+            <a:endCxn id="11" idx="2"/>
+          </p:cNvCxnSpPr>
+          <p:nvPr/>
+        </p:nvCxnSpPr>
+        <p:spPr>
+          <a:xfrm flipV="1">
+            <a:off x="914400" y="654957"/>
+            <a:ext cx="1524000" cy="2240643"/>
+          </a:xfrm>
+          <a:prstGeom prst="straightConnector1">
+            <a:avLst/>
+          </a:prstGeom>
+          <a:ln>
+            <a:tailEnd type="triangle"/>
+          </a:ln>
+        </p:spPr>
+        <p:style>
+          <a:lnRef idx="3">
+            <a:schemeClr val="dk1"/>
+          </a:lnRef>
+          <a:fillRef idx="0">
+            <a:schemeClr val="dk1"/>
+          </a:fillRef>
+          <a:effectRef idx="2">
+            <a:schemeClr val="dk1"/>
+          </a:effectRef>
+          <a:fontRef idx="minor">
+            <a:schemeClr val="tx1"/>
+          </a:fontRef>
+        </p:style>
+      </p:cxnSp>
+      <p:cxnSp>
+        <p:nvCxnSpPr>
+          <p:cNvPr id="15" name="Straight Arrow Connector 14">
+            <a:extLst>
+              <a:ext uri="{FF2B5EF4-FFF2-40B4-BE49-F238E27FC236}">
+                <a16:creationId xmlns:a16="http://schemas.microsoft.com/office/drawing/2014/main" id="{4CB97452-1C83-48DE-8F5A-2348AF03523B}"/>
+              </a:ext>
+            </a:extLst>
+          </p:cNvPr>
+          <p:cNvCxnSpPr>
+            <a:cxnSpLocks/>
+            <a:endCxn id="6" idx="2"/>
+          </p:cNvCxnSpPr>
+          <p:nvPr/>
+        </p:nvCxnSpPr>
+        <p:spPr>
+          <a:xfrm flipV="1">
+            <a:off x="1201057" y="1943100"/>
+            <a:ext cx="1353457" cy="1092202"/>
+          </a:xfrm>
+          <a:prstGeom prst="straightConnector1">
+            <a:avLst/>
+          </a:prstGeom>
+          <a:ln>
+            <a:tailEnd type="triangle"/>
+          </a:ln>
+        </p:spPr>
+        <p:style>
+          <a:lnRef idx="3">
+            <a:schemeClr val="dk1"/>
+          </a:lnRef>
+          <a:fillRef idx="0">
+            <a:schemeClr val="dk1"/>
+          </a:fillRef>
+          <a:effectRef idx="2">
+            <a:schemeClr val="dk1"/>
+          </a:effectRef>
+          <a:fontRef idx="minor">
+            <a:schemeClr val="tx1"/>
+          </a:fontRef>
+        </p:style>
+      </p:cxnSp>
+      <p:cxnSp>
+        <p:nvCxnSpPr>
+          <p:cNvPr id="18" name="Straight Arrow Connector 17">
+            <a:extLst>
+              <a:ext uri="{FF2B5EF4-FFF2-40B4-BE49-F238E27FC236}">
+                <a16:creationId xmlns:a16="http://schemas.microsoft.com/office/drawing/2014/main" id="{0C2D2506-24DC-45E0-A816-EF4495E405BA}"/>
+              </a:ext>
+            </a:extLst>
+          </p:cNvPr>
+          <p:cNvCxnSpPr>
+            <a:cxnSpLocks/>
+            <a:stCxn id="5" idx="3"/>
+            <a:endCxn id="8" idx="2"/>
+          </p:cNvCxnSpPr>
+          <p:nvPr/>
+        </p:nvCxnSpPr>
+        <p:spPr>
+          <a:xfrm flipV="1">
+            <a:off x="1371600" y="3314700"/>
+            <a:ext cx="1182914" cy="38100"/>
+          </a:xfrm>
+          <a:prstGeom prst="straightConnector1">
+            <a:avLst/>
+          </a:prstGeom>
+          <a:ln>
+            <a:tailEnd type="triangle"/>
+          </a:ln>
+        </p:spPr>
+        <p:style>
+          <a:lnRef idx="3">
+            <a:schemeClr val="dk1"/>
+          </a:lnRef>
+          <a:fillRef idx="0">
+            <a:schemeClr val="dk1"/>
+          </a:fillRef>
+          <a:effectRef idx="2">
+            <a:schemeClr val="dk1"/>
+          </a:effectRef>
+          <a:fontRef idx="minor">
+            <a:schemeClr val="tx1"/>
+          </a:fontRef>
+        </p:style>
+      </p:cxnSp>
+      <p:cxnSp>
+        <p:nvCxnSpPr>
+          <p:cNvPr id="21" name="Straight Arrow Connector 20">
+            <a:extLst>
+              <a:ext uri="{FF2B5EF4-FFF2-40B4-BE49-F238E27FC236}">
+                <a16:creationId xmlns:a16="http://schemas.microsoft.com/office/drawing/2014/main" id="{21E1C6F9-FC66-4874-AAF6-BBCB5CAF83A2}"/>
+              </a:ext>
+            </a:extLst>
+          </p:cNvPr>
+          <p:cNvCxnSpPr>
+            <a:cxnSpLocks/>
+            <a:endCxn id="9" idx="2"/>
+          </p:cNvCxnSpPr>
+          <p:nvPr/>
+        </p:nvCxnSpPr>
+        <p:spPr>
+          <a:xfrm>
+            <a:off x="1201057" y="3660322"/>
+            <a:ext cx="1386114" cy="1178378"/>
+          </a:xfrm>
+          <a:prstGeom prst="straightConnector1">
+            <a:avLst/>
+          </a:prstGeom>
+          <a:ln>
+            <a:tailEnd type="triangle"/>
+          </a:ln>
+        </p:spPr>
+        <p:style>
+          <a:lnRef idx="3">
+            <a:schemeClr val="dk1"/>
+          </a:lnRef>
+          <a:fillRef idx="0">
+            <a:schemeClr val="dk1"/>
+          </a:fillRef>
+          <a:effectRef idx="2">
+            <a:schemeClr val="dk1"/>
+          </a:effectRef>
+          <a:fontRef idx="minor">
+            <a:schemeClr val="tx1"/>
+          </a:fontRef>
+        </p:style>
+      </p:cxnSp>
+      <p:cxnSp>
+        <p:nvCxnSpPr>
+          <p:cNvPr id="24" name="Straight Arrow Connector 23">
+            <a:extLst>
+              <a:ext uri="{FF2B5EF4-FFF2-40B4-BE49-F238E27FC236}">
+                <a16:creationId xmlns:a16="http://schemas.microsoft.com/office/drawing/2014/main" id="{2885D564-7829-44D9-8D40-293EB974E12F}"/>
+              </a:ext>
+            </a:extLst>
+          </p:cNvPr>
+          <p:cNvCxnSpPr>
+            <a:cxnSpLocks/>
+            <a:endCxn id="10" idx="2"/>
+          </p:cNvCxnSpPr>
+          <p:nvPr/>
+        </p:nvCxnSpPr>
+        <p:spPr>
+          <a:xfrm>
+            <a:off x="762000" y="3688443"/>
+            <a:ext cx="1825171" cy="2558143"/>
+          </a:xfrm>
+          <a:prstGeom prst="straightConnector1">
+            <a:avLst/>
+          </a:prstGeom>
+          <a:ln>
+            <a:tailEnd type="triangle"/>
+          </a:ln>
+        </p:spPr>
+        <p:style>
+          <a:lnRef idx="3">
+            <a:schemeClr val="dk1"/>
+          </a:lnRef>
+          <a:fillRef idx="0">
+            <a:schemeClr val="dk1"/>
+          </a:fillRef>
+          <a:effectRef idx="2">
+            <a:schemeClr val="dk1"/>
+          </a:effectRef>
+          <a:fontRef idx="minor">
+            <a:schemeClr val="tx1"/>
+          </a:fontRef>
+        </p:style>
+      </p:cxnSp>
+    </p:spTree>
+    <p:extLst>
+      <p:ext uri="{BB962C8B-B14F-4D97-AF65-F5344CB8AC3E}">
+        <p14:creationId xmlns:p14="http://schemas.microsoft.com/office/powerpoint/2010/main" val="2230871275"/>
+      </p:ext>
+    </p:extLst>
+  </p:cSld>
+  <p:clrMapOvr>
+    <a:masterClrMapping/>
+  </p:clrMapOvr>
+</p:sld>
+</file>
+
+<file path=ppt/slides/slide4.xml><?xml version="1.0" encoding="utf-8"?>
+<p:sld xmlns:a="http://schemas.openxmlformats.org/drawingml/2006/main" xmlns:r="http://schemas.openxmlformats.org/officeDocument/2006/relationships" xmlns:p="http://schemas.openxmlformats.org/presentationml/2006/main">
+  <p:cSld>
+    <p:spTree>
+      <p:nvGrpSpPr>
+        <p:cNvPr id="1" name=""/>
+        <p:cNvGrpSpPr/>
+        <p:nvPr/>
+      </p:nvGrpSpPr>
+      <p:grpSpPr>
+        <a:xfrm>
+          <a:off x="0" y="0"/>
+          <a:ext cx="0" cy="0"/>
+          <a:chOff x="0" y="0"/>
+          <a:chExt cx="0" cy="0"/>
+        </a:xfrm>
+      </p:grpSpPr>
+      <p:sp>
+        <p:nvSpPr>
+          <p:cNvPr id="5" name="Rectangle 4">
+            <a:extLst>
+              <a:ext uri="{FF2B5EF4-FFF2-40B4-BE49-F238E27FC236}">
+                <a16:creationId xmlns:a16="http://schemas.microsoft.com/office/drawing/2014/main" id="{53BB03BC-33E6-4A5F-91A8-AA5460FFFA6A}"/>
+              </a:ext>
+            </a:extLst>
+          </p:cNvPr>
+          <p:cNvSpPr/>
+          <p:nvPr/>
+        </p:nvSpPr>
+        <p:spPr>
+          <a:xfrm>
+            <a:off x="685800" y="1727200"/>
+            <a:ext cx="1235528" cy="2819400"/>
+          </a:xfrm>
+          <a:prstGeom prst="rect">
+            <a:avLst/>
+          </a:prstGeom>
+        </p:spPr>
+        <p:style>
+          <a:lnRef idx="2">
+            <a:schemeClr val="accent6">
+              <a:shade val="50000"/>
+            </a:schemeClr>
+          </a:lnRef>
+          <a:fillRef idx="1">
+            <a:schemeClr val="accent6"/>
+          </a:fillRef>
+          <a:effectRef idx="0">
+            <a:schemeClr val="accent6"/>
+          </a:effectRef>
+          <a:fontRef idx="minor">
+            <a:schemeClr val="lt1"/>
+          </a:fontRef>
+        </p:style>
+        <p:txBody>
+          <a:bodyPr rtlCol="0" anchor="ctr"/>
+          <a:lstStyle/>
+          <a:p>
+            <a:pPr algn="ctr"/>
+            <a:r>
+              <a:rPr lang="en-US" dirty="0">
+                <a:solidFill>
+                  <a:schemeClr val="tx1"/>
+                </a:solidFill>
+              </a:rPr>
+              <a:t>API</a:t>
+            </a:r>
+          </a:p>
+          <a:p>
+            <a:pPr algn="ctr"/>
+            <a:r>
+              <a:rPr lang="en-US" dirty="0">
+                <a:solidFill>
+                  <a:schemeClr val="tx1"/>
+                </a:solidFill>
+              </a:rPr>
+              <a:t>(Presenter)</a:t>
+            </a:r>
+          </a:p>
+        </p:txBody>
+      </p:sp>
+      <p:sp>
+        <p:nvSpPr>
+          <p:cNvPr id="6" name="Rectangle 5">
+            <a:extLst>
+              <a:ext uri="{FF2B5EF4-FFF2-40B4-BE49-F238E27FC236}">
+                <a16:creationId xmlns:a16="http://schemas.microsoft.com/office/drawing/2014/main" id="{7BC18AFA-E98A-417F-8154-4BBC5F3CF83B}"/>
+              </a:ext>
+            </a:extLst>
+          </p:cNvPr>
+          <p:cNvSpPr/>
+          <p:nvPr/>
+        </p:nvSpPr>
+        <p:spPr>
+          <a:xfrm>
+            <a:off x="7794171" y="1727200"/>
+            <a:ext cx="990600" cy="2819400"/>
+          </a:xfrm>
+          <a:prstGeom prst="rect">
+            <a:avLst/>
+          </a:prstGeom>
+        </p:spPr>
+        <p:style>
+          <a:lnRef idx="2">
+            <a:schemeClr val="accent2">
+              <a:shade val="50000"/>
+            </a:schemeClr>
+          </a:lnRef>
+          <a:fillRef idx="1">
+            <a:schemeClr val="accent2"/>
+          </a:fillRef>
+          <a:effectRef idx="0">
+            <a:schemeClr val="accent2"/>
+          </a:effectRef>
+          <a:fontRef idx="minor">
+            <a:schemeClr val="lt1"/>
+          </a:fontRef>
+        </p:style>
+        <p:txBody>
+          <a:bodyPr rtlCol="0" anchor="ctr"/>
+          <a:lstStyle/>
+          <a:p>
+            <a:pPr algn="ctr"/>
+            <a:r>
+              <a:rPr lang="en-US" dirty="0">
+                <a:solidFill>
+                  <a:schemeClr val="tx1"/>
+                </a:solidFill>
+              </a:rPr>
+              <a:t>Domain</a:t>
+            </a:r>
+          </a:p>
+        </p:txBody>
+      </p:sp>
+      <p:sp>
+        <p:nvSpPr>
+          <p:cNvPr id="7" name="Rectangle 6">
+            <a:extLst>
+              <a:ext uri="{FF2B5EF4-FFF2-40B4-BE49-F238E27FC236}">
+                <a16:creationId xmlns:a16="http://schemas.microsoft.com/office/drawing/2014/main" id="{D93B9050-B594-42CA-B3E1-4B065A1B12A4}"/>
+              </a:ext>
+            </a:extLst>
+          </p:cNvPr>
+          <p:cNvSpPr/>
+          <p:nvPr/>
+        </p:nvSpPr>
+        <p:spPr>
+          <a:xfrm>
+            <a:off x="3381829" y="1727200"/>
+            <a:ext cx="990600" cy="2819400"/>
+          </a:xfrm>
+          <a:prstGeom prst="rect">
+            <a:avLst/>
+          </a:prstGeom>
+        </p:spPr>
+        <p:style>
+          <a:lnRef idx="2">
+            <a:schemeClr val="accent5">
+              <a:shade val="50000"/>
+            </a:schemeClr>
+          </a:lnRef>
+          <a:fillRef idx="1">
+            <a:schemeClr val="accent5"/>
+          </a:fillRef>
+          <a:effectRef idx="0">
+            <a:schemeClr val="accent5"/>
+          </a:effectRef>
+          <a:fontRef idx="minor">
+            <a:schemeClr val="lt1"/>
+          </a:fontRef>
+        </p:style>
+        <p:txBody>
+          <a:bodyPr rtlCol="0" anchor="ctr"/>
+          <a:lstStyle/>
+          <a:p>
+            <a:pPr algn="ctr"/>
+            <a:r>
+              <a:rPr lang="en-US" dirty="0">
+                <a:solidFill>
+                  <a:schemeClr val="tx1"/>
+                </a:solidFill>
+              </a:rPr>
+              <a:t>Handler</a:t>
+            </a:r>
+          </a:p>
+        </p:txBody>
+      </p:sp>
+      <p:sp>
+        <p:nvSpPr>
+          <p:cNvPr id="9" name="Arrow: Right 8">
+            <a:extLst>
+              <a:ext uri="{FF2B5EF4-FFF2-40B4-BE49-F238E27FC236}">
+                <a16:creationId xmlns:a16="http://schemas.microsoft.com/office/drawing/2014/main" id="{38CC5E85-C341-4132-89B1-E52486A3950E}"/>
+              </a:ext>
+            </a:extLst>
+          </p:cNvPr>
+          <p:cNvSpPr/>
+          <p:nvPr/>
+        </p:nvSpPr>
+        <p:spPr>
+          <a:xfrm>
+            <a:off x="2004786" y="2108200"/>
+            <a:ext cx="1293585" cy="685800"/>
+          </a:xfrm>
+          <a:prstGeom prst="rightArrow">
+            <a:avLst/>
+          </a:prstGeom>
+        </p:spPr>
+        <p:style>
+          <a:lnRef idx="2">
+            <a:schemeClr val="accent5">
+              <a:shade val="50000"/>
+            </a:schemeClr>
+          </a:lnRef>
+          <a:fillRef idx="1">
+            <a:schemeClr val="accent5"/>
+          </a:fillRef>
+          <a:effectRef idx="0">
+            <a:schemeClr val="accent5"/>
+          </a:effectRef>
+          <a:fontRef idx="minor">
+            <a:schemeClr val="lt1"/>
+          </a:fontRef>
+        </p:style>
+        <p:txBody>
+          <a:bodyPr rtlCol="0" anchor="ctr"/>
+          <a:lstStyle/>
+          <a:p>
+            <a:pPr algn="ctr"/>
+            <a:r>
+              <a:rPr lang="en-US" dirty="0">
+                <a:solidFill>
+                  <a:schemeClr val="tx1"/>
+                </a:solidFill>
+              </a:rPr>
+              <a:t>Request</a:t>
+            </a:r>
+          </a:p>
+        </p:txBody>
+      </p:sp>
+      <p:sp>
+        <p:nvSpPr>
+          <p:cNvPr id="11" name="Arrow: Left 10">
+            <a:extLst>
+              <a:ext uri="{FF2B5EF4-FFF2-40B4-BE49-F238E27FC236}">
+                <a16:creationId xmlns:a16="http://schemas.microsoft.com/office/drawing/2014/main" id="{EB02B24A-26D2-4927-8189-25AFD807675A}"/>
+              </a:ext>
+            </a:extLst>
+          </p:cNvPr>
+          <p:cNvSpPr/>
+          <p:nvPr/>
+        </p:nvSpPr>
+        <p:spPr>
+          <a:xfrm>
+            <a:off x="1963056" y="3632200"/>
+            <a:ext cx="1377043" cy="685800"/>
+          </a:xfrm>
+          <a:prstGeom prst="leftArrow">
+            <a:avLst/>
+          </a:prstGeom>
+        </p:spPr>
+        <p:style>
+          <a:lnRef idx="2">
+            <a:schemeClr val="accent5">
+              <a:shade val="50000"/>
+            </a:schemeClr>
+          </a:lnRef>
+          <a:fillRef idx="1">
+            <a:schemeClr val="accent5"/>
+          </a:fillRef>
+          <a:effectRef idx="0">
+            <a:schemeClr val="accent5"/>
+          </a:effectRef>
+          <a:fontRef idx="minor">
+            <a:schemeClr val="lt1"/>
+          </a:fontRef>
+        </p:style>
+        <p:txBody>
+          <a:bodyPr rtlCol="0" anchor="ctr"/>
+          <a:lstStyle/>
+          <a:p>
+            <a:pPr algn="ctr"/>
+            <a:r>
+              <a:rPr lang="en-US" dirty="0">
+                <a:solidFill>
+                  <a:schemeClr val="tx1"/>
+                </a:solidFill>
+              </a:rPr>
+              <a:t>Response</a:t>
+            </a:r>
+          </a:p>
+        </p:txBody>
+      </p:sp>
+      <p:sp>
+        <p:nvSpPr>
+          <p:cNvPr id="12" name="Rectangle 11">
+            <a:extLst>
+              <a:ext uri="{FF2B5EF4-FFF2-40B4-BE49-F238E27FC236}">
+                <a16:creationId xmlns:a16="http://schemas.microsoft.com/office/drawing/2014/main" id="{2297D402-3111-448F-B578-0D5E6BF0F0F0}"/>
+              </a:ext>
+            </a:extLst>
+          </p:cNvPr>
+          <p:cNvSpPr/>
+          <p:nvPr/>
+        </p:nvSpPr>
+        <p:spPr>
+          <a:xfrm>
+            <a:off x="4800600" y="1752600"/>
+            <a:ext cx="2618013" cy="2819400"/>
+          </a:xfrm>
+          <a:prstGeom prst="rect">
+            <a:avLst/>
+          </a:prstGeom>
+        </p:spPr>
+        <p:style>
+          <a:lnRef idx="2">
+            <a:schemeClr val="accent4">
+              <a:shade val="50000"/>
+            </a:schemeClr>
+          </a:lnRef>
+          <a:fillRef idx="1">
+            <a:schemeClr val="accent4"/>
+          </a:fillRef>
+          <a:effectRef idx="0">
+            <a:schemeClr val="accent4"/>
+          </a:effectRef>
+          <a:fontRef idx="minor">
+            <a:schemeClr val="lt1"/>
+          </a:fontRef>
+        </p:style>
+        <p:txBody>
+          <a:bodyPr rtlCol="0" anchor="ctr"/>
+          <a:lstStyle/>
+          <a:p>
+            <a:pPr algn="ctr"/>
+            <a:r>
+              <a:rPr lang="en-US" dirty="0">
+                <a:solidFill>
+                  <a:schemeClr val="tx1"/>
+                </a:solidFill>
+              </a:rPr>
+              <a:t>Unit of Work, Generic Repository, Event Bus,</a:t>
+            </a:r>
+          </a:p>
+          <a:p>
+            <a:pPr algn="ctr"/>
+            <a:r>
+              <a:rPr lang="en-US" dirty="0">
+                <a:solidFill>
+                  <a:schemeClr val="tx1"/>
+                </a:solidFill>
+              </a:rPr>
+              <a:t>Dependency Injection</a:t>
+            </a:r>
+          </a:p>
+          <a:p>
+            <a:pPr algn="ctr"/>
+            <a:r>
+              <a:rPr lang="en-US" dirty="0">
+                <a:solidFill>
+                  <a:schemeClr val="tx1"/>
+                </a:solidFill>
+              </a:rPr>
+              <a:t>…</a:t>
+            </a:r>
+          </a:p>
+        </p:txBody>
+      </p:sp>
+      <p:sp>
+        <p:nvSpPr>
+          <p:cNvPr id="17" name="Right Brace 16">
+            <a:extLst>
+              <a:ext uri="{FF2B5EF4-FFF2-40B4-BE49-F238E27FC236}">
+                <a16:creationId xmlns:a16="http://schemas.microsoft.com/office/drawing/2014/main" id="{7926F7FB-BD8D-4532-851B-925B274FEACA}"/>
+              </a:ext>
+            </a:extLst>
+          </p:cNvPr>
+          <p:cNvSpPr/>
+          <p:nvPr/>
+        </p:nvSpPr>
+        <p:spPr>
+          <a:xfrm rot="5400000">
+            <a:off x="7990114" y="4452257"/>
+            <a:ext cx="598714" cy="1143000"/>
+          </a:xfrm>
+          <a:prstGeom prst="rightBrace">
+            <a:avLst>
+              <a:gd name="adj1" fmla="val 8333"/>
+              <a:gd name="adj2" fmla="val 47460"/>
+            </a:avLst>
+          </a:prstGeom>
+        </p:spPr>
+        <p:style>
+          <a:lnRef idx="1">
+            <a:schemeClr val="accent1"/>
+          </a:lnRef>
+          <a:fillRef idx="0">
+            <a:schemeClr val="accent1"/>
+          </a:fillRef>
+          <a:effectRef idx="0">
+            <a:schemeClr val="accent1"/>
+          </a:effectRef>
+          <a:fontRef idx="minor">
+            <a:schemeClr val="tx1"/>
+          </a:fontRef>
+        </p:style>
+        <p:txBody>
+          <a:bodyPr rtlCol="0" anchor="ctr"/>
+          <a:lstStyle/>
+          <a:p>
+            <a:pPr algn="ctr"/>
+            <a:endParaRPr lang="en-US" dirty="0"/>
+          </a:p>
+        </p:txBody>
+      </p:sp>
+      <p:sp>
+        <p:nvSpPr>
+          <p:cNvPr id="18" name="Right Brace 17">
+            <a:extLst>
+              <a:ext uri="{FF2B5EF4-FFF2-40B4-BE49-F238E27FC236}">
+                <a16:creationId xmlns:a16="http://schemas.microsoft.com/office/drawing/2014/main" id="{12726FB7-999A-490F-B244-A3AC2E8F9F98}"/>
+              </a:ext>
+            </a:extLst>
+          </p:cNvPr>
+          <p:cNvSpPr/>
+          <p:nvPr/>
+        </p:nvSpPr>
+        <p:spPr>
+          <a:xfrm rot="5400000">
+            <a:off x="5810248" y="3714750"/>
+            <a:ext cx="598714" cy="2618013"/>
+          </a:xfrm>
+          <a:prstGeom prst="rightBrace">
+            <a:avLst>
+              <a:gd name="adj1" fmla="val 8333"/>
+              <a:gd name="adj2" fmla="val 47460"/>
+            </a:avLst>
+          </a:prstGeom>
+        </p:spPr>
+        <p:style>
+          <a:lnRef idx="1">
+            <a:schemeClr val="accent1"/>
+          </a:lnRef>
+          <a:fillRef idx="0">
+            <a:schemeClr val="accent1"/>
+          </a:fillRef>
+          <a:effectRef idx="0">
+            <a:schemeClr val="accent1"/>
+          </a:effectRef>
+          <a:fontRef idx="minor">
+            <a:schemeClr val="tx1"/>
+          </a:fontRef>
+        </p:style>
+        <p:txBody>
+          <a:bodyPr rtlCol="0" anchor="ctr"/>
+          <a:lstStyle/>
+          <a:p>
+            <a:pPr algn="ctr"/>
+            <a:endParaRPr lang="en-US" dirty="0"/>
+          </a:p>
+        </p:txBody>
+      </p:sp>
+      <p:sp>
+        <p:nvSpPr>
+          <p:cNvPr id="19" name="Right Brace 18">
+            <a:extLst>
+              <a:ext uri="{FF2B5EF4-FFF2-40B4-BE49-F238E27FC236}">
+                <a16:creationId xmlns:a16="http://schemas.microsoft.com/office/drawing/2014/main" id="{12568321-256A-43A0-BD26-983E92BEBD1F}"/>
+              </a:ext>
+            </a:extLst>
+          </p:cNvPr>
+          <p:cNvSpPr/>
+          <p:nvPr/>
+        </p:nvSpPr>
+        <p:spPr>
+          <a:xfrm rot="5400000">
+            <a:off x="2935968" y="3793218"/>
+            <a:ext cx="598714" cy="2461078"/>
+          </a:xfrm>
+          <a:prstGeom prst="rightBrace">
+            <a:avLst>
+              <a:gd name="adj1" fmla="val 8333"/>
+              <a:gd name="adj2" fmla="val 47460"/>
+            </a:avLst>
+          </a:prstGeom>
+        </p:spPr>
+        <p:style>
+          <a:lnRef idx="1">
+            <a:schemeClr val="accent1"/>
+          </a:lnRef>
+          <a:fillRef idx="0">
+            <a:schemeClr val="accent1"/>
+          </a:fillRef>
+          <a:effectRef idx="0">
+            <a:schemeClr val="accent1"/>
+          </a:effectRef>
+          <a:fontRef idx="minor">
+            <a:schemeClr val="tx1"/>
+          </a:fontRef>
+        </p:style>
+        <p:txBody>
+          <a:bodyPr rtlCol="0" anchor="ctr"/>
+          <a:lstStyle/>
+          <a:p>
+            <a:pPr algn="ctr"/>
+            <a:endParaRPr lang="en-US" dirty="0"/>
+          </a:p>
+        </p:txBody>
+      </p:sp>
+      <p:sp>
+        <p:nvSpPr>
+          <p:cNvPr id="20" name="Right Brace 19">
+            <a:extLst>
+              <a:ext uri="{FF2B5EF4-FFF2-40B4-BE49-F238E27FC236}">
+                <a16:creationId xmlns:a16="http://schemas.microsoft.com/office/drawing/2014/main" id="{7BE66AE6-E0BD-4755-AEC0-B7342B71ED65}"/>
+              </a:ext>
+            </a:extLst>
+          </p:cNvPr>
+          <p:cNvSpPr/>
+          <p:nvPr/>
+        </p:nvSpPr>
+        <p:spPr>
+          <a:xfrm rot="5400000">
+            <a:off x="1004207" y="4405992"/>
+            <a:ext cx="598714" cy="1235528"/>
+          </a:xfrm>
+          <a:prstGeom prst="rightBrace">
+            <a:avLst>
+              <a:gd name="adj1" fmla="val 8333"/>
+              <a:gd name="adj2" fmla="val 47460"/>
+            </a:avLst>
+          </a:prstGeom>
+        </p:spPr>
+        <p:style>
+          <a:lnRef idx="1">
+            <a:schemeClr val="accent1"/>
+          </a:lnRef>
+          <a:fillRef idx="0">
+            <a:schemeClr val="accent1"/>
+          </a:fillRef>
+          <a:effectRef idx="0">
+            <a:schemeClr val="accent1"/>
+          </a:effectRef>
+          <a:fontRef idx="minor">
+            <a:schemeClr val="tx1"/>
+          </a:fontRef>
+        </p:style>
+        <p:txBody>
+          <a:bodyPr rtlCol="0" anchor="ctr"/>
+          <a:lstStyle/>
+          <a:p>
+            <a:pPr algn="ctr"/>
+            <a:endParaRPr lang="en-US" dirty="0"/>
+          </a:p>
+        </p:txBody>
+      </p:sp>
+      <p:sp>
+        <p:nvSpPr>
+          <p:cNvPr id="21" name="Arrow: Right 20">
+            <a:extLst>
+              <a:ext uri="{FF2B5EF4-FFF2-40B4-BE49-F238E27FC236}">
+                <a16:creationId xmlns:a16="http://schemas.microsoft.com/office/drawing/2014/main" id="{3D3E9EC2-FC08-40CC-B1E2-C7FD44C1BCCD}"/>
+              </a:ext>
+            </a:extLst>
+          </p:cNvPr>
+          <p:cNvSpPr/>
+          <p:nvPr/>
+        </p:nvSpPr>
+        <p:spPr>
+          <a:xfrm>
+            <a:off x="72571" y="2933700"/>
+            <a:ext cx="504371" cy="457200"/>
+          </a:xfrm>
+          <a:prstGeom prst="rightArrow">
+            <a:avLst/>
+          </a:prstGeom>
+        </p:spPr>
+        <p:style>
+          <a:lnRef idx="2">
+            <a:schemeClr val="dk1">
+              <a:shade val="50000"/>
+            </a:schemeClr>
+          </a:lnRef>
+          <a:fillRef idx="1">
+            <a:schemeClr val="dk1"/>
+          </a:fillRef>
+          <a:effectRef idx="0">
+            <a:schemeClr val="dk1"/>
+          </a:effectRef>
+          <a:fontRef idx="minor">
+            <a:schemeClr val="lt1"/>
+          </a:fontRef>
+        </p:style>
+        <p:txBody>
+          <a:bodyPr rtlCol="0" anchor="ctr"/>
+          <a:lstStyle/>
+          <a:p>
+            <a:pPr algn="ctr"/>
+            <a:endParaRPr lang="en-US"/>
+          </a:p>
+        </p:txBody>
+      </p:sp>
+      <p:sp>
+        <p:nvSpPr>
+          <p:cNvPr id="22" name="TextBox 21">
+            <a:extLst>
+              <a:ext uri="{FF2B5EF4-FFF2-40B4-BE49-F238E27FC236}">
+                <a16:creationId xmlns:a16="http://schemas.microsoft.com/office/drawing/2014/main" id="{8B6B673F-BFD7-4FCA-8275-687A20A07F84}"/>
+              </a:ext>
+            </a:extLst>
+          </p:cNvPr>
+          <p:cNvSpPr txBox="1"/>
+          <p:nvPr/>
+        </p:nvSpPr>
+        <p:spPr>
+          <a:xfrm>
+            <a:off x="576942" y="5384800"/>
+            <a:ext cx="1698171" cy="369332"/>
+          </a:xfrm>
+          <a:prstGeom prst="rect">
+            <a:avLst/>
+          </a:prstGeom>
+          <a:noFill/>
+        </p:spPr>
+        <p:txBody>
+          <a:bodyPr wrap="square" rtlCol="0">
+            <a:spAutoFit/>
+          </a:bodyPr>
+          <a:lstStyle/>
+          <a:p>
+            <a:r>
+              <a:rPr lang="en-US" dirty="0"/>
+              <a:t>ASP.NET Core</a:t>
+            </a:r>
+          </a:p>
+        </p:txBody>
+      </p:sp>
+      <p:sp>
+        <p:nvSpPr>
+          <p:cNvPr id="23" name="TextBox 22">
+            <a:extLst>
+              <a:ext uri="{FF2B5EF4-FFF2-40B4-BE49-F238E27FC236}">
+                <a16:creationId xmlns:a16="http://schemas.microsoft.com/office/drawing/2014/main" id="{AD41604E-F60C-45E4-86CC-9FFB122535C7}"/>
+              </a:ext>
+            </a:extLst>
+          </p:cNvPr>
+          <p:cNvSpPr txBox="1"/>
+          <p:nvPr/>
+        </p:nvSpPr>
+        <p:spPr>
+          <a:xfrm>
+            <a:off x="2048780" y="5413829"/>
+            <a:ext cx="2740932" cy="369332"/>
+          </a:xfrm>
+          <a:prstGeom prst="rect">
+            <a:avLst/>
+          </a:prstGeom>
+          <a:noFill/>
+        </p:spPr>
+        <p:txBody>
+          <a:bodyPr wrap="square" rtlCol="0">
+            <a:spAutoFit/>
+          </a:bodyPr>
+          <a:lstStyle/>
+          <a:p>
+            <a:r>
+              <a:rPr lang="en-US" dirty="0" err="1"/>
+              <a:t>MediatR</a:t>
+            </a:r>
+            <a:r>
+              <a:rPr lang="en-US" dirty="0"/>
+              <a:t> &amp; </a:t>
+            </a:r>
+            <a:r>
+              <a:rPr lang="en-US" dirty="0" err="1"/>
+              <a:t>AutoMapper</a:t>
+            </a:r>
+            <a:endParaRPr lang="en-US" dirty="0"/>
+          </a:p>
+        </p:txBody>
+      </p:sp>
+      <p:sp>
+        <p:nvSpPr>
+          <p:cNvPr id="24" name="TextBox 23">
+            <a:extLst>
+              <a:ext uri="{FF2B5EF4-FFF2-40B4-BE49-F238E27FC236}">
+                <a16:creationId xmlns:a16="http://schemas.microsoft.com/office/drawing/2014/main" id="{2F4F5D6E-DF05-4B0D-B195-4C1BF0868B2D}"/>
+              </a:ext>
+            </a:extLst>
+          </p:cNvPr>
+          <p:cNvSpPr txBox="1"/>
+          <p:nvPr/>
+        </p:nvSpPr>
+        <p:spPr>
+          <a:xfrm>
+            <a:off x="4891084" y="5413829"/>
+            <a:ext cx="2740932" cy="923330"/>
+          </a:xfrm>
+          <a:prstGeom prst="rect">
+            <a:avLst/>
+          </a:prstGeom>
+          <a:noFill/>
+        </p:spPr>
+        <p:txBody>
+          <a:bodyPr wrap="square" rtlCol="0">
+            <a:spAutoFit/>
+          </a:bodyPr>
+          <a:lstStyle/>
+          <a:p>
+            <a:r>
+              <a:rPr lang="en-US" dirty="0"/>
+              <a:t>Entity Framework Core (SQL Server, MySQL, SQL Lite), Kafka, Swagger…</a:t>
+            </a:r>
+          </a:p>
+        </p:txBody>
+      </p:sp>
+      <p:sp>
+        <p:nvSpPr>
+          <p:cNvPr id="25" name="TextBox 24">
+            <a:extLst>
+              <a:ext uri="{FF2B5EF4-FFF2-40B4-BE49-F238E27FC236}">
+                <a16:creationId xmlns:a16="http://schemas.microsoft.com/office/drawing/2014/main" id="{71EE6E60-32BB-4EE6-8639-BCF9DC656347}"/>
+              </a:ext>
+            </a:extLst>
+          </p:cNvPr>
+          <p:cNvSpPr txBox="1"/>
+          <p:nvPr/>
+        </p:nvSpPr>
+        <p:spPr>
+          <a:xfrm>
+            <a:off x="7707988" y="5466248"/>
+            <a:ext cx="1722441" cy="369332"/>
+          </a:xfrm>
+          <a:prstGeom prst="rect">
+            <a:avLst/>
+          </a:prstGeom>
+          <a:noFill/>
+        </p:spPr>
+        <p:txBody>
+          <a:bodyPr wrap="square" rtlCol="0">
+            <a:spAutoFit/>
+          </a:bodyPr>
+          <a:lstStyle/>
+          <a:p>
+            <a:r>
+              <a:rPr lang="en-US" dirty="0"/>
+              <a:t>Pure C# Code</a:t>
+            </a:r>
+          </a:p>
+        </p:txBody>
+      </p:sp>
+      <p:sp>
+        <p:nvSpPr>
+          <p:cNvPr id="26" name="Oval 25">
+            <a:extLst>
+              <a:ext uri="{FF2B5EF4-FFF2-40B4-BE49-F238E27FC236}">
+                <a16:creationId xmlns:a16="http://schemas.microsoft.com/office/drawing/2014/main" id="{A8C202C1-6F5E-4F56-B952-B6C536E35EB3}"/>
+              </a:ext>
+            </a:extLst>
+          </p:cNvPr>
+          <p:cNvSpPr/>
+          <p:nvPr/>
+        </p:nvSpPr>
+        <p:spPr>
+          <a:xfrm>
+            <a:off x="1088571" y="1346200"/>
+            <a:ext cx="304800" cy="304800"/>
+          </a:xfrm>
+          <a:prstGeom prst="ellipse">
+            <a:avLst/>
+          </a:prstGeom>
+        </p:spPr>
+        <p:style>
+          <a:lnRef idx="2">
+            <a:schemeClr val="accent6">
+              <a:shade val="50000"/>
+            </a:schemeClr>
+          </a:lnRef>
+          <a:fillRef idx="1">
+            <a:schemeClr val="accent6"/>
+          </a:fillRef>
+          <a:effectRef idx="0">
+            <a:schemeClr val="accent6"/>
+          </a:effectRef>
+          <a:fontRef idx="minor">
+            <a:schemeClr val="lt1"/>
+          </a:fontRef>
+        </p:style>
+        <p:txBody>
+          <a:bodyPr rtlCol="0" anchor="ctr"/>
+          <a:lstStyle/>
+          <a:p>
+            <a:pPr algn="ctr"/>
+            <a:r>
+              <a:rPr lang="en-US" dirty="0">
+                <a:solidFill>
+                  <a:schemeClr val="tx1"/>
+                </a:solidFill>
+              </a:rPr>
+              <a:t>4</a:t>
+            </a:r>
+          </a:p>
+        </p:txBody>
+      </p:sp>
+      <p:sp>
+        <p:nvSpPr>
+          <p:cNvPr id="27" name="Oval 26">
+            <a:extLst>
+              <a:ext uri="{FF2B5EF4-FFF2-40B4-BE49-F238E27FC236}">
+                <a16:creationId xmlns:a16="http://schemas.microsoft.com/office/drawing/2014/main" id="{C542C7A4-9D3A-488A-BF0A-1B4AC876D2FD}"/>
+              </a:ext>
+            </a:extLst>
+          </p:cNvPr>
+          <p:cNvSpPr/>
+          <p:nvPr/>
+        </p:nvSpPr>
+        <p:spPr>
+          <a:xfrm>
+            <a:off x="8137071" y="1346200"/>
+            <a:ext cx="304800" cy="304800"/>
+          </a:xfrm>
+          <a:prstGeom prst="ellipse">
+            <a:avLst/>
+          </a:prstGeom>
+        </p:spPr>
+        <p:style>
+          <a:lnRef idx="2">
+            <a:schemeClr val="accent2">
+              <a:shade val="50000"/>
+            </a:schemeClr>
+          </a:lnRef>
+          <a:fillRef idx="1">
+            <a:schemeClr val="accent2"/>
+          </a:fillRef>
+          <a:effectRef idx="0">
+            <a:schemeClr val="accent2"/>
+          </a:effectRef>
+          <a:fontRef idx="minor">
+            <a:schemeClr val="lt1"/>
+          </a:fontRef>
+        </p:style>
+        <p:txBody>
+          <a:bodyPr rtlCol="0" anchor="ctr"/>
+          <a:lstStyle/>
+          <a:p>
+            <a:pPr algn="ctr"/>
+            <a:r>
+              <a:rPr lang="en-US" dirty="0">
+                <a:solidFill>
+                  <a:schemeClr val="tx1"/>
+                </a:solidFill>
+              </a:rPr>
+              <a:t>1</a:t>
+            </a:r>
+          </a:p>
+        </p:txBody>
+      </p:sp>
+      <p:sp>
+        <p:nvSpPr>
+          <p:cNvPr id="28" name="Oval 27">
+            <a:extLst>
+              <a:ext uri="{FF2B5EF4-FFF2-40B4-BE49-F238E27FC236}">
+                <a16:creationId xmlns:a16="http://schemas.microsoft.com/office/drawing/2014/main" id="{3385176E-73DA-407F-B7D8-7F92BF86C41B}"/>
+              </a:ext>
+            </a:extLst>
+          </p:cNvPr>
+          <p:cNvSpPr/>
+          <p:nvPr/>
+        </p:nvSpPr>
+        <p:spPr>
+          <a:xfrm>
+            <a:off x="5889171" y="1320801"/>
+            <a:ext cx="304800" cy="304800"/>
+          </a:xfrm>
+          <a:prstGeom prst="ellipse">
+            <a:avLst/>
+          </a:prstGeom>
+        </p:spPr>
+        <p:style>
+          <a:lnRef idx="2">
+            <a:schemeClr val="accent4">
+              <a:shade val="50000"/>
+            </a:schemeClr>
+          </a:lnRef>
+          <a:fillRef idx="1">
+            <a:schemeClr val="accent4"/>
+          </a:fillRef>
+          <a:effectRef idx="0">
+            <a:schemeClr val="accent4"/>
+          </a:effectRef>
+          <a:fontRef idx="minor">
+            <a:schemeClr val="lt1"/>
+          </a:fontRef>
+        </p:style>
+        <p:txBody>
+          <a:bodyPr rtlCol="0" anchor="ctr"/>
+          <a:lstStyle/>
+          <a:p>
+            <a:pPr algn="ctr"/>
+            <a:r>
+              <a:rPr lang="en-US" dirty="0">
+                <a:solidFill>
+                  <a:schemeClr val="tx1"/>
+                </a:solidFill>
+              </a:rPr>
+              <a:t>2</a:t>
+            </a:r>
+          </a:p>
+        </p:txBody>
+      </p:sp>
+      <p:sp>
+        <p:nvSpPr>
+          <p:cNvPr id="29" name="Oval 28">
+            <a:extLst>
+              <a:ext uri="{FF2B5EF4-FFF2-40B4-BE49-F238E27FC236}">
+                <a16:creationId xmlns:a16="http://schemas.microsoft.com/office/drawing/2014/main" id="{A1F4FBE7-6BDE-4B95-BA75-597DBB4D0344}"/>
+              </a:ext>
+            </a:extLst>
+          </p:cNvPr>
+          <p:cNvSpPr/>
+          <p:nvPr/>
+        </p:nvSpPr>
+        <p:spPr>
+          <a:xfrm>
+            <a:off x="3724729" y="1320801"/>
+            <a:ext cx="304800" cy="304800"/>
+          </a:xfrm>
+          <a:prstGeom prst="ellipse">
+            <a:avLst/>
+          </a:prstGeom>
+        </p:spPr>
+        <p:style>
+          <a:lnRef idx="2">
+            <a:schemeClr val="accent5">
+              <a:shade val="50000"/>
+            </a:schemeClr>
+          </a:lnRef>
+          <a:fillRef idx="1">
+            <a:schemeClr val="accent5"/>
+          </a:fillRef>
+          <a:effectRef idx="0">
+            <a:schemeClr val="accent5"/>
+          </a:effectRef>
+          <a:fontRef idx="minor">
+            <a:schemeClr val="lt1"/>
+          </a:fontRef>
+        </p:style>
+        <p:txBody>
+          <a:bodyPr rtlCol="0" anchor="ctr"/>
+          <a:lstStyle/>
+          <a:p>
+            <a:pPr algn="ctr"/>
+            <a:r>
+              <a:rPr lang="en-US" dirty="0">
+                <a:solidFill>
+                  <a:schemeClr val="tx1"/>
+                </a:solidFill>
+              </a:rPr>
+              <a:t>3</a:t>
+            </a:r>
+          </a:p>
+        </p:txBody>
+      </p:sp>
+      <p:sp>
+        <p:nvSpPr>
+          <p:cNvPr id="30" name="TextBox 29">
+            <a:extLst>
+              <a:ext uri="{FF2B5EF4-FFF2-40B4-BE49-F238E27FC236}">
+                <a16:creationId xmlns:a16="http://schemas.microsoft.com/office/drawing/2014/main" id="{2EE66B73-9972-4B74-B7E3-0E41359B77CF}"/>
+              </a:ext>
+            </a:extLst>
+          </p:cNvPr>
+          <p:cNvSpPr txBox="1"/>
+          <p:nvPr/>
+        </p:nvSpPr>
+        <p:spPr>
+          <a:xfrm>
+            <a:off x="1926771" y="480537"/>
+            <a:ext cx="5867400" cy="646331"/>
+          </a:xfrm>
+          <a:prstGeom prst="rect">
+            <a:avLst/>
+          </a:prstGeom>
+          <a:noFill/>
+        </p:spPr>
+        <p:txBody>
+          <a:bodyPr wrap="square" rtlCol="0">
+            <a:spAutoFit/>
+          </a:bodyPr>
+          <a:lstStyle/>
+          <a:p>
+            <a:r>
+              <a:rPr lang="en-US" sz="3600" dirty="0"/>
+              <a:t>Clean Domain-Driven Design</a:t>
+            </a:r>
+          </a:p>
+        </p:txBody>
+      </p:sp>
+      <p:sp>
+        <p:nvSpPr>
+          <p:cNvPr id="31" name="TextBox 30">
+            <a:extLst>
+              <a:ext uri="{FF2B5EF4-FFF2-40B4-BE49-F238E27FC236}">
+                <a16:creationId xmlns:a16="http://schemas.microsoft.com/office/drawing/2014/main" id="{FC4DBFCC-C9B4-438C-937C-13BACE259FEE}"/>
+              </a:ext>
+            </a:extLst>
+          </p:cNvPr>
+          <p:cNvSpPr txBox="1"/>
+          <p:nvPr/>
+        </p:nvSpPr>
+        <p:spPr>
+          <a:xfrm>
+            <a:off x="5257800" y="6557495"/>
+            <a:ext cx="5582762" cy="276999"/>
+          </a:xfrm>
+          <a:prstGeom prst="rect">
+            <a:avLst/>
+          </a:prstGeom>
+          <a:noFill/>
+        </p:spPr>
+        <p:txBody>
+          <a:bodyPr wrap="square" rtlCol="0">
+            <a:spAutoFit/>
+          </a:bodyPr>
+          <a:lstStyle/>
+          <a:p>
+            <a:r>
+              <a:rPr lang="en-US" sz="1200" b="1" dirty="0"/>
+              <a:t>https://github.com/vietnam-devs/coolstore-microservices</a:t>
+            </a:r>
+          </a:p>
+        </p:txBody>
+      </p:sp>
+    </p:spTree>
+    <p:extLst>
+      <p:ext uri="{BB962C8B-B14F-4D97-AF65-F5344CB8AC3E}">
+        <p14:creationId xmlns:p14="http://schemas.microsoft.com/office/powerpoint/2010/main" val="1081914155"/>
+      </p:ext>
+    </p:extLst>
+  </p:cSld>
+  <p:clrMapOvr>
+    <a:masterClrMapping/>
+  </p:clrMapOvr>
+</p:sld>
+</file>
+
+<file path=ppt/slides/slide5.xml><?xml version="1.0" encoding="utf-8"?>
+<p:sld xmlns:a="http://schemas.openxmlformats.org/drawingml/2006/main" xmlns:r="http://schemas.openxmlformats.org/officeDocument/2006/relationships" xmlns:p="http://schemas.openxmlformats.org/presentationml/2006/main">
+  <p:cSld>
     <p:bg>
       <p:bgPr>
         <a:solidFill>
@@ -3464,36 +6771,6 @@
           </a:extLst>
         </p:spPr>
       </p:pic>
-      <p:pic>
-        <p:nvPicPr>
-          <p:cNvPr id="17" name="Picture 16">
-            <a:extLst>
-              <a:ext uri="{FF2B5EF4-FFF2-40B4-BE49-F238E27FC236}">
-                <a16:creationId xmlns:a16="http://schemas.microsoft.com/office/drawing/2014/main" id="{4104EB0C-723A-4FD7-9F77-AA0735EDC421}"/>
-              </a:ext>
-            </a:extLst>
-          </p:cNvPr>
-          <p:cNvPicPr>
-            <a:picLocks noChangeAspect="1"/>
-          </p:cNvPicPr>
-          <p:nvPr/>
-        </p:nvPicPr>
-        <p:blipFill>
-          <a:blip r:embed="rId3"/>
-          <a:stretch>
-            <a:fillRect/>
-          </a:stretch>
-        </p:blipFill>
-        <p:spPr>
-          <a:xfrm>
-            <a:off x="152400" y="228600"/>
-            <a:ext cx="2837378" cy="6248400"/>
-          </a:xfrm>
-          <a:prstGeom prst="rect">
-            <a:avLst/>
-          </a:prstGeom>
-        </p:spPr>
-      </p:pic>
       <p:sp>
         <p:nvSpPr>
           <p:cNvPr id="62" name="Arrow: Left-Right 61">
@@ -3540,6 +6817,106 @@
           </a:p>
         </p:txBody>
       </p:sp>
+      <p:pic>
+        <p:nvPicPr>
+          <p:cNvPr id="3" name="Picture 2">
+            <a:extLst>
+              <a:ext uri="{FF2B5EF4-FFF2-40B4-BE49-F238E27FC236}">
+                <a16:creationId xmlns:a16="http://schemas.microsoft.com/office/drawing/2014/main" id="{38F92D08-878F-434C-8B0C-42F1662C8C92}"/>
+              </a:ext>
+            </a:extLst>
+          </p:cNvPr>
+          <p:cNvPicPr>
+            <a:picLocks noChangeAspect="1"/>
+          </p:cNvPicPr>
+          <p:nvPr/>
+        </p:nvPicPr>
+        <p:blipFill>
+          <a:blip r:embed="rId3"/>
+          <a:stretch>
+            <a:fillRect/>
+          </a:stretch>
+        </p:blipFill>
+        <p:spPr>
+          <a:xfrm>
+            <a:off x="304800" y="199304"/>
+            <a:ext cx="2590800" cy="6459392"/>
+          </a:xfrm>
+          <a:prstGeom prst="rect">
+            <a:avLst/>
+          </a:prstGeom>
+        </p:spPr>
+      </p:pic>
+      <p:sp>
+        <p:nvSpPr>
+          <p:cNvPr id="7" name="TextBox 6">
+            <a:extLst>
+              <a:ext uri="{FF2B5EF4-FFF2-40B4-BE49-F238E27FC236}">
+                <a16:creationId xmlns:a16="http://schemas.microsoft.com/office/drawing/2014/main" id="{513CA704-6C79-4360-AD74-CAC028969EE3}"/>
+              </a:ext>
+            </a:extLst>
+          </p:cNvPr>
+          <p:cNvSpPr txBox="1"/>
+          <p:nvPr/>
+        </p:nvSpPr>
+        <p:spPr>
+          <a:xfrm>
+            <a:off x="3314702" y="457200"/>
+            <a:ext cx="5867400" cy="646331"/>
+          </a:xfrm>
+          <a:prstGeom prst="rect">
+            <a:avLst/>
+          </a:prstGeom>
+          <a:noFill/>
+        </p:spPr>
+        <p:txBody>
+          <a:bodyPr wrap="square" rtlCol="0">
+            <a:spAutoFit/>
+          </a:bodyPr>
+          <a:lstStyle/>
+          <a:p>
+            <a:r>
+              <a:rPr lang="en-US" sz="3600" dirty="0"/>
+              <a:t>Clean Domain-Driven Design</a:t>
+            </a:r>
+          </a:p>
+        </p:txBody>
+      </p:sp>
+      <p:sp>
+        <p:nvSpPr>
+          <p:cNvPr id="8" name="TextBox 7">
+            <a:extLst>
+              <a:ext uri="{FF2B5EF4-FFF2-40B4-BE49-F238E27FC236}">
+                <a16:creationId xmlns:a16="http://schemas.microsoft.com/office/drawing/2014/main" id="{7DE36AD1-333E-426F-9D3D-F0BF425D6EAD}"/>
+              </a:ext>
+            </a:extLst>
+          </p:cNvPr>
+          <p:cNvSpPr txBox="1"/>
+          <p:nvPr/>
+        </p:nvSpPr>
+        <p:spPr>
+          <a:xfrm>
+            <a:off x="5181600" y="6477000"/>
+            <a:ext cx="5582762" cy="276999"/>
+          </a:xfrm>
+          <a:prstGeom prst="rect">
+            <a:avLst/>
+          </a:prstGeom>
+          <a:noFill/>
+        </p:spPr>
+        <p:txBody>
+          <a:bodyPr wrap="square" rtlCol="0">
+            <a:spAutoFit/>
+          </a:bodyPr>
+          <a:lstStyle/>
+          <a:p>
+            <a:r>
+              <a:rPr lang="en-US" sz="1200" b="1" dirty="0"/>
+              <a:t>https://github.com/vietnam-devs/coolstore-microservices</a:t>
+            </a:r>
+          </a:p>
+        </p:txBody>
+      </p:sp>
     </p:spTree>
     <p:extLst>
       <p:ext uri="{BB962C8B-B14F-4D97-AF65-F5344CB8AC3E}">
@@ -3553,7 +6930,7 @@
 </p:sld>
 </file>
 
-<file path=ppt/slides/slide3.xml><?xml version="1.0" encoding="utf-8"?>
+<file path=ppt/slides/slide6.xml><?xml version="1.0" encoding="utf-8"?>
 <p:sld xmlns:a="http://schemas.openxmlformats.org/drawingml/2006/main" xmlns:r="http://schemas.openxmlformats.org/officeDocument/2006/relationships" xmlns:p="http://schemas.openxmlformats.org/presentationml/2006/main">
   <p:cSld>
     <p:spTree>
@@ -8886,7 +12263,7 @@
 </p:sld>
 </file>
 
-<file path=ppt/slides/slide4.xml><?xml version="1.0" encoding="utf-8"?>
+<file path=ppt/slides/slide7.xml><?xml version="1.0" encoding="utf-8"?>
 <p:sld xmlns:a="http://schemas.openxmlformats.org/drawingml/2006/main" xmlns:r="http://schemas.openxmlformats.org/officeDocument/2006/relationships" xmlns:p="http://schemas.openxmlformats.org/presentationml/2006/main">
   <p:cSld>
     <p:spTree>
@@ -11701,7 +15078,7 @@
 </p:sld>
 </file>
 
-<file path=ppt/slides/slide5.xml><?xml version="1.0" encoding="utf-8"?>
+<file path=ppt/slides/slide8.xml><?xml version="1.0" encoding="utf-8"?>
 <p:sld xmlns:a="http://schemas.openxmlformats.org/drawingml/2006/main" xmlns:r="http://schemas.openxmlformats.org/officeDocument/2006/relationships" xmlns:p="http://schemas.openxmlformats.org/presentationml/2006/main">
   <p:cSld>
     <p:spTree>
@@ -13540,4 +16917,299 @@
     </a:ext>
   </a:extLst>
 </a:theme>
+</file>
+
+<file path=ppt/theme/theme2.xml><?xml version="1.0" encoding="utf-8"?>
+<a:theme xmlns:a="http://schemas.openxmlformats.org/drawingml/2006/main" name="Office Theme">
+  <a:themeElements>
+    <a:clrScheme name="Office">
+      <a:dk1>
+        <a:sysClr val="windowText" lastClr="000000"/>
+      </a:dk1>
+      <a:lt1>
+        <a:sysClr val="window" lastClr="FFFFFF"/>
+      </a:lt1>
+      <a:dk2>
+        <a:srgbClr val="44546A"/>
+      </a:dk2>
+      <a:lt2>
+        <a:srgbClr val="E7E6E6"/>
+      </a:lt2>
+      <a:accent1>
+        <a:srgbClr val="4472C4"/>
+      </a:accent1>
+      <a:accent2>
+        <a:srgbClr val="ED7D31"/>
+      </a:accent2>
+      <a:accent3>
+        <a:srgbClr val="A5A5A5"/>
+      </a:accent3>
+      <a:accent4>
+        <a:srgbClr val="FFC000"/>
+      </a:accent4>
+      <a:accent5>
+        <a:srgbClr val="5B9BD5"/>
+      </a:accent5>
+      <a:accent6>
+        <a:srgbClr val="70AD47"/>
+      </a:accent6>
+      <a:hlink>
+        <a:srgbClr val="0563C1"/>
+      </a:hlink>
+      <a:folHlink>
+        <a:srgbClr val="954F72"/>
+      </a:folHlink>
+    </a:clrScheme>
+    <a:fontScheme name="Office">
+      <a:majorFont>
+        <a:latin typeface="Calibri Light" panose="020F0302020204030204"/>
+        <a:ea typeface=""/>
+        <a:cs typeface=""/>
+        <a:font script="Jpan" typeface="游ゴシック Light"/>
+        <a:font script="Hang" typeface="맑은 고딕"/>
+        <a:font script="Hans" typeface="等线 Light"/>
+        <a:font script="Hant" typeface="新細明體"/>
+        <a:font script="Arab" typeface="Times New Roman"/>
+        <a:font script="Hebr" typeface="Times New Roman"/>
+        <a:font script="Thai" typeface="Angsana New"/>
+        <a:font script="Ethi" typeface="Nyala"/>
+        <a:font script="Beng" typeface="Vrinda"/>
+        <a:font script="Gujr" typeface="Shruti"/>
+        <a:font script="Khmr" typeface="MoolBoran"/>
+        <a:font script="Knda" typeface="Tunga"/>
+        <a:font script="Guru" typeface="Raavi"/>
+        <a:font script="Cans" typeface="Euphemia"/>
+        <a:font script="Cher" typeface="Plantagenet Cherokee"/>
+        <a:font script="Yiii" typeface="Microsoft Yi Baiti"/>
+        <a:font script="Tibt" typeface="Microsoft Himalaya"/>
+        <a:font script="Thaa" typeface="MV Boli"/>
+        <a:font script="Deva" typeface="Mangal"/>
+        <a:font script="Telu" typeface="Gautami"/>
+        <a:font script="Taml" typeface="Latha"/>
+        <a:font script="Syrc" typeface="Estrangelo Edessa"/>
+        <a:font script="Orya" typeface="Kalinga"/>
+        <a:font script="Mlym" typeface="Kartika"/>
+        <a:font script="Laoo" typeface="DokChampa"/>
+        <a:font script="Sinh" typeface="Iskoola Pota"/>
+        <a:font script="Mong" typeface="Mongolian Baiti"/>
+        <a:font script="Viet" typeface="Times New Roman"/>
+        <a:font script="Uigh" typeface="Microsoft Uighur"/>
+        <a:font script="Geor" typeface="Sylfaen"/>
+        <a:font script="Armn" typeface="Arial"/>
+        <a:font script="Bugi" typeface="Leelawadee UI"/>
+        <a:font script="Bopo" typeface="Microsoft JhengHei"/>
+        <a:font script="Java" typeface="Javanese Text"/>
+        <a:font script="Lisu" typeface="Segoe UI"/>
+        <a:font script="Mymr" typeface="Myanmar Text"/>
+        <a:font script="Nkoo" typeface="Ebrima"/>
+        <a:font script="Olck" typeface="Nirmala UI"/>
+        <a:font script="Osma" typeface="Ebrima"/>
+        <a:font script="Phag" typeface="Phagspa"/>
+        <a:font script="Syrn" typeface="Estrangelo Edessa"/>
+        <a:font script="Syrj" typeface="Estrangelo Edessa"/>
+        <a:font script="Syre" typeface="Estrangelo Edessa"/>
+        <a:font script="Sora" typeface="Nirmala UI"/>
+        <a:font script="Tale" typeface="Microsoft Tai Le"/>
+        <a:font script="Talu" typeface="Microsoft New Tai Lue"/>
+        <a:font script="Tfng" typeface="Ebrima"/>
+      </a:majorFont>
+      <a:minorFont>
+        <a:latin typeface="Calibri" panose="020F0502020204030204"/>
+        <a:ea typeface=""/>
+        <a:cs typeface=""/>
+        <a:font script="Jpan" typeface="游ゴシック"/>
+        <a:font script="Hang" typeface="맑은 고딕"/>
+        <a:font script="Hans" typeface="等线"/>
+        <a:font script="Hant" typeface="新細明體"/>
+        <a:font script="Arab" typeface="Arial"/>
+        <a:font script="Hebr" typeface="Arial"/>
+        <a:font script="Thai" typeface="Cordia New"/>
+        <a:font script="Ethi" typeface="Nyala"/>
+        <a:font script="Beng" typeface="Vrinda"/>
+        <a:font script="Gujr" typeface="Shruti"/>
+        <a:font script="Khmr" typeface="DaunPenh"/>
+        <a:font script="Knda" typeface="Tunga"/>
+        <a:font script="Guru" typeface="Raavi"/>
+        <a:font script="Cans" typeface="Euphemia"/>
+        <a:font script="Cher" typeface="Plantagenet Cherokee"/>
+        <a:font script="Yiii" typeface="Microsoft Yi Baiti"/>
+        <a:font script="Tibt" typeface="Microsoft Himalaya"/>
+        <a:font script="Thaa" typeface="MV Boli"/>
+        <a:font script="Deva" typeface="Mangal"/>
+        <a:font script="Telu" typeface="Gautami"/>
+        <a:font script="Taml" typeface="Latha"/>
+        <a:font script="Syrc" typeface="Estrangelo Edessa"/>
+        <a:font script="Orya" typeface="Kalinga"/>
+        <a:font script="Mlym" typeface="Kartika"/>
+        <a:font script="Laoo" typeface="DokChampa"/>
+        <a:font script="Sinh" typeface="Iskoola Pota"/>
+        <a:font script="Mong" typeface="Mongolian Baiti"/>
+        <a:font script="Viet" typeface="Arial"/>
+        <a:font script="Uigh" typeface="Microsoft Uighur"/>
+        <a:font script="Geor" typeface="Sylfaen"/>
+        <a:font script="Armn" typeface="Arial"/>
+        <a:font script="Bugi" typeface="Leelawadee UI"/>
+        <a:font script="Bopo" typeface="Microsoft JhengHei"/>
+        <a:font script="Java" typeface="Javanese Text"/>
+        <a:font script="Lisu" typeface="Segoe UI"/>
+        <a:font script="Mymr" typeface="Myanmar Text"/>
+        <a:font script="Nkoo" typeface="Ebrima"/>
+        <a:font script="Olck" typeface="Nirmala UI"/>
+        <a:font script="Osma" typeface="Ebrima"/>
+        <a:font script="Phag" typeface="Phagspa"/>
+        <a:font script="Syrn" typeface="Estrangelo Edessa"/>
+        <a:font script="Syrj" typeface="Estrangelo Edessa"/>
+        <a:font script="Syre" typeface="Estrangelo Edessa"/>
+        <a:font script="Sora" typeface="Nirmala UI"/>
+        <a:font script="Tale" typeface="Microsoft Tai Le"/>
+        <a:font script="Talu" typeface="Microsoft New Tai Lue"/>
+        <a:font script="Tfng" typeface="Ebrima"/>
+      </a:minorFont>
+    </a:fontScheme>
+    <a:fmtScheme name="Office">
+      <a:fillStyleLst>
+        <a:solidFill>
+          <a:schemeClr val="phClr"/>
+        </a:solidFill>
+        <a:gradFill rotWithShape="1">
+          <a:gsLst>
+            <a:gs pos="0">
+              <a:schemeClr val="phClr">
+                <a:lumMod val="110000"/>
+                <a:satMod val="105000"/>
+                <a:tint val="67000"/>
+              </a:schemeClr>
+            </a:gs>
+            <a:gs pos="50000">
+              <a:schemeClr val="phClr">
+                <a:lumMod val="105000"/>
+                <a:satMod val="103000"/>
+                <a:tint val="73000"/>
+              </a:schemeClr>
+            </a:gs>
+            <a:gs pos="100000">
+              <a:schemeClr val="phClr">
+                <a:lumMod val="105000"/>
+                <a:satMod val="109000"/>
+                <a:tint val="81000"/>
+              </a:schemeClr>
+            </a:gs>
+          </a:gsLst>
+          <a:lin ang="5400000" scaled="0"/>
+        </a:gradFill>
+        <a:gradFill rotWithShape="1">
+          <a:gsLst>
+            <a:gs pos="0">
+              <a:schemeClr val="phClr">
+                <a:satMod val="103000"/>
+                <a:lumMod val="102000"/>
+                <a:tint val="94000"/>
+              </a:schemeClr>
+            </a:gs>
+            <a:gs pos="50000">
+              <a:schemeClr val="phClr">
+                <a:satMod val="110000"/>
+                <a:lumMod val="100000"/>
+                <a:shade val="100000"/>
+              </a:schemeClr>
+            </a:gs>
+            <a:gs pos="100000">
+              <a:schemeClr val="phClr">
+                <a:lumMod val="99000"/>
+                <a:satMod val="120000"/>
+                <a:shade val="78000"/>
+              </a:schemeClr>
+            </a:gs>
+          </a:gsLst>
+          <a:lin ang="5400000" scaled="0"/>
+        </a:gradFill>
+      </a:fillStyleLst>
+      <a:lnStyleLst>
+        <a:ln w="6350" cap="flat" cmpd="sng" algn="ctr">
+          <a:solidFill>
+            <a:schemeClr val="phClr"/>
+          </a:solidFill>
+          <a:prstDash val="solid"/>
+          <a:miter lim="800000"/>
+        </a:ln>
+        <a:ln w="12700" cap="flat" cmpd="sng" algn="ctr">
+          <a:solidFill>
+            <a:schemeClr val="phClr"/>
+          </a:solidFill>
+          <a:prstDash val="solid"/>
+          <a:miter lim="800000"/>
+        </a:ln>
+        <a:ln w="19050" cap="flat" cmpd="sng" algn="ctr">
+          <a:solidFill>
+            <a:schemeClr val="phClr"/>
+          </a:solidFill>
+          <a:prstDash val="solid"/>
+          <a:miter lim="800000"/>
+        </a:ln>
+      </a:lnStyleLst>
+      <a:effectStyleLst>
+        <a:effectStyle>
+          <a:effectLst/>
+        </a:effectStyle>
+        <a:effectStyle>
+          <a:effectLst/>
+        </a:effectStyle>
+        <a:effectStyle>
+          <a:effectLst>
+            <a:outerShdw blurRad="57150" dist="19050" dir="5400000" algn="ctr" rotWithShape="0">
+              <a:srgbClr val="000000">
+                <a:alpha val="63000"/>
+              </a:srgbClr>
+            </a:outerShdw>
+          </a:effectLst>
+        </a:effectStyle>
+      </a:effectStyleLst>
+      <a:bgFillStyleLst>
+        <a:solidFill>
+          <a:schemeClr val="phClr"/>
+        </a:solidFill>
+        <a:solidFill>
+          <a:schemeClr val="phClr">
+            <a:tint val="95000"/>
+            <a:satMod val="170000"/>
+          </a:schemeClr>
+        </a:solidFill>
+        <a:gradFill rotWithShape="1">
+          <a:gsLst>
+            <a:gs pos="0">
+              <a:schemeClr val="phClr">
+                <a:tint val="93000"/>
+                <a:satMod val="150000"/>
+                <a:shade val="98000"/>
+                <a:lumMod val="102000"/>
+              </a:schemeClr>
+            </a:gs>
+            <a:gs pos="50000">
+              <a:schemeClr val="phClr">
+                <a:tint val="98000"/>
+                <a:satMod val="130000"/>
+                <a:shade val="90000"/>
+                <a:lumMod val="103000"/>
+              </a:schemeClr>
+            </a:gs>
+            <a:gs pos="100000">
+              <a:schemeClr val="phClr">
+                <a:shade val="63000"/>
+                <a:satMod val="120000"/>
+              </a:schemeClr>
+            </a:gs>
+          </a:gsLst>
+          <a:lin ang="5400000" scaled="0"/>
+        </a:gradFill>
+      </a:bgFillStyleLst>
+    </a:fmtScheme>
+  </a:themeElements>
+  <a:objectDefaults/>
+  <a:extraClrSchemeLst/>
+  <a:extLst>
+    <a:ext uri="{05A4C25C-085E-4340-85A3-A5531E510DB2}">
+      <thm15:themeFamily xmlns:thm15="http://schemas.microsoft.com/office/thememl/2012/main" name="Office Theme" id="{62F939B6-93AF-4DB8-9C6B-D6C7DFDC589F}" vid="{4A3C46E8-61CC-4603-A589-7422A47A8E4A}"/>
+    </a:ext>
+  </a:extLst>
+</a:theme>
 </file>
--- a/assets/state-of-the-art.pptx
+++ b/assets/state-of-the-art.pptx
@@ -5,17 +5,19 @@
     <p:sldMasterId id="2147483672" r:id="rId1"/>
   </p:sldMasterIdLst>
   <p:notesMasterIdLst>
-    <p:notesMasterId r:id="rId10"/>
+    <p:notesMasterId r:id="rId12"/>
   </p:notesMasterIdLst>
   <p:sldIdLst>
     <p:sldId id="256" r:id="rId2"/>
     <p:sldId id="263" r:id="rId3"/>
-    <p:sldId id="262" r:id="rId4"/>
-    <p:sldId id="261" r:id="rId5"/>
-    <p:sldId id="260" r:id="rId6"/>
-    <p:sldId id="259" r:id="rId7"/>
-    <p:sldId id="258" r:id="rId8"/>
-    <p:sldId id="257" r:id="rId9"/>
+    <p:sldId id="265" r:id="rId4"/>
+    <p:sldId id="264" r:id="rId5"/>
+    <p:sldId id="262" r:id="rId6"/>
+    <p:sldId id="261" r:id="rId7"/>
+    <p:sldId id="260" r:id="rId8"/>
+    <p:sldId id="259" r:id="rId9"/>
+    <p:sldId id="258" r:id="rId10"/>
+    <p:sldId id="257" r:id="rId11"/>
   </p:sldIdLst>
   <p:sldSz cx="9144000" cy="6858000" type="screen4x3"/>
   <p:notesSz cx="6858000" cy="9144000"/>
@@ -215,7 +217,7 @@
           <a:p>
             <a:fld id="{6F691532-B6D6-4700-A728-C2B52154D95E}" type="datetimeFigureOut">
               <a:rPr lang="en-US" smtClean="0"/>
-              <a:t>9/7/2018</a:t>
+              <a:t>9/20/2018</a:t>
             </a:fld>
             <a:endParaRPr lang="en-US"/>
           </a:p>
@@ -566,6 +568,90 @@
 </p:notes>
 </file>
 
+<file path=ppt/notesSlides/notesSlide2.xml><?xml version="1.0" encoding="utf-8"?>
+<p:notes xmlns:a="http://schemas.openxmlformats.org/drawingml/2006/main" xmlns:r="http://schemas.openxmlformats.org/officeDocument/2006/relationships" xmlns:p="http://schemas.openxmlformats.org/presentationml/2006/main">
+  <p:cSld>
+    <p:spTree>
+      <p:nvGrpSpPr>
+        <p:cNvPr id="1" name=""/>
+        <p:cNvGrpSpPr/>
+        <p:nvPr/>
+      </p:nvGrpSpPr>
+      <p:grpSpPr>
+        <a:xfrm>
+          <a:off x="0" y="0"/>
+          <a:ext cx="0" cy="0"/>
+          <a:chOff x="0" y="0"/>
+          <a:chExt cx="0" cy="0"/>
+        </a:xfrm>
+      </p:grpSpPr>
+      <p:sp>
+        <p:nvSpPr>
+          <p:cNvPr id="2" name="Slide Image Placeholder 1"/>
+          <p:cNvSpPr>
+            <a:spLocks noGrp="1" noRot="1" noChangeAspect="1"/>
+          </p:cNvSpPr>
+          <p:nvPr>
+            <p:ph type="sldImg"/>
+          </p:nvPr>
+        </p:nvSpPr>
+        <p:spPr/>
+      </p:sp>
+      <p:sp>
+        <p:nvSpPr>
+          <p:cNvPr id="3" name="Notes Placeholder 2"/>
+          <p:cNvSpPr>
+            <a:spLocks noGrp="1"/>
+          </p:cNvSpPr>
+          <p:nvPr>
+            <p:ph type="body" idx="1"/>
+          </p:nvPr>
+        </p:nvSpPr>
+        <p:spPr/>
+        <p:txBody>
+          <a:bodyPr/>
+          <a:lstStyle/>
+          <a:p>
+            <a:endParaRPr lang="en-US" dirty="0"/>
+          </a:p>
+        </p:txBody>
+      </p:sp>
+      <p:sp>
+        <p:nvSpPr>
+          <p:cNvPr id="4" name="Slide Number Placeholder 3"/>
+          <p:cNvSpPr>
+            <a:spLocks noGrp="1"/>
+          </p:cNvSpPr>
+          <p:nvPr>
+            <p:ph type="sldNum" sz="quarter" idx="10"/>
+          </p:nvPr>
+        </p:nvSpPr>
+        <p:spPr/>
+        <p:txBody>
+          <a:bodyPr/>
+          <a:lstStyle/>
+          <a:p>
+            <a:fld id="{03A57A77-4693-4243-8B18-17C3B8565A4C}" type="slidenum">
+              <a:rPr lang="en-US" smtClean="0"/>
+              <a:t>4</a:t>
+            </a:fld>
+            <a:endParaRPr lang="en-US"/>
+          </a:p>
+        </p:txBody>
+      </p:sp>
+    </p:spTree>
+    <p:extLst>
+      <p:ext uri="{BB962C8B-B14F-4D97-AF65-F5344CB8AC3E}">
+        <p14:creationId xmlns:p14="http://schemas.microsoft.com/office/powerpoint/2010/main" val="2293447899"/>
+      </p:ext>
+    </p:extLst>
+  </p:cSld>
+  <p:clrMapOvr>
+    <a:masterClrMapping/>
+  </p:clrMapOvr>
+</p:notes>
+</file>
+
 <file path=ppt/slideLayouts/slideLayout1.xml><?xml version="1.0" encoding="utf-8"?>
 <p:sldLayout xmlns:a="http://schemas.openxmlformats.org/drawingml/2006/main" xmlns:r="http://schemas.openxmlformats.org/officeDocument/2006/relationships" xmlns:p="http://schemas.openxmlformats.org/presentationml/2006/main" type="title" preserve="1">
   <p:cSld name="Title Slide">
@@ -713,7 +799,7 @@
           <a:p>
             <a:fld id="{6DB206C8-F88B-4959-9CD2-3016D27660E1}" type="datetimeFigureOut">
               <a:rPr lang="en-US" smtClean="0"/>
-              <a:t>9/7/2018</a:t>
+              <a:t>9/20/2018</a:t>
             </a:fld>
             <a:endParaRPr lang="en-US"/>
           </a:p>
@@ -911,7 +997,7 @@
           <a:p>
             <a:fld id="{6DB206C8-F88B-4959-9CD2-3016D27660E1}" type="datetimeFigureOut">
               <a:rPr lang="en-US" smtClean="0"/>
-              <a:t>9/7/2018</a:t>
+              <a:t>9/20/2018</a:t>
             </a:fld>
             <a:endParaRPr lang="en-US"/>
           </a:p>
@@ -1119,7 +1205,7 @@
           <a:p>
             <a:fld id="{6DB206C8-F88B-4959-9CD2-3016D27660E1}" type="datetimeFigureOut">
               <a:rPr lang="en-US" smtClean="0"/>
-              <a:t>9/7/2018</a:t>
+              <a:t>9/20/2018</a:t>
             </a:fld>
             <a:endParaRPr lang="en-US"/>
           </a:p>
@@ -1317,7 +1403,7 @@
           <a:p>
             <a:fld id="{6DB206C8-F88B-4959-9CD2-3016D27660E1}" type="datetimeFigureOut">
               <a:rPr lang="en-US" smtClean="0"/>
-              <a:t>9/7/2018</a:t>
+              <a:t>9/20/2018</a:t>
             </a:fld>
             <a:endParaRPr lang="en-US"/>
           </a:p>
@@ -1592,7 +1678,7 @@
           <a:p>
             <a:fld id="{6DB206C8-F88B-4959-9CD2-3016D27660E1}" type="datetimeFigureOut">
               <a:rPr lang="en-US" smtClean="0"/>
-              <a:t>9/7/2018</a:t>
+              <a:t>9/20/2018</a:t>
             </a:fld>
             <a:endParaRPr lang="en-US"/>
           </a:p>
@@ -1857,7 +1943,7 @@
           <a:p>
             <a:fld id="{6DB206C8-F88B-4959-9CD2-3016D27660E1}" type="datetimeFigureOut">
               <a:rPr lang="en-US" smtClean="0"/>
-              <a:t>9/7/2018</a:t>
+              <a:t>9/20/2018</a:t>
             </a:fld>
             <a:endParaRPr lang="en-US"/>
           </a:p>
@@ -2269,7 +2355,7 @@
           <a:p>
             <a:fld id="{6DB206C8-F88B-4959-9CD2-3016D27660E1}" type="datetimeFigureOut">
               <a:rPr lang="en-US" smtClean="0"/>
-              <a:t>9/7/2018</a:t>
+              <a:t>9/20/2018</a:t>
             </a:fld>
             <a:endParaRPr lang="en-US"/>
           </a:p>
@@ -2410,7 +2496,7 @@
           <a:p>
             <a:fld id="{6DB206C8-F88B-4959-9CD2-3016D27660E1}" type="datetimeFigureOut">
               <a:rPr lang="en-US" smtClean="0"/>
-              <a:t>9/7/2018</a:t>
+              <a:t>9/20/2018</a:t>
             </a:fld>
             <a:endParaRPr lang="en-US"/>
           </a:p>
@@ -2523,7 +2609,7 @@
           <a:p>
             <a:fld id="{6DB206C8-F88B-4959-9CD2-3016D27660E1}" type="datetimeFigureOut">
               <a:rPr lang="en-US" smtClean="0"/>
-              <a:t>9/7/2018</a:t>
+              <a:t>9/20/2018</a:t>
             </a:fld>
             <a:endParaRPr lang="en-US"/>
           </a:p>
@@ -2834,7 +2920,7 @@
           <a:p>
             <a:fld id="{6DB206C8-F88B-4959-9CD2-3016D27660E1}" type="datetimeFigureOut">
               <a:rPr lang="en-US" smtClean="0"/>
-              <a:t>9/7/2018</a:t>
+              <a:t>9/20/2018</a:t>
             </a:fld>
             <a:endParaRPr lang="en-US"/>
           </a:p>
@@ -3122,7 +3208,7 @@
           <a:p>
             <a:fld id="{6DB206C8-F88B-4959-9CD2-3016D27660E1}" type="datetimeFigureOut">
               <a:rPr lang="en-US" smtClean="0"/>
-              <a:t>9/7/2018</a:t>
+              <a:t>9/20/2018</a:t>
             </a:fld>
             <a:endParaRPr lang="en-US"/>
           </a:p>
@@ -3363,7 +3449,7 @@
           <a:p>
             <a:fld id="{6DB206C8-F88B-4959-9CD2-3016D27660E1}" type="datetimeFigureOut">
               <a:rPr lang="en-US" smtClean="0"/>
-              <a:t>9/7/2018</a:t>
+              <a:t>9/20/2018</a:t>
             </a:fld>
             <a:endParaRPr lang="en-US"/>
           </a:p>
@@ -3831,6 +3917,1552 @@
 </p:sld>
 </file>
 
+<file path=ppt/slides/slide10.xml><?xml version="1.0" encoding="utf-8"?>
+<p:sld xmlns:a="http://schemas.openxmlformats.org/drawingml/2006/main" xmlns:r="http://schemas.openxmlformats.org/officeDocument/2006/relationships" xmlns:p="http://schemas.openxmlformats.org/presentationml/2006/main">
+  <p:cSld>
+    <p:spTree>
+      <p:nvGrpSpPr>
+        <p:cNvPr id="1" name=""/>
+        <p:cNvGrpSpPr/>
+        <p:nvPr/>
+      </p:nvGrpSpPr>
+      <p:grpSpPr>
+        <a:xfrm>
+          <a:off x="0" y="0"/>
+          <a:ext cx="0" cy="0"/>
+          <a:chOff x="0" y="0"/>
+          <a:chExt cx="0" cy="0"/>
+        </a:xfrm>
+      </p:grpSpPr>
+      <p:sp>
+        <p:nvSpPr>
+          <p:cNvPr id="46" name="Rectangle 45"/>
+          <p:cNvSpPr/>
+          <p:nvPr/>
+        </p:nvSpPr>
+        <p:spPr>
+          <a:xfrm>
+            <a:off x="76200" y="457201"/>
+            <a:ext cx="8991600" cy="5181600"/>
+          </a:xfrm>
+          <a:prstGeom prst="rect">
+            <a:avLst/>
+          </a:prstGeom>
+        </p:spPr>
+        <p:style>
+          <a:lnRef idx="2">
+            <a:schemeClr val="dk1"/>
+          </a:lnRef>
+          <a:fillRef idx="1">
+            <a:schemeClr val="lt1"/>
+          </a:fillRef>
+          <a:effectRef idx="0">
+            <a:schemeClr val="dk1"/>
+          </a:effectRef>
+          <a:fontRef idx="minor">
+            <a:schemeClr val="dk1"/>
+          </a:fontRef>
+        </p:style>
+        <p:txBody>
+          <a:bodyPr rtlCol="0" anchor="ctr"/>
+          <a:lstStyle/>
+          <a:p>
+            <a:pPr algn="ctr"/>
+            <a:endParaRPr lang="en-US"/>
+          </a:p>
+        </p:txBody>
+      </p:sp>
+      <p:sp>
+        <p:nvSpPr>
+          <p:cNvPr id="5" name="Rounded Rectangle 4"/>
+          <p:cNvSpPr/>
+          <p:nvPr/>
+        </p:nvSpPr>
+        <p:spPr>
+          <a:xfrm>
+            <a:off x="2438400" y="695325"/>
+            <a:ext cx="1752600" cy="914400"/>
+          </a:xfrm>
+          <a:prstGeom prst="roundRect">
+            <a:avLst/>
+          </a:prstGeom>
+        </p:spPr>
+        <p:style>
+          <a:lnRef idx="2">
+            <a:schemeClr val="accent3"/>
+          </a:lnRef>
+          <a:fillRef idx="1">
+            <a:schemeClr val="lt1"/>
+          </a:fillRef>
+          <a:effectRef idx="0">
+            <a:schemeClr val="accent3"/>
+          </a:effectRef>
+          <a:fontRef idx="minor">
+            <a:schemeClr val="dk1"/>
+          </a:fontRef>
+        </p:style>
+        <p:txBody>
+          <a:bodyPr rtlCol="0" anchor="ctr"/>
+          <a:lstStyle/>
+          <a:p>
+            <a:pPr algn="ctr"/>
+            <a:r>
+              <a:rPr lang="en-US" dirty="0"/>
+              <a:t>Web UI</a:t>
+            </a:r>
+          </a:p>
+          <a:p>
+            <a:pPr algn="ctr"/>
+            <a:r>
+              <a:rPr lang="en-US" dirty="0"/>
+              <a:t>Vuejs + Nodejs</a:t>
+            </a:r>
+          </a:p>
+        </p:txBody>
+      </p:sp>
+      <p:sp>
+        <p:nvSpPr>
+          <p:cNvPr id="6" name="Rounded Rectangle 5"/>
+          <p:cNvSpPr/>
+          <p:nvPr/>
+        </p:nvSpPr>
+        <p:spPr>
+          <a:xfrm>
+            <a:off x="2438400" y="2057400"/>
+            <a:ext cx="1755820" cy="914400"/>
+          </a:xfrm>
+          <a:prstGeom prst="roundRect">
+            <a:avLst/>
+          </a:prstGeom>
+        </p:spPr>
+        <p:style>
+          <a:lnRef idx="2">
+            <a:schemeClr val="accent6"/>
+          </a:lnRef>
+          <a:fillRef idx="1">
+            <a:schemeClr val="lt1"/>
+          </a:fillRef>
+          <a:effectRef idx="0">
+            <a:schemeClr val="accent6"/>
+          </a:effectRef>
+          <a:fontRef idx="minor">
+            <a:schemeClr val="dk1"/>
+          </a:fontRef>
+        </p:style>
+        <p:txBody>
+          <a:bodyPr rtlCol="0" anchor="ctr"/>
+          <a:lstStyle/>
+          <a:p>
+            <a:pPr algn="ctr"/>
+            <a:r>
+              <a:rPr lang="en-US" dirty="0"/>
+              <a:t>Gateway</a:t>
+            </a:r>
+          </a:p>
+        </p:txBody>
+      </p:sp>
+      <p:sp>
+        <p:nvSpPr>
+          <p:cNvPr id="7" name="Rounded Rectangle 6"/>
+          <p:cNvSpPr/>
+          <p:nvPr/>
+        </p:nvSpPr>
+        <p:spPr>
+          <a:xfrm>
+            <a:off x="304800" y="3657600"/>
+            <a:ext cx="1066800" cy="685800"/>
+          </a:xfrm>
+          <a:prstGeom prst="roundRect">
+            <a:avLst/>
+          </a:prstGeom>
+        </p:spPr>
+        <p:style>
+          <a:lnRef idx="2">
+            <a:schemeClr val="accent3"/>
+          </a:lnRef>
+          <a:fillRef idx="1">
+            <a:schemeClr val="lt1"/>
+          </a:fillRef>
+          <a:effectRef idx="0">
+            <a:schemeClr val="accent3"/>
+          </a:effectRef>
+          <a:fontRef idx="minor">
+            <a:schemeClr val="dk1"/>
+          </a:fontRef>
+        </p:style>
+        <p:txBody>
+          <a:bodyPr rtlCol="0" anchor="ctr"/>
+          <a:lstStyle/>
+          <a:p>
+            <a:pPr algn="ctr"/>
+            <a:r>
+              <a:rPr lang="en-US" dirty="0"/>
+              <a:t>Rating</a:t>
+            </a:r>
+          </a:p>
+        </p:txBody>
+      </p:sp>
+      <p:sp>
+        <p:nvSpPr>
+          <p:cNvPr id="8" name="Rounded Rectangle 7"/>
+          <p:cNvSpPr/>
+          <p:nvPr/>
+        </p:nvSpPr>
+        <p:spPr>
+          <a:xfrm>
+            <a:off x="1790700" y="3628623"/>
+            <a:ext cx="1143000" cy="685800"/>
+          </a:xfrm>
+          <a:prstGeom prst="roundRect">
+            <a:avLst/>
+          </a:prstGeom>
+        </p:spPr>
+        <p:style>
+          <a:lnRef idx="2">
+            <a:schemeClr val="accent4"/>
+          </a:lnRef>
+          <a:fillRef idx="1">
+            <a:schemeClr val="lt1"/>
+          </a:fillRef>
+          <a:effectRef idx="0">
+            <a:schemeClr val="accent4"/>
+          </a:effectRef>
+          <a:fontRef idx="minor">
+            <a:schemeClr val="dk1"/>
+          </a:fontRef>
+        </p:style>
+        <p:txBody>
+          <a:bodyPr rtlCol="0" anchor="ctr"/>
+          <a:lstStyle/>
+          <a:p>
+            <a:pPr algn="ctr"/>
+            <a:r>
+              <a:rPr lang="en-US" dirty="0"/>
+              <a:t>Review</a:t>
+            </a:r>
+          </a:p>
+        </p:txBody>
+      </p:sp>
+      <p:sp>
+        <p:nvSpPr>
+          <p:cNvPr id="9" name="Rounded Rectangle 8"/>
+          <p:cNvSpPr/>
+          <p:nvPr/>
+        </p:nvSpPr>
+        <p:spPr>
+          <a:xfrm>
+            <a:off x="3237963" y="3657600"/>
+            <a:ext cx="1257837" cy="675068"/>
+          </a:xfrm>
+          <a:prstGeom prst="roundRect">
+            <a:avLst/>
+          </a:prstGeom>
+        </p:spPr>
+        <p:style>
+          <a:lnRef idx="2">
+            <a:schemeClr val="accent4"/>
+          </a:lnRef>
+          <a:fillRef idx="1">
+            <a:schemeClr val="lt1"/>
+          </a:fillRef>
+          <a:effectRef idx="0">
+            <a:schemeClr val="accent4"/>
+          </a:effectRef>
+          <a:fontRef idx="minor">
+            <a:schemeClr val="dk1"/>
+          </a:fontRef>
+        </p:style>
+        <p:txBody>
+          <a:bodyPr rtlCol="0" anchor="ctr"/>
+          <a:lstStyle/>
+          <a:p>
+            <a:pPr algn="ctr"/>
+            <a:r>
+              <a:rPr lang="en-US" dirty="0"/>
+              <a:t>Inventory</a:t>
+            </a:r>
+          </a:p>
+        </p:txBody>
+      </p:sp>
+      <p:sp>
+        <p:nvSpPr>
+          <p:cNvPr id="10" name="Rounded Rectangle 9"/>
+          <p:cNvSpPr/>
+          <p:nvPr/>
+        </p:nvSpPr>
+        <p:spPr>
+          <a:xfrm>
+            <a:off x="4873580" y="3655454"/>
+            <a:ext cx="1298620" cy="675068"/>
+          </a:xfrm>
+          <a:prstGeom prst="roundRect">
+            <a:avLst/>
+          </a:prstGeom>
+        </p:spPr>
+        <p:style>
+          <a:lnRef idx="2">
+            <a:schemeClr val="accent3"/>
+          </a:lnRef>
+          <a:fillRef idx="1">
+            <a:schemeClr val="lt1"/>
+          </a:fillRef>
+          <a:effectRef idx="0">
+            <a:schemeClr val="accent3"/>
+          </a:effectRef>
+          <a:fontRef idx="minor">
+            <a:schemeClr val="dk1"/>
+          </a:fontRef>
+        </p:style>
+        <p:txBody>
+          <a:bodyPr rtlCol="0" anchor="ctr"/>
+          <a:lstStyle/>
+          <a:p>
+            <a:pPr algn="ctr"/>
+            <a:r>
+              <a:rPr lang="en-US" dirty="0"/>
+              <a:t>Catalog</a:t>
+            </a:r>
+          </a:p>
+        </p:txBody>
+      </p:sp>
+      <p:sp>
+        <p:nvSpPr>
+          <p:cNvPr id="11" name="Rounded Rectangle 10"/>
+          <p:cNvSpPr/>
+          <p:nvPr/>
+        </p:nvSpPr>
+        <p:spPr>
+          <a:xfrm>
+            <a:off x="6553200" y="3657600"/>
+            <a:ext cx="990600" cy="685800"/>
+          </a:xfrm>
+          <a:prstGeom prst="roundRect">
+            <a:avLst/>
+          </a:prstGeom>
+        </p:spPr>
+        <p:style>
+          <a:lnRef idx="2">
+            <a:schemeClr val="accent4"/>
+          </a:lnRef>
+          <a:fillRef idx="1">
+            <a:schemeClr val="lt1"/>
+          </a:fillRef>
+          <a:effectRef idx="0">
+            <a:schemeClr val="accent4"/>
+          </a:effectRef>
+          <a:fontRef idx="minor">
+            <a:schemeClr val="dk1"/>
+          </a:fontRef>
+        </p:style>
+        <p:txBody>
+          <a:bodyPr rtlCol="0" anchor="ctr"/>
+          <a:lstStyle/>
+          <a:p>
+            <a:pPr algn="ctr"/>
+            <a:r>
+              <a:rPr lang="en-US" dirty="0"/>
+              <a:t>Cart</a:t>
+            </a:r>
+          </a:p>
+        </p:txBody>
+      </p:sp>
+      <p:sp>
+        <p:nvSpPr>
+          <p:cNvPr id="12" name="Rounded Rectangle 11"/>
+          <p:cNvSpPr/>
+          <p:nvPr/>
+        </p:nvSpPr>
+        <p:spPr>
+          <a:xfrm>
+            <a:off x="7924800" y="3655454"/>
+            <a:ext cx="990600" cy="685800"/>
+          </a:xfrm>
+          <a:prstGeom prst="roundRect">
+            <a:avLst/>
+          </a:prstGeom>
+        </p:spPr>
+        <p:style>
+          <a:lnRef idx="2">
+            <a:schemeClr val="accent4"/>
+          </a:lnRef>
+          <a:fillRef idx="1">
+            <a:schemeClr val="lt1"/>
+          </a:fillRef>
+          <a:effectRef idx="0">
+            <a:schemeClr val="accent4"/>
+          </a:effectRef>
+          <a:fontRef idx="minor">
+            <a:schemeClr val="dk1"/>
+          </a:fontRef>
+        </p:style>
+        <p:txBody>
+          <a:bodyPr rtlCol="0" anchor="ctr"/>
+          <a:lstStyle/>
+          <a:p>
+            <a:pPr algn="ctr"/>
+            <a:r>
+              <a:rPr lang="en-US" dirty="0"/>
+              <a:t>Pricing</a:t>
+            </a:r>
+          </a:p>
+        </p:txBody>
+      </p:sp>
+      <p:sp>
+        <p:nvSpPr>
+          <p:cNvPr id="13" name="Flowchart: Magnetic Disk 12"/>
+          <p:cNvSpPr/>
+          <p:nvPr/>
+        </p:nvSpPr>
+        <p:spPr>
+          <a:xfrm>
+            <a:off x="228600" y="4876800"/>
+            <a:ext cx="1219200" cy="510540"/>
+          </a:xfrm>
+          <a:prstGeom prst="flowChartMagneticDisk">
+            <a:avLst/>
+          </a:prstGeom>
+        </p:spPr>
+        <p:style>
+          <a:lnRef idx="1">
+            <a:schemeClr val="dk1"/>
+          </a:lnRef>
+          <a:fillRef idx="2">
+            <a:schemeClr val="dk1"/>
+          </a:fillRef>
+          <a:effectRef idx="1">
+            <a:schemeClr val="dk1"/>
+          </a:effectRef>
+          <a:fontRef idx="minor">
+            <a:schemeClr val="dk1"/>
+          </a:fontRef>
+        </p:style>
+        <p:txBody>
+          <a:bodyPr rtlCol="0" anchor="ctr"/>
+          <a:lstStyle/>
+          <a:p>
+            <a:pPr algn="ctr"/>
+            <a:r>
+              <a:rPr lang="en-US" dirty="0"/>
+              <a:t>Mongo DB</a:t>
+            </a:r>
+          </a:p>
+        </p:txBody>
+      </p:sp>
+      <p:sp>
+        <p:nvSpPr>
+          <p:cNvPr id="14" name="Flowchart: Magnetic Disk 13"/>
+          <p:cNvSpPr/>
+          <p:nvPr/>
+        </p:nvSpPr>
+        <p:spPr>
+          <a:xfrm>
+            <a:off x="1752600" y="4883239"/>
+            <a:ext cx="1219200" cy="510540"/>
+          </a:xfrm>
+          <a:prstGeom prst="flowChartMagneticDisk">
+            <a:avLst/>
+          </a:prstGeom>
+        </p:spPr>
+        <p:style>
+          <a:lnRef idx="2">
+            <a:schemeClr val="dk1"/>
+          </a:lnRef>
+          <a:fillRef idx="1">
+            <a:schemeClr val="lt1"/>
+          </a:fillRef>
+          <a:effectRef idx="0">
+            <a:schemeClr val="dk1"/>
+          </a:effectRef>
+          <a:fontRef idx="minor">
+            <a:schemeClr val="dk1"/>
+          </a:fontRef>
+        </p:style>
+        <p:txBody>
+          <a:bodyPr rtlCol="0" anchor="ctr"/>
+          <a:lstStyle/>
+          <a:p>
+            <a:pPr algn="ctr"/>
+            <a:r>
+              <a:rPr lang="en-US" dirty="0"/>
+              <a:t>SQL Server</a:t>
+            </a:r>
+          </a:p>
+        </p:txBody>
+      </p:sp>
+      <p:sp>
+        <p:nvSpPr>
+          <p:cNvPr id="15" name="Flowchart: Magnetic Disk 14"/>
+          <p:cNvSpPr/>
+          <p:nvPr/>
+        </p:nvSpPr>
+        <p:spPr>
+          <a:xfrm>
+            <a:off x="3276600" y="4866068"/>
+            <a:ext cx="1219200" cy="510540"/>
+          </a:xfrm>
+          <a:prstGeom prst="flowChartMagneticDisk">
+            <a:avLst/>
+          </a:prstGeom>
+        </p:spPr>
+        <p:style>
+          <a:lnRef idx="2">
+            <a:schemeClr val="dk1"/>
+          </a:lnRef>
+          <a:fillRef idx="1">
+            <a:schemeClr val="lt1"/>
+          </a:fillRef>
+          <a:effectRef idx="0">
+            <a:schemeClr val="dk1"/>
+          </a:effectRef>
+          <a:fontRef idx="minor">
+            <a:schemeClr val="dk1"/>
+          </a:fontRef>
+        </p:style>
+        <p:txBody>
+          <a:bodyPr rtlCol="0" anchor="ctr"/>
+          <a:lstStyle/>
+          <a:p>
+            <a:pPr algn="ctr"/>
+            <a:r>
+              <a:rPr lang="en-US" dirty="0"/>
+              <a:t>SQL Server</a:t>
+            </a:r>
+          </a:p>
+        </p:txBody>
+      </p:sp>
+      <p:sp>
+        <p:nvSpPr>
+          <p:cNvPr id="16" name="Flowchart: Magnetic Disk 15"/>
+          <p:cNvSpPr/>
+          <p:nvPr/>
+        </p:nvSpPr>
+        <p:spPr>
+          <a:xfrm>
+            <a:off x="4953000" y="4836151"/>
+            <a:ext cx="1219200" cy="510540"/>
+          </a:xfrm>
+          <a:prstGeom prst="flowChartMagneticDisk">
+            <a:avLst/>
+          </a:prstGeom>
+        </p:spPr>
+        <p:style>
+          <a:lnRef idx="1">
+            <a:schemeClr val="dk1"/>
+          </a:lnRef>
+          <a:fillRef idx="2">
+            <a:schemeClr val="dk1"/>
+          </a:fillRef>
+          <a:effectRef idx="1">
+            <a:schemeClr val="dk1"/>
+          </a:effectRef>
+          <a:fontRef idx="minor">
+            <a:schemeClr val="dk1"/>
+          </a:fontRef>
+        </p:style>
+        <p:txBody>
+          <a:bodyPr rtlCol="0" anchor="ctr"/>
+          <a:lstStyle/>
+          <a:p>
+            <a:pPr algn="ctr"/>
+            <a:r>
+              <a:rPr lang="en-US" dirty="0"/>
+              <a:t>Mongo DB</a:t>
+            </a:r>
+          </a:p>
+        </p:txBody>
+      </p:sp>
+      <p:cxnSp>
+        <p:nvCxnSpPr>
+          <p:cNvPr id="18" name="Straight Arrow Connector 17"/>
+          <p:cNvCxnSpPr>
+            <a:stCxn id="5" idx="2"/>
+            <a:endCxn id="6" idx="0"/>
+          </p:cNvCxnSpPr>
+          <p:nvPr/>
+        </p:nvCxnSpPr>
+        <p:spPr>
+          <a:xfrm>
+            <a:off x="3314700" y="1609725"/>
+            <a:ext cx="1610" cy="447675"/>
+          </a:xfrm>
+          <a:prstGeom prst="straightConnector1">
+            <a:avLst/>
+          </a:prstGeom>
+          <a:ln>
+            <a:tailEnd type="arrow"/>
+          </a:ln>
+        </p:spPr>
+        <p:style>
+          <a:lnRef idx="1">
+            <a:schemeClr val="accent1"/>
+          </a:lnRef>
+          <a:fillRef idx="0">
+            <a:schemeClr val="accent1"/>
+          </a:fillRef>
+          <a:effectRef idx="0">
+            <a:schemeClr val="accent1"/>
+          </a:effectRef>
+          <a:fontRef idx="minor">
+            <a:schemeClr val="tx1"/>
+          </a:fontRef>
+        </p:style>
+      </p:cxnSp>
+      <p:cxnSp>
+        <p:nvCxnSpPr>
+          <p:cNvPr id="20" name="Straight Arrow Connector 19"/>
+          <p:cNvCxnSpPr>
+            <a:stCxn id="6" idx="2"/>
+            <a:endCxn id="7" idx="0"/>
+          </p:cNvCxnSpPr>
+          <p:nvPr/>
+        </p:nvCxnSpPr>
+        <p:spPr>
+          <a:xfrm flipH="1">
+            <a:off x="838200" y="2971800"/>
+            <a:ext cx="2478110" cy="685800"/>
+          </a:xfrm>
+          <a:prstGeom prst="straightConnector1">
+            <a:avLst/>
+          </a:prstGeom>
+          <a:ln>
+            <a:tailEnd type="arrow"/>
+          </a:ln>
+        </p:spPr>
+        <p:style>
+          <a:lnRef idx="1">
+            <a:schemeClr val="accent1"/>
+          </a:lnRef>
+          <a:fillRef idx="0">
+            <a:schemeClr val="accent1"/>
+          </a:fillRef>
+          <a:effectRef idx="0">
+            <a:schemeClr val="accent1"/>
+          </a:effectRef>
+          <a:fontRef idx="minor">
+            <a:schemeClr val="tx1"/>
+          </a:fontRef>
+        </p:style>
+      </p:cxnSp>
+      <p:cxnSp>
+        <p:nvCxnSpPr>
+          <p:cNvPr id="22" name="Straight Arrow Connector 21"/>
+          <p:cNvCxnSpPr>
+            <a:stCxn id="6" idx="2"/>
+            <a:endCxn id="8" idx="0"/>
+          </p:cNvCxnSpPr>
+          <p:nvPr/>
+        </p:nvCxnSpPr>
+        <p:spPr>
+          <a:xfrm flipH="1">
+            <a:off x="2362200" y="2971800"/>
+            <a:ext cx="954110" cy="656823"/>
+          </a:xfrm>
+          <a:prstGeom prst="straightConnector1">
+            <a:avLst/>
+          </a:prstGeom>
+          <a:ln>
+            <a:tailEnd type="arrow"/>
+          </a:ln>
+        </p:spPr>
+        <p:style>
+          <a:lnRef idx="1">
+            <a:schemeClr val="accent1"/>
+          </a:lnRef>
+          <a:fillRef idx="0">
+            <a:schemeClr val="accent1"/>
+          </a:fillRef>
+          <a:effectRef idx="0">
+            <a:schemeClr val="accent1"/>
+          </a:effectRef>
+          <a:fontRef idx="minor">
+            <a:schemeClr val="tx1"/>
+          </a:fontRef>
+        </p:style>
+      </p:cxnSp>
+      <p:cxnSp>
+        <p:nvCxnSpPr>
+          <p:cNvPr id="24" name="Straight Arrow Connector 23"/>
+          <p:cNvCxnSpPr>
+            <a:stCxn id="6" idx="2"/>
+            <a:endCxn id="9" idx="0"/>
+          </p:cNvCxnSpPr>
+          <p:nvPr/>
+        </p:nvCxnSpPr>
+        <p:spPr>
+          <a:xfrm>
+            <a:off x="3316310" y="2971800"/>
+            <a:ext cx="550572" cy="685800"/>
+          </a:xfrm>
+          <a:prstGeom prst="straightConnector1">
+            <a:avLst/>
+          </a:prstGeom>
+          <a:ln>
+            <a:tailEnd type="arrow"/>
+          </a:ln>
+        </p:spPr>
+        <p:style>
+          <a:lnRef idx="1">
+            <a:schemeClr val="accent1"/>
+          </a:lnRef>
+          <a:fillRef idx="0">
+            <a:schemeClr val="accent1"/>
+          </a:fillRef>
+          <a:effectRef idx="0">
+            <a:schemeClr val="accent1"/>
+          </a:effectRef>
+          <a:fontRef idx="minor">
+            <a:schemeClr val="tx1"/>
+          </a:fontRef>
+        </p:style>
+      </p:cxnSp>
+      <p:cxnSp>
+        <p:nvCxnSpPr>
+          <p:cNvPr id="26" name="Straight Arrow Connector 25"/>
+          <p:cNvCxnSpPr>
+            <a:stCxn id="6" idx="2"/>
+            <a:endCxn id="10" idx="0"/>
+          </p:cNvCxnSpPr>
+          <p:nvPr/>
+        </p:nvCxnSpPr>
+        <p:spPr>
+          <a:xfrm>
+            <a:off x="3316310" y="2971800"/>
+            <a:ext cx="2206580" cy="683654"/>
+          </a:xfrm>
+          <a:prstGeom prst="straightConnector1">
+            <a:avLst/>
+          </a:prstGeom>
+          <a:ln>
+            <a:tailEnd type="arrow"/>
+          </a:ln>
+        </p:spPr>
+        <p:style>
+          <a:lnRef idx="1">
+            <a:schemeClr val="accent1"/>
+          </a:lnRef>
+          <a:fillRef idx="0">
+            <a:schemeClr val="accent1"/>
+          </a:fillRef>
+          <a:effectRef idx="0">
+            <a:schemeClr val="accent1"/>
+          </a:effectRef>
+          <a:fontRef idx="minor">
+            <a:schemeClr val="tx1"/>
+          </a:fontRef>
+        </p:style>
+      </p:cxnSp>
+      <p:cxnSp>
+        <p:nvCxnSpPr>
+          <p:cNvPr id="28" name="Straight Arrow Connector 27"/>
+          <p:cNvCxnSpPr>
+            <a:stCxn id="6" idx="2"/>
+            <a:endCxn id="11" idx="0"/>
+          </p:cNvCxnSpPr>
+          <p:nvPr/>
+        </p:nvCxnSpPr>
+        <p:spPr>
+          <a:xfrm>
+            <a:off x="3316310" y="2971800"/>
+            <a:ext cx="3732190" cy="685800"/>
+          </a:xfrm>
+          <a:prstGeom prst="straightConnector1">
+            <a:avLst/>
+          </a:prstGeom>
+          <a:ln>
+            <a:tailEnd type="arrow"/>
+          </a:ln>
+        </p:spPr>
+        <p:style>
+          <a:lnRef idx="1">
+            <a:schemeClr val="accent1"/>
+          </a:lnRef>
+          <a:fillRef idx="0">
+            <a:schemeClr val="accent1"/>
+          </a:fillRef>
+          <a:effectRef idx="0">
+            <a:schemeClr val="accent1"/>
+          </a:effectRef>
+          <a:fontRef idx="minor">
+            <a:schemeClr val="tx1"/>
+          </a:fontRef>
+        </p:style>
+      </p:cxnSp>
+      <p:cxnSp>
+        <p:nvCxnSpPr>
+          <p:cNvPr id="30" name="Straight Arrow Connector 29"/>
+          <p:cNvCxnSpPr>
+            <a:stCxn id="6" idx="2"/>
+            <a:endCxn id="12" idx="0"/>
+          </p:cNvCxnSpPr>
+          <p:nvPr/>
+        </p:nvCxnSpPr>
+        <p:spPr>
+          <a:xfrm>
+            <a:off x="3316310" y="2971800"/>
+            <a:ext cx="5103790" cy="683654"/>
+          </a:xfrm>
+          <a:prstGeom prst="straightConnector1">
+            <a:avLst/>
+          </a:prstGeom>
+          <a:ln>
+            <a:tailEnd type="arrow"/>
+          </a:ln>
+        </p:spPr>
+        <p:style>
+          <a:lnRef idx="1">
+            <a:schemeClr val="accent1"/>
+          </a:lnRef>
+          <a:fillRef idx="0">
+            <a:schemeClr val="accent1"/>
+          </a:fillRef>
+          <a:effectRef idx="0">
+            <a:schemeClr val="accent1"/>
+          </a:effectRef>
+          <a:fontRef idx="minor">
+            <a:schemeClr val="tx1"/>
+          </a:fontRef>
+        </p:style>
+      </p:cxnSp>
+      <p:cxnSp>
+        <p:nvCxnSpPr>
+          <p:cNvPr id="32" name="Straight Arrow Connector 31"/>
+          <p:cNvCxnSpPr>
+            <a:stCxn id="10" idx="3"/>
+            <a:endCxn id="11" idx="1"/>
+          </p:cNvCxnSpPr>
+          <p:nvPr/>
+        </p:nvCxnSpPr>
+        <p:spPr>
+          <a:xfrm>
+            <a:off x="6172200" y="3992988"/>
+            <a:ext cx="381000" cy="7512"/>
+          </a:xfrm>
+          <a:prstGeom prst="straightConnector1">
+            <a:avLst/>
+          </a:prstGeom>
+          <a:ln>
+            <a:headEnd type="arrow" w="med" len="med"/>
+            <a:tailEnd type="arrow" w="med" len="med"/>
+          </a:ln>
+        </p:spPr>
+        <p:style>
+          <a:lnRef idx="1">
+            <a:schemeClr val="accent1"/>
+          </a:lnRef>
+          <a:fillRef idx="0">
+            <a:schemeClr val="accent1"/>
+          </a:fillRef>
+          <a:effectRef idx="0">
+            <a:schemeClr val="accent1"/>
+          </a:effectRef>
+          <a:fontRef idx="minor">
+            <a:schemeClr val="tx1"/>
+          </a:fontRef>
+        </p:style>
+      </p:cxnSp>
+      <p:cxnSp>
+        <p:nvCxnSpPr>
+          <p:cNvPr id="34" name="Straight Arrow Connector 33"/>
+          <p:cNvCxnSpPr>
+            <a:stCxn id="11" idx="3"/>
+            <a:endCxn id="12" idx="1"/>
+          </p:cNvCxnSpPr>
+          <p:nvPr/>
+        </p:nvCxnSpPr>
+        <p:spPr>
+          <a:xfrm flipV="1">
+            <a:off x="7543800" y="3998354"/>
+            <a:ext cx="381000" cy="2146"/>
+          </a:xfrm>
+          <a:prstGeom prst="straightConnector1">
+            <a:avLst/>
+          </a:prstGeom>
+          <a:ln>
+            <a:tailEnd type="arrow"/>
+          </a:ln>
+        </p:spPr>
+        <p:style>
+          <a:lnRef idx="1">
+            <a:schemeClr val="accent1"/>
+          </a:lnRef>
+          <a:fillRef idx="0">
+            <a:schemeClr val="accent1"/>
+          </a:fillRef>
+          <a:effectRef idx="0">
+            <a:schemeClr val="accent1"/>
+          </a:effectRef>
+          <a:fontRef idx="minor">
+            <a:schemeClr val="tx1"/>
+          </a:fontRef>
+        </p:style>
+      </p:cxnSp>
+      <p:cxnSp>
+        <p:nvCxnSpPr>
+          <p:cNvPr id="37" name="Straight Arrow Connector 36"/>
+          <p:cNvCxnSpPr>
+            <a:stCxn id="7" idx="2"/>
+            <a:endCxn id="13" idx="1"/>
+          </p:cNvCxnSpPr>
+          <p:nvPr/>
+        </p:nvCxnSpPr>
+        <p:spPr>
+          <a:xfrm>
+            <a:off x="838200" y="4343400"/>
+            <a:ext cx="0" cy="533400"/>
+          </a:xfrm>
+          <a:prstGeom prst="straightConnector1">
+            <a:avLst/>
+          </a:prstGeom>
+          <a:ln>
+            <a:tailEnd type="arrow"/>
+          </a:ln>
+        </p:spPr>
+        <p:style>
+          <a:lnRef idx="1">
+            <a:schemeClr val="accent1"/>
+          </a:lnRef>
+          <a:fillRef idx="0">
+            <a:schemeClr val="accent1"/>
+          </a:fillRef>
+          <a:effectRef idx="0">
+            <a:schemeClr val="accent1"/>
+          </a:effectRef>
+          <a:fontRef idx="minor">
+            <a:schemeClr val="tx1"/>
+          </a:fontRef>
+        </p:style>
+      </p:cxnSp>
+      <p:cxnSp>
+        <p:nvCxnSpPr>
+          <p:cNvPr id="39" name="Straight Arrow Connector 38"/>
+          <p:cNvCxnSpPr>
+            <a:stCxn id="8" idx="2"/>
+            <a:endCxn id="14" idx="1"/>
+          </p:cNvCxnSpPr>
+          <p:nvPr/>
+        </p:nvCxnSpPr>
+        <p:spPr>
+          <a:xfrm>
+            <a:off x="2362200" y="4314423"/>
+            <a:ext cx="0" cy="568816"/>
+          </a:xfrm>
+          <a:prstGeom prst="straightConnector1">
+            <a:avLst/>
+          </a:prstGeom>
+          <a:ln>
+            <a:tailEnd type="arrow"/>
+          </a:ln>
+        </p:spPr>
+        <p:style>
+          <a:lnRef idx="1">
+            <a:schemeClr val="accent1"/>
+          </a:lnRef>
+          <a:fillRef idx="0">
+            <a:schemeClr val="accent1"/>
+          </a:fillRef>
+          <a:effectRef idx="0">
+            <a:schemeClr val="accent1"/>
+          </a:effectRef>
+          <a:fontRef idx="minor">
+            <a:schemeClr val="tx1"/>
+          </a:fontRef>
+        </p:style>
+      </p:cxnSp>
+      <p:cxnSp>
+        <p:nvCxnSpPr>
+          <p:cNvPr id="42" name="Straight Arrow Connector 41"/>
+          <p:cNvCxnSpPr>
+            <a:stCxn id="9" idx="2"/>
+            <a:endCxn id="15" idx="1"/>
+          </p:cNvCxnSpPr>
+          <p:nvPr/>
+        </p:nvCxnSpPr>
+        <p:spPr>
+          <a:xfrm>
+            <a:off x="3866882" y="4332668"/>
+            <a:ext cx="19318" cy="533400"/>
+          </a:xfrm>
+          <a:prstGeom prst="straightConnector1">
+            <a:avLst/>
+          </a:prstGeom>
+          <a:ln>
+            <a:tailEnd type="arrow"/>
+          </a:ln>
+        </p:spPr>
+        <p:style>
+          <a:lnRef idx="1">
+            <a:schemeClr val="accent1"/>
+          </a:lnRef>
+          <a:fillRef idx="0">
+            <a:schemeClr val="accent1"/>
+          </a:fillRef>
+          <a:effectRef idx="0">
+            <a:schemeClr val="accent1"/>
+          </a:effectRef>
+          <a:fontRef idx="minor">
+            <a:schemeClr val="tx1"/>
+          </a:fontRef>
+        </p:style>
+      </p:cxnSp>
+      <p:cxnSp>
+        <p:nvCxnSpPr>
+          <p:cNvPr id="44" name="Straight Arrow Connector 43"/>
+          <p:cNvCxnSpPr>
+            <a:stCxn id="10" idx="2"/>
+          </p:cNvCxnSpPr>
+          <p:nvPr/>
+        </p:nvCxnSpPr>
+        <p:spPr>
+          <a:xfrm>
+            <a:off x="5522890" y="4330522"/>
+            <a:ext cx="0" cy="505629"/>
+          </a:xfrm>
+          <a:prstGeom prst="straightConnector1">
+            <a:avLst/>
+          </a:prstGeom>
+          <a:ln>
+            <a:tailEnd type="arrow"/>
+          </a:ln>
+        </p:spPr>
+        <p:style>
+          <a:lnRef idx="1">
+            <a:schemeClr val="accent1"/>
+          </a:lnRef>
+          <a:fillRef idx="0">
+            <a:schemeClr val="accent1"/>
+          </a:fillRef>
+          <a:effectRef idx="0">
+            <a:schemeClr val="accent1"/>
+          </a:effectRef>
+          <a:fontRef idx="minor">
+            <a:schemeClr val="tx1"/>
+          </a:fontRef>
+        </p:style>
+      </p:cxnSp>
+      <p:pic>
+        <p:nvPicPr>
+          <p:cNvPr id="45" name="Picture 44"/>
+          <p:cNvPicPr>
+            <a:picLocks noChangeAspect="1"/>
+          </p:cNvPicPr>
+          <p:nvPr/>
+        </p:nvPicPr>
+        <p:blipFill>
+          <a:blip r:embed="rId2" cstate="print">
+            <a:extLst>
+              <a:ext uri="{28A0092B-C50C-407E-A947-70E740481C1C}">
+                <a14:useLocalDpi xmlns:a14="http://schemas.microsoft.com/office/drawing/2010/main" val="0"/>
+              </a:ext>
+            </a:extLst>
+          </a:blip>
+          <a:stretch>
+            <a:fillRect/>
+          </a:stretch>
+        </p:blipFill>
+        <p:spPr>
+          <a:xfrm>
+            <a:off x="8356600" y="467932"/>
+            <a:ext cx="700468" cy="700468"/>
+          </a:xfrm>
+          <a:prstGeom prst="rect">
+            <a:avLst/>
+          </a:prstGeom>
+        </p:spPr>
+      </p:pic>
+      <p:sp>
+        <p:nvSpPr>
+          <p:cNvPr id="50" name="Rounded Rectangle 49"/>
+          <p:cNvSpPr/>
+          <p:nvPr/>
+        </p:nvSpPr>
+        <p:spPr>
+          <a:xfrm>
+            <a:off x="5638800" y="2133600"/>
+            <a:ext cx="990600" cy="685800"/>
+          </a:xfrm>
+          <a:prstGeom prst="roundRect">
+            <a:avLst/>
+          </a:prstGeom>
+        </p:spPr>
+        <p:style>
+          <a:lnRef idx="2">
+            <a:schemeClr val="accent4"/>
+          </a:lnRef>
+          <a:fillRef idx="1">
+            <a:schemeClr val="lt1"/>
+          </a:fillRef>
+          <a:effectRef idx="0">
+            <a:schemeClr val="accent4"/>
+          </a:effectRef>
+          <a:fontRef idx="minor">
+            <a:schemeClr val="dk1"/>
+          </a:fontRef>
+        </p:style>
+        <p:txBody>
+          <a:bodyPr rtlCol="0" anchor="ctr"/>
+          <a:lstStyle/>
+          <a:p>
+            <a:pPr algn="ctr"/>
+            <a:endParaRPr lang="en-US" dirty="0"/>
+          </a:p>
+        </p:txBody>
+      </p:sp>
+      <p:cxnSp>
+        <p:nvCxnSpPr>
+          <p:cNvPr id="52" name="Straight Arrow Connector 51"/>
+          <p:cNvCxnSpPr>
+            <a:stCxn id="6" idx="3"/>
+            <a:endCxn id="50" idx="1"/>
+          </p:cNvCxnSpPr>
+          <p:nvPr/>
+        </p:nvCxnSpPr>
+        <p:spPr>
+          <a:xfrm flipV="1">
+            <a:off x="4194220" y="2476500"/>
+            <a:ext cx="1444580" cy="38100"/>
+          </a:xfrm>
+          <a:prstGeom prst="straightConnector1">
+            <a:avLst/>
+          </a:prstGeom>
+          <a:ln>
+            <a:tailEnd type="arrow"/>
+          </a:ln>
+        </p:spPr>
+        <p:style>
+          <a:lnRef idx="1">
+            <a:schemeClr val="accent1"/>
+          </a:lnRef>
+          <a:fillRef idx="0">
+            <a:schemeClr val="accent1"/>
+          </a:fillRef>
+          <a:effectRef idx="0">
+            <a:schemeClr val="accent1"/>
+          </a:effectRef>
+          <a:fontRef idx="minor">
+            <a:schemeClr val="tx1"/>
+          </a:fontRef>
+        </p:style>
+      </p:cxnSp>
+      <p:sp>
+        <p:nvSpPr>
+          <p:cNvPr id="53" name="Flowchart: Magnetic Disk 52"/>
+          <p:cNvSpPr/>
+          <p:nvPr/>
+        </p:nvSpPr>
+        <p:spPr>
+          <a:xfrm>
+            <a:off x="7137400" y="2221230"/>
+            <a:ext cx="1219200" cy="510540"/>
+          </a:xfrm>
+          <a:prstGeom prst="flowChartMagneticDisk">
+            <a:avLst/>
+          </a:prstGeom>
+        </p:spPr>
+        <p:style>
+          <a:lnRef idx="2">
+            <a:schemeClr val="dk1"/>
+          </a:lnRef>
+          <a:fillRef idx="1">
+            <a:schemeClr val="lt1"/>
+          </a:fillRef>
+          <a:effectRef idx="0">
+            <a:schemeClr val="dk1"/>
+          </a:effectRef>
+          <a:fontRef idx="minor">
+            <a:schemeClr val="dk1"/>
+          </a:fontRef>
+        </p:style>
+        <p:txBody>
+          <a:bodyPr rtlCol="0" anchor="ctr"/>
+          <a:lstStyle/>
+          <a:p>
+            <a:pPr algn="ctr"/>
+            <a:r>
+              <a:rPr lang="en-US" dirty="0"/>
+              <a:t>SQL Server</a:t>
+            </a:r>
+          </a:p>
+        </p:txBody>
+      </p:sp>
+      <p:cxnSp>
+        <p:nvCxnSpPr>
+          <p:cNvPr id="55" name="Straight Arrow Connector 54"/>
+          <p:cNvCxnSpPr>
+            <a:stCxn id="50" idx="3"/>
+            <a:endCxn id="53" idx="2"/>
+          </p:cNvCxnSpPr>
+          <p:nvPr/>
+        </p:nvCxnSpPr>
+        <p:spPr>
+          <a:xfrm>
+            <a:off x="6629400" y="2476500"/>
+            <a:ext cx="508000" cy="0"/>
+          </a:xfrm>
+          <a:prstGeom prst="straightConnector1">
+            <a:avLst/>
+          </a:prstGeom>
+          <a:ln>
+            <a:tailEnd type="arrow"/>
+          </a:ln>
+        </p:spPr>
+        <p:style>
+          <a:lnRef idx="1">
+            <a:schemeClr val="accent1"/>
+          </a:lnRef>
+          <a:fillRef idx="0">
+            <a:schemeClr val="accent1"/>
+          </a:fillRef>
+          <a:effectRef idx="0">
+            <a:schemeClr val="accent1"/>
+          </a:effectRef>
+          <a:fontRef idx="minor">
+            <a:schemeClr val="tx1"/>
+          </a:fontRef>
+        </p:style>
+      </p:cxnSp>
+      <p:pic>
+        <p:nvPicPr>
+          <p:cNvPr id="63" name="Picture 62"/>
+          <p:cNvPicPr>
+            <a:picLocks noChangeAspect="1"/>
+          </p:cNvPicPr>
+          <p:nvPr/>
+        </p:nvPicPr>
+        <p:blipFill>
+          <a:blip r:embed="rId3" cstate="print">
+            <a:extLst>
+              <a:ext uri="{28A0092B-C50C-407E-A947-70E740481C1C}">
+                <a14:useLocalDpi xmlns:a14="http://schemas.microsoft.com/office/drawing/2010/main" val="0"/>
+              </a:ext>
+            </a:extLst>
+          </a:blip>
+          <a:stretch>
+            <a:fillRect/>
+          </a:stretch>
+        </p:blipFill>
+        <p:spPr>
+          <a:xfrm>
+            <a:off x="3932397" y="730376"/>
+            <a:ext cx="230028" cy="259430"/>
+          </a:xfrm>
+          <a:prstGeom prst="rect">
+            <a:avLst/>
+          </a:prstGeom>
+        </p:spPr>
+      </p:pic>
+      <p:pic>
+        <p:nvPicPr>
+          <p:cNvPr id="41" name="Picture 40"/>
+          <p:cNvPicPr>
+            <a:picLocks noChangeAspect="1"/>
+          </p:cNvPicPr>
+          <p:nvPr/>
+        </p:nvPicPr>
+        <p:blipFill>
+          <a:blip r:embed="rId4" cstate="print">
+            <a:extLst>
+              <a:ext uri="{28A0092B-C50C-407E-A947-70E740481C1C}">
+                <a14:useLocalDpi xmlns:a14="http://schemas.microsoft.com/office/drawing/2010/main" val="0"/>
+              </a:ext>
+            </a:extLst>
+          </a:blip>
+          <a:stretch>
+            <a:fillRect/>
+          </a:stretch>
+        </p:blipFill>
+        <p:spPr>
+          <a:xfrm>
+            <a:off x="1170367" y="4125363"/>
+            <a:ext cx="172255" cy="194273"/>
+          </a:xfrm>
+          <a:prstGeom prst="rect">
+            <a:avLst/>
+          </a:prstGeom>
+        </p:spPr>
+      </p:pic>
+      <p:pic>
+        <p:nvPicPr>
+          <p:cNvPr id="43" name="Picture 42"/>
+          <p:cNvPicPr>
+            <a:picLocks noChangeAspect="1"/>
+          </p:cNvPicPr>
+          <p:nvPr/>
+        </p:nvPicPr>
+        <p:blipFill>
+          <a:blip r:embed="rId4" cstate="print">
+            <a:extLst>
+              <a:ext uri="{28A0092B-C50C-407E-A947-70E740481C1C}">
+                <a14:useLocalDpi xmlns:a14="http://schemas.microsoft.com/office/drawing/2010/main" val="0"/>
+              </a:ext>
+            </a:extLst>
+          </a:blip>
+          <a:stretch>
+            <a:fillRect/>
+          </a:stretch>
+        </p:blipFill>
+        <p:spPr>
+          <a:xfrm>
+            <a:off x="5961845" y="4106323"/>
+            <a:ext cx="172255" cy="194273"/>
+          </a:xfrm>
+          <a:prstGeom prst="rect">
+            <a:avLst/>
+          </a:prstGeom>
+        </p:spPr>
+      </p:pic>
+      <p:pic>
+        <p:nvPicPr>
+          <p:cNvPr id="2" name="Picture 1"/>
+          <p:cNvPicPr>
+            <a:picLocks noChangeAspect="1"/>
+          </p:cNvPicPr>
+          <p:nvPr/>
+        </p:nvPicPr>
+        <p:blipFill>
+          <a:blip r:embed="rId5" cstate="print">
+            <a:extLst>
+              <a:ext uri="{28A0092B-C50C-407E-A947-70E740481C1C}">
+                <a14:useLocalDpi xmlns:a14="http://schemas.microsoft.com/office/drawing/2010/main" val="0"/>
+              </a:ext>
+            </a:extLst>
+          </a:blip>
+          <a:stretch>
+            <a:fillRect/>
+          </a:stretch>
+        </p:blipFill>
+        <p:spPr>
+          <a:xfrm>
+            <a:off x="4273550" y="4106323"/>
+            <a:ext cx="209531" cy="209531"/>
+          </a:xfrm>
+          <a:prstGeom prst="rect">
+            <a:avLst/>
+          </a:prstGeom>
+        </p:spPr>
+      </p:pic>
+      <p:pic>
+        <p:nvPicPr>
+          <p:cNvPr id="47" name="Picture 46"/>
+          <p:cNvPicPr>
+            <a:picLocks noChangeAspect="1"/>
+          </p:cNvPicPr>
+          <p:nvPr/>
+        </p:nvPicPr>
+        <p:blipFill>
+          <a:blip r:embed="rId5" cstate="print">
+            <a:extLst>
+              <a:ext uri="{28A0092B-C50C-407E-A947-70E740481C1C}">
+                <a14:useLocalDpi xmlns:a14="http://schemas.microsoft.com/office/drawing/2010/main" val="0"/>
+              </a:ext>
+            </a:extLst>
+          </a:blip>
+          <a:stretch>
+            <a:fillRect/>
+          </a:stretch>
+        </p:blipFill>
+        <p:spPr>
+          <a:xfrm>
+            <a:off x="7315200" y="4121169"/>
+            <a:ext cx="209531" cy="209531"/>
+          </a:xfrm>
+          <a:prstGeom prst="rect">
+            <a:avLst/>
+          </a:prstGeom>
+        </p:spPr>
+      </p:pic>
+      <p:pic>
+        <p:nvPicPr>
+          <p:cNvPr id="48" name="Picture 47"/>
+          <p:cNvPicPr>
+            <a:picLocks noChangeAspect="1"/>
+          </p:cNvPicPr>
+          <p:nvPr/>
+        </p:nvPicPr>
+        <p:blipFill>
+          <a:blip r:embed="rId5" cstate="print">
+            <a:extLst>
+              <a:ext uri="{28A0092B-C50C-407E-A947-70E740481C1C}">
+                <a14:useLocalDpi xmlns:a14="http://schemas.microsoft.com/office/drawing/2010/main" val="0"/>
+              </a:ext>
+            </a:extLst>
+          </a:blip>
+          <a:stretch>
+            <a:fillRect/>
+          </a:stretch>
+        </p:blipFill>
+        <p:spPr>
+          <a:xfrm>
+            <a:off x="8696334" y="4117592"/>
+            <a:ext cx="209531" cy="209531"/>
+          </a:xfrm>
+          <a:prstGeom prst="rect">
+            <a:avLst/>
+          </a:prstGeom>
+        </p:spPr>
+      </p:pic>
+      <p:pic>
+        <p:nvPicPr>
+          <p:cNvPr id="49" name="Picture 48"/>
+          <p:cNvPicPr>
+            <a:picLocks noChangeAspect="1"/>
+          </p:cNvPicPr>
+          <p:nvPr/>
+        </p:nvPicPr>
+        <p:blipFill>
+          <a:blip r:embed="rId5" cstate="print">
+            <a:extLst>
+              <a:ext uri="{28A0092B-C50C-407E-A947-70E740481C1C}">
+                <a14:useLocalDpi xmlns:a14="http://schemas.microsoft.com/office/drawing/2010/main" val="0"/>
+              </a:ext>
+            </a:extLst>
+          </a:blip>
+          <a:stretch>
+            <a:fillRect/>
+          </a:stretch>
+        </p:blipFill>
+        <p:spPr>
+          <a:xfrm>
+            <a:off x="6407150" y="2596776"/>
+            <a:ext cx="209531" cy="209531"/>
+          </a:xfrm>
+          <a:prstGeom prst="rect">
+            <a:avLst/>
+          </a:prstGeom>
+        </p:spPr>
+      </p:pic>
+      <p:pic>
+        <p:nvPicPr>
+          <p:cNvPr id="51" name="Picture 50"/>
+          <p:cNvPicPr>
+            <a:picLocks noChangeAspect="1"/>
+          </p:cNvPicPr>
+          <p:nvPr/>
+        </p:nvPicPr>
+        <p:blipFill>
+          <a:blip r:embed="rId5" cstate="print">
+            <a:extLst>
+              <a:ext uri="{28A0092B-C50C-407E-A947-70E740481C1C}">
+                <a14:useLocalDpi xmlns:a14="http://schemas.microsoft.com/office/drawing/2010/main" val="0"/>
+              </a:ext>
+            </a:extLst>
+          </a:blip>
+          <a:stretch>
+            <a:fillRect/>
+          </a:stretch>
+        </p:blipFill>
+        <p:spPr>
+          <a:xfrm>
+            <a:off x="2702259" y="4095367"/>
+            <a:ext cx="209531" cy="209531"/>
+          </a:xfrm>
+          <a:prstGeom prst="rect">
+            <a:avLst/>
+          </a:prstGeom>
+        </p:spPr>
+      </p:pic>
+      <p:pic>
+        <p:nvPicPr>
+          <p:cNvPr id="3" name="Picture 2"/>
+          <p:cNvPicPr>
+            <a:picLocks noChangeAspect="1"/>
+          </p:cNvPicPr>
+          <p:nvPr/>
+        </p:nvPicPr>
+        <p:blipFill>
+          <a:blip r:embed="rId6" cstate="print">
+            <a:extLst>
+              <a:ext uri="{28A0092B-C50C-407E-A947-70E740481C1C}">
+                <a14:useLocalDpi xmlns:a14="http://schemas.microsoft.com/office/drawing/2010/main" val="0"/>
+              </a:ext>
+            </a:extLst>
+          </a:blip>
+          <a:stretch>
+            <a:fillRect/>
+          </a:stretch>
+        </p:blipFill>
+        <p:spPr>
+          <a:xfrm>
+            <a:off x="3657600" y="2811175"/>
+            <a:ext cx="495300" cy="113000"/>
+          </a:xfrm>
+          <a:prstGeom prst="rect">
+            <a:avLst/>
+          </a:prstGeom>
+        </p:spPr>
+      </p:pic>
+      <p:pic>
+        <p:nvPicPr>
+          <p:cNvPr id="4" name="Picture 3"/>
+          <p:cNvPicPr>
+            <a:picLocks noChangeAspect="1"/>
+          </p:cNvPicPr>
+          <p:nvPr/>
+        </p:nvPicPr>
+        <p:blipFill>
+          <a:blip r:embed="rId7" cstate="print">
+            <a:extLst>
+              <a:ext uri="{28A0092B-C50C-407E-A947-70E740481C1C}">
+                <a14:useLocalDpi xmlns:a14="http://schemas.microsoft.com/office/drawing/2010/main" val="0"/>
+              </a:ext>
+            </a:extLst>
+          </a:blip>
+          <a:stretch>
+            <a:fillRect/>
+          </a:stretch>
+        </p:blipFill>
+        <p:spPr>
+          <a:xfrm>
+            <a:off x="5837884" y="2257425"/>
+            <a:ext cx="626406" cy="424390"/>
+          </a:xfrm>
+          <a:prstGeom prst="rect">
+            <a:avLst/>
+          </a:prstGeom>
+        </p:spPr>
+      </p:pic>
+      <p:pic>
+        <p:nvPicPr>
+          <p:cNvPr id="17" name="Picture 16"/>
+          <p:cNvPicPr>
+            <a:picLocks noChangeAspect="1"/>
+          </p:cNvPicPr>
+          <p:nvPr/>
+        </p:nvPicPr>
+        <p:blipFill>
+          <a:blip r:embed="rId8" cstate="print">
+            <a:extLst>
+              <a:ext uri="{28A0092B-C50C-407E-A947-70E740481C1C}">
+                <a14:useLocalDpi xmlns:a14="http://schemas.microsoft.com/office/drawing/2010/main" val="0"/>
+              </a:ext>
+            </a:extLst>
+          </a:blip>
+          <a:stretch>
+            <a:fillRect/>
+          </a:stretch>
+        </p:blipFill>
+        <p:spPr>
+          <a:xfrm>
+            <a:off x="2496355" y="756121"/>
+            <a:ext cx="177329" cy="177329"/>
+          </a:xfrm>
+          <a:prstGeom prst="rect">
+            <a:avLst/>
+          </a:prstGeom>
+        </p:spPr>
+      </p:pic>
+    </p:spTree>
+    <p:extLst>
+      <p:ext uri="{BB962C8B-B14F-4D97-AF65-F5344CB8AC3E}">
+        <p14:creationId xmlns:p14="http://schemas.microsoft.com/office/powerpoint/2010/main" val="2850761221"/>
+      </p:ext>
+    </p:extLst>
+  </p:cSld>
+  <p:clrMapOvr>
+    <a:masterClrMapping/>
+  </p:clrMapOvr>
+</p:sld>
+</file>
+
 <file path=ppt/slides/slide2.xml><?xml version="1.0" encoding="utf-8"?>
 <p:sld xmlns:a="http://schemas.openxmlformats.org/drawingml/2006/main" xmlns:r="http://schemas.openxmlformats.org/officeDocument/2006/relationships" xmlns:p="http://schemas.openxmlformats.org/presentationml/2006/main">
   <p:cSld>
@@ -3850,37 +5482,74 @@
       </p:grpSpPr>
       <p:sp>
         <p:nvSpPr>
-          <p:cNvPr id="34" name="Rectangle 33">
-            <a:extLst>
-              <a:ext uri="{FF2B5EF4-FFF2-40B4-BE49-F238E27FC236}">
-                <a16:creationId xmlns:a16="http://schemas.microsoft.com/office/drawing/2014/main" id="{DD7EA069-4E14-4502-8FC1-96AF35B9BBDF}"/>
-              </a:ext>
-            </a:extLst>
-          </p:cNvPr>
-          <p:cNvSpPr/>
+          <p:cNvPr id="87" name="TextBox 86">
+            <a:extLst>
+              <a:ext uri="{FF2B5EF4-FFF2-40B4-BE49-F238E27FC236}">
+                <a16:creationId xmlns:a16="http://schemas.microsoft.com/office/drawing/2014/main" id="{E0EEFE85-ADA3-4DE4-AC6F-D3901F37287B}"/>
+              </a:ext>
+            </a:extLst>
+          </p:cNvPr>
+          <p:cNvSpPr txBox="1"/>
           <p:nvPr/>
         </p:nvSpPr>
         <p:spPr>
           <a:xfrm>
-            <a:off x="304800" y="185058"/>
-            <a:ext cx="7848600" cy="4691742"/>
+            <a:off x="2438400" y="6392200"/>
+            <a:ext cx="5582762" cy="276999"/>
           </a:xfrm>
           <a:prstGeom prst="rect">
             <a:avLst/>
           </a:prstGeom>
+          <a:noFill/>
+        </p:spPr>
+        <p:txBody>
+          <a:bodyPr wrap="square" rtlCol="0">
+            <a:spAutoFit/>
+          </a:bodyPr>
+          <a:lstStyle/>
+          <a:p>
+            <a:r>
+              <a:rPr lang="en-US" sz="1200" b="1" dirty="0"/>
+              <a:t>https://github.com/vietnam-devs/coolstore-microservices</a:t>
+            </a:r>
+          </a:p>
+        </p:txBody>
+      </p:sp>
+      <p:sp>
+        <p:nvSpPr>
+          <p:cNvPr id="28" name="Rectangle 27">
+            <a:extLst>
+              <a:ext uri="{FF2B5EF4-FFF2-40B4-BE49-F238E27FC236}">
+                <a16:creationId xmlns:a16="http://schemas.microsoft.com/office/drawing/2014/main" id="{03A1F350-D5E1-48D0-B736-0E21327398D6}"/>
+              </a:ext>
+            </a:extLst>
+          </p:cNvPr>
+          <p:cNvSpPr/>
+          <p:nvPr/>
+        </p:nvSpPr>
+        <p:spPr>
+          <a:xfrm>
+            <a:off x="685800" y="1727200"/>
+            <a:ext cx="1235528" cy="2819400"/>
+          </a:xfrm>
+          <a:prstGeom prst="rect">
+            <a:avLst/>
+          </a:prstGeom>
         </p:spPr>
         <p:style>
           <a:lnRef idx="2">
-            <a:schemeClr val="dk1"/>
+            <a:schemeClr val="accent6">
+              <a:shade val="50000"/>
+            </a:schemeClr>
           </a:lnRef>
           <a:fillRef idx="1">
-            <a:schemeClr val="lt1"/>
+            <a:schemeClr val="accent6"/>
           </a:fillRef>
           <a:effectRef idx="0">
-            <a:schemeClr val="dk1"/>
+            <a:schemeClr val="accent6"/>
           </a:effectRef>
           <a:fontRef idx="minor">
-            <a:schemeClr val="dk1"/>
+            <a:schemeClr val="lt1"/>
           </a:fontRef>
         </p:style>
         <p:txBody>
@@ -3888,16 +5557,39 @@
           <a:lstStyle/>
           <a:p>
             <a:pPr algn="ctr"/>
-            <a:endParaRPr lang="en-US"/>
+            <a:r>
+              <a:rPr lang="en-US" dirty="0">
+                <a:solidFill>
+                  <a:schemeClr val="tx1"/>
+                </a:solidFill>
+              </a:rPr>
+              <a:t>API</a:t>
+            </a:r>
+          </a:p>
+          <a:p>
+            <a:pPr algn="ctr"/>
+            <a:r>
+              <a:rPr lang="en-US" sz="1400" dirty="0">
+                <a:solidFill>
+                  <a:schemeClr val="tx1"/>
+                </a:solidFill>
+              </a:rPr>
+              <a:t>(Microservice)</a:t>
+            </a:r>
+            <a:endParaRPr lang="en-US" dirty="0">
+              <a:solidFill>
+                <a:schemeClr val="tx1"/>
+              </a:solidFill>
+            </a:endParaRPr>
           </a:p>
         </p:txBody>
       </p:sp>
       <p:sp>
         <p:nvSpPr>
-          <p:cNvPr id="4" name="Rectangle 3">
-            <a:extLst>
-              <a:ext uri="{FF2B5EF4-FFF2-40B4-BE49-F238E27FC236}">
-                <a16:creationId xmlns:a16="http://schemas.microsoft.com/office/drawing/2014/main" id="{687A61BF-3785-4116-B8B7-99A77E7CE096}"/>
+          <p:cNvPr id="29" name="Rectangle 28">
+            <a:extLst>
+              <a:ext uri="{FF2B5EF4-FFF2-40B4-BE49-F238E27FC236}">
+                <a16:creationId xmlns:a16="http://schemas.microsoft.com/office/drawing/2014/main" id="{1B4101FB-CD67-4483-9AEE-E499615F03D4}"/>
               </a:ext>
             </a:extLst>
           </p:cNvPr>
@@ -3906,8 +5598,8 @@
         </p:nvSpPr>
         <p:spPr>
           <a:xfrm>
-            <a:off x="3372757" y="1972129"/>
-            <a:ext cx="1905000" cy="990600"/>
+            <a:off x="7794171" y="1727200"/>
+            <a:ext cx="990600" cy="2819400"/>
           </a:xfrm>
           <a:prstGeom prst="rect">
             <a:avLst/>
@@ -3935,33 +5627,75 @@
           <a:p>
             <a:pPr algn="ctr"/>
             <a:r>
-              <a:rPr lang="en-US" b="1" dirty="0">
+              <a:rPr lang="en-US" dirty="0">
                 <a:solidFill>
                   <a:schemeClr val="tx1"/>
                 </a:solidFill>
               </a:rPr>
-              <a:t>Cart</a:t>
+              <a:t>Domain</a:t>
             </a:r>
           </a:p>
+        </p:txBody>
+      </p:sp>
+      <p:sp>
+        <p:nvSpPr>
+          <p:cNvPr id="30" name="Rectangle 29">
+            <a:extLst>
+              <a:ext uri="{FF2B5EF4-FFF2-40B4-BE49-F238E27FC236}">
+                <a16:creationId xmlns:a16="http://schemas.microsoft.com/office/drawing/2014/main" id="{1F408CCE-65BF-4786-9A66-B29C455AF964}"/>
+              </a:ext>
+            </a:extLst>
+          </p:cNvPr>
+          <p:cNvSpPr/>
+          <p:nvPr/>
+        </p:nvSpPr>
+        <p:spPr>
+          <a:xfrm>
+            <a:off x="3381829" y="1727200"/>
+            <a:ext cx="990600" cy="2819400"/>
+          </a:xfrm>
+          <a:prstGeom prst="rect">
+            <a:avLst/>
+          </a:prstGeom>
+        </p:spPr>
+        <p:style>
+          <a:lnRef idx="2">
+            <a:schemeClr val="accent5">
+              <a:shade val="50000"/>
+            </a:schemeClr>
+          </a:lnRef>
+          <a:fillRef idx="1">
+            <a:schemeClr val="accent5"/>
+          </a:fillRef>
+          <a:effectRef idx="0">
+            <a:schemeClr val="accent5"/>
+          </a:effectRef>
+          <a:fontRef idx="minor">
+            <a:schemeClr val="lt1"/>
+          </a:fontRef>
+        </p:style>
+        <p:txBody>
+          <a:bodyPr rtlCol="0" anchor="ctr"/>
+          <a:lstStyle/>
           <a:p>
             <a:pPr algn="ctr"/>
             <a:r>
-              <a:rPr lang="en-US" b="1" dirty="0">
+              <a:rPr lang="en-US" dirty="0">
                 <a:solidFill>
                   <a:schemeClr val="tx1"/>
                 </a:solidFill>
               </a:rPr>
-              <a:t>(Root Aggregate)</a:t>
+              <a:t>Handler</a:t>
             </a:r>
           </a:p>
         </p:txBody>
       </p:sp>
       <p:sp>
         <p:nvSpPr>
-          <p:cNvPr id="5" name="Rectangle 4">
-            <a:extLst>
-              <a:ext uri="{FF2B5EF4-FFF2-40B4-BE49-F238E27FC236}">
-                <a16:creationId xmlns:a16="http://schemas.microsoft.com/office/drawing/2014/main" id="{DA74752C-27E3-4DA7-966F-98CF73E76ED9}"/>
+          <p:cNvPr id="31" name="Arrow: Right 30">
+            <a:extLst>
+              <a:ext uri="{FF2B5EF4-FFF2-40B4-BE49-F238E27FC236}">
+                <a16:creationId xmlns:a16="http://schemas.microsoft.com/office/drawing/2014/main" id="{44C64CE8-F6E7-4A0E-BC6C-38213F0E0204}"/>
               </a:ext>
             </a:extLst>
           </p:cNvPr>
@@ -3970,8 +5704,114 @@
         </p:nvSpPr>
         <p:spPr>
           <a:xfrm>
-            <a:off x="3372757" y="304800"/>
-            <a:ext cx="1905000" cy="990600"/>
+            <a:off x="2004786" y="2108200"/>
+            <a:ext cx="1293585" cy="685800"/>
+          </a:xfrm>
+          <a:prstGeom prst="rightArrow">
+            <a:avLst/>
+          </a:prstGeom>
+        </p:spPr>
+        <p:style>
+          <a:lnRef idx="2">
+            <a:schemeClr val="accent5">
+              <a:shade val="50000"/>
+            </a:schemeClr>
+          </a:lnRef>
+          <a:fillRef idx="1">
+            <a:schemeClr val="accent5"/>
+          </a:fillRef>
+          <a:effectRef idx="0">
+            <a:schemeClr val="accent5"/>
+          </a:effectRef>
+          <a:fontRef idx="minor">
+            <a:schemeClr val="lt1"/>
+          </a:fontRef>
+        </p:style>
+        <p:txBody>
+          <a:bodyPr rtlCol="0" anchor="ctr"/>
+          <a:lstStyle/>
+          <a:p>
+            <a:pPr algn="ctr"/>
+            <a:r>
+              <a:rPr lang="en-US" dirty="0">
+                <a:solidFill>
+                  <a:schemeClr val="tx1"/>
+                </a:solidFill>
+              </a:rPr>
+              <a:t>Request</a:t>
+            </a:r>
+          </a:p>
+        </p:txBody>
+      </p:sp>
+      <p:sp>
+        <p:nvSpPr>
+          <p:cNvPr id="33" name="Arrow: Left 32">
+            <a:extLst>
+              <a:ext uri="{FF2B5EF4-FFF2-40B4-BE49-F238E27FC236}">
+                <a16:creationId xmlns:a16="http://schemas.microsoft.com/office/drawing/2014/main" id="{E32D9178-5EDA-455D-B830-4D02C48B973F}"/>
+              </a:ext>
+            </a:extLst>
+          </p:cNvPr>
+          <p:cNvSpPr/>
+          <p:nvPr/>
+        </p:nvSpPr>
+        <p:spPr>
+          <a:xfrm>
+            <a:off x="1963056" y="3632200"/>
+            <a:ext cx="1377043" cy="685800"/>
+          </a:xfrm>
+          <a:prstGeom prst="leftArrow">
+            <a:avLst/>
+          </a:prstGeom>
+        </p:spPr>
+        <p:style>
+          <a:lnRef idx="2">
+            <a:schemeClr val="accent5">
+              <a:shade val="50000"/>
+            </a:schemeClr>
+          </a:lnRef>
+          <a:fillRef idx="1">
+            <a:schemeClr val="accent5"/>
+          </a:fillRef>
+          <a:effectRef idx="0">
+            <a:schemeClr val="accent5"/>
+          </a:effectRef>
+          <a:fontRef idx="minor">
+            <a:schemeClr val="lt1"/>
+          </a:fontRef>
+        </p:style>
+        <p:txBody>
+          <a:bodyPr rtlCol="0" anchor="ctr"/>
+          <a:lstStyle/>
+          <a:p>
+            <a:pPr algn="ctr"/>
+            <a:r>
+              <a:rPr lang="en-US" dirty="0">
+                <a:solidFill>
+                  <a:schemeClr val="tx1"/>
+                </a:solidFill>
+              </a:rPr>
+              <a:t>Response</a:t>
+            </a:r>
+          </a:p>
+        </p:txBody>
+      </p:sp>
+      <p:sp>
+        <p:nvSpPr>
+          <p:cNvPr id="36" name="Rectangle 35">
+            <a:extLst>
+              <a:ext uri="{FF2B5EF4-FFF2-40B4-BE49-F238E27FC236}">
+                <a16:creationId xmlns:a16="http://schemas.microsoft.com/office/drawing/2014/main" id="{4FFAA4A2-69BA-4AE8-97A7-0E2667077EC1}"/>
+              </a:ext>
+            </a:extLst>
+          </p:cNvPr>
+          <p:cNvSpPr/>
+          <p:nvPr/>
+        </p:nvSpPr>
+        <p:spPr>
+          <a:xfrm>
+            <a:off x="4800600" y="1752600"/>
+            <a:ext cx="2618013" cy="2819400"/>
           </a:xfrm>
           <a:prstGeom prst="rect">
             <a:avLst/>
@@ -3999,33 +5839,44 @@
           <a:p>
             <a:pPr algn="ctr"/>
             <a:r>
-              <a:rPr lang="en-US" b="1" dirty="0">
+              <a:rPr lang="en-US" dirty="0">
                 <a:solidFill>
                   <a:schemeClr val="tx1"/>
                 </a:solidFill>
               </a:rPr>
-              <a:t>CartItem</a:t>
+              <a:t>Unit of Work, Generic Repository, Event Bus,</a:t>
             </a:r>
           </a:p>
           <a:p>
             <a:pPr algn="ctr"/>
             <a:r>
-              <a:rPr lang="en-US" b="1" dirty="0">
+              <a:rPr lang="en-US" dirty="0">
                 <a:solidFill>
                   <a:schemeClr val="tx1"/>
                 </a:solidFill>
               </a:rPr>
-              <a:t>(Entity)</a:t>
+              <a:t>Dependency Injection</a:t>
+            </a:r>
+          </a:p>
+          <a:p>
+            <a:pPr algn="ctr"/>
+            <a:r>
+              <a:rPr lang="en-US" dirty="0">
+                <a:solidFill>
+                  <a:schemeClr val="tx1"/>
+                </a:solidFill>
+              </a:rPr>
+              <a:t>…</a:t>
             </a:r>
           </a:p>
         </p:txBody>
       </p:sp>
       <p:sp>
         <p:nvSpPr>
-          <p:cNvPr id="6" name="Rectangle 5">
-            <a:extLst>
-              <a:ext uri="{FF2B5EF4-FFF2-40B4-BE49-F238E27FC236}">
-                <a16:creationId xmlns:a16="http://schemas.microsoft.com/office/drawing/2014/main" id="{CE049D82-645D-48BE-82A6-D9CADE6307FF}"/>
+          <p:cNvPr id="42" name="Right Brace 41">
+            <a:extLst>
+              <a:ext uri="{FF2B5EF4-FFF2-40B4-BE49-F238E27FC236}">
+                <a16:creationId xmlns:a16="http://schemas.microsoft.com/office/drawing/2014/main" id="{B24605A9-AD1C-4FED-A8FA-706D8D99E04E}"/>
               </a:ext>
             </a:extLst>
           </p:cNvPr>
@@ -4033,11 +5884,394 @@
           <p:nvPr/>
         </p:nvSpPr>
         <p:spPr>
+          <a:xfrm rot="5400000">
+            <a:off x="7990114" y="4452257"/>
+            <a:ext cx="598714" cy="1143000"/>
+          </a:xfrm>
+          <a:prstGeom prst="rightBrace">
+            <a:avLst>
+              <a:gd name="adj1" fmla="val 8333"/>
+              <a:gd name="adj2" fmla="val 47460"/>
+            </a:avLst>
+          </a:prstGeom>
+        </p:spPr>
+        <p:style>
+          <a:lnRef idx="1">
+            <a:schemeClr val="accent1"/>
+          </a:lnRef>
+          <a:fillRef idx="0">
+            <a:schemeClr val="accent1"/>
+          </a:fillRef>
+          <a:effectRef idx="0">
+            <a:schemeClr val="accent1"/>
+          </a:effectRef>
+          <a:fontRef idx="minor">
+            <a:schemeClr val="tx1"/>
+          </a:fontRef>
+        </p:style>
+        <p:txBody>
+          <a:bodyPr rtlCol="0" anchor="ctr"/>
+          <a:lstStyle/>
+          <a:p>
+            <a:pPr algn="ctr"/>
+            <a:endParaRPr lang="en-US" dirty="0"/>
+          </a:p>
+        </p:txBody>
+      </p:sp>
+      <p:sp>
+        <p:nvSpPr>
+          <p:cNvPr id="43" name="Right Brace 42">
+            <a:extLst>
+              <a:ext uri="{FF2B5EF4-FFF2-40B4-BE49-F238E27FC236}">
+                <a16:creationId xmlns:a16="http://schemas.microsoft.com/office/drawing/2014/main" id="{0C6AE293-ABBD-4DEF-9F5F-A81088660093}"/>
+              </a:ext>
+            </a:extLst>
+          </p:cNvPr>
+          <p:cNvSpPr/>
+          <p:nvPr/>
+        </p:nvSpPr>
+        <p:spPr>
+          <a:xfrm rot="5400000">
+            <a:off x="5810248" y="3714750"/>
+            <a:ext cx="598714" cy="2618013"/>
+          </a:xfrm>
+          <a:prstGeom prst="rightBrace">
+            <a:avLst>
+              <a:gd name="adj1" fmla="val 8333"/>
+              <a:gd name="adj2" fmla="val 47460"/>
+            </a:avLst>
+          </a:prstGeom>
+        </p:spPr>
+        <p:style>
+          <a:lnRef idx="1">
+            <a:schemeClr val="accent1"/>
+          </a:lnRef>
+          <a:fillRef idx="0">
+            <a:schemeClr val="accent1"/>
+          </a:fillRef>
+          <a:effectRef idx="0">
+            <a:schemeClr val="accent1"/>
+          </a:effectRef>
+          <a:fontRef idx="minor">
+            <a:schemeClr val="tx1"/>
+          </a:fontRef>
+        </p:style>
+        <p:txBody>
+          <a:bodyPr rtlCol="0" anchor="ctr"/>
+          <a:lstStyle/>
+          <a:p>
+            <a:pPr algn="ctr"/>
+            <a:endParaRPr lang="en-US" dirty="0"/>
+          </a:p>
+        </p:txBody>
+      </p:sp>
+      <p:sp>
+        <p:nvSpPr>
+          <p:cNvPr id="44" name="Right Brace 43">
+            <a:extLst>
+              <a:ext uri="{FF2B5EF4-FFF2-40B4-BE49-F238E27FC236}">
+                <a16:creationId xmlns:a16="http://schemas.microsoft.com/office/drawing/2014/main" id="{592F29CE-10CB-4F79-941A-60B48FF06077}"/>
+              </a:ext>
+            </a:extLst>
+          </p:cNvPr>
+          <p:cNvSpPr/>
+          <p:nvPr/>
+        </p:nvSpPr>
+        <p:spPr>
+          <a:xfrm rot="5400000">
+            <a:off x="2935968" y="3793218"/>
+            <a:ext cx="598714" cy="2461078"/>
+          </a:xfrm>
+          <a:prstGeom prst="rightBrace">
+            <a:avLst>
+              <a:gd name="adj1" fmla="val 8333"/>
+              <a:gd name="adj2" fmla="val 47460"/>
+            </a:avLst>
+          </a:prstGeom>
+        </p:spPr>
+        <p:style>
+          <a:lnRef idx="1">
+            <a:schemeClr val="accent1"/>
+          </a:lnRef>
+          <a:fillRef idx="0">
+            <a:schemeClr val="accent1"/>
+          </a:fillRef>
+          <a:effectRef idx="0">
+            <a:schemeClr val="accent1"/>
+          </a:effectRef>
+          <a:fontRef idx="minor">
+            <a:schemeClr val="tx1"/>
+          </a:fontRef>
+        </p:style>
+        <p:txBody>
+          <a:bodyPr rtlCol="0" anchor="ctr"/>
+          <a:lstStyle/>
+          <a:p>
+            <a:pPr algn="ctr"/>
+            <a:endParaRPr lang="en-US" dirty="0"/>
+          </a:p>
+        </p:txBody>
+      </p:sp>
+      <p:sp>
+        <p:nvSpPr>
+          <p:cNvPr id="45" name="Right Brace 44">
+            <a:extLst>
+              <a:ext uri="{FF2B5EF4-FFF2-40B4-BE49-F238E27FC236}">
+                <a16:creationId xmlns:a16="http://schemas.microsoft.com/office/drawing/2014/main" id="{5AA22319-A42B-4C17-BCEF-32E64295E904}"/>
+              </a:ext>
+            </a:extLst>
+          </p:cNvPr>
+          <p:cNvSpPr/>
+          <p:nvPr/>
+        </p:nvSpPr>
+        <p:spPr>
+          <a:xfrm rot="5400000">
+            <a:off x="1004207" y="4405992"/>
+            <a:ext cx="598714" cy="1235528"/>
+          </a:xfrm>
+          <a:prstGeom prst="rightBrace">
+            <a:avLst>
+              <a:gd name="adj1" fmla="val 8333"/>
+              <a:gd name="adj2" fmla="val 47460"/>
+            </a:avLst>
+          </a:prstGeom>
+        </p:spPr>
+        <p:style>
+          <a:lnRef idx="1">
+            <a:schemeClr val="accent1"/>
+          </a:lnRef>
+          <a:fillRef idx="0">
+            <a:schemeClr val="accent1"/>
+          </a:fillRef>
+          <a:effectRef idx="0">
+            <a:schemeClr val="accent1"/>
+          </a:effectRef>
+          <a:fontRef idx="minor">
+            <a:schemeClr val="tx1"/>
+          </a:fontRef>
+        </p:style>
+        <p:txBody>
+          <a:bodyPr rtlCol="0" anchor="ctr"/>
+          <a:lstStyle/>
+          <a:p>
+            <a:pPr algn="ctr"/>
+            <a:endParaRPr lang="en-US" dirty="0"/>
+          </a:p>
+        </p:txBody>
+      </p:sp>
+      <p:sp>
+        <p:nvSpPr>
+          <p:cNvPr id="46" name="Arrow: Right 45">
+            <a:extLst>
+              <a:ext uri="{FF2B5EF4-FFF2-40B4-BE49-F238E27FC236}">
+                <a16:creationId xmlns:a16="http://schemas.microsoft.com/office/drawing/2014/main" id="{C96F7045-5BA2-4A9A-B2FA-4FD7895EB120}"/>
+              </a:ext>
+            </a:extLst>
+          </p:cNvPr>
+          <p:cNvSpPr/>
+          <p:nvPr/>
+        </p:nvSpPr>
+        <p:spPr>
           <a:xfrm>
-            <a:off x="5573488" y="304800"/>
-            <a:ext cx="1905000" cy="990600"/>
+            <a:off x="72571" y="2933700"/>
+            <a:ext cx="504371" cy="457200"/>
+          </a:xfrm>
+          <a:prstGeom prst="rightArrow">
+            <a:avLst/>
+          </a:prstGeom>
+        </p:spPr>
+        <p:style>
+          <a:lnRef idx="2">
+            <a:schemeClr val="dk1">
+              <a:shade val="50000"/>
+            </a:schemeClr>
+          </a:lnRef>
+          <a:fillRef idx="1">
+            <a:schemeClr val="dk1"/>
+          </a:fillRef>
+          <a:effectRef idx="0">
+            <a:schemeClr val="dk1"/>
+          </a:effectRef>
+          <a:fontRef idx="minor">
+            <a:schemeClr val="lt1"/>
+          </a:fontRef>
+        </p:style>
+        <p:txBody>
+          <a:bodyPr rtlCol="0" anchor="ctr"/>
+          <a:lstStyle/>
+          <a:p>
+            <a:pPr algn="ctr"/>
+            <a:endParaRPr lang="en-US"/>
+          </a:p>
+        </p:txBody>
+      </p:sp>
+      <p:sp>
+        <p:nvSpPr>
+          <p:cNvPr id="47" name="TextBox 46">
+            <a:extLst>
+              <a:ext uri="{FF2B5EF4-FFF2-40B4-BE49-F238E27FC236}">
+                <a16:creationId xmlns:a16="http://schemas.microsoft.com/office/drawing/2014/main" id="{1AC87C1F-C8E1-480D-AC5E-71693DD0452B}"/>
+              </a:ext>
+            </a:extLst>
+          </p:cNvPr>
+          <p:cNvSpPr txBox="1"/>
+          <p:nvPr/>
+        </p:nvSpPr>
+        <p:spPr>
+          <a:xfrm>
+            <a:off x="576942" y="5384800"/>
+            <a:ext cx="1698171" cy="369332"/>
           </a:xfrm>
           <a:prstGeom prst="rect">
+            <a:avLst/>
+          </a:prstGeom>
+          <a:noFill/>
+        </p:spPr>
+        <p:txBody>
+          <a:bodyPr wrap="square" rtlCol="0">
+            <a:spAutoFit/>
+          </a:bodyPr>
+          <a:lstStyle/>
+          <a:p>
+            <a:r>
+              <a:rPr lang="en-US" dirty="0"/>
+              <a:t>ASP.NET Core</a:t>
+            </a:r>
+          </a:p>
+        </p:txBody>
+      </p:sp>
+      <p:sp>
+        <p:nvSpPr>
+          <p:cNvPr id="49" name="TextBox 48">
+            <a:extLst>
+              <a:ext uri="{FF2B5EF4-FFF2-40B4-BE49-F238E27FC236}">
+                <a16:creationId xmlns:a16="http://schemas.microsoft.com/office/drawing/2014/main" id="{A55F0019-D639-4E7D-A331-8930AF1D8AE8}"/>
+              </a:ext>
+            </a:extLst>
+          </p:cNvPr>
+          <p:cNvSpPr txBox="1"/>
+          <p:nvPr/>
+        </p:nvSpPr>
+        <p:spPr>
+          <a:xfrm>
+            <a:off x="2048780" y="5413829"/>
+            <a:ext cx="2740932" cy="369332"/>
+          </a:xfrm>
+          <a:prstGeom prst="rect">
+            <a:avLst/>
+          </a:prstGeom>
+          <a:noFill/>
+        </p:spPr>
+        <p:txBody>
+          <a:bodyPr wrap="square" rtlCol="0">
+            <a:spAutoFit/>
+          </a:bodyPr>
+          <a:lstStyle/>
+          <a:p>
+            <a:r>
+              <a:rPr lang="en-US" dirty="0" err="1"/>
+              <a:t>MediatR</a:t>
+            </a:r>
+            <a:r>
+              <a:rPr lang="en-US" dirty="0"/>
+              <a:t> &amp; </a:t>
+            </a:r>
+            <a:r>
+              <a:rPr lang="en-US" dirty="0" err="1"/>
+              <a:t>AutoMapper</a:t>
+            </a:r>
+            <a:endParaRPr lang="en-US" dirty="0"/>
+          </a:p>
+        </p:txBody>
+      </p:sp>
+      <p:sp>
+        <p:nvSpPr>
+          <p:cNvPr id="50" name="TextBox 49">
+            <a:extLst>
+              <a:ext uri="{FF2B5EF4-FFF2-40B4-BE49-F238E27FC236}">
+                <a16:creationId xmlns:a16="http://schemas.microsoft.com/office/drawing/2014/main" id="{D6A296B7-D42B-47B7-B283-796A780C0BB3}"/>
+              </a:ext>
+            </a:extLst>
+          </p:cNvPr>
+          <p:cNvSpPr txBox="1"/>
+          <p:nvPr/>
+        </p:nvSpPr>
+        <p:spPr>
+          <a:xfrm>
+            <a:off x="4891084" y="5413829"/>
+            <a:ext cx="2740932" cy="923330"/>
+          </a:xfrm>
+          <a:prstGeom prst="rect">
+            <a:avLst/>
+          </a:prstGeom>
+          <a:noFill/>
+        </p:spPr>
+        <p:txBody>
+          <a:bodyPr wrap="square" rtlCol="0">
+            <a:spAutoFit/>
+          </a:bodyPr>
+          <a:lstStyle/>
+          <a:p>
+            <a:r>
+              <a:rPr lang="en-US" dirty="0"/>
+              <a:t>Entity Framework Core (SQL Server, MySQL, SQL Lite), Kafka, Swagger…</a:t>
+            </a:r>
+          </a:p>
+        </p:txBody>
+      </p:sp>
+      <p:sp>
+        <p:nvSpPr>
+          <p:cNvPr id="52" name="TextBox 51">
+            <a:extLst>
+              <a:ext uri="{FF2B5EF4-FFF2-40B4-BE49-F238E27FC236}">
+                <a16:creationId xmlns:a16="http://schemas.microsoft.com/office/drawing/2014/main" id="{BE7B7438-8DDD-47F6-9B3C-229DC5693599}"/>
+              </a:ext>
+            </a:extLst>
+          </p:cNvPr>
+          <p:cNvSpPr txBox="1"/>
+          <p:nvPr/>
+        </p:nvSpPr>
+        <p:spPr>
+          <a:xfrm>
+            <a:off x="7707988" y="5466248"/>
+            <a:ext cx="1722441" cy="369332"/>
+          </a:xfrm>
+          <a:prstGeom prst="rect">
+            <a:avLst/>
+          </a:prstGeom>
+          <a:noFill/>
+        </p:spPr>
+        <p:txBody>
+          <a:bodyPr wrap="square" rtlCol="0">
+            <a:spAutoFit/>
+          </a:bodyPr>
+          <a:lstStyle/>
+          <a:p>
+            <a:r>
+              <a:rPr lang="en-US" dirty="0"/>
+              <a:t>Pure C# Code</a:t>
+            </a:r>
+          </a:p>
+        </p:txBody>
+      </p:sp>
+      <p:sp>
+        <p:nvSpPr>
+          <p:cNvPr id="53" name="Oval 52">
+            <a:extLst>
+              <a:ext uri="{FF2B5EF4-FFF2-40B4-BE49-F238E27FC236}">
+                <a16:creationId xmlns:a16="http://schemas.microsoft.com/office/drawing/2014/main" id="{103F21AF-FC4A-486F-85D9-2C3C52216E8B}"/>
+              </a:ext>
+            </a:extLst>
+          </p:cNvPr>
+          <p:cNvSpPr/>
+          <p:nvPr/>
+        </p:nvSpPr>
+        <p:spPr>
+          <a:xfrm>
+            <a:off x="1088571" y="1346200"/>
+            <a:ext cx="304800" cy="304800"/>
+          </a:xfrm>
+          <a:prstGeom prst="ellipse">
             <a:avLst/>
           </a:prstGeom>
         </p:spPr>
@@ -4063,33 +6297,22 @@
           <a:p>
             <a:pPr algn="ctr"/>
             <a:r>
-              <a:rPr lang="en-US" b="1" dirty="0">
+              <a:rPr lang="en-US" dirty="0">
                 <a:solidFill>
                   <a:schemeClr val="tx1"/>
                 </a:solidFill>
               </a:rPr>
-              <a:t>Product</a:t>
-            </a:r>
-          </a:p>
-          <a:p>
-            <a:pPr algn="ctr"/>
-            <a:r>
-              <a:rPr lang="en-US" b="1" dirty="0">
-                <a:solidFill>
-                  <a:schemeClr val="tx1"/>
-                </a:solidFill>
-              </a:rPr>
-              <a:t>(Identity)</a:t>
+              <a:t>1</a:t>
             </a:r>
           </a:p>
         </p:txBody>
       </p:sp>
       <p:sp>
         <p:nvSpPr>
-          <p:cNvPr id="7" name="Rectangle 6">
-            <a:extLst>
-              <a:ext uri="{FF2B5EF4-FFF2-40B4-BE49-F238E27FC236}">
-                <a16:creationId xmlns:a16="http://schemas.microsoft.com/office/drawing/2014/main" id="{BCA4ADE8-2B20-4516-8964-0D619868A973}"/>
+          <p:cNvPr id="55" name="Oval 54">
+            <a:extLst>
+              <a:ext uri="{FF2B5EF4-FFF2-40B4-BE49-F238E27FC236}">
+                <a16:creationId xmlns:a16="http://schemas.microsoft.com/office/drawing/2014/main" id="{2952DBE8-773E-460E-A3D1-296B55CD73B1}"/>
               </a:ext>
             </a:extLst>
           </p:cNvPr>
@@ -4098,177 +6321,24 @@
         </p:nvSpPr>
         <p:spPr>
           <a:xfrm>
-            <a:off x="5573488" y="3459844"/>
-            <a:ext cx="1905000" cy="990600"/>
-          </a:xfrm>
-          <a:prstGeom prst="rect">
+            <a:off x="8137071" y="1346200"/>
+            <a:ext cx="304800" cy="304800"/>
+          </a:xfrm>
+          <a:prstGeom prst="ellipse">
             <a:avLst/>
           </a:prstGeom>
         </p:spPr>
         <p:style>
-          <a:lnRef idx="1">
-            <a:schemeClr val="accent1"/>
-          </a:lnRef>
-          <a:fillRef idx="2">
-            <a:schemeClr val="accent1"/>
-          </a:fillRef>
-          <a:effectRef idx="1">
-            <a:schemeClr val="accent1"/>
-          </a:effectRef>
-          <a:fontRef idx="minor">
-            <a:schemeClr val="dk1"/>
-          </a:fontRef>
-        </p:style>
-        <p:txBody>
-          <a:bodyPr rtlCol="0" anchor="ctr"/>
-          <a:lstStyle/>
-          <a:p>
-            <a:pPr algn="ctr"/>
-            <a:r>
-              <a:rPr lang="en-US" b="1" dirty="0">
-                <a:solidFill>
-                  <a:schemeClr val="tx1"/>
-                </a:solidFill>
-              </a:rPr>
-              <a:t>ICatalogGateway</a:t>
-            </a:r>
-          </a:p>
-        </p:txBody>
-      </p:sp>
-      <p:sp>
-        <p:nvSpPr>
-          <p:cNvPr id="8" name="Rectangle 7">
-            <a:extLst>
-              <a:ext uri="{FF2B5EF4-FFF2-40B4-BE49-F238E27FC236}">
-                <a16:creationId xmlns:a16="http://schemas.microsoft.com/office/drawing/2014/main" id="{0F8414E6-3E1D-4F12-810D-03AD7288184E}"/>
-              </a:ext>
-            </a:extLst>
-          </p:cNvPr>
-          <p:cNvSpPr/>
-          <p:nvPr/>
-        </p:nvSpPr>
-        <p:spPr>
-          <a:xfrm>
-            <a:off x="3372757" y="3458029"/>
-            <a:ext cx="1905000" cy="990600"/>
-          </a:xfrm>
-          <a:prstGeom prst="rect">
-            <a:avLst/>
-          </a:prstGeom>
-        </p:spPr>
-        <p:style>
-          <a:lnRef idx="1">
-            <a:schemeClr val="accent1"/>
-          </a:lnRef>
-          <a:fillRef idx="2">
-            <a:schemeClr val="accent1"/>
-          </a:fillRef>
-          <a:effectRef idx="1">
-            <a:schemeClr val="accent1"/>
-          </a:effectRef>
-          <a:fontRef idx="minor">
-            <a:schemeClr val="dk1"/>
-          </a:fontRef>
-        </p:style>
-        <p:txBody>
-          <a:bodyPr rtlCol="0" anchor="ctr"/>
-          <a:lstStyle/>
-          <a:p>
-            <a:pPr algn="ctr"/>
-            <a:r>
-              <a:rPr lang="en-US" b="1" dirty="0">
-                <a:solidFill>
-                  <a:schemeClr val="tx1"/>
-                </a:solidFill>
-              </a:rPr>
-              <a:t>IPromoGateway</a:t>
-            </a:r>
-          </a:p>
-        </p:txBody>
-      </p:sp>
-      <p:sp>
-        <p:nvSpPr>
-          <p:cNvPr id="9" name="Rectangle 8">
-            <a:extLst>
-              <a:ext uri="{FF2B5EF4-FFF2-40B4-BE49-F238E27FC236}">
-                <a16:creationId xmlns:a16="http://schemas.microsoft.com/office/drawing/2014/main" id="{C4435B9C-8755-42AD-8D1F-48C8C1921D91}"/>
-              </a:ext>
-            </a:extLst>
-          </p:cNvPr>
-          <p:cNvSpPr/>
-          <p:nvPr/>
-        </p:nvSpPr>
-        <p:spPr>
-          <a:xfrm>
-            <a:off x="1182915" y="3459844"/>
-            <a:ext cx="1905000" cy="990600"/>
-          </a:xfrm>
-          <a:prstGeom prst="rect">
-            <a:avLst/>
-          </a:prstGeom>
-        </p:spPr>
-        <p:style>
-          <a:lnRef idx="1">
-            <a:schemeClr val="accent1"/>
-          </a:lnRef>
-          <a:fillRef idx="2">
-            <a:schemeClr val="accent1"/>
-          </a:fillRef>
-          <a:effectRef idx="1">
-            <a:schemeClr val="accent1"/>
-          </a:effectRef>
-          <a:fontRef idx="minor">
-            <a:schemeClr val="dk1"/>
-          </a:fontRef>
-        </p:style>
-        <p:txBody>
-          <a:bodyPr rtlCol="0" anchor="ctr"/>
-          <a:lstStyle/>
-          <a:p>
-            <a:pPr algn="ctr"/>
-            <a:r>
-              <a:rPr lang="en-US" b="1" dirty="0">
-                <a:solidFill>
-                  <a:schemeClr val="tx1"/>
-                </a:solidFill>
-              </a:rPr>
-              <a:t>IShippingGateway</a:t>
-            </a:r>
-          </a:p>
-        </p:txBody>
-      </p:sp>
-      <p:sp>
-        <p:nvSpPr>
-          <p:cNvPr id="10" name="Rectangle 9">
-            <a:extLst>
-              <a:ext uri="{FF2B5EF4-FFF2-40B4-BE49-F238E27FC236}">
-                <a16:creationId xmlns:a16="http://schemas.microsoft.com/office/drawing/2014/main" id="{D0EB6457-2BD7-405B-A5EB-04ABC96AFDA5}"/>
-              </a:ext>
-            </a:extLst>
-          </p:cNvPr>
-          <p:cNvSpPr/>
-          <p:nvPr/>
-        </p:nvSpPr>
-        <p:spPr>
-          <a:xfrm>
-            <a:off x="1182915" y="304800"/>
-            <a:ext cx="1905000" cy="990600"/>
-          </a:xfrm>
-          <a:prstGeom prst="rect">
-            <a:avLst/>
-          </a:prstGeom>
-        </p:spPr>
-        <p:style>
           <a:lnRef idx="2">
-            <a:schemeClr val="accent3">
+            <a:schemeClr val="accent2">
               <a:shade val="50000"/>
             </a:schemeClr>
           </a:lnRef>
           <a:fillRef idx="1">
-            <a:schemeClr val="accent3"/>
+            <a:schemeClr val="accent2"/>
           </a:fillRef>
           <a:effectRef idx="0">
-            <a:schemeClr val="accent3"/>
+            <a:schemeClr val="accent2"/>
           </a:effectRef>
           <a:fontRef idx="minor">
             <a:schemeClr val="lt1"/>
@@ -4280,185 +6350,48 @@
           <a:p>
             <a:pPr algn="ctr"/>
             <a:r>
-              <a:rPr lang="en-US" b="1" dirty="0">
+              <a:rPr lang="en-US" dirty="0">
                 <a:solidFill>
                   <a:schemeClr val="tx1"/>
                 </a:solidFill>
               </a:rPr>
-              <a:t>TaxType</a:t>
-            </a:r>
-          </a:p>
-          <a:p>
-            <a:pPr algn="ctr"/>
-            <a:r>
-              <a:rPr lang="en-US" b="1" dirty="0">
-                <a:solidFill>
-                  <a:schemeClr val="tx1"/>
-                </a:solidFill>
-              </a:rPr>
-              <a:t>(Enum)</a:t>
+              <a:t>4</a:t>
             </a:r>
           </a:p>
         </p:txBody>
       </p:sp>
-      <p:cxnSp>
-        <p:nvCxnSpPr>
-          <p:cNvPr id="32" name="Straight Arrow Connector 31">
-            <a:extLst>
-              <a:ext uri="{FF2B5EF4-FFF2-40B4-BE49-F238E27FC236}">
-                <a16:creationId xmlns:a16="http://schemas.microsoft.com/office/drawing/2014/main" id="{3DAB1093-2A32-47FD-AF1D-FD85E3AD68CF}"/>
-              </a:ext>
-            </a:extLst>
-          </p:cNvPr>
-          <p:cNvCxnSpPr>
-            <a:cxnSpLocks/>
-            <a:stCxn id="4" idx="0"/>
-            <a:endCxn id="5" idx="2"/>
-          </p:cNvCxnSpPr>
-          <p:nvPr/>
-        </p:nvCxnSpPr>
-        <p:spPr>
-          <a:xfrm flipV="1">
-            <a:off x="4325257" y="1295400"/>
-            <a:ext cx="0" cy="676729"/>
-          </a:xfrm>
-          <a:prstGeom prst="straightConnector1">
+      <p:sp>
+        <p:nvSpPr>
+          <p:cNvPr id="56" name="Oval 55">
+            <a:extLst>
+              <a:ext uri="{FF2B5EF4-FFF2-40B4-BE49-F238E27FC236}">
+                <a16:creationId xmlns:a16="http://schemas.microsoft.com/office/drawing/2014/main" id="{C6110944-D025-42DF-A67E-FE98CAFCEF6B}"/>
+              </a:ext>
+            </a:extLst>
+          </p:cNvPr>
+          <p:cNvSpPr/>
+          <p:nvPr/>
+        </p:nvSpPr>
+        <p:spPr>
+          <a:xfrm>
+            <a:off x="5889171" y="1320801"/>
+            <a:ext cx="304800" cy="304800"/>
+          </a:xfrm>
+          <a:prstGeom prst="ellipse">
             <a:avLst/>
           </a:prstGeom>
-          <a:ln>
-            <a:tailEnd type="triangle"/>
-          </a:ln>
         </p:spPr>
         <p:style>
-          <a:lnRef idx="3">
-            <a:schemeClr val="dk1"/>
+          <a:lnRef idx="2">
+            <a:schemeClr val="accent4">
+              <a:shade val="50000"/>
+            </a:schemeClr>
           </a:lnRef>
-          <a:fillRef idx="0">
-            <a:schemeClr val="dk1"/>
+          <a:fillRef idx="1">
+            <a:schemeClr val="accent4"/>
           </a:fillRef>
-          <a:effectRef idx="2">
-            <a:schemeClr val="dk1"/>
-          </a:effectRef>
-          <a:fontRef idx="minor">
-            <a:schemeClr val="tx1"/>
-          </a:fontRef>
-        </p:style>
-      </p:cxnSp>
-      <p:cxnSp>
-        <p:nvCxnSpPr>
-          <p:cNvPr id="35" name="Straight Arrow Connector 34">
-            <a:extLst>
-              <a:ext uri="{FF2B5EF4-FFF2-40B4-BE49-F238E27FC236}">
-                <a16:creationId xmlns:a16="http://schemas.microsoft.com/office/drawing/2014/main" id="{91BCF80E-F84D-43F1-A3DC-8B6F66F4084B}"/>
-              </a:ext>
-            </a:extLst>
-          </p:cNvPr>
-          <p:cNvCxnSpPr>
-            <a:cxnSpLocks/>
-            <a:endCxn id="10" idx="2"/>
-          </p:cNvCxnSpPr>
-          <p:nvPr/>
-        </p:nvCxnSpPr>
-        <p:spPr>
-          <a:xfrm flipH="1" flipV="1">
-            <a:off x="2135415" y="1295400"/>
-            <a:ext cx="1667326" cy="676729"/>
-          </a:xfrm>
-          <a:prstGeom prst="straightConnector1">
-            <a:avLst/>
-          </a:prstGeom>
-          <a:ln>
-            <a:tailEnd type="triangle"/>
-          </a:ln>
-        </p:spPr>
-        <p:style>
-          <a:lnRef idx="3">
-            <a:schemeClr val="dk1"/>
-          </a:lnRef>
-          <a:fillRef idx="0">
-            <a:schemeClr val="dk1"/>
-          </a:fillRef>
-          <a:effectRef idx="2">
-            <a:schemeClr val="dk1"/>
-          </a:effectRef>
-          <a:fontRef idx="minor">
-            <a:schemeClr val="tx1"/>
-          </a:fontRef>
-        </p:style>
-      </p:cxnSp>
-      <p:cxnSp>
-        <p:nvCxnSpPr>
-          <p:cNvPr id="39" name="Straight Arrow Connector 38">
-            <a:extLst>
-              <a:ext uri="{FF2B5EF4-FFF2-40B4-BE49-F238E27FC236}">
-                <a16:creationId xmlns:a16="http://schemas.microsoft.com/office/drawing/2014/main" id="{BEB8902C-1476-46C1-8E37-1471470466D2}"/>
-              </a:ext>
-            </a:extLst>
-          </p:cNvPr>
-          <p:cNvCxnSpPr>
-            <a:cxnSpLocks/>
-            <a:stCxn id="5" idx="3"/>
-            <a:endCxn id="6" idx="1"/>
-          </p:cNvCxnSpPr>
-          <p:nvPr/>
-        </p:nvCxnSpPr>
-        <p:spPr>
-          <a:xfrm>
-            <a:off x="5277757" y="800100"/>
-            <a:ext cx="295731" cy="0"/>
-          </a:xfrm>
-          <a:prstGeom prst="straightConnector1">
-            <a:avLst/>
-          </a:prstGeom>
-          <a:ln>
-            <a:tailEnd type="triangle"/>
-          </a:ln>
-        </p:spPr>
-        <p:style>
-          <a:lnRef idx="3">
-            <a:schemeClr val="dk1"/>
-          </a:lnRef>
-          <a:fillRef idx="0">
-            <a:schemeClr val="dk1"/>
-          </a:fillRef>
-          <a:effectRef idx="2">
-            <a:schemeClr val="dk1"/>
-          </a:effectRef>
-          <a:fontRef idx="minor">
-            <a:schemeClr val="tx1"/>
-          </a:fontRef>
-        </p:style>
-      </p:cxnSp>
-      <p:sp>
-        <p:nvSpPr>
-          <p:cNvPr id="37" name="Rectangle 36">
-            <a:extLst>
-              <a:ext uri="{FF2B5EF4-FFF2-40B4-BE49-F238E27FC236}">
-                <a16:creationId xmlns:a16="http://schemas.microsoft.com/office/drawing/2014/main" id="{939D16F8-E9EC-49B9-96F0-791F2AEC65A3}"/>
-              </a:ext>
-            </a:extLst>
-          </p:cNvPr>
-          <p:cNvSpPr/>
-          <p:nvPr/>
-        </p:nvSpPr>
-        <p:spPr>
-          <a:xfrm>
-            <a:off x="5573488" y="5290400"/>
-            <a:ext cx="1905000" cy="990600"/>
-          </a:xfrm>
-          <a:prstGeom prst="rect">
-            <a:avLst/>
-          </a:prstGeom>
-        </p:spPr>
-        <p:style>
-          <a:lnRef idx="1">
-            <a:schemeClr val="accent1"/>
-          </a:lnRef>
-          <a:fillRef idx="3">
-            <a:schemeClr val="accent1"/>
-          </a:fillRef>
-          <a:effectRef idx="2">
-            <a:schemeClr val="accent1"/>
+          <a:effectRef idx="0">
+            <a:schemeClr val="accent4"/>
           </a:effectRef>
           <a:fontRef idx="minor">
             <a:schemeClr val="lt1"/>
@@ -4470,22 +6403,22 @@
           <a:p>
             <a:pPr algn="ctr"/>
             <a:r>
-              <a:rPr lang="en-US" b="1" dirty="0">
+              <a:rPr lang="en-US" dirty="0">
                 <a:solidFill>
-                  <a:schemeClr val="bg1"/>
+                  <a:schemeClr val="tx1"/>
                 </a:solidFill>
               </a:rPr>
-              <a:t>CatalogGateway</a:t>
+              <a:t>3</a:t>
             </a:r>
           </a:p>
         </p:txBody>
       </p:sp>
       <p:sp>
         <p:nvSpPr>
-          <p:cNvPr id="38" name="Rectangle 37">
-            <a:extLst>
-              <a:ext uri="{FF2B5EF4-FFF2-40B4-BE49-F238E27FC236}">
-                <a16:creationId xmlns:a16="http://schemas.microsoft.com/office/drawing/2014/main" id="{8E68E3E2-C89E-430B-82AB-2C7F7F8F0FF6}"/>
+          <p:cNvPr id="58" name="Oval 57">
+            <a:extLst>
+              <a:ext uri="{FF2B5EF4-FFF2-40B4-BE49-F238E27FC236}">
+                <a16:creationId xmlns:a16="http://schemas.microsoft.com/office/drawing/2014/main" id="{E3A44C9D-A053-4EC6-9EA9-22627840D72A}"/>
               </a:ext>
             </a:extLst>
           </p:cNvPr>
@@ -4494,22 +6427,24 @@
         </p:nvSpPr>
         <p:spPr>
           <a:xfrm>
-            <a:off x="3372757" y="5288585"/>
-            <a:ext cx="1905000" cy="990600"/>
-          </a:xfrm>
-          <a:prstGeom prst="rect">
+            <a:off x="3724729" y="1320801"/>
+            <a:ext cx="304800" cy="304800"/>
+          </a:xfrm>
+          <a:prstGeom prst="ellipse">
             <a:avLst/>
           </a:prstGeom>
         </p:spPr>
         <p:style>
-          <a:lnRef idx="1">
-            <a:schemeClr val="accent1"/>
+          <a:lnRef idx="2">
+            <a:schemeClr val="accent5">
+              <a:shade val="50000"/>
+            </a:schemeClr>
           </a:lnRef>
-          <a:fillRef idx="3">
-            <a:schemeClr val="accent1"/>
+          <a:fillRef idx="1">
+            <a:schemeClr val="accent5"/>
           </a:fillRef>
-          <a:effectRef idx="2">
-            <a:schemeClr val="accent1"/>
+          <a:effectRef idx="0">
+            <a:schemeClr val="accent5"/>
           </a:effectRef>
           <a:fontRef idx="minor">
             <a:schemeClr val="lt1"/>
@@ -4521,595 +6456,12 @@
           <a:p>
             <a:pPr algn="ctr"/>
             <a:r>
-              <a:rPr lang="en-US" b="1" dirty="0">
+              <a:rPr lang="en-US" dirty="0">
                 <a:solidFill>
-                  <a:schemeClr val="bg1"/>
+                  <a:schemeClr val="tx1"/>
                 </a:solidFill>
               </a:rPr>
-              <a:t>PromoGateway</a:t>
-            </a:r>
-          </a:p>
-        </p:txBody>
-      </p:sp>
-      <p:sp>
-        <p:nvSpPr>
-          <p:cNvPr id="40" name="Rectangle 39">
-            <a:extLst>
-              <a:ext uri="{FF2B5EF4-FFF2-40B4-BE49-F238E27FC236}">
-                <a16:creationId xmlns:a16="http://schemas.microsoft.com/office/drawing/2014/main" id="{D9C61C48-A5D7-4482-AC25-660588F9499D}"/>
-              </a:ext>
-            </a:extLst>
-          </p:cNvPr>
-          <p:cNvSpPr/>
-          <p:nvPr/>
-        </p:nvSpPr>
-        <p:spPr>
-          <a:xfrm>
-            <a:off x="1182915" y="5290400"/>
-            <a:ext cx="1905000" cy="990600"/>
-          </a:xfrm>
-          <a:prstGeom prst="rect">
-            <a:avLst/>
-          </a:prstGeom>
-        </p:spPr>
-        <p:style>
-          <a:lnRef idx="1">
-            <a:schemeClr val="accent1"/>
-          </a:lnRef>
-          <a:fillRef idx="3">
-            <a:schemeClr val="accent1"/>
-          </a:fillRef>
-          <a:effectRef idx="2">
-            <a:schemeClr val="accent1"/>
-          </a:effectRef>
-          <a:fontRef idx="minor">
-            <a:schemeClr val="lt1"/>
-          </a:fontRef>
-        </p:style>
-        <p:txBody>
-          <a:bodyPr rtlCol="0" anchor="ctr"/>
-          <a:lstStyle/>
-          <a:p>
-            <a:pPr algn="ctr"/>
-            <a:r>
-              <a:rPr lang="en-US" b="1" dirty="0">
-                <a:solidFill>
-                  <a:schemeClr val="bg1"/>
-                </a:solidFill>
-              </a:rPr>
-              <a:t>ShippingGateway</a:t>
-            </a:r>
-          </a:p>
-        </p:txBody>
-      </p:sp>
-      <p:cxnSp>
-        <p:nvCxnSpPr>
-          <p:cNvPr id="41" name="Straight Arrow Connector 40">
-            <a:extLst>
-              <a:ext uri="{FF2B5EF4-FFF2-40B4-BE49-F238E27FC236}">
-                <a16:creationId xmlns:a16="http://schemas.microsoft.com/office/drawing/2014/main" id="{3913299A-0EAE-475E-B0EC-F95AB7FF67B6}"/>
-              </a:ext>
-            </a:extLst>
-          </p:cNvPr>
-          <p:cNvCxnSpPr>
-            <a:cxnSpLocks/>
-            <a:stCxn id="40" idx="0"/>
-            <a:endCxn id="9" idx="2"/>
-          </p:cNvCxnSpPr>
-          <p:nvPr/>
-        </p:nvCxnSpPr>
-        <p:spPr>
-          <a:xfrm flipV="1">
-            <a:off x="2135415" y="4450444"/>
-            <a:ext cx="0" cy="839956"/>
-          </a:xfrm>
-          <a:prstGeom prst="straightConnector1">
-            <a:avLst/>
-          </a:prstGeom>
-          <a:ln>
-            <a:prstDash val="dash"/>
-            <a:tailEnd type="triangle"/>
-          </a:ln>
-        </p:spPr>
-        <p:style>
-          <a:lnRef idx="3">
-            <a:schemeClr val="dk1"/>
-          </a:lnRef>
-          <a:fillRef idx="0">
-            <a:schemeClr val="dk1"/>
-          </a:fillRef>
-          <a:effectRef idx="2">
-            <a:schemeClr val="dk1"/>
-          </a:effectRef>
-          <a:fontRef idx="minor">
-            <a:schemeClr val="tx1"/>
-          </a:fontRef>
-        </p:style>
-      </p:cxnSp>
-      <p:cxnSp>
-        <p:nvCxnSpPr>
-          <p:cNvPr id="48" name="Straight Arrow Connector 47">
-            <a:extLst>
-              <a:ext uri="{FF2B5EF4-FFF2-40B4-BE49-F238E27FC236}">
-                <a16:creationId xmlns:a16="http://schemas.microsoft.com/office/drawing/2014/main" id="{B08C77EE-8246-49DA-8C0C-93FD0733AA81}"/>
-              </a:ext>
-            </a:extLst>
-          </p:cNvPr>
-          <p:cNvCxnSpPr>
-            <a:cxnSpLocks/>
-            <a:stCxn id="38" idx="0"/>
-            <a:endCxn id="8" idx="2"/>
-          </p:cNvCxnSpPr>
-          <p:nvPr/>
-        </p:nvCxnSpPr>
-        <p:spPr>
-          <a:xfrm flipV="1">
-            <a:off x="4325257" y="4448629"/>
-            <a:ext cx="0" cy="839956"/>
-          </a:xfrm>
-          <a:prstGeom prst="straightConnector1">
-            <a:avLst/>
-          </a:prstGeom>
-          <a:ln>
-            <a:prstDash val="dash"/>
-            <a:tailEnd type="triangle"/>
-          </a:ln>
-        </p:spPr>
-        <p:style>
-          <a:lnRef idx="3">
-            <a:schemeClr val="dk1"/>
-          </a:lnRef>
-          <a:fillRef idx="0">
-            <a:schemeClr val="dk1"/>
-          </a:fillRef>
-          <a:effectRef idx="2">
-            <a:schemeClr val="dk1"/>
-          </a:effectRef>
-          <a:fontRef idx="minor">
-            <a:schemeClr val="tx1"/>
-          </a:fontRef>
-        </p:style>
-      </p:cxnSp>
-      <p:cxnSp>
-        <p:nvCxnSpPr>
-          <p:cNvPr id="51" name="Straight Arrow Connector 50">
-            <a:extLst>
-              <a:ext uri="{FF2B5EF4-FFF2-40B4-BE49-F238E27FC236}">
-                <a16:creationId xmlns:a16="http://schemas.microsoft.com/office/drawing/2014/main" id="{252DD4FB-4BEB-4CE1-BE6E-FA8CFEF4C2B0}"/>
-              </a:ext>
-            </a:extLst>
-          </p:cNvPr>
-          <p:cNvCxnSpPr>
-            <a:cxnSpLocks/>
-            <a:stCxn id="37" idx="0"/>
-            <a:endCxn id="7" idx="2"/>
-          </p:cNvCxnSpPr>
-          <p:nvPr/>
-        </p:nvCxnSpPr>
-        <p:spPr>
-          <a:xfrm flipV="1">
-            <a:off x="6525988" y="4450444"/>
-            <a:ext cx="0" cy="839956"/>
-          </a:xfrm>
-          <a:prstGeom prst="straightConnector1">
-            <a:avLst/>
-          </a:prstGeom>
-          <a:ln>
-            <a:prstDash val="dash"/>
-            <a:tailEnd type="triangle"/>
-          </a:ln>
-        </p:spPr>
-        <p:style>
-          <a:lnRef idx="3">
-            <a:schemeClr val="dk1"/>
-          </a:lnRef>
-          <a:fillRef idx="0">
-            <a:schemeClr val="dk1"/>
-          </a:fillRef>
-          <a:effectRef idx="2">
-            <a:schemeClr val="dk1"/>
-          </a:effectRef>
-          <a:fontRef idx="minor">
-            <a:schemeClr val="tx1"/>
-          </a:fontRef>
-        </p:style>
-      </p:cxnSp>
-      <p:cxnSp>
-        <p:nvCxnSpPr>
-          <p:cNvPr id="54" name="Straight Arrow Connector 53">
-            <a:extLst>
-              <a:ext uri="{FF2B5EF4-FFF2-40B4-BE49-F238E27FC236}">
-                <a16:creationId xmlns:a16="http://schemas.microsoft.com/office/drawing/2014/main" id="{E61EE217-8B2B-4DC6-A6B3-B8B46335716A}"/>
-              </a:ext>
-            </a:extLst>
-          </p:cNvPr>
-          <p:cNvCxnSpPr>
-            <a:cxnSpLocks/>
-            <a:endCxn id="9" idx="0"/>
-          </p:cNvCxnSpPr>
-          <p:nvPr/>
-        </p:nvCxnSpPr>
-        <p:spPr>
-          <a:xfrm flipH="1">
-            <a:off x="2135415" y="2961822"/>
-            <a:ext cx="1434194" cy="498022"/>
-          </a:xfrm>
-          <a:prstGeom prst="straightConnector1">
-            <a:avLst/>
-          </a:prstGeom>
-          <a:ln>
-            <a:tailEnd type="triangle"/>
-          </a:ln>
-        </p:spPr>
-        <p:style>
-          <a:lnRef idx="3">
-            <a:schemeClr val="dk1"/>
-          </a:lnRef>
-          <a:fillRef idx="0">
-            <a:schemeClr val="dk1"/>
-          </a:fillRef>
-          <a:effectRef idx="2">
-            <a:schemeClr val="dk1"/>
-          </a:effectRef>
-          <a:fontRef idx="minor">
-            <a:schemeClr val="tx1"/>
-          </a:fontRef>
-        </p:style>
-      </p:cxnSp>
-      <p:cxnSp>
-        <p:nvCxnSpPr>
-          <p:cNvPr id="57" name="Straight Arrow Connector 56">
-            <a:extLst>
-              <a:ext uri="{FF2B5EF4-FFF2-40B4-BE49-F238E27FC236}">
-                <a16:creationId xmlns:a16="http://schemas.microsoft.com/office/drawing/2014/main" id="{B2F94B31-B5A5-47D4-B1F5-1DFE3875EF45}"/>
-              </a:ext>
-            </a:extLst>
-          </p:cNvPr>
-          <p:cNvCxnSpPr>
-            <a:cxnSpLocks/>
-            <a:stCxn id="4" idx="2"/>
-            <a:endCxn id="8" idx="0"/>
-          </p:cNvCxnSpPr>
-          <p:nvPr/>
-        </p:nvCxnSpPr>
-        <p:spPr>
-          <a:xfrm>
-            <a:off x="4325257" y="2962729"/>
-            <a:ext cx="0" cy="495300"/>
-          </a:xfrm>
-          <a:prstGeom prst="straightConnector1">
-            <a:avLst/>
-          </a:prstGeom>
-          <a:ln>
-            <a:tailEnd type="triangle"/>
-          </a:ln>
-        </p:spPr>
-        <p:style>
-          <a:lnRef idx="3">
-            <a:schemeClr val="dk1"/>
-          </a:lnRef>
-          <a:fillRef idx="0">
-            <a:schemeClr val="dk1"/>
-          </a:fillRef>
-          <a:effectRef idx="2">
-            <a:schemeClr val="dk1"/>
-          </a:effectRef>
-          <a:fontRef idx="minor">
-            <a:schemeClr val="tx1"/>
-          </a:fontRef>
-        </p:style>
-      </p:cxnSp>
-      <p:cxnSp>
-        <p:nvCxnSpPr>
-          <p:cNvPr id="60" name="Straight Arrow Connector 59">
-            <a:extLst>
-              <a:ext uri="{FF2B5EF4-FFF2-40B4-BE49-F238E27FC236}">
-                <a16:creationId xmlns:a16="http://schemas.microsoft.com/office/drawing/2014/main" id="{D550488B-A6B0-43B8-B0F1-C6D5D4589804}"/>
-              </a:ext>
-            </a:extLst>
-          </p:cNvPr>
-          <p:cNvCxnSpPr>
-            <a:cxnSpLocks/>
-            <a:stCxn id="6" idx="2"/>
-            <a:endCxn id="7" idx="0"/>
-          </p:cNvCxnSpPr>
-          <p:nvPr/>
-        </p:nvCxnSpPr>
-        <p:spPr>
-          <a:xfrm>
-            <a:off x="6525988" y="1295400"/>
-            <a:ext cx="0" cy="2164444"/>
-          </a:xfrm>
-          <a:prstGeom prst="straightConnector1">
-            <a:avLst/>
-          </a:prstGeom>
-          <a:ln>
-            <a:tailEnd type="triangle"/>
-          </a:ln>
-        </p:spPr>
-        <p:style>
-          <a:lnRef idx="3">
-            <a:schemeClr val="dk1"/>
-          </a:lnRef>
-          <a:fillRef idx="0">
-            <a:schemeClr val="dk1"/>
-          </a:fillRef>
-          <a:effectRef idx="2">
-            <a:schemeClr val="dk1"/>
-          </a:effectRef>
-          <a:fontRef idx="minor">
-            <a:schemeClr val="tx1"/>
-          </a:fontRef>
-        </p:style>
-      </p:cxnSp>
-      <p:sp>
-        <p:nvSpPr>
-          <p:cNvPr id="66" name="Rectangle 65">
-            <a:extLst>
-              <a:ext uri="{FF2B5EF4-FFF2-40B4-BE49-F238E27FC236}">
-                <a16:creationId xmlns:a16="http://schemas.microsoft.com/office/drawing/2014/main" id="{546A8262-EE01-4E40-8163-57FC0F5471A8}"/>
-              </a:ext>
-            </a:extLst>
-          </p:cNvPr>
-          <p:cNvSpPr/>
-          <p:nvPr/>
-        </p:nvSpPr>
-        <p:spPr>
-          <a:xfrm>
-            <a:off x="406429" y="1508798"/>
-            <a:ext cx="1905000" cy="777422"/>
-          </a:xfrm>
-          <a:prstGeom prst="rect">
-            <a:avLst/>
-          </a:prstGeom>
-        </p:spPr>
-        <p:style>
-          <a:lnRef idx="2">
-            <a:schemeClr val="dk1">
-              <a:shade val="50000"/>
-            </a:schemeClr>
-          </a:lnRef>
-          <a:fillRef idx="1">
-            <a:schemeClr val="dk1"/>
-          </a:fillRef>
-          <a:effectRef idx="0">
-            <a:schemeClr val="dk1"/>
-          </a:effectRef>
-          <a:fontRef idx="minor">
-            <a:schemeClr val="lt1"/>
-          </a:fontRef>
-        </p:style>
-        <p:txBody>
-          <a:bodyPr rtlCol="0" anchor="ctr"/>
-          <a:lstStyle/>
-          <a:p>
-            <a:pPr algn="ctr"/>
-            <a:r>
-              <a:rPr lang="en-US" b="1" dirty="0">
-                <a:solidFill>
-                  <a:schemeClr val="bg1"/>
-                </a:solidFill>
-              </a:rPr>
-              <a:t>Generic Repository</a:t>
-            </a:r>
-          </a:p>
-        </p:txBody>
-      </p:sp>
-      <p:sp>
-        <p:nvSpPr>
-          <p:cNvPr id="67" name="Rectangle 66">
-            <a:extLst>
-              <a:ext uri="{FF2B5EF4-FFF2-40B4-BE49-F238E27FC236}">
-                <a16:creationId xmlns:a16="http://schemas.microsoft.com/office/drawing/2014/main" id="{D3F2A308-B374-43CD-BBDF-66BA4CAB9DF4}"/>
-              </a:ext>
-            </a:extLst>
-          </p:cNvPr>
-          <p:cNvSpPr/>
-          <p:nvPr/>
-        </p:nvSpPr>
-        <p:spPr>
-          <a:xfrm>
-            <a:off x="406429" y="2477670"/>
-            <a:ext cx="1905000" cy="770589"/>
-          </a:xfrm>
-          <a:prstGeom prst="rect">
-            <a:avLst/>
-          </a:prstGeom>
-        </p:spPr>
-        <p:style>
-          <a:lnRef idx="2">
-            <a:schemeClr val="dk1">
-              <a:shade val="50000"/>
-            </a:schemeClr>
-          </a:lnRef>
-          <a:fillRef idx="1">
-            <a:schemeClr val="dk1"/>
-          </a:fillRef>
-          <a:effectRef idx="0">
-            <a:schemeClr val="dk1"/>
-          </a:effectRef>
-          <a:fontRef idx="minor">
-            <a:schemeClr val="lt1"/>
-          </a:fontRef>
-        </p:style>
-        <p:txBody>
-          <a:bodyPr rtlCol="0" anchor="ctr"/>
-          <a:lstStyle/>
-          <a:p>
-            <a:pPr algn="ctr"/>
-            <a:r>
-              <a:rPr lang="en-US" b="1" dirty="0">
-                <a:solidFill>
-                  <a:schemeClr val="bg1"/>
-                </a:solidFill>
-              </a:rPr>
-              <a:t>Unit Of Work</a:t>
-            </a:r>
-          </a:p>
-        </p:txBody>
-      </p:sp>
-      <p:cxnSp>
-        <p:nvCxnSpPr>
-          <p:cNvPr id="71" name="Straight Arrow Connector 70">
-            <a:extLst>
-              <a:ext uri="{FF2B5EF4-FFF2-40B4-BE49-F238E27FC236}">
-                <a16:creationId xmlns:a16="http://schemas.microsoft.com/office/drawing/2014/main" id="{FCA257B0-8C4A-4F84-BA87-4A20C7CAB4F9}"/>
-              </a:ext>
-            </a:extLst>
-          </p:cNvPr>
-          <p:cNvCxnSpPr>
-            <a:cxnSpLocks/>
-            <a:stCxn id="66" idx="3"/>
-          </p:cNvCxnSpPr>
-          <p:nvPr/>
-        </p:nvCxnSpPr>
-        <p:spPr>
-          <a:xfrm>
-            <a:off x="2311429" y="1897509"/>
-            <a:ext cx="1054129" cy="387584"/>
-          </a:xfrm>
-          <a:prstGeom prst="straightConnector1">
-            <a:avLst/>
-          </a:prstGeom>
-          <a:ln>
-            <a:prstDash val="dash"/>
-            <a:tailEnd type="triangle"/>
-          </a:ln>
-        </p:spPr>
-        <p:style>
-          <a:lnRef idx="3">
-            <a:schemeClr val="dk1"/>
-          </a:lnRef>
-          <a:fillRef idx="0">
-            <a:schemeClr val="dk1"/>
-          </a:fillRef>
-          <a:effectRef idx="2">
-            <a:schemeClr val="dk1"/>
-          </a:effectRef>
-          <a:fontRef idx="minor">
-            <a:schemeClr val="tx1"/>
-          </a:fontRef>
-        </p:style>
-      </p:cxnSp>
-      <p:cxnSp>
-        <p:nvCxnSpPr>
-          <p:cNvPr id="74" name="Straight Arrow Connector 73">
-            <a:extLst>
-              <a:ext uri="{FF2B5EF4-FFF2-40B4-BE49-F238E27FC236}">
-                <a16:creationId xmlns:a16="http://schemas.microsoft.com/office/drawing/2014/main" id="{5AA29808-63E9-4F1A-991C-F59565208E5C}"/>
-              </a:ext>
-            </a:extLst>
-          </p:cNvPr>
-          <p:cNvCxnSpPr>
-            <a:cxnSpLocks/>
-            <a:stCxn id="67" idx="3"/>
-            <a:endCxn id="4" idx="1"/>
-          </p:cNvCxnSpPr>
-          <p:nvPr/>
-        </p:nvCxnSpPr>
-        <p:spPr>
-          <a:xfrm flipV="1">
-            <a:off x="2311429" y="2467429"/>
-            <a:ext cx="1061328" cy="395536"/>
-          </a:xfrm>
-          <a:prstGeom prst="straightConnector1">
-            <a:avLst/>
-          </a:prstGeom>
-          <a:ln>
-            <a:prstDash val="dash"/>
-            <a:tailEnd type="triangle"/>
-          </a:ln>
-        </p:spPr>
-        <p:style>
-          <a:lnRef idx="3">
-            <a:schemeClr val="dk1"/>
-          </a:lnRef>
-          <a:fillRef idx="0">
-            <a:schemeClr val="dk1"/>
-          </a:fillRef>
-          <a:effectRef idx="2">
-            <a:schemeClr val="dk1"/>
-          </a:effectRef>
-          <a:fontRef idx="minor">
-            <a:schemeClr val="tx1"/>
-          </a:fontRef>
-        </p:style>
-      </p:cxnSp>
-      <p:cxnSp>
-        <p:nvCxnSpPr>
-          <p:cNvPr id="82" name="Straight Arrow Connector 81">
-            <a:extLst>
-              <a:ext uri="{FF2B5EF4-FFF2-40B4-BE49-F238E27FC236}">
-                <a16:creationId xmlns:a16="http://schemas.microsoft.com/office/drawing/2014/main" id="{40F23C76-55A5-4F9F-A3BD-A1EF87F23D65}"/>
-              </a:ext>
-            </a:extLst>
-          </p:cNvPr>
-          <p:cNvCxnSpPr>
-            <a:cxnSpLocks/>
-            <a:stCxn id="67" idx="0"/>
-            <a:endCxn id="66" idx="2"/>
-          </p:cNvCxnSpPr>
-          <p:nvPr/>
-        </p:nvCxnSpPr>
-        <p:spPr>
-          <a:xfrm flipV="1">
-            <a:off x="1358929" y="2286220"/>
-            <a:ext cx="0" cy="191450"/>
-          </a:xfrm>
-          <a:prstGeom prst="straightConnector1">
-            <a:avLst/>
-          </a:prstGeom>
-          <a:ln>
-            <a:prstDash val="dash"/>
-            <a:tailEnd type="triangle"/>
-          </a:ln>
-        </p:spPr>
-        <p:style>
-          <a:lnRef idx="3">
-            <a:schemeClr val="dk1"/>
-          </a:lnRef>
-          <a:fillRef idx="0">
-            <a:schemeClr val="dk1"/>
-          </a:fillRef>
-          <a:effectRef idx="2">
-            <a:schemeClr val="dk1"/>
-          </a:effectRef>
-          <a:fontRef idx="minor">
-            <a:schemeClr val="tx1"/>
-          </a:fontRef>
-        </p:style>
-      </p:cxnSp>
-      <p:sp>
-        <p:nvSpPr>
-          <p:cNvPr id="87" name="TextBox 86">
-            <a:extLst>
-              <a:ext uri="{FF2B5EF4-FFF2-40B4-BE49-F238E27FC236}">
-                <a16:creationId xmlns:a16="http://schemas.microsoft.com/office/drawing/2014/main" id="{E0EEFE85-ADA3-4DE4-AC6F-D3901F37287B}"/>
-              </a:ext>
-            </a:extLst>
-          </p:cNvPr>
-          <p:cNvSpPr txBox="1"/>
-          <p:nvPr/>
-        </p:nvSpPr>
-        <p:spPr>
-          <a:xfrm>
-            <a:off x="2438400" y="6392200"/>
-            <a:ext cx="5582762" cy="276999"/>
-          </a:xfrm>
-          <a:prstGeom prst="rect">
-            <a:avLst/>
-          </a:prstGeom>
-          <a:noFill/>
-        </p:spPr>
-        <p:txBody>
-          <a:bodyPr wrap="square" rtlCol="0">
-            <a:spAutoFit/>
-          </a:bodyPr>
-          <a:lstStyle/>
-          <a:p>
-            <a:r>
-              <a:rPr lang="en-US" sz="1200" b="1" dirty="0"/>
-              <a:t>https://github.com/vietnam-devs/coolstore-microservices</a:t>
+              <a:t>2</a:t>
             </a:r>
           </a:p>
         </p:txBody>
@@ -5146,6 +6498,1362 @@
       </p:grpSpPr>
       <p:pic>
         <p:nvPicPr>
+          <p:cNvPr id="5" name="Picture 4">
+            <a:extLst>
+              <a:ext uri="{FF2B5EF4-FFF2-40B4-BE49-F238E27FC236}">
+                <a16:creationId xmlns:a16="http://schemas.microsoft.com/office/drawing/2014/main" id="{0BCD1404-56E0-4D4E-802A-BF7F3D559C48}"/>
+              </a:ext>
+            </a:extLst>
+          </p:cNvPr>
+          <p:cNvPicPr>
+            <a:picLocks noChangeAspect="1"/>
+          </p:cNvPicPr>
+          <p:nvPr/>
+        </p:nvPicPr>
+        <p:blipFill>
+          <a:blip r:embed="rId2"/>
+          <a:stretch>
+            <a:fillRect/>
+          </a:stretch>
+        </p:blipFill>
+        <p:spPr>
+          <a:xfrm>
+            <a:off x="0" y="351436"/>
+            <a:ext cx="9144000" cy="6155127"/>
+          </a:xfrm>
+          <a:prstGeom prst="rect">
+            <a:avLst/>
+          </a:prstGeom>
+        </p:spPr>
+      </p:pic>
+    </p:spTree>
+    <p:extLst>
+      <p:ext uri="{BB962C8B-B14F-4D97-AF65-F5344CB8AC3E}">
+        <p14:creationId xmlns:p14="http://schemas.microsoft.com/office/powerpoint/2010/main" val="274809637"/>
+      </p:ext>
+    </p:extLst>
+  </p:cSld>
+  <p:clrMapOvr>
+    <a:masterClrMapping/>
+  </p:clrMapOvr>
+</p:sld>
+</file>
+
+<file path=ppt/slides/slide4.xml><?xml version="1.0" encoding="utf-8"?>
+<p:sld xmlns:a="http://schemas.openxmlformats.org/drawingml/2006/main" xmlns:r="http://schemas.openxmlformats.org/officeDocument/2006/relationships" xmlns:p="http://schemas.openxmlformats.org/presentationml/2006/main">
+  <p:cSld>
+    <p:spTree>
+      <p:nvGrpSpPr>
+        <p:cNvPr id="1" name=""/>
+        <p:cNvGrpSpPr/>
+        <p:nvPr/>
+      </p:nvGrpSpPr>
+      <p:grpSpPr>
+        <a:xfrm>
+          <a:off x="0" y="0"/>
+          <a:ext cx="0" cy="0"/>
+          <a:chOff x="0" y="0"/>
+          <a:chExt cx="0" cy="0"/>
+        </a:xfrm>
+      </p:grpSpPr>
+      <p:sp>
+        <p:nvSpPr>
+          <p:cNvPr id="34" name="Rectangle 33">
+            <a:extLst>
+              <a:ext uri="{FF2B5EF4-FFF2-40B4-BE49-F238E27FC236}">
+                <a16:creationId xmlns:a16="http://schemas.microsoft.com/office/drawing/2014/main" id="{DD7EA069-4E14-4502-8FC1-96AF35B9BBDF}"/>
+              </a:ext>
+            </a:extLst>
+          </p:cNvPr>
+          <p:cNvSpPr/>
+          <p:nvPr/>
+        </p:nvSpPr>
+        <p:spPr>
+          <a:xfrm>
+            <a:off x="304800" y="185058"/>
+            <a:ext cx="7848600" cy="4691742"/>
+          </a:xfrm>
+          <a:prstGeom prst="rect">
+            <a:avLst/>
+          </a:prstGeom>
+        </p:spPr>
+        <p:style>
+          <a:lnRef idx="2">
+            <a:schemeClr val="dk1"/>
+          </a:lnRef>
+          <a:fillRef idx="1">
+            <a:schemeClr val="lt1"/>
+          </a:fillRef>
+          <a:effectRef idx="0">
+            <a:schemeClr val="dk1"/>
+          </a:effectRef>
+          <a:fontRef idx="minor">
+            <a:schemeClr val="dk1"/>
+          </a:fontRef>
+        </p:style>
+        <p:txBody>
+          <a:bodyPr rtlCol="0" anchor="ctr"/>
+          <a:lstStyle/>
+          <a:p>
+            <a:pPr algn="ctr"/>
+            <a:endParaRPr lang="en-US"/>
+          </a:p>
+        </p:txBody>
+      </p:sp>
+      <p:sp>
+        <p:nvSpPr>
+          <p:cNvPr id="4" name="Rectangle 3">
+            <a:extLst>
+              <a:ext uri="{FF2B5EF4-FFF2-40B4-BE49-F238E27FC236}">
+                <a16:creationId xmlns:a16="http://schemas.microsoft.com/office/drawing/2014/main" id="{687A61BF-3785-4116-B8B7-99A77E7CE096}"/>
+              </a:ext>
+            </a:extLst>
+          </p:cNvPr>
+          <p:cNvSpPr/>
+          <p:nvPr/>
+        </p:nvSpPr>
+        <p:spPr>
+          <a:xfrm>
+            <a:off x="3372757" y="1972129"/>
+            <a:ext cx="1905000" cy="990600"/>
+          </a:xfrm>
+          <a:prstGeom prst="rect">
+            <a:avLst/>
+          </a:prstGeom>
+        </p:spPr>
+        <p:style>
+          <a:lnRef idx="2">
+            <a:schemeClr val="accent2">
+              <a:shade val="50000"/>
+            </a:schemeClr>
+          </a:lnRef>
+          <a:fillRef idx="1">
+            <a:schemeClr val="accent2"/>
+          </a:fillRef>
+          <a:effectRef idx="0">
+            <a:schemeClr val="accent2"/>
+          </a:effectRef>
+          <a:fontRef idx="minor">
+            <a:schemeClr val="lt1"/>
+          </a:fontRef>
+        </p:style>
+        <p:txBody>
+          <a:bodyPr rtlCol="0" anchor="ctr"/>
+          <a:lstStyle/>
+          <a:p>
+            <a:pPr algn="ctr"/>
+            <a:r>
+              <a:rPr lang="en-US" b="1" dirty="0">
+                <a:solidFill>
+                  <a:schemeClr val="tx1"/>
+                </a:solidFill>
+              </a:rPr>
+              <a:t>Cart</a:t>
+            </a:r>
+          </a:p>
+          <a:p>
+            <a:pPr algn="ctr"/>
+            <a:r>
+              <a:rPr lang="en-US" b="1" dirty="0">
+                <a:solidFill>
+                  <a:schemeClr val="tx1"/>
+                </a:solidFill>
+              </a:rPr>
+              <a:t>(Root Aggregate)</a:t>
+            </a:r>
+          </a:p>
+        </p:txBody>
+      </p:sp>
+      <p:sp>
+        <p:nvSpPr>
+          <p:cNvPr id="5" name="Rectangle 4">
+            <a:extLst>
+              <a:ext uri="{FF2B5EF4-FFF2-40B4-BE49-F238E27FC236}">
+                <a16:creationId xmlns:a16="http://schemas.microsoft.com/office/drawing/2014/main" id="{DA74752C-27E3-4DA7-966F-98CF73E76ED9}"/>
+              </a:ext>
+            </a:extLst>
+          </p:cNvPr>
+          <p:cNvSpPr/>
+          <p:nvPr/>
+        </p:nvSpPr>
+        <p:spPr>
+          <a:xfrm>
+            <a:off x="3372757" y="304800"/>
+            <a:ext cx="1905000" cy="990600"/>
+          </a:xfrm>
+          <a:prstGeom prst="rect">
+            <a:avLst/>
+          </a:prstGeom>
+        </p:spPr>
+        <p:style>
+          <a:lnRef idx="2">
+            <a:schemeClr val="accent4">
+              <a:shade val="50000"/>
+            </a:schemeClr>
+          </a:lnRef>
+          <a:fillRef idx="1">
+            <a:schemeClr val="accent4"/>
+          </a:fillRef>
+          <a:effectRef idx="0">
+            <a:schemeClr val="accent4"/>
+          </a:effectRef>
+          <a:fontRef idx="minor">
+            <a:schemeClr val="lt1"/>
+          </a:fontRef>
+        </p:style>
+        <p:txBody>
+          <a:bodyPr rtlCol="0" anchor="ctr"/>
+          <a:lstStyle/>
+          <a:p>
+            <a:pPr algn="ctr"/>
+            <a:r>
+              <a:rPr lang="en-US" b="1" dirty="0">
+                <a:solidFill>
+                  <a:schemeClr val="tx1"/>
+                </a:solidFill>
+              </a:rPr>
+              <a:t>CartItem</a:t>
+            </a:r>
+          </a:p>
+          <a:p>
+            <a:pPr algn="ctr"/>
+            <a:r>
+              <a:rPr lang="en-US" b="1" dirty="0">
+                <a:solidFill>
+                  <a:schemeClr val="tx1"/>
+                </a:solidFill>
+              </a:rPr>
+              <a:t>(Entity)</a:t>
+            </a:r>
+          </a:p>
+        </p:txBody>
+      </p:sp>
+      <p:sp>
+        <p:nvSpPr>
+          <p:cNvPr id="6" name="Rectangle 5">
+            <a:extLst>
+              <a:ext uri="{FF2B5EF4-FFF2-40B4-BE49-F238E27FC236}">
+                <a16:creationId xmlns:a16="http://schemas.microsoft.com/office/drawing/2014/main" id="{CE049D82-645D-48BE-82A6-D9CADE6307FF}"/>
+              </a:ext>
+            </a:extLst>
+          </p:cNvPr>
+          <p:cNvSpPr/>
+          <p:nvPr/>
+        </p:nvSpPr>
+        <p:spPr>
+          <a:xfrm>
+            <a:off x="5573488" y="304800"/>
+            <a:ext cx="1905000" cy="990600"/>
+          </a:xfrm>
+          <a:prstGeom prst="rect">
+            <a:avLst/>
+          </a:prstGeom>
+        </p:spPr>
+        <p:style>
+          <a:lnRef idx="2">
+            <a:schemeClr val="accent6">
+              <a:shade val="50000"/>
+            </a:schemeClr>
+          </a:lnRef>
+          <a:fillRef idx="1">
+            <a:schemeClr val="accent6"/>
+          </a:fillRef>
+          <a:effectRef idx="0">
+            <a:schemeClr val="accent6"/>
+          </a:effectRef>
+          <a:fontRef idx="minor">
+            <a:schemeClr val="lt1"/>
+          </a:fontRef>
+        </p:style>
+        <p:txBody>
+          <a:bodyPr rtlCol="0" anchor="ctr"/>
+          <a:lstStyle/>
+          <a:p>
+            <a:pPr algn="ctr"/>
+            <a:r>
+              <a:rPr lang="en-US" b="1" dirty="0">
+                <a:solidFill>
+                  <a:schemeClr val="tx1"/>
+                </a:solidFill>
+              </a:rPr>
+              <a:t>Product</a:t>
+            </a:r>
+          </a:p>
+          <a:p>
+            <a:pPr algn="ctr"/>
+            <a:r>
+              <a:rPr lang="en-US" b="1" dirty="0">
+                <a:solidFill>
+                  <a:schemeClr val="tx1"/>
+                </a:solidFill>
+              </a:rPr>
+              <a:t>(Identity)</a:t>
+            </a:r>
+          </a:p>
+        </p:txBody>
+      </p:sp>
+      <p:sp>
+        <p:nvSpPr>
+          <p:cNvPr id="7" name="Rectangle 6">
+            <a:extLst>
+              <a:ext uri="{FF2B5EF4-FFF2-40B4-BE49-F238E27FC236}">
+                <a16:creationId xmlns:a16="http://schemas.microsoft.com/office/drawing/2014/main" id="{BCA4ADE8-2B20-4516-8964-0D619868A973}"/>
+              </a:ext>
+            </a:extLst>
+          </p:cNvPr>
+          <p:cNvSpPr/>
+          <p:nvPr/>
+        </p:nvSpPr>
+        <p:spPr>
+          <a:xfrm>
+            <a:off x="5573488" y="3459844"/>
+            <a:ext cx="1905000" cy="990600"/>
+          </a:xfrm>
+          <a:prstGeom prst="rect">
+            <a:avLst/>
+          </a:prstGeom>
+        </p:spPr>
+        <p:style>
+          <a:lnRef idx="1">
+            <a:schemeClr val="accent1"/>
+          </a:lnRef>
+          <a:fillRef idx="2">
+            <a:schemeClr val="accent1"/>
+          </a:fillRef>
+          <a:effectRef idx="1">
+            <a:schemeClr val="accent1"/>
+          </a:effectRef>
+          <a:fontRef idx="minor">
+            <a:schemeClr val="dk1"/>
+          </a:fontRef>
+        </p:style>
+        <p:txBody>
+          <a:bodyPr rtlCol="0" anchor="ctr"/>
+          <a:lstStyle/>
+          <a:p>
+            <a:pPr algn="ctr"/>
+            <a:r>
+              <a:rPr lang="en-US" b="1" dirty="0">
+                <a:solidFill>
+                  <a:schemeClr val="tx1"/>
+                </a:solidFill>
+              </a:rPr>
+              <a:t>ICatalogGateway</a:t>
+            </a:r>
+          </a:p>
+        </p:txBody>
+      </p:sp>
+      <p:sp>
+        <p:nvSpPr>
+          <p:cNvPr id="8" name="Rectangle 7">
+            <a:extLst>
+              <a:ext uri="{FF2B5EF4-FFF2-40B4-BE49-F238E27FC236}">
+                <a16:creationId xmlns:a16="http://schemas.microsoft.com/office/drawing/2014/main" id="{0F8414E6-3E1D-4F12-810D-03AD7288184E}"/>
+              </a:ext>
+            </a:extLst>
+          </p:cNvPr>
+          <p:cNvSpPr/>
+          <p:nvPr/>
+        </p:nvSpPr>
+        <p:spPr>
+          <a:xfrm>
+            <a:off x="3372757" y="3458029"/>
+            <a:ext cx="1905000" cy="990600"/>
+          </a:xfrm>
+          <a:prstGeom prst="rect">
+            <a:avLst/>
+          </a:prstGeom>
+        </p:spPr>
+        <p:style>
+          <a:lnRef idx="1">
+            <a:schemeClr val="accent1"/>
+          </a:lnRef>
+          <a:fillRef idx="2">
+            <a:schemeClr val="accent1"/>
+          </a:fillRef>
+          <a:effectRef idx="1">
+            <a:schemeClr val="accent1"/>
+          </a:effectRef>
+          <a:fontRef idx="minor">
+            <a:schemeClr val="dk1"/>
+          </a:fontRef>
+        </p:style>
+        <p:txBody>
+          <a:bodyPr rtlCol="0" anchor="ctr"/>
+          <a:lstStyle/>
+          <a:p>
+            <a:pPr algn="ctr"/>
+            <a:r>
+              <a:rPr lang="en-US" b="1" dirty="0">
+                <a:solidFill>
+                  <a:schemeClr val="tx1"/>
+                </a:solidFill>
+              </a:rPr>
+              <a:t>IPromoGateway</a:t>
+            </a:r>
+          </a:p>
+        </p:txBody>
+      </p:sp>
+      <p:sp>
+        <p:nvSpPr>
+          <p:cNvPr id="9" name="Rectangle 8">
+            <a:extLst>
+              <a:ext uri="{FF2B5EF4-FFF2-40B4-BE49-F238E27FC236}">
+                <a16:creationId xmlns:a16="http://schemas.microsoft.com/office/drawing/2014/main" id="{C4435B9C-8755-42AD-8D1F-48C8C1921D91}"/>
+              </a:ext>
+            </a:extLst>
+          </p:cNvPr>
+          <p:cNvSpPr/>
+          <p:nvPr/>
+        </p:nvSpPr>
+        <p:spPr>
+          <a:xfrm>
+            <a:off x="1182915" y="3459844"/>
+            <a:ext cx="1905000" cy="990600"/>
+          </a:xfrm>
+          <a:prstGeom prst="rect">
+            <a:avLst/>
+          </a:prstGeom>
+        </p:spPr>
+        <p:style>
+          <a:lnRef idx="1">
+            <a:schemeClr val="accent1"/>
+          </a:lnRef>
+          <a:fillRef idx="2">
+            <a:schemeClr val="accent1"/>
+          </a:fillRef>
+          <a:effectRef idx="1">
+            <a:schemeClr val="accent1"/>
+          </a:effectRef>
+          <a:fontRef idx="minor">
+            <a:schemeClr val="dk1"/>
+          </a:fontRef>
+        </p:style>
+        <p:txBody>
+          <a:bodyPr rtlCol="0" anchor="ctr"/>
+          <a:lstStyle/>
+          <a:p>
+            <a:pPr algn="ctr"/>
+            <a:r>
+              <a:rPr lang="en-US" b="1" dirty="0">
+                <a:solidFill>
+                  <a:schemeClr val="tx1"/>
+                </a:solidFill>
+              </a:rPr>
+              <a:t>IShippingGateway</a:t>
+            </a:r>
+          </a:p>
+        </p:txBody>
+      </p:sp>
+      <p:sp>
+        <p:nvSpPr>
+          <p:cNvPr id="10" name="Rectangle 9">
+            <a:extLst>
+              <a:ext uri="{FF2B5EF4-FFF2-40B4-BE49-F238E27FC236}">
+                <a16:creationId xmlns:a16="http://schemas.microsoft.com/office/drawing/2014/main" id="{D0EB6457-2BD7-405B-A5EB-04ABC96AFDA5}"/>
+              </a:ext>
+            </a:extLst>
+          </p:cNvPr>
+          <p:cNvSpPr/>
+          <p:nvPr/>
+        </p:nvSpPr>
+        <p:spPr>
+          <a:xfrm>
+            <a:off x="1182915" y="304800"/>
+            <a:ext cx="1905000" cy="990600"/>
+          </a:xfrm>
+          <a:prstGeom prst="rect">
+            <a:avLst/>
+          </a:prstGeom>
+        </p:spPr>
+        <p:style>
+          <a:lnRef idx="2">
+            <a:schemeClr val="accent3">
+              <a:shade val="50000"/>
+            </a:schemeClr>
+          </a:lnRef>
+          <a:fillRef idx="1">
+            <a:schemeClr val="accent3"/>
+          </a:fillRef>
+          <a:effectRef idx="0">
+            <a:schemeClr val="accent3"/>
+          </a:effectRef>
+          <a:fontRef idx="minor">
+            <a:schemeClr val="lt1"/>
+          </a:fontRef>
+        </p:style>
+        <p:txBody>
+          <a:bodyPr rtlCol="0" anchor="ctr"/>
+          <a:lstStyle/>
+          <a:p>
+            <a:pPr algn="ctr"/>
+            <a:r>
+              <a:rPr lang="en-US" b="1" dirty="0">
+                <a:solidFill>
+                  <a:schemeClr val="tx1"/>
+                </a:solidFill>
+              </a:rPr>
+              <a:t>TaxType</a:t>
+            </a:r>
+          </a:p>
+          <a:p>
+            <a:pPr algn="ctr"/>
+            <a:r>
+              <a:rPr lang="en-US" b="1" dirty="0">
+                <a:solidFill>
+                  <a:schemeClr val="tx1"/>
+                </a:solidFill>
+              </a:rPr>
+              <a:t>(Enum)</a:t>
+            </a:r>
+          </a:p>
+        </p:txBody>
+      </p:sp>
+      <p:cxnSp>
+        <p:nvCxnSpPr>
+          <p:cNvPr id="32" name="Straight Arrow Connector 31">
+            <a:extLst>
+              <a:ext uri="{FF2B5EF4-FFF2-40B4-BE49-F238E27FC236}">
+                <a16:creationId xmlns:a16="http://schemas.microsoft.com/office/drawing/2014/main" id="{3DAB1093-2A32-47FD-AF1D-FD85E3AD68CF}"/>
+              </a:ext>
+            </a:extLst>
+          </p:cNvPr>
+          <p:cNvCxnSpPr>
+            <a:cxnSpLocks/>
+            <a:stCxn id="4" idx="0"/>
+            <a:endCxn id="5" idx="2"/>
+          </p:cNvCxnSpPr>
+          <p:nvPr/>
+        </p:nvCxnSpPr>
+        <p:spPr>
+          <a:xfrm flipV="1">
+            <a:off x="4325257" y="1295400"/>
+            <a:ext cx="0" cy="676729"/>
+          </a:xfrm>
+          <a:prstGeom prst="straightConnector1">
+            <a:avLst/>
+          </a:prstGeom>
+          <a:ln>
+            <a:tailEnd type="triangle"/>
+          </a:ln>
+        </p:spPr>
+        <p:style>
+          <a:lnRef idx="3">
+            <a:schemeClr val="dk1"/>
+          </a:lnRef>
+          <a:fillRef idx="0">
+            <a:schemeClr val="dk1"/>
+          </a:fillRef>
+          <a:effectRef idx="2">
+            <a:schemeClr val="dk1"/>
+          </a:effectRef>
+          <a:fontRef idx="minor">
+            <a:schemeClr val="tx1"/>
+          </a:fontRef>
+        </p:style>
+      </p:cxnSp>
+      <p:cxnSp>
+        <p:nvCxnSpPr>
+          <p:cNvPr id="35" name="Straight Arrow Connector 34">
+            <a:extLst>
+              <a:ext uri="{FF2B5EF4-FFF2-40B4-BE49-F238E27FC236}">
+                <a16:creationId xmlns:a16="http://schemas.microsoft.com/office/drawing/2014/main" id="{91BCF80E-F84D-43F1-A3DC-8B6F66F4084B}"/>
+              </a:ext>
+            </a:extLst>
+          </p:cNvPr>
+          <p:cNvCxnSpPr>
+            <a:cxnSpLocks/>
+            <a:endCxn id="10" idx="2"/>
+          </p:cNvCxnSpPr>
+          <p:nvPr/>
+        </p:nvCxnSpPr>
+        <p:spPr>
+          <a:xfrm flipH="1" flipV="1">
+            <a:off x="2135415" y="1295400"/>
+            <a:ext cx="1667326" cy="676729"/>
+          </a:xfrm>
+          <a:prstGeom prst="straightConnector1">
+            <a:avLst/>
+          </a:prstGeom>
+          <a:ln>
+            <a:tailEnd type="triangle"/>
+          </a:ln>
+        </p:spPr>
+        <p:style>
+          <a:lnRef idx="3">
+            <a:schemeClr val="dk1"/>
+          </a:lnRef>
+          <a:fillRef idx="0">
+            <a:schemeClr val="dk1"/>
+          </a:fillRef>
+          <a:effectRef idx="2">
+            <a:schemeClr val="dk1"/>
+          </a:effectRef>
+          <a:fontRef idx="minor">
+            <a:schemeClr val="tx1"/>
+          </a:fontRef>
+        </p:style>
+      </p:cxnSp>
+      <p:cxnSp>
+        <p:nvCxnSpPr>
+          <p:cNvPr id="39" name="Straight Arrow Connector 38">
+            <a:extLst>
+              <a:ext uri="{FF2B5EF4-FFF2-40B4-BE49-F238E27FC236}">
+                <a16:creationId xmlns:a16="http://schemas.microsoft.com/office/drawing/2014/main" id="{BEB8902C-1476-46C1-8E37-1471470466D2}"/>
+              </a:ext>
+            </a:extLst>
+          </p:cNvPr>
+          <p:cNvCxnSpPr>
+            <a:cxnSpLocks/>
+            <a:stCxn id="5" idx="3"/>
+            <a:endCxn id="6" idx="1"/>
+          </p:cNvCxnSpPr>
+          <p:nvPr/>
+        </p:nvCxnSpPr>
+        <p:spPr>
+          <a:xfrm>
+            <a:off x="5277757" y="800100"/>
+            <a:ext cx="295731" cy="0"/>
+          </a:xfrm>
+          <a:prstGeom prst="straightConnector1">
+            <a:avLst/>
+          </a:prstGeom>
+          <a:ln>
+            <a:tailEnd type="triangle"/>
+          </a:ln>
+        </p:spPr>
+        <p:style>
+          <a:lnRef idx="3">
+            <a:schemeClr val="dk1"/>
+          </a:lnRef>
+          <a:fillRef idx="0">
+            <a:schemeClr val="dk1"/>
+          </a:fillRef>
+          <a:effectRef idx="2">
+            <a:schemeClr val="dk1"/>
+          </a:effectRef>
+          <a:fontRef idx="minor">
+            <a:schemeClr val="tx1"/>
+          </a:fontRef>
+        </p:style>
+      </p:cxnSp>
+      <p:sp>
+        <p:nvSpPr>
+          <p:cNvPr id="37" name="Rectangle 36">
+            <a:extLst>
+              <a:ext uri="{FF2B5EF4-FFF2-40B4-BE49-F238E27FC236}">
+                <a16:creationId xmlns:a16="http://schemas.microsoft.com/office/drawing/2014/main" id="{939D16F8-E9EC-49B9-96F0-791F2AEC65A3}"/>
+              </a:ext>
+            </a:extLst>
+          </p:cNvPr>
+          <p:cNvSpPr/>
+          <p:nvPr/>
+        </p:nvSpPr>
+        <p:spPr>
+          <a:xfrm>
+            <a:off x="5573488" y="5290400"/>
+            <a:ext cx="1905000" cy="990600"/>
+          </a:xfrm>
+          <a:prstGeom prst="rect">
+            <a:avLst/>
+          </a:prstGeom>
+        </p:spPr>
+        <p:style>
+          <a:lnRef idx="1">
+            <a:schemeClr val="accent1"/>
+          </a:lnRef>
+          <a:fillRef idx="3">
+            <a:schemeClr val="accent1"/>
+          </a:fillRef>
+          <a:effectRef idx="2">
+            <a:schemeClr val="accent1"/>
+          </a:effectRef>
+          <a:fontRef idx="minor">
+            <a:schemeClr val="lt1"/>
+          </a:fontRef>
+        </p:style>
+        <p:txBody>
+          <a:bodyPr rtlCol="0" anchor="ctr"/>
+          <a:lstStyle/>
+          <a:p>
+            <a:pPr algn="ctr"/>
+            <a:r>
+              <a:rPr lang="en-US" b="1" dirty="0">
+                <a:solidFill>
+                  <a:schemeClr val="bg1"/>
+                </a:solidFill>
+              </a:rPr>
+              <a:t>CatalogGateway</a:t>
+            </a:r>
+          </a:p>
+        </p:txBody>
+      </p:sp>
+      <p:sp>
+        <p:nvSpPr>
+          <p:cNvPr id="38" name="Rectangle 37">
+            <a:extLst>
+              <a:ext uri="{FF2B5EF4-FFF2-40B4-BE49-F238E27FC236}">
+                <a16:creationId xmlns:a16="http://schemas.microsoft.com/office/drawing/2014/main" id="{8E68E3E2-C89E-430B-82AB-2C7F7F8F0FF6}"/>
+              </a:ext>
+            </a:extLst>
+          </p:cNvPr>
+          <p:cNvSpPr/>
+          <p:nvPr/>
+        </p:nvSpPr>
+        <p:spPr>
+          <a:xfrm>
+            <a:off x="3372757" y="5288585"/>
+            <a:ext cx="1905000" cy="990600"/>
+          </a:xfrm>
+          <a:prstGeom prst="rect">
+            <a:avLst/>
+          </a:prstGeom>
+        </p:spPr>
+        <p:style>
+          <a:lnRef idx="1">
+            <a:schemeClr val="accent1"/>
+          </a:lnRef>
+          <a:fillRef idx="3">
+            <a:schemeClr val="accent1"/>
+          </a:fillRef>
+          <a:effectRef idx="2">
+            <a:schemeClr val="accent1"/>
+          </a:effectRef>
+          <a:fontRef idx="minor">
+            <a:schemeClr val="lt1"/>
+          </a:fontRef>
+        </p:style>
+        <p:txBody>
+          <a:bodyPr rtlCol="0" anchor="ctr"/>
+          <a:lstStyle/>
+          <a:p>
+            <a:pPr algn="ctr"/>
+            <a:r>
+              <a:rPr lang="en-US" b="1" dirty="0">
+                <a:solidFill>
+                  <a:schemeClr val="bg1"/>
+                </a:solidFill>
+              </a:rPr>
+              <a:t>PromoGateway</a:t>
+            </a:r>
+          </a:p>
+        </p:txBody>
+      </p:sp>
+      <p:sp>
+        <p:nvSpPr>
+          <p:cNvPr id="40" name="Rectangle 39">
+            <a:extLst>
+              <a:ext uri="{FF2B5EF4-FFF2-40B4-BE49-F238E27FC236}">
+                <a16:creationId xmlns:a16="http://schemas.microsoft.com/office/drawing/2014/main" id="{D9C61C48-A5D7-4482-AC25-660588F9499D}"/>
+              </a:ext>
+            </a:extLst>
+          </p:cNvPr>
+          <p:cNvSpPr/>
+          <p:nvPr/>
+        </p:nvSpPr>
+        <p:spPr>
+          <a:xfrm>
+            <a:off x="1182915" y="5290400"/>
+            <a:ext cx="1905000" cy="990600"/>
+          </a:xfrm>
+          <a:prstGeom prst="rect">
+            <a:avLst/>
+          </a:prstGeom>
+        </p:spPr>
+        <p:style>
+          <a:lnRef idx="1">
+            <a:schemeClr val="accent1"/>
+          </a:lnRef>
+          <a:fillRef idx="3">
+            <a:schemeClr val="accent1"/>
+          </a:fillRef>
+          <a:effectRef idx="2">
+            <a:schemeClr val="accent1"/>
+          </a:effectRef>
+          <a:fontRef idx="minor">
+            <a:schemeClr val="lt1"/>
+          </a:fontRef>
+        </p:style>
+        <p:txBody>
+          <a:bodyPr rtlCol="0" anchor="ctr"/>
+          <a:lstStyle/>
+          <a:p>
+            <a:pPr algn="ctr"/>
+            <a:r>
+              <a:rPr lang="en-US" b="1" dirty="0">
+                <a:solidFill>
+                  <a:schemeClr val="bg1"/>
+                </a:solidFill>
+              </a:rPr>
+              <a:t>ShippingGateway</a:t>
+            </a:r>
+          </a:p>
+        </p:txBody>
+      </p:sp>
+      <p:cxnSp>
+        <p:nvCxnSpPr>
+          <p:cNvPr id="41" name="Straight Arrow Connector 40">
+            <a:extLst>
+              <a:ext uri="{FF2B5EF4-FFF2-40B4-BE49-F238E27FC236}">
+                <a16:creationId xmlns:a16="http://schemas.microsoft.com/office/drawing/2014/main" id="{3913299A-0EAE-475E-B0EC-F95AB7FF67B6}"/>
+              </a:ext>
+            </a:extLst>
+          </p:cNvPr>
+          <p:cNvCxnSpPr>
+            <a:cxnSpLocks/>
+            <a:stCxn id="40" idx="0"/>
+            <a:endCxn id="9" idx="2"/>
+          </p:cNvCxnSpPr>
+          <p:nvPr/>
+        </p:nvCxnSpPr>
+        <p:spPr>
+          <a:xfrm flipV="1">
+            <a:off x="2135415" y="4450444"/>
+            <a:ext cx="0" cy="839956"/>
+          </a:xfrm>
+          <a:prstGeom prst="straightConnector1">
+            <a:avLst/>
+          </a:prstGeom>
+          <a:ln>
+            <a:prstDash val="dash"/>
+            <a:tailEnd type="triangle"/>
+          </a:ln>
+        </p:spPr>
+        <p:style>
+          <a:lnRef idx="3">
+            <a:schemeClr val="dk1"/>
+          </a:lnRef>
+          <a:fillRef idx="0">
+            <a:schemeClr val="dk1"/>
+          </a:fillRef>
+          <a:effectRef idx="2">
+            <a:schemeClr val="dk1"/>
+          </a:effectRef>
+          <a:fontRef idx="minor">
+            <a:schemeClr val="tx1"/>
+          </a:fontRef>
+        </p:style>
+      </p:cxnSp>
+      <p:cxnSp>
+        <p:nvCxnSpPr>
+          <p:cNvPr id="48" name="Straight Arrow Connector 47">
+            <a:extLst>
+              <a:ext uri="{FF2B5EF4-FFF2-40B4-BE49-F238E27FC236}">
+                <a16:creationId xmlns:a16="http://schemas.microsoft.com/office/drawing/2014/main" id="{B08C77EE-8246-49DA-8C0C-93FD0733AA81}"/>
+              </a:ext>
+            </a:extLst>
+          </p:cNvPr>
+          <p:cNvCxnSpPr>
+            <a:cxnSpLocks/>
+            <a:stCxn id="38" idx="0"/>
+            <a:endCxn id="8" idx="2"/>
+          </p:cNvCxnSpPr>
+          <p:nvPr/>
+        </p:nvCxnSpPr>
+        <p:spPr>
+          <a:xfrm flipV="1">
+            <a:off x="4325257" y="4448629"/>
+            <a:ext cx="0" cy="839956"/>
+          </a:xfrm>
+          <a:prstGeom prst="straightConnector1">
+            <a:avLst/>
+          </a:prstGeom>
+          <a:ln>
+            <a:prstDash val="dash"/>
+            <a:tailEnd type="triangle"/>
+          </a:ln>
+        </p:spPr>
+        <p:style>
+          <a:lnRef idx="3">
+            <a:schemeClr val="dk1"/>
+          </a:lnRef>
+          <a:fillRef idx="0">
+            <a:schemeClr val="dk1"/>
+          </a:fillRef>
+          <a:effectRef idx="2">
+            <a:schemeClr val="dk1"/>
+          </a:effectRef>
+          <a:fontRef idx="minor">
+            <a:schemeClr val="tx1"/>
+          </a:fontRef>
+        </p:style>
+      </p:cxnSp>
+      <p:cxnSp>
+        <p:nvCxnSpPr>
+          <p:cNvPr id="51" name="Straight Arrow Connector 50">
+            <a:extLst>
+              <a:ext uri="{FF2B5EF4-FFF2-40B4-BE49-F238E27FC236}">
+                <a16:creationId xmlns:a16="http://schemas.microsoft.com/office/drawing/2014/main" id="{252DD4FB-4BEB-4CE1-BE6E-FA8CFEF4C2B0}"/>
+              </a:ext>
+            </a:extLst>
+          </p:cNvPr>
+          <p:cNvCxnSpPr>
+            <a:cxnSpLocks/>
+            <a:stCxn id="37" idx="0"/>
+            <a:endCxn id="7" idx="2"/>
+          </p:cNvCxnSpPr>
+          <p:nvPr/>
+        </p:nvCxnSpPr>
+        <p:spPr>
+          <a:xfrm flipV="1">
+            <a:off x="6525988" y="4450444"/>
+            <a:ext cx="0" cy="839956"/>
+          </a:xfrm>
+          <a:prstGeom prst="straightConnector1">
+            <a:avLst/>
+          </a:prstGeom>
+          <a:ln>
+            <a:prstDash val="dash"/>
+            <a:tailEnd type="triangle"/>
+          </a:ln>
+        </p:spPr>
+        <p:style>
+          <a:lnRef idx="3">
+            <a:schemeClr val="dk1"/>
+          </a:lnRef>
+          <a:fillRef idx="0">
+            <a:schemeClr val="dk1"/>
+          </a:fillRef>
+          <a:effectRef idx="2">
+            <a:schemeClr val="dk1"/>
+          </a:effectRef>
+          <a:fontRef idx="minor">
+            <a:schemeClr val="tx1"/>
+          </a:fontRef>
+        </p:style>
+      </p:cxnSp>
+      <p:cxnSp>
+        <p:nvCxnSpPr>
+          <p:cNvPr id="54" name="Straight Arrow Connector 53">
+            <a:extLst>
+              <a:ext uri="{FF2B5EF4-FFF2-40B4-BE49-F238E27FC236}">
+                <a16:creationId xmlns:a16="http://schemas.microsoft.com/office/drawing/2014/main" id="{E61EE217-8B2B-4DC6-A6B3-B8B46335716A}"/>
+              </a:ext>
+            </a:extLst>
+          </p:cNvPr>
+          <p:cNvCxnSpPr>
+            <a:cxnSpLocks/>
+            <a:endCxn id="9" idx="0"/>
+          </p:cNvCxnSpPr>
+          <p:nvPr/>
+        </p:nvCxnSpPr>
+        <p:spPr>
+          <a:xfrm flipH="1">
+            <a:off x="2135415" y="2961822"/>
+            <a:ext cx="1434194" cy="498022"/>
+          </a:xfrm>
+          <a:prstGeom prst="straightConnector1">
+            <a:avLst/>
+          </a:prstGeom>
+          <a:ln>
+            <a:tailEnd type="triangle"/>
+          </a:ln>
+        </p:spPr>
+        <p:style>
+          <a:lnRef idx="3">
+            <a:schemeClr val="dk1"/>
+          </a:lnRef>
+          <a:fillRef idx="0">
+            <a:schemeClr val="dk1"/>
+          </a:fillRef>
+          <a:effectRef idx="2">
+            <a:schemeClr val="dk1"/>
+          </a:effectRef>
+          <a:fontRef idx="minor">
+            <a:schemeClr val="tx1"/>
+          </a:fontRef>
+        </p:style>
+      </p:cxnSp>
+      <p:cxnSp>
+        <p:nvCxnSpPr>
+          <p:cNvPr id="57" name="Straight Arrow Connector 56">
+            <a:extLst>
+              <a:ext uri="{FF2B5EF4-FFF2-40B4-BE49-F238E27FC236}">
+                <a16:creationId xmlns:a16="http://schemas.microsoft.com/office/drawing/2014/main" id="{B2F94B31-B5A5-47D4-B1F5-1DFE3875EF45}"/>
+              </a:ext>
+            </a:extLst>
+          </p:cNvPr>
+          <p:cNvCxnSpPr>
+            <a:cxnSpLocks/>
+            <a:stCxn id="4" idx="2"/>
+            <a:endCxn id="8" idx="0"/>
+          </p:cNvCxnSpPr>
+          <p:nvPr/>
+        </p:nvCxnSpPr>
+        <p:spPr>
+          <a:xfrm>
+            <a:off x="4325257" y="2962729"/>
+            <a:ext cx="0" cy="495300"/>
+          </a:xfrm>
+          <a:prstGeom prst="straightConnector1">
+            <a:avLst/>
+          </a:prstGeom>
+          <a:ln>
+            <a:tailEnd type="triangle"/>
+          </a:ln>
+        </p:spPr>
+        <p:style>
+          <a:lnRef idx="3">
+            <a:schemeClr val="dk1"/>
+          </a:lnRef>
+          <a:fillRef idx="0">
+            <a:schemeClr val="dk1"/>
+          </a:fillRef>
+          <a:effectRef idx="2">
+            <a:schemeClr val="dk1"/>
+          </a:effectRef>
+          <a:fontRef idx="minor">
+            <a:schemeClr val="tx1"/>
+          </a:fontRef>
+        </p:style>
+      </p:cxnSp>
+      <p:cxnSp>
+        <p:nvCxnSpPr>
+          <p:cNvPr id="60" name="Straight Arrow Connector 59">
+            <a:extLst>
+              <a:ext uri="{FF2B5EF4-FFF2-40B4-BE49-F238E27FC236}">
+                <a16:creationId xmlns:a16="http://schemas.microsoft.com/office/drawing/2014/main" id="{D550488B-A6B0-43B8-B0F1-C6D5D4589804}"/>
+              </a:ext>
+            </a:extLst>
+          </p:cNvPr>
+          <p:cNvCxnSpPr>
+            <a:cxnSpLocks/>
+            <a:stCxn id="6" idx="2"/>
+            <a:endCxn id="7" idx="0"/>
+          </p:cNvCxnSpPr>
+          <p:nvPr/>
+        </p:nvCxnSpPr>
+        <p:spPr>
+          <a:xfrm>
+            <a:off x="6525988" y="1295400"/>
+            <a:ext cx="0" cy="2164444"/>
+          </a:xfrm>
+          <a:prstGeom prst="straightConnector1">
+            <a:avLst/>
+          </a:prstGeom>
+          <a:ln>
+            <a:tailEnd type="triangle"/>
+          </a:ln>
+        </p:spPr>
+        <p:style>
+          <a:lnRef idx="3">
+            <a:schemeClr val="dk1"/>
+          </a:lnRef>
+          <a:fillRef idx="0">
+            <a:schemeClr val="dk1"/>
+          </a:fillRef>
+          <a:effectRef idx="2">
+            <a:schemeClr val="dk1"/>
+          </a:effectRef>
+          <a:fontRef idx="minor">
+            <a:schemeClr val="tx1"/>
+          </a:fontRef>
+        </p:style>
+      </p:cxnSp>
+      <p:sp>
+        <p:nvSpPr>
+          <p:cNvPr id="66" name="Rectangle 65">
+            <a:extLst>
+              <a:ext uri="{FF2B5EF4-FFF2-40B4-BE49-F238E27FC236}">
+                <a16:creationId xmlns:a16="http://schemas.microsoft.com/office/drawing/2014/main" id="{546A8262-EE01-4E40-8163-57FC0F5471A8}"/>
+              </a:ext>
+            </a:extLst>
+          </p:cNvPr>
+          <p:cNvSpPr/>
+          <p:nvPr/>
+        </p:nvSpPr>
+        <p:spPr>
+          <a:xfrm>
+            <a:off x="406429" y="1508798"/>
+            <a:ext cx="1905000" cy="777422"/>
+          </a:xfrm>
+          <a:prstGeom prst="rect">
+            <a:avLst/>
+          </a:prstGeom>
+        </p:spPr>
+        <p:style>
+          <a:lnRef idx="2">
+            <a:schemeClr val="dk1">
+              <a:shade val="50000"/>
+            </a:schemeClr>
+          </a:lnRef>
+          <a:fillRef idx="1">
+            <a:schemeClr val="dk1"/>
+          </a:fillRef>
+          <a:effectRef idx="0">
+            <a:schemeClr val="dk1"/>
+          </a:effectRef>
+          <a:fontRef idx="minor">
+            <a:schemeClr val="lt1"/>
+          </a:fontRef>
+        </p:style>
+        <p:txBody>
+          <a:bodyPr rtlCol="0" anchor="ctr"/>
+          <a:lstStyle/>
+          <a:p>
+            <a:pPr algn="ctr"/>
+            <a:r>
+              <a:rPr lang="en-US" b="1" dirty="0">
+                <a:solidFill>
+                  <a:schemeClr val="bg1"/>
+                </a:solidFill>
+              </a:rPr>
+              <a:t>Generic Repository</a:t>
+            </a:r>
+          </a:p>
+        </p:txBody>
+      </p:sp>
+      <p:sp>
+        <p:nvSpPr>
+          <p:cNvPr id="67" name="Rectangle 66">
+            <a:extLst>
+              <a:ext uri="{FF2B5EF4-FFF2-40B4-BE49-F238E27FC236}">
+                <a16:creationId xmlns:a16="http://schemas.microsoft.com/office/drawing/2014/main" id="{D3F2A308-B374-43CD-BBDF-66BA4CAB9DF4}"/>
+              </a:ext>
+            </a:extLst>
+          </p:cNvPr>
+          <p:cNvSpPr/>
+          <p:nvPr/>
+        </p:nvSpPr>
+        <p:spPr>
+          <a:xfrm>
+            <a:off x="406429" y="2477670"/>
+            <a:ext cx="1905000" cy="770589"/>
+          </a:xfrm>
+          <a:prstGeom prst="rect">
+            <a:avLst/>
+          </a:prstGeom>
+        </p:spPr>
+        <p:style>
+          <a:lnRef idx="2">
+            <a:schemeClr val="dk1">
+              <a:shade val="50000"/>
+            </a:schemeClr>
+          </a:lnRef>
+          <a:fillRef idx="1">
+            <a:schemeClr val="dk1"/>
+          </a:fillRef>
+          <a:effectRef idx="0">
+            <a:schemeClr val="dk1"/>
+          </a:effectRef>
+          <a:fontRef idx="minor">
+            <a:schemeClr val="lt1"/>
+          </a:fontRef>
+        </p:style>
+        <p:txBody>
+          <a:bodyPr rtlCol="0" anchor="ctr"/>
+          <a:lstStyle/>
+          <a:p>
+            <a:pPr algn="ctr"/>
+            <a:r>
+              <a:rPr lang="en-US" b="1" dirty="0">
+                <a:solidFill>
+                  <a:schemeClr val="bg1"/>
+                </a:solidFill>
+              </a:rPr>
+              <a:t>Unit Of Work</a:t>
+            </a:r>
+          </a:p>
+        </p:txBody>
+      </p:sp>
+      <p:cxnSp>
+        <p:nvCxnSpPr>
+          <p:cNvPr id="71" name="Straight Arrow Connector 70">
+            <a:extLst>
+              <a:ext uri="{FF2B5EF4-FFF2-40B4-BE49-F238E27FC236}">
+                <a16:creationId xmlns:a16="http://schemas.microsoft.com/office/drawing/2014/main" id="{FCA257B0-8C4A-4F84-BA87-4A20C7CAB4F9}"/>
+              </a:ext>
+            </a:extLst>
+          </p:cNvPr>
+          <p:cNvCxnSpPr>
+            <a:cxnSpLocks/>
+            <a:stCxn id="66" idx="3"/>
+          </p:cNvCxnSpPr>
+          <p:nvPr/>
+        </p:nvCxnSpPr>
+        <p:spPr>
+          <a:xfrm>
+            <a:off x="2311429" y="1897509"/>
+            <a:ext cx="1054129" cy="387584"/>
+          </a:xfrm>
+          <a:prstGeom prst="straightConnector1">
+            <a:avLst/>
+          </a:prstGeom>
+          <a:ln>
+            <a:prstDash val="dash"/>
+            <a:tailEnd type="triangle"/>
+          </a:ln>
+        </p:spPr>
+        <p:style>
+          <a:lnRef idx="3">
+            <a:schemeClr val="dk1"/>
+          </a:lnRef>
+          <a:fillRef idx="0">
+            <a:schemeClr val="dk1"/>
+          </a:fillRef>
+          <a:effectRef idx="2">
+            <a:schemeClr val="dk1"/>
+          </a:effectRef>
+          <a:fontRef idx="minor">
+            <a:schemeClr val="tx1"/>
+          </a:fontRef>
+        </p:style>
+      </p:cxnSp>
+      <p:cxnSp>
+        <p:nvCxnSpPr>
+          <p:cNvPr id="74" name="Straight Arrow Connector 73">
+            <a:extLst>
+              <a:ext uri="{FF2B5EF4-FFF2-40B4-BE49-F238E27FC236}">
+                <a16:creationId xmlns:a16="http://schemas.microsoft.com/office/drawing/2014/main" id="{5AA29808-63E9-4F1A-991C-F59565208E5C}"/>
+              </a:ext>
+            </a:extLst>
+          </p:cNvPr>
+          <p:cNvCxnSpPr>
+            <a:cxnSpLocks/>
+            <a:stCxn id="67" idx="3"/>
+            <a:endCxn id="4" idx="1"/>
+          </p:cNvCxnSpPr>
+          <p:nvPr/>
+        </p:nvCxnSpPr>
+        <p:spPr>
+          <a:xfrm flipV="1">
+            <a:off x="2311429" y="2467429"/>
+            <a:ext cx="1061328" cy="395536"/>
+          </a:xfrm>
+          <a:prstGeom prst="straightConnector1">
+            <a:avLst/>
+          </a:prstGeom>
+          <a:ln>
+            <a:prstDash val="dash"/>
+            <a:tailEnd type="triangle"/>
+          </a:ln>
+        </p:spPr>
+        <p:style>
+          <a:lnRef idx="3">
+            <a:schemeClr val="dk1"/>
+          </a:lnRef>
+          <a:fillRef idx="0">
+            <a:schemeClr val="dk1"/>
+          </a:fillRef>
+          <a:effectRef idx="2">
+            <a:schemeClr val="dk1"/>
+          </a:effectRef>
+          <a:fontRef idx="minor">
+            <a:schemeClr val="tx1"/>
+          </a:fontRef>
+        </p:style>
+      </p:cxnSp>
+      <p:cxnSp>
+        <p:nvCxnSpPr>
+          <p:cNvPr id="82" name="Straight Arrow Connector 81">
+            <a:extLst>
+              <a:ext uri="{FF2B5EF4-FFF2-40B4-BE49-F238E27FC236}">
+                <a16:creationId xmlns:a16="http://schemas.microsoft.com/office/drawing/2014/main" id="{40F23C76-55A5-4F9F-A3BD-A1EF87F23D65}"/>
+              </a:ext>
+            </a:extLst>
+          </p:cNvPr>
+          <p:cNvCxnSpPr>
+            <a:cxnSpLocks/>
+            <a:stCxn id="67" idx="0"/>
+            <a:endCxn id="66" idx="2"/>
+          </p:cNvCxnSpPr>
+          <p:nvPr/>
+        </p:nvCxnSpPr>
+        <p:spPr>
+          <a:xfrm flipV="1">
+            <a:off x="1358929" y="2286220"/>
+            <a:ext cx="0" cy="191450"/>
+          </a:xfrm>
+          <a:prstGeom prst="straightConnector1">
+            <a:avLst/>
+          </a:prstGeom>
+          <a:ln>
+            <a:prstDash val="dash"/>
+            <a:tailEnd type="triangle"/>
+          </a:ln>
+        </p:spPr>
+        <p:style>
+          <a:lnRef idx="3">
+            <a:schemeClr val="dk1"/>
+          </a:lnRef>
+          <a:fillRef idx="0">
+            <a:schemeClr val="dk1"/>
+          </a:fillRef>
+          <a:effectRef idx="2">
+            <a:schemeClr val="dk1"/>
+          </a:effectRef>
+          <a:fontRef idx="minor">
+            <a:schemeClr val="tx1"/>
+          </a:fontRef>
+        </p:style>
+      </p:cxnSp>
+      <p:sp>
+        <p:nvSpPr>
+          <p:cNvPr id="87" name="TextBox 86">
+            <a:extLst>
+              <a:ext uri="{FF2B5EF4-FFF2-40B4-BE49-F238E27FC236}">
+                <a16:creationId xmlns:a16="http://schemas.microsoft.com/office/drawing/2014/main" id="{E0EEFE85-ADA3-4DE4-AC6F-D3901F37287B}"/>
+              </a:ext>
+            </a:extLst>
+          </p:cNvPr>
+          <p:cNvSpPr txBox="1"/>
+          <p:nvPr/>
+        </p:nvSpPr>
+        <p:spPr>
+          <a:xfrm>
+            <a:off x="2438400" y="6392200"/>
+            <a:ext cx="5582762" cy="276999"/>
+          </a:xfrm>
+          <a:prstGeom prst="rect">
+            <a:avLst/>
+          </a:prstGeom>
+          <a:noFill/>
+        </p:spPr>
+        <p:txBody>
+          <a:bodyPr wrap="square" rtlCol="0">
+            <a:spAutoFit/>
+          </a:bodyPr>
+          <a:lstStyle/>
+          <a:p>
+            <a:r>
+              <a:rPr lang="en-US" sz="1200" b="1" dirty="0"/>
+              <a:t>https://github.com/vietnam-devs/coolstore-microservices</a:t>
+            </a:r>
+          </a:p>
+        </p:txBody>
+      </p:sp>
+    </p:spTree>
+    <p:extLst>
+      <p:ext uri="{BB962C8B-B14F-4D97-AF65-F5344CB8AC3E}">
+        <p14:creationId xmlns:p14="http://schemas.microsoft.com/office/powerpoint/2010/main" val="2612921317"/>
+      </p:ext>
+    </p:extLst>
+  </p:cSld>
+  <p:clrMapOvr>
+    <a:masterClrMapping/>
+  </p:clrMapOvr>
+</p:sld>
+</file>
+
+<file path=ppt/slides/slide5.xml><?xml version="1.0" encoding="utf-8"?>
+<p:sld xmlns:a="http://schemas.openxmlformats.org/drawingml/2006/main" xmlns:r="http://schemas.openxmlformats.org/officeDocument/2006/relationships" xmlns:p="http://schemas.openxmlformats.org/presentationml/2006/main">
+  <p:cSld>
+    <p:spTree>
+      <p:nvGrpSpPr>
+        <p:cNvPr id="1" name=""/>
+        <p:cNvGrpSpPr/>
+        <p:nvPr/>
+      </p:nvGrpSpPr>
+      <p:grpSpPr>
+        <a:xfrm>
+          <a:off x="0" y="0"/>
+          <a:ext cx="0" cy="0"/>
+          <a:chOff x="0" y="0"/>
+          <a:chExt cx="0" cy="0"/>
+        </a:xfrm>
+      </p:grpSpPr>
+      <p:pic>
+        <p:nvPicPr>
           <p:cNvPr id="5" name="Graphic 4" descr="Users">
             <a:extLst>
               <a:ext uri="{FF2B5EF4-FFF2-40B4-BE49-F238E27FC236}">
@@ -5653,7 +8361,7 @@
 </p:sld>
 </file>
 
-<file path=ppt/slides/slide4.xml><?xml version="1.0" encoding="utf-8"?>
+<file path=ppt/slides/slide6.xml><?xml version="1.0" encoding="utf-8"?>
 <p:sld xmlns:a="http://schemas.openxmlformats.org/drawingml/2006/main" xmlns:r="http://schemas.openxmlformats.org/officeDocument/2006/relationships" xmlns:p="http://schemas.openxmlformats.org/presentationml/2006/main">
   <p:cSld>
     <p:spTree>
@@ -6699,7 +9407,7 @@
 </p:sld>
 </file>
 
-<file path=ppt/slides/slide5.xml><?xml version="1.0" encoding="utf-8"?>
+<file path=ppt/slides/slide7.xml><?xml version="1.0" encoding="utf-8"?>
 <p:sld xmlns:a="http://schemas.openxmlformats.org/drawingml/2006/main" xmlns:r="http://schemas.openxmlformats.org/officeDocument/2006/relationships" xmlns:p="http://schemas.openxmlformats.org/presentationml/2006/main">
   <p:cSld>
     <p:bg>
@@ -6930,7 +9638,7 @@
 </p:sld>
 </file>
 
-<file path=ppt/slides/slide6.xml><?xml version="1.0" encoding="utf-8"?>
+<file path=ppt/slides/slide8.xml><?xml version="1.0" encoding="utf-8"?>
 <p:sld xmlns:a="http://schemas.openxmlformats.org/drawingml/2006/main" xmlns:r="http://schemas.openxmlformats.org/officeDocument/2006/relationships" xmlns:p="http://schemas.openxmlformats.org/presentationml/2006/main">
   <p:cSld>
     <p:spTree>
@@ -12263,7 +14971,7 @@
 </p:sld>
 </file>
 
-<file path=ppt/slides/slide7.xml><?xml version="1.0" encoding="utf-8"?>
+<file path=ppt/slides/slide9.xml><?xml version="1.0" encoding="utf-8"?>
 <p:sld xmlns:a="http://schemas.openxmlformats.org/drawingml/2006/main" xmlns:r="http://schemas.openxmlformats.org/officeDocument/2006/relationships" xmlns:p="http://schemas.openxmlformats.org/presentationml/2006/main">
   <p:cSld>
     <p:spTree>
@@ -15069,1552 +17777,6 @@
     <p:extLst>
       <p:ext uri="{BB962C8B-B14F-4D97-AF65-F5344CB8AC3E}">
         <p14:creationId xmlns:p14="http://schemas.microsoft.com/office/powerpoint/2010/main" val="3206471563"/>
-      </p:ext>
-    </p:extLst>
-  </p:cSld>
-  <p:clrMapOvr>
-    <a:masterClrMapping/>
-  </p:clrMapOvr>
-</p:sld>
-</file>
-
-<file path=ppt/slides/slide8.xml><?xml version="1.0" encoding="utf-8"?>
-<p:sld xmlns:a="http://schemas.openxmlformats.org/drawingml/2006/main" xmlns:r="http://schemas.openxmlformats.org/officeDocument/2006/relationships" xmlns:p="http://schemas.openxmlformats.org/presentationml/2006/main">
-  <p:cSld>
-    <p:spTree>
-      <p:nvGrpSpPr>
-        <p:cNvPr id="1" name=""/>
-        <p:cNvGrpSpPr/>
-        <p:nvPr/>
-      </p:nvGrpSpPr>
-      <p:grpSpPr>
-        <a:xfrm>
-          <a:off x="0" y="0"/>
-          <a:ext cx="0" cy="0"/>
-          <a:chOff x="0" y="0"/>
-          <a:chExt cx="0" cy="0"/>
-        </a:xfrm>
-      </p:grpSpPr>
-      <p:sp>
-        <p:nvSpPr>
-          <p:cNvPr id="46" name="Rectangle 45"/>
-          <p:cNvSpPr/>
-          <p:nvPr/>
-        </p:nvSpPr>
-        <p:spPr>
-          <a:xfrm>
-            <a:off x="76200" y="457201"/>
-            <a:ext cx="8991600" cy="5181600"/>
-          </a:xfrm>
-          <a:prstGeom prst="rect">
-            <a:avLst/>
-          </a:prstGeom>
-        </p:spPr>
-        <p:style>
-          <a:lnRef idx="2">
-            <a:schemeClr val="dk1"/>
-          </a:lnRef>
-          <a:fillRef idx="1">
-            <a:schemeClr val="lt1"/>
-          </a:fillRef>
-          <a:effectRef idx="0">
-            <a:schemeClr val="dk1"/>
-          </a:effectRef>
-          <a:fontRef idx="minor">
-            <a:schemeClr val="dk1"/>
-          </a:fontRef>
-        </p:style>
-        <p:txBody>
-          <a:bodyPr rtlCol="0" anchor="ctr"/>
-          <a:lstStyle/>
-          <a:p>
-            <a:pPr algn="ctr"/>
-            <a:endParaRPr lang="en-US"/>
-          </a:p>
-        </p:txBody>
-      </p:sp>
-      <p:sp>
-        <p:nvSpPr>
-          <p:cNvPr id="5" name="Rounded Rectangle 4"/>
-          <p:cNvSpPr/>
-          <p:nvPr/>
-        </p:nvSpPr>
-        <p:spPr>
-          <a:xfrm>
-            <a:off x="2438400" y="695325"/>
-            <a:ext cx="1752600" cy="914400"/>
-          </a:xfrm>
-          <a:prstGeom prst="roundRect">
-            <a:avLst/>
-          </a:prstGeom>
-        </p:spPr>
-        <p:style>
-          <a:lnRef idx="2">
-            <a:schemeClr val="accent3"/>
-          </a:lnRef>
-          <a:fillRef idx="1">
-            <a:schemeClr val="lt1"/>
-          </a:fillRef>
-          <a:effectRef idx="0">
-            <a:schemeClr val="accent3"/>
-          </a:effectRef>
-          <a:fontRef idx="minor">
-            <a:schemeClr val="dk1"/>
-          </a:fontRef>
-        </p:style>
-        <p:txBody>
-          <a:bodyPr rtlCol="0" anchor="ctr"/>
-          <a:lstStyle/>
-          <a:p>
-            <a:pPr algn="ctr"/>
-            <a:r>
-              <a:rPr lang="en-US" dirty="0"/>
-              <a:t>Web UI</a:t>
-            </a:r>
-          </a:p>
-          <a:p>
-            <a:pPr algn="ctr"/>
-            <a:r>
-              <a:rPr lang="en-US" dirty="0"/>
-              <a:t>Vuejs + Nodejs</a:t>
-            </a:r>
-          </a:p>
-        </p:txBody>
-      </p:sp>
-      <p:sp>
-        <p:nvSpPr>
-          <p:cNvPr id="6" name="Rounded Rectangle 5"/>
-          <p:cNvSpPr/>
-          <p:nvPr/>
-        </p:nvSpPr>
-        <p:spPr>
-          <a:xfrm>
-            <a:off x="2438400" y="2057400"/>
-            <a:ext cx="1755820" cy="914400"/>
-          </a:xfrm>
-          <a:prstGeom prst="roundRect">
-            <a:avLst/>
-          </a:prstGeom>
-        </p:spPr>
-        <p:style>
-          <a:lnRef idx="2">
-            <a:schemeClr val="accent6"/>
-          </a:lnRef>
-          <a:fillRef idx="1">
-            <a:schemeClr val="lt1"/>
-          </a:fillRef>
-          <a:effectRef idx="0">
-            <a:schemeClr val="accent6"/>
-          </a:effectRef>
-          <a:fontRef idx="minor">
-            <a:schemeClr val="dk1"/>
-          </a:fontRef>
-        </p:style>
-        <p:txBody>
-          <a:bodyPr rtlCol="0" anchor="ctr"/>
-          <a:lstStyle/>
-          <a:p>
-            <a:pPr algn="ctr"/>
-            <a:r>
-              <a:rPr lang="en-US" dirty="0"/>
-              <a:t>Gateway</a:t>
-            </a:r>
-          </a:p>
-        </p:txBody>
-      </p:sp>
-      <p:sp>
-        <p:nvSpPr>
-          <p:cNvPr id="7" name="Rounded Rectangle 6"/>
-          <p:cNvSpPr/>
-          <p:nvPr/>
-        </p:nvSpPr>
-        <p:spPr>
-          <a:xfrm>
-            <a:off x="304800" y="3657600"/>
-            <a:ext cx="1066800" cy="685800"/>
-          </a:xfrm>
-          <a:prstGeom prst="roundRect">
-            <a:avLst/>
-          </a:prstGeom>
-        </p:spPr>
-        <p:style>
-          <a:lnRef idx="2">
-            <a:schemeClr val="accent3"/>
-          </a:lnRef>
-          <a:fillRef idx="1">
-            <a:schemeClr val="lt1"/>
-          </a:fillRef>
-          <a:effectRef idx="0">
-            <a:schemeClr val="accent3"/>
-          </a:effectRef>
-          <a:fontRef idx="minor">
-            <a:schemeClr val="dk1"/>
-          </a:fontRef>
-        </p:style>
-        <p:txBody>
-          <a:bodyPr rtlCol="0" anchor="ctr"/>
-          <a:lstStyle/>
-          <a:p>
-            <a:pPr algn="ctr"/>
-            <a:r>
-              <a:rPr lang="en-US" dirty="0"/>
-              <a:t>Rating</a:t>
-            </a:r>
-          </a:p>
-        </p:txBody>
-      </p:sp>
-      <p:sp>
-        <p:nvSpPr>
-          <p:cNvPr id="8" name="Rounded Rectangle 7"/>
-          <p:cNvSpPr/>
-          <p:nvPr/>
-        </p:nvSpPr>
-        <p:spPr>
-          <a:xfrm>
-            <a:off x="1790700" y="3628623"/>
-            <a:ext cx="1143000" cy="685800"/>
-          </a:xfrm>
-          <a:prstGeom prst="roundRect">
-            <a:avLst/>
-          </a:prstGeom>
-        </p:spPr>
-        <p:style>
-          <a:lnRef idx="2">
-            <a:schemeClr val="accent4"/>
-          </a:lnRef>
-          <a:fillRef idx="1">
-            <a:schemeClr val="lt1"/>
-          </a:fillRef>
-          <a:effectRef idx="0">
-            <a:schemeClr val="accent4"/>
-          </a:effectRef>
-          <a:fontRef idx="minor">
-            <a:schemeClr val="dk1"/>
-          </a:fontRef>
-        </p:style>
-        <p:txBody>
-          <a:bodyPr rtlCol="0" anchor="ctr"/>
-          <a:lstStyle/>
-          <a:p>
-            <a:pPr algn="ctr"/>
-            <a:r>
-              <a:rPr lang="en-US" dirty="0"/>
-              <a:t>Review</a:t>
-            </a:r>
-          </a:p>
-        </p:txBody>
-      </p:sp>
-      <p:sp>
-        <p:nvSpPr>
-          <p:cNvPr id="9" name="Rounded Rectangle 8"/>
-          <p:cNvSpPr/>
-          <p:nvPr/>
-        </p:nvSpPr>
-        <p:spPr>
-          <a:xfrm>
-            <a:off x="3237963" y="3657600"/>
-            <a:ext cx="1257837" cy="675068"/>
-          </a:xfrm>
-          <a:prstGeom prst="roundRect">
-            <a:avLst/>
-          </a:prstGeom>
-        </p:spPr>
-        <p:style>
-          <a:lnRef idx="2">
-            <a:schemeClr val="accent4"/>
-          </a:lnRef>
-          <a:fillRef idx="1">
-            <a:schemeClr val="lt1"/>
-          </a:fillRef>
-          <a:effectRef idx="0">
-            <a:schemeClr val="accent4"/>
-          </a:effectRef>
-          <a:fontRef idx="minor">
-            <a:schemeClr val="dk1"/>
-          </a:fontRef>
-        </p:style>
-        <p:txBody>
-          <a:bodyPr rtlCol="0" anchor="ctr"/>
-          <a:lstStyle/>
-          <a:p>
-            <a:pPr algn="ctr"/>
-            <a:r>
-              <a:rPr lang="en-US" dirty="0"/>
-              <a:t>Inventory</a:t>
-            </a:r>
-          </a:p>
-        </p:txBody>
-      </p:sp>
-      <p:sp>
-        <p:nvSpPr>
-          <p:cNvPr id="10" name="Rounded Rectangle 9"/>
-          <p:cNvSpPr/>
-          <p:nvPr/>
-        </p:nvSpPr>
-        <p:spPr>
-          <a:xfrm>
-            <a:off x="4873580" y="3655454"/>
-            <a:ext cx="1298620" cy="675068"/>
-          </a:xfrm>
-          <a:prstGeom prst="roundRect">
-            <a:avLst/>
-          </a:prstGeom>
-        </p:spPr>
-        <p:style>
-          <a:lnRef idx="2">
-            <a:schemeClr val="accent3"/>
-          </a:lnRef>
-          <a:fillRef idx="1">
-            <a:schemeClr val="lt1"/>
-          </a:fillRef>
-          <a:effectRef idx="0">
-            <a:schemeClr val="accent3"/>
-          </a:effectRef>
-          <a:fontRef idx="minor">
-            <a:schemeClr val="dk1"/>
-          </a:fontRef>
-        </p:style>
-        <p:txBody>
-          <a:bodyPr rtlCol="0" anchor="ctr"/>
-          <a:lstStyle/>
-          <a:p>
-            <a:pPr algn="ctr"/>
-            <a:r>
-              <a:rPr lang="en-US" dirty="0"/>
-              <a:t>Catalog</a:t>
-            </a:r>
-          </a:p>
-        </p:txBody>
-      </p:sp>
-      <p:sp>
-        <p:nvSpPr>
-          <p:cNvPr id="11" name="Rounded Rectangle 10"/>
-          <p:cNvSpPr/>
-          <p:nvPr/>
-        </p:nvSpPr>
-        <p:spPr>
-          <a:xfrm>
-            <a:off x="6553200" y="3657600"/>
-            <a:ext cx="990600" cy="685800"/>
-          </a:xfrm>
-          <a:prstGeom prst="roundRect">
-            <a:avLst/>
-          </a:prstGeom>
-        </p:spPr>
-        <p:style>
-          <a:lnRef idx="2">
-            <a:schemeClr val="accent4"/>
-          </a:lnRef>
-          <a:fillRef idx="1">
-            <a:schemeClr val="lt1"/>
-          </a:fillRef>
-          <a:effectRef idx="0">
-            <a:schemeClr val="accent4"/>
-          </a:effectRef>
-          <a:fontRef idx="minor">
-            <a:schemeClr val="dk1"/>
-          </a:fontRef>
-        </p:style>
-        <p:txBody>
-          <a:bodyPr rtlCol="0" anchor="ctr"/>
-          <a:lstStyle/>
-          <a:p>
-            <a:pPr algn="ctr"/>
-            <a:r>
-              <a:rPr lang="en-US" dirty="0"/>
-              <a:t>Cart</a:t>
-            </a:r>
-          </a:p>
-        </p:txBody>
-      </p:sp>
-      <p:sp>
-        <p:nvSpPr>
-          <p:cNvPr id="12" name="Rounded Rectangle 11"/>
-          <p:cNvSpPr/>
-          <p:nvPr/>
-        </p:nvSpPr>
-        <p:spPr>
-          <a:xfrm>
-            <a:off x="7924800" y="3655454"/>
-            <a:ext cx="990600" cy="685800"/>
-          </a:xfrm>
-          <a:prstGeom prst="roundRect">
-            <a:avLst/>
-          </a:prstGeom>
-        </p:spPr>
-        <p:style>
-          <a:lnRef idx="2">
-            <a:schemeClr val="accent4"/>
-          </a:lnRef>
-          <a:fillRef idx="1">
-            <a:schemeClr val="lt1"/>
-          </a:fillRef>
-          <a:effectRef idx="0">
-            <a:schemeClr val="accent4"/>
-          </a:effectRef>
-          <a:fontRef idx="minor">
-            <a:schemeClr val="dk1"/>
-          </a:fontRef>
-        </p:style>
-        <p:txBody>
-          <a:bodyPr rtlCol="0" anchor="ctr"/>
-          <a:lstStyle/>
-          <a:p>
-            <a:pPr algn="ctr"/>
-            <a:r>
-              <a:rPr lang="en-US" dirty="0"/>
-              <a:t>Pricing</a:t>
-            </a:r>
-          </a:p>
-        </p:txBody>
-      </p:sp>
-      <p:sp>
-        <p:nvSpPr>
-          <p:cNvPr id="13" name="Flowchart: Magnetic Disk 12"/>
-          <p:cNvSpPr/>
-          <p:nvPr/>
-        </p:nvSpPr>
-        <p:spPr>
-          <a:xfrm>
-            <a:off x="228600" y="4876800"/>
-            <a:ext cx="1219200" cy="510540"/>
-          </a:xfrm>
-          <a:prstGeom prst="flowChartMagneticDisk">
-            <a:avLst/>
-          </a:prstGeom>
-        </p:spPr>
-        <p:style>
-          <a:lnRef idx="1">
-            <a:schemeClr val="dk1"/>
-          </a:lnRef>
-          <a:fillRef idx="2">
-            <a:schemeClr val="dk1"/>
-          </a:fillRef>
-          <a:effectRef idx="1">
-            <a:schemeClr val="dk1"/>
-          </a:effectRef>
-          <a:fontRef idx="minor">
-            <a:schemeClr val="dk1"/>
-          </a:fontRef>
-        </p:style>
-        <p:txBody>
-          <a:bodyPr rtlCol="0" anchor="ctr"/>
-          <a:lstStyle/>
-          <a:p>
-            <a:pPr algn="ctr"/>
-            <a:r>
-              <a:rPr lang="en-US" dirty="0"/>
-              <a:t>Mongo DB</a:t>
-            </a:r>
-          </a:p>
-        </p:txBody>
-      </p:sp>
-      <p:sp>
-        <p:nvSpPr>
-          <p:cNvPr id="14" name="Flowchart: Magnetic Disk 13"/>
-          <p:cNvSpPr/>
-          <p:nvPr/>
-        </p:nvSpPr>
-        <p:spPr>
-          <a:xfrm>
-            <a:off x="1752600" y="4883239"/>
-            <a:ext cx="1219200" cy="510540"/>
-          </a:xfrm>
-          <a:prstGeom prst="flowChartMagneticDisk">
-            <a:avLst/>
-          </a:prstGeom>
-        </p:spPr>
-        <p:style>
-          <a:lnRef idx="2">
-            <a:schemeClr val="dk1"/>
-          </a:lnRef>
-          <a:fillRef idx="1">
-            <a:schemeClr val="lt1"/>
-          </a:fillRef>
-          <a:effectRef idx="0">
-            <a:schemeClr val="dk1"/>
-          </a:effectRef>
-          <a:fontRef idx="minor">
-            <a:schemeClr val="dk1"/>
-          </a:fontRef>
-        </p:style>
-        <p:txBody>
-          <a:bodyPr rtlCol="0" anchor="ctr"/>
-          <a:lstStyle/>
-          <a:p>
-            <a:pPr algn="ctr"/>
-            <a:r>
-              <a:rPr lang="en-US" dirty="0"/>
-              <a:t>SQL Server</a:t>
-            </a:r>
-          </a:p>
-        </p:txBody>
-      </p:sp>
-      <p:sp>
-        <p:nvSpPr>
-          <p:cNvPr id="15" name="Flowchart: Magnetic Disk 14"/>
-          <p:cNvSpPr/>
-          <p:nvPr/>
-        </p:nvSpPr>
-        <p:spPr>
-          <a:xfrm>
-            <a:off x="3276600" y="4866068"/>
-            <a:ext cx="1219200" cy="510540"/>
-          </a:xfrm>
-          <a:prstGeom prst="flowChartMagneticDisk">
-            <a:avLst/>
-          </a:prstGeom>
-        </p:spPr>
-        <p:style>
-          <a:lnRef idx="2">
-            <a:schemeClr val="dk1"/>
-          </a:lnRef>
-          <a:fillRef idx="1">
-            <a:schemeClr val="lt1"/>
-          </a:fillRef>
-          <a:effectRef idx="0">
-            <a:schemeClr val="dk1"/>
-          </a:effectRef>
-          <a:fontRef idx="minor">
-            <a:schemeClr val="dk1"/>
-          </a:fontRef>
-        </p:style>
-        <p:txBody>
-          <a:bodyPr rtlCol="0" anchor="ctr"/>
-          <a:lstStyle/>
-          <a:p>
-            <a:pPr algn="ctr"/>
-            <a:r>
-              <a:rPr lang="en-US" dirty="0"/>
-              <a:t>SQL Server</a:t>
-            </a:r>
-          </a:p>
-        </p:txBody>
-      </p:sp>
-      <p:sp>
-        <p:nvSpPr>
-          <p:cNvPr id="16" name="Flowchart: Magnetic Disk 15"/>
-          <p:cNvSpPr/>
-          <p:nvPr/>
-        </p:nvSpPr>
-        <p:spPr>
-          <a:xfrm>
-            <a:off x="4953000" y="4836151"/>
-            <a:ext cx="1219200" cy="510540"/>
-          </a:xfrm>
-          <a:prstGeom prst="flowChartMagneticDisk">
-            <a:avLst/>
-          </a:prstGeom>
-        </p:spPr>
-        <p:style>
-          <a:lnRef idx="1">
-            <a:schemeClr val="dk1"/>
-          </a:lnRef>
-          <a:fillRef idx="2">
-            <a:schemeClr val="dk1"/>
-          </a:fillRef>
-          <a:effectRef idx="1">
-            <a:schemeClr val="dk1"/>
-          </a:effectRef>
-          <a:fontRef idx="minor">
-            <a:schemeClr val="dk1"/>
-          </a:fontRef>
-        </p:style>
-        <p:txBody>
-          <a:bodyPr rtlCol="0" anchor="ctr"/>
-          <a:lstStyle/>
-          <a:p>
-            <a:pPr algn="ctr"/>
-            <a:r>
-              <a:rPr lang="en-US" dirty="0"/>
-              <a:t>Mongo DB</a:t>
-            </a:r>
-          </a:p>
-        </p:txBody>
-      </p:sp>
-      <p:cxnSp>
-        <p:nvCxnSpPr>
-          <p:cNvPr id="18" name="Straight Arrow Connector 17"/>
-          <p:cNvCxnSpPr>
-            <a:stCxn id="5" idx="2"/>
-            <a:endCxn id="6" idx="0"/>
-          </p:cNvCxnSpPr>
-          <p:nvPr/>
-        </p:nvCxnSpPr>
-        <p:spPr>
-          <a:xfrm>
-            <a:off x="3314700" y="1609725"/>
-            <a:ext cx="1610" cy="447675"/>
-          </a:xfrm>
-          <a:prstGeom prst="straightConnector1">
-            <a:avLst/>
-          </a:prstGeom>
-          <a:ln>
-            <a:tailEnd type="arrow"/>
-          </a:ln>
-        </p:spPr>
-        <p:style>
-          <a:lnRef idx="1">
-            <a:schemeClr val="accent1"/>
-          </a:lnRef>
-          <a:fillRef idx="0">
-            <a:schemeClr val="accent1"/>
-          </a:fillRef>
-          <a:effectRef idx="0">
-            <a:schemeClr val="accent1"/>
-          </a:effectRef>
-          <a:fontRef idx="minor">
-            <a:schemeClr val="tx1"/>
-          </a:fontRef>
-        </p:style>
-      </p:cxnSp>
-      <p:cxnSp>
-        <p:nvCxnSpPr>
-          <p:cNvPr id="20" name="Straight Arrow Connector 19"/>
-          <p:cNvCxnSpPr>
-            <a:stCxn id="6" idx="2"/>
-            <a:endCxn id="7" idx="0"/>
-          </p:cNvCxnSpPr>
-          <p:nvPr/>
-        </p:nvCxnSpPr>
-        <p:spPr>
-          <a:xfrm flipH="1">
-            <a:off x="838200" y="2971800"/>
-            <a:ext cx="2478110" cy="685800"/>
-          </a:xfrm>
-          <a:prstGeom prst="straightConnector1">
-            <a:avLst/>
-          </a:prstGeom>
-          <a:ln>
-            <a:tailEnd type="arrow"/>
-          </a:ln>
-        </p:spPr>
-        <p:style>
-          <a:lnRef idx="1">
-            <a:schemeClr val="accent1"/>
-          </a:lnRef>
-          <a:fillRef idx="0">
-            <a:schemeClr val="accent1"/>
-          </a:fillRef>
-          <a:effectRef idx="0">
-            <a:schemeClr val="accent1"/>
-          </a:effectRef>
-          <a:fontRef idx="minor">
-            <a:schemeClr val="tx1"/>
-          </a:fontRef>
-        </p:style>
-      </p:cxnSp>
-      <p:cxnSp>
-        <p:nvCxnSpPr>
-          <p:cNvPr id="22" name="Straight Arrow Connector 21"/>
-          <p:cNvCxnSpPr>
-            <a:stCxn id="6" idx="2"/>
-            <a:endCxn id="8" idx="0"/>
-          </p:cNvCxnSpPr>
-          <p:nvPr/>
-        </p:nvCxnSpPr>
-        <p:spPr>
-          <a:xfrm flipH="1">
-            <a:off x="2362200" y="2971800"/>
-            <a:ext cx="954110" cy="656823"/>
-          </a:xfrm>
-          <a:prstGeom prst="straightConnector1">
-            <a:avLst/>
-          </a:prstGeom>
-          <a:ln>
-            <a:tailEnd type="arrow"/>
-          </a:ln>
-        </p:spPr>
-        <p:style>
-          <a:lnRef idx="1">
-            <a:schemeClr val="accent1"/>
-          </a:lnRef>
-          <a:fillRef idx="0">
-            <a:schemeClr val="accent1"/>
-          </a:fillRef>
-          <a:effectRef idx="0">
-            <a:schemeClr val="accent1"/>
-          </a:effectRef>
-          <a:fontRef idx="minor">
-            <a:schemeClr val="tx1"/>
-          </a:fontRef>
-        </p:style>
-      </p:cxnSp>
-      <p:cxnSp>
-        <p:nvCxnSpPr>
-          <p:cNvPr id="24" name="Straight Arrow Connector 23"/>
-          <p:cNvCxnSpPr>
-            <a:stCxn id="6" idx="2"/>
-            <a:endCxn id="9" idx="0"/>
-          </p:cNvCxnSpPr>
-          <p:nvPr/>
-        </p:nvCxnSpPr>
-        <p:spPr>
-          <a:xfrm>
-            <a:off x="3316310" y="2971800"/>
-            <a:ext cx="550572" cy="685800"/>
-          </a:xfrm>
-          <a:prstGeom prst="straightConnector1">
-            <a:avLst/>
-          </a:prstGeom>
-          <a:ln>
-            <a:tailEnd type="arrow"/>
-          </a:ln>
-        </p:spPr>
-        <p:style>
-          <a:lnRef idx="1">
-            <a:schemeClr val="accent1"/>
-          </a:lnRef>
-          <a:fillRef idx="0">
-            <a:schemeClr val="accent1"/>
-          </a:fillRef>
-          <a:effectRef idx="0">
-            <a:schemeClr val="accent1"/>
-          </a:effectRef>
-          <a:fontRef idx="minor">
-            <a:schemeClr val="tx1"/>
-          </a:fontRef>
-        </p:style>
-      </p:cxnSp>
-      <p:cxnSp>
-        <p:nvCxnSpPr>
-          <p:cNvPr id="26" name="Straight Arrow Connector 25"/>
-          <p:cNvCxnSpPr>
-            <a:stCxn id="6" idx="2"/>
-            <a:endCxn id="10" idx="0"/>
-          </p:cNvCxnSpPr>
-          <p:nvPr/>
-        </p:nvCxnSpPr>
-        <p:spPr>
-          <a:xfrm>
-            <a:off x="3316310" y="2971800"/>
-            <a:ext cx="2206580" cy="683654"/>
-          </a:xfrm>
-          <a:prstGeom prst="straightConnector1">
-            <a:avLst/>
-          </a:prstGeom>
-          <a:ln>
-            <a:tailEnd type="arrow"/>
-          </a:ln>
-        </p:spPr>
-        <p:style>
-          <a:lnRef idx="1">
-            <a:schemeClr val="accent1"/>
-          </a:lnRef>
-          <a:fillRef idx="0">
-            <a:schemeClr val="accent1"/>
-          </a:fillRef>
-          <a:effectRef idx="0">
-            <a:schemeClr val="accent1"/>
-          </a:effectRef>
-          <a:fontRef idx="minor">
-            <a:schemeClr val="tx1"/>
-          </a:fontRef>
-        </p:style>
-      </p:cxnSp>
-      <p:cxnSp>
-        <p:nvCxnSpPr>
-          <p:cNvPr id="28" name="Straight Arrow Connector 27"/>
-          <p:cNvCxnSpPr>
-            <a:stCxn id="6" idx="2"/>
-            <a:endCxn id="11" idx="0"/>
-          </p:cNvCxnSpPr>
-          <p:nvPr/>
-        </p:nvCxnSpPr>
-        <p:spPr>
-          <a:xfrm>
-            <a:off x="3316310" y="2971800"/>
-            <a:ext cx="3732190" cy="685800"/>
-          </a:xfrm>
-          <a:prstGeom prst="straightConnector1">
-            <a:avLst/>
-          </a:prstGeom>
-          <a:ln>
-            <a:tailEnd type="arrow"/>
-          </a:ln>
-        </p:spPr>
-        <p:style>
-          <a:lnRef idx="1">
-            <a:schemeClr val="accent1"/>
-          </a:lnRef>
-          <a:fillRef idx="0">
-            <a:schemeClr val="accent1"/>
-          </a:fillRef>
-          <a:effectRef idx="0">
-            <a:schemeClr val="accent1"/>
-          </a:effectRef>
-          <a:fontRef idx="minor">
-            <a:schemeClr val="tx1"/>
-          </a:fontRef>
-        </p:style>
-      </p:cxnSp>
-      <p:cxnSp>
-        <p:nvCxnSpPr>
-          <p:cNvPr id="30" name="Straight Arrow Connector 29"/>
-          <p:cNvCxnSpPr>
-            <a:stCxn id="6" idx="2"/>
-            <a:endCxn id="12" idx="0"/>
-          </p:cNvCxnSpPr>
-          <p:nvPr/>
-        </p:nvCxnSpPr>
-        <p:spPr>
-          <a:xfrm>
-            <a:off x="3316310" y="2971800"/>
-            <a:ext cx="5103790" cy="683654"/>
-          </a:xfrm>
-          <a:prstGeom prst="straightConnector1">
-            <a:avLst/>
-          </a:prstGeom>
-          <a:ln>
-            <a:tailEnd type="arrow"/>
-          </a:ln>
-        </p:spPr>
-        <p:style>
-          <a:lnRef idx="1">
-            <a:schemeClr val="accent1"/>
-          </a:lnRef>
-          <a:fillRef idx="0">
-            <a:schemeClr val="accent1"/>
-          </a:fillRef>
-          <a:effectRef idx="0">
-            <a:schemeClr val="accent1"/>
-          </a:effectRef>
-          <a:fontRef idx="minor">
-            <a:schemeClr val="tx1"/>
-          </a:fontRef>
-        </p:style>
-      </p:cxnSp>
-      <p:cxnSp>
-        <p:nvCxnSpPr>
-          <p:cNvPr id="32" name="Straight Arrow Connector 31"/>
-          <p:cNvCxnSpPr>
-            <a:stCxn id="10" idx="3"/>
-            <a:endCxn id="11" idx="1"/>
-          </p:cNvCxnSpPr>
-          <p:nvPr/>
-        </p:nvCxnSpPr>
-        <p:spPr>
-          <a:xfrm>
-            <a:off x="6172200" y="3992988"/>
-            <a:ext cx="381000" cy="7512"/>
-          </a:xfrm>
-          <a:prstGeom prst="straightConnector1">
-            <a:avLst/>
-          </a:prstGeom>
-          <a:ln>
-            <a:headEnd type="arrow" w="med" len="med"/>
-            <a:tailEnd type="arrow" w="med" len="med"/>
-          </a:ln>
-        </p:spPr>
-        <p:style>
-          <a:lnRef idx="1">
-            <a:schemeClr val="accent1"/>
-          </a:lnRef>
-          <a:fillRef idx="0">
-            <a:schemeClr val="accent1"/>
-          </a:fillRef>
-          <a:effectRef idx="0">
-            <a:schemeClr val="accent1"/>
-          </a:effectRef>
-          <a:fontRef idx="minor">
-            <a:schemeClr val="tx1"/>
-          </a:fontRef>
-        </p:style>
-      </p:cxnSp>
-      <p:cxnSp>
-        <p:nvCxnSpPr>
-          <p:cNvPr id="34" name="Straight Arrow Connector 33"/>
-          <p:cNvCxnSpPr>
-            <a:stCxn id="11" idx="3"/>
-            <a:endCxn id="12" idx="1"/>
-          </p:cNvCxnSpPr>
-          <p:nvPr/>
-        </p:nvCxnSpPr>
-        <p:spPr>
-          <a:xfrm flipV="1">
-            <a:off x="7543800" y="3998354"/>
-            <a:ext cx="381000" cy="2146"/>
-          </a:xfrm>
-          <a:prstGeom prst="straightConnector1">
-            <a:avLst/>
-          </a:prstGeom>
-          <a:ln>
-            <a:tailEnd type="arrow"/>
-          </a:ln>
-        </p:spPr>
-        <p:style>
-          <a:lnRef idx="1">
-            <a:schemeClr val="accent1"/>
-          </a:lnRef>
-          <a:fillRef idx="0">
-            <a:schemeClr val="accent1"/>
-          </a:fillRef>
-          <a:effectRef idx="0">
-            <a:schemeClr val="accent1"/>
-          </a:effectRef>
-          <a:fontRef idx="minor">
-            <a:schemeClr val="tx1"/>
-          </a:fontRef>
-        </p:style>
-      </p:cxnSp>
-      <p:cxnSp>
-        <p:nvCxnSpPr>
-          <p:cNvPr id="37" name="Straight Arrow Connector 36"/>
-          <p:cNvCxnSpPr>
-            <a:stCxn id="7" idx="2"/>
-            <a:endCxn id="13" idx="1"/>
-          </p:cNvCxnSpPr>
-          <p:nvPr/>
-        </p:nvCxnSpPr>
-        <p:spPr>
-          <a:xfrm>
-            <a:off x="838200" y="4343400"/>
-            <a:ext cx="0" cy="533400"/>
-          </a:xfrm>
-          <a:prstGeom prst="straightConnector1">
-            <a:avLst/>
-          </a:prstGeom>
-          <a:ln>
-            <a:tailEnd type="arrow"/>
-          </a:ln>
-        </p:spPr>
-        <p:style>
-          <a:lnRef idx="1">
-            <a:schemeClr val="accent1"/>
-          </a:lnRef>
-          <a:fillRef idx="0">
-            <a:schemeClr val="accent1"/>
-          </a:fillRef>
-          <a:effectRef idx="0">
-            <a:schemeClr val="accent1"/>
-          </a:effectRef>
-          <a:fontRef idx="minor">
-            <a:schemeClr val="tx1"/>
-          </a:fontRef>
-        </p:style>
-      </p:cxnSp>
-      <p:cxnSp>
-        <p:nvCxnSpPr>
-          <p:cNvPr id="39" name="Straight Arrow Connector 38"/>
-          <p:cNvCxnSpPr>
-            <a:stCxn id="8" idx="2"/>
-            <a:endCxn id="14" idx="1"/>
-          </p:cNvCxnSpPr>
-          <p:nvPr/>
-        </p:nvCxnSpPr>
-        <p:spPr>
-          <a:xfrm>
-            <a:off x="2362200" y="4314423"/>
-            <a:ext cx="0" cy="568816"/>
-          </a:xfrm>
-          <a:prstGeom prst="straightConnector1">
-            <a:avLst/>
-          </a:prstGeom>
-          <a:ln>
-            <a:tailEnd type="arrow"/>
-          </a:ln>
-        </p:spPr>
-        <p:style>
-          <a:lnRef idx="1">
-            <a:schemeClr val="accent1"/>
-          </a:lnRef>
-          <a:fillRef idx="0">
-            <a:schemeClr val="accent1"/>
-          </a:fillRef>
-          <a:effectRef idx="0">
-            <a:schemeClr val="accent1"/>
-          </a:effectRef>
-          <a:fontRef idx="minor">
-            <a:schemeClr val="tx1"/>
-          </a:fontRef>
-        </p:style>
-      </p:cxnSp>
-      <p:cxnSp>
-        <p:nvCxnSpPr>
-          <p:cNvPr id="42" name="Straight Arrow Connector 41"/>
-          <p:cNvCxnSpPr>
-            <a:stCxn id="9" idx="2"/>
-            <a:endCxn id="15" idx="1"/>
-          </p:cNvCxnSpPr>
-          <p:nvPr/>
-        </p:nvCxnSpPr>
-        <p:spPr>
-          <a:xfrm>
-            <a:off x="3866882" y="4332668"/>
-            <a:ext cx="19318" cy="533400"/>
-          </a:xfrm>
-          <a:prstGeom prst="straightConnector1">
-            <a:avLst/>
-          </a:prstGeom>
-          <a:ln>
-            <a:tailEnd type="arrow"/>
-          </a:ln>
-        </p:spPr>
-        <p:style>
-          <a:lnRef idx="1">
-            <a:schemeClr val="accent1"/>
-          </a:lnRef>
-          <a:fillRef idx="0">
-            <a:schemeClr val="accent1"/>
-          </a:fillRef>
-          <a:effectRef idx="0">
-            <a:schemeClr val="accent1"/>
-          </a:effectRef>
-          <a:fontRef idx="minor">
-            <a:schemeClr val="tx1"/>
-          </a:fontRef>
-        </p:style>
-      </p:cxnSp>
-      <p:cxnSp>
-        <p:nvCxnSpPr>
-          <p:cNvPr id="44" name="Straight Arrow Connector 43"/>
-          <p:cNvCxnSpPr>
-            <a:stCxn id="10" idx="2"/>
-          </p:cNvCxnSpPr>
-          <p:nvPr/>
-        </p:nvCxnSpPr>
-        <p:spPr>
-          <a:xfrm>
-            <a:off x="5522890" y="4330522"/>
-            <a:ext cx="0" cy="505629"/>
-          </a:xfrm>
-          <a:prstGeom prst="straightConnector1">
-            <a:avLst/>
-          </a:prstGeom>
-          <a:ln>
-            <a:tailEnd type="arrow"/>
-          </a:ln>
-        </p:spPr>
-        <p:style>
-          <a:lnRef idx="1">
-            <a:schemeClr val="accent1"/>
-          </a:lnRef>
-          <a:fillRef idx="0">
-            <a:schemeClr val="accent1"/>
-          </a:fillRef>
-          <a:effectRef idx="0">
-            <a:schemeClr val="accent1"/>
-          </a:effectRef>
-          <a:fontRef idx="minor">
-            <a:schemeClr val="tx1"/>
-          </a:fontRef>
-        </p:style>
-      </p:cxnSp>
-      <p:pic>
-        <p:nvPicPr>
-          <p:cNvPr id="45" name="Picture 44"/>
-          <p:cNvPicPr>
-            <a:picLocks noChangeAspect="1"/>
-          </p:cNvPicPr>
-          <p:nvPr/>
-        </p:nvPicPr>
-        <p:blipFill>
-          <a:blip r:embed="rId2" cstate="print">
-            <a:extLst>
-              <a:ext uri="{28A0092B-C50C-407E-A947-70E740481C1C}">
-                <a14:useLocalDpi xmlns:a14="http://schemas.microsoft.com/office/drawing/2010/main" val="0"/>
-              </a:ext>
-            </a:extLst>
-          </a:blip>
-          <a:stretch>
-            <a:fillRect/>
-          </a:stretch>
-        </p:blipFill>
-        <p:spPr>
-          <a:xfrm>
-            <a:off x="8356600" y="467932"/>
-            <a:ext cx="700468" cy="700468"/>
-          </a:xfrm>
-          <a:prstGeom prst="rect">
-            <a:avLst/>
-          </a:prstGeom>
-        </p:spPr>
-      </p:pic>
-      <p:sp>
-        <p:nvSpPr>
-          <p:cNvPr id="50" name="Rounded Rectangle 49"/>
-          <p:cNvSpPr/>
-          <p:nvPr/>
-        </p:nvSpPr>
-        <p:spPr>
-          <a:xfrm>
-            <a:off x="5638800" y="2133600"/>
-            <a:ext cx="990600" cy="685800"/>
-          </a:xfrm>
-          <a:prstGeom prst="roundRect">
-            <a:avLst/>
-          </a:prstGeom>
-        </p:spPr>
-        <p:style>
-          <a:lnRef idx="2">
-            <a:schemeClr val="accent4"/>
-          </a:lnRef>
-          <a:fillRef idx="1">
-            <a:schemeClr val="lt1"/>
-          </a:fillRef>
-          <a:effectRef idx="0">
-            <a:schemeClr val="accent4"/>
-          </a:effectRef>
-          <a:fontRef idx="minor">
-            <a:schemeClr val="dk1"/>
-          </a:fontRef>
-        </p:style>
-        <p:txBody>
-          <a:bodyPr rtlCol="0" anchor="ctr"/>
-          <a:lstStyle/>
-          <a:p>
-            <a:pPr algn="ctr"/>
-            <a:endParaRPr lang="en-US" dirty="0"/>
-          </a:p>
-        </p:txBody>
-      </p:sp>
-      <p:cxnSp>
-        <p:nvCxnSpPr>
-          <p:cNvPr id="52" name="Straight Arrow Connector 51"/>
-          <p:cNvCxnSpPr>
-            <a:stCxn id="6" idx="3"/>
-            <a:endCxn id="50" idx="1"/>
-          </p:cNvCxnSpPr>
-          <p:nvPr/>
-        </p:nvCxnSpPr>
-        <p:spPr>
-          <a:xfrm flipV="1">
-            <a:off x="4194220" y="2476500"/>
-            <a:ext cx="1444580" cy="38100"/>
-          </a:xfrm>
-          <a:prstGeom prst="straightConnector1">
-            <a:avLst/>
-          </a:prstGeom>
-          <a:ln>
-            <a:tailEnd type="arrow"/>
-          </a:ln>
-        </p:spPr>
-        <p:style>
-          <a:lnRef idx="1">
-            <a:schemeClr val="accent1"/>
-          </a:lnRef>
-          <a:fillRef idx="0">
-            <a:schemeClr val="accent1"/>
-          </a:fillRef>
-          <a:effectRef idx="0">
-            <a:schemeClr val="accent1"/>
-          </a:effectRef>
-          <a:fontRef idx="minor">
-            <a:schemeClr val="tx1"/>
-          </a:fontRef>
-        </p:style>
-      </p:cxnSp>
-      <p:sp>
-        <p:nvSpPr>
-          <p:cNvPr id="53" name="Flowchart: Magnetic Disk 52"/>
-          <p:cNvSpPr/>
-          <p:nvPr/>
-        </p:nvSpPr>
-        <p:spPr>
-          <a:xfrm>
-            <a:off x="7137400" y="2221230"/>
-            <a:ext cx="1219200" cy="510540"/>
-          </a:xfrm>
-          <a:prstGeom prst="flowChartMagneticDisk">
-            <a:avLst/>
-          </a:prstGeom>
-        </p:spPr>
-        <p:style>
-          <a:lnRef idx="2">
-            <a:schemeClr val="dk1"/>
-          </a:lnRef>
-          <a:fillRef idx="1">
-            <a:schemeClr val="lt1"/>
-          </a:fillRef>
-          <a:effectRef idx="0">
-            <a:schemeClr val="dk1"/>
-          </a:effectRef>
-          <a:fontRef idx="minor">
-            <a:schemeClr val="dk1"/>
-          </a:fontRef>
-        </p:style>
-        <p:txBody>
-          <a:bodyPr rtlCol="0" anchor="ctr"/>
-          <a:lstStyle/>
-          <a:p>
-            <a:pPr algn="ctr"/>
-            <a:r>
-              <a:rPr lang="en-US" dirty="0"/>
-              <a:t>SQL Server</a:t>
-            </a:r>
-          </a:p>
-        </p:txBody>
-      </p:sp>
-      <p:cxnSp>
-        <p:nvCxnSpPr>
-          <p:cNvPr id="55" name="Straight Arrow Connector 54"/>
-          <p:cNvCxnSpPr>
-            <a:stCxn id="50" idx="3"/>
-            <a:endCxn id="53" idx="2"/>
-          </p:cNvCxnSpPr>
-          <p:nvPr/>
-        </p:nvCxnSpPr>
-        <p:spPr>
-          <a:xfrm>
-            <a:off x="6629400" y="2476500"/>
-            <a:ext cx="508000" cy="0"/>
-          </a:xfrm>
-          <a:prstGeom prst="straightConnector1">
-            <a:avLst/>
-          </a:prstGeom>
-          <a:ln>
-            <a:tailEnd type="arrow"/>
-          </a:ln>
-        </p:spPr>
-        <p:style>
-          <a:lnRef idx="1">
-            <a:schemeClr val="accent1"/>
-          </a:lnRef>
-          <a:fillRef idx="0">
-            <a:schemeClr val="accent1"/>
-          </a:fillRef>
-          <a:effectRef idx="0">
-            <a:schemeClr val="accent1"/>
-          </a:effectRef>
-          <a:fontRef idx="minor">
-            <a:schemeClr val="tx1"/>
-          </a:fontRef>
-        </p:style>
-      </p:cxnSp>
-      <p:pic>
-        <p:nvPicPr>
-          <p:cNvPr id="63" name="Picture 62"/>
-          <p:cNvPicPr>
-            <a:picLocks noChangeAspect="1"/>
-          </p:cNvPicPr>
-          <p:nvPr/>
-        </p:nvPicPr>
-        <p:blipFill>
-          <a:blip r:embed="rId3" cstate="print">
-            <a:extLst>
-              <a:ext uri="{28A0092B-C50C-407E-A947-70E740481C1C}">
-                <a14:useLocalDpi xmlns:a14="http://schemas.microsoft.com/office/drawing/2010/main" val="0"/>
-              </a:ext>
-            </a:extLst>
-          </a:blip>
-          <a:stretch>
-            <a:fillRect/>
-          </a:stretch>
-        </p:blipFill>
-        <p:spPr>
-          <a:xfrm>
-            <a:off x="3932397" y="730376"/>
-            <a:ext cx="230028" cy="259430"/>
-          </a:xfrm>
-          <a:prstGeom prst="rect">
-            <a:avLst/>
-          </a:prstGeom>
-        </p:spPr>
-      </p:pic>
-      <p:pic>
-        <p:nvPicPr>
-          <p:cNvPr id="41" name="Picture 40"/>
-          <p:cNvPicPr>
-            <a:picLocks noChangeAspect="1"/>
-          </p:cNvPicPr>
-          <p:nvPr/>
-        </p:nvPicPr>
-        <p:blipFill>
-          <a:blip r:embed="rId4" cstate="print">
-            <a:extLst>
-              <a:ext uri="{28A0092B-C50C-407E-A947-70E740481C1C}">
-                <a14:useLocalDpi xmlns:a14="http://schemas.microsoft.com/office/drawing/2010/main" val="0"/>
-              </a:ext>
-            </a:extLst>
-          </a:blip>
-          <a:stretch>
-            <a:fillRect/>
-          </a:stretch>
-        </p:blipFill>
-        <p:spPr>
-          <a:xfrm>
-            <a:off x="1170367" y="4125363"/>
-            <a:ext cx="172255" cy="194273"/>
-          </a:xfrm>
-          <a:prstGeom prst="rect">
-            <a:avLst/>
-          </a:prstGeom>
-        </p:spPr>
-      </p:pic>
-      <p:pic>
-        <p:nvPicPr>
-          <p:cNvPr id="43" name="Picture 42"/>
-          <p:cNvPicPr>
-            <a:picLocks noChangeAspect="1"/>
-          </p:cNvPicPr>
-          <p:nvPr/>
-        </p:nvPicPr>
-        <p:blipFill>
-          <a:blip r:embed="rId4" cstate="print">
-            <a:extLst>
-              <a:ext uri="{28A0092B-C50C-407E-A947-70E740481C1C}">
-                <a14:useLocalDpi xmlns:a14="http://schemas.microsoft.com/office/drawing/2010/main" val="0"/>
-              </a:ext>
-            </a:extLst>
-          </a:blip>
-          <a:stretch>
-            <a:fillRect/>
-          </a:stretch>
-        </p:blipFill>
-        <p:spPr>
-          <a:xfrm>
-            <a:off x="5961845" y="4106323"/>
-            <a:ext cx="172255" cy="194273"/>
-          </a:xfrm>
-          <a:prstGeom prst="rect">
-            <a:avLst/>
-          </a:prstGeom>
-        </p:spPr>
-      </p:pic>
-      <p:pic>
-        <p:nvPicPr>
-          <p:cNvPr id="2" name="Picture 1"/>
-          <p:cNvPicPr>
-            <a:picLocks noChangeAspect="1"/>
-          </p:cNvPicPr>
-          <p:nvPr/>
-        </p:nvPicPr>
-        <p:blipFill>
-          <a:blip r:embed="rId5" cstate="print">
-            <a:extLst>
-              <a:ext uri="{28A0092B-C50C-407E-A947-70E740481C1C}">
-                <a14:useLocalDpi xmlns:a14="http://schemas.microsoft.com/office/drawing/2010/main" val="0"/>
-              </a:ext>
-            </a:extLst>
-          </a:blip>
-          <a:stretch>
-            <a:fillRect/>
-          </a:stretch>
-        </p:blipFill>
-        <p:spPr>
-          <a:xfrm>
-            <a:off x="4273550" y="4106323"/>
-            <a:ext cx="209531" cy="209531"/>
-          </a:xfrm>
-          <a:prstGeom prst="rect">
-            <a:avLst/>
-          </a:prstGeom>
-        </p:spPr>
-      </p:pic>
-      <p:pic>
-        <p:nvPicPr>
-          <p:cNvPr id="47" name="Picture 46"/>
-          <p:cNvPicPr>
-            <a:picLocks noChangeAspect="1"/>
-          </p:cNvPicPr>
-          <p:nvPr/>
-        </p:nvPicPr>
-        <p:blipFill>
-          <a:blip r:embed="rId5" cstate="print">
-            <a:extLst>
-              <a:ext uri="{28A0092B-C50C-407E-A947-70E740481C1C}">
-                <a14:useLocalDpi xmlns:a14="http://schemas.microsoft.com/office/drawing/2010/main" val="0"/>
-              </a:ext>
-            </a:extLst>
-          </a:blip>
-          <a:stretch>
-            <a:fillRect/>
-          </a:stretch>
-        </p:blipFill>
-        <p:spPr>
-          <a:xfrm>
-            <a:off x="7315200" y="4121169"/>
-            <a:ext cx="209531" cy="209531"/>
-          </a:xfrm>
-          <a:prstGeom prst="rect">
-            <a:avLst/>
-          </a:prstGeom>
-        </p:spPr>
-      </p:pic>
-      <p:pic>
-        <p:nvPicPr>
-          <p:cNvPr id="48" name="Picture 47"/>
-          <p:cNvPicPr>
-            <a:picLocks noChangeAspect="1"/>
-          </p:cNvPicPr>
-          <p:nvPr/>
-        </p:nvPicPr>
-        <p:blipFill>
-          <a:blip r:embed="rId5" cstate="print">
-            <a:extLst>
-              <a:ext uri="{28A0092B-C50C-407E-A947-70E740481C1C}">
-                <a14:useLocalDpi xmlns:a14="http://schemas.microsoft.com/office/drawing/2010/main" val="0"/>
-              </a:ext>
-            </a:extLst>
-          </a:blip>
-          <a:stretch>
-            <a:fillRect/>
-          </a:stretch>
-        </p:blipFill>
-        <p:spPr>
-          <a:xfrm>
-            <a:off x="8696334" y="4117592"/>
-            <a:ext cx="209531" cy="209531"/>
-          </a:xfrm>
-          <a:prstGeom prst="rect">
-            <a:avLst/>
-          </a:prstGeom>
-        </p:spPr>
-      </p:pic>
-      <p:pic>
-        <p:nvPicPr>
-          <p:cNvPr id="49" name="Picture 48"/>
-          <p:cNvPicPr>
-            <a:picLocks noChangeAspect="1"/>
-          </p:cNvPicPr>
-          <p:nvPr/>
-        </p:nvPicPr>
-        <p:blipFill>
-          <a:blip r:embed="rId5" cstate="print">
-            <a:extLst>
-              <a:ext uri="{28A0092B-C50C-407E-A947-70E740481C1C}">
-                <a14:useLocalDpi xmlns:a14="http://schemas.microsoft.com/office/drawing/2010/main" val="0"/>
-              </a:ext>
-            </a:extLst>
-          </a:blip>
-          <a:stretch>
-            <a:fillRect/>
-          </a:stretch>
-        </p:blipFill>
-        <p:spPr>
-          <a:xfrm>
-            <a:off x="6407150" y="2596776"/>
-            <a:ext cx="209531" cy="209531"/>
-          </a:xfrm>
-          <a:prstGeom prst="rect">
-            <a:avLst/>
-          </a:prstGeom>
-        </p:spPr>
-      </p:pic>
-      <p:pic>
-        <p:nvPicPr>
-          <p:cNvPr id="51" name="Picture 50"/>
-          <p:cNvPicPr>
-            <a:picLocks noChangeAspect="1"/>
-          </p:cNvPicPr>
-          <p:nvPr/>
-        </p:nvPicPr>
-        <p:blipFill>
-          <a:blip r:embed="rId5" cstate="print">
-            <a:extLst>
-              <a:ext uri="{28A0092B-C50C-407E-A947-70E740481C1C}">
-                <a14:useLocalDpi xmlns:a14="http://schemas.microsoft.com/office/drawing/2010/main" val="0"/>
-              </a:ext>
-            </a:extLst>
-          </a:blip>
-          <a:stretch>
-            <a:fillRect/>
-          </a:stretch>
-        </p:blipFill>
-        <p:spPr>
-          <a:xfrm>
-            <a:off x="2702259" y="4095367"/>
-            <a:ext cx="209531" cy="209531"/>
-          </a:xfrm>
-          <a:prstGeom prst="rect">
-            <a:avLst/>
-          </a:prstGeom>
-        </p:spPr>
-      </p:pic>
-      <p:pic>
-        <p:nvPicPr>
-          <p:cNvPr id="3" name="Picture 2"/>
-          <p:cNvPicPr>
-            <a:picLocks noChangeAspect="1"/>
-          </p:cNvPicPr>
-          <p:nvPr/>
-        </p:nvPicPr>
-        <p:blipFill>
-          <a:blip r:embed="rId6" cstate="print">
-            <a:extLst>
-              <a:ext uri="{28A0092B-C50C-407E-A947-70E740481C1C}">
-                <a14:useLocalDpi xmlns:a14="http://schemas.microsoft.com/office/drawing/2010/main" val="0"/>
-              </a:ext>
-            </a:extLst>
-          </a:blip>
-          <a:stretch>
-            <a:fillRect/>
-          </a:stretch>
-        </p:blipFill>
-        <p:spPr>
-          <a:xfrm>
-            <a:off x="3657600" y="2811175"/>
-            <a:ext cx="495300" cy="113000"/>
-          </a:xfrm>
-          <a:prstGeom prst="rect">
-            <a:avLst/>
-          </a:prstGeom>
-        </p:spPr>
-      </p:pic>
-      <p:pic>
-        <p:nvPicPr>
-          <p:cNvPr id="4" name="Picture 3"/>
-          <p:cNvPicPr>
-            <a:picLocks noChangeAspect="1"/>
-          </p:cNvPicPr>
-          <p:nvPr/>
-        </p:nvPicPr>
-        <p:blipFill>
-          <a:blip r:embed="rId7" cstate="print">
-            <a:extLst>
-              <a:ext uri="{28A0092B-C50C-407E-A947-70E740481C1C}">
-                <a14:useLocalDpi xmlns:a14="http://schemas.microsoft.com/office/drawing/2010/main" val="0"/>
-              </a:ext>
-            </a:extLst>
-          </a:blip>
-          <a:stretch>
-            <a:fillRect/>
-          </a:stretch>
-        </p:blipFill>
-        <p:spPr>
-          <a:xfrm>
-            <a:off x="5837884" y="2257425"/>
-            <a:ext cx="626406" cy="424390"/>
-          </a:xfrm>
-          <a:prstGeom prst="rect">
-            <a:avLst/>
-          </a:prstGeom>
-        </p:spPr>
-      </p:pic>
-      <p:pic>
-        <p:nvPicPr>
-          <p:cNvPr id="17" name="Picture 16"/>
-          <p:cNvPicPr>
-            <a:picLocks noChangeAspect="1"/>
-          </p:cNvPicPr>
-          <p:nvPr/>
-        </p:nvPicPr>
-        <p:blipFill>
-          <a:blip r:embed="rId8" cstate="print">
-            <a:extLst>
-              <a:ext uri="{28A0092B-C50C-407E-A947-70E740481C1C}">
-                <a14:useLocalDpi xmlns:a14="http://schemas.microsoft.com/office/drawing/2010/main" val="0"/>
-              </a:ext>
-            </a:extLst>
-          </a:blip>
-          <a:stretch>
-            <a:fillRect/>
-          </a:stretch>
-        </p:blipFill>
-        <p:spPr>
-          <a:xfrm>
-            <a:off x="2496355" y="756121"/>
-            <a:ext cx="177329" cy="177329"/>
-          </a:xfrm>
-          <a:prstGeom prst="rect">
-            <a:avLst/>
-          </a:prstGeom>
-        </p:spPr>
-      </p:pic>
-    </p:spTree>
-    <p:extLst>
-      <p:ext uri="{BB962C8B-B14F-4D97-AF65-F5344CB8AC3E}">
-        <p14:creationId xmlns:p14="http://schemas.microsoft.com/office/powerpoint/2010/main" val="2850761221"/>
       </p:ext>
     </p:extLst>
   </p:cSld>

--- a/assets/state-of-the-art.pptx
+++ b/assets/state-of-the-art.pptx
@@ -2,10 +2,10 @@
 <file path=ppt/presentation.xml><?xml version="1.0" encoding="utf-8"?>
 <p:presentation xmlns:a="http://schemas.openxmlformats.org/drawingml/2006/main" xmlns:r="http://schemas.openxmlformats.org/officeDocument/2006/relationships" xmlns:p="http://schemas.openxmlformats.org/presentationml/2006/main" saveSubsetFonts="1">
   <p:sldMasterIdLst>
-    <p:sldMasterId id="2147483672" r:id="rId1"/>
+    <p:sldMasterId id="2147483684" r:id="rId1"/>
   </p:sldMasterIdLst>
   <p:notesMasterIdLst>
-    <p:notesMasterId r:id="rId15"/>
+    <p:notesMasterId r:id="rId16"/>
   </p:notesMasterIdLst>
   <p:sldIdLst>
     <p:sldId id="256" r:id="rId2"/>
@@ -21,14 +21,15 @@
     <p:sldId id="266" r:id="rId12"/>
     <p:sldId id="258" r:id="rId13"/>
     <p:sldId id="257" r:id="rId14"/>
+    <p:sldId id="269" r:id="rId15"/>
   </p:sldIdLst>
-  <p:sldSz cx="9144000" cy="6858000" type="screen4x3"/>
+  <p:sldSz cx="12192000" cy="6858000"/>
   <p:notesSz cx="6858000" cy="9144000"/>
   <p:defaultTextStyle>
     <a:defPPr>
       <a:defRPr lang="en-US"/>
     </a:defPPr>
-    <a:lvl1pPr marL="0" algn="l" defTabSz="914400" rtl="0" eaLnBrk="1" latinLnBrk="0" hangingPunct="1">
+    <a:lvl1pPr marL="0" algn="l" defTabSz="457200" rtl="0" eaLnBrk="1" latinLnBrk="0" hangingPunct="1">
       <a:defRPr sz="1800" kern="1200">
         <a:solidFill>
           <a:schemeClr val="tx1"/>
@@ -38,7 +39,7 @@
         <a:cs typeface="+mn-cs"/>
       </a:defRPr>
     </a:lvl1pPr>
-    <a:lvl2pPr marL="457200" algn="l" defTabSz="914400" rtl="0" eaLnBrk="1" latinLnBrk="0" hangingPunct="1">
+    <a:lvl2pPr marL="457200" algn="l" defTabSz="457200" rtl="0" eaLnBrk="1" latinLnBrk="0" hangingPunct="1">
       <a:defRPr sz="1800" kern="1200">
         <a:solidFill>
           <a:schemeClr val="tx1"/>
@@ -48,7 +49,7 @@
         <a:cs typeface="+mn-cs"/>
       </a:defRPr>
     </a:lvl2pPr>
-    <a:lvl3pPr marL="914400" algn="l" defTabSz="914400" rtl="0" eaLnBrk="1" latinLnBrk="0" hangingPunct="1">
+    <a:lvl3pPr marL="914400" algn="l" defTabSz="457200" rtl="0" eaLnBrk="1" latinLnBrk="0" hangingPunct="1">
       <a:defRPr sz="1800" kern="1200">
         <a:solidFill>
           <a:schemeClr val="tx1"/>
@@ -58,7 +59,7 @@
         <a:cs typeface="+mn-cs"/>
       </a:defRPr>
     </a:lvl3pPr>
-    <a:lvl4pPr marL="1371600" algn="l" defTabSz="914400" rtl="0" eaLnBrk="1" latinLnBrk="0" hangingPunct="1">
+    <a:lvl4pPr marL="1371600" algn="l" defTabSz="457200" rtl="0" eaLnBrk="1" latinLnBrk="0" hangingPunct="1">
       <a:defRPr sz="1800" kern="1200">
         <a:solidFill>
           <a:schemeClr val="tx1"/>
@@ -68,7 +69,7 @@
         <a:cs typeface="+mn-cs"/>
       </a:defRPr>
     </a:lvl4pPr>
-    <a:lvl5pPr marL="1828800" algn="l" defTabSz="914400" rtl="0" eaLnBrk="1" latinLnBrk="0" hangingPunct="1">
+    <a:lvl5pPr marL="1828800" algn="l" defTabSz="457200" rtl="0" eaLnBrk="1" latinLnBrk="0" hangingPunct="1">
       <a:defRPr sz="1800" kern="1200">
         <a:solidFill>
           <a:schemeClr val="tx1"/>
@@ -78,7 +79,7 @@
         <a:cs typeface="+mn-cs"/>
       </a:defRPr>
     </a:lvl5pPr>
-    <a:lvl6pPr marL="2286000" algn="l" defTabSz="914400" rtl="0" eaLnBrk="1" latinLnBrk="0" hangingPunct="1">
+    <a:lvl6pPr marL="2286000" algn="l" defTabSz="457200" rtl="0" eaLnBrk="1" latinLnBrk="0" hangingPunct="1">
       <a:defRPr sz="1800" kern="1200">
         <a:solidFill>
           <a:schemeClr val="tx1"/>
@@ -88,7 +89,7 @@
         <a:cs typeface="+mn-cs"/>
       </a:defRPr>
     </a:lvl6pPr>
-    <a:lvl7pPr marL="2743200" algn="l" defTabSz="914400" rtl="0" eaLnBrk="1" latinLnBrk="0" hangingPunct="1">
+    <a:lvl7pPr marL="2743200" algn="l" defTabSz="457200" rtl="0" eaLnBrk="1" latinLnBrk="0" hangingPunct="1">
       <a:defRPr sz="1800" kern="1200">
         <a:solidFill>
           <a:schemeClr val="tx1"/>
@@ -98,7 +99,7 @@
         <a:cs typeface="+mn-cs"/>
       </a:defRPr>
     </a:lvl7pPr>
-    <a:lvl8pPr marL="3200400" algn="l" defTabSz="914400" rtl="0" eaLnBrk="1" latinLnBrk="0" hangingPunct="1">
+    <a:lvl8pPr marL="3200400" algn="l" defTabSz="457200" rtl="0" eaLnBrk="1" latinLnBrk="0" hangingPunct="1">
       <a:defRPr sz="1800" kern="1200">
         <a:solidFill>
           <a:schemeClr val="tx1"/>
@@ -108,7 +109,7 @@
         <a:cs typeface="+mn-cs"/>
       </a:defRPr>
     </a:lvl8pPr>
-    <a:lvl9pPr marL="3657600" algn="l" defTabSz="914400" rtl="0" eaLnBrk="1" latinLnBrk="0" hangingPunct="1">
+    <a:lvl9pPr marL="3657600" algn="l" defTabSz="457200" rtl="0" eaLnBrk="1" latinLnBrk="0" hangingPunct="1">
       <a:defRPr sz="1800" kern="1200">
         <a:solidFill>
           <a:schemeClr val="tx1"/>
@@ -122,12 +123,12 @@
   <p:extLst>
     <p:ext uri="{EFAFB233-063F-42B5-8137-9DF3F51BA10A}">
       <p15:sldGuideLst xmlns:p15="http://schemas.microsoft.com/office/powerpoint/2012/main">
-        <p15:guide id="1" orient="horz" pos="2160">
+        <p15:guide id="1" orient="horz" pos="2160" userDrawn="1">
           <p15:clr>
             <a:srgbClr val="A4A3A4"/>
           </p15:clr>
         </p15:guide>
-        <p15:guide id="2" pos="2880">
+        <p15:guide id="2" pos="3840" userDrawn="1">
           <p15:clr>
             <a:srgbClr val="A4A3A4"/>
           </p15:clr>
@@ -220,7 +221,7 @@
           <a:p>
             <a:fld id="{6F691532-B6D6-4700-A728-C2B52154D95E}" type="datetimeFigureOut">
               <a:rPr lang="en-US" smtClean="0"/>
-              <a:t>4/17/2019</a:t>
+              <a:t>9/4/2019</a:t>
             </a:fld>
             <a:endParaRPr lang="en-US"/>
           </a:p>
@@ -238,8 +239,8 @@
         </p:nvSpPr>
         <p:spPr>
           <a:xfrm>
-            <a:off x="1371600" y="1143000"/>
-            <a:ext cx="4114800" cy="3086100"/>
+            <a:off x="685800" y="1143000"/>
+            <a:ext cx="5486400" cy="3086100"/>
           </a:xfrm>
           <a:prstGeom prst="rect">
             <a:avLst/>
@@ -514,7 +515,12 @@
             <p:ph type="sldImg"/>
           </p:nvPr>
         </p:nvSpPr>
-        <p:spPr/>
+        <p:spPr>
+          <a:xfrm>
+            <a:off x="685800" y="1143000"/>
+            <a:ext cx="5486400" cy="3086100"/>
+          </a:xfrm>
+        </p:spPr>
       </p:sp>
       <p:sp>
         <p:nvSpPr>
@@ -598,7 +604,12 @@
             <p:ph type="sldImg"/>
           </p:nvPr>
         </p:nvSpPr>
-        <p:spPr/>
+        <p:spPr>
+          <a:xfrm>
+            <a:off x="685800" y="1143000"/>
+            <a:ext cx="5486400" cy="3086100"/>
+          </a:xfrm>
+        </p:spPr>
       </p:sp>
       <p:sp>
         <p:nvSpPr>
@@ -674,13 +685,7 @@
       </p:grpSpPr>
       <p:sp>
         <p:nvSpPr>
-          <p:cNvPr id="2" name="Title 1">
-            <a:extLst>
-              <a:ext uri="{FF2B5EF4-FFF2-40B4-BE49-F238E27FC236}">
-                <a16:creationId xmlns:a16="http://schemas.microsoft.com/office/drawing/2014/main" id="{4E1A3618-7687-49D8-9409-2DFE52281B47}"/>
-              </a:ext>
-            </a:extLst>
-          </p:cNvPr>
+          <p:cNvPr id="2" name="Title 1"/>
           <p:cNvSpPr>
             <a:spLocks noGrp="1"/>
           </p:cNvSpPr>
@@ -690,15 +695,15 @@
         </p:nvSpPr>
         <p:spPr>
           <a:xfrm>
-            <a:off x="1143000" y="1122363"/>
-            <a:ext cx="6858000" cy="2387600"/>
+            <a:off x="1524000" y="1122363"/>
+            <a:ext cx="9144000" cy="2387600"/>
           </a:xfrm>
         </p:spPr>
         <p:txBody>
           <a:bodyPr anchor="b"/>
           <a:lstStyle>
             <a:lvl1pPr algn="ctr">
-              <a:defRPr sz="4500"/>
+              <a:defRPr sz="6000"/>
             </a:lvl1pPr>
           </a:lstStyle>
           <a:p>
@@ -706,18 +711,13 @@
               <a:rPr lang="en-US"/>
               <a:t>Click to edit Master title style</a:t>
             </a:r>
+            <a:endParaRPr lang="en-US" dirty="0"/>
           </a:p>
         </p:txBody>
       </p:sp>
       <p:sp>
         <p:nvSpPr>
-          <p:cNvPr id="3" name="Subtitle 2">
-            <a:extLst>
-              <a:ext uri="{FF2B5EF4-FFF2-40B4-BE49-F238E27FC236}">
-                <a16:creationId xmlns:a16="http://schemas.microsoft.com/office/drawing/2014/main" id="{54AAEA42-9D08-4C7C-ACC8-E8D7C63E9C04}"/>
-              </a:ext>
-            </a:extLst>
-          </p:cNvPr>
+          <p:cNvPr id="3" name="Subtitle 2"/>
           <p:cNvSpPr>
             <a:spLocks noGrp="1"/>
           </p:cNvSpPr>
@@ -727,8 +727,8 @@
         </p:nvSpPr>
         <p:spPr>
           <a:xfrm>
-            <a:off x="1143000" y="3602038"/>
-            <a:ext cx="6858000" cy="1655762"/>
+            <a:off x="1524000" y="3602038"/>
+            <a:ext cx="9144000" cy="1655762"/>
           </a:xfrm>
         </p:spPr>
         <p:txBody>
@@ -736,39 +736,39 @@
           <a:lstStyle>
             <a:lvl1pPr marL="0" indent="0" algn="ctr">
               <a:buNone/>
+              <a:defRPr sz="2400"/>
+            </a:lvl1pPr>
+            <a:lvl2pPr marL="457200" indent="0" algn="ctr">
+              <a:buNone/>
+              <a:defRPr sz="2000"/>
+            </a:lvl2pPr>
+            <a:lvl3pPr marL="914400" indent="0" algn="ctr">
+              <a:buNone/>
               <a:defRPr sz="1800"/>
-            </a:lvl1pPr>
-            <a:lvl2pPr marL="342900" indent="0" algn="ctr">
+            </a:lvl3pPr>
+            <a:lvl4pPr marL="1371600" indent="0" algn="ctr">
               <a:buNone/>
-              <a:defRPr sz="1500"/>
-            </a:lvl2pPr>
-            <a:lvl3pPr marL="685800" indent="0" algn="ctr">
+              <a:defRPr sz="1600"/>
+            </a:lvl4pPr>
+            <a:lvl5pPr marL="1828800" indent="0" algn="ctr">
               <a:buNone/>
-              <a:defRPr sz="1350"/>
-            </a:lvl3pPr>
-            <a:lvl4pPr marL="1028700" indent="0" algn="ctr">
+              <a:defRPr sz="1600"/>
+            </a:lvl5pPr>
+            <a:lvl6pPr marL="2286000" indent="0" algn="ctr">
               <a:buNone/>
-              <a:defRPr sz="1200"/>
-            </a:lvl4pPr>
-            <a:lvl5pPr marL="1371600" indent="0" algn="ctr">
+              <a:defRPr sz="1600"/>
+            </a:lvl6pPr>
+            <a:lvl7pPr marL="2743200" indent="0" algn="ctr">
               <a:buNone/>
-              <a:defRPr sz="1200"/>
-            </a:lvl5pPr>
-            <a:lvl6pPr marL="1714500" indent="0" algn="ctr">
+              <a:defRPr sz="1600"/>
+            </a:lvl7pPr>
+            <a:lvl8pPr marL="3200400" indent="0" algn="ctr">
               <a:buNone/>
-              <a:defRPr sz="1200"/>
-            </a:lvl6pPr>
-            <a:lvl7pPr marL="2057400" indent="0" algn="ctr">
+              <a:defRPr sz="1600"/>
+            </a:lvl8pPr>
+            <a:lvl9pPr marL="3657600" indent="0" algn="ctr">
               <a:buNone/>
-              <a:defRPr sz="1200"/>
-            </a:lvl7pPr>
-            <a:lvl8pPr marL="2400300" indent="0" algn="ctr">
-              <a:buNone/>
-              <a:defRPr sz="1200"/>
-            </a:lvl8pPr>
-            <a:lvl9pPr marL="2743200" indent="0" algn="ctr">
-              <a:buNone/>
-              <a:defRPr sz="1200"/>
+              <a:defRPr sz="1600"/>
             </a:lvl9pPr>
           </a:lstStyle>
           <a:p>
@@ -776,18 +776,13 @@
               <a:rPr lang="en-US"/>
               <a:t>Click to edit Master subtitle style</a:t>
             </a:r>
+            <a:endParaRPr lang="en-US" dirty="0"/>
           </a:p>
         </p:txBody>
       </p:sp>
       <p:sp>
         <p:nvSpPr>
-          <p:cNvPr id="4" name="Date Placeholder 3">
-            <a:extLst>
-              <a:ext uri="{FF2B5EF4-FFF2-40B4-BE49-F238E27FC236}">
-                <a16:creationId xmlns:a16="http://schemas.microsoft.com/office/drawing/2014/main" id="{2A1C4C32-E34D-408C-A070-1A4EE5AAA059}"/>
-              </a:ext>
-            </a:extLst>
-          </p:cNvPr>
+          <p:cNvPr id="4" name="Date Placeholder 3"/>
           <p:cNvSpPr>
             <a:spLocks noGrp="1"/>
           </p:cNvSpPr>
@@ -802,7 +797,7 @@
           <a:p>
             <a:fld id="{6DB206C8-F88B-4959-9CD2-3016D27660E1}" type="datetimeFigureOut">
               <a:rPr lang="en-US" smtClean="0"/>
-              <a:t>4/17/2019</a:t>
+              <a:t>9/4/2019</a:t>
             </a:fld>
             <a:endParaRPr lang="en-US"/>
           </a:p>
@@ -810,13 +805,7 @@
       </p:sp>
       <p:sp>
         <p:nvSpPr>
-          <p:cNvPr id="5" name="Footer Placeholder 4">
-            <a:extLst>
-              <a:ext uri="{FF2B5EF4-FFF2-40B4-BE49-F238E27FC236}">
-                <a16:creationId xmlns:a16="http://schemas.microsoft.com/office/drawing/2014/main" id="{81842FFB-185E-4EEA-8A48-ABA6779DC88B}"/>
-              </a:ext>
-            </a:extLst>
-          </p:cNvPr>
+          <p:cNvPr id="5" name="Footer Placeholder 4"/>
           <p:cNvSpPr>
             <a:spLocks noGrp="1"/>
           </p:cNvSpPr>
@@ -835,13 +824,7 @@
       </p:sp>
       <p:sp>
         <p:nvSpPr>
-          <p:cNvPr id="6" name="Slide Number Placeholder 5">
-            <a:extLst>
-              <a:ext uri="{FF2B5EF4-FFF2-40B4-BE49-F238E27FC236}">
-                <a16:creationId xmlns:a16="http://schemas.microsoft.com/office/drawing/2014/main" id="{B3302B14-BC97-49CC-BD39-360ED47377D7}"/>
-              </a:ext>
-            </a:extLst>
-          </p:cNvPr>
+          <p:cNvPr id="6" name="Slide Number Placeholder 5"/>
           <p:cNvSpPr>
             <a:spLocks noGrp="1"/>
           </p:cNvSpPr>
@@ -865,7 +848,7 @@
     </p:spTree>
     <p:extLst>
       <p:ext uri="{BB962C8B-B14F-4D97-AF65-F5344CB8AC3E}">
-        <p14:creationId xmlns:p14="http://schemas.microsoft.com/office/powerpoint/2010/main" val="827391551"/>
+        <p14:creationId xmlns:p14="http://schemas.microsoft.com/office/powerpoint/2010/main" val="292226849"/>
       </p:ext>
     </p:extLst>
   </p:cSld>
@@ -894,13 +877,7 @@
       </p:grpSpPr>
       <p:sp>
         <p:nvSpPr>
-          <p:cNvPr id="2" name="Title 1">
-            <a:extLst>
-              <a:ext uri="{FF2B5EF4-FFF2-40B4-BE49-F238E27FC236}">
-                <a16:creationId xmlns:a16="http://schemas.microsoft.com/office/drawing/2014/main" id="{B6330EEC-6093-43D8-A53B-817CFB9B7FB9}"/>
-              </a:ext>
-            </a:extLst>
-          </p:cNvPr>
+          <p:cNvPr id="2" name="Title 1"/>
           <p:cNvSpPr>
             <a:spLocks noGrp="1"/>
           </p:cNvSpPr>
@@ -917,18 +894,13 @@
               <a:rPr lang="en-US"/>
               <a:t>Click to edit Master title style</a:t>
             </a:r>
+            <a:endParaRPr lang="en-US" dirty="0"/>
           </a:p>
         </p:txBody>
       </p:sp>
       <p:sp>
         <p:nvSpPr>
-          <p:cNvPr id="3" name="Vertical Text Placeholder 2">
-            <a:extLst>
-              <a:ext uri="{FF2B5EF4-FFF2-40B4-BE49-F238E27FC236}">
-                <a16:creationId xmlns:a16="http://schemas.microsoft.com/office/drawing/2014/main" id="{F2133E25-CAE3-40C4-A5F7-E823B43AE890}"/>
-              </a:ext>
-            </a:extLst>
-          </p:cNvPr>
+          <p:cNvPr id="3" name="Vertical Text Placeholder 2"/>
           <p:cNvSpPr>
             <a:spLocks noGrp="1"/>
           </p:cNvSpPr>
@@ -944,7 +916,7 @@
             <a:pPr lvl="0"/>
             <a:r>
               <a:rPr lang="en-US"/>
-              <a:t>Edit Master text styles</a:t>
+              <a:t>Click to edit Master text styles</a:t>
             </a:r>
           </a:p>
           <a:p>
@@ -974,18 +946,13 @@
               <a:rPr lang="en-US"/>
               <a:t>Fifth level</a:t>
             </a:r>
+            <a:endParaRPr lang="en-US" dirty="0"/>
           </a:p>
         </p:txBody>
       </p:sp>
       <p:sp>
         <p:nvSpPr>
-          <p:cNvPr id="4" name="Date Placeholder 3">
-            <a:extLst>
-              <a:ext uri="{FF2B5EF4-FFF2-40B4-BE49-F238E27FC236}">
-                <a16:creationId xmlns:a16="http://schemas.microsoft.com/office/drawing/2014/main" id="{DE772FBC-31F4-463D-B403-5F278A000EB8}"/>
-              </a:ext>
-            </a:extLst>
-          </p:cNvPr>
+          <p:cNvPr id="4" name="Date Placeholder 3"/>
           <p:cNvSpPr>
             <a:spLocks noGrp="1"/>
           </p:cNvSpPr>
@@ -1000,7 +967,7 @@
           <a:p>
             <a:fld id="{6DB206C8-F88B-4959-9CD2-3016D27660E1}" type="datetimeFigureOut">
               <a:rPr lang="en-US" smtClean="0"/>
-              <a:t>4/17/2019</a:t>
+              <a:t>9/4/2019</a:t>
             </a:fld>
             <a:endParaRPr lang="en-US"/>
           </a:p>
@@ -1008,13 +975,7 @@
       </p:sp>
       <p:sp>
         <p:nvSpPr>
-          <p:cNvPr id="5" name="Footer Placeholder 4">
-            <a:extLst>
-              <a:ext uri="{FF2B5EF4-FFF2-40B4-BE49-F238E27FC236}">
-                <a16:creationId xmlns:a16="http://schemas.microsoft.com/office/drawing/2014/main" id="{F6705945-7FD0-43BA-B518-59F516030F77}"/>
-              </a:ext>
-            </a:extLst>
-          </p:cNvPr>
+          <p:cNvPr id="5" name="Footer Placeholder 4"/>
           <p:cNvSpPr>
             <a:spLocks noGrp="1"/>
           </p:cNvSpPr>
@@ -1033,13 +994,7 @@
       </p:sp>
       <p:sp>
         <p:nvSpPr>
-          <p:cNvPr id="6" name="Slide Number Placeholder 5">
-            <a:extLst>
-              <a:ext uri="{FF2B5EF4-FFF2-40B4-BE49-F238E27FC236}">
-                <a16:creationId xmlns:a16="http://schemas.microsoft.com/office/drawing/2014/main" id="{378CD78A-B1B5-44F4-BF52-FD498FA2565E}"/>
-              </a:ext>
-            </a:extLst>
-          </p:cNvPr>
+          <p:cNvPr id="6" name="Slide Number Placeholder 5"/>
           <p:cNvSpPr>
             <a:spLocks noGrp="1"/>
           </p:cNvSpPr>
@@ -1063,7 +1018,7 @@
     </p:spTree>
     <p:extLst>
       <p:ext uri="{BB962C8B-B14F-4D97-AF65-F5344CB8AC3E}">
-        <p14:creationId xmlns:p14="http://schemas.microsoft.com/office/powerpoint/2010/main" val="3492054200"/>
+        <p14:creationId xmlns:p14="http://schemas.microsoft.com/office/powerpoint/2010/main" val="4260463407"/>
       </p:ext>
     </p:extLst>
   </p:cSld>
@@ -1092,13 +1047,7 @@
       </p:grpSpPr>
       <p:sp>
         <p:nvSpPr>
-          <p:cNvPr id="2" name="Vertical Title 1">
-            <a:extLst>
-              <a:ext uri="{FF2B5EF4-FFF2-40B4-BE49-F238E27FC236}">
-                <a16:creationId xmlns:a16="http://schemas.microsoft.com/office/drawing/2014/main" id="{28909099-283A-48CA-AB7B-FD19FBB10BD8}"/>
-              </a:ext>
-            </a:extLst>
-          </p:cNvPr>
+          <p:cNvPr id="2" name="Vertical Title 1"/>
           <p:cNvSpPr>
             <a:spLocks noGrp="1"/>
           </p:cNvSpPr>
@@ -1108,8 +1057,8 @@
         </p:nvSpPr>
         <p:spPr>
           <a:xfrm>
-            <a:off x="6543675" y="365125"/>
-            <a:ext cx="1971675" cy="5811838"/>
+            <a:off x="8724900" y="365125"/>
+            <a:ext cx="2628900" cy="5811838"/>
           </a:xfrm>
         </p:spPr>
         <p:txBody>
@@ -1120,18 +1069,13 @@
               <a:rPr lang="en-US"/>
               <a:t>Click to edit Master title style</a:t>
             </a:r>
+            <a:endParaRPr lang="en-US" dirty="0"/>
           </a:p>
         </p:txBody>
       </p:sp>
       <p:sp>
         <p:nvSpPr>
-          <p:cNvPr id="3" name="Vertical Text Placeholder 2">
-            <a:extLst>
-              <a:ext uri="{FF2B5EF4-FFF2-40B4-BE49-F238E27FC236}">
-                <a16:creationId xmlns:a16="http://schemas.microsoft.com/office/drawing/2014/main" id="{5BA288DF-0D28-4C43-AE91-4641610FFD35}"/>
-              </a:ext>
-            </a:extLst>
-          </p:cNvPr>
+          <p:cNvPr id="3" name="Vertical Text Placeholder 2"/>
           <p:cNvSpPr>
             <a:spLocks noGrp="1"/>
           </p:cNvSpPr>
@@ -1141,8 +1085,8 @@
         </p:nvSpPr>
         <p:spPr>
           <a:xfrm>
-            <a:off x="628650" y="365125"/>
-            <a:ext cx="5800725" cy="5811838"/>
+            <a:off x="838200" y="365125"/>
+            <a:ext cx="7734300" cy="5811838"/>
           </a:xfrm>
         </p:spPr>
         <p:txBody>
@@ -1152,7 +1096,7 @@
             <a:pPr lvl="0"/>
             <a:r>
               <a:rPr lang="en-US"/>
-              <a:t>Edit Master text styles</a:t>
+              <a:t>Click to edit Master text styles</a:t>
             </a:r>
           </a:p>
           <a:p>
@@ -1182,18 +1126,13 @@
               <a:rPr lang="en-US"/>
               <a:t>Fifth level</a:t>
             </a:r>
+            <a:endParaRPr lang="en-US" dirty="0"/>
           </a:p>
         </p:txBody>
       </p:sp>
       <p:sp>
         <p:nvSpPr>
-          <p:cNvPr id="4" name="Date Placeholder 3">
-            <a:extLst>
-              <a:ext uri="{FF2B5EF4-FFF2-40B4-BE49-F238E27FC236}">
-                <a16:creationId xmlns:a16="http://schemas.microsoft.com/office/drawing/2014/main" id="{3A7EFDCB-0A59-45F0-9AB2-4A2036343750}"/>
-              </a:ext>
-            </a:extLst>
-          </p:cNvPr>
+          <p:cNvPr id="4" name="Date Placeholder 3"/>
           <p:cNvSpPr>
             <a:spLocks noGrp="1"/>
           </p:cNvSpPr>
@@ -1208,7 +1147,7 @@
           <a:p>
             <a:fld id="{6DB206C8-F88B-4959-9CD2-3016D27660E1}" type="datetimeFigureOut">
               <a:rPr lang="en-US" smtClean="0"/>
-              <a:t>4/17/2019</a:t>
+              <a:t>9/4/2019</a:t>
             </a:fld>
             <a:endParaRPr lang="en-US"/>
           </a:p>
@@ -1216,13 +1155,7 @@
       </p:sp>
       <p:sp>
         <p:nvSpPr>
-          <p:cNvPr id="5" name="Footer Placeholder 4">
-            <a:extLst>
-              <a:ext uri="{FF2B5EF4-FFF2-40B4-BE49-F238E27FC236}">
-                <a16:creationId xmlns:a16="http://schemas.microsoft.com/office/drawing/2014/main" id="{77CF45FE-3ACE-458C-8BAE-B7D2D4EBAE51}"/>
-              </a:ext>
-            </a:extLst>
-          </p:cNvPr>
+          <p:cNvPr id="5" name="Footer Placeholder 4"/>
           <p:cNvSpPr>
             <a:spLocks noGrp="1"/>
           </p:cNvSpPr>
@@ -1241,13 +1174,7 @@
       </p:sp>
       <p:sp>
         <p:nvSpPr>
-          <p:cNvPr id="6" name="Slide Number Placeholder 5">
-            <a:extLst>
-              <a:ext uri="{FF2B5EF4-FFF2-40B4-BE49-F238E27FC236}">
-                <a16:creationId xmlns:a16="http://schemas.microsoft.com/office/drawing/2014/main" id="{7B7F64F2-F300-4F55-B3E3-C50053A89592}"/>
-              </a:ext>
-            </a:extLst>
-          </p:cNvPr>
+          <p:cNvPr id="6" name="Slide Number Placeholder 5"/>
           <p:cNvSpPr>
             <a:spLocks noGrp="1"/>
           </p:cNvSpPr>
@@ -1271,7 +1198,7 @@
     </p:spTree>
     <p:extLst>
       <p:ext uri="{BB962C8B-B14F-4D97-AF65-F5344CB8AC3E}">
-        <p14:creationId xmlns:p14="http://schemas.microsoft.com/office/powerpoint/2010/main" val="2307939138"/>
+        <p14:creationId xmlns:p14="http://schemas.microsoft.com/office/powerpoint/2010/main" val="2203724195"/>
       </p:ext>
     </p:extLst>
   </p:cSld>
@@ -1300,13 +1227,7 @@
       </p:grpSpPr>
       <p:sp>
         <p:nvSpPr>
-          <p:cNvPr id="2" name="Title 1">
-            <a:extLst>
-              <a:ext uri="{FF2B5EF4-FFF2-40B4-BE49-F238E27FC236}">
-                <a16:creationId xmlns:a16="http://schemas.microsoft.com/office/drawing/2014/main" id="{307174B1-A015-46B4-B560-AFBCAB582590}"/>
-              </a:ext>
-            </a:extLst>
-          </p:cNvPr>
+          <p:cNvPr id="2" name="Title 1"/>
           <p:cNvSpPr>
             <a:spLocks noGrp="1"/>
           </p:cNvSpPr>
@@ -1323,18 +1244,13 @@
               <a:rPr lang="en-US"/>
               <a:t>Click to edit Master title style</a:t>
             </a:r>
+            <a:endParaRPr lang="en-US" dirty="0"/>
           </a:p>
         </p:txBody>
       </p:sp>
       <p:sp>
         <p:nvSpPr>
-          <p:cNvPr id="3" name="Content Placeholder 2">
-            <a:extLst>
-              <a:ext uri="{FF2B5EF4-FFF2-40B4-BE49-F238E27FC236}">
-                <a16:creationId xmlns:a16="http://schemas.microsoft.com/office/drawing/2014/main" id="{B60A1B87-1AA3-4C45-A165-7A1D9C1C2C7E}"/>
-              </a:ext>
-            </a:extLst>
-          </p:cNvPr>
+          <p:cNvPr id="3" name="Content Placeholder 2"/>
           <p:cNvSpPr>
             <a:spLocks noGrp="1"/>
           </p:cNvSpPr>
@@ -1350,7 +1266,7 @@
             <a:pPr lvl="0"/>
             <a:r>
               <a:rPr lang="en-US"/>
-              <a:t>Edit Master text styles</a:t>
+              <a:t>Click to edit Master text styles</a:t>
             </a:r>
           </a:p>
           <a:p>
@@ -1380,18 +1296,13 @@
               <a:rPr lang="en-US"/>
               <a:t>Fifth level</a:t>
             </a:r>
+            <a:endParaRPr lang="en-US" dirty="0"/>
           </a:p>
         </p:txBody>
       </p:sp>
       <p:sp>
         <p:nvSpPr>
-          <p:cNvPr id="4" name="Date Placeholder 3">
-            <a:extLst>
-              <a:ext uri="{FF2B5EF4-FFF2-40B4-BE49-F238E27FC236}">
-                <a16:creationId xmlns:a16="http://schemas.microsoft.com/office/drawing/2014/main" id="{4C034CE6-D598-4161-84B8-BBADC9BAD500}"/>
-              </a:ext>
-            </a:extLst>
-          </p:cNvPr>
+          <p:cNvPr id="4" name="Date Placeholder 3"/>
           <p:cNvSpPr>
             <a:spLocks noGrp="1"/>
           </p:cNvSpPr>
@@ -1406,7 +1317,7 @@
           <a:p>
             <a:fld id="{6DB206C8-F88B-4959-9CD2-3016D27660E1}" type="datetimeFigureOut">
               <a:rPr lang="en-US" smtClean="0"/>
-              <a:t>4/17/2019</a:t>
+              <a:t>9/4/2019</a:t>
             </a:fld>
             <a:endParaRPr lang="en-US"/>
           </a:p>
@@ -1414,13 +1325,7 @@
       </p:sp>
       <p:sp>
         <p:nvSpPr>
-          <p:cNvPr id="5" name="Footer Placeholder 4">
-            <a:extLst>
-              <a:ext uri="{FF2B5EF4-FFF2-40B4-BE49-F238E27FC236}">
-                <a16:creationId xmlns:a16="http://schemas.microsoft.com/office/drawing/2014/main" id="{542AF648-570B-47FD-ACAA-BC10899B5D58}"/>
-              </a:ext>
-            </a:extLst>
-          </p:cNvPr>
+          <p:cNvPr id="5" name="Footer Placeholder 4"/>
           <p:cNvSpPr>
             <a:spLocks noGrp="1"/>
           </p:cNvSpPr>
@@ -1439,13 +1344,7 @@
       </p:sp>
       <p:sp>
         <p:nvSpPr>
-          <p:cNvPr id="6" name="Slide Number Placeholder 5">
-            <a:extLst>
-              <a:ext uri="{FF2B5EF4-FFF2-40B4-BE49-F238E27FC236}">
-                <a16:creationId xmlns:a16="http://schemas.microsoft.com/office/drawing/2014/main" id="{717A339D-80BE-4244-856A-AD23ADC6B045}"/>
-              </a:ext>
-            </a:extLst>
-          </p:cNvPr>
+          <p:cNvPr id="6" name="Slide Number Placeholder 5"/>
           <p:cNvSpPr>
             <a:spLocks noGrp="1"/>
           </p:cNvSpPr>
@@ -1469,7 +1368,7 @@
     </p:spTree>
     <p:extLst>
       <p:ext uri="{BB962C8B-B14F-4D97-AF65-F5344CB8AC3E}">
-        <p14:creationId xmlns:p14="http://schemas.microsoft.com/office/powerpoint/2010/main" val="49351366"/>
+        <p14:creationId xmlns:p14="http://schemas.microsoft.com/office/powerpoint/2010/main" val="3346534745"/>
       </p:ext>
     </p:extLst>
   </p:cSld>
@@ -1498,13 +1397,7 @@
       </p:grpSpPr>
       <p:sp>
         <p:nvSpPr>
-          <p:cNvPr id="2" name="Title 1">
-            <a:extLst>
-              <a:ext uri="{FF2B5EF4-FFF2-40B4-BE49-F238E27FC236}">
-                <a16:creationId xmlns:a16="http://schemas.microsoft.com/office/drawing/2014/main" id="{A4605DBC-0231-4AE6-9DC1-715BA662A075}"/>
-              </a:ext>
-            </a:extLst>
-          </p:cNvPr>
+          <p:cNvPr id="2" name="Title 1"/>
           <p:cNvSpPr>
             <a:spLocks noGrp="1"/>
           </p:cNvSpPr>
@@ -1514,15 +1407,15 @@
         </p:nvSpPr>
         <p:spPr>
           <a:xfrm>
-            <a:off x="623888" y="1709739"/>
-            <a:ext cx="7886700" cy="2852737"/>
+            <a:off x="831850" y="1709738"/>
+            <a:ext cx="10515600" cy="2852737"/>
           </a:xfrm>
         </p:spPr>
         <p:txBody>
           <a:bodyPr anchor="b"/>
           <a:lstStyle>
             <a:lvl1pPr>
-              <a:defRPr sz="4500"/>
+              <a:defRPr sz="6000"/>
             </a:lvl1pPr>
           </a:lstStyle>
           <a:p>
@@ -1530,18 +1423,13 @@
               <a:rPr lang="en-US"/>
               <a:t>Click to edit Master title style</a:t>
             </a:r>
+            <a:endParaRPr lang="en-US" dirty="0"/>
           </a:p>
         </p:txBody>
       </p:sp>
       <p:sp>
         <p:nvSpPr>
-          <p:cNvPr id="3" name="Text Placeholder 2">
-            <a:extLst>
-              <a:ext uri="{FF2B5EF4-FFF2-40B4-BE49-F238E27FC236}">
-                <a16:creationId xmlns:a16="http://schemas.microsoft.com/office/drawing/2014/main" id="{4139AAE0-125B-4E4C-AF9B-F1C8E644A23E}"/>
-              </a:ext>
-            </a:extLst>
-          </p:cNvPr>
+          <p:cNvPr id="3" name="Text Placeholder 2"/>
           <p:cNvSpPr>
             <a:spLocks noGrp="1"/>
           </p:cNvSpPr>
@@ -1551,14 +1439,34 @@
         </p:nvSpPr>
         <p:spPr>
           <a:xfrm>
-            <a:off x="623888" y="4589464"/>
-            <a:ext cx="7886700" cy="1500187"/>
+            <a:off x="831850" y="4589463"/>
+            <a:ext cx="10515600" cy="1500187"/>
           </a:xfrm>
         </p:spPr>
         <p:txBody>
           <a:bodyPr/>
           <a:lstStyle>
             <a:lvl1pPr marL="0" indent="0">
+              <a:buNone/>
+              <a:defRPr sz="2400">
+                <a:solidFill>
+                  <a:schemeClr val="tx1">
+                    <a:tint val="75000"/>
+                  </a:schemeClr>
+                </a:solidFill>
+              </a:defRPr>
+            </a:lvl1pPr>
+            <a:lvl2pPr marL="457200" indent="0">
+              <a:buNone/>
+              <a:defRPr sz="2000">
+                <a:solidFill>
+                  <a:schemeClr val="tx1">
+                    <a:tint val="75000"/>
+                  </a:schemeClr>
+                </a:solidFill>
+              </a:defRPr>
+            </a:lvl2pPr>
+            <a:lvl3pPr marL="914400" indent="0">
               <a:buNone/>
               <a:defRPr sz="1800">
                 <a:solidFill>
@@ -1567,30 +1475,10 @@
                   </a:schemeClr>
                 </a:solidFill>
               </a:defRPr>
-            </a:lvl1pPr>
-            <a:lvl2pPr marL="342900" indent="0">
+            </a:lvl3pPr>
+            <a:lvl4pPr marL="1371600" indent="0">
               <a:buNone/>
-              <a:defRPr sz="1500">
-                <a:solidFill>
-                  <a:schemeClr val="tx1">
-                    <a:tint val="75000"/>
-                  </a:schemeClr>
-                </a:solidFill>
-              </a:defRPr>
-            </a:lvl2pPr>
-            <a:lvl3pPr marL="685800" indent="0">
-              <a:buNone/>
-              <a:defRPr sz="1350">
-                <a:solidFill>
-                  <a:schemeClr val="tx1">
-                    <a:tint val="75000"/>
-                  </a:schemeClr>
-                </a:solidFill>
-              </a:defRPr>
-            </a:lvl3pPr>
-            <a:lvl4pPr marL="1028700" indent="0">
-              <a:buNone/>
-              <a:defRPr sz="1200">
+              <a:defRPr sz="1600">
                 <a:solidFill>
                   <a:schemeClr val="tx1">
                     <a:tint val="75000"/>
@@ -1598,9 +1486,9 @@
                 </a:solidFill>
               </a:defRPr>
             </a:lvl4pPr>
-            <a:lvl5pPr marL="1371600" indent="0">
+            <a:lvl5pPr marL="1828800" indent="0">
               <a:buNone/>
-              <a:defRPr sz="1200">
+              <a:defRPr sz="1600">
                 <a:solidFill>
                   <a:schemeClr val="tx1">
                     <a:tint val="75000"/>
@@ -1608,9 +1496,9 @@
                 </a:solidFill>
               </a:defRPr>
             </a:lvl5pPr>
-            <a:lvl6pPr marL="1714500" indent="0">
+            <a:lvl6pPr marL="2286000" indent="0">
               <a:buNone/>
-              <a:defRPr sz="1200">
+              <a:defRPr sz="1600">
                 <a:solidFill>
                   <a:schemeClr val="tx1">
                     <a:tint val="75000"/>
@@ -1618,9 +1506,9 @@
                 </a:solidFill>
               </a:defRPr>
             </a:lvl6pPr>
-            <a:lvl7pPr marL="2057400" indent="0">
+            <a:lvl7pPr marL="2743200" indent="0">
               <a:buNone/>
-              <a:defRPr sz="1200">
+              <a:defRPr sz="1600">
                 <a:solidFill>
                   <a:schemeClr val="tx1">
                     <a:tint val="75000"/>
@@ -1628,9 +1516,9 @@
                 </a:solidFill>
               </a:defRPr>
             </a:lvl7pPr>
-            <a:lvl8pPr marL="2400300" indent="0">
+            <a:lvl8pPr marL="3200400" indent="0">
               <a:buNone/>
-              <a:defRPr sz="1200">
+              <a:defRPr sz="1600">
                 <a:solidFill>
                   <a:schemeClr val="tx1">
                     <a:tint val="75000"/>
@@ -1638,9 +1526,9 @@
                 </a:solidFill>
               </a:defRPr>
             </a:lvl8pPr>
-            <a:lvl9pPr marL="2743200" indent="0">
+            <a:lvl9pPr marL="3657600" indent="0">
               <a:buNone/>
-              <a:defRPr sz="1200">
+              <a:defRPr sz="1600">
                 <a:solidFill>
                   <a:schemeClr val="tx1">
                     <a:tint val="75000"/>
@@ -1653,20 +1541,14 @@
             <a:pPr lvl="0"/>
             <a:r>
               <a:rPr lang="en-US"/>
-              <a:t>Edit Master text styles</a:t>
+              <a:t>Click to edit Master text styles</a:t>
             </a:r>
           </a:p>
         </p:txBody>
       </p:sp>
       <p:sp>
         <p:nvSpPr>
-          <p:cNvPr id="4" name="Date Placeholder 3">
-            <a:extLst>
-              <a:ext uri="{FF2B5EF4-FFF2-40B4-BE49-F238E27FC236}">
-                <a16:creationId xmlns:a16="http://schemas.microsoft.com/office/drawing/2014/main" id="{642F290B-893D-4136-9200-DF8135DF7235}"/>
-              </a:ext>
-            </a:extLst>
-          </p:cNvPr>
+          <p:cNvPr id="4" name="Date Placeholder 3"/>
           <p:cNvSpPr>
             <a:spLocks noGrp="1"/>
           </p:cNvSpPr>
@@ -1681,7 +1563,7 @@
           <a:p>
             <a:fld id="{6DB206C8-F88B-4959-9CD2-3016D27660E1}" type="datetimeFigureOut">
               <a:rPr lang="en-US" smtClean="0"/>
-              <a:t>4/17/2019</a:t>
+              <a:t>9/4/2019</a:t>
             </a:fld>
             <a:endParaRPr lang="en-US"/>
           </a:p>
@@ -1689,13 +1571,7 @@
       </p:sp>
       <p:sp>
         <p:nvSpPr>
-          <p:cNvPr id="5" name="Footer Placeholder 4">
-            <a:extLst>
-              <a:ext uri="{FF2B5EF4-FFF2-40B4-BE49-F238E27FC236}">
-                <a16:creationId xmlns:a16="http://schemas.microsoft.com/office/drawing/2014/main" id="{80F4DF47-45F0-42E5-B874-F748CCFEC2AC}"/>
-              </a:ext>
-            </a:extLst>
-          </p:cNvPr>
+          <p:cNvPr id="5" name="Footer Placeholder 4"/>
           <p:cNvSpPr>
             <a:spLocks noGrp="1"/>
           </p:cNvSpPr>
@@ -1714,13 +1590,7 @@
       </p:sp>
       <p:sp>
         <p:nvSpPr>
-          <p:cNvPr id="6" name="Slide Number Placeholder 5">
-            <a:extLst>
-              <a:ext uri="{FF2B5EF4-FFF2-40B4-BE49-F238E27FC236}">
-                <a16:creationId xmlns:a16="http://schemas.microsoft.com/office/drawing/2014/main" id="{7DBA8523-B25B-4727-A7FD-64E6AD02F9BE}"/>
-              </a:ext>
-            </a:extLst>
-          </p:cNvPr>
+          <p:cNvPr id="6" name="Slide Number Placeholder 5"/>
           <p:cNvSpPr>
             <a:spLocks noGrp="1"/>
           </p:cNvSpPr>
@@ -1744,7 +1614,7 @@
     </p:spTree>
     <p:extLst>
       <p:ext uri="{BB962C8B-B14F-4D97-AF65-F5344CB8AC3E}">
-        <p14:creationId xmlns:p14="http://schemas.microsoft.com/office/powerpoint/2010/main" val="2122246277"/>
+        <p14:creationId xmlns:p14="http://schemas.microsoft.com/office/powerpoint/2010/main" val="343630400"/>
       </p:ext>
     </p:extLst>
   </p:cSld>
@@ -1773,13 +1643,7 @@
       </p:grpSpPr>
       <p:sp>
         <p:nvSpPr>
-          <p:cNvPr id="2" name="Title 1">
-            <a:extLst>
-              <a:ext uri="{FF2B5EF4-FFF2-40B4-BE49-F238E27FC236}">
-                <a16:creationId xmlns:a16="http://schemas.microsoft.com/office/drawing/2014/main" id="{30C64605-6406-4656-AC0F-77CB3B71929B}"/>
-              </a:ext>
-            </a:extLst>
-          </p:cNvPr>
+          <p:cNvPr id="2" name="Title 1"/>
           <p:cNvSpPr>
             <a:spLocks noGrp="1"/>
           </p:cNvSpPr>
@@ -1796,18 +1660,13 @@
               <a:rPr lang="en-US"/>
               <a:t>Click to edit Master title style</a:t>
             </a:r>
+            <a:endParaRPr lang="en-US" dirty="0"/>
           </a:p>
         </p:txBody>
       </p:sp>
       <p:sp>
         <p:nvSpPr>
-          <p:cNvPr id="3" name="Content Placeholder 2">
-            <a:extLst>
-              <a:ext uri="{FF2B5EF4-FFF2-40B4-BE49-F238E27FC236}">
-                <a16:creationId xmlns:a16="http://schemas.microsoft.com/office/drawing/2014/main" id="{66D0A543-09BE-4B48-989C-42E28651E428}"/>
-              </a:ext>
-            </a:extLst>
-          </p:cNvPr>
+          <p:cNvPr id="3" name="Content Placeholder 2"/>
           <p:cNvSpPr>
             <a:spLocks noGrp="1"/>
           </p:cNvSpPr>
@@ -1817,8 +1676,8 @@
         </p:nvSpPr>
         <p:spPr>
           <a:xfrm>
-            <a:off x="628650" y="1825625"/>
-            <a:ext cx="3886200" cy="4351338"/>
+            <a:off x="838200" y="1825625"/>
+            <a:ext cx="5181600" cy="4351338"/>
           </a:xfrm>
         </p:spPr>
         <p:txBody>
@@ -1828,7 +1687,7 @@
             <a:pPr lvl="0"/>
             <a:r>
               <a:rPr lang="en-US"/>
-              <a:t>Edit Master text styles</a:t>
+              <a:t>Click to edit Master text styles</a:t>
             </a:r>
           </a:p>
           <a:p>
@@ -1858,18 +1717,13 @@
               <a:rPr lang="en-US"/>
               <a:t>Fifth level</a:t>
             </a:r>
+            <a:endParaRPr lang="en-US" dirty="0"/>
           </a:p>
         </p:txBody>
       </p:sp>
       <p:sp>
         <p:nvSpPr>
-          <p:cNvPr id="4" name="Content Placeholder 3">
-            <a:extLst>
-              <a:ext uri="{FF2B5EF4-FFF2-40B4-BE49-F238E27FC236}">
-                <a16:creationId xmlns:a16="http://schemas.microsoft.com/office/drawing/2014/main" id="{CCE54084-99A3-4211-A2B6-D9F424A5BA7B}"/>
-              </a:ext>
-            </a:extLst>
-          </p:cNvPr>
+          <p:cNvPr id="4" name="Content Placeholder 3"/>
           <p:cNvSpPr>
             <a:spLocks noGrp="1"/>
           </p:cNvSpPr>
@@ -1879,8 +1733,8 @@
         </p:nvSpPr>
         <p:spPr>
           <a:xfrm>
-            <a:off x="4629150" y="1825625"/>
-            <a:ext cx="3886200" cy="4351338"/>
+            <a:off x="6172200" y="1825625"/>
+            <a:ext cx="5181600" cy="4351338"/>
           </a:xfrm>
         </p:spPr>
         <p:txBody>
@@ -1890,7 +1744,7 @@
             <a:pPr lvl="0"/>
             <a:r>
               <a:rPr lang="en-US"/>
-              <a:t>Edit Master text styles</a:t>
+              <a:t>Click to edit Master text styles</a:t>
             </a:r>
           </a:p>
           <a:p>
@@ -1920,18 +1774,13 @@
               <a:rPr lang="en-US"/>
               <a:t>Fifth level</a:t>
             </a:r>
+            <a:endParaRPr lang="en-US" dirty="0"/>
           </a:p>
         </p:txBody>
       </p:sp>
       <p:sp>
         <p:nvSpPr>
-          <p:cNvPr id="5" name="Date Placeholder 4">
-            <a:extLst>
-              <a:ext uri="{FF2B5EF4-FFF2-40B4-BE49-F238E27FC236}">
-                <a16:creationId xmlns:a16="http://schemas.microsoft.com/office/drawing/2014/main" id="{00F82382-5F23-4479-87CA-4705907FC916}"/>
-              </a:ext>
-            </a:extLst>
-          </p:cNvPr>
+          <p:cNvPr id="5" name="Date Placeholder 4"/>
           <p:cNvSpPr>
             <a:spLocks noGrp="1"/>
           </p:cNvSpPr>
@@ -1946,7 +1795,7 @@
           <a:p>
             <a:fld id="{6DB206C8-F88B-4959-9CD2-3016D27660E1}" type="datetimeFigureOut">
               <a:rPr lang="en-US" smtClean="0"/>
-              <a:t>4/17/2019</a:t>
+              <a:t>9/4/2019</a:t>
             </a:fld>
             <a:endParaRPr lang="en-US"/>
           </a:p>
@@ -1954,13 +1803,7 @@
       </p:sp>
       <p:sp>
         <p:nvSpPr>
-          <p:cNvPr id="6" name="Footer Placeholder 5">
-            <a:extLst>
-              <a:ext uri="{FF2B5EF4-FFF2-40B4-BE49-F238E27FC236}">
-                <a16:creationId xmlns:a16="http://schemas.microsoft.com/office/drawing/2014/main" id="{89573AC7-0725-4ADF-B5C8-B2F726E4B512}"/>
-              </a:ext>
-            </a:extLst>
-          </p:cNvPr>
+          <p:cNvPr id="6" name="Footer Placeholder 5"/>
           <p:cNvSpPr>
             <a:spLocks noGrp="1"/>
           </p:cNvSpPr>
@@ -1979,13 +1822,7 @@
       </p:sp>
       <p:sp>
         <p:nvSpPr>
-          <p:cNvPr id="7" name="Slide Number Placeholder 6">
-            <a:extLst>
-              <a:ext uri="{FF2B5EF4-FFF2-40B4-BE49-F238E27FC236}">
-                <a16:creationId xmlns:a16="http://schemas.microsoft.com/office/drawing/2014/main" id="{43796F14-A486-4CCE-A22A-8EA9103EDC22}"/>
-              </a:ext>
-            </a:extLst>
-          </p:cNvPr>
+          <p:cNvPr id="7" name="Slide Number Placeholder 6"/>
           <p:cNvSpPr>
             <a:spLocks noGrp="1"/>
           </p:cNvSpPr>
@@ -2009,7 +1846,7 @@
     </p:spTree>
     <p:extLst>
       <p:ext uri="{BB962C8B-B14F-4D97-AF65-F5344CB8AC3E}">
-        <p14:creationId xmlns:p14="http://schemas.microsoft.com/office/powerpoint/2010/main" val="2140806681"/>
+        <p14:creationId xmlns:p14="http://schemas.microsoft.com/office/powerpoint/2010/main" val="3671242618"/>
       </p:ext>
     </p:extLst>
   </p:cSld>
@@ -2038,13 +1875,7 @@
       </p:grpSpPr>
       <p:sp>
         <p:nvSpPr>
-          <p:cNvPr id="2" name="Title 1">
-            <a:extLst>
-              <a:ext uri="{FF2B5EF4-FFF2-40B4-BE49-F238E27FC236}">
-                <a16:creationId xmlns:a16="http://schemas.microsoft.com/office/drawing/2014/main" id="{69B064FD-0194-40FB-B603-269DBB17F95E}"/>
-              </a:ext>
-            </a:extLst>
-          </p:cNvPr>
+          <p:cNvPr id="2" name="Title 1"/>
           <p:cNvSpPr>
             <a:spLocks noGrp="1"/>
           </p:cNvSpPr>
@@ -2054,8 +1885,8 @@
         </p:nvSpPr>
         <p:spPr>
           <a:xfrm>
-            <a:off x="629841" y="365126"/>
-            <a:ext cx="7886700" cy="1325563"/>
+            <a:off x="839788" y="365125"/>
+            <a:ext cx="10515600" cy="1325563"/>
           </a:xfrm>
         </p:spPr>
         <p:txBody>
@@ -2066,18 +1897,13 @@
               <a:rPr lang="en-US"/>
               <a:t>Click to edit Master title style</a:t>
             </a:r>
+            <a:endParaRPr lang="en-US" dirty="0"/>
           </a:p>
         </p:txBody>
       </p:sp>
       <p:sp>
         <p:nvSpPr>
-          <p:cNvPr id="3" name="Text Placeholder 2">
-            <a:extLst>
-              <a:ext uri="{FF2B5EF4-FFF2-40B4-BE49-F238E27FC236}">
-                <a16:creationId xmlns:a16="http://schemas.microsoft.com/office/drawing/2014/main" id="{BB9AC1B2-7126-4F19-A4C2-E2429A512685}"/>
-              </a:ext>
-            </a:extLst>
-          </p:cNvPr>
+          <p:cNvPr id="3" name="Text Placeholder 2"/>
           <p:cNvSpPr>
             <a:spLocks noGrp="1"/>
           </p:cNvSpPr>
@@ -2087,8 +1913,8 @@
         </p:nvSpPr>
         <p:spPr>
           <a:xfrm>
-            <a:off x="629842" y="1681163"/>
-            <a:ext cx="3868340" cy="823912"/>
+            <a:off x="839788" y="1681163"/>
+            <a:ext cx="5157787" cy="823912"/>
           </a:xfrm>
         </p:spPr>
         <p:txBody>
@@ -2096,59 +1922,53 @@
           <a:lstStyle>
             <a:lvl1pPr marL="0" indent="0">
               <a:buNone/>
+              <a:defRPr sz="2400" b="1"/>
+            </a:lvl1pPr>
+            <a:lvl2pPr marL="457200" indent="0">
+              <a:buNone/>
+              <a:defRPr sz="2000" b="1"/>
+            </a:lvl2pPr>
+            <a:lvl3pPr marL="914400" indent="0">
+              <a:buNone/>
               <a:defRPr sz="1800" b="1"/>
-            </a:lvl1pPr>
-            <a:lvl2pPr marL="342900" indent="0">
+            </a:lvl3pPr>
+            <a:lvl4pPr marL="1371600" indent="0">
               <a:buNone/>
-              <a:defRPr sz="1500" b="1"/>
-            </a:lvl2pPr>
-            <a:lvl3pPr marL="685800" indent="0">
+              <a:defRPr sz="1600" b="1"/>
+            </a:lvl4pPr>
+            <a:lvl5pPr marL="1828800" indent="0">
               <a:buNone/>
-              <a:defRPr sz="1350" b="1"/>
-            </a:lvl3pPr>
-            <a:lvl4pPr marL="1028700" indent="0">
+              <a:defRPr sz="1600" b="1"/>
+            </a:lvl5pPr>
+            <a:lvl6pPr marL="2286000" indent="0">
               <a:buNone/>
-              <a:defRPr sz="1200" b="1"/>
-            </a:lvl4pPr>
-            <a:lvl5pPr marL="1371600" indent="0">
+              <a:defRPr sz="1600" b="1"/>
+            </a:lvl6pPr>
+            <a:lvl7pPr marL="2743200" indent="0">
               <a:buNone/>
-              <a:defRPr sz="1200" b="1"/>
-            </a:lvl5pPr>
-            <a:lvl6pPr marL="1714500" indent="0">
+              <a:defRPr sz="1600" b="1"/>
+            </a:lvl7pPr>
+            <a:lvl8pPr marL="3200400" indent="0">
               <a:buNone/>
-              <a:defRPr sz="1200" b="1"/>
-            </a:lvl6pPr>
-            <a:lvl7pPr marL="2057400" indent="0">
+              <a:defRPr sz="1600" b="1"/>
+            </a:lvl8pPr>
+            <a:lvl9pPr marL="3657600" indent="0">
               <a:buNone/>
-              <a:defRPr sz="1200" b="1"/>
-            </a:lvl7pPr>
-            <a:lvl8pPr marL="2400300" indent="0">
-              <a:buNone/>
-              <a:defRPr sz="1200" b="1"/>
-            </a:lvl8pPr>
-            <a:lvl9pPr marL="2743200" indent="0">
-              <a:buNone/>
-              <a:defRPr sz="1200" b="1"/>
+              <a:defRPr sz="1600" b="1"/>
             </a:lvl9pPr>
           </a:lstStyle>
           <a:p>
             <a:pPr lvl="0"/>
             <a:r>
               <a:rPr lang="en-US"/>
-              <a:t>Edit Master text styles</a:t>
+              <a:t>Click to edit Master text styles</a:t>
             </a:r>
           </a:p>
         </p:txBody>
       </p:sp>
       <p:sp>
         <p:nvSpPr>
-          <p:cNvPr id="4" name="Content Placeholder 3">
-            <a:extLst>
-              <a:ext uri="{FF2B5EF4-FFF2-40B4-BE49-F238E27FC236}">
-                <a16:creationId xmlns:a16="http://schemas.microsoft.com/office/drawing/2014/main" id="{A7606E40-AC67-4BEF-99EF-B3A0B200F008}"/>
-              </a:ext>
-            </a:extLst>
-          </p:cNvPr>
+          <p:cNvPr id="4" name="Content Placeholder 3"/>
           <p:cNvSpPr>
             <a:spLocks noGrp="1"/>
           </p:cNvSpPr>
@@ -2158,8 +1978,8 @@
         </p:nvSpPr>
         <p:spPr>
           <a:xfrm>
-            <a:off x="629842" y="2505075"/>
-            <a:ext cx="3868340" cy="3684588"/>
+            <a:off x="839788" y="2505075"/>
+            <a:ext cx="5157787" cy="3684588"/>
           </a:xfrm>
         </p:spPr>
         <p:txBody>
@@ -2169,7 +1989,7 @@
             <a:pPr lvl="0"/>
             <a:r>
               <a:rPr lang="en-US"/>
-              <a:t>Edit Master text styles</a:t>
+              <a:t>Click to edit Master text styles</a:t>
             </a:r>
           </a:p>
           <a:p>
@@ -2199,18 +2019,13 @@
               <a:rPr lang="en-US"/>
               <a:t>Fifth level</a:t>
             </a:r>
+            <a:endParaRPr lang="en-US" dirty="0"/>
           </a:p>
         </p:txBody>
       </p:sp>
       <p:sp>
         <p:nvSpPr>
-          <p:cNvPr id="5" name="Text Placeholder 4">
-            <a:extLst>
-              <a:ext uri="{FF2B5EF4-FFF2-40B4-BE49-F238E27FC236}">
-                <a16:creationId xmlns:a16="http://schemas.microsoft.com/office/drawing/2014/main" id="{7A40CD69-027F-462E-93C3-EC9DA56F4D29}"/>
-              </a:ext>
-            </a:extLst>
-          </p:cNvPr>
+          <p:cNvPr id="5" name="Text Placeholder 4"/>
           <p:cNvSpPr>
             <a:spLocks noGrp="1"/>
           </p:cNvSpPr>
@@ -2220,8 +2035,8 @@
         </p:nvSpPr>
         <p:spPr>
           <a:xfrm>
-            <a:off x="4629150" y="1681163"/>
-            <a:ext cx="3887391" cy="823912"/>
+            <a:off x="6172200" y="1681163"/>
+            <a:ext cx="5183188" cy="823912"/>
           </a:xfrm>
         </p:spPr>
         <p:txBody>
@@ -2229,59 +2044,53 @@
           <a:lstStyle>
             <a:lvl1pPr marL="0" indent="0">
               <a:buNone/>
+              <a:defRPr sz="2400" b="1"/>
+            </a:lvl1pPr>
+            <a:lvl2pPr marL="457200" indent="0">
+              <a:buNone/>
+              <a:defRPr sz="2000" b="1"/>
+            </a:lvl2pPr>
+            <a:lvl3pPr marL="914400" indent="0">
+              <a:buNone/>
               <a:defRPr sz="1800" b="1"/>
-            </a:lvl1pPr>
-            <a:lvl2pPr marL="342900" indent="0">
+            </a:lvl3pPr>
+            <a:lvl4pPr marL="1371600" indent="0">
               <a:buNone/>
-              <a:defRPr sz="1500" b="1"/>
-            </a:lvl2pPr>
-            <a:lvl3pPr marL="685800" indent="0">
+              <a:defRPr sz="1600" b="1"/>
+            </a:lvl4pPr>
+            <a:lvl5pPr marL="1828800" indent="0">
               <a:buNone/>
-              <a:defRPr sz="1350" b="1"/>
-            </a:lvl3pPr>
-            <a:lvl4pPr marL="1028700" indent="0">
+              <a:defRPr sz="1600" b="1"/>
+            </a:lvl5pPr>
+            <a:lvl6pPr marL="2286000" indent="0">
               <a:buNone/>
-              <a:defRPr sz="1200" b="1"/>
-            </a:lvl4pPr>
-            <a:lvl5pPr marL="1371600" indent="0">
+              <a:defRPr sz="1600" b="1"/>
+            </a:lvl6pPr>
+            <a:lvl7pPr marL="2743200" indent="0">
               <a:buNone/>
-              <a:defRPr sz="1200" b="1"/>
-            </a:lvl5pPr>
-            <a:lvl6pPr marL="1714500" indent="0">
+              <a:defRPr sz="1600" b="1"/>
+            </a:lvl7pPr>
+            <a:lvl8pPr marL="3200400" indent="0">
               <a:buNone/>
-              <a:defRPr sz="1200" b="1"/>
-            </a:lvl6pPr>
-            <a:lvl7pPr marL="2057400" indent="0">
+              <a:defRPr sz="1600" b="1"/>
+            </a:lvl8pPr>
+            <a:lvl9pPr marL="3657600" indent="0">
               <a:buNone/>
-              <a:defRPr sz="1200" b="1"/>
-            </a:lvl7pPr>
-            <a:lvl8pPr marL="2400300" indent="0">
-              <a:buNone/>
-              <a:defRPr sz="1200" b="1"/>
-            </a:lvl8pPr>
-            <a:lvl9pPr marL="2743200" indent="0">
-              <a:buNone/>
-              <a:defRPr sz="1200" b="1"/>
+              <a:defRPr sz="1600" b="1"/>
             </a:lvl9pPr>
           </a:lstStyle>
           <a:p>
             <a:pPr lvl="0"/>
             <a:r>
               <a:rPr lang="en-US"/>
-              <a:t>Edit Master text styles</a:t>
+              <a:t>Click to edit Master text styles</a:t>
             </a:r>
           </a:p>
         </p:txBody>
       </p:sp>
       <p:sp>
         <p:nvSpPr>
-          <p:cNvPr id="6" name="Content Placeholder 5">
-            <a:extLst>
-              <a:ext uri="{FF2B5EF4-FFF2-40B4-BE49-F238E27FC236}">
-                <a16:creationId xmlns:a16="http://schemas.microsoft.com/office/drawing/2014/main" id="{3EA3852A-A7E4-4D27-805F-0D4A0FF53122}"/>
-              </a:ext>
-            </a:extLst>
-          </p:cNvPr>
+          <p:cNvPr id="6" name="Content Placeholder 5"/>
           <p:cNvSpPr>
             <a:spLocks noGrp="1"/>
           </p:cNvSpPr>
@@ -2291,8 +2100,8 @@
         </p:nvSpPr>
         <p:spPr>
           <a:xfrm>
-            <a:off x="4629150" y="2505075"/>
-            <a:ext cx="3887391" cy="3684588"/>
+            <a:off x="6172200" y="2505075"/>
+            <a:ext cx="5183188" cy="3684588"/>
           </a:xfrm>
         </p:spPr>
         <p:txBody>
@@ -2302,7 +2111,7 @@
             <a:pPr lvl="0"/>
             <a:r>
               <a:rPr lang="en-US"/>
-              <a:t>Edit Master text styles</a:t>
+              <a:t>Click to edit Master text styles</a:t>
             </a:r>
           </a:p>
           <a:p>
@@ -2332,18 +2141,13 @@
               <a:rPr lang="en-US"/>
               <a:t>Fifth level</a:t>
             </a:r>
+            <a:endParaRPr lang="en-US" dirty="0"/>
           </a:p>
         </p:txBody>
       </p:sp>
       <p:sp>
         <p:nvSpPr>
-          <p:cNvPr id="7" name="Date Placeholder 6">
-            <a:extLst>
-              <a:ext uri="{FF2B5EF4-FFF2-40B4-BE49-F238E27FC236}">
-                <a16:creationId xmlns:a16="http://schemas.microsoft.com/office/drawing/2014/main" id="{44924881-72A8-42FA-B381-AD2AC749EE80}"/>
-              </a:ext>
-            </a:extLst>
-          </p:cNvPr>
+          <p:cNvPr id="7" name="Date Placeholder 6"/>
           <p:cNvSpPr>
             <a:spLocks noGrp="1"/>
           </p:cNvSpPr>
@@ -2358,7 +2162,7 @@
           <a:p>
             <a:fld id="{6DB206C8-F88B-4959-9CD2-3016D27660E1}" type="datetimeFigureOut">
               <a:rPr lang="en-US" smtClean="0"/>
-              <a:t>4/17/2019</a:t>
+              <a:t>9/4/2019</a:t>
             </a:fld>
             <a:endParaRPr lang="en-US"/>
           </a:p>
@@ -2366,13 +2170,7 @@
       </p:sp>
       <p:sp>
         <p:nvSpPr>
-          <p:cNvPr id="8" name="Footer Placeholder 7">
-            <a:extLst>
-              <a:ext uri="{FF2B5EF4-FFF2-40B4-BE49-F238E27FC236}">
-                <a16:creationId xmlns:a16="http://schemas.microsoft.com/office/drawing/2014/main" id="{B39215EF-BC82-4D09-A1A1-FFDE0342C68F}"/>
-              </a:ext>
-            </a:extLst>
-          </p:cNvPr>
+          <p:cNvPr id="8" name="Footer Placeholder 7"/>
           <p:cNvSpPr>
             <a:spLocks noGrp="1"/>
           </p:cNvSpPr>
@@ -2391,13 +2189,7 @@
       </p:sp>
       <p:sp>
         <p:nvSpPr>
-          <p:cNvPr id="9" name="Slide Number Placeholder 8">
-            <a:extLst>
-              <a:ext uri="{FF2B5EF4-FFF2-40B4-BE49-F238E27FC236}">
-                <a16:creationId xmlns:a16="http://schemas.microsoft.com/office/drawing/2014/main" id="{BA57B9B0-DDF2-46D8-B64C-C41043F5928C}"/>
-              </a:ext>
-            </a:extLst>
-          </p:cNvPr>
+          <p:cNvPr id="9" name="Slide Number Placeholder 8"/>
           <p:cNvSpPr>
             <a:spLocks noGrp="1"/>
           </p:cNvSpPr>
@@ -2421,7 +2213,7 @@
     </p:spTree>
     <p:extLst>
       <p:ext uri="{BB962C8B-B14F-4D97-AF65-F5344CB8AC3E}">
-        <p14:creationId xmlns:p14="http://schemas.microsoft.com/office/powerpoint/2010/main" val="3464121076"/>
+        <p14:creationId xmlns:p14="http://schemas.microsoft.com/office/powerpoint/2010/main" val="365644143"/>
       </p:ext>
     </p:extLst>
   </p:cSld>
@@ -2450,13 +2242,7 @@
       </p:grpSpPr>
       <p:sp>
         <p:nvSpPr>
-          <p:cNvPr id="2" name="Title 1">
-            <a:extLst>
-              <a:ext uri="{FF2B5EF4-FFF2-40B4-BE49-F238E27FC236}">
-                <a16:creationId xmlns:a16="http://schemas.microsoft.com/office/drawing/2014/main" id="{8AB07EE8-F276-44A7-982A-88434F653CB4}"/>
-              </a:ext>
-            </a:extLst>
-          </p:cNvPr>
+          <p:cNvPr id="2" name="Title 1"/>
           <p:cNvSpPr>
             <a:spLocks noGrp="1"/>
           </p:cNvSpPr>
@@ -2473,18 +2259,13 @@
               <a:rPr lang="en-US"/>
               <a:t>Click to edit Master title style</a:t>
             </a:r>
+            <a:endParaRPr lang="en-US" dirty="0"/>
           </a:p>
         </p:txBody>
       </p:sp>
       <p:sp>
         <p:nvSpPr>
-          <p:cNvPr id="3" name="Date Placeholder 2">
-            <a:extLst>
-              <a:ext uri="{FF2B5EF4-FFF2-40B4-BE49-F238E27FC236}">
-                <a16:creationId xmlns:a16="http://schemas.microsoft.com/office/drawing/2014/main" id="{9F41D249-D104-4124-80FC-CB65B964E78C}"/>
-              </a:ext>
-            </a:extLst>
-          </p:cNvPr>
+          <p:cNvPr id="3" name="Date Placeholder 2"/>
           <p:cNvSpPr>
             <a:spLocks noGrp="1"/>
           </p:cNvSpPr>
@@ -2499,7 +2280,7 @@
           <a:p>
             <a:fld id="{6DB206C8-F88B-4959-9CD2-3016D27660E1}" type="datetimeFigureOut">
               <a:rPr lang="en-US" smtClean="0"/>
-              <a:t>4/17/2019</a:t>
+              <a:t>9/4/2019</a:t>
             </a:fld>
             <a:endParaRPr lang="en-US"/>
           </a:p>
@@ -2507,13 +2288,7 @@
       </p:sp>
       <p:sp>
         <p:nvSpPr>
-          <p:cNvPr id="4" name="Footer Placeholder 3">
-            <a:extLst>
-              <a:ext uri="{FF2B5EF4-FFF2-40B4-BE49-F238E27FC236}">
-                <a16:creationId xmlns:a16="http://schemas.microsoft.com/office/drawing/2014/main" id="{1F84F6F8-CC80-4164-A8A2-74C6FE579C7C}"/>
-              </a:ext>
-            </a:extLst>
-          </p:cNvPr>
+          <p:cNvPr id="4" name="Footer Placeholder 3"/>
           <p:cNvSpPr>
             <a:spLocks noGrp="1"/>
           </p:cNvSpPr>
@@ -2532,13 +2307,7 @@
       </p:sp>
       <p:sp>
         <p:nvSpPr>
-          <p:cNvPr id="5" name="Slide Number Placeholder 4">
-            <a:extLst>
-              <a:ext uri="{FF2B5EF4-FFF2-40B4-BE49-F238E27FC236}">
-                <a16:creationId xmlns:a16="http://schemas.microsoft.com/office/drawing/2014/main" id="{11FB4411-515A-4D2A-9C0E-522CC5B4ADA5}"/>
-              </a:ext>
-            </a:extLst>
-          </p:cNvPr>
+          <p:cNvPr id="5" name="Slide Number Placeholder 4"/>
           <p:cNvSpPr>
             <a:spLocks noGrp="1"/>
           </p:cNvSpPr>
@@ -2562,7 +2331,7 @@
     </p:spTree>
     <p:extLst>
       <p:ext uri="{BB962C8B-B14F-4D97-AF65-F5344CB8AC3E}">
-        <p14:creationId xmlns:p14="http://schemas.microsoft.com/office/powerpoint/2010/main" val="347964398"/>
+        <p14:creationId xmlns:p14="http://schemas.microsoft.com/office/powerpoint/2010/main" val="68483269"/>
       </p:ext>
     </p:extLst>
   </p:cSld>
@@ -2591,13 +2360,7 @@
       </p:grpSpPr>
       <p:sp>
         <p:nvSpPr>
-          <p:cNvPr id="2" name="Date Placeholder 1">
-            <a:extLst>
-              <a:ext uri="{FF2B5EF4-FFF2-40B4-BE49-F238E27FC236}">
-                <a16:creationId xmlns:a16="http://schemas.microsoft.com/office/drawing/2014/main" id="{0C796E03-CE6B-4538-BA62-1A053C7E0006}"/>
-              </a:ext>
-            </a:extLst>
-          </p:cNvPr>
+          <p:cNvPr id="2" name="Date Placeholder 1"/>
           <p:cNvSpPr>
             <a:spLocks noGrp="1"/>
           </p:cNvSpPr>
@@ -2612,7 +2375,7 @@
           <a:p>
             <a:fld id="{6DB206C8-F88B-4959-9CD2-3016D27660E1}" type="datetimeFigureOut">
               <a:rPr lang="en-US" smtClean="0"/>
-              <a:t>4/17/2019</a:t>
+              <a:t>9/4/2019</a:t>
             </a:fld>
             <a:endParaRPr lang="en-US"/>
           </a:p>
@@ -2620,13 +2383,7 @@
       </p:sp>
       <p:sp>
         <p:nvSpPr>
-          <p:cNvPr id="3" name="Footer Placeholder 2">
-            <a:extLst>
-              <a:ext uri="{FF2B5EF4-FFF2-40B4-BE49-F238E27FC236}">
-                <a16:creationId xmlns:a16="http://schemas.microsoft.com/office/drawing/2014/main" id="{8CD5F4E1-FF8F-4545-A106-8E8B451D6187}"/>
-              </a:ext>
-            </a:extLst>
-          </p:cNvPr>
+          <p:cNvPr id="3" name="Footer Placeholder 2"/>
           <p:cNvSpPr>
             <a:spLocks noGrp="1"/>
           </p:cNvSpPr>
@@ -2645,13 +2402,7 @@
       </p:sp>
       <p:sp>
         <p:nvSpPr>
-          <p:cNvPr id="4" name="Slide Number Placeholder 3">
-            <a:extLst>
-              <a:ext uri="{FF2B5EF4-FFF2-40B4-BE49-F238E27FC236}">
-                <a16:creationId xmlns:a16="http://schemas.microsoft.com/office/drawing/2014/main" id="{9EA17FB2-D13D-4472-830D-91E7200E5972}"/>
-              </a:ext>
-            </a:extLst>
-          </p:cNvPr>
+          <p:cNvPr id="4" name="Slide Number Placeholder 3"/>
           <p:cNvSpPr>
             <a:spLocks noGrp="1"/>
           </p:cNvSpPr>
@@ -2675,7 +2426,7 @@
     </p:spTree>
     <p:extLst>
       <p:ext uri="{BB962C8B-B14F-4D97-AF65-F5344CB8AC3E}">
-        <p14:creationId xmlns:p14="http://schemas.microsoft.com/office/powerpoint/2010/main" val="895217778"/>
+        <p14:creationId xmlns:p14="http://schemas.microsoft.com/office/powerpoint/2010/main" val="2078214239"/>
       </p:ext>
     </p:extLst>
   </p:cSld>
@@ -2704,13 +2455,7 @@
       </p:grpSpPr>
       <p:sp>
         <p:nvSpPr>
-          <p:cNvPr id="2" name="Title 1">
-            <a:extLst>
-              <a:ext uri="{FF2B5EF4-FFF2-40B4-BE49-F238E27FC236}">
-                <a16:creationId xmlns:a16="http://schemas.microsoft.com/office/drawing/2014/main" id="{19F4B1CE-E1EF-4731-BDA3-824447894181}"/>
-              </a:ext>
-            </a:extLst>
-          </p:cNvPr>
+          <p:cNvPr id="2" name="Title 1"/>
           <p:cNvSpPr>
             <a:spLocks noGrp="1"/>
           </p:cNvSpPr>
@@ -2720,15 +2465,15 @@
         </p:nvSpPr>
         <p:spPr>
           <a:xfrm>
-            <a:off x="629841" y="457200"/>
-            <a:ext cx="2949178" cy="1600200"/>
+            <a:off x="839788" y="457200"/>
+            <a:ext cx="3932237" cy="1600200"/>
           </a:xfrm>
         </p:spPr>
         <p:txBody>
           <a:bodyPr anchor="b"/>
           <a:lstStyle>
             <a:lvl1pPr>
-              <a:defRPr sz="2400"/>
+              <a:defRPr sz="3200"/>
             </a:lvl1pPr>
           </a:lstStyle>
           <a:p>
@@ -2736,18 +2481,13 @@
               <a:rPr lang="en-US"/>
               <a:t>Click to edit Master title style</a:t>
             </a:r>
+            <a:endParaRPr lang="en-US" dirty="0"/>
           </a:p>
         </p:txBody>
       </p:sp>
       <p:sp>
         <p:nvSpPr>
-          <p:cNvPr id="3" name="Content Placeholder 2">
-            <a:extLst>
-              <a:ext uri="{FF2B5EF4-FFF2-40B4-BE49-F238E27FC236}">
-                <a16:creationId xmlns:a16="http://schemas.microsoft.com/office/drawing/2014/main" id="{0AFF8D69-9355-455A-96F6-E33AFDAE89C1}"/>
-              </a:ext>
-            </a:extLst>
-          </p:cNvPr>
+          <p:cNvPr id="3" name="Content Placeholder 2"/>
           <p:cNvSpPr>
             <a:spLocks noGrp="1"/>
           </p:cNvSpPr>
@@ -2757,46 +2497,46 @@
         </p:nvSpPr>
         <p:spPr>
           <a:xfrm>
-            <a:off x="3887391" y="987426"/>
-            <a:ext cx="4629150" cy="4873625"/>
+            <a:off x="5183188" y="987425"/>
+            <a:ext cx="6172200" cy="4873625"/>
           </a:xfrm>
         </p:spPr>
         <p:txBody>
           <a:bodyPr/>
           <a:lstStyle>
             <a:lvl1pPr>
-              <a:defRPr sz="2400"/>
+              <a:defRPr sz="3200"/>
             </a:lvl1pPr>
             <a:lvl2pPr>
-              <a:defRPr sz="2100"/>
+              <a:defRPr sz="2800"/>
             </a:lvl2pPr>
             <a:lvl3pPr>
-              <a:defRPr sz="1800"/>
+              <a:defRPr sz="2400"/>
             </a:lvl3pPr>
             <a:lvl4pPr>
-              <a:defRPr sz="1500"/>
+              <a:defRPr sz="2000"/>
             </a:lvl4pPr>
             <a:lvl5pPr>
-              <a:defRPr sz="1500"/>
+              <a:defRPr sz="2000"/>
             </a:lvl5pPr>
             <a:lvl6pPr>
-              <a:defRPr sz="1500"/>
+              <a:defRPr sz="2000"/>
             </a:lvl6pPr>
             <a:lvl7pPr>
-              <a:defRPr sz="1500"/>
+              <a:defRPr sz="2000"/>
             </a:lvl7pPr>
             <a:lvl8pPr>
-              <a:defRPr sz="1500"/>
+              <a:defRPr sz="2000"/>
             </a:lvl8pPr>
             <a:lvl9pPr>
-              <a:defRPr sz="1500"/>
+              <a:defRPr sz="2000"/>
             </a:lvl9pPr>
           </a:lstStyle>
           <a:p>
             <a:pPr lvl="0"/>
             <a:r>
               <a:rPr lang="en-US"/>
-              <a:t>Edit Master text styles</a:t>
+              <a:t>Click to edit Master text styles</a:t>
             </a:r>
           </a:p>
           <a:p>
@@ -2826,18 +2566,13 @@
               <a:rPr lang="en-US"/>
               <a:t>Fifth level</a:t>
             </a:r>
+            <a:endParaRPr lang="en-US" dirty="0"/>
           </a:p>
         </p:txBody>
       </p:sp>
       <p:sp>
         <p:nvSpPr>
-          <p:cNvPr id="4" name="Text Placeholder 3">
-            <a:extLst>
-              <a:ext uri="{FF2B5EF4-FFF2-40B4-BE49-F238E27FC236}">
-                <a16:creationId xmlns:a16="http://schemas.microsoft.com/office/drawing/2014/main" id="{A122B9FB-7FFE-4A06-8A88-DBBEF5DDF2A5}"/>
-              </a:ext>
-            </a:extLst>
-          </p:cNvPr>
+          <p:cNvPr id="4" name="Text Placeholder 3"/>
           <p:cNvSpPr>
             <a:spLocks noGrp="1"/>
           </p:cNvSpPr>
@@ -2847,8 +2582,8 @@
         </p:nvSpPr>
         <p:spPr>
           <a:xfrm>
-            <a:off x="629841" y="2057400"/>
-            <a:ext cx="2949178" cy="3811588"/>
+            <a:off x="839788" y="2057400"/>
+            <a:ext cx="3932237" cy="3811588"/>
           </a:xfrm>
         </p:spPr>
         <p:txBody>
@@ -2856,59 +2591,53 @@
           <a:lstStyle>
             <a:lvl1pPr marL="0" indent="0">
               <a:buNone/>
+              <a:defRPr sz="1600"/>
+            </a:lvl1pPr>
+            <a:lvl2pPr marL="457200" indent="0">
+              <a:buNone/>
+              <a:defRPr sz="1400"/>
+            </a:lvl2pPr>
+            <a:lvl3pPr marL="914400" indent="0">
+              <a:buNone/>
               <a:defRPr sz="1200"/>
-            </a:lvl1pPr>
-            <a:lvl2pPr marL="342900" indent="0">
+            </a:lvl3pPr>
+            <a:lvl4pPr marL="1371600" indent="0">
               <a:buNone/>
-              <a:defRPr sz="1050"/>
-            </a:lvl2pPr>
-            <a:lvl3pPr marL="685800" indent="0">
+              <a:defRPr sz="1000"/>
+            </a:lvl4pPr>
+            <a:lvl5pPr marL="1828800" indent="0">
               <a:buNone/>
-              <a:defRPr sz="900"/>
-            </a:lvl3pPr>
-            <a:lvl4pPr marL="1028700" indent="0">
+              <a:defRPr sz="1000"/>
+            </a:lvl5pPr>
+            <a:lvl6pPr marL="2286000" indent="0">
               <a:buNone/>
-              <a:defRPr sz="750"/>
-            </a:lvl4pPr>
-            <a:lvl5pPr marL="1371600" indent="0">
+              <a:defRPr sz="1000"/>
+            </a:lvl6pPr>
+            <a:lvl7pPr marL="2743200" indent="0">
               <a:buNone/>
-              <a:defRPr sz="750"/>
-            </a:lvl5pPr>
-            <a:lvl6pPr marL="1714500" indent="0">
+              <a:defRPr sz="1000"/>
+            </a:lvl7pPr>
+            <a:lvl8pPr marL="3200400" indent="0">
               <a:buNone/>
-              <a:defRPr sz="750"/>
-            </a:lvl6pPr>
-            <a:lvl7pPr marL="2057400" indent="0">
+              <a:defRPr sz="1000"/>
+            </a:lvl8pPr>
+            <a:lvl9pPr marL="3657600" indent="0">
               <a:buNone/>
-              <a:defRPr sz="750"/>
-            </a:lvl7pPr>
-            <a:lvl8pPr marL="2400300" indent="0">
-              <a:buNone/>
-              <a:defRPr sz="750"/>
-            </a:lvl8pPr>
-            <a:lvl9pPr marL="2743200" indent="0">
-              <a:buNone/>
-              <a:defRPr sz="750"/>
+              <a:defRPr sz="1000"/>
             </a:lvl9pPr>
           </a:lstStyle>
           <a:p>
             <a:pPr lvl="0"/>
             <a:r>
               <a:rPr lang="en-US"/>
-              <a:t>Edit Master text styles</a:t>
+              <a:t>Click to edit Master text styles</a:t>
             </a:r>
           </a:p>
         </p:txBody>
       </p:sp>
       <p:sp>
         <p:nvSpPr>
-          <p:cNvPr id="5" name="Date Placeholder 4">
-            <a:extLst>
-              <a:ext uri="{FF2B5EF4-FFF2-40B4-BE49-F238E27FC236}">
-                <a16:creationId xmlns:a16="http://schemas.microsoft.com/office/drawing/2014/main" id="{E49CF1A5-7FFC-4148-8BD2-2E27F83AD17B}"/>
-              </a:ext>
-            </a:extLst>
-          </p:cNvPr>
+          <p:cNvPr id="5" name="Date Placeholder 4"/>
           <p:cNvSpPr>
             <a:spLocks noGrp="1"/>
           </p:cNvSpPr>
@@ -2923,7 +2652,7 @@
           <a:p>
             <a:fld id="{6DB206C8-F88B-4959-9CD2-3016D27660E1}" type="datetimeFigureOut">
               <a:rPr lang="en-US" smtClean="0"/>
-              <a:t>4/17/2019</a:t>
+              <a:t>9/4/2019</a:t>
             </a:fld>
             <a:endParaRPr lang="en-US"/>
           </a:p>
@@ -2931,13 +2660,7 @@
       </p:sp>
       <p:sp>
         <p:nvSpPr>
-          <p:cNvPr id="6" name="Footer Placeholder 5">
-            <a:extLst>
-              <a:ext uri="{FF2B5EF4-FFF2-40B4-BE49-F238E27FC236}">
-                <a16:creationId xmlns:a16="http://schemas.microsoft.com/office/drawing/2014/main" id="{B3552167-8D52-43CD-8F26-D4ABC5C0EA86}"/>
-              </a:ext>
-            </a:extLst>
-          </p:cNvPr>
+          <p:cNvPr id="6" name="Footer Placeholder 5"/>
           <p:cNvSpPr>
             <a:spLocks noGrp="1"/>
           </p:cNvSpPr>
@@ -2956,13 +2679,7 @@
       </p:sp>
       <p:sp>
         <p:nvSpPr>
-          <p:cNvPr id="7" name="Slide Number Placeholder 6">
-            <a:extLst>
-              <a:ext uri="{FF2B5EF4-FFF2-40B4-BE49-F238E27FC236}">
-                <a16:creationId xmlns:a16="http://schemas.microsoft.com/office/drawing/2014/main" id="{68D2CABB-69E3-451F-8DCE-9ACADBF9500D}"/>
-              </a:ext>
-            </a:extLst>
-          </p:cNvPr>
+          <p:cNvPr id="7" name="Slide Number Placeholder 6"/>
           <p:cNvSpPr>
             <a:spLocks noGrp="1"/>
           </p:cNvSpPr>
@@ -2986,7 +2703,7 @@
     </p:spTree>
     <p:extLst>
       <p:ext uri="{BB962C8B-B14F-4D97-AF65-F5344CB8AC3E}">
-        <p14:creationId xmlns:p14="http://schemas.microsoft.com/office/powerpoint/2010/main" val="4022945196"/>
+        <p14:creationId xmlns:p14="http://schemas.microsoft.com/office/powerpoint/2010/main" val="3397374388"/>
       </p:ext>
     </p:extLst>
   </p:cSld>
@@ -3015,13 +2732,7 @@
       </p:grpSpPr>
       <p:sp>
         <p:nvSpPr>
-          <p:cNvPr id="2" name="Title 1">
-            <a:extLst>
-              <a:ext uri="{FF2B5EF4-FFF2-40B4-BE49-F238E27FC236}">
-                <a16:creationId xmlns:a16="http://schemas.microsoft.com/office/drawing/2014/main" id="{56AE5C35-62FE-4083-B802-16E939F20C49}"/>
-              </a:ext>
-            </a:extLst>
-          </p:cNvPr>
+          <p:cNvPr id="2" name="Title 1"/>
           <p:cNvSpPr>
             <a:spLocks noGrp="1"/>
           </p:cNvSpPr>
@@ -3031,15 +2742,15 @@
         </p:nvSpPr>
         <p:spPr>
           <a:xfrm>
-            <a:off x="629841" y="457200"/>
-            <a:ext cx="2949178" cy="1600200"/>
+            <a:off x="839788" y="457200"/>
+            <a:ext cx="3932237" cy="1600200"/>
           </a:xfrm>
         </p:spPr>
         <p:txBody>
           <a:bodyPr anchor="b"/>
           <a:lstStyle>
             <a:lvl1pPr>
-              <a:defRPr sz="2400"/>
+              <a:defRPr sz="3200"/>
             </a:lvl1pPr>
           </a:lstStyle>
           <a:p>
@@ -3047,20 +2758,15 @@
               <a:rPr lang="en-US"/>
               <a:t>Click to edit Master title style</a:t>
             </a:r>
+            <a:endParaRPr lang="en-US" dirty="0"/>
           </a:p>
         </p:txBody>
       </p:sp>
       <p:sp>
         <p:nvSpPr>
-          <p:cNvPr id="3" name="Picture Placeholder 2">
-            <a:extLst>
-              <a:ext uri="{FF2B5EF4-FFF2-40B4-BE49-F238E27FC236}">
-                <a16:creationId xmlns:a16="http://schemas.microsoft.com/office/drawing/2014/main" id="{B39C27BF-90F4-4FAB-8BCE-24208AFA03BD}"/>
-              </a:ext>
-            </a:extLst>
-          </p:cNvPr>
+          <p:cNvPr id="3" name="Picture Placeholder 2"/>
           <p:cNvSpPr>
-            <a:spLocks noGrp="1"/>
+            <a:spLocks noGrp="1" noChangeAspect="1"/>
           </p:cNvSpPr>
           <p:nvPr>
             <p:ph type="pic" idx="1"/>
@@ -3068,64 +2774,62 @@
         </p:nvSpPr>
         <p:spPr>
           <a:xfrm>
-            <a:off x="3887391" y="987426"/>
-            <a:ext cx="4629150" cy="4873625"/>
+            <a:off x="5183188" y="987425"/>
+            <a:ext cx="6172200" cy="4873625"/>
           </a:xfrm>
         </p:spPr>
         <p:txBody>
-          <a:bodyPr/>
+          <a:bodyPr anchor="t"/>
           <a:lstStyle>
             <a:lvl1pPr marL="0" indent="0">
               <a:buNone/>
+              <a:defRPr sz="3200"/>
+            </a:lvl1pPr>
+            <a:lvl2pPr marL="457200" indent="0">
+              <a:buNone/>
+              <a:defRPr sz="2800"/>
+            </a:lvl2pPr>
+            <a:lvl3pPr marL="914400" indent="0">
+              <a:buNone/>
               <a:defRPr sz="2400"/>
-            </a:lvl1pPr>
-            <a:lvl2pPr marL="342900" indent="0">
+            </a:lvl3pPr>
+            <a:lvl4pPr marL="1371600" indent="0">
               <a:buNone/>
-              <a:defRPr sz="2100"/>
-            </a:lvl2pPr>
-            <a:lvl3pPr marL="685800" indent="0">
+              <a:defRPr sz="2000"/>
+            </a:lvl4pPr>
+            <a:lvl5pPr marL="1828800" indent="0">
               <a:buNone/>
-              <a:defRPr sz="1800"/>
-            </a:lvl3pPr>
-            <a:lvl4pPr marL="1028700" indent="0">
+              <a:defRPr sz="2000"/>
+            </a:lvl5pPr>
+            <a:lvl6pPr marL="2286000" indent="0">
               <a:buNone/>
-              <a:defRPr sz="1500"/>
-            </a:lvl4pPr>
-            <a:lvl5pPr marL="1371600" indent="0">
+              <a:defRPr sz="2000"/>
+            </a:lvl6pPr>
+            <a:lvl7pPr marL="2743200" indent="0">
               <a:buNone/>
-              <a:defRPr sz="1500"/>
-            </a:lvl5pPr>
-            <a:lvl6pPr marL="1714500" indent="0">
+              <a:defRPr sz="2000"/>
+            </a:lvl7pPr>
+            <a:lvl8pPr marL="3200400" indent="0">
               <a:buNone/>
-              <a:defRPr sz="1500"/>
-            </a:lvl6pPr>
-            <a:lvl7pPr marL="2057400" indent="0">
+              <a:defRPr sz="2000"/>
+            </a:lvl8pPr>
+            <a:lvl9pPr marL="3657600" indent="0">
               <a:buNone/>
-              <a:defRPr sz="1500"/>
-            </a:lvl7pPr>
-            <a:lvl8pPr marL="2400300" indent="0">
-              <a:buNone/>
-              <a:defRPr sz="1500"/>
-            </a:lvl8pPr>
-            <a:lvl9pPr marL="2743200" indent="0">
-              <a:buNone/>
-              <a:defRPr sz="1500"/>
+              <a:defRPr sz="2000"/>
             </a:lvl9pPr>
           </a:lstStyle>
           <a:p>
-            <a:endParaRPr lang="en-US"/>
+            <a:r>
+              <a:rPr lang="en-US"/>
+              <a:t>Click icon to add picture</a:t>
+            </a:r>
+            <a:endParaRPr lang="en-US" dirty="0"/>
           </a:p>
         </p:txBody>
       </p:sp>
       <p:sp>
         <p:nvSpPr>
-          <p:cNvPr id="4" name="Text Placeholder 3">
-            <a:extLst>
-              <a:ext uri="{FF2B5EF4-FFF2-40B4-BE49-F238E27FC236}">
-                <a16:creationId xmlns:a16="http://schemas.microsoft.com/office/drawing/2014/main" id="{3E73F161-AFAF-4D07-B914-F91CC02BA417}"/>
-              </a:ext>
-            </a:extLst>
-          </p:cNvPr>
+          <p:cNvPr id="4" name="Text Placeholder 3"/>
           <p:cNvSpPr>
             <a:spLocks noGrp="1"/>
           </p:cNvSpPr>
@@ -3135,8 +2839,8 @@
         </p:nvSpPr>
         <p:spPr>
           <a:xfrm>
-            <a:off x="629841" y="2057400"/>
-            <a:ext cx="2949178" cy="3811588"/>
+            <a:off x="839788" y="2057400"/>
+            <a:ext cx="3932237" cy="3811588"/>
           </a:xfrm>
         </p:spPr>
         <p:txBody>
@@ -3144,59 +2848,53 @@
           <a:lstStyle>
             <a:lvl1pPr marL="0" indent="0">
               <a:buNone/>
+              <a:defRPr sz="1600"/>
+            </a:lvl1pPr>
+            <a:lvl2pPr marL="457200" indent="0">
+              <a:buNone/>
+              <a:defRPr sz="1400"/>
+            </a:lvl2pPr>
+            <a:lvl3pPr marL="914400" indent="0">
+              <a:buNone/>
               <a:defRPr sz="1200"/>
-            </a:lvl1pPr>
-            <a:lvl2pPr marL="342900" indent="0">
+            </a:lvl3pPr>
+            <a:lvl4pPr marL="1371600" indent="0">
               <a:buNone/>
-              <a:defRPr sz="1050"/>
-            </a:lvl2pPr>
-            <a:lvl3pPr marL="685800" indent="0">
+              <a:defRPr sz="1000"/>
+            </a:lvl4pPr>
+            <a:lvl5pPr marL="1828800" indent="0">
               <a:buNone/>
-              <a:defRPr sz="900"/>
-            </a:lvl3pPr>
-            <a:lvl4pPr marL="1028700" indent="0">
+              <a:defRPr sz="1000"/>
+            </a:lvl5pPr>
+            <a:lvl6pPr marL="2286000" indent="0">
               <a:buNone/>
-              <a:defRPr sz="750"/>
-            </a:lvl4pPr>
-            <a:lvl5pPr marL="1371600" indent="0">
+              <a:defRPr sz="1000"/>
+            </a:lvl6pPr>
+            <a:lvl7pPr marL="2743200" indent="0">
               <a:buNone/>
-              <a:defRPr sz="750"/>
-            </a:lvl5pPr>
-            <a:lvl6pPr marL="1714500" indent="0">
+              <a:defRPr sz="1000"/>
+            </a:lvl7pPr>
+            <a:lvl8pPr marL="3200400" indent="0">
               <a:buNone/>
-              <a:defRPr sz="750"/>
-            </a:lvl6pPr>
-            <a:lvl7pPr marL="2057400" indent="0">
+              <a:defRPr sz="1000"/>
+            </a:lvl8pPr>
+            <a:lvl9pPr marL="3657600" indent="0">
               <a:buNone/>
-              <a:defRPr sz="750"/>
-            </a:lvl7pPr>
-            <a:lvl8pPr marL="2400300" indent="0">
-              <a:buNone/>
-              <a:defRPr sz="750"/>
-            </a:lvl8pPr>
-            <a:lvl9pPr marL="2743200" indent="0">
-              <a:buNone/>
-              <a:defRPr sz="750"/>
+              <a:defRPr sz="1000"/>
             </a:lvl9pPr>
           </a:lstStyle>
           <a:p>
             <a:pPr lvl="0"/>
             <a:r>
               <a:rPr lang="en-US"/>
-              <a:t>Edit Master text styles</a:t>
+              <a:t>Click to edit Master text styles</a:t>
             </a:r>
           </a:p>
         </p:txBody>
       </p:sp>
       <p:sp>
         <p:nvSpPr>
-          <p:cNvPr id="5" name="Date Placeholder 4">
-            <a:extLst>
-              <a:ext uri="{FF2B5EF4-FFF2-40B4-BE49-F238E27FC236}">
-                <a16:creationId xmlns:a16="http://schemas.microsoft.com/office/drawing/2014/main" id="{38FDEA48-7A73-446B-8F1F-C8DC33E73BF9}"/>
-              </a:ext>
-            </a:extLst>
-          </p:cNvPr>
+          <p:cNvPr id="5" name="Date Placeholder 4"/>
           <p:cNvSpPr>
             <a:spLocks noGrp="1"/>
           </p:cNvSpPr>
@@ -3211,7 +2909,7 @@
           <a:p>
             <a:fld id="{6DB206C8-F88B-4959-9CD2-3016D27660E1}" type="datetimeFigureOut">
               <a:rPr lang="en-US" smtClean="0"/>
-              <a:t>4/17/2019</a:t>
+              <a:t>9/4/2019</a:t>
             </a:fld>
             <a:endParaRPr lang="en-US"/>
           </a:p>
@@ -3219,13 +2917,7 @@
       </p:sp>
       <p:sp>
         <p:nvSpPr>
-          <p:cNvPr id="6" name="Footer Placeholder 5">
-            <a:extLst>
-              <a:ext uri="{FF2B5EF4-FFF2-40B4-BE49-F238E27FC236}">
-                <a16:creationId xmlns:a16="http://schemas.microsoft.com/office/drawing/2014/main" id="{70F58E06-E8A8-455D-B81C-8558DA26388C}"/>
-              </a:ext>
-            </a:extLst>
-          </p:cNvPr>
+          <p:cNvPr id="6" name="Footer Placeholder 5"/>
           <p:cNvSpPr>
             <a:spLocks noGrp="1"/>
           </p:cNvSpPr>
@@ -3244,13 +2936,7 @@
       </p:sp>
       <p:sp>
         <p:nvSpPr>
-          <p:cNvPr id="7" name="Slide Number Placeholder 6">
-            <a:extLst>
-              <a:ext uri="{FF2B5EF4-FFF2-40B4-BE49-F238E27FC236}">
-                <a16:creationId xmlns:a16="http://schemas.microsoft.com/office/drawing/2014/main" id="{E24641BA-5923-400D-AF2E-78856684D153}"/>
-              </a:ext>
-            </a:extLst>
-          </p:cNvPr>
+          <p:cNvPr id="7" name="Slide Number Placeholder 6"/>
           <p:cNvSpPr>
             <a:spLocks noGrp="1"/>
           </p:cNvSpPr>
@@ -3274,7 +2960,7 @@
     </p:spTree>
     <p:extLst>
       <p:ext uri="{BB962C8B-B14F-4D97-AF65-F5344CB8AC3E}">
-        <p14:creationId xmlns:p14="http://schemas.microsoft.com/office/powerpoint/2010/main" val="3199045788"/>
+        <p14:creationId xmlns:p14="http://schemas.microsoft.com/office/powerpoint/2010/main" val="8436482"/>
       </p:ext>
     </p:extLst>
   </p:cSld>
@@ -3308,13 +2994,7 @@
       </p:grpSpPr>
       <p:sp>
         <p:nvSpPr>
-          <p:cNvPr id="2" name="Title Placeholder 1">
-            <a:extLst>
-              <a:ext uri="{FF2B5EF4-FFF2-40B4-BE49-F238E27FC236}">
-                <a16:creationId xmlns:a16="http://schemas.microsoft.com/office/drawing/2014/main" id="{C61FEFF9-5A09-4BFF-85AE-C297D66937FE}"/>
-              </a:ext>
-            </a:extLst>
-          </p:cNvPr>
+          <p:cNvPr id="2" name="Title Placeholder 1"/>
           <p:cNvSpPr>
             <a:spLocks noGrp="1"/>
           </p:cNvSpPr>
@@ -3324,8 +3004,8 @@
         </p:nvSpPr>
         <p:spPr>
           <a:xfrm>
-            <a:off x="628650" y="365126"/>
-            <a:ext cx="7886700" cy="1325563"/>
+            <a:off x="838200" y="365125"/>
+            <a:ext cx="10515600" cy="1325563"/>
           </a:xfrm>
           <a:prstGeom prst="rect">
             <a:avLst/>
@@ -3341,18 +3021,13 @@
               <a:rPr lang="en-US"/>
               <a:t>Click to edit Master title style</a:t>
             </a:r>
+            <a:endParaRPr lang="en-US" dirty="0"/>
           </a:p>
         </p:txBody>
       </p:sp>
       <p:sp>
         <p:nvSpPr>
-          <p:cNvPr id="3" name="Text Placeholder 2">
-            <a:extLst>
-              <a:ext uri="{FF2B5EF4-FFF2-40B4-BE49-F238E27FC236}">
-                <a16:creationId xmlns:a16="http://schemas.microsoft.com/office/drawing/2014/main" id="{38AF24C5-A988-49E0-B17B-46F3BADB24AD}"/>
-              </a:ext>
-            </a:extLst>
-          </p:cNvPr>
+          <p:cNvPr id="3" name="Text Placeholder 2"/>
           <p:cNvSpPr>
             <a:spLocks noGrp="1"/>
           </p:cNvSpPr>
@@ -3362,8 +3037,8 @@
         </p:nvSpPr>
         <p:spPr>
           <a:xfrm>
-            <a:off x="628650" y="1825625"/>
-            <a:ext cx="7886700" cy="4351338"/>
+            <a:off x="838200" y="1825625"/>
+            <a:ext cx="10515600" cy="4351338"/>
           </a:xfrm>
           <a:prstGeom prst="rect">
             <a:avLst/>
@@ -3378,7 +3053,7 @@
             <a:pPr lvl="0"/>
             <a:r>
               <a:rPr lang="en-US"/>
-              <a:t>Edit Master text styles</a:t>
+              <a:t>Click to edit Master text styles</a:t>
             </a:r>
           </a:p>
           <a:p>
@@ -3408,18 +3083,13 @@
               <a:rPr lang="en-US"/>
               <a:t>Fifth level</a:t>
             </a:r>
+            <a:endParaRPr lang="en-US" dirty="0"/>
           </a:p>
         </p:txBody>
       </p:sp>
       <p:sp>
         <p:nvSpPr>
-          <p:cNvPr id="4" name="Date Placeholder 3">
-            <a:extLst>
-              <a:ext uri="{FF2B5EF4-FFF2-40B4-BE49-F238E27FC236}">
-                <a16:creationId xmlns:a16="http://schemas.microsoft.com/office/drawing/2014/main" id="{74C52917-92C9-4BC6-899D-B1555B947D26}"/>
-              </a:ext>
-            </a:extLst>
-          </p:cNvPr>
+          <p:cNvPr id="4" name="Date Placeholder 3"/>
           <p:cNvSpPr>
             <a:spLocks noGrp="1"/>
           </p:cNvSpPr>
@@ -3429,8 +3099,8 @@
         </p:nvSpPr>
         <p:spPr>
           <a:xfrm>
-            <a:off x="628650" y="6356351"/>
-            <a:ext cx="2057400" cy="365125"/>
+            <a:off x="838200" y="6356350"/>
+            <a:ext cx="2743200" cy="365125"/>
           </a:xfrm>
           <a:prstGeom prst="rect">
             <a:avLst/>
@@ -3440,7 +3110,7 @@
           <a:bodyPr vert="horz" lIns="91440" tIns="45720" rIns="91440" bIns="45720" rtlCol="0" anchor="ctr"/>
           <a:lstStyle>
             <a:lvl1pPr algn="l">
-              <a:defRPr sz="900">
+              <a:defRPr sz="1200">
                 <a:solidFill>
                   <a:schemeClr val="tx1">
                     <a:tint val="75000"/>
@@ -3452,7 +3122,7 @@
           <a:p>
             <a:fld id="{6DB206C8-F88B-4959-9CD2-3016D27660E1}" type="datetimeFigureOut">
               <a:rPr lang="en-US" smtClean="0"/>
-              <a:t>4/17/2019</a:t>
+              <a:t>9/4/2019</a:t>
             </a:fld>
             <a:endParaRPr lang="en-US"/>
           </a:p>
@@ -3460,13 +3130,7 @@
       </p:sp>
       <p:sp>
         <p:nvSpPr>
-          <p:cNvPr id="5" name="Footer Placeholder 4">
-            <a:extLst>
-              <a:ext uri="{FF2B5EF4-FFF2-40B4-BE49-F238E27FC236}">
-                <a16:creationId xmlns:a16="http://schemas.microsoft.com/office/drawing/2014/main" id="{5CFE555E-5926-4647-939D-64591C757CA5}"/>
-              </a:ext>
-            </a:extLst>
-          </p:cNvPr>
+          <p:cNvPr id="5" name="Footer Placeholder 4"/>
           <p:cNvSpPr>
             <a:spLocks noGrp="1"/>
           </p:cNvSpPr>
@@ -3476,8 +3140,8 @@
         </p:nvSpPr>
         <p:spPr>
           <a:xfrm>
-            <a:off x="3028950" y="6356351"/>
-            <a:ext cx="3086100" cy="365125"/>
+            <a:off x="4038600" y="6356350"/>
+            <a:ext cx="4114800" cy="365125"/>
           </a:xfrm>
           <a:prstGeom prst="rect">
             <a:avLst/>
@@ -3487,7 +3151,7 @@
           <a:bodyPr vert="horz" lIns="91440" tIns="45720" rIns="91440" bIns="45720" rtlCol="0" anchor="ctr"/>
           <a:lstStyle>
             <a:lvl1pPr algn="ctr">
-              <a:defRPr sz="900">
+              <a:defRPr sz="1200">
                 <a:solidFill>
                   <a:schemeClr val="tx1">
                     <a:tint val="75000"/>
@@ -3503,13 +3167,7 @@
       </p:sp>
       <p:sp>
         <p:nvSpPr>
-          <p:cNvPr id="6" name="Slide Number Placeholder 5">
-            <a:extLst>
-              <a:ext uri="{FF2B5EF4-FFF2-40B4-BE49-F238E27FC236}">
-                <a16:creationId xmlns:a16="http://schemas.microsoft.com/office/drawing/2014/main" id="{3D8CA1B8-5CDB-4A35-888C-E5801AA69143}"/>
-              </a:ext>
-            </a:extLst>
-          </p:cNvPr>
+          <p:cNvPr id="6" name="Slide Number Placeholder 5"/>
           <p:cNvSpPr>
             <a:spLocks noGrp="1"/>
           </p:cNvSpPr>
@@ -3519,8 +3177,8 @@
         </p:nvSpPr>
         <p:spPr>
           <a:xfrm>
-            <a:off x="6457950" y="6356351"/>
-            <a:ext cx="2057400" cy="365125"/>
+            <a:off x="8610600" y="6356350"/>
+            <a:ext cx="2743200" cy="365125"/>
           </a:xfrm>
           <a:prstGeom prst="rect">
             <a:avLst/>
@@ -3530,7 +3188,7 @@
           <a:bodyPr vert="horz" lIns="91440" tIns="45720" rIns="91440" bIns="45720" rtlCol="0" anchor="ctr"/>
           <a:lstStyle>
             <a:lvl1pPr algn="r">
-              <a:defRPr sz="900">
+              <a:defRPr sz="1200">
                 <a:solidFill>
                   <a:schemeClr val="tx1">
                     <a:tint val="75000"/>
@@ -3551,27 +3209,27 @@
     </p:spTree>
     <p:extLst>
       <p:ext uri="{BB962C8B-B14F-4D97-AF65-F5344CB8AC3E}">
-        <p14:creationId xmlns:p14="http://schemas.microsoft.com/office/powerpoint/2010/main" val="278502464"/>
+        <p14:creationId xmlns:p14="http://schemas.microsoft.com/office/powerpoint/2010/main" val="442417974"/>
       </p:ext>
     </p:extLst>
   </p:cSld>
   <p:clrMap bg1="lt1" tx1="dk1" bg2="lt2" tx2="dk2" accent1="accent1" accent2="accent2" accent3="accent3" accent4="accent4" accent5="accent5" accent6="accent6" hlink="hlink" folHlink="folHlink"/>
   <p:sldLayoutIdLst>
-    <p:sldLayoutId id="2147483673" r:id="rId1"/>
-    <p:sldLayoutId id="2147483674" r:id="rId2"/>
-    <p:sldLayoutId id="2147483675" r:id="rId3"/>
-    <p:sldLayoutId id="2147483676" r:id="rId4"/>
-    <p:sldLayoutId id="2147483677" r:id="rId5"/>
-    <p:sldLayoutId id="2147483678" r:id="rId6"/>
-    <p:sldLayoutId id="2147483679" r:id="rId7"/>
-    <p:sldLayoutId id="2147483680" r:id="rId8"/>
-    <p:sldLayoutId id="2147483681" r:id="rId9"/>
-    <p:sldLayoutId id="2147483682" r:id="rId10"/>
-    <p:sldLayoutId id="2147483683" r:id="rId11"/>
+    <p:sldLayoutId id="2147483685" r:id="rId1"/>
+    <p:sldLayoutId id="2147483686" r:id="rId2"/>
+    <p:sldLayoutId id="2147483687" r:id="rId3"/>
+    <p:sldLayoutId id="2147483688" r:id="rId4"/>
+    <p:sldLayoutId id="2147483689" r:id="rId5"/>
+    <p:sldLayoutId id="2147483690" r:id="rId6"/>
+    <p:sldLayoutId id="2147483691" r:id="rId7"/>
+    <p:sldLayoutId id="2147483692" r:id="rId8"/>
+    <p:sldLayoutId id="2147483693" r:id="rId9"/>
+    <p:sldLayoutId id="2147483694" r:id="rId10"/>
+    <p:sldLayoutId id="2147483695" r:id="rId11"/>
   </p:sldLayoutIdLst>
   <p:txStyles>
     <p:titleStyle>
-      <a:lvl1pPr algn="l" defTabSz="685800" rtl="0" eaLnBrk="1" latinLnBrk="0" hangingPunct="1">
+      <a:lvl1pPr algn="l" defTabSz="914400" rtl="0" eaLnBrk="1" latinLnBrk="0" hangingPunct="1">
         <a:lnSpc>
           <a:spcPct val="90000"/>
         </a:lnSpc>
@@ -3579,7 +3237,7 @@
           <a:spcPct val="0"/>
         </a:spcBef>
         <a:buNone/>
-        <a:defRPr sz="3300" kern="1200">
+        <a:defRPr sz="4400" kern="1200">
           <a:solidFill>
             <a:schemeClr val="tx1"/>
           </a:solidFill>
@@ -3590,16 +3248,16 @@
       </a:lvl1pPr>
     </p:titleStyle>
     <p:bodyStyle>
-      <a:lvl1pPr marL="171450" indent="-171450" algn="l" defTabSz="685800" rtl="0" eaLnBrk="1" latinLnBrk="0" hangingPunct="1">
+      <a:lvl1pPr marL="228600" indent="-228600" algn="l" defTabSz="914400" rtl="0" eaLnBrk="1" latinLnBrk="0" hangingPunct="1">
         <a:lnSpc>
           <a:spcPct val="90000"/>
         </a:lnSpc>
         <a:spcBef>
-          <a:spcPts val="750"/>
+          <a:spcPts val="1000"/>
         </a:spcBef>
         <a:buFont typeface="Arial" panose="020B0604020202020204" pitchFamily="34" charset="0"/>
         <a:buChar char="•"/>
-        <a:defRPr sz="2100" kern="1200">
+        <a:defRPr sz="2800" kern="1200">
           <a:solidFill>
             <a:schemeClr val="tx1"/>
           </a:solidFill>
@@ -3608,12 +3266,48 @@
           <a:cs typeface="+mn-cs"/>
         </a:defRPr>
       </a:lvl1pPr>
-      <a:lvl2pPr marL="514350" indent="-171450" algn="l" defTabSz="685800" rtl="0" eaLnBrk="1" latinLnBrk="0" hangingPunct="1">
+      <a:lvl2pPr marL="685800" indent="-228600" algn="l" defTabSz="914400" rtl="0" eaLnBrk="1" latinLnBrk="0" hangingPunct="1">
         <a:lnSpc>
           <a:spcPct val="90000"/>
         </a:lnSpc>
         <a:spcBef>
-          <a:spcPts val="375"/>
+          <a:spcPts val="500"/>
+        </a:spcBef>
+        <a:buFont typeface="Arial" panose="020B0604020202020204" pitchFamily="34" charset="0"/>
+        <a:buChar char="•"/>
+        <a:defRPr sz="2400" kern="1200">
+          <a:solidFill>
+            <a:schemeClr val="tx1"/>
+          </a:solidFill>
+          <a:latin typeface="+mn-lt"/>
+          <a:ea typeface="+mn-ea"/>
+          <a:cs typeface="+mn-cs"/>
+        </a:defRPr>
+      </a:lvl2pPr>
+      <a:lvl3pPr marL="1143000" indent="-228600" algn="l" defTabSz="914400" rtl="0" eaLnBrk="1" latinLnBrk="0" hangingPunct="1">
+        <a:lnSpc>
+          <a:spcPct val="90000"/>
+        </a:lnSpc>
+        <a:spcBef>
+          <a:spcPts val="500"/>
+        </a:spcBef>
+        <a:buFont typeface="Arial" panose="020B0604020202020204" pitchFamily="34" charset="0"/>
+        <a:buChar char="•"/>
+        <a:defRPr sz="2000" kern="1200">
+          <a:solidFill>
+            <a:schemeClr val="tx1"/>
+          </a:solidFill>
+          <a:latin typeface="+mn-lt"/>
+          <a:ea typeface="+mn-ea"/>
+          <a:cs typeface="+mn-cs"/>
+        </a:defRPr>
+      </a:lvl3pPr>
+      <a:lvl4pPr marL="1600200" indent="-228600" algn="l" defTabSz="914400" rtl="0" eaLnBrk="1" latinLnBrk="0" hangingPunct="1">
+        <a:lnSpc>
+          <a:spcPct val="90000"/>
+        </a:lnSpc>
+        <a:spcBef>
+          <a:spcPts val="500"/>
         </a:spcBef>
         <a:buFont typeface="Arial" panose="020B0604020202020204" pitchFamily="34" charset="0"/>
         <a:buChar char="•"/>
@@ -3625,53 +3319,17 @@
           <a:ea typeface="+mn-ea"/>
           <a:cs typeface="+mn-cs"/>
         </a:defRPr>
-      </a:lvl2pPr>
-      <a:lvl3pPr marL="857250" indent="-171450" algn="l" defTabSz="685800" rtl="0" eaLnBrk="1" latinLnBrk="0" hangingPunct="1">
+      </a:lvl4pPr>
+      <a:lvl5pPr marL="2057400" indent="-228600" algn="l" defTabSz="914400" rtl="0" eaLnBrk="1" latinLnBrk="0" hangingPunct="1">
         <a:lnSpc>
           <a:spcPct val="90000"/>
         </a:lnSpc>
         <a:spcBef>
-          <a:spcPts val="375"/>
+          <a:spcPts val="500"/>
         </a:spcBef>
         <a:buFont typeface="Arial" panose="020B0604020202020204" pitchFamily="34" charset="0"/>
         <a:buChar char="•"/>
-        <a:defRPr sz="1500" kern="1200">
-          <a:solidFill>
-            <a:schemeClr val="tx1"/>
-          </a:solidFill>
-          <a:latin typeface="+mn-lt"/>
-          <a:ea typeface="+mn-ea"/>
-          <a:cs typeface="+mn-cs"/>
-        </a:defRPr>
-      </a:lvl3pPr>
-      <a:lvl4pPr marL="1200150" indent="-171450" algn="l" defTabSz="685800" rtl="0" eaLnBrk="1" latinLnBrk="0" hangingPunct="1">
-        <a:lnSpc>
-          <a:spcPct val="90000"/>
-        </a:lnSpc>
-        <a:spcBef>
-          <a:spcPts val="375"/>
-        </a:spcBef>
-        <a:buFont typeface="Arial" panose="020B0604020202020204" pitchFamily="34" charset="0"/>
-        <a:buChar char="•"/>
-        <a:defRPr sz="1350" kern="1200">
-          <a:solidFill>
-            <a:schemeClr val="tx1"/>
-          </a:solidFill>
-          <a:latin typeface="+mn-lt"/>
-          <a:ea typeface="+mn-ea"/>
-          <a:cs typeface="+mn-cs"/>
-        </a:defRPr>
-      </a:lvl4pPr>
-      <a:lvl5pPr marL="1543050" indent="-171450" algn="l" defTabSz="685800" rtl="0" eaLnBrk="1" latinLnBrk="0" hangingPunct="1">
-        <a:lnSpc>
-          <a:spcPct val="90000"/>
-        </a:lnSpc>
-        <a:spcBef>
-          <a:spcPts val="375"/>
-        </a:spcBef>
-        <a:buFont typeface="Arial" panose="020B0604020202020204" pitchFamily="34" charset="0"/>
-        <a:buChar char="•"/>
-        <a:defRPr sz="1350" kern="1200">
+        <a:defRPr sz="1800" kern="1200">
           <a:solidFill>
             <a:schemeClr val="tx1"/>
           </a:solidFill>
@@ -3680,16 +3338,16 @@
           <a:cs typeface="+mn-cs"/>
         </a:defRPr>
       </a:lvl5pPr>
-      <a:lvl6pPr marL="1885950" indent="-171450" algn="l" defTabSz="685800" rtl="0" eaLnBrk="1" latinLnBrk="0" hangingPunct="1">
+      <a:lvl6pPr marL="2514600" indent="-228600" algn="l" defTabSz="914400" rtl="0" eaLnBrk="1" latinLnBrk="0" hangingPunct="1">
         <a:lnSpc>
           <a:spcPct val="90000"/>
         </a:lnSpc>
         <a:spcBef>
-          <a:spcPts val="375"/>
+          <a:spcPts val="500"/>
         </a:spcBef>
         <a:buFont typeface="Arial" panose="020B0604020202020204" pitchFamily="34" charset="0"/>
         <a:buChar char="•"/>
-        <a:defRPr sz="1350" kern="1200">
+        <a:defRPr sz="1800" kern="1200">
           <a:solidFill>
             <a:schemeClr val="tx1"/>
           </a:solidFill>
@@ -3698,16 +3356,16 @@
           <a:cs typeface="+mn-cs"/>
         </a:defRPr>
       </a:lvl6pPr>
-      <a:lvl7pPr marL="2228850" indent="-171450" algn="l" defTabSz="685800" rtl="0" eaLnBrk="1" latinLnBrk="0" hangingPunct="1">
+      <a:lvl7pPr marL="2971800" indent="-228600" algn="l" defTabSz="914400" rtl="0" eaLnBrk="1" latinLnBrk="0" hangingPunct="1">
         <a:lnSpc>
           <a:spcPct val="90000"/>
         </a:lnSpc>
         <a:spcBef>
-          <a:spcPts val="375"/>
+          <a:spcPts val="500"/>
         </a:spcBef>
         <a:buFont typeface="Arial" panose="020B0604020202020204" pitchFamily="34" charset="0"/>
         <a:buChar char="•"/>
-        <a:defRPr sz="1350" kern="1200">
+        <a:defRPr sz="1800" kern="1200">
           <a:solidFill>
             <a:schemeClr val="tx1"/>
           </a:solidFill>
@@ -3716,16 +3374,16 @@
           <a:cs typeface="+mn-cs"/>
         </a:defRPr>
       </a:lvl7pPr>
-      <a:lvl8pPr marL="2571750" indent="-171450" algn="l" defTabSz="685800" rtl="0" eaLnBrk="1" latinLnBrk="0" hangingPunct="1">
+      <a:lvl8pPr marL="3429000" indent="-228600" algn="l" defTabSz="914400" rtl="0" eaLnBrk="1" latinLnBrk="0" hangingPunct="1">
         <a:lnSpc>
           <a:spcPct val="90000"/>
         </a:lnSpc>
         <a:spcBef>
-          <a:spcPts val="375"/>
+          <a:spcPts val="500"/>
         </a:spcBef>
         <a:buFont typeface="Arial" panose="020B0604020202020204" pitchFamily="34" charset="0"/>
         <a:buChar char="•"/>
-        <a:defRPr sz="1350" kern="1200">
+        <a:defRPr sz="1800" kern="1200">
           <a:solidFill>
             <a:schemeClr val="tx1"/>
           </a:solidFill>
@@ -3734,16 +3392,16 @@
           <a:cs typeface="+mn-cs"/>
         </a:defRPr>
       </a:lvl8pPr>
-      <a:lvl9pPr marL="2914650" indent="-171450" algn="l" defTabSz="685800" rtl="0" eaLnBrk="1" latinLnBrk="0" hangingPunct="1">
+      <a:lvl9pPr marL="3886200" indent="-228600" algn="l" defTabSz="914400" rtl="0" eaLnBrk="1" latinLnBrk="0" hangingPunct="1">
         <a:lnSpc>
           <a:spcPct val="90000"/>
         </a:lnSpc>
         <a:spcBef>
-          <a:spcPts val="375"/>
+          <a:spcPts val="500"/>
         </a:spcBef>
         <a:buFont typeface="Arial" panose="020B0604020202020204" pitchFamily="34" charset="0"/>
         <a:buChar char="•"/>
-        <a:defRPr sz="1350" kern="1200">
+        <a:defRPr sz="1800" kern="1200">
           <a:solidFill>
             <a:schemeClr val="tx1"/>
           </a:solidFill>
@@ -3757,8 +3415,8 @@
       <a:defPPr>
         <a:defRPr lang="en-US"/>
       </a:defPPr>
-      <a:lvl1pPr marL="0" algn="l" defTabSz="685800" rtl="0" eaLnBrk="1" latinLnBrk="0" hangingPunct="1">
-        <a:defRPr sz="1350" kern="1200">
+      <a:lvl1pPr marL="0" algn="l" defTabSz="914400" rtl="0" eaLnBrk="1" latinLnBrk="0" hangingPunct="1">
+        <a:defRPr sz="1800" kern="1200">
           <a:solidFill>
             <a:schemeClr val="tx1"/>
           </a:solidFill>
@@ -3767,8 +3425,8 @@
           <a:cs typeface="+mn-cs"/>
         </a:defRPr>
       </a:lvl1pPr>
-      <a:lvl2pPr marL="342900" algn="l" defTabSz="685800" rtl="0" eaLnBrk="1" latinLnBrk="0" hangingPunct="1">
-        <a:defRPr sz="1350" kern="1200">
+      <a:lvl2pPr marL="457200" algn="l" defTabSz="914400" rtl="0" eaLnBrk="1" latinLnBrk="0" hangingPunct="1">
+        <a:defRPr sz="1800" kern="1200">
           <a:solidFill>
             <a:schemeClr val="tx1"/>
           </a:solidFill>
@@ -3777,8 +3435,8 @@
           <a:cs typeface="+mn-cs"/>
         </a:defRPr>
       </a:lvl2pPr>
-      <a:lvl3pPr marL="685800" algn="l" defTabSz="685800" rtl="0" eaLnBrk="1" latinLnBrk="0" hangingPunct="1">
-        <a:defRPr sz="1350" kern="1200">
+      <a:lvl3pPr marL="914400" algn="l" defTabSz="914400" rtl="0" eaLnBrk="1" latinLnBrk="0" hangingPunct="1">
+        <a:defRPr sz="1800" kern="1200">
           <a:solidFill>
             <a:schemeClr val="tx1"/>
           </a:solidFill>
@@ -3787,8 +3445,8 @@
           <a:cs typeface="+mn-cs"/>
         </a:defRPr>
       </a:lvl3pPr>
-      <a:lvl4pPr marL="1028700" algn="l" defTabSz="685800" rtl="0" eaLnBrk="1" latinLnBrk="0" hangingPunct="1">
-        <a:defRPr sz="1350" kern="1200">
+      <a:lvl4pPr marL="1371600" algn="l" defTabSz="914400" rtl="0" eaLnBrk="1" latinLnBrk="0" hangingPunct="1">
+        <a:defRPr sz="1800" kern="1200">
           <a:solidFill>
             <a:schemeClr val="tx1"/>
           </a:solidFill>
@@ -3797,8 +3455,8 @@
           <a:cs typeface="+mn-cs"/>
         </a:defRPr>
       </a:lvl4pPr>
-      <a:lvl5pPr marL="1371600" algn="l" defTabSz="685800" rtl="0" eaLnBrk="1" latinLnBrk="0" hangingPunct="1">
-        <a:defRPr sz="1350" kern="1200">
+      <a:lvl5pPr marL="1828800" algn="l" defTabSz="914400" rtl="0" eaLnBrk="1" latinLnBrk="0" hangingPunct="1">
+        <a:defRPr sz="1800" kern="1200">
           <a:solidFill>
             <a:schemeClr val="tx1"/>
           </a:solidFill>
@@ -3807,8 +3465,8 @@
           <a:cs typeface="+mn-cs"/>
         </a:defRPr>
       </a:lvl5pPr>
-      <a:lvl6pPr marL="1714500" algn="l" defTabSz="685800" rtl="0" eaLnBrk="1" latinLnBrk="0" hangingPunct="1">
-        <a:defRPr sz="1350" kern="1200">
+      <a:lvl6pPr marL="2286000" algn="l" defTabSz="914400" rtl="0" eaLnBrk="1" latinLnBrk="0" hangingPunct="1">
+        <a:defRPr sz="1800" kern="1200">
           <a:solidFill>
             <a:schemeClr val="tx1"/>
           </a:solidFill>
@@ -3817,8 +3475,8 @@
           <a:cs typeface="+mn-cs"/>
         </a:defRPr>
       </a:lvl6pPr>
-      <a:lvl7pPr marL="2057400" algn="l" defTabSz="685800" rtl="0" eaLnBrk="1" latinLnBrk="0" hangingPunct="1">
-        <a:defRPr sz="1350" kern="1200">
+      <a:lvl7pPr marL="2743200" algn="l" defTabSz="914400" rtl="0" eaLnBrk="1" latinLnBrk="0" hangingPunct="1">
+        <a:defRPr sz="1800" kern="1200">
           <a:solidFill>
             <a:schemeClr val="tx1"/>
           </a:solidFill>
@@ -3827,8 +3485,8 @@
           <a:cs typeface="+mn-cs"/>
         </a:defRPr>
       </a:lvl7pPr>
-      <a:lvl8pPr marL="2400300" algn="l" defTabSz="685800" rtl="0" eaLnBrk="1" latinLnBrk="0" hangingPunct="1">
-        <a:defRPr sz="1350" kern="1200">
+      <a:lvl8pPr marL="3200400" algn="l" defTabSz="914400" rtl="0" eaLnBrk="1" latinLnBrk="0" hangingPunct="1">
+        <a:defRPr sz="1800" kern="1200">
           <a:solidFill>
             <a:schemeClr val="tx1"/>
           </a:solidFill>
@@ -3837,8 +3495,8 @@
           <a:cs typeface="+mn-cs"/>
         </a:defRPr>
       </a:lvl8pPr>
-      <a:lvl9pPr marL="2743200" algn="l" defTabSz="685800" rtl="0" eaLnBrk="1" latinLnBrk="0" hangingPunct="1">
-        <a:defRPr sz="1350" kern="1200">
+      <a:lvl9pPr marL="3657600" algn="l" defTabSz="914400" rtl="0" eaLnBrk="1" latinLnBrk="0" hangingPunct="1">
+        <a:defRPr sz="1800" kern="1200">
           <a:solidFill>
             <a:schemeClr val="tx1"/>
           </a:solidFill>
@@ -3951,7 +3609,7 @@
         </p:nvSpPr>
         <p:spPr>
           <a:xfrm>
-            <a:off x="217714" y="554629"/>
+            <a:off x="1741714" y="554630"/>
             <a:ext cx="8828154" cy="6124403"/>
           </a:xfrm>
           <a:prstGeom prst="rect">
@@ -4003,7 +3661,7 @@
         </p:blipFill>
         <p:spPr>
           <a:xfrm>
-            <a:off x="8279201" y="605113"/>
+            <a:off x="9803201" y="605113"/>
             <a:ext cx="728550" cy="728550"/>
           </a:xfrm>
           <a:prstGeom prst="rect">
@@ -4025,7 +3683,7 @@
         </p:nvSpPr>
         <p:spPr>
           <a:xfrm>
-            <a:off x="5099395" y="6278177"/>
+            <a:off x="6623395" y="6278178"/>
             <a:ext cx="5582762" cy="276999"/>
           </a:xfrm>
           <a:prstGeom prst="rect">
@@ -4060,7 +3718,7 @@
         </p:nvGrpSpPr>
         <p:grpSpPr>
           <a:xfrm>
-            <a:off x="1067472" y="109631"/>
+            <a:off x="2591473" y="109631"/>
             <a:ext cx="1068151" cy="1118650"/>
             <a:chOff x="787631" y="188655"/>
             <a:chExt cx="1068151" cy="1118650"/>
@@ -4199,7 +3857,7 @@
         </p:nvGrpSpPr>
         <p:grpSpPr>
           <a:xfrm>
-            <a:off x="3983582" y="101153"/>
+            <a:off x="5507583" y="101153"/>
             <a:ext cx="1068151" cy="919700"/>
             <a:chOff x="2818049" y="184199"/>
             <a:chExt cx="1068151" cy="919700"/>
@@ -4322,7 +3980,7 @@
         </p:nvGrpSpPr>
         <p:grpSpPr>
           <a:xfrm>
-            <a:off x="6688920" y="70680"/>
+            <a:off x="8212921" y="70681"/>
             <a:ext cx="1068151" cy="1278533"/>
             <a:chOff x="6573338" y="71437"/>
             <a:chExt cx="1068151" cy="1278533"/>
@@ -4584,7 +4242,7 @@
         </p:nvGrpSpPr>
         <p:grpSpPr>
           <a:xfrm>
-            <a:off x="914400" y="3106110"/>
+            <a:off x="2438401" y="3106110"/>
             <a:ext cx="1191097" cy="2867842"/>
             <a:chOff x="914400" y="3106110"/>
             <a:chExt cx="1191097" cy="2867842"/>
@@ -5256,7 +4914,7 @@
         </p:nvGrpSpPr>
         <p:grpSpPr>
           <a:xfrm>
-            <a:off x="5451384" y="3100764"/>
+            <a:off x="6975385" y="3100764"/>
             <a:ext cx="1191097" cy="2882912"/>
             <a:chOff x="5451384" y="3100764"/>
             <a:chExt cx="1191097" cy="2882912"/>
@@ -5949,7 +5607,7 @@
         </p:nvGrpSpPr>
         <p:grpSpPr>
           <a:xfrm>
-            <a:off x="3941646" y="3100764"/>
+            <a:off x="5465647" y="3100764"/>
             <a:ext cx="1191097" cy="2882912"/>
             <a:chOff x="3941646" y="3100764"/>
             <a:chExt cx="1191097" cy="2882912"/>
@@ -6585,7 +6243,7 @@
         </p:nvGrpSpPr>
         <p:grpSpPr>
           <a:xfrm>
-            <a:off x="2428395" y="3091038"/>
+            <a:off x="3952396" y="3091038"/>
             <a:ext cx="1191097" cy="2892638"/>
             <a:chOff x="2428395" y="3091038"/>
             <a:chExt cx="1191097" cy="2892638"/>
@@ -7200,7 +6858,7 @@
         </p:nvGrpSpPr>
         <p:grpSpPr>
           <a:xfrm>
-            <a:off x="3249742" y="1281195"/>
+            <a:off x="4773742" y="1281196"/>
             <a:ext cx="2503714" cy="1538205"/>
             <a:chOff x="3249742" y="1281195"/>
             <a:chExt cx="2503714" cy="1538205"/>
@@ -7794,7 +7452,7 @@
         </p:nvGrpSpPr>
         <p:grpSpPr>
           <a:xfrm>
-            <a:off x="6942518" y="3091039"/>
+            <a:off x="8466519" y="3091039"/>
             <a:ext cx="1191097" cy="2882912"/>
             <a:chOff x="6942518" y="3091039"/>
             <a:chExt cx="1191097" cy="2882912"/>
@@ -8411,7 +8069,7 @@
         </p:nvCxnSpPr>
         <p:spPr>
           <a:xfrm flipV="1">
-            <a:off x="2020681" y="707254"/>
+            <a:off x="3544682" y="707255"/>
             <a:ext cx="2026711" cy="52139"/>
           </a:xfrm>
           <a:prstGeom prst="curvedConnector3">
@@ -8457,7 +8115,7 @@
         </p:nvCxnSpPr>
         <p:spPr>
           <a:xfrm rot="16200000" flipH="1">
-            <a:off x="3943988" y="1594917"/>
+            <a:off x="5467989" y="1594918"/>
             <a:ext cx="1487629" cy="372407"/>
           </a:xfrm>
           <a:prstGeom prst="curvedConnector2">
@@ -8502,7 +8160,7 @@
         </p:nvCxnSpPr>
         <p:spPr>
           <a:xfrm flipV="1">
-            <a:off x="5402164" y="1103254"/>
+            <a:off x="6926164" y="1103254"/>
             <a:ext cx="1557940" cy="1421682"/>
           </a:xfrm>
           <a:prstGeom prst="bentConnector3">
@@ -8549,7 +8207,7 @@
         </p:nvCxnSpPr>
         <p:spPr>
           <a:xfrm>
-            <a:off x="7488262" y="1103254"/>
+            <a:off x="9012263" y="1103254"/>
             <a:ext cx="323393" cy="3174524"/>
           </a:xfrm>
           <a:prstGeom prst="bentConnector3">
@@ -8595,7 +8253,7 @@
         </p:nvCxnSpPr>
         <p:spPr>
           <a:xfrm flipV="1">
-            <a:off x="6270372" y="1164595"/>
+            <a:off x="7794373" y="1164595"/>
             <a:ext cx="1066613" cy="3168472"/>
           </a:xfrm>
           <a:prstGeom prst="straightConnector1">
@@ -8640,7 +8298,7 @@
         </p:nvCxnSpPr>
         <p:spPr>
           <a:xfrm flipV="1">
-            <a:off x="4787349" y="1154932"/>
+            <a:off x="6311349" y="1154932"/>
             <a:ext cx="2436834" cy="3159210"/>
           </a:xfrm>
           <a:prstGeom prst="straightConnector1">
@@ -8683,7 +8341,7 @@
         </p:nvCxnSpPr>
         <p:spPr>
           <a:xfrm flipV="1">
-            <a:off x="3299630" y="1167018"/>
+            <a:off x="4823630" y="1167018"/>
             <a:ext cx="3659286" cy="3212148"/>
           </a:xfrm>
           <a:prstGeom prst="straightConnector1">
@@ -8728,7 +8386,7 @@
         </p:nvCxnSpPr>
         <p:spPr>
           <a:xfrm rot="10800000" flipH="1">
-            <a:off x="1268684" y="1103254"/>
+            <a:off x="2792684" y="1103254"/>
             <a:ext cx="5691420" cy="3261522"/>
           </a:xfrm>
           <a:prstGeom prst="bentConnector3">
@@ -8775,7 +8433,7 @@
         </p:nvCxnSpPr>
         <p:spPr>
           <a:xfrm flipV="1">
-            <a:off x="4062546" y="2524936"/>
+            <a:off x="5586546" y="2524937"/>
             <a:ext cx="811460" cy="517"/>
           </a:xfrm>
           <a:prstGeom prst="curvedConnector3">
@@ -8822,7 +8480,7 @@
         </p:nvCxnSpPr>
         <p:spPr>
           <a:xfrm rot="10800000">
-            <a:off x="1268684" y="4364777"/>
+            <a:off x="2792684" y="4364778"/>
             <a:ext cx="12788" cy="1315881"/>
           </a:xfrm>
           <a:prstGeom prst="curvedConnector3">
@@ -8869,7 +8527,7 @@
         </p:nvCxnSpPr>
         <p:spPr>
           <a:xfrm rot="10800000">
-            <a:off x="2769421" y="4352628"/>
+            <a:off x="4293422" y="4352629"/>
             <a:ext cx="20035" cy="1313289"/>
           </a:xfrm>
           <a:prstGeom prst="curvedConnector3">
@@ -8916,7 +8574,7 @@
         </p:nvCxnSpPr>
         <p:spPr>
           <a:xfrm rot="10800000">
-            <a:off x="4259191" y="4314142"/>
+            <a:off x="5783191" y="4314142"/>
             <a:ext cx="33376" cy="1346698"/>
           </a:xfrm>
           <a:prstGeom prst="curvedConnector3">
@@ -8963,7 +8621,7 @@
         </p:nvCxnSpPr>
         <p:spPr>
           <a:xfrm rot="10800000">
-            <a:off x="5785160" y="4333067"/>
+            <a:off x="7309160" y="4333067"/>
             <a:ext cx="37628" cy="1353634"/>
           </a:xfrm>
           <a:prstGeom prst="curvedConnector3">
@@ -9010,7 +8668,7 @@
         </p:nvCxnSpPr>
         <p:spPr>
           <a:xfrm rot="10800000">
-            <a:off x="7283498" y="4277778"/>
+            <a:off x="8807499" y="4277778"/>
             <a:ext cx="21285" cy="1377878"/>
           </a:xfrm>
           <a:prstGeom prst="curvedConnector3">
@@ -9067,7 +8725,7 @@
         </p:blipFill>
         <p:spPr>
           <a:xfrm>
-            <a:off x="3483916" y="1759921"/>
+            <a:off x="5007916" y="1759922"/>
             <a:ext cx="724246" cy="374571"/>
           </a:xfrm>
           <a:prstGeom prst="rect">
@@ -9103,7 +8761,7 @@
         </p:blipFill>
         <p:spPr>
           <a:xfrm>
-            <a:off x="2636949" y="4917002"/>
+            <a:off x="4160949" y="4917003"/>
             <a:ext cx="724246" cy="374571"/>
           </a:xfrm>
           <a:prstGeom prst="rect">
@@ -9139,7 +8797,7 @@
         </p:blipFill>
         <p:spPr>
           <a:xfrm>
-            <a:off x="4185516" y="4913402"/>
+            <a:off x="5709516" y="4913403"/>
             <a:ext cx="724246" cy="374571"/>
           </a:xfrm>
           <a:prstGeom prst="rect">
@@ -9175,7 +8833,7 @@
         </p:blipFill>
         <p:spPr>
           <a:xfrm>
-            <a:off x="7213133" y="4914578"/>
+            <a:off x="8737133" y="4914579"/>
             <a:ext cx="724246" cy="374571"/>
           </a:xfrm>
           <a:prstGeom prst="rect">
@@ -9211,7 +8869,7 @@
         </p:blipFill>
         <p:spPr>
           <a:xfrm>
-            <a:off x="1719061" y="70680"/>
+            <a:off x="3243062" y="70681"/>
             <a:ext cx="267213" cy="267213"/>
           </a:xfrm>
           <a:prstGeom prst="rect">
@@ -9233,7 +8891,7 @@
         </p:nvSpPr>
         <p:spPr>
           <a:xfrm>
-            <a:off x="1216233" y="320278"/>
+            <a:off x="2740233" y="320278"/>
             <a:ext cx="793002" cy="369332"/>
           </a:xfrm>
           <a:prstGeom prst="rect">
@@ -9298,7 +8956,7 @@
         </p:nvSpPr>
         <p:spPr>
           <a:xfrm>
-            <a:off x="217714" y="554629"/>
+            <a:off x="1741714" y="554630"/>
             <a:ext cx="8828154" cy="6124403"/>
           </a:xfrm>
           <a:prstGeom prst="rect">
@@ -9350,7 +9008,7 @@
         </p:blipFill>
         <p:spPr>
           <a:xfrm>
-            <a:off x="8279201" y="605113"/>
+            <a:off x="9803201" y="605113"/>
             <a:ext cx="728550" cy="728550"/>
           </a:xfrm>
           <a:prstGeom prst="rect">
@@ -9372,7 +9030,7 @@
         </p:nvSpPr>
         <p:spPr>
           <a:xfrm>
-            <a:off x="5099395" y="6278177"/>
+            <a:off x="6623395" y="6278178"/>
             <a:ext cx="5582762" cy="276999"/>
           </a:xfrm>
           <a:prstGeom prst="rect">
@@ -9407,7 +9065,7 @@
         </p:nvGrpSpPr>
         <p:grpSpPr>
           <a:xfrm>
-            <a:off x="1067472" y="109631"/>
+            <a:off x="2591473" y="109631"/>
             <a:ext cx="1068151" cy="1118650"/>
             <a:chOff x="787631" y="188655"/>
             <a:chExt cx="1068151" cy="1118650"/>
@@ -9603,7 +9261,7 @@
         </p:nvGrpSpPr>
         <p:grpSpPr>
           <a:xfrm>
-            <a:off x="3983582" y="101153"/>
+            <a:off x="5507583" y="101153"/>
             <a:ext cx="1068151" cy="919700"/>
             <a:chOff x="2818049" y="184199"/>
             <a:chExt cx="1068151" cy="919700"/>
@@ -9726,7 +9384,7 @@
         </p:nvGrpSpPr>
         <p:grpSpPr>
           <a:xfrm>
-            <a:off x="6688920" y="70680"/>
+            <a:off x="8212921" y="70681"/>
             <a:ext cx="1068151" cy="1278533"/>
             <a:chOff x="6573338" y="71437"/>
             <a:chExt cx="1068151" cy="1278533"/>
@@ -9988,7 +9646,7 @@
         </p:nvGrpSpPr>
         <p:grpSpPr>
           <a:xfrm>
-            <a:off x="914400" y="3106110"/>
+            <a:off x="2438401" y="3106110"/>
             <a:ext cx="1191097" cy="2867842"/>
             <a:chOff x="914400" y="3106110"/>
             <a:chExt cx="1191097" cy="2867842"/>
@@ -10660,7 +10318,7 @@
         </p:nvGrpSpPr>
         <p:grpSpPr>
           <a:xfrm>
-            <a:off x="5451384" y="3100764"/>
+            <a:off x="6975385" y="3100764"/>
             <a:ext cx="1191097" cy="2882912"/>
             <a:chOff x="5451384" y="3100764"/>
             <a:chExt cx="1191097" cy="2882912"/>
@@ -11353,7 +11011,7 @@
         </p:nvGrpSpPr>
         <p:grpSpPr>
           <a:xfrm>
-            <a:off x="3941646" y="3100764"/>
+            <a:off x="5465647" y="3100764"/>
             <a:ext cx="1191097" cy="2882912"/>
             <a:chOff x="3941646" y="3100764"/>
             <a:chExt cx="1191097" cy="2882912"/>
@@ -11989,7 +11647,7 @@
         </p:nvGrpSpPr>
         <p:grpSpPr>
           <a:xfrm>
-            <a:off x="2428395" y="3091038"/>
+            <a:off x="3952396" y="3091038"/>
             <a:ext cx="1191097" cy="2892638"/>
             <a:chOff x="2428395" y="3091038"/>
             <a:chExt cx="1191097" cy="2892638"/>
@@ -12604,7 +12262,7 @@
         </p:nvGrpSpPr>
         <p:grpSpPr>
           <a:xfrm>
-            <a:off x="3249742" y="1281195"/>
+            <a:off x="4773742" y="1281196"/>
             <a:ext cx="2503714" cy="1538205"/>
             <a:chOff x="3249742" y="1281195"/>
             <a:chExt cx="2503714" cy="1538205"/>
@@ -13198,7 +12856,7 @@
         </p:nvGrpSpPr>
         <p:grpSpPr>
           <a:xfrm>
-            <a:off x="6942518" y="3091039"/>
+            <a:off x="8466519" y="3091039"/>
             <a:ext cx="1191097" cy="2882912"/>
             <a:chOff x="6942518" y="3091039"/>
             <a:chExt cx="1191097" cy="2882912"/>
@@ -13815,7 +13473,7 @@
         </p:nvCxnSpPr>
         <p:spPr>
           <a:xfrm flipV="1">
-            <a:off x="2020681" y="707254"/>
+            <a:off x="3544682" y="707255"/>
             <a:ext cx="2026711" cy="52139"/>
           </a:xfrm>
           <a:prstGeom prst="curvedConnector3">
@@ -13861,7 +13519,7 @@
         </p:nvCxnSpPr>
         <p:spPr>
           <a:xfrm rot="16200000" flipH="1">
-            <a:off x="3943988" y="1594917"/>
+            <a:off x="5467989" y="1594918"/>
             <a:ext cx="1487629" cy="372407"/>
           </a:xfrm>
           <a:prstGeom prst="curvedConnector2">
@@ -13906,7 +13564,7 @@
         </p:nvCxnSpPr>
         <p:spPr>
           <a:xfrm flipV="1">
-            <a:off x="5402164" y="1103254"/>
+            <a:off x="6926164" y="1103254"/>
             <a:ext cx="1557940" cy="1421682"/>
           </a:xfrm>
           <a:prstGeom prst="bentConnector3">
@@ -13953,7 +13611,7 @@
         </p:nvCxnSpPr>
         <p:spPr>
           <a:xfrm>
-            <a:off x="7488262" y="1103254"/>
+            <a:off x="9012263" y="1103254"/>
             <a:ext cx="323393" cy="3174524"/>
           </a:xfrm>
           <a:prstGeom prst="bentConnector3">
@@ -13999,7 +13657,7 @@
         </p:nvCxnSpPr>
         <p:spPr>
           <a:xfrm flipV="1">
-            <a:off x="6270372" y="1164595"/>
+            <a:off x="7794373" y="1164595"/>
             <a:ext cx="1066613" cy="3168472"/>
           </a:xfrm>
           <a:prstGeom prst="straightConnector1">
@@ -14044,7 +13702,7 @@
         </p:nvCxnSpPr>
         <p:spPr>
           <a:xfrm flipV="1">
-            <a:off x="4787349" y="1154932"/>
+            <a:off x="6311349" y="1154932"/>
             <a:ext cx="2436834" cy="3159210"/>
           </a:xfrm>
           <a:prstGeom prst="straightConnector1">
@@ -14087,7 +13745,7 @@
         </p:nvCxnSpPr>
         <p:spPr>
           <a:xfrm flipV="1">
-            <a:off x="3299630" y="1167018"/>
+            <a:off x="4823630" y="1167018"/>
             <a:ext cx="3659286" cy="3212148"/>
           </a:xfrm>
           <a:prstGeom prst="straightConnector1">
@@ -14132,7 +13790,7 @@
         </p:nvCxnSpPr>
         <p:spPr>
           <a:xfrm rot="10800000" flipH="1">
-            <a:off x="1268684" y="1103254"/>
+            <a:off x="2792684" y="1103254"/>
             <a:ext cx="5691420" cy="3261522"/>
           </a:xfrm>
           <a:prstGeom prst="bentConnector3">
@@ -14179,7 +13837,7 @@
         </p:nvCxnSpPr>
         <p:spPr>
           <a:xfrm flipV="1">
-            <a:off x="4062546" y="2524936"/>
+            <a:off x="5586546" y="2524937"/>
             <a:ext cx="811460" cy="517"/>
           </a:xfrm>
           <a:prstGeom prst="curvedConnector3">
@@ -14226,7 +13884,7 @@
         </p:nvCxnSpPr>
         <p:spPr>
           <a:xfrm rot="10800000">
-            <a:off x="1268684" y="4364777"/>
+            <a:off x="2792684" y="4364778"/>
             <a:ext cx="12788" cy="1315881"/>
           </a:xfrm>
           <a:prstGeom prst="curvedConnector3">
@@ -14273,7 +13931,7 @@
         </p:nvCxnSpPr>
         <p:spPr>
           <a:xfrm rot="10800000">
-            <a:off x="2769421" y="4352628"/>
+            <a:off x="4293422" y="4352629"/>
             <a:ext cx="20035" cy="1313289"/>
           </a:xfrm>
           <a:prstGeom prst="curvedConnector3">
@@ -14320,7 +13978,7 @@
         </p:nvCxnSpPr>
         <p:spPr>
           <a:xfrm rot="10800000">
-            <a:off x="4259191" y="4314142"/>
+            <a:off x="5783191" y="4314142"/>
             <a:ext cx="33376" cy="1346698"/>
           </a:xfrm>
           <a:prstGeom prst="curvedConnector3">
@@ -14367,7 +14025,7 @@
         </p:nvCxnSpPr>
         <p:spPr>
           <a:xfrm rot="10800000">
-            <a:off x="5785160" y="4333067"/>
+            <a:off x="7309160" y="4333067"/>
             <a:ext cx="37628" cy="1353634"/>
           </a:xfrm>
           <a:prstGeom prst="curvedConnector3">
@@ -14414,7 +14072,7 @@
         </p:nvCxnSpPr>
         <p:spPr>
           <a:xfrm rot="10800000">
-            <a:off x="7283498" y="4277778"/>
+            <a:off x="8807499" y="4277778"/>
             <a:ext cx="21285" cy="1377878"/>
           </a:xfrm>
           <a:prstGeom prst="curvedConnector3">
@@ -14471,7 +14129,7 @@
         </p:blipFill>
         <p:spPr>
           <a:xfrm>
-            <a:off x="3483916" y="1759921"/>
+            <a:off x="5007916" y="1759922"/>
             <a:ext cx="724246" cy="374571"/>
           </a:xfrm>
           <a:prstGeom prst="rect">
@@ -14507,7 +14165,7 @@
         </p:blipFill>
         <p:spPr>
           <a:xfrm>
-            <a:off x="2636949" y="4917002"/>
+            <a:off x="4160949" y="4917003"/>
             <a:ext cx="724246" cy="374571"/>
           </a:xfrm>
           <a:prstGeom prst="rect">
@@ -14543,7 +14201,7 @@
         </p:blipFill>
         <p:spPr>
           <a:xfrm>
-            <a:off x="4185516" y="4913402"/>
+            <a:off x="5709516" y="4913403"/>
             <a:ext cx="724246" cy="374571"/>
           </a:xfrm>
           <a:prstGeom prst="rect">
@@ -14579,7 +14237,7 @@
         </p:blipFill>
         <p:spPr>
           <a:xfrm>
-            <a:off x="7213133" y="4914578"/>
+            <a:off x="8737133" y="4914579"/>
             <a:ext cx="724246" cy="374571"/>
           </a:xfrm>
           <a:prstGeom prst="rect">
@@ -14625,7 +14283,7 @@
         </p:nvSpPr>
         <p:spPr>
           <a:xfrm>
-            <a:off x="217714" y="685800"/>
+            <a:off x="1741714" y="685800"/>
             <a:ext cx="8828154" cy="5257800"/>
           </a:xfrm>
           <a:prstGeom prst="rect">
@@ -14665,7 +14323,7 @@
         </p:nvCxnSpPr>
         <p:spPr>
           <a:xfrm>
-            <a:off x="3329051" y="1057946"/>
+            <a:off x="4853051" y="1057946"/>
             <a:ext cx="0" cy="841754"/>
           </a:xfrm>
           <a:prstGeom prst="straightConnector1">
@@ -14700,7 +14358,7 @@
         </p:nvCxnSpPr>
         <p:spPr>
           <a:xfrm flipH="1">
-            <a:off x="809275" y="2823907"/>
+            <a:off x="2333275" y="2823908"/>
             <a:ext cx="2519776" cy="647783"/>
           </a:xfrm>
           <a:prstGeom prst="straightConnector1">
@@ -14735,7 +14393,7 @@
         </p:nvCxnSpPr>
         <p:spPr>
           <a:xfrm flipH="1">
-            <a:off x="2308242" y="2827639"/>
+            <a:off x="3832243" y="2827639"/>
             <a:ext cx="999241" cy="612838"/>
           </a:xfrm>
           <a:prstGeom prst="straightConnector1">
@@ -14770,7 +14428,7 @@
         </p:nvCxnSpPr>
         <p:spPr>
           <a:xfrm>
-            <a:off x="3299855" y="2815373"/>
+            <a:off x="4823855" y="2815374"/>
             <a:ext cx="505850" cy="649243"/>
           </a:xfrm>
           <a:prstGeom prst="straightConnector1">
@@ -14805,7 +14463,7 @@
         </p:nvCxnSpPr>
         <p:spPr>
           <a:xfrm>
-            <a:off x="3313852" y="2827639"/>
+            <a:off x="4837852" y="2827639"/>
             <a:ext cx="2023358" cy="591612"/>
           </a:xfrm>
           <a:prstGeom prst="straightConnector1">
@@ -14840,7 +14498,7 @@
         </p:nvCxnSpPr>
         <p:spPr>
           <a:xfrm>
-            <a:off x="3322682" y="2832734"/>
+            <a:off x="4846682" y="2832734"/>
             <a:ext cx="3607294" cy="576100"/>
           </a:xfrm>
           <a:prstGeom prst="straightConnector1">
@@ -14875,7 +14533,7 @@
         </p:nvCxnSpPr>
         <p:spPr>
           <a:xfrm>
-            <a:off x="3329051" y="2817607"/>
+            <a:off x="4853051" y="2817607"/>
             <a:ext cx="5129102" cy="601644"/>
           </a:xfrm>
           <a:prstGeom prst="straightConnector1">
@@ -14912,7 +14570,7 @@
         </p:nvCxnSpPr>
         <p:spPr>
           <a:xfrm flipV="1">
-            <a:off x="5830681" y="3888849"/>
+            <a:off x="7354681" y="3888850"/>
             <a:ext cx="568768" cy="15985"/>
           </a:xfrm>
           <a:prstGeom prst="straightConnector1">
@@ -14950,7 +14608,7 @@
         </p:nvCxnSpPr>
         <p:spPr>
           <a:xfrm>
-            <a:off x="7467600" y="3888849"/>
+            <a:off x="8991600" y="3888849"/>
             <a:ext cx="460026" cy="0"/>
           </a:xfrm>
           <a:prstGeom prst="straightConnector1">
@@ -14985,7 +14643,7 @@
         </p:nvCxnSpPr>
         <p:spPr>
           <a:xfrm>
-            <a:off x="797708" y="4407463"/>
+            <a:off x="2321708" y="4407463"/>
             <a:ext cx="0" cy="465092"/>
           </a:xfrm>
           <a:prstGeom prst="straightConnector1">
@@ -15020,7 +14678,7 @@
         </p:nvCxnSpPr>
         <p:spPr>
           <a:xfrm>
-            <a:off x="2362200" y="4314423"/>
+            <a:off x="3886200" y="4314423"/>
             <a:ext cx="0" cy="521728"/>
           </a:xfrm>
           <a:prstGeom prst="straightConnector1">
@@ -15055,7 +14713,7 @@
         </p:nvCxnSpPr>
         <p:spPr>
           <a:xfrm>
-            <a:off x="3805705" y="4348699"/>
+            <a:off x="5329706" y="4348699"/>
             <a:ext cx="24107" cy="464170"/>
           </a:xfrm>
           <a:prstGeom prst="straightConnector1">
@@ -15090,7 +14748,7 @@
         </p:nvCxnSpPr>
         <p:spPr>
           <a:xfrm>
-            <a:off x="5361087" y="4372720"/>
+            <a:off x="6885088" y="4372721"/>
             <a:ext cx="14037" cy="463431"/>
           </a:xfrm>
           <a:prstGeom prst="straightConnector1">
@@ -15137,7 +14795,7 @@
         </p:blipFill>
         <p:spPr>
           <a:xfrm>
-            <a:off x="8045424" y="732991"/>
+            <a:off x="9569425" y="732992"/>
             <a:ext cx="958961" cy="958961"/>
           </a:xfrm>
           <a:prstGeom prst="rect">
@@ -15157,7 +14815,7 @@
         </p:nvCxnSpPr>
         <p:spPr>
           <a:xfrm flipV="1">
-            <a:off x="3863206" y="2343565"/>
+            <a:off x="5387207" y="2343566"/>
             <a:ext cx="913989" cy="15985"/>
           </a:xfrm>
           <a:prstGeom prst="straightConnector1">
@@ -15194,7 +14852,7 @@
         </p:nvCxnSpPr>
         <p:spPr>
           <a:xfrm>
-            <a:off x="5845346" y="2343565"/>
+            <a:off x="7369347" y="2343565"/>
             <a:ext cx="668373" cy="3922"/>
           </a:xfrm>
           <a:prstGeom prst="straightConnector1">
@@ -15233,7 +14891,7 @@
         </p:nvGrpSpPr>
         <p:grpSpPr>
           <a:xfrm>
-            <a:off x="1797301" y="3444984"/>
+            <a:off x="3321302" y="3444985"/>
             <a:ext cx="1030081" cy="935773"/>
             <a:chOff x="9254078" y="4883240"/>
             <a:chExt cx="844906" cy="728368"/>
@@ -15359,7 +15017,7 @@
         </p:nvGrpSpPr>
         <p:grpSpPr>
           <a:xfrm>
-            <a:off x="3275249" y="3444984"/>
+            <a:off x="4799250" y="3444984"/>
             <a:ext cx="1068151" cy="919700"/>
             <a:chOff x="9254078" y="4883240"/>
             <a:chExt cx="844906" cy="728368"/>
@@ -15485,7 +15143,7 @@
         </p:nvGrpSpPr>
         <p:grpSpPr>
           <a:xfrm>
-            <a:off x="1858787" y="4847680"/>
+            <a:off x="3382788" y="4847681"/>
             <a:ext cx="1030081" cy="935773"/>
             <a:chOff x="1847159" y="4836151"/>
             <a:chExt cx="1030081" cy="935773"/>
@@ -15614,7 +15272,7 @@
         </p:nvGrpSpPr>
         <p:grpSpPr>
           <a:xfrm>
-            <a:off x="3313319" y="4812869"/>
+            <a:off x="4837320" y="4812870"/>
             <a:ext cx="1030081" cy="935773"/>
             <a:chOff x="1847159" y="4836151"/>
             <a:chExt cx="1030081" cy="935773"/>
@@ -15743,7 +15401,7 @@
         </p:nvGrpSpPr>
         <p:grpSpPr>
           <a:xfrm>
-            <a:off x="6399449" y="3428999"/>
+            <a:off x="7923450" y="3428999"/>
             <a:ext cx="1068151" cy="919700"/>
             <a:chOff x="9254078" y="4883240"/>
             <a:chExt cx="844906" cy="728368"/>
@@ -15869,7 +15527,7 @@
         </p:nvGrpSpPr>
         <p:grpSpPr>
           <a:xfrm>
-            <a:off x="7927626" y="3428999"/>
+            <a:off x="9451627" y="3428999"/>
             <a:ext cx="1068151" cy="919700"/>
             <a:chOff x="9254078" y="4883240"/>
             <a:chExt cx="844906" cy="728368"/>
@@ -15995,7 +15653,7 @@
         </p:nvGrpSpPr>
         <p:grpSpPr>
           <a:xfrm>
-            <a:off x="4777195" y="1883715"/>
+            <a:off x="6301196" y="1883715"/>
             <a:ext cx="1068151" cy="919700"/>
             <a:chOff x="4598845" y="2001410"/>
             <a:chExt cx="1068151" cy="919700"/>
@@ -16118,7 +15776,7 @@
         </p:nvGrpSpPr>
         <p:grpSpPr>
           <a:xfrm>
-            <a:off x="284754" y="3471690"/>
+            <a:off x="1808755" y="3471691"/>
             <a:ext cx="1030081" cy="935773"/>
             <a:chOff x="333068" y="3133055"/>
             <a:chExt cx="1030081" cy="935773"/>
@@ -16244,7 +15902,7 @@
         </p:nvGrpSpPr>
         <p:grpSpPr>
           <a:xfrm>
-            <a:off x="4800600" y="3436947"/>
+            <a:off x="6324601" y="3436948"/>
             <a:ext cx="1030081" cy="935773"/>
             <a:chOff x="333068" y="3133055"/>
             <a:chExt cx="1030081" cy="935773"/>
@@ -16370,7 +16028,7 @@
         </p:nvGrpSpPr>
         <p:grpSpPr>
           <a:xfrm>
-            <a:off x="6513719" y="1879600"/>
+            <a:off x="8037720" y="1879601"/>
             <a:ext cx="1030081" cy="935773"/>
             <a:chOff x="1847159" y="4836151"/>
             <a:chExt cx="1030081" cy="935773"/>
@@ -16499,7 +16157,7 @@
         </p:nvGrpSpPr>
         <p:grpSpPr>
           <a:xfrm>
-            <a:off x="4860084" y="4812869"/>
+            <a:off x="6384085" y="4812870"/>
             <a:ext cx="1030081" cy="935773"/>
             <a:chOff x="5055956" y="4812869"/>
             <a:chExt cx="1030081" cy="935773"/>
@@ -16628,7 +16286,7 @@
         </p:nvGrpSpPr>
         <p:grpSpPr>
           <a:xfrm>
-            <a:off x="284754" y="4872555"/>
+            <a:off x="1808755" y="4872556"/>
             <a:ext cx="1030081" cy="935773"/>
             <a:chOff x="5055956" y="4812869"/>
             <a:chExt cx="1030081" cy="935773"/>
@@ -16757,7 +16415,7 @@
         </p:nvSpPr>
         <p:spPr>
           <a:xfrm>
-            <a:off x="5237638" y="5682342"/>
+            <a:off x="6761638" y="5682343"/>
             <a:ext cx="5582762" cy="276999"/>
           </a:xfrm>
           <a:prstGeom prst="rect">
@@ -16792,7 +16450,7 @@
         </p:nvGrpSpPr>
         <p:grpSpPr>
           <a:xfrm>
-            <a:off x="857449" y="1892813"/>
+            <a:off x="2381450" y="1892813"/>
             <a:ext cx="1068151" cy="919700"/>
             <a:chOff x="2775925" y="643152"/>
             <a:chExt cx="1068151" cy="919700"/>
@@ -16931,7 +16589,7 @@
         </p:nvGrpSpPr>
         <p:grpSpPr>
           <a:xfrm>
-            <a:off x="2818049" y="184199"/>
+            <a:off x="4342050" y="184199"/>
             <a:ext cx="1068151" cy="919700"/>
             <a:chOff x="1291344" y="2103142"/>
             <a:chExt cx="1068151" cy="919700"/>
@@ -17060,7 +16718,7 @@
         </p:nvGrpSpPr>
         <p:grpSpPr>
           <a:xfrm>
-            <a:off x="2795055" y="1899700"/>
+            <a:off x="4319056" y="1899700"/>
             <a:ext cx="1068151" cy="919700"/>
             <a:chOff x="2795055" y="1899700"/>
             <a:chExt cx="1068151" cy="919700"/>
@@ -17220,7 +16878,7 @@
         </p:nvCxnSpPr>
         <p:spPr>
           <a:xfrm>
-            <a:off x="1925600" y="2352663"/>
+            <a:off x="3449601" y="2352664"/>
             <a:ext cx="869455" cy="6887"/>
           </a:xfrm>
           <a:prstGeom prst="straightConnector1">
@@ -17262,7 +16920,7 @@
         </p:nvCxnSpPr>
         <p:spPr>
           <a:xfrm flipH="1">
-            <a:off x="1631168" y="1103899"/>
+            <a:off x="3155168" y="1103900"/>
             <a:ext cx="1450136" cy="757701"/>
           </a:xfrm>
           <a:prstGeom prst="straightConnector1">
@@ -17305,7 +16963,7 @@
         </p:nvCxnSpPr>
         <p:spPr>
           <a:xfrm>
-            <a:off x="3622945" y="1103899"/>
+            <a:off x="5146946" y="1103899"/>
             <a:ext cx="1417505" cy="779816"/>
           </a:xfrm>
           <a:prstGeom prst="straightConnector1">
@@ -17358,7 +17016,7 @@
         </p:blipFill>
         <p:spPr>
           <a:xfrm>
-            <a:off x="7211424" y="813185"/>
+            <a:off x="8735425" y="813186"/>
             <a:ext cx="779817" cy="779817"/>
           </a:xfrm>
           <a:prstGeom prst="rect">
@@ -17394,7 +17052,7 @@
         </p:blipFill>
         <p:spPr>
           <a:xfrm>
-            <a:off x="3339680" y="2085555"/>
+            <a:off x="4863681" y="2085556"/>
             <a:ext cx="352845" cy="352845"/>
           </a:xfrm>
           <a:prstGeom prst="rect">
@@ -17440,7 +17098,7 @@
         </p:nvSpPr>
         <p:spPr>
           <a:xfrm>
-            <a:off x="76200" y="457201"/>
+            <a:off x="1600200" y="457201"/>
             <a:ext cx="8991600" cy="5181600"/>
           </a:xfrm>
           <a:prstGeom prst="rect">
@@ -17478,7 +17136,7 @@
         </p:nvSpPr>
         <p:spPr>
           <a:xfrm>
-            <a:off x="2438400" y="695325"/>
+            <a:off x="3962400" y="695325"/>
             <a:ext cx="1752600" cy="914400"/>
           </a:xfrm>
           <a:prstGeom prst="roundRect">
@@ -17526,7 +17184,7 @@
         </p:nvSpPr>
         <p:spPr>
           <a:xfrm>
-            <a:off x="2438400" y="2057400"/>
+            <a:off x="3962400" y="2057400"/>
             <a:ext cx="1755820" cy="914400"/>
           </a:xfrm>
           <a:prstGeom prst="roundRect">
@@ -17567,7 +17225,7 @@
         </p:nvSpPr>
         <p:spPr>
           <a:xfrm>
-            <a:off x="304800" y="3657600"/>
+            <a:off x="1828800" y="3657600"/>
             <a:ext cx="1066800" cy="685800"/>
           </a:xfrm>
           <a:prstGeom prst="roundRect">
@@ -17608,7 +17266,7 @@
         </p:nvSpPr>
         <p:spPr>
           <a:xfrm>
-            <a:off x="1790700" y="3628623"/>
+            <a:off x="3314700" y="3628623"/>
             <a:ext cx="1143000" cy="685800"/>
           </a:xfrm>
           <a:prstGeom prst="roundRect">
@@ -17649,7 +17307,7 @@
         </p:nvSpPr>
         <p:spPr>
           <a:xfrm>
-            <a:off x="3237963" y="3657600"/>
+            <a:off x="4761964" y="3657600"/>
             <a:ext cx="1257837" cy="675068"/>
           </a:xfrm>
           <a:prstGeom prst="roundRect">
@@ -17690,7 +17348,7 @@
         </p:nvSpPr>
         <p:spPr>
           <a:xfrm>
-            <a:off x="4873580" y="3655454"/>
+            <a:off x="6397580" y="3655454"/>
             <a:ext cx="1298620" cy="675068"/>
           </a:xfrm>
           <a:prstGeom prst="roundRect">
@@ -17731,7 +17389,7 @@
         </p:nvSpPr>
         <p:spPr>
           <a:xfrm>
-            <a:off x="6553200" y="3657600"/>
+            <a:off x="8077200" y="3657600"/>
             <a:ext cx="990600" cy="685800"/>
           </a:xfrm>
           <a:prstGeom prst="roundRect">
@@ -17772,7 +17430,7 @@
         </p:nvSpPr>
         <p:spPr>
           <a:xfrm>
-            <a:off x="7924800" y="3655454"/>
+            <a:off x="9448800" y="3655454"/>
             <a:ext cx="990600" cy="685800"/>
           </a:xfrm>
           <a:prstGeom prst="roundRect">
@@ -17813,7 +17471,7 @@
         </p:nvSpPr>
         <p:spPr>
           <a:xfrm>
-            <a:off x="228600" y="4876800"/>
+            <a:off x="1752600" y="4876800"/>
             <a:ext cx="1219200" cy="510540"/>
           </a:xfrm>
           <a:prstGeom prst="flowChartMagneticDisk">
@@ -17854,7 +17512,7 @@
         </p:nvSpPr>
         <p:spPr>
           <a:xfrm>
-            <a:off x="1752600" y="4883239"/>
+            <a:off x="3276600" y="4883239"/>
             <a:ext cx="1219200" cy="510540"/>
           </a:xfrm>
           <a:prstGeom prst="flowChartMagneticDisk">
@@ -17895,7 +17553,7 @@
         </p:nvSpPr>
         <p:spPr>
           <a:xfrm>
-            <a:off x="3276600" y="4866068"/>
+            <a:off x="4800600" y="4866068"/>
             <a:ext cx="1219200" cy="510540"/>
           </a:xfrm>
           <a:prstGeom prst="flowChartMagneticDisk">
@@ -17936,7 +17594,7 @@
         </p:nvSpPr>
         <p:spPr>
           <a:xfrm>
-            <a:off x="4953000" y="4836151"/>
+            <a:off x="6477000" y="4836151"/>
             <a:ext cx="1219200" cy="510540"/>
           </a:xfrm>
           <a:prstGeom prst="flowChartMagneticDisk">
@@ -17980,7 +17638,7 @@
         </p:nvCxnSpPr>
         <p:spPr>
           <a:xfrm>
-            <a:off x="3314700" y="1609725"/>
+            <a:off x="4838700" y="1609726"/>
             <a:ext cx="1610" cy="447675"/>
           </a:xfrm>
           <a:prstGeom prst="straightConnector1">
@@ -18016,7 +17674,7 @@
         </p:nvCxnSpPr>
         <p:spPr>
           <a:xfrm flipH="1">
-            <a:off x="838200" y="2971800"/>
+            <a:off x="2362200" y="2971800"/>
             <a:ext cx="2478110" cy="685800"/>
           </a:xfrm>
           <a:prstGeom prst="straightConnector1">
@@ -18052,7 +17710,7 @@
         </p:nvCxnSpPr>
         <p:spPr>
           <a:xfrm flipH="1">
-            <a:off x="2362200" y="2971800"/>
+            <a:off x="3886200" y="2971801"/>
             <a:ext cx="954110" cy="656823"/>
           </a:xfrm>
           <a:prstGeom prst="straightConnector1">
@@ -18088,7 +17746,7 @@
         </p:nvCxnSpPr>
         <p:spPr>
           <a:xfrm>
-            <a:off x="3316310" y="2971800"/>
+            <a:off x="4840310" y="2971800"/>
             <a:ext cx="550572" cy="685800"/>
           </a:xfrm>
           <a:prstGeom prst="straightConnector1">
@@ -18124,7 +17782,7 @@
         </p:nvCxnSpPr>
         <p:spPr>
           <a:xfrm>
-            <a:off x="3316310" y="2971800"/>
+            <a:off x="4840310" y="2971800"/>
             <a:ext cx="2206580" cy="683654"/>
           </a:xfrm>
           <a:prstGeom prst="straightConnector1">
@@ -18160,7 +17818,7 @@
         </p:nvCxnSpPr>
         <p:spPr>
           <a:xfrm>
-            <a:off x="3316310" y="2971800"/>
+            <a:off x="4840310" y="2971800"/>
             <a:ext cx="3732190" cy="685800"/>
           </a:xfrm>
           <a:prstGeom prst="straightConnector1">
@@ -18196,7 +17854,7 @@
         </p:nvCxnSpPr>
         <p:spPr>
           <a:xfrm>
-            <a:off x="3316310" y="2971800"/>
+            <a:off x="4840310" y="2971800"/>
             <a:ext cx="5103790" cy="683654"/>
           </a:xfrm>
           <a:prstGeom prst="straightConnector1">
@@ -18232,7 +17890,7 @@
         </p:nvCxnSpPr>
         <p:spPr>
           <a:xfrm>
-            <a:off x="6172200" y="3992988"/>
+            <a:off x="7696200" y="3992988"/>
             <a:ext cx="381000" cy="7512"/>
           </a:xfrm>
           <a:prstGeom prst="straightConnector1">
@@ -18269,7 +17927,7 @@
         </p:nvCxnSpPr>
         <p:spPr>
           <a:xfrm flipV="1">
-            <a:off x="7543800" y="3998354"/>
+            <a:off x="9067800" y="3998354"/>
             <a:ext cx="381000" cy="2146"/>
           </a:xfrm>
           <a:prstGeom prst="straightConnector1">
@@ -18305,7 +17963,7 @@
         </p:nvCxnSpPr>
         <p:spPr>
           <a:xfrm>
-            <a:off x="838200" y="4343400"/>
+            <a:off x="2362200" y="4343400"/>
             <a:ext cx="0" cy="533400"/>
           </a:xfrm>
           <a:prstGeom prst="straightConnector1">
@@ -18341,7 +17999,7 @@
         </p:nvCxnSpPr>
         <p:spPr>
           <a:xfrm>
-            <a:off x="2362200" y="4314423"/>
+            <a:off x="3886200" y="4314423"/>
             <a:ext cx="0" cy="568816"/>
           </a:xfrm>
           <a:prstGeom prst="straightConnector1">
@@ -18377,7 +18035,7 @@
         </p:nvCxnSpPr>
         <p:spPr>
           <a:xfrm>
-            <a:off x="3866882" y="4332668"/>
+            <a:off x="5390882" y="4332668"/>
             <a:ext cx="19318" cy="533400"/>
           </a:xfrm>
           <a:prstGeom prst="straightConnector1">
@@ -18412,7 +18070,7 @@
         </p:nvCxnSpPr>
         <p:spPr>
           <a:xfrm>
-            <a:off x="5522890" y="4330522"/>
+            <a:off x="7046890" y="4330523"/>
             <a:ext cx="0" cy="505629"/>
           </a:xfrm>
           <a:prstGeom prst="straightConnector1">
@@ -18459,7 +18117,7 @@
         </p:blipFill>
         <p:spPr>
           <a:xfrm>
-            <a:off x="8356600" y="467932"/>
+            <a:off x="9880600" y="467932"/>
             <a:ext cx="700468" cy="700468"/>
           </a:xfrm>
           <a:prstGeom prst="rect">
@@ -18475,7 +18133,7 @@
         </p:nvSpPr>
         <p:spPr>
           <a:xfrm>
-            <a:off x="5638800" y="2133600"/>
+            <a:off x="7162800" y="2133600"/>
             <a:ext cx="990600" cy="685800"/>
           </a:xfrm>
           <a:prstGeom prst="roundRect">
@@ -18516,7 +18174,7 @@
         </p:nvCxnSpPr>
         <p:spPr>
           <a:xfrm flipV="1">
-            <a:off x="4194220" y="2476500"/>
+            <a:off x="5718220" y="2476500"/>
             <a:ext cx="1444580" cy="38100"/>
           </a:xfrm>
           <a:prstGeom prst="straightConnector1">
@@ -18549,7 +18207,7 @@
         </p:nvSpPr>
         <p:spPr>
           <a:xfrm>
-            <a:off x="7137400" y="2221230"/>
+            <a:off x="8661400" y="2221230"/>
             <a:ext cx="1219200" cy="510540"/>
           </a:xfrm>
           <a:prstGeom prst="flowChartMagneticDisk">
@@ -18593,7 +18251,7 @@
         </p:nvCxnSpPr>
         <p:spPr>
           <a:xfrm>
-            <a:off x="6629400" y="2476500"/>
+            <a:off x="8153400" y="2476500"/>
             <a:ext cx="508000" cy="0"/>
           </a:xfrm>
           <a:prstGeom prst="straightConnector1">
@@ -18640,7 +18298,7 @@
         </p:blipFill>
         <p:spPr>
           <a:xfrm>
-            <a:off x="3932397" y="730376"/>
+            <a:off x="5456397" y="730376"/>
             <a:ext cx="230028" cy="259430"/>
           </a:xfrm>
           <a:prstGeom prst="rect">
@@ -18670,7 +18328,7 @@
         </p:blipFill>
         <p:spPr>
           <a:xfrm>
-            <a:off x="1170367" y="4125363"/>
+            <a:off x="2694368" y="4125364"/>
             <a:ext cx="172255" cy="194273"/>
           </a:xfrm>
           <a:prstGeom prst="rect">
@@ -18700,7 +18358,7 @@
         </p:blipFill>
         <p:spPr>
           <a:xfrm>
-            <a:off x="5961845" y="4106323"/>
+            <a:off x="7485846" y="4106324"/>
             <a:ext cx="172255" cy="194273"/>
           </a:xfrm>
           <a:prstGeom prst="rect">
@@ -18730,7 +18388,7 @@
         </p:blipFill>
         <p:spPr>
           <a:xfrm>
-            <a:off x="4273550" y="4106323"/>
+            <a:off x="5797551" y="4106324"/>
             <a:ext cx="209531" cy="209531"/>
           </a:xfrm>
           <a:prstGeom prst="rect">
@@ -18760,7 +18418,7 @@
         </p:blipFill>
         <p:spPr>
           <a:xfrm>
-            <a:off x="7315200" y="4121169"/>
+            <a:off x="8839201" y="4121170"/>
             <a:ext cx="209531" cy="209531"/>
           </a:xfrm>
           <a:prstGeom prst="rect">
@@ -18790,7 +18448,7 @@
         </p:blipFill>
         <p:spPr>
           <a:xfrm>
-            <a:off x="8696334" y="4117592"/>
+            <a:off x="10220335" y="4117593"/>
             <a:ext cx="209531" cy="209531"/>
           </a:xfrm>
           <a:prstGeom prst="rect">
@@ -18820,7 +18478,7 @@
         </p:blipFill>
         <p:spPr>
           <a:xfrm>
-            <a:off x="6407150" y="2596776"/>
+            <a:off x="7931151" y="2596777"/>
             <a:ext cx="209531" cy="209531"/>
           </a:xfrm>
           <a:prstGeom prst="rect">
@@ -18850,7 +18508,7 @@
         </p:blipFill>
         <p:spPr>
           <a:xfrm>
-            <a:off x="2702259" y="4095367"/>
+            <a:off x="4226260" y="4095368"/>
             <a:ext cx="209531" cy="209531"/>
           </a:xfrm>
           <a:prstGeom prst="rect">
@@ -18880,7 +18538,7 @@
         </p:blipFill>
         <p:spPr>
           <a:xfrm>
-            <a:off x="3657600" y="2811175"/>
+            <a:off x="5181600" y="2811175"/>
             <a:ext cx="495300" cy="113000"/>
           </a:xfrm>
           <a:prstGeom prst="rect">
@@ -18910,7 +18568,7 @@
         </p:blipFill>
         <p:spPr>
           <a:xfrm>
-            <a:off x="5837884" y="2257425"/>
+            <a:off x="7361884" y="2257425"/>
             <a:ext cx="626406" cy="424390"/>
           </a:xfrm>
           <a:prstGeom prst="rect">
@@ -18940,7 +18598,7 @@
         </p:blipFill>
         <p:spPr>
           <a:xfrm>
-            <a:off x="2496355" y="756121"/>
+            <a:off x="4020356" y="756122"/>
             <a:ext cx="177329" cy="177329"/>
           </a:xfrm>
           <a:prstGeom prst="rect">
@@ -18952,6 +18610,2494 @@
     <p:extLst>
       <p:ext uri="{BB962C8B-B14F-4D97-AF65-F5344CB8AC3E}">
         <p14:creationId xmlns:p14="http://schemas.microsoft.com/office/powerpoint/2010/main" val="2850761221"/>
+      </p:ext>
+    </p:extLst>
+  </p:cSld>
+  <p:clrMapOvr>
+    <a:masterClrMapping/>
+  </p:clrMapOvr>
+</p:sld>
+</file>
+
+<file path=ppt/slides/slide14.xml><?xml version="1.0" encoding="utf-8"?>
+<p:sld xmlns:a="http://schemas.openxmlformats.org/drawingml/2006/main" xmlns:r="http://schemas.openxmlformats.org/officeDocument/2006/relationships" xmlns:p="http://schemas.openxmlformats.org/presentationml/2006/main">
+  <p:cSld>
+    <p:spTree>
+      <p:nvGrpSpPr>
+        <p:cNvPr id="1" name=""/>
+        <p:cNvGrpSpPr/>
+        <p:nvPr/>
+      </p:nvGrpSpPr>
+      <p:grpSpPr>
+        <a:xfrm>
+          <a:off x="0" y="0"/>
+          <a:ext cx="0" cy="0"/>
+          <a:chOff x="0" y="0"/>
+          <a:chExt cx="0" cy="0"/>
+        </a:xfrm>
+      </p:grpSpPr>
+      <p:sp>
+        <p:nvSpPr>
+          <p:cNvPr id="59" name="Rectangle 58">
+            <a:extLst>
+              <a:ext uri="{FF2B5EF4-FFF2-40B4-BE49-F238E27FC236}">
+                <a16:creationId xmlns:a16="http://schemas.microsoft.com/office/drawing/2014/main" id="{8DC7EFCF-49EE-457C-A813-8E08470E32BB}"/>
+              </a:ext>
+            </a:extLst>
+          </p:cNvPr>
+          <p:cNvSpPr/>
+          <p:nvPr/>
+        </p:nvSpPr>
+        <p:spPr>
+          <a:xfrm>
+            <a:off x="352406" y="184264"/>
+            <a:ext cx="2373793" cy="1696719"/>
+          </a:xfrm>
+          <a:prstGeom prst="rect">
+            <a:avLst/>
+          </a:prstGeom>
+        </p:spPr>
+        <p:style>
+          <a:lnRef idx="2">
+            <a:schemeClr val="accent6"/>
+          </a:lnRef>
+          <a:fillRef idx="1">
+            <a:schemeClr val="lt1"/>
+          </a:fillRef>
+          <a:effectRef idx="0">
+            <a:schemeClr val="accent6"/>
+          </a:effectRef>
+          <a:fontRef idx="minor">
+            <a:schemeClr val="dk1"/>
+          </a:fontRef>
+        </p:style>
+        <p:txBody>
+          <a:bodyPr rtlCol="0" anchor="t"/>
+          <a:lstStyle/>
+          <a:p>
+            <a:pPr algn="ctr"/>
+            <a:r>
+              <a:rPr lang="en-US" sz="1200" dirty="0"/>
+              <a:t>Bounded Context</a:t>
+            </a:r>
+          </a:p>
+        </p:txBody>
+      </p:sp>
+      <p:sp>
+        <p:nvSpPr>
+          <p:cNvPr id="60" name="Rectangle 59">
+            <a:extLst>
+              <a:ext uri="{FF2B5EF4-FFF2-40B4-BE49-F238E27FC236}">
+                <a16:creationId xmlns:a16="http://schemas.microsoft.com/office/drawing/2014/main" id="{26FCD988-0EA5-4E5A-9F9F-0C244874A436}"/>
+              </a:ext>
+            </a:extLst>
+          </p:cNvPr>
+          <p:cNvSpPr/>
+          <p:nvPr/>
+        </p:nvSpPr>
+        <p:spPr>
+          <a:xfrm>
+            <a:off x="547942" y="537612"/>
+            <a:ext cx="734917" cy="396966"/>
+          </a:xfrm>
+          <a:prstGeom prst="rect">
+            <a:avLst/>
+          </a:prstGeom>
+        </p:spPr>
+        <p:style>
+          <a:lnRef idx="2">
+            <a:schemeClr val="accent1">
+              <a:shade val="50000"/>
+            </a:schemeClr>
+          </a:lnRef>
+          <a:fillRef idx="1">
+            <a:schemeClr val="accent1"/>
+          </a:fillRef>
+          <a:effectRef idx="0">
+            <a:schemeClr val="accent1"/>
+          </a:effectRef>
+          <a:fontRef idx="minor">
+            <a:schemeClr val="lt1"/>
+          </a:fontRef>
+        </p:style>
+        <p:txBody>
+          <a:bodyPr rtlCol="0" anchor="ctr"/>
+          <a:lstStyle/>
+          <a:p>
+            <a:pPr algn="ctr"/>
+            <a:r>
+              <a:rPr lang="en-US" dirty="0"/>
+              <a:t>Entity</a:t>
+            </a:r>
+          </a:p>
+        </p:txBody>
+      </p:sp>
+      <p:sp>
+        <p:nvSpPr>
+          <p:cNvPr id="61" name="Rectangle 60">
+            <a:extLst>
+              <a:ext uri="{FF2B5EF4-FFF2-40B4-BE49-F238E27FC236}">
+                <a16:creationId xmlns:a16="http://schemas.microsoft.com/office/drawing/2014/main" id="{6B8225F6-1BD9-4829-90A1-EFAF45DE6195}"/>
+              </a:ext>
+            </a:extLst>
+          </p:cNvPr>
+          <p:cNvSpPr/>
+          <p:nvPr/>
+        </p:nvSpPr>
+        <p:spPr>
+          <a:xfrm>
+            <a:off x="4026053" y="164762"/>
+            <a:ext cx="1440674" cy="1111752"/>
+          </a:xfrm>
+          <a:prstGeom prst="rect">
+            <a:avLst/>
+          </a:prstGeom>
+        </p:spPr>
+        <p:style>
+          <a:lnRef idx="2">
+            <a:schemeClr val="accent6"/>
+          </a:lnRef>
+          <a:fillRef idx="1">
+            <a:schemeClr val="lt1"/>
+          </a:fillRef>
+          <a:effectRef idx="0">
+            <a:schemeClr val="accent6"/>
+          </a:effectRef>
+          <a:fontRef idx="minor">
+            <a:schemeClr val="dk1"/>
+          </a:fontRef>
+        </p:style>
+        <p:txBody>
+          <a:bodyPr rtlCol="0" anchor="ctr"/>
+          <a:lstStyle/>
+          <a:p>
+            <a:pPr algn="ctr"/>
+            <a:r>
+              <a:rPr lang="en-US" dirty="0" err="1"/>
+              <a:t>IEventBus</a:t>
+            </a:r>
+            <a:endParaRPr lang="en-US" dirty="0"/>
+          </a:p>
+          <a:p>
+            <a:pPr algn="ctr"/>
+            <a:r>
+              <a:rPr lang="en-US" dirty="0"/>
+              <a:t>(Internal)</a:t>
+            </a:r>
+          </a:p>
+        </p:txBody>
+      </p:sp>
+      <p:cxnSp>
+        <p:nvCxnSpPr>
+          <p:cNvPr id="62" name="Straight Arrow Connector 61">
+            <a:extLst>
+              <a:ext uri="{FF2B5EF4-FFF2-40B4-BE49-F238E27FC236}">
+                <a16:creationId xmlns:a16="http://schemas.microsoft.com/office/drawing/2014/main" id="{6973ED87-7763-40AF-95CF-393DFC9E5C2E}"/>
+              </a:ext>
+            </a:extLst>
+          </p:cNvPr>
+          <p:cNvCxnSpPr>
+            <a:cxnSpLocks/>
+            <a:stCxn id="59" idx="3"/>
+            <a:endCxn id="61" idx="1"/>
+          </p:cNvCxnSpPr>
+          <p:nvPr/>
+        </p:nvCxnSpPr>
+        <p:spPr>
+          <a:xfrm flipV="1">
+            <a:off x="2726199" y="720638"/>
+            <a:ext cx="1299854" cy="311986"/>
+          </a:xfrm>
+          <a:prstGeom prst="straightConnector1">
+            <a:avLst/>
+          </a:prstGeom>
+          <a:ln>
+            <a:tailEnd type="triangle"/>
+          </a:ln>
+        </p:spPr>
+        <p:style>
+          <a:lnRef idx="1">
+            <a:schemeClr val="accent1"/>
+          </a:lnRef>
+          <a:fillRef idx="0">
+            <a:schemeClr val="accent1"/>
+          </a:fillRef>
+          <a:effectRef idx="0">
+            <a:schemeClr val="accent1"/>
+          </a:effectRef>
+          <a:fontRef idx="minor">
+            <a:schemeClr val="tx1"/>
+          </a:fontRef>
+        </p:style>
+      </p:cxnSp>
+      <p:sp>
+        <p:nvSpPr>
+          <p:cNvPr id="63" name="Rectangle 62">
+            <a:extLst>
+              <a:ext uri="{FF2B5EF4-FFF2-40B4-BE49-F238E27FC236}">
+                <a16:creationId xmlns:a16="http://schemas.microsoft.com/office/drawing/2014/main" id="{31A8571F-258E-40F3-98DF-7760D5D34F1E}"/>
+              </a:ext>
+            </a:extLst>
+          </p:cNvPr>
+          <p:cNvSpPr/>
+          <p:nvPr/>
+        </p:nvSpPr>
+        <p:spPr>
+          <a:xfrm>
+            <a:off x="6232134" y="171112"/>
+            <a:ext cx="1787136" cy="1111752"/>
+          </a:xfrm>
+          <a:prstGeom prst="rect">
+            <a:avLst/>
+          </a:prstGeom>
+        </p:spPr>
+        <p:style>
+          <a:lnRef idx="2">
+            <a:schemeClr val="accent6"/>
+          </a:lnRef>
+          <a:fillRef idx="1">
+            <a:schemeClr val="lt1"/>
+          </a:fillRef>
+          <a:effectRef idx="0">
+            <a:schemeClr val="accent6"/>
+          </a:effectRef>
+          <a:fontRef idx="minor">
+            <a:schemeClr val="dk1"/>
+          </a:fontRef>
+        </p:style>
+        <p:txBody>
+          <a:bodyPr rtlCol="0" anchor="ctr"/>
+          <a:lstStyle/>
+          <a:p>
+            <a:pPr algn="ctr"/>
+            <a:r>
+              <a:rPr lang="en-US" dirty="0" err="1"/>
+              <a:t>IDispatchedBus</a:t>
+            </a:r>
+            <a:endParaRPr lang="en-US" dirty="0"/>
+          </a:p>
+        </p:txBody>
+      </p:sp>
+      <p:cxnSp>
+        <p:nvCxnSpPr>
+          <p:cNvPr id="64" name="Straight Arrow Connector 17">
+            <a:extLst>
+              <a:ext uri="{FF2B5EF4-FFF2-40B4-BE49-F238E27FC236}">
+                <a16:creationId xmlns:a16="http://schemas.microsoft.com/office/drawing/2014/main" id="{EAA5A47F-DAD2-4496-8E57-CC4F2AA3073B}"/>
+              </a:ext>
+            </a:extLst>
+          </p:cNvPr>
+          <p:cNvCxnSpPr>
+            <a:cxnSpLocks/>
+            <a:stCxn id="63" idx="2"/>
+            <a:endCxn id="101" idx="3"/>
+          </p:cNvCxnSpPr>
+          <p:nvPr/>
+        </p:nvCxnSpPr>
+        <p:spPr>
+          <a:xfrm rot="16200000" flipH="1">
+            <a:off x="7309738" y="1098827"/>
+            <a:ext cx="1964560" cy="2332633"/>
+          </a:xfrm>
+          <a:prstGeom prst="curvedConnector4">
+            <a:avLst>
+              <a:gd name="adj1" fmla="val 35852"/>
+              <a:gd name="adj2" fmla="val 109800"/>
+            </a:avLst>
+          </a:prstGeom>
+          <a:ln>
+            <a:tailEnd type="triangle"/>
+          </a:ln>
+        </p:spPr>
+        <p:style>
+          <a:lnRef idx="1">
+            <a:schemeClr val="accent1"/>
+          </a:lnRef>
+          <a:fillRef idx="0">
+            <a:schemeClr val="accent1"/>
+          </a:fillRef>
+          <a:effectRef idx="0">
+            <a:schemeClr val="accent1"/>
+          </a:effectRef>
+          <a:fontRef idx="minor">
+            <a:schemeClr val="tx1"/>
+          </a:fontRef>
+        </p:style>
+      </p:cxnSp>
+      <p:sp>
+        <p:nvSpPr>
+          <p:cNvPr id="65" name="Rectangle 64">
+            <a:extLst>
+              <a:ext uri="{FF2B5EF4-FFF2-40B4-BE49-F238E27FC236}">
+                <a16:creationId xmlns:a16="http://schemas.microsoft.com/office/drawing/2014/main" id="{28D66982-D8E8-49CA-8D23-82BF22EC107D}"/>
+              </a:ext>
+            </a:extLst>
+          </p:cNvPr>
+          <p:cNvSpPr/>
+          <p:nvPr/>
+        </p:nvSpPr>
+        <p:spPr>
+          <a:xfrm>
+            <a:off x="9192535" y="164762"/>
+            <a:ext cx="1440674" cy="1111752"/>
+          </a:xfrm>
+          <a:prstGeom prst="rect">
+            <a:avLst/>
+          </a:prstGeom>
+        </p:spPr>
+        <p:style>
+          <a:lnRef idx="2">
+            <a:schemeClr val="dk1">
+              <a:shade val="50000"/>
+            </a:schemeClr>
+          </a:lnRef>
+          <a:fillRef idx="1">
+            <a:schemeClr val="dk1"/>
+          </a:fillRef>
+          <a:effectRef idx="0">
+            <a:schemeClr val="dk1"/>
+          </a:effectRef>
+          <a:fontRef idx="minor">
+            <a:schemeClr val="lt1"/>
+          </a:fontRef>
+        </p:style>
+        <p:txBody>
+          <a:bodyPr rtlCol="0" anchor="ctr"/>
+          <a:lstStyle/>
+          <a:p>
+            <a:pPr algn="ctr"/>
+            <a:r>
+              <a:rPr lang="en-US" dirty="0"/>
+              <a:t>Outbox</a:t>
+            </a:r>
+          </a:p>
+          <a:p>
+            <a:pPr algn="ctr"/>
+            <a:r>
+              <a:rPr lang="en-US" dirty="0"/>
+              <a:t>(Storage)</a:t>
+            </a:r>
+          </a:p>
+        </p:txBody>
+      </p:sp>
+      <p:cxnSp>
+        <p:nvCxnSpPr>
+          <p:cNvPr id="66" name="Straight Arrow Connector 65">
+            <a:extLst>
+              <a:ext uri="{FF2B5EF4-FFF2-40B4-BE49-F238E27FC236}">
+                <a16:creationId xmlns:a16="http://schemas.microsoft.com/office/drawing/2014/main" id="{0E2E13E8-3F4A-4014-8D18-903F156CB9FC}"/>
+              </a:ext>
+            </a:extLst>
+          </p:cNvPr>
+          <p:cNvCxnSpPr>
+            <a:cxnSpLocks/>
+            <a:stCxn id="63" idx="3"/>
+            <a:endCxn id="65" idx="1"/>
+          </p:cNvCxnSpPr>
+          <p:nvPr/>
+        </p:nvCxnSpPr>
+        <p:spPr>
+          <a:xfrm flipV="1">
+            <a:off x="8019270" y="720638"/>
+            <a:ext cx="1173265" cy="6350"/>
+          </a:xfrm>
+          <a:prstGeom prst="straightConnector1">
+            <a:avLst/>
+          </a:prstGeom>
+          <a:ln>
+            <a:tailEnd type="triangle"/>
+          </a:ln>
+        </p:spPr>
+        <p:style>
+          <a:lnRef idx="1">
+            <a:schemeClr val="accent1"/>
+          </a:lnRef>
+          <a:fillRef idx="0">
+            <a:schemeClr val="accent1"/>
+          </a:fillRef>
+          <a:effectRef idx="0">
+            <a:schemeClr val="accent1"/>
+          </a:effectRef>
+          <a:fontRef idx="minor">
+            <a:schemeClr val="tx1"/>
+          </a:fontRef>
+        </p:style>
+      </p:cxnSp>
+      <p:sp>
+        <p:nvSpPr>
+          <p:cNvPr id="67" name="Rectangle 66">
+            <a:extLst>
+              <a:ext uri="{FF2B5EF4-FFF2-40B4-BE49-F238E27FC236}">
+                <a16:creationId xmlns:a16="http://schemas.microsoft.com/office/drawing/2014/main" id="{D801A844-3D8B-434F-BE9A-3D5068BA58A8}"/>
+              </a:ext>
+            </a:extLst>
+          </p:cNvPr>
+          <p:cNvSpPr/>
+          <p:nvPr/>
+        </p:nvSpPr>
+        <p:spPr>
+          <a:xfrm>
+            <a:off x="10383228" y="1622366"/>
+            <a:ext cx="1440674" cy="827077"/>
+          </a:xfrm>
+          <a:prstGeom prst="rect">
+            <a:avLst/>
+          </a:prstGeom>
+        </p:spPr>
+        <p:style>
+          <a:lnRef idx="2">
+            <a:schemeClr val="accent2">
+              <a:shade val="50000"/>
+            </a:schemeClr>
+          </a:lnRef>
+          <a:fillRef idx="1">
+            <a:schemeClr val="accent2"/>
+          </a:fillRef>
+          <a:effectRef idx="0">
+            <a:schemeClr val="accent2"/>
+          </a:effectRef>
+          <a:fontRef idx="minor">
+            <a:schemeClr val="lt1"/>
+          </a:fontRef>
+        </p:style>
+        <p:txBody>
+          <a:bodyPr rtlCol="0" anchor="ctr"/>
+          <a:lstStyle/>
+          <a:p>
+            <a:pPr algn="ctr"/>
+            <a:r>
+              <a:rPr lang="en-US" dirty="0"/>
+              <a:t>Outbox Job</a:t>
+            </a:r>
+          </a:p>
+        </p:txBody>
+      </p:sp>
+      <p:cxnSp>
+        <p:nvCxnSpPr>
+          <p:cNvPr id="68" name="Straight Arrow Connector 67">
+            <a:extLst>
+              <a:ext uri="{FF2B5EF4-FFF2-40B4-BE49-F238E27FC236}">
+                <a16:creationId xmlns:a16="http://schemas.microsoft.com/office/drawing/2014/main" id="{8FB64ABD-52AE-468E-92ED-5E47282717E3}"/>
+              </a:ext>
+            </a:extLst>
+          </p:cNvPr>
+          <p:cNvCxnSpPr>
+            <a:cxnSpLocks/>
+            <a:stCxn id="67" idx="0"/>
+            <a:endCxn id="65" idx="3"/>
+          </p:cNvCxnSpPr>
+          <p:nvPr/>
+        </p:nvCxnSpPr>
+        <p:spPr>
+          <a:xfrm flipH="1" flipV="1">
+            <a:off x="10633209" y="720638"/>
+            <a:ext cx="470356" cy="901728"/>
+          </a:xfrm>
+          <a:prstGeom prst="straightConnector1">
+            <a:avLst/>
+          </a:prstGeom>
+          <a:ln w="9525" cap="flat" cmpd="sng" algn="ctr">
+            <a:solidFill>
+              <a:schemeClr val="accent1"/>
+            </a:solidFill>
+            <a:prstDash val="dash"/>
+            <a:round/>
+            <a:headEnd type="none" w="med" len="med"/>
+            <a:tailEnd type="triangle" w="med" len="med"/>
+          </a:ln>
+        </p:spPr>
+        <p:style>
+          <a:lnRef idx="0">
+            <a:scrgbClr r="0" g="0" b="0"/>
+          </a:lnRef>
+          <a:fillRef idx="0">
+            <a:scrgbClr r="0" g="0" b="0"/>
+          </a:fillRef>
+          <a:effectRef idx="0">
+            <a:scrgbClr r="0" g="0" b="0"/>
+          </a:effectRef>
+          <a:fontRef idx="minor">
+            <a:schemeClr val="tx1"/>
+          </a:fontRef>
+        </p:style>
+      </p:cxnSp>
+      <p:sp>
+        <p:nvSpPr>
+          <p:cNvPr id="69" name="Rectangle 68">
+            <a:extLst>
+              <a:ext uri="{FF2B5EF4-FFF2-40B4-BE49-F238E27FC236}">
+                <a16:creationId xmlns:a16="http://schemas.microsoft.com/office/drawing/2014/main" id="{62674B48-004C-43DE-898F-646C4B51C80C}"/>
+              </a:ext>
+            </a:extLst>
+          </p:cNvPr>
+          <p:cNvSpPr/>
+          <p:nvPr/>
+        </p:nvSpPr>
+        <p:spPr>
+          <a:xfrm>
+            <a:off x="8879764" y="5581787"/>
+            <a:ext cx="1440674" cy="1111752"/>
+          </a:xfrm>
+          <a:prstGeom prst="rect">
+            <a:avLst/>
+          </a:prstGeom>
+        </p:spPr>
+        <p:style>
+          <a:lnRef idx="2">
+            <a:schemeClr val="accent6"/>
+          </a:lnRef>
+          <a:fillRef idx="1">
+            <a:schemeClr val="lt1"/>
+          </a:fillRef>
+          <a:effectRef idx="0">
+            <a:schemeClr val="accent6"/>
+          </a:effectRef>
+          <a:fontRef idx="minor">
+            <a:schemeClr val="dk1"/>
+          </a:fontRef>
+        </p:style>
+        <p:txBody>
+          <a:bodyPr rtlCol="0" anchor="ctr"/>
+          <a:lstStyle/>
+          <a:p>
+            <a:pPr algn="ctr"/>
+            <a:r>
+              <a:rPr lang="en-US" dirty="0"/>
+              <a:t>Distributed Bus</a:t>
+            </a:r>
+          </a:p>
+          <a:p>
+            <a:pPr algn="ctr"/>
+            <a:r>
+              <a:rPr lang="en-US" dirty="0"/>
+              <a:t>(NATS, Kafka Redis)</a:t>
+            </a:r>
+          </a:p>
+        </p:txBody>
+      </p:sp>
+      <p:cxnSp>
+        <p:nvCxnSpPr>
+          <p:cNvPr id="70" name="Straight Arrow Connector 69">
+            <a:extLst>
+              <a:ext uri="{FF2B5EF4-FFF2-40B4-BE49-F238E27FC236}">
+                <a16:creationId xmlns:a16="http://schemas.microsoft.com/office/drawing/2014/main" id="{089DFCB3-F7BE-415F-8EC8-F01E06186580}"/>
+              </a:ext>
+            </a:extLst>
+          </p:cNvPr>
+          <p:cNvCxnSpPr>
+            <a:cxnSpLocks/>
+            <a:stCxn id="71" idx="2"/>
+            <a:endCxn id="69" idx="3"/>
+          </p:cNvCxnSpPr>
+          <p:nvPr/>
+        </p:nvCxnSpPr>
+        <p:spPr>
+          <a:xfrm flipH="1">
+            <a:off x="10320438" y="4500609"/>
+            <a:ext cx="783127" cy="1637054"/>
+          </a:xfrm>
+          <a:prstGeom prst="straightConnector1">
+            <a:avLst/>
+          </a:prstGeom>
+          <a:ln>
+            <a:tailEnd type="triangle"/>
+          </a:ln>
+        </p:spPr>
+        <p:style>
+          <a:lnRef idx="1">
+            <a:schemeClr val="accent1"/>
+          </a:lnRef>
+          <a:fillRef idx="0">
+            <a:schemeClr val="accent1"/>
+          </a:fillRef>
+          <a:effectRef idx="0">
+            <a:schemeClr val="accent1"/>
+          </a:effectRef>
+          <a:fontRef idx="minor">
+            <a:schemeClr val="tx1"/>
+          </a:fontRef>
+        </p:style>
+      </p:cxnSp>
+      <p:sp>
+        <p:nvSpPr>
+          <p:cNvPr id="71" name="Rectangle 70">
+            <a:extLst>
+              <a:ext uri="{FF2B5EF4-FFF2-40B4-BE49-F238E27FC236}">
+                <a16:creationId xmlns:a16="http://schemas.microsoft.com/office/drawing/2014/main" id="{BCF10B56-B935-4A02-96A8-128981B0A93B}"/>
+              </a:ext>
+            </a:extLst>
+          </p:cNvPr>
+          <p:cNvSpPr/>
+          <p:nvPr/>
+        </p:nvSpPr>
+        <p:spPr>
+          <a:xfrm>
+            <a:off x="10383228" y="3388857"/>
+            <a:ext cx="1440674" cy="1111752"/>
+          </a:xfrm>
+          <a:prstGeom prst="rect">
+            <a:avLst/>
+          </a:prstGeom>
+        </p:spPr>
+        <p:style>
+          <a:lnRef idx="2">
+            <a:schemeClr val="accent6">
+              <a:shade val="50000"/>
+            </a:schemeClr>
+          </a:lnRef>
+          <a:fillRef idx="1">
+            <a:schemeClr val="accent6"/>
+          </a:fillRef>
+          <a:effectRef idx="0">
+            <a:schemeClr val="accent6"/>
+          </a:effectRef>
+          <a:fontRef idx="minor">
+            <a:schemeClr val="lt1"/>
+          </a:fontRef>
+        </p:style>
+        <p:txBody>
+          <a:bodyPr rtlCol="0" anchor="ctr"/>
+          <a:lstStyle/>
+          <a:p>
+            <a:pPr algn="ctr"/>
+            <a:r>
+              <a:rPr lang="en-US" dirty="0"/>
+              <a:t>Notification Handler&lt;&gt;</a:t>
+            </a:r>
+          </a:p>
+        </p:txBody>
+      </p:sp>
+      <p:sp>
+        <p:nvSpPr>
+          <p:cNvPr id="72" name="TextBox 71">
+            <a:extLst>
+              <a:ext uri="{FF2B5EF4-FFF2-40B4-BE49-F238E27FC236}">
+                <a16:creationId xmlns:a16="http://schemas.microsoft.com/office/drawing/2014/main" id="{8E92F8AE-01A5-4584-83A7-1CA640D51225}"/>
+              </a:ext>
+            </a:extLst>
+          </p:cNvPr>
+          <p:cNvSpPr txBox="1"/>
+          <p:nvPr/>
+        </p:nvSpPr>
+        <p:spPr>
+          <a:xfrm>
+            <a:off x="2776748" y="543015"/>
+            <a:ext cx="1122716" cy="261610"/>
+          </a:xfrm>
+          <a:prstGeom prst="rect">
+            <a:avLst/>
+          </a:prstGeom>
+          <a:noFill/>
+        </p:spPr>
+        <p:txBody>
+          <a:bodyPr wrap="square" rtlCol="0">
+            <a:spAutoFit/>
+          </a:bodyPr>
+          <a:lstStyle/>
+          <a:p>
+            <a:r>
+              <a:rPr lang="en-US" sz="1100" dirty="0"/>
+              <a:t>Domain Events</a:t>
+            </a:r>
+          </a:p>
+        </p:txBody>
+      </p:sp>
+      <p:sp>
+        <p:nvSpPr>
+          <p:cNvPr id="73" name="TextBox 72">
+            <a:extLst>
+              <a:ext uri="{FF2B5EF4-FFF2-40B4-BE49-F238E27FC236}">
+                <a16:creationId xmlns:a16="http://schemas.microsoft.com/office/drawing/2014/main" id="{2FBCAF44-66F6-4956-927B-ADFDFFD7DC3D}"/>
+              </a:ext>
+            </a:extLst>
+          </p:cNvPr>
+          <p:cNvSpPr txBox="1"/>
+          <p:nvPr/>
+        </p:nvSpPr>
+        <p:spPr>
+          <a:xfrm>
+            <a:off x="7831190" y="1725144"/>
+            <a:ext cx="1243807" cy="430887"/>
+          </a:xfrm>
+          <a:prstGeom prst="rect">
+            <a:avLst/>
+          </a:prstGeom>
+          <a:noFill/>
+        </p:spPr>
+        <p:txBody>
+          <a:bodyPr wrap="square" rtlCol="0">
+            <a:spAutoFit/>
+          </a:bodyPr>
+          <a:lstStyle/>
+          <a:p>
+            <a:r>
+              <a:rPr lang="en-US" sz="1100" dirty="0"/>
+              <a:t>Domain Event Envelop</a:t>
+            </a:r>
+          </a:p>
+        </p:txBody>
+      </p:sp>
+      <p:sp>
+        <p:nvSpPr>
+          <p:cNvPr id="74" name="TextBox 73">
+            <a:extLst>
+              <a:ext uri="{FF2B5EF4-FFF2-40B4-BE49-F238E27FC236}">
+                <a16:creationId xmlns:a16="http://schemas.microsoft.com/office/drawing/2014/main" id="{849C5E2B-711B-4A2F-8CAF-0F69D326FBEC}"/>
+              </a:ext>
+            </a:extLst>
+          </p:cNvPr>
+          <p:cNvSpPr txBox="1"/>
+          <p:nvPr/>
+        </p:nvSpPr>
+        <p:spPr>
+          <a:xfrm>
+            <a:off x="8043280" y="740141"/>
+            <a:ext cx="1149255" cy="600164"/>
+          </a:xfrm>
+          <a:prstGeom prst="rect">
+            <a:avLst/>
+          </a:prstGeom>
+          <a:noFill/>
+        </p:spPr>
+        <p:txBody>
+          <a:bodyPr wrap="square" rtlCol="0">
+            <a:spAutoFit/>
+          </a:bodyPr>
+          <a:lstStyle/>
+          <a:p>
+            <a:r>
+              <a:rPr lang="en-US" sz="1100" dirty="0"/>
+              <a:t>Outbox Message</a:t>
+            </a:r>
+          </a:p>
+          <a:p>
+            <a:r>
+              <a:rPr lang="en-US" sz="1100" dirty="0"/>
+              <a:t>(Domain Event </a:t>
+            </a:r>
+          </a:p>
+          <a:p>
+            <a:r>
+              <a:rPr lang="en-US" sz="1100" dirty="0"/>
+              <a:t>Envelop)</a:t>
+            </a:r>
+          </a:p>
+        </p:txBody>
+      </p:sp>
+      <p:cxnSp>
+        <p:nvCxnSpPr>
+          <p:cNvPr id="75" name="Straight Arrow Connector 74">
+            <a:extLst>
+              <a:ext uri="{FF2B5EF4-FFF2-40B4-BE49-F238E27FC236}">
+                <a16:creationId xmlns:a16="http://schemas.microsoft.com/office/drawing/2014/main" id="{CEE3BEB5-767F-4965-B72C-3B8E1B6B4D37}"/>
+              </a:ext>
+            </a:extLst>
+          </p:cNvPr>
+          <p:cNvCxnSpPr>
+            <a:cxnSpLocks/>
+            <a:stCxn id="61" idx="3"/>
+            <a:endCxn id="63" idx="1"/>
+          </p:cNvCxnSpPr>
+          <p:nvPr/>
+        </p:nvCxnSpPr>
+        <p:spPr>
+          <a:xfrm>
+            <a:off x="5466727" y="720638"/>
+            <a:ext cx="765407" cy="6350"/>
+          </a:xfrm>
+          <a:prstGeom prst="straightConnector1">
+            <a:avLst/>
+          </a:prstGeom>
+          <a:ln>
+            <a:tailEnd type="triangle"/>
+          </a:ln>
+        </p:spPr>
+        <p:style>
+          <a:lnRef idx="1">
+            <a:schemeClr val="accent1"/>
+          </a:lnRef>
+          <a:fillRef idx="0">
+            <a:schemeClr val="accent1"/>
+          </a:fillRef>
+          <a:effectRef idx="0">
+            <a:schemeClr val="accent1"/>
+          </a:effectRef>
+          <a:fontRef idx="minor">
+            <a:schemeClr val="tx1"/>
+          </a:fontRef>
+        </p:style>
+      </p:cxnSp>
+      <p:sp>
+        <p:nvSpPr>
+          <p:cNvPr id="76" name="Heptagon 75">
+            <a:extLst>
+              <a:ext uri="{FF2B5EF4-FFF2-40B4-BE49-F238E27FC236}">
+                <a16:creationId xmlns:a16="http://schemas.microsoft.com/office/drawing/2014/main" id="{C234E3EC-0FE3-40FB-B580-9FA20DA81931}"/>
+              </a:ext>
+            </a:extLst>
+          </p:cNvPr>
+          <p:cNvSpPr/>
+          <p:nvPr/>
+        </p:nvSpPr>
+        <p:spPr>
+          <a:xfrm>
+            <a:off x="8453558" y="343474"/>
+            <a:ext cx="331119" cy="331119"/>
+          </a:xfrm>
+          <a:prstGeom prst="heptagon">
+            <a:avLst/>
+          </a:prstGeom>
+        </p:spPr>
+        <p:style>
+          <a:lnRef idx="2">
+            <a:schemeClr val="accent2"/>
+          </a:lnRef>
+          <a:fillRef idx="1">
+            <a:schemeClr val="lt1"/>
+          </a:fillRef>
+          <a:effectRef idx="0">
+            <a:schemeClr val="accent2"/>
+          </a:effectRef>
+          <a:fontRef idx="minor">
+            <a:schemeClr val="dk1"/>
+          </a:fontRef>
+        </p:style>
+        <p:txBody>
+          <a:bodyPr rtlCol="0" anchor="ctr"/>
+          <a:lstStyle/>
+          <a:p>
+            <a:pPr algn="ctr"/>
+            <a:r>
+              <a:rPr lang="en-US" dirty="0"/>
+              <a:t>2</a:t>
+            </a:r>
+          </a:p>
+        </p:txBody>
+      </p:sp>
+      <p:sp>
+        <p:nvSpPr>
+          <p:cNvPr id="77" name="Heptagon 76">
+            <a:extLst>
+              <a:ext uri="{FF2B5EF4-FFF2-40B4-BE49-F238E27FC236}">
+                <a16:creationId xmlns:a16="http://schemas.microsoft.com/office/drawing/2014/main" id="{E43E4403-3642-4491-A730-32A3F4C9BAF7}"/>
+              </a:ext>
+            </a:extLst>
+          </p:cNvPr>
+          <p:cNvSpPr/>
+          <p:nvPr/>
+        </p:nvSpPr>
+        <p:spPr>
+          <a:xfrm>
+            <a:off x="8852525" y="1838504"/>
+            <a:ext cx="331119" cy="331119"/>
+          </a:xfrm>
+          <a:prstGeom prst="heptagon">
+            <a:avLst/>
+          </a:prstGeom>
+        </p:spPr>
+        <p:style>
+          <a:lnRef idx="2">
+            <a:schemeClr val="accent2"/>
+          </a:lnRef>
+          <a:fillRef idx="1">
+            <a:schemeClr val="lt1"/>
+          </a:fillRef>
+          <a:effectRef idx="0">
+            <a:schemeClr val="accent2"/>
+          </a:effectRef>
+          <a:fontRef idx="minor">
+            <a:schemeClr val="dk1"/>
+          </a:fontRef>
+        </p:style>
+        <p:txBody>
+          <a:bodyPr rtlCol="0" anchor="ctr"/>
+          <a:lstStyle/>
+          <a:p>
+            <a:pPr algn="ctr"/>
+            <a:r>
+              <a:rPr lang="en-US" dirty="0"/>
+              <a:t>1</a:t>
+            </a:r>
+          </a:p>
+        </p:txBody>
+      </p:sp>
+      <p:cxnSp>
+        <p:nvCxnSpPr>
+          <p:cNvPr id="78" name="Straight Arrow Connector 77">
+            <a:extLst>
+              <a:ext uri="{FF2B5EF4-FFF2-40B4-BE49-F238E27FC236}">
+                <a16:creationId xmlns:a16="http://schemas.microsoft.com/office/drawing/2014/main" id="{2ED7A34B-F9CD-4B78-96D2-3BCB0C85BC52}"/>
+              </a:ext>
+            </a:extLst>
+          </p:cNvPr>
+          <p:cNvCxnSpPr>
+            <a:cxnSpLocks/>
+            <a:stCxn id="67" idx="2"/>
+            <a:endCxn id="71" idx="0"/>
+          </p:cNvCxnSpPr>
+          <p:nvPr/>
+        </p:nvCxnSpPr>
+        <p:spPr>
+          <a:xfrm>
+            <a:off x="11103565" y="2449443"/>
+            <a:ext cx="0" cy="939414"/>
+          </a:xfrm>
+          <a:prstGeom prst="straightConnector1">
+            <a:avLst/>
+          </a:prstGeom>
+          <a:ln>
+            <a:tailEnd type="triangle"/>
+          </a:ln>
+        </p:spPr>
+        <p:style>
+          <a:lnRef idx="1">
+            <a:schemeClr val="accent1"/>
+          </a:lnRef>
+          <a:fillRef idx="0">
+            <a:schemeClr val="accent1"/>
+          </a:fillRef>
+          <a:effectRef idx="0">
+            <a:schemeClr val="accent1"/>
+          </a:effectRef>
+          <a:fontRef idx="minor">
+            <a:schemeClr val="tx1"/>
+          </a:fontRef>
+        </p:style>
+      </p:cxnSp>
+      <p:sp>
+        <p:nvSpPr>
+          <p:cNvPr id="79" name="TextBox 78">
+            <a:extLst>
+              <a:ext uri="{FF2B5EF4-FFF2-40B4-BE49-F238E27FC236}">
+                <a16:creationId xmlns:a16="http://schemas.microsoft.com/office/drawing/2014/main" id="{8E653312-EA33-4A9E-AF62-8C479C41498A}"/>
+              </a:ext>
+            </a:extLst>
+          </p:cNvPr>
+          <p:cNvSpPr txBox="1"/>
+          <p:nvPr/>
+        </p:nvSpPr>
+        <p:spPr>
+          <a:xfrm>
+            <a:off x="11128266" y="2648111"/>
+            <a:ext cx="987534" cy="430887"/>
+          </a:xfrm>
+          <a:prstGeom prst="rect">
+            <a:avLst/>
+          </a:prstGeom>
+          <a:noFill/>
+        </p:spPr>
+        <p:txBody>
+          <a:bodyPr wrap="square" rtlCol="0">
+            <a:spAutoFit/>
+          </a:bodyPr>
+          <a:lstStyle/>
+          <a:p>
+            <a:r>
+              <a:rPr lang="en-US" sz="1100" dirty="0"/>
+              <a:t>Domain Event </a:t>
+            </a:r>
+          </a:p>
+          <a:p>
+            <a:r>
+              <a:rPr lang="en-US" sz="1100" dirty="0"/>
+              <a:t>Envelop</a:t>
+            </a:r>
+          </a:p>
+        </p:txBody>
+      </p:sp>
+      <p:sp>
+        <p:nvSpPr>
+          <p:cNvPr id="80" name="TextBox 79">
+            <a:extLst>
+              <a:ext uri="{FF2B5EF4-FFF2-40B4-BE49-F238E27FC236}">
+                <a16:creationId xmlns:a16="http://schemas.microsoft.com/office/drawing/2014/main" id="{3441462C-FDD6-48E2-89E9-BA0173C155A3}"/>
+              </a:ext>
+            </a:extLst>
+          </p:cNvPr>
+          <p:cNvSpPr txBox="1"/>
+          <p:nvPr/>
+        </p:nvSpPr>
+        <p:spPr>
+          <a:xfrm>
+            <a:off x="10766686" y="5181474"/>
+            <a:ext cx="1264214" cy="430887"/>
+          </a:xfrm>
+          <a:prstGeom prst="rect">
+            <a:avLst/>
+          </a:prstGeom>
+          <a:noFill/>
+        </p:spPr>
+        <p:txBody>
+          <a:bodyPr wrap="square" rtlCol="0">
+            <a:spAutoFit/>
+          </a:bodyPr>
+          <a:lstStyle/>
+          <a:p>
+            <a:r>
+              <a:rPr lang="en-US" sz="1100" dirty="0"/>
+              <a:t>Publish (Integration Event)</a:t>
+            </a:r>
+          </a:p>
+        </p:txBody>
+      </p:sp>
+      <p:sp>
+        <p:nvSpPr>
+          <p:cNvPr id="81" name="Rectangle 80">
+            <a:extLst>
+              <a:ext uri="{FF2B5EF4-FFF2-40B4-BE49-F238E27FC236}">
+                <a16:creationId xmlns:a16="http://schemas.microsoft.com/office/drawing/2014/main" id="{0CFF3C74-AFF0-4FE9-A35A-CD89FB5796F2}"/>
+              </a:ext>
+            </a:extLst>
+          </p:cNvPr>
+          <p:cNvSpPr/>
+          <p:nvPr/>
+        </p:nvSpPr>
+        <p:spPr>
+          <a:xfrm>
+            <a:off x="6217697" y="5581787"/>
+            <a:ext cx="1440674" cy="1111752"/>
+          </a:xfrm>
+          <a:prstGeom prst="rect">
+            <a:avLst/>
+          </a:prstGeom>
+        </p:spPr>
+        <p:style>
+          <a:lnRef idx="2">
+            <a:schemeClr val="accent6"/>
+          </a:lnRef>
+          <a:fillRef idx="1">
+            <a:schemeClr val="lt1"/>
+          </a:fillRef>
+          <a:effectRef idx="0">
+            <a:schemeClr val="accent6"/>
+          </a:effectRef>
+          <a:fontRef idx="minor">
+            <a:schemeClr val="dk1"/>
+          </a:fontRef>
+        </p:style>
+        <p:txBody>
+          <a:bodyPr rtlCol="0" anchor="ctr"/>
+          <a:lstStyle/>
+          <a:p>
+            <a:pPr algn="ctr"/>
+            <a:r>
+              <a:rPr lang="en-US" dirty="0" err="1"/>
+              <a:t>IBusClient</a:t>
+            </a:r>
+            <a:endParaRPr lang="en-US" dirty="0"/>
+          </a:p>
+        </p:txBody>
+      </p:sp>
+      <p:cxnSp>
+        <p:nvCxnSpPr>
+          <p:cNvPr id="82" name="Straight Arrow Connector 81">
+            <a:extLst>
+              <a:ext uri="{FF2B5EF4-FFF2-40B4-BE49-F238E27FC236}">
+                <a16:creationId xmlns:a16="http://schemas.microsoft.com/office/drawing/2014/main" id="{074CA902-9E89-482F-88BF-B95D8C71DA9C}"/>
+              </a:ext>
+            </a:extLst>
+          </p:cNvPr>
+          <p:cNvCxnSpPr>
+            <a:cxnSpLocks/>
+            <a:stCxn id="81" idx="3"/>
+            <a:endCxn id="69" idx="1"/>
+          </p:cNvCxnSpPr>
+          <p:nvPr/>
+        </p:nvCxnSpPr>
+        <p:spPr>
+          <a:xfrm>
+            <a:off x="7658371" y="6137663"/>
+            <a:ext cx="1221393" cy="0"/>
+          </a:xfrm>
+          <a:prstGeom prst="straightConnector1">
+            <a:avLst/>
+          </a:prstGeom>
+          <a:ln w="9525" cap="flat" cmpd="sng" algn="ctr">
+            <a:solidFill>
+              <a:schemeClr val="accent1"/>
+            </a:solidFill>
+            <a:prstDash val="dash"/>
+            <a:round/>
+            <a:headEnd type="none" w="med" len="med"/>
+            <a:tailEnd type="triangle" w="med" len="med"/>
+          </a:ln>
+        </p:spPr>
+        <p:style>
+          <a:lnRef idx="0">
+            <a:scrgbClr r="0" g="0" b="0"/>
+          </a:lnRef>
+          <a:fillRef idx="0">
+            <a:scrgbClr r="0" g="0" b="0"/>
+          </a:fillRef>
+          <a:effectRef idx="0">
+            <a:scrgbClr r="0" g="0" b="0"/>
+          </a:effectRef>
+          <a:fontRef idx="minor">
+            <a:schemeClr val="tx1"/>
+          </a:fontRef>
+        </p:style>
+      </p:cxnSp>
+      <p:sp>
+        <p:nvSpPr>
+          <p:cNvPr id="83" name="TextBox 82">
+            <a:extLst>
+              <a:ext uri="{FF2B5EF4-FFF2-40B4-BE49-F238E27FC236}">
+                <a16:creationId xmlns:a16="http://schemas.microsoft.com/office/drawing/2014/main" id="{6AC4A7B1-66E8-4AD5-A2A4-908C10E281C6}"/>
+              </a:ext>
+            </a:extLst>
+          </p:cNvPr>
+          <p:cNvSpPr txBox="1"/>
+          <p:nvPr/>
+        </p:nvSpPr>
+        <p:spPr>
+          <a:xfrm>
+            <a:off x="7664893" y="6175877"/>
+            <a:ext cx="1264214" cy="430887"/>
+          </a:xfrm>
+          <a:prstGeom prst="rect">
+            <a:avLst/>
+          </a:prstGeom>
+          <a:noFill/>
+        </p:spPr>
+        <p:txBody>
+          <a:bodyPr wrap="square" rtlCol="0">
+            <a:spAutoFit/>
+          </a:bodyPr>
+          <a:lstStyle/>
+          <a:p>
+            <a:r>
+              <a:rPr lang="en-US" sz="1100" dirty="0"/>
+              <a:t>Subscribe</a:t>
+            </a:r>
+          </a:p>
+          <a:p>
+            <a:r>
+              <a:rPr lang="en-US" sz="1100" dirty="0"/>
+              <a:t>(Integration Event)</a:t>
+            </a:r>
+          </a:p>
+        </p:txBody>
+      </p:sp>
+      <p:sp>
+        <p:nvSpPr>
+          <p:cNvPr id="84" name="Rectangle 83">
+            <a:extLst>
+              <a:ext uri="{FF2B5EF4-FFF2-40B4-BE49-F238E27FC236}">
+                <a16:creationId xmlns:a16="http://schemas.microsoft.com/office/drawing/2014/main" id="{DE74B008-F6E8-409A-94B3-55CCE4FF9DFD}"/>
+              </a:ext>
+            </a:extLst>
+          </p:cNvPr>
+          <p:cNvSpPr/>
+          <p:nvPr/>
+        </p:nvSpPr>
+        <p:spPr>
+          <a:xfrm>
+            <a:off x="3933890" y="5581787"/>
+            <a:ext cx="1440674" cy="1111752"/>
+          </a:xfrm>
+          <a:prstGeom prst="rect">
+            <a:avLst/>
+          </a:prstGeom>
+        </p:spPr>
+        <p:style>
+          <a:lnRef idx="2">
+            <a:schemeClr val="accent6">
+              <a:shade val="50000"/>
+            </a:schemeClr>
+          </a:lnRef>
+          <a:fillRef idx="1">
+            <a:schemeClr val="accent6"/>
+          </a:fillRef>
+          <a:effectRef idx="0">
+            <a:schemeClr val="accent6"/>
+          </a:effectRef>
+          <a:fontRef idx="minor">
+            <a:schemeClr val="lt1"/>
+          </a:fontRef>
+        </p:style>
+        <p:txBody>
+          <a:bodyPr rtlCol="0" anchor="ctr"/>
+          <a:lstStyle/>
+          <a:p>
+            <a:pPr algn="ctr"/>
+            <a:r>
+              <a:rPr lang="en-US" dirty="0"/>
+              <a:t>Integration Event Handler&lt;&gt;</a:t>
+            </a:r>
+          </a:p>
+        </p:txBody>
+      </p:sp>
+      <p:cxnSp>
+        <p:nvCxnSpPr>
+          <p:cNvPr id="85" name="Straight Arrow Connector 84">
+            <a:extLst>
+              <a:ext uri="{FF2B5EF4-FFF2-40B4-BE49-F238E27FC236}">
+                <a16:creationId xmlns:a16="http://schemas.microsoft.com/office/drawing/2014/main" id="{201298EC-996D-4DE5-AFB8-40F50A6DFA96}"/>
+              </a:ext>
+            </a:extLst>
+          </p:cNvPr>
+          <p:cNvCxnSpPr>
+            <a:cxnSpLocks/>
+            <a:stCxn id="81" idx="1"/>
+            <a:endCxn id="84" idx="3"/>
+          </p:cNvCxnSpPr>
+          <p:nvPr/>
+        </p:nvCxnSpPr>
+        <p:spPr>
+          <a:xfrm flipH="1">
+            <a:off x="5374564" y="6137663"/>
+            <a:ext cx="843133" cy="0"/>
+          </a:xfrm>
+          <a:prstGeom prst="straightConnector1">
+            <a:avLst/>
+          </a:prstGeom>
+          <a:ln>
+            <a:tailEnd type="triangle"/>
+          </a:ln>
+        </p:spPr>
+        <p:style>
+          <a:lnRef idx="1">
+            <a:schemeClr val="accent1"/>
+          </a:lnRef>
+          <a:fillRef idx="0">
+            <a:schemeClr val="accent1"/>
+          </a:fillRef>
+          <a:effectRef idx="0">
+            <a:schemeClr val="accent1"/>
+          </a:effectRef>
+          <a:fontRef idx="minor">
+            <a:schemeClr val="tx1"/>
+          </a:fontRef>
+        </p:style>
+      </p:cxnSp>
+      <p:sp>
+        <p:nvSpPr>
+          <p:cNvPr id="86" name="TextBox 85">
+            <a:extLst>
+              <a:ext uri="{FF2B5EF4-FFF2-40B4-BE49-F238E27FC236}">
+                <a16:creationId xmlns:a16="http://schemas.microsoft.com/office/drawing/2014/main" id="{0EAB8EDE-DF84-425A-A3CF-7C2063EE1932}"/>
+              </a:ext>
+            </a:extLst>
+          </p:cNvPr>
+          <p:cNvSpPr txBox="1"/>
+          <p:nvPr/>
+        </p:nvSpPr>
+        <p:spPr>
+          <a:xfrm>
+            <a:off x="5361753" y="6153366"/>
+            <a:ext cx="1264214" cy="430887"/>
+          </a:xfrm>
+          <a:prstGeom prst="rect">
+            <a:avLst/>
+          </a:prstGeom>
+          <a:noFill/>
+        </p:spPr>
+        <p:txBody>
+          <a:bodyPr wrap="square" rtlCol="0">
+            <a:spAutoFit/>
+          </a:bodyPr>
+          <a:lstStyle/>
+          <a:p>
+            <a:r>
+              <a:rPr lang="en-US" sz="1100" dirty="0"/>
+              <a:t>Integration </a:t>
+            </a:r>
+          </a:p>
+          <a:p>
+            <a:r>
+              <a:rPr lang="en-US" sz="1100" dirty="0"/>
+              <a:t>Event</a:t>
+            </a:r>
+          </a:p>
+        </p:txBody>
+      </p:sp>
+      <p:sp>
+        <p:nvSpPr>
+          <p:cNvPr id="87" name="Rectangle 86">
+            <a:extLst>
+              <a:ext uri="{FF2B5EF4-FFF2-40B4-BE49-F238E27FC236}">
+                <a16:creationId xmlns:a16="http://schemas.microsoft.com/office/drawing/2014/main" id="{8F3348C5-AAAF-4E0A-B30D-75B2B8A3009C}"/>
+              </a:ext>
+            </a:extLst>
+          </p:cNvPr>
+          <p:cNvSpPr/>
+          <p:nvPr/>
+        </p:nvSpPr>
+        <p:spPr>
+          <a:xfrm>
+            <a:off x="1479554" y="5581787"/>
+            <a:ext cx="1440674" cy="1111752"/>
+          </a:xfrm>
+          <a:prstGeom prst="rect">
+            <a:avLst/>
+          </a:prstGeom>
+        </p:spPr>
+        <p:style>
+          <a:lnRef idx="2">
+            <a:schemeClr val="dk1">
+              <a:shade val="50000"/>
+            </a:schemeClr>
+          </a:lnRef>
+          <a:fillRef idx="1">
+            <a:schemeClr val="dk1"/>
+          </a:fillRef>
+          <a:effectRef idx="0">
+            <a:schemeClr val="dk1"/>
+          </a:effectRef>
+          <a:fontRef idx="minor">
+            <a:schemeClr val="lt1"/>
+          </a:fontRef>
+        </p:style>
+        <p:txBody>
+          <a:bodyPr rtlCol="0" anchor="ctr"/>
+          <a:lstStyle/>
+          <a:p>
+            <a:pPr algn="ctr"/>
+            <a:r>
+              <a:rPr lang="en-US" dirty="0"/>
+              <a:t>Inbox</a:t>
+            </a:r>
+          </a:p>
+          <a:p>
+            <a:pPr algn="ctr"/>
+            <a:r>
+              <a:rPr lang="en-US" dirty="0"/>
+              <a:t>(Storage)</a:t>
+            </a:r>
+          </a:p>
+        </p:txBody>
+      </p:sp>
+      <p:cxnSp>
+        <p:nvCxnSpPr>
+          <p:cNvPr id="88" name="Straight Arrow Connector 87">
+            <a:extLst>
+              <a:ext uri="{FF2B5EF4-FFF2-40B4-BE49-F238E27FC236}">
+                <a16:creationId xmlns:a16="http://schemas.microsoft.com/office/drawing/2014/main" id="{584DA55C-8377-4A23-931A-7339C94EFCA4}"/>
+              </a:ext>
+            </a:extLst>
+          </p:cNvPr>
+          <p:cNvCxnSpPr>
+            <a:cxnSpLocks/>
+            <a:stCxn id="84" idx="1"/>
+            <a:endCxn id="87" idx="3"/>
+          </p:cNvCxnSpPr>
+          <p:nvPr/>
+        </p:nvCxnSpPr>
+        <p:spPr>
+          <a:xfrm flipH="1">
+            <a:off x="2920228" y="6137663"/>
+            <a:ext cx="1013662" cy="0"/>
+          </a:xfrm>
+          <a:prstGeom prst="straightConnector1">
+            <a:avLst/>
+          </a:prstGeom>
+          <a:ln>
+            <a:tailEnd type="triangle"/>
+          </a:ln>
+        </p:spPr>
+        <p:style>
+          <a:lnRef idx="1">
+            <a:schemeClr val="accent1"/>
+          </a:lnRef>
+          <a:fillRef idx="0">
+            <a:schemeClr val="accent1"/>
+          </a:fillRef>
+          <a:effectRef idx="0">
+            <a:schemeClr val="accent1"/>
+          </a:effectRef>
+          <a:fontRef idx="minor">
+            <a:schemeClr val="tx1"/>
+          </a:fontRef>
+        </p:style>
+      </p:cxnSp>
+      <p:sp>
+        <p:nvSpPr>
+          <p:cNvPr id="89" name="Rectangle 88">
+            <a:extLst>
+              <a:ext uri="{FF2B5EF4-FFF2-40B4-BE49-F238E27FC236}">
+                <a16:creationId xmlns:a16="http://schemas.microsoft.com/office/drawing/2014/main" id="{EAC23AEC-5CB5-4EA6-B4A1-01283E091793}"/>
+              </a:ext>
+            </a:extLst>
+          </p:cNvPr>
+          <p:cNvSpPr/>
+          <p:nvPr/>
+        </p:nvSpPr>
+        <p:spPr>
+          <a:xfrm>
+            <a:off x="378771" y="4195841"/>
+            <a:ext cx="1100783" cy="810565"/>
+          </a:xfrm>
+          <a:prstGeom prst="rect">
+            <a:avLst/>
+          </a:prstGeom>
+        </p:spPr>
+        <p:style>
+          <a:lnRef idx="2">
+            <a:schemeClr val="accent2">
+              <a:shade val="50000"/>
+            </a:schemeClr>
+          </a:lnRef>
+          <a:fillRef idx="1">
+            <a:schemeClr val="accent2"/>
+          </a:fillRef>
+          <a:effectRef idx="0">
+            <a:schemeClr val="accent2"/>
+          </a:effectRef>
+          <a:fontRef idx="minor">
+            <a:schemeClr val="lt1"/>
+          </a:fontRef>
+        </p:style>
+        <p:txBody>
+          <a:bodyPr rtlCol="0" anchor="ctr"/>
+          <a:lstStyle/>
+          <a:p>
+            <a:pPr algn="ctr"/>
+            <a:r>
+              <a:rPr lang="en-US" dirty="0"/>
+              <a:t>Inbox Job</a:t>
+            </a:r>
+          </a:p>
+        </p:txBody>
+      </p:sp>
+      <p:cxnSp>
+        <p:nvCxnSpPr>
+          <p:cNvPr id="90" name="Straight Arrow Connector 89">
+            <a:extLst>
+              <a:ext uri="{FF2B5EF4-FFF2-40B4-BE49-F238E27FC236}">
+                <a16:creationId xmlns:a16="http://schemas.microsoft.com/office/drawing/2014/main" id="{A1B2794A-53E0-48AF-97E9-964E72DFA8E2}"/>
+              </a:ext>
+            </a:extLst>
+          </p:cNvPr>
+          <p:cNvCxnSpPr>
+            <a:cxnSpLocks/>
+            <a:stCxn id="89" idx="2"/>
+            <a:endCxn id="87" idx="1"/>
+          </p:cNvCxnSpPr>
+          <p:nvPr/>
+        </p:nvCxnSpPr>
+        <p:spPr>
+          <a:xfrm>
+            <a:off x="929163" y="5006406"/>
+            <a:ext cx="550391" cy="1131257"/>
+          </a:xfrm>
+          <a:prstGeom prst="straightConnector1">
+            <a:avLst/>
+          </a:prstGeom>
+          <a:ln w="9525" cap="flat" cmpd="sng" algn="ctr">
+            <a:solidFill>
+              <a:schemeClr val="accent1"/>
+            </a:solidFill>
+            <a:prstDash val="dash"/>
+            <a:round/>
+            <a:headEnd type="none" w="med" len="med"/>
+            <a:tailEnd type="triangle" w="med" len="med"/>
+          </a:ln>
+        </p:spPr>
+        <p:style>
+          <a:lnRef idx="0">
+            <a:scrgbClr r="0" g="0" b="0"/>
+          </a:lnRef>
+          <a:fillRef idx="0">
+            <a:scrgbClr r="0" g="0" b="0"/>
+          </a:fillRef>
+          <a:effectRef idx="0">
+            <a:scrgbClr r="0" g="0" b="0"/>
+          </a:effectRef>
+          <a:fontRef idx="minor">
+            <a:schemeClr val="tx1"/>
+          </a:fontRef>
+        </p:style>
+      </p:cxnSp>
+      <p:sp>
+        <p:nvSpPr>
+          <p:cNvPr id="91" name="Rectangle 90">
+            <a:extLst>
+              <a:ext uri="{FF2B5EF4-FFF2-40B4-BE49-F238E27FC236}">
+                <a16:creationId xmlns:a16="http://schemas.microsoft.com/office/drawing/2014/main" id="{CF5F5C6C-ED75-4478-95D4-5270461F0320}"/>
+              </a:ext>
+            </a:extLst>
+          </p:cNvPr>
+          <p:cNvSpPr/>
+          <p:nvPr/>
+        </p:nvSpPr>
+        <p:spPr>
+          <a:xfrm>
+            <a:off x="1289331" y="2691548"/>
+            <a:ext cx="1440674" cy="1111752"/>
+          </a:xfrm>
+          <a:prstGeom prst="rect">
+            <a:avLst/>
+          </a:prstGeom>
+        </p:spPr>
+        <p:style>
+          <a:lnRef idx="2">
+            <a:schemeClr val="accent6">
+              <a:shade val="50000"/>
+            </a:schemeClr>
+          </a:lnRef>
+          <a:fillRef idx="1">
+            <a:schemeClr val="accent6"/>
+          </a:fillRef>
+          <a:effectRef idx="0">
+            <a:schemeClr val="accent6"/>
+          </a:effectRef>
+          <a:fontRef idx="minor">
+            <a:schemeClr val="lt1"/>
+          </a:fontRef>
+        </p:style>
+        <p:txBody>
+          <a:bodyPr rtlCol="0" anchor="ctr"/>
+          <a:lstStyle/>
+          <a:p>
+            <a:pPr algn="ctr"/>
+            <a:r>
+              <a:rPr lang="en-US" dirty="0"/>
+              <a:t>Notification Handler&lt;&gt;</a:t>
+            </a:r>
+          </a:p>
+        </p:txBody>
+      </p:sp>
+      <p:cxnSp>
+        <p:nvCxnSpPr>
+          <p:cNvPr id="92" name="Straight Arrow Connector 91">
+            <a:extLst>
+              <a:ext uri="{FF2B5EF4-FFF2-40B4-BE49-F238E27FC236}">
+                <a16:creationId xmlns:a16="http://schemas.microsoft.com/office/drawing/2014/main" id="{ECE038B2-53A6-44B3-B41D-1ECA0ADEF0A6}"/>
+              </a:ext>
+            </a:extLst>
+          </p:cNvPr>
+          <p:cNvCxnSpPr>
+            <a:cxnSpLocks/>
+            <a:stCxn id="89" idx="0"/>
+            <a:endCxn id="91" idx="1"/>
+          </p:cNvCxnSpPr>
+          <p:nvPr/>
+        </p:nvCxnSpPr>
+        <p:spPr>
+          <a:xfrm flipV="1">
+            <a:off x="929163" y="3247424"/>
+            <a:ext cx="360168" cy="948417"/>
+          </a:xfrm>
+          <a:prstGeom prst="straightConnector1">
+            <a:avLst/>
+          </a:prstGeom>
+          <a:ln>
+            <a:tailEnd type="triangle"/>
+          </a:ln>
+        </p:spPr>
+        <p:style>
+          <a:lnRef idx="1">
+            <a:schemeClr val="accent1"/>
+          </a:lnRef>
+          <a:fillRef idx="0">
+            <a:schemeClr val="accent1"/>
+          </a:fillRef>
+          <a:effectRef idx="0">
+            <a:schemeClr val="accent1"/>
+          </a:effectRef>
+          <a:fontRef idx="minor">
+            <a:schemeClr val="tx1"/>
+          </a:fontRef>
+        </p:style>
+      </p:cxnSp>
+      <p:sp>
+        <p:nvSpPr>
+          <p:cNvPr id="93" name="TextBox 92">
+            <a:extLst>
+              <a:ext uri="{FF2B5EF4-FFF2-40B4-BE49-F238E27FC236}">
+                <a16:creationId xmlns:a16="http://schemas.microsoft.com/office/drawing/2014/main" id="{6D3BD71A-8A73-49D0-88C9-77BD0EAD4424}"/>
+              </a:ext>
+            </a:extLst>
+          </p:cNvPr>
+          <p:cNvSpPr txBox="1"/>
+          <p:nvPr/>
+        </p:nvSpPr>
+        <p:spPr>
+          <a:xfrm>
+            <a:off x="301797" y="3444660"/>
+            <a:ext cx="987534" cy="430887"/>
+          </a:xfrm>
+          <a:prstGeom prst="rect">
+            <a:avLst/>
+          </a:prstGeom>
+          <a:noFill/>
+        </p:spPr>
+        <p:txBody>
+          <a:bodyPr wrap="square" rtlCol="0">
+            <a:spAutoFit/>
+          </a:bodyPr>
+          <a:lstStyle/>
+          <a:p>
+            <a:r>
+              <a:rPr lang="en-US" sz="1100" dirty="0"/>
+              <a:t>Integration Event</a:t>
+            </a:r>
+          </a:p>
+        </p:txBody>
+      </p:sp>
+      <p:sp>
+        <p:nvSpPr>
+          <p:cNvPr id="94" name="TextBox 93">
+            <a:extLst>
+              <a:ext uri="{FF2B5EF4-FFF2-40B4-BE49-F238E27FC236}">
+                <a16:creationId xmlns:a16="http://schemas.microsoft.com/office/drawing/2014/main" id="{E5FFF244-77AB-49DC-9E7A-A78860C5823C}"/>
+              </a:ext>
+            </a:extLst>
+          </p:cNvPr>
+          <p:cNvSpPr txBox="1"/>
+          <p:nvPr/>
+        </p:nvSpPr>
+        <p:spPr>
+          <a:xfrm>
+            <a:off x="2946750" y="6126192"/>
+            <a:ext cx="1149255" cy="600164"/>
+          </a:xfrm>
+          <a:prstGeom prst="rect">
+            <a:avLst/>
+          </a:prstGeom>
+          <a:noFill/>
+        </p:spPr>
+        <p:txBody>
+          <a:bodyPr wrap="square" rtlCol="0">
+            <a:spAutoFit/>
+          </a:bodyPr>
+          <a:lstStyle/>
+          <a:p>
+            <a:r>
+              <a:rPr lang="en-US" sz="1100" dirty="0"/>
+              <a:t>Inbox Message</a:t>
+            </a:r>
+          </a:p>
+          <a:p>
+            <a:r>
+              <a:rPr lang="en-US" sz="1100" dirty="0"/>
+              <a:t>(Domain Event </a:t>
+            </a:r>
+          </a:p>
+          <a:p>
+            <a:r>
+              <a:rPr lang="en-US" sz="1100" dirty="0"/>
+              <a:t>Envelop)</a:t>
+            </a:r>
+          </a:p>
+        </p:txBody>
+      </p:sp>
+      <p:sp>
+        <p:nvSpPr>
+          <p:cNvPr id="95" name="Rectangle 94">
+            <a:extLst>
+              <a:ext uri="{FF2B5EF4-FFF2-40B4-BE49-F238E27FC236}">
+                <a16:creationId xmlns:a16="http://schemas.microsoft.com/office/drawing/2014/main" id="{0C328771-5280-4673-9DA4-27E3093F34B5}"/>
+              </a:ext>
+            </a:extLst>
+          </p:cNvPr>
+          <p:cNvSpPr/>
+          <p:nvPr/>
+        </p:nvSpPr>
+        <p:spPr>
+          <a:xfrm>
+            <a:off x="3530377" y="2691548"/>
+            <a:ext cx="1440674" cy="1111752"/>
+          </a:xfrm>
+          <a:prstGeom prst="rect">
+            <a:avLst/>
+          </a:prstGeom>
+        </p:spPr>
+        <p:style>
+          <a:lnRef idx="2">
+            <a:schemeClr val="accent6"/>
+          </a:lnRef>
+          <a:fillRef idx="1">
+            <a:schemeClr val="lt1"/>
+          </a:fillRef>
+          <a:effectRef idx="0">
+            <a:schemeClr val="accent6"/>
+          </a:effectRef>
+          <a:fontRef idx="minor">
+            <a:schemeClr val="dk1"/>
+          </a:fontRef>
+        </p:style>
+        <p:txBody>
+          <a:bodyPr rtlCol="0" anchor="ctr"/>
+          <a:lstStyle/>
+          <a:p>
+            <a:pPr algn="ctr"/>
+            <a:r>
+              <a:rPr lang="en-US" dirty="0"/>
+              <a:t>Command Scheduler&lt;&gt;</a:t>
+            </a:r>
+          </a:p>
+        </p:txBody>
+      </p:sp>
+      <p:cxnSp>
+        <p:nvCxnSpPr>
+          <p:cNvPr id="96" name="Straight Arrow Connector 95">
+            <a:extLst>
+              <a:ext uri="{FF2B5EF4-FFF2-40B4-BE49-F238E27FC236}">
+                <a16:creationId xmlns:a16="http://schemas.microsoft.com/office/drawing/2014/main" id="{EB96BE96-1F76-4F38-A1A9-E5F4DFA08CBE}"/>
+              </a:ext>
+            </a:extLst>
+          </p:cNvPr>
+          <p:cNvCxnSpPr>
+            <a:cxnSpLocks/>
+            <a:stCxn id="91" idx="3"/>
+            <a:endCxn id="95" idx="1"/>
+          </p:cNvCxnSpPr>
+          <p:nvPr/>
+        </p:nvCxnSpPr>
+        <p:spPr>
+          <a:xfrm>
+            <a:off x="2730005" y="3247424"/>
+            <a:ext cx="800372" cy="0"/>
+          </a:xfrm>
+          <a:prstGeom prst="straightConnector1">
+            <a:avLst/>
+          </a:prstGeom>
+          <a:ln>
+            <a:tailEnd type="triangle"/>
+          </a:ln>
+        </p:spPr>
+        <p:style>
+          <a:lnRef idx="1">
+            <a:schemeClr val="accent1"/>
+          </a:lnRef>
+          <a:fillRef idx="0">
+            <a:schemeClr val="accent1"/>
+          </a:fillRef>
+          <a:effectRef idx="0">
+            <a:schemeClr val="accent1"/>
+          </a:effectRef>
+          <a:fontRef idx="minor">
+            <a:schemeClr val="tx1"/>
+          </a:fontRef>
+        </p:style>
+      </p:cxnSp>
+      <p:sp>
+        <p:nvSpPr>
+          <p:cNvPr id="97" name="TextBox 96">
+            <a:extLst>
+              <a:ext uri="{FF2B5EF4-FFF2-40B4-BE49-F238E27FC236}">
+                <a16:creationId xmlns:a16="http://schemas.microsoft.com/office/drawing/2014/main" id="{0A0F8375-355C-4B73-9334-E43074F10DF9}"/>
+              </a:ext>
+            </a:extLst>
+          </p:cNvPr>
+          <p:cNvSpPr txBox="1"/>
+          <p:nvPr/>
+        </p:nvSpPr>
+        <p:spPr>
+          <a:xfrm>
+            <a:off x="2726200" y="3274173"/>
+            <a:ext cx="987534" cy="430887"/>
+          </a:xfrm>
+          <a:prstGeom prst="rect">
+            <a:avLst/>
+          </a:prstGeom>
+          <a:noFill/>
+        </p:spPr>
+        <p:txBody>
+          <a:bodyPr wrap="square" rtlCol="0">
+            <a:spAutoFit/>
+          </a:bodyPr>
+          <a:lstStyle/>
+          <a:p>
+            <a:r>
+              <a:rPr lang="en-US" sz="1100" dirty="0"/>
+              <a:t>Internal Command</a:t>
+            </a:r>
+          </a:p>
+        </p:txBody>
+      </p:sp>
+      <p:sp>
+        <p:nvSpPr>
+          <p:cNvPr id="98" name="Rectangle 97">
+            <a:extLst>
+              <a:ext uri="{FF2B5EF4-FFF2-40B4-BE49-F238E27FC236}">
+                <a16:creationId xmlns:a16="http://schemas.microsoft.com/office/drawing/2014/main" id="{26C7CDBC-229E-472E-9A0F-6E9D0CBEDAB4}"/>
+              </a:ext>
+            </a:extLst>
+          </p:cNvPr>
+          <p:cNvSpPr/>
+          <p:nvPr/>
+        </p:nvSpPr>
+        <p:spPr>
+          <a:xfrm>
+            <a:off x="5753695" y="2691548"/>
+            <a:ext cx="1440674" cy="1111752"/>
+          </a:xfrm>
+          <a:prstGeom prst="rect">
+            <a:avLst/>
+          </a:prstGeom>
+        </p:spPr>
+        <p:style>
+          <a:lnRef idx="2">
+            <a:schemeClr val="dk1">
+              <a:shade val="50000"/>
+            </a:schemeClr>
+          </a:lnRef>
+          <a:fillRef idx="1">
+            <a:schemeClr val="dk1"/>
+          </a:fillRef>
+          <a:effectRef idx="0">
+            <a:schemeClr val="dk1"/>
+          </a:effectRef>
+          <a:fontRef idx="minor">
+            <a:schemeClr val="lt1"/>
+          </a:fontRef>
+        </p:style>
+        <p:txBody>
+          <a:bodyPr rtlCol="0" anchor="ctr"/>
+          <a:lstStyle/>
+          <a:p>
+            <a:pPr algn="ctr"/>
+            <a:r>
+              <a:rPr lang="en-US" dirty="0"/>
+              <a:t>Internal Commands</a:t>
+            </a:r>
+          </a:p>
+          <a:p>
+            <a:pPr algn="ctr"/>
+            <a:r>
+              <a:rPr lang="en-US" dirty="0"/>
+              <a:t>(Storage)</a:t>
+            </a:r>
+          </a:p>
+        </p:txBody>
+      </p:sp>
+      <p:cxnSp>
+        <p:nvCxnSpPr>
+          <p:cNvPr id="99" name="Straight Arrow Connector 98">
+            <a:extLst>
+              <a:ext uri="{FF2B5EF4-FFF2-40B4-BE49-F238E27FC236}">
+                <a16:creationId xmlns:a16="http://schemas.microsoft.com/office/drawing/2014/main" id="{5C040306-D109-4E9A-913D-4AB358A08FCB}"/>
+              </a:ext>
+            </a:extLst>
+          </p:cNvPr>
+          <p:cNvCxnSpPr>
+            <a:cxnSpLocks/>
+            <a:stCxn id="95" idx="3"/>
+            <a:endCxn id="98" idx="1"/>
+          </p:cNvCxnSpPr>
+          <p:nvPr/>
+        </p:nvCxnSpPr>
+        <p:spPr>
+          <a:xfrm>
+            <a:off x="4971051" y="3247424"/>
+            <a:ext cx="782644" cy="0"/>
+          </a:xfrm>
+          <a:prstGeom prst="straightConnector1">
+            <a:avLst/>
+          </a:prstGeom>
+          <a:ln>
+            <a:tailEnd type="triangle"/>
+          </a:ln>
+        </p:spPr>
+        <p:style>
+          <a:lnRef idx="1">
+            <a:schemeClr val="accent1"/>
+          </a:lnRef>
+          <a:fillRef idx="0">
+            <a:schemeClr val="accent1"/>
+          </a:fillRef>
+          <a:effectRef idx="0">
+            <a:schemeClr val="accent1"/>
+          </a:effectRef>
+          <a:fontRef idx="minor">
+            <a:schemeClr val="tx1"/>
+          </a:fontRef>
+        </p:style>
+      </p:cxnSp>
+      <p:sp>
+        <p:nvSpPr>
+          <p:cNvPr id="100" name="TextBox 99">
+            <a:extLst>
+              <a:ext uri="{FF2B5EF4-FFF2-40B4-BE49-F238E27FC236}">
+                <a16:creationId xmlns:a16="http://schemas.microsoft.com/office/drawing/2014/main" id="{E74A1398-6650-4428-A85E-F598D21FD0A1}"/>
+              </a:ext>
+            </a:extLst>
+          </p:cNvPr>
+          <p:cNvSpPr txBox="1"/>
+          <p:nvPr/>
+        </p:nvSpPr>
+        <p:spPr>
+          <a:xfrm>
+            <a:off x="5021932" y="3274173"/>
+            <a:ext cx="987534" cy="430887"/>
+          </a:xfrm>
+          <a:prstGeom prst="rect">
+            <a:avLst/>
+          </a:prstGeom>
+          <a:noFill/>
+        </p:spPr>
+        <p:txBody>
+          <a:bodyPr wrap="square" rtlCol="0">
+            <a:spAutoFit/>
+          </a:bodyPr>
+          <a:lstStyle/>
+          <a:p>
+            <a:r>
+              <a:rPr lang="en-US" sz="1100" dirty="0"/>
+              <a:t>Internal Command</a:t>
+            </a:r>
+          </a:p>
+        </p:txBody>
+      </p:sp>
+      <p:sp>
+        <p:nvSpPr>
+          <p:cNvPr id="101" name="Rectangle 100">
+            <a:extLst>
+              <a:ext uri="{FF2B5EF4-FFF2-40B4-BE49-F238E27FC236}">
+                <a16:creationId xmlns:a16="http://schemas.microsoft.com/office/drawing/2014/main" id="{DB9BCC90-17AD-4D0B-9505-11CF578D04C8}"/>
+              </a:ext>
+            </a:extLst>
+          </p:cNvPr>
+          <p:cNvSpPr/>
+          <p:nvPr/>
+        </p:nvSpPr>
+        <p:spPr>
+          <a:xfrm>
+            <a:off x="8017661" y="2691548"/>
+            <a:ext cx="1440674" cy="1111752"/>
+          </a:xfrm>
+          <a:prstGeom prst="rect">
+            <a:avLst/>
+          </a:prstGeom>
+        </p:spPr>
+        <p:style>
+          <a:lnRef idx="2">
+            <a:schemeClr val="accent6">
+              <a:shade val="50000"/>
+            </a:schemeClr>
+          </a:lnRef>
+          <a:fillRef idx="1">
+            <a:schemeClr val="accent6"/>
+          </a:fillRef>
+          <a:effectRef idx="0">
+            <a:schemeClr val="accent6"/>
+          </a:effectRef>
+          <a:fontRef idx="minor">
+            <a:schemeClr val="lt1"/>
+          </a:fontRef>
+        </p:style>
+        <p:txBody>
+          <a:bodyPr rtlCol="0" anchor="ctr"/>
+          <a:lstStyle/>
+          <a:p>
+            <a:pPr algn="ctr"/>
+            <a:r>
+              <a:rPr lang="en-US" dirty="0"/>
+              <a:t>Command Handler&lt;&gt;</a:t>
+            </a:r>
+          </a:p>
+        </p:txBody>
+      </p:sp>
+      <p:cxnSp>
+        <p:nvCxnSpPr>
+          <p:cNvPr id="102" name="Straight Arrow Connector 101">
+            <a:extLst>
+              <a:ext uri="{FF2B5EF4-FFF2-40B4-BE49-F238E27FC236}">
+                <a16:creationId xmlns:a16="http://schemas.microsoft.com/office/drawing/2014/main" id="{958B1307-03C9-407E-8C81-968AD5CD9D0C}"/>
+              </a:ext>
+            </a:extLst>
+          </p:cNvPr>
+          <p:cNvCxnSpPr>
+            <a:cxnSpLocks/>
+            <a:stCxn id="109" idx="0"/>
+            <a:endCxn id="101" idx="2"/>
+          </p:cNvCxnSpPr>
+          <p:nvPr/>
+        </p:nvCxnSpPr>
+        <p:spPr>
+          <a:xfrm flipV="1">
+            <a:off x="7411607" y="3803300"/>
+            <a:ext cx="1326391" cy="618132"/>
+          </a:xfrm>
+          <a:prstGeom prst="straightConnector1">
+            <a:avLst/>
+          </a:prstGeom>
+          <a:ln>
+            <a:tailEnd type="triangle"/>
+          </a:ln>
+        </p:spPr>
+        <p:style>
+          <a:lnRef idx="1">
+            <a:schemeClr val="accent1"/>
+          </a:lnRef>
+          <a:fillRef idx="0">
+            <a:schemeClr val="accent1"/>
+          </a:fillRef>
+          <a:effectRef idx="0">
+            <a:schemeClr val="accent1"/>
+          </a:effectRef>
+          <a:fontRef idx="minor">
+            <a:schemeClr val="tx1"/>
+          </a:fontRef>
+        </p:style>
+      </p:cxnSp>
+      <p:sp>
+        <p:nvSpPr>
+          <p:cNvPr id="103" name="TextBox 102">
+            <a:extLst>
+              <a:ext uri="{FF2B5EF4-FFF2-40B4-BE49-F238E27FC236}">
+                <a16:creationId xmlns:a16="http://schemas.microsoft.com/office/drawing/2014/main" id="{DB32E6E3-5791-4DBA-B353-9DAC9075E75C}"/>
+              </a:ext>
+            </a:extLst>
+          </p:cNvPr>
+          <p:cNvSpPr txBox="1"/>
+          <p:nvPr/>
+        </p:nvSpPr>
+        <p:spPr>
+          <a:xfrm>
+            <a:off x="8595545" y="4039303"/>
+            <a:ext cx="987534" cy="430887"/>
+          </a:xfrm>
+          <a:prstGeom prst="rect">
+            <a:avLst/>
+          </a:prstGeom>
+          <a:noFill/>
+        </p:spPr>
+        <p:txBody>
+          <a:bodyPr wrap="square" rtlCol="0">
+            <a:spAutoFit/>
+          </a:bodyPr>
+          <a:lstStyle/>
+          <a:p>
+            <a:r>
+              <a:rPr lang="en-US" sz="1100" dirty="0"/>
+              <a:t>Internal Command</a:t>
+            </a:r>
+          </a:p>
+        </p:txBody>
+      </p:sp>
+      <p:sp>
+        <p:nvSpPr>
+          <p:cNvPr id="104" name="Rectangle 103">
+            <a:extLst>
+              <a:ext uri="{FF2B5EF4-FFF2-40B4-BE49-F238E27FC236}">
+                <a16:creationId xmlns:a16="http://schemas.microsoft.com/office/drawing/2014/main" id="{E79AA283-E057-4EA7-95B3-AD9FDE4AB99F}"/>
+              </a:ext>
+            </a:extLst>
+          </p:cNvPr>
+          <p:cNvSpPr/>
+          <p:nvPr/>
+        </p:nvSpPr>
+        <p:spPr>
+          <a:xfrm>
+            <a:off x="1760919" y="492428"/>
+            <a:ext cx="734917" cy="396966"/>
+          </a:xfrm>
+          <a:prstGeom prst="rect">
+            <a:avLst/>
+          </a:prstGeom>
+        </p:spPr>
+        <p:style>
+          <a:lnRef idx="2">
+            <a:schemeClr val="accent1">
+              <a:shade val="50000"/>
+            </a:schemeClr>
+          </a:lnRef>
+          <a:fillRef idx="1">
+            <a:schemeClr val="accent1"/>
+          </a:fillRef>
+          <a:effectRef idx="0">
+            <a:schemeClr val="accent1"/>
+          </a:effectRef>
+          <a:fontRef idx="minor">
+            <a:schemeClr val="lt1"/>
+          </a:fontRef>
+        </p:style>
+        <p:txBody>
+          <a:bodyPr rtlCol="0" anchor="ctr"/>
+          <a:lstStyle/>
+          <a:p>
+            <a:pPr algn="ctr"/>
+            <a:r>
+              <a:rPr lang="en-US" dirty="0"/>
+              <a:t>Entity</a:t>
+            </a:r>
+          </a:p>
+        </p:txBody>
+      </p:sp>
+      <p:sp>
+        <p:nvSpPr>
+          <p:cNvPr id="105" name="Rectangle 104">
+            <a:extLst>
+              <a:ext uri="{FF2B5EF4-FFF2-40B4-BE49-F238E27FC236}">
+                <a16:creationId xmlns:a16="http://schemas.microsoft.com/office/drawing/2014/main" id="{F8C56296-4A69-460E-8806-3204D625910D}"/>
+              </a:ext>
+            </a:extLst>
+          </p:cNvPr>
+          <p:cNvSpPr/>
+          <p:nvPr/>
+        </p:nvSpPr>
+        <p:spPr>
+          <a:xfrm>
+            <a:off x="1566176" y="1306739"/>
+            <a:ext cx="1055248" cy="394796"/>
+          </a:xfrm>
+          <a:prstGeom prst="rect">
+            <a:avLst/>
+          </a:prstGeom>
+        </p:spPr>
+        <p:style>
+          <a:lnRef idx="2">
+            <a:schemeClr val="accent3">
+              <a:shade val="50000"/>
+            </a:schemeClr>
+          </a:lnRef>
+          <a:fillRef idx="1">
+            <a:schemeClr val="accent3"/>
+          </a:fillRef>
+          <a:effectRef idx="0">
+            <a:schemeClr val="accent3"/>
+          </a:effectRef>
+          <a:fontRef idx="minor">
+            <a:schemeClr val="lt1"/>
+          </a:fontRef>
+        </p:style>
+        <p:txBody>
+          <a:bodyPr rtlCol="0" anchor="ctr"/>
+          <a:lstStyle/>
+          <a:p>
+            <a:pPr algn="ctr"/>
+            <a:r>
+              <a:rPr lang="en-US" sz="1400" dirty="0" err="1"/>
+              <a:t>IRepository</a:t>
+            </a:r>
+            <a:endParaRPr lang="en-US" sz="1400" dirty="0"/>
+          </a:p>
+        </p:txBody>
+      </p:sp>
+      <p:sp>
+        <p:nvSpPr>
+          <p:cNvPr id="106" name="Rectangle 105">
+            <a:extLst>
+              <a:ext uri="{FF2B5EF4-FFF2-40B4-BE49-F238E27FC236}">
+                <a16:creationId xmlns:a16="http://schemas.microsoft.com/office/drawing/2014/main" id="{DEF78D2E-C75B-4147-8B70-6A1C79FC9374}"/>
+              </a:ext>
+            </a:extLst>
+          </p:cNvPr>
+          <p:cNvSpPr/>
+          <p:nvPr/>
+        </p:nvSpPr>
+        <p:spPr>
+          <a:xfrm>
+            <a:off x="639159" y="1131814"/>
+            <a:ext cx="734917" cy="462502"/>
+          </a:xfrm>
+          <a:prstGeom prst="rect">
+            <a:avLst/>
+          </a:prstGeom>
+        </p:spPr>
+        <p:style>
+          <a:lnRef idx="2">
+            <a:schemeClr val="accent4">
+              <a:shade val="50000"/>
+            </a:schemeClr>
+          </a:lnRef>
+          <a:fillRef idx="1">
+            <a:schemeClr val="accent4"/>
+          </a:fillRef>
+          <a:effectRef idx="0">
+            <a:schemeClr val="accent4"/>
+          </a:effectRef>
+          <a:fontRef idx="minor">
+            <a:schemeClr val="lt1"/>
+          </a:fontRef>
+        </p:style>
+        <p:txBody>
+          <a:bodyPr rtlCol="0" anchor="ctr"/>
+          <a:lstStyle/>
+          <a:p>
+            <a:pPr algn="ctr"/>
+            <a:r>
+              <a:rPr lang="en-US" sz="1200" dirty="0"/>
+              <a:t>Value Object</a:t>
+            </a:r>
+          </a:p>
+        </p:txBody>
+      </p:sp>
+      <p:cxnSp>
+        <p:nvCxnSpPr>
+          <p:cNvPr id="107" name="Straight Arrow Connector 17">
+            <a:extLst>
+              <a:ext uri="{FF2B5EF4-FFF2-40B4-BE49-F238E27FC236}">
+                <a16:creationId xmlns:a16="http://schemas.microsoft.com/office/drawing/2014/main" id="{3B1AEF1F-FAFD-4B82-B795-2794A1388D36}"/>
+              </a:ext>
+            </a:extLst>
+          </p:cNvPr>
+          <p:cNvCxnSpPr>
+            <a:cxnSpLocks/>
+            <a:stCxn id="101" idx="0"/>
+            <a:endCxn id="59" idx="2"/>
+          </p:cNvCxnSpPr>
+          <p:nvPr/>
+        </p:nvCxnSpPr>
+        <p:spPr>
+          <a:xfrm rot="16200000" flipV="1">
+            <a:off x="4733369" y="-1313082"/>
+            <a:ext cx="810565" cy="7198695"/>
+          </a:xfrm>
+          <a:prstGeom prst="curvedConnector3">
+            <a:avLst>
+              <a:gd name="adj1" fmla="val 50000"/>
+            </a:avLst>
+          </a:prstGeom>
+          <a:ln>
+            <a:tailEnd type="triangle"/>
+          </a:ln>
+        </p:spPr>
+        <p:style>
+          <a:lnRef idx="1">
+            <a:schemeClr val="accent1"/>
+          </a:lnRef>
+          <a:fillRef idx="0">
+            <a:schemeClr val="accent1"/>
+          </a:fillRef>
+          <a:effectRef idx="0">
+            <a:schemeClr val="accent1"/>
+          </a:effectRef>
+          <a:fontRef idx="minor">
+            <a:schemeClr val="tx1"/>
+          </a:fontRef>
+        </p:style>
+      </p:cxnSp>
+      <p:sp>
+        <p:nvSpPr>
+          <p:cNvPr id="108" name="TextBox 107">
+            <a:extLst>
+              <a:ext uri="{FF2B5EF4-FFF2-40B4-BE49-F238E27FC236}">
+                <a16:creationId xmlns:a16="http://schemas.microsoft.com/office/drawing/2014/main" id="{52FCB49E-32A2-450C-BE92-79C97C228C9D}"/>
+              </a:ext>
+            </a:extLst>
+          </p:cNvPr>
+          <p:cNvSpPr txBox="1"/>
+          <p:nvPr/>
+        </p:nvSpPr>
+        <p:spPr>
+          <a:xfrm>
+            <a:off x="5517276" y="765763"/>
+            <a:ext cx="690848" cy="430887"/>
+          </a:xfrm>
+          <a:prstGeom prst="rect">
+            <a:avLst/>
+          </a:prstGeom>
+          <a:noFill/>
+        </p:spPr>
+        <p:txBody>
+          <a:bodyPr wrap="square" rtlCol="0">
+            <a:spAutoFit/>
+          </a:bodyPr>
+          <a:lstStyle/>
+          <a:p>
+            <a:r>
+              <a:rPr lang="en-US" sz="1100" dirty="0"/>
+              <a:t>Domain </a:t>
+            </a:r>
+          </a:p>
+          <a:p>
+            <a:r>
+              <a:rPr lang="en-US" sz="1100" dirty="0"/>
+              <a:t>Events</a:t>
+            </a:r>
+          </a:p>
+        </p:txBody>
+      </p:sp>
+      <p:sp>
+        <p:nvSpPr>
+          <p:cNvPr id="109" name="Rectangle 108">
+            <a:extLst>
+              <a:ext uri="{FF2B5EF4-FFF2-40B4-BE49-F238E27FC236}">
+                <a16:creationId xmlns:a16="http://schemas.microsoft.com/office/drawing/2014/main" id="{3924FB6E-BD3F-4F77-A057-B0966F7F200D}"/>
+              </a:ext>
+            </a:extLst>
+          </p:cNvPr>
+          <p:cNvSpPr/>
+          <p:nvPr/>
+        </p:nvSpPr>
+        <p:spPr>
+          <a:xfrm>
+            <a:off x="6531195" y="4421432"/>
+            <a:ext cx="1760823" cy="768336"/>
+          </a:xfrm>
+          <a:prstGeom prst="rect">
+            <a:avLst/>
+          </a:prstGeom>
+        </p:spPr>
+        <p:style>
+          <a:lnRef idx="2">
+            <a:schemeClr val="accent2">
+              <a:shade val="50000"/>
+            </a:schemeClr>
+          </a:lnRef>
+          <a:fillRef idx="1">
+            <a:schemeClr val="accent2"/>
+          </a:fillRef>
+          <a:effectRef idx="0">
+            <a:schemeClr val="accent2"/>
+          </a:effectRef>
+          <a:fontRef idx="minor">
+            <a:schemeClr val="lt1"/>
+          </a:fontRef>
+        </p:style>
+        <p:txBody>
+          <a:bodyPr rtlCol="0" anchor="ctr"/>
+          <a:lstStyle/>
+          <a:p>
+            <a:pPr algn="ctr"/>
+            <a:r>
+              <a:rPr lang="en-US" dirty="0"/>
+              <a:t>Internal Command Job</a:t>
+            </a:r>
+          </a:p>
+        </p:txBody>
+      </p:sp>
+      <p:cxnSp>
+        <p:nvCxnSpPr>
+          <p:cNvPr id="110" name="Straight Arrow Connector 109">
+            <a:extLst>
+              <a:ext uri="{FF2B5EF4-FFF2-40B4-BE49-F238E27FC236}">
+                <a16:creationId xmlns:a16="http://schemas.microsoft.com/office/drawing/2014/main" id="{3C40363E-815F-4A9D-AB79-E779CC7D15E8}"/>
+              </a:ext>
+            </a:extLst>
+          </p:cNvPr>
+          <p:cNvCxnSpPr>
+            <a:cxnSpLocks/>
+            <a:stCxn id="109" idx="0"/>
+            <a:endCxn id="98" idx="2"/>
+          </p:cNvCxnSpPr>
+          <p:nvPr/>
+        </p:nvCxnSpPr>
+        <p:spPr>
+          <a:xfrm flipH="1" flipV="1">
+            <a:off x="6474032" y="3803300"/>
+            <a:ext cx="937575" cy="618132"/>
+          </a:xfrm>
+          <a:prstGeom prst="straightConnector1">
+            <a:avLst/>
+          </a:prstGeom>
+          <a:ln w="9525" cap="flat" cmpd="sng" algn="ctr">
+            <a:solidFill>
+              <a:schemeClr val="accent1"/>
+            </a:solidFill>
+            <a:prstDash val="dash"/>
+            <a:round/>
+            <a:headEnd type="none" w="med" len="med"/>
+            <a:tailEnd type="triangle" w="med" len="med"/>
+          </a:ln>
+        </p:spPr>
+        <p:style>
+          <a:lnRef idx="0">
+            <a:scrgbClr r="0" g="0" b="0"/>
+          </a:lnRef>
+          <a:fillRef idx="0">
+            <a:scrgbClr r="0" g="0" b="0"/>
+          </a:fillRef>
+          <a:effectRef idx="0">
+            <a:scrgbClr r="0" g="0" b="0"/>
+          </a:effectRef>
+          <a:fontRef idx="minor">
+            <a:schemeClr val="tx1"/>
+          </a:fontRef>
+        </p:style>
+      </p:cxnSp>
+      <p:sp>
+        <p:nvSpPr>
+          <p:cNvPr id="111" name="Heptagon 110">
+            <a:extLst>
+              <a:ext uri="{FF2B5EF4-FFF2-40B4-BE49-F238E27FC236}">
+                <a16:creationId xmlns:a16="http://schemas.microsoft.com/office/drawing/2014/main" id="{72BE6A0D-B0AA-40C8-81DD-0E427F8A8401}"/>
+              </a:ext>
+            </a:extLst>
+          </p:cNvPr>
+          <p:cNvSpPr/>
+          <p:nvPr/>
+        </p:nvSpPr>
+        <p:spPr>
+          <a:xfrm>
+            <a:off x="6777260" y="3954081"/>
+            <a:ext cx="331119" cy="331119"/>
+          </a:xfrm>
+          <a:prstGeom prst="heptagon">
+            <a:avLst/>
+          </a:prstGeom>
+        </p:spPr>
+        <p:style>
+          <a:lnRef idx="2">
+            <a:schemeClr val="accent2"/>
+          </a:lnRef>
+          <a:fillRef idx="1">
+            <a:schemeClr val="lt1"/>
+          </a:fillRef>
+          <a:effectRef idx="0">
+            <a:schemeClr val="accent2"/>
+          </a:effectRef>
+          <a:fontRef idx="minor">
+            <a:schemeClr val="dk1"/>
+          </a:fontRef>
+        </p:style>
+        <p:txBody>
+          <a:bodyPr rtlCol="0" anchor="ctr"/>
+          <a:lstStyle/>
+          <a:p>
+            <a:pPr algn="ctr"/>
+            <a:r>
+              <a:rPr lang="en-US" dirty="0"/>
+              <a:t>1</a:t>
+            </a:r>
+          </a:p>
+        </p:txBody>
+      </p:sp>
+      <p:sp>
+        <p:nvSpPr>
+          <p:cNvPr id="112" name="Heptagon 111">
+            <a:extLst>
+              <a:ext uri="{FF2B5EF4-FFF2-40B4-BE49-F238E27FC236}">
+                <a16:creationId xmlns:a16="http://schemas.microsoft.com/office/drawing/2014/main" id="{B0DAE9E2-F697-46DB-A804-E36CBD9B19A2}"/>
+              </a:ext>
+            </a:extLst>
+          </p:cNvPr>
+          <p:cNvSpPr/>
+          <p:nvPr/>
+        </p:nvSpPr>
+        <p:spPr>
+          <a:xfrm>
+            <a:off x="7823231" y="3954081"/>
+            <a:ext cx="331119" cy="331119"/>
+          </a:xfrm>
+          <a:prstGeom prst="heptagon">
+            <a:avLst/>
+          </a:prstGeom>
+        </p:spPr>
+        <p:style>
+          <a:lnRef idx="2">
+            <a:schemeClr val="accent2"/>
+          </a:lnRef>
+          <a:fillRef idx="1">
+            <a:schemeClr val="lt1"/>
+          </a:fillRef>
+          <a:effectRef idx="0">
+            <a:schemeClr val="accent2"/>
+          </a:effectRef>
+          <a:fontRef idx="minor">
+            <a:schemeClr val="dk1"/>
+          </a:fontRef>
+        </p:style>
+        <p:txBody>
+          <a:bodyPr rtlCol="0" anchor="ctr"/>
+          <a:lstStyle/>
+          <a:p>
+            <a:pPr algn="ctr"/>
+            <a:r>
+              <a:rPr lang="en-US" dirty="0"/>
+              <a:t>2</a:t>
+            </a:r>
+          </a:p>
+        </p:txBody>
+      </p:sp>
+    </p:spTree>
+    <p:extLst>
+      <p:ext uri="{BB962C8B-B14F-4D97-AF65-F5344CB8AC3E}">
+        <p14:creationId xmlns:p14="http://schemas.microsoft.com/office/powerpoint/2010/main" val="939183975"/>
       </p:ext>
     </p:extLst>
   </p:cSld>
@@ -18992,7 +21138,7 @@
         </p:nvSpPr>
         <p:spPr>
           <a:xfrm>
-            <a:off x="2438400" y="6392200"/>
+            <a:off x="3962400" y="6392201"/>
             <a:ext cx="5582762" cy="276999"/>
           </a:xfrm>
           <a:prstGeom prst="rect">
@@ -19027,7 +21173,7 @@
         </p:nvSpPr>
         <p:spPr>
           <a:xfrm>
-            <a:off x="685800" y="1727200"/>
+            <a:off x="2209800" y="1727200"/>
             <a:ext cx="1235528" cy="2819400"/>
           </a:xfrm>
           <a:prstGeom prst="rect">
@@ -19096,7 +21242,7 @@
         </p:nvSpPr>
         <p:spPr>
           <a:xfrm>
-            <a:off x="7794171" y="1727200"/>
+            <a:off x="9318171" y="1727200"/>
             <a:ext cx="990600" cy="2819400"/>
           </a:xfrm>
           <a:prstGeom prst="rect">
@@ -19149,7 +21295,7 @@
         </p:nvSpPr>
         <p:spPr>
           <a:xfrm>
-            <a:off x="3381829" y="1727200"/>
+            <a:off x="4905829" y="1727200"/>
             <a:ext cx="990600" cy="2819400"/>
           </a:xfrm>
           <a:prstGeom prst="rect">
@@ -19202,7 +21348,7 @@
         </p:nvSpPr>
         <p:spPr>
           <a:xfrm>
-            <a:off x="2004786" y="2108200"/>
+            <a:off x="3528787" y="2108200"/>
             <a:ext cx="1293585" cy="685800"/>
           </a:xfrm>
           <a:prstGeom prst="rightArrow">
@@ -19255,7 +21401,7 @@
         </p:nvSpPr>
         <p:spPr>
           <a:xfrm>
-            <a:off x="1963056" y="3632200"/>
+            <a:off x="3487057" y="3632200"/>
             <a:ext cx="1377043" cy="685800"/>
           </a:xfrm>
           <a:prstGeom prst="leftArrow">
@@ -19308,7 +21454,7 @@
         </p:nvSpPr>
         <p:spPr>
           <a:xfrm>
-            <a:off x="4800600" y="1752600"/>
+            <a:off x="6324601" y="1752600"/>
             <a:ext cx="2618013" cy="2819400"/>
           </a:xfrm>
           <a:prstGeom prst="rect">
@@ -19383,7 +21529,7 @@
         </p:nvSpPr>
         <p:spPr>
           <a:xfrm rot="5400000">
-            <a:off x="7990114" y="4452257"/>
+            <a:off x="9514114" y="4452257"/>
             <a:ext cx="598714" cy="1143000"/>
           </a:xfrm>
           <a:prstGeom prst="rightBrace">
@@ -19430,7 +21576,7 @@
         </p:nvSpPr>
         <p:spPr>
           <a:xfrm rot="5400000">
-            <a:off x="5810248" y="3714750"/>
+            <a:off x="7334248" y="3714751"/>
             <a:ext cx="598714" cy="2618013"/>
           </a:xfrm>
           <a:prstGeom prst="rightBrace">
@@ -19477,7 +21623,7 @@
         </p:nvSpPr>
         <p:spPr>
           <a:xfrm rot="5400000">
-            <a:off x="2935968" y="3793218"/>
+            <a:off x="4459968" y="3793218"/>
             <a:ext cx="598714" cy="2461078"/>
           </a:xfrm>
           <a:prstGeom prst="rightBrace">
@@ -19524,7 +21670,7 @@
         </p:nvSpPr>
         <p:spPr>
           <a:xfrm rot="5400000">
-            <a:off x="1004207" y="4405992"/>
+            <a:off x="2528207" y="4405992"/>
             <a:ext cx="598714" cy="1235528"/>
           </a:xfrm>
           <a:prstGeom prst="rightBrace">
@@ -19571,7 +21717,7 @@
         </p:nvSpPr>
         <p:spPr>
           <a:xfrm>
-            <a:off x="72571" y="2933700"/>
+            <a:off x="1596572" y="2933700"/>
             <a:ext cx="504371" cy="457200"/>
           </a:xfrm>
           <a:prstGeom prst="rightArrow">
@@ -19617,7 +21763,7 @@
         </p:nvSpPr>
         <p:spPr>
           <a:xfrm>
-            <a:off x="576942" y="5384800"/>
+            <a:off x="2100943" y="5384800"/>
             <a:ext cx="1698171" cy="369332"/>
           </a:xfrm>
           <a:prstGeom prst="rect">
@@ -19652,7 +21798,7 @@
         </p:nvSpPr>
         <p:spPr>
           <a:xfrm>
-            <a:off x="2048780" y="5413829"/>
+            <a:off x="3572780" y="5413829"/>
             <a:ext cx="2740932" cy="369332"/>
           </a:xfrm>
           <a:prstGeom prst="rect">
@@ -19696,7 +21842,7 @@
         </p:nvSpPr>
         <p:spPr>
           <a:xfrm>
-            <a:off x="4891084" y="5413829"/>
+            <a:off x="6415084" y="5413829"/>
             <a:ext cx="2740932" cy="923330"/>
           </a:xfrm>
           <a:prstGeom prst="rect">
@@ -19731,7 +21877,7 @@
         </p:nvSpPr>
         <p:spPr>
           <a:xfrm>
-            <a:off x="7707988" y="5466248"/>
+            <a:off x="9231989" y="5466248"/>
             <a:ext cx="1722441" cy="369332"/>
           </a:xfrm>
           <a:prstGeom prst="rect">
@@ -19766,7 +21912,7 @@
         </p:nvSpPr>
         <p:spPr>
           <a:xfrm>
-            <a:off x="1088571" y="1346200"/>
+            <a:off x="2612571" y="1346200"/>
             <a:ext cx="304800" cy="304800"/>
           </a:xfrm>
           <a:prstGeom prst="ellipse">
@@ -19819,7 +21965,7 @@
         </p:nvSpPr>
         <p:spPr>
           <a:xfrm>
-            <a:off x="8137071" y="1346200"/>
+            <a:off x="9661071" y="1346200"/>
             <a:ext cx="304800" cy="304800"/>
           </a:xfrm>
           <a:prstGeom prst="ellipse">
@@ -19872,7 +22018,7 @@
         </p:nvSpPr>
         <p:spPr>
           <a:xfrm>
-            <a:off x="5889171" y="1320801"/>
+            <a:off x="7413171" y="1320801"/>
             <a:ext cx="304800" cy="304800"/>
           </a:xfrm>
           <a:prstGeom prst="ellipse">
@@ -19925,7 +22071,7 @@
         </p:nvSpPr>
         <p:spPr>
           <a:xfrm>
-            <a:off x="3724729" y="1320801"/>
+            <a:off x="5248729" y="1320801"/>
             <a:ext cx="304800" cy="304800"/>
           </a:xfrm>
           <a:prstGeom prst="ellipse">
@@ -20016,7 +22162,7 @@
         </p:blipFill>
         <p:spPr>
           <a:xfrm>
-            <a:off x="0" y="351436"/>
+            <a:off x="1524000" y="351437"/>
             <a:ext cx="9144000" cy="6155127"/>
           </a:xfrm>
           <a:prstGeom prst="rect">
@@ -20068,7 +22214,7 @@
         </p:nvSpPr>
         <p:spPr>
           <a:xfrm>
-            <a:off x="304800" y="185058"/>
+            <a:off x="1828800" y="185058"/>
             <a:ext cx="7848600" cy="4691742"/>
           </a:xfrm>
           <a:prstGeom prst="rect">
@@ -20112,7 +22258,7 @@
         </p:nvSpPr>
         <p:spPr>
           <a:xfrm>
-            <a:off x="3372757" y="1972129"/>
+            <a:off x="4896757" y="1972129"/>
             <a:ext cx="1905000" cy="990600"/>
           </a:xfrm>
           <a:prstGeom prst="rect">
@@ -20176,7 +22322,7 @@
         </p:nvSpPr>
         <p:spPr>
           <a:xfrm>
-            <a:off x="3372757" y="304800"/>
+            <a:off x="4896757" y="304800"/>
             <a:ext cx="1905000" cy="990600"/>
           </a:xfrm>
           <a:prstGeom prst="rect">
@@ -20240,7 +22386,7 @@
         </p:nvSpPr>
         <p:spPr>
           <a:xfrm>
-            <a:off x="5573488" y="304800"/>
+            <a:off x="7097488" y="304800"/>
             <a:ext cx="1905000" cy="990600"/>
           </a:xfrm>
           <a:prstGeom prst="rect">
@@ -20304,7 +22450,7 @@
         </p:nvSpPr>
         <p:spPr>
           <a:xfrm>
-            <a:off x="5573488" y="3459844"/>
+            <a:off x="7097488" y="3459844"/>
             <a:ext cx="1905000" cy="990600"/>
           </a:xfrm>
           <a:prstGeom prst="rect">
@@ -20355,7 +22501,7 @@
         </p:nvSpPr>
         <p:spPr>
           <a:xfrm>
-            <a:off x="3372757" y="3458029"/>
+            <a:off x="4896757" y="3458029"/>
             <a:ext cx="1905000" cy="990600"/>
           </a:xfrm>
           <a:prstGeom prst="rect">
@@ -20406,7 +22552,7 @@
         </p:nvSpPr>
         <p:spPr>
           <a:xfrm>
-            <a:off x="1182915" y="3459844"/>
+            <a:off x="2706915" y="3459844"/>
             <a:ext cx="1905000" cy="990600"/>
           </a:xfrm>
           <a:prstGeom prst="rect">
@@ -20457,7 +22603,7 @@
         </p:nvSpPr>
         <p:spPr>
           <a:xfrm>
-            <a:off x="1182915" y="304800"/>
+            <a:off x="2706915" y="304800"/>
             <a:ext cx="1905000" cy="990600"/>
           </a:xfrm>
           <a:prstGeom prst="rect">
@@ -20525,7 +22671,7 @@
         </p:nvCxnSpPr>
         <p:spPr>
           <a:xfrm flipV="1">
-            <a:off x="4325257" y="1295400"/>
+            <a:off x="5849257" y="1295401"/>
             <a:ext cx="0" cy="676729"/>
           </a:xfrm>
           <a:prstGeom prst="straightConnector1">
@@ -20567,7 +22713,7 @@
         </p:nvCxnSpPr>
         <p:spPr>
           <a:xfrm flipH="1" flipV="1">
-            <a:off x="2135415" y="1295400"/>
+            <a:off x="3659415" y="1295401"/>
             <a:ext cx="1667326" cy="676729"/>
           </a:xfrm>
           <a:prstGeom prst="straightConnector1">
@@ -20610,7 +22756,7 @@
         </p:nvCxnSpPr>
         <p:spPr>
           <a:xfrm>
-            <a:off x="5277757" y="800100"/>
+            <a:off x="6801758" y="800100"/>
             <a:ext cx="295731" cy="0"/>
           </a:xfrm>
           <a:prstGeom prst="straightConnector1">
@@ -20649,7 +22795,7 @@
         </p:nvSpPr>
         <p:spPr>
           <a:xfrm>
-            <a:off x="5573488" y="5290400"/>
+            <a:off x="7097488" y="5290400"/>
             <a:ext cx="1905000" cy="990600"/>
           </a:xfrm>
           <a:prstGeom prst="rect">
@@ -20700,7 +22846,7 @@
         </p:nvSpPr>
         <p:spPr>
           <a:xfrm>
-            <a:off x="3372757" y="5288585"/>
+            <a:off x="4896757" y="5288585"/>
             <a:ext cx="1905000" cy="990600"/>
           </a:xfrm>
           <a:prstGeom prst="rect">
@@ -20751,7 +22897,7 @@
         </p:nvSpPr>
         <p:spPr>
           <a:xfrm>
-            <a:off x="1182915" y="5290400"/>
+            <a:off x="2706915" y="5290400"/>
             <a:ext cx="1905000" cy="990600"/>
           </a:xfrm>
           <a:prstGeom prst="rect">
@@ -20806,7 +22952,7 @@
         </p:nvCxnSpPr>
         <p:spPr>
           <a:xfrm flipV="1">
-            <a:off x="2135415" y="4450444"/>
+            <a:off x="3659415" y="4450444"/>
             <a:ext cx="0" cy="839956"/>
           </a:xfrm>
           <a:prstGeom prst="straightConnector1">
@@ -20850,7 +22996,7 @@
         </p:nvCxnSpPr>
         <p:spPr>
           <a:xfrm flipV="1">
-            <a:off x="4325257" y="4448629"/>
+            <a:off x="5849257" y="4448629"/>
             <a:ext cx="0" cy="839956"/>
           </a:xfrm>
           <a:prstGeom prst="straightConnector1">
@@ -20894,7 +23040,7 @@
         </p:nvCxnSpPr>
         <p:spPr>
           <a:xfrm flipV="1">
-            <a:off x="6525988" y="4450444"/>
+            <a:off x="8049988" y="4450444"/>
             <a:ext cx="0" cy="839956"/>
           </a:xfrm>
           <a:prstGeom prst="straightConnector1">
@@ -20937,7 +23083,7 @@
         </p:nvCxnSpPr>
         <p:spPr>
           <a:xfrm flipH="1">
-            <a:off x="2135415" y="2961822"/>
+            <a:off x="3659415" y="2961822"/>
             <a:ext cx="1434194" cy="498022"/>
           </a:xfrm>
           <a:prstGeom prst="straightConnector1">
@@ -20980,7 +23126,7 @@
         </p:nvCxnSpPr>
         <p:spPr>
           <a:xfrm>
-            <a:off x="4325257" y="2962729"/>
+            <a:off x="5849257" y="2962729"/>
             <a:ext cx="0" cy="495300"/>
           </a:xfrm>
           <a:prstGeom prst="straightConnector1">
@@ -21023,7 +23169,7 @@
         </p:nvCxnSpPr>
         <p:spPr>
           <a:xfrm>
-            <a:off x="6525988" y="1295400"/>
+            <a:off x="8049988" y="1295400"/>
             <a:ext cx="0" cy="2164444"/>
           </a:xfrm>
           <a:prstGeom prst="straightConnector1">
@@ -21062,7 +23208,7 @@
         </p:nvSpPr>
         <p:spPr>
           <a:xfrm>
-            <a:off x="406429" y="1508798"/>
+            <a:off x="1930429" y="1508798"/>
             <a:ext cx="1905000" cy="777422"/>
           </a:xfrm>
           <a:prstGeom prst="rect">
@@ -21115,7 +23261,7 @@
         </p:nvSpPr>
         <p:spPr>
           <a:xfrm>
-            <a:off x="406429" y="2477670"/>
+            <a:off x="1930429" y="2477671"/>
             <a:ext cx="1905000" cy="770589"/>
           </a:xfrm>
           <a:prstGeom prst="rect">
@@ -21171,7 +23317,7 @@
         </p:nvCxnSpPr>
         <p:spPr>
           <a:xfrm>
-            <a:off x="2311429" y="1897509"/>
+            <a:off x="3835430" y="1897509"/>
             <a:ext cx="1054129" cy="387584"/>
           </a:xfrm>
           <a:prstGeom prst="straightConnector1">
@@ -21215,7 +23361,7 @@
         </p:nvCxnSpPr>
         <p:spPr>
           <a:xfrm flipV="1">
-            <a:off x="2311429" y="2467429"/>
+            <a:off x="3835429" y="2467429"/>
             <a:ext cx="1061328" cy="395536"/>
           </a:xfrm>
           <a:prstGeom prst="straightConnector1">
@@ -21259,7 +23405,7 @@
         </p:nvCxnSpPr>
         <p:spPr>
           <a:xfrm flipV="1">
-            <a:off x="1358929" y="2286220"/>
+            <a:off x="2882929" y="2286220"/>
             <a:ext cx="0" cy="191450"/>
           </a:xfrm>
           <a:prstGeom prst="straightConnector1">
@@ -21299,7 +23445,7 @@
         </p:nvSpPr>
         <p:spPr>
           <a:xfrm>
-            <a:off x="2438400" y="6392200"/>
+            <a:off x="3962400" y="6392201"/>
             <a:ext cx="5582762" cy="276999"/>
           </a:xfrm>
           <a:prstGeom prst="rect">
@@ -21381,7 +23527,7 @@
         </p:blipFill>
         <p:spPr>
           <a:xfrm>
-            <a:off x="457200" y="2895600"/>
+            <a:off x="1981200" y="2895600"/>
             <a:ext cx="914400" cy="914400"/>
           </a:xfrm>
           <a:prstGeom prst="rect">
@@ -21403,7 +23549,7 @@
         </p:nvSpPr>
         <p:spPr>
           <a:xfrm>
-            <a:off x="2554514" y="1447800"/>
+            <a:off x="4078514" y="1447800"/>
             <a:ext cx="2286000" cy="990600"/>
           </a:xfrm>
           <a:prstGeom prst="ellipse">
@@ -21452,7 +23598,7 @@
         </p:nvSpPr>
         <p:spPr>
           <a:xfrm>
-            <a:off x="2554514" y="2819400"/>
+            <a:off x="4078514" y="2819400"/>
             <a:ext cx="2286000" cy="990600"/>
           </a:xfrm>
           <a:prstGeom prst="ellipse">
@@ -21501,7 +23647,7 @@
         </p:nvSpPr>
         <p:spPr>
           <a:xfrm>
-            <a:off x="2587171" y="4343400"/>
+            <a:off x="4111171" y="4343400"/>
             <a:ext cx="2286000" cy="990600"/>
           </a:xfrm>
           <a:prstGeom prst="ellipse">
@@ -21550,7 +23696,7 @@
         </p:nvSpPr>
         <p:spPr>
           <a:xfrm>
-            <a:off x="2587171" y="5751286"/>
+            <a:off x="4111171" y="5751286"/>
             <a:ext cx="2286000" cy="990600"/>
           </a:xfrm>
           <a:prstGeom prst="ellipse">
@@ -21599,7 +23745,7 @@
         </p:nvSpPr>
         <p:spPr>
           <a:xfrm>
-            <a:off x="2438400" y="159657"/>
+            <a:off x="3962400" y="159657"/>
             <a:ext cx="2286000" cy="990600"/>
           </a:xfrm>
           <a:prstGeom prst="ellipse">
@@ -21652,7 +23798,7 @@
         </p:nvCxnSpPr>
         <p:spPr>
           <a:xfrm flipV="1">
-            <a:off x="914400" y="654957"/>
+            <a:off x="2438400" y="654958"/>
             <a:ext cx="1524000" cy="2240643"/>
           </a:xfrm>
           <a:prstGeom prst="straightConnector1">
@@ -21694,7 +23840,7 @@
         </p:nvCxnSpPr>
         <p:spPr>
           <a:xfrm flipV="1">
-            <a:off x="1201057" y="1943100"/>
+            <a:off x="2725058" y="1943100"/>
             <a:ext cx="1353457" cy="1092202"/>
           </a:xfrm>
           <a:prstGeom prst="straightConnector1">
@@ -21737,7 +23883,7 @@
         </p:nvCxnSpPr>
         <p:spPr>
           <a:xfrm flipV="1">
-            <a:off x="1371600" y="3314700"/>
+            <a:off x="2895600" y="3314700"/>
             <a:ext cx="1182914" cy="38100"/>
           </a:xfrm>
           <a:prstGeom prst="straightConnector1">
@@ -21779,7 +23925,7 @@
         </p:nvCxnSpPr>
         <p:spPr>
           <a:xfrm>
-            <a:off x="1201057" y="3660322"/>
+            <a:off x="2725057" y="3660322"/>
             <a:ext cx="1386114" cy="1178378"/>
           </a:xfrm>
           <a:prstGeom prst="straightConnector1">
@@ -21821,7 +23967,7 @@
         </p:nvCxnSpPr>
         <p:spPr>
           <a:xfrm>
-            <a:off x="762000" y="3688443"/>
+            <a:off x="2286001" y="3688444"/>
             <a:ext cx="1825171" cy="2558143"/>
           </a:xfrm>
           <a:prstGeom prst="straightConnector1">
@@ -21890,7 +24036,7 @@
         </p:nvSpPr>
         <p:spPr>
           <a:xfrm>
-            <a:off x="685800" y="1727200"/>
+            <a:off x="2209800" y="1727200"/>
             <a:ext cx="1235528" cy="2819400"/>
           </a:xfrm>
           <a:prstGeom prst="rect">
@@ -21954,7 +24100,7 @@
         </p:nvSpPr>
         <p:spPr>
           <a:xfrm>
-            <a:off x="7794171" y="1727200"/>
+            <a:off x="9318171" y="1727200"/>
             <a:ext cx="990600" cy="2819400"/>
           </a:xfrm>
           <a:prstGeom prst="rect">
@@ -22007,7 +24153,7 @@
         </p:nvSpPr>
         <p:spPr>
           <a:xfrm>
-            <a:off x="3381829" y="1727200"/>
+            <a:off x="4905829" y="1727200"/>
             <a:ext cx="990600" cy="2819400"/>
           </a:xfrm>
           <a:prstGeom prst="rect">
@@ -22060,7 +24206,7 @@
         </p:nvSpPr>
         <p:spPr>
           <a:xfrm>
-            <a:off x="2004786" y="2108200"/>
+            <a:off x="3528787" y="2108200"/>
             <a:ext cx="1293585" cy="685800"/>
           </a:xfrm>
           <a:prstGeom prst="rightArrow">
@@ -22113,7 +24259,7 @@
         </p:nvSpPr>
         <p:spPr>
           <a:xfrm>
-            <a:off x="1963056" y="3632200"/>
+            <a:off x="3487057" y="3632200"/>
             <a:ext cx="1377043" cy="685800"/>
           </a:xfrm>
           <a:prstGeom prst="leftArrow">
@@ -22166,7 +24312,7 @@
         </p:nvSpPr>
         <p:spPr>
           <a:xfrm>
-            <a:off x="4800600" y="1752600"/>
+            <a:off x="6324601" y="1752600"/>
             <a:ext cx="2618013" cy="2819400"/>
           </a:xfrm>
           <a:prstGeom prst="rect">
@@ -22241,7 +24387,7 @@
         </p:nvSpPr>
         <p:spPr>
           <a:xfrm rot="5400000">
-            <a:off x="7990114" y="4452257"/>
+            <a:off x="9514114" y="4452257"/>
             <a:ext cx="598714" cy="1143000"/>
           </a:xfrm>
           <a:prstGeom prst="rightBrace">
@@ -22288,7 +24434,7 @@
         </p:nvSpPr>
         <p:spPr>
           <a:xfrm rot="5400000">
-            <a:off x="5810248" y="3714750"/>
+            <a:off x="7334248" y="3714751"/>
             <a:ext cx="598714" cy="2618013"/>
           </a:xfrm>
           <a:prstGeom prst="rightBrace">
@@ -22335,7 +24481,7 @@
         </p:nvSpPr>
         <p:spPr>
           <a:xfrm rot="5400000">
-            <a:off x="2935968" y="3793218"/>
+            <a:off x="4459968" y="3793218"/>
             <a:ext cx="598714" cy="2461078"/>
           </a:xfrm>
           <a:prstGeom prst="rightBrace">
@@ -22382,7 +24528,7 @@
         </p:nvSpPr>
         <p:spPr>
           <a:xfrm rot="5400000">
-            <a:off x="1004207" y="4405992"/>
+            <a:off x="2528207" y="4405992"/>
             <a:ext cx="598714" cy="1235528"/>
           </a:xfrm>
           <a:prstGeom prst="rightBrace">
@@ -22429,7 +24575,7 @@
         </p:nvSpPr>
         <p:spPr>
           <a:xfrm>
-            <a:off x="72571" y="2933700"/>
+            <a:off x="1596572" y="2933700"/>
             <a:ext cx="504371" cy="457200"/>
           </a:xfrm>
           <a:prstGeom prst="rightArrow">
@@ -22475,7 +24621,7 @@
         </p:nvSpPr>
         <p:spPr>
           <a:xfrm>
-            <a:off x="576942" y="5384800"/>
+            <a:off x="2100943" y="5384800"/>
             <a:ext cx="1698171" cy="369332"/>
           </a:xfrm>
           <a:prstGeom prst="rect">
@@ -22510,7 +24656,7 @@
         </p:nvSpPr>
         <p:spPr>
           <a:xfrm>
-            <a:off x="2048780" y="5413829"/>
+            <a:off x="3572780" y="5413829"/>
             <a:ext cx="2740932" cy="369332"/>
           </a:xfrm>
           <a:prstGeom prst="rect">
@@ -22554,7 +24700,7 @@
         </p:nvSpPr>
         <p:spPr>
           <a:xfrm>
-            <a:off x="4891084" y="5413829"/>
+            <a:off x="6415084" y="5413829"/>
             <a:ext cx="2740932" cy="923330"/>
           </a:xfrm>
           <a:prstGeom prst="rect">
@@ -22589,7 +24735,7 @@
         </p:nvSpPr>
         <p:spPr>
           <a:xfrm>
-            <a:off x="7707988" y="5466248"/>
+            <a:off x="9231989" y="5466248"/>
             <a:ext cx="1722441" cy="369332"/>
           </a:xfrm>
           <a:prstGeom prst="rect">
@@ -22624,7 +24770,7 @@
         </p:nvSpPr>
         <p:spPr>
           <a:xfrm>
-            <a:off x="1088571" y="1346200"/>
+            <a:off x="2612571" y="1346200"/>
             <a:ext cx="304800" cy="304800"/>
           </a:xfrm>
           <a:prstGeom prst="ellipse">
@@ -22677,7 +24823,7 @@
         </p:nvSpPr>
         <p:spPr>
           <a:xfrm>
-            <a:off x="8137071" y="1346200"/>
+            <a:off x="9661071" y="1346200"/>
             <a:ext cx="304800" cy="304800"/>
           </a:xfrm>
           <a:prstGeom prst="ellipse">
@@ -22730,7 +24876,7 @@
         </p:nvSpPr>
         <p:spPr>
           <a:xfrm>
-            <a:off x="5889171" y="1320801"/>
+            <a:off x="7413171" y="1320801"/>
             <a:ext cx="304800" cy="304800"/>
           </a:xfrm>
           <a:prstGeom prst="ellipse">
@@ -22783,7 +24929,7 @@
         </p:nvSpPr>
         <p:spPr>
           <a:xfrm>
-            <a:off x="3724729" y="1320801"/>
+            <a:off x="5248729" y="1320801"/>
             <a:ext cx="304800" cy="304800"/>
           </a:xfrm>
           <a:prstGeom prst="ellipse">
@@ -22836,7 +24982,7 @@
         </p:nvSpPr>
         <p:spPr>
           <a:xfrm>
-            <a:off x="1926771" y="480537"/>
+            <a:off x="3450771" y="480538"/>
             <a:ext cx="5867400" cy="646331"/>
           </a:xfrm>
           <a:prstGeom prst="rect">
@@ -22871,7 +25017,7 @@
         </p:nvSpPr>
         <p:spPr>
           <a:xfrm>
-            <a:off x="5257800" y="6557495"/>
+            <a:off x="6781800" y="6557496"/>
             <a:ext cx="5582762" cy="276999"/>
           </a:xfrm>
           <a:prstGeom prst="rect">
@@ -22959,7 +25105,7 @@
         </p:blipFill>
         <p:spPr bwMode="auto">
           <a:xfrm>
-            <a:off x="3976914" y="1526171"/>
+            <a:off x="5500914" y="1526172"/>
             <a:ext cx="5181600" cy="3805657"/>
           </a:xfrm>
           <a:prstGeom prst="rect">
@@ -22991,7 +25137,7 @@
         </p:nvSpPr>
         <p:spPr>
           <a:xfrm>
-            <a:off x="3124200" y="3233057"/>
+            <a:off x="4648200" y="3233057"/>
             <a:ext cx="838200" cy="533400"/>
           </a:xfrm>
           <a:prstGeom prst="leftRightArrow">
@@ -23045,7 +25191,7 @@
         </p:blipFill>
         <p:spPr>
           <a:xfrm>
-            <a:off x="304800" y="199304"/>
+            <a:off x="1828800" y="199304"/>
             <a:ext cx="2590800" cy="6459392"/>
           </a:xfrm>
           <a:prstGeom prst="rect">
@@ -23067,7 +25213,7 @@
         </p:nvSpPr>
         <p:spPr>
           <a:xfrm>
-            <a:off x="3314702" y="457200"/>
+            <a:off x="4838702" y="457201"/>
             <a:ext cx="5867400" cy="646331"/>
           </a:xfrm>
           <a:prstGeom prst="rect">
@@ -23102,7 +25248,7 @@
         </p:nvSpPr>
         <p:spPr>
           <a:xfrm>
-            <a:off x="5181600" y="6477000"/>
+            <a:off x="6705600" y="6477001"/>
             <a:ext cx="5582762" cy="276999"/>
           </a:xfrm>
           <a:prstGeom prst="rect">
@@ -23167,7 +25313,7 @@
         </p:nvSpPr>
         <p:spPr>
           <a:xfrm>
-            <a:off x="304800" y="148773"/>
+            <a:off x="1828801" y="148773"/>
             <a:ext cx="8519885" cy="6602832"/>
           </a:xfrm>
           <a:prstGeom prst="rect">
@@ -23226,7 +25372,7 @@
         </p:blipFill>
         <p:spPr>
           <a:xfrm>
-            <a:off x="7064856" y="364426"/>
+            <a:off x="8588857" y="364427"/>
             <a:ext cx="1202383" cy="1202383"/>
           </a:xfrm>
           <a:prstGeom prst="rect">
@@ -23248,7 +25394,7 @@
         </p:nvSpPr>
         <p:spPr>
           <a:xfrm>
-            <a:off x="2752937" y="6415901"/>
+            <a:off x="4276938" y="6415902"/>
             <a:ext cx="4103521" cy="276999"/>
           </a:xfrm>
           <a:prstGeom prst="rect">
@@ -23287,7 +25433,7 @@
         </p:nvGrpSpPr>
         <p:grpSpPr>
           <a:xfrm>
-            <a:off x="4049486" y="2017194"/>
+            <a:off x="5573487" y="2017194"/>
             <a:ext cx="1068151" cy="919700"/>
             <a:chOff x="2818049" y="184199"/>
             <a:chExt cx="1068151" cy="919700"/>
@@ -23410,7 +25556,7 @@
         </p:nvGrpSpPr>
         <p:grpSpPr>
           <a:xfrm>
-            <a:off x="5473281" y="401206"/>
+            <a:off x="6997282" y="401207"/>
             <a:ext cx="1068151" cy="1238067"/>
             <a:chOff x="6573338" y="111903"/>
             <a:chExt cx="1068151" cy="1238067"/>
@@ -23672,7 +25818,7 @@
         </p:nvSpPr>
         <p:spPr>
           <a:xfrm>
-            <a:off x="429045" y="3275646"/>
+            <a:off x="1953046" y="3275647"/>
             <a:ext cx="7800555" cy="3147473"/>
           </a:xfrm>
           <a:prstGeom prst="rect">
@@ -23727,7 +25873,7 @@
         </p:nvGrpSpPr>
         <p:grpSpPr>
           <a:xfrm>
-            <a:off x="2733125" y="386003"/>
+            <a:off x="4257126" y="386003"/>
             <a:ext cx="1098325" cy="1232584"/>
             <a:chOff x="597730" y="116629"/>
             <a:chExt cx="1098325" cy="1232584"/>
@@ -24030,7 +26176,7 @@
         </p:nvGrpSpPr>
         <p:grpSpPr>
           <a:xfrm>
-            <a:off x="6276503" y="3395561"/>
+            <a:off x="7800504" y="3395561"/>
             <a:ext cx="1191097" cy="2882912"/>
             <a:chOff x="5743103" y="3395561"/>
             <a:chExt cx="1191097" cy="2882912"/>
@@ -24725,7 +26871,7 @@
         </p:nvGrpSpPr>
         <p:grpSpPr>
           <a:xfrm>
-            <a:off x="4648200" y="3389652"/>
+            <a:off x="6172201" y="3389652"/>
             <a:ext cx="1191097" cy="2882912"/>
             <a:chOff x="4428111" y="3389652"/>
             <a:chExt cx="1191097" cy="2882912"/>
@@ -25420,7 +27566,7 @@
         </p:nvGrpSpPr>
         <p:grpSpPr>
           <a:xfrm>
-            <a:off x="3048000" y="3419613"/>
+            <a:off x="4572001" y="3419613"/>
             <a:ext cx="1191097" cy="2867842"/>
             <a:chOff x="3076103" y="3419613"/>
             <a:chExt cx="1191097" cy="2867842"/>
@@ -26111,7 +28257,7 @@
         </p:nvGrpSpPr>
         <p:grpSpPr>
           <a:xfrm>
-            <a:off x="1447800" y="3408447"/>
+            <a:off x="2971801" y="3408447"/>
             <a:ext cx="1191097" cy="2882912"/>
             <a:chOff x="-686942" y="2338792"/>
             <a:chExt cx="1191097" cy="2882912"/>
@@ -26823,7 +28969,7 @@
         </p:nvGrpSpPr>
         <p:grpSpPr>
           <a:xfrm>
-            <a:off x="4033240" y="396940"/>
+            <a:off x="5557240" y="396940"/>
             <a:ext cx="1101764" cy="1232584"/>
             <a:chOff x="1885137" y="116629"/>
             <a:chExt cx="1101764" cy="1232584"/>
@@ -27216,7 +29362,7 @@
         </p:nvGrpSpPr>
         <p:grpSpPr>
           <a:xfrm>
-            <a:off x="5385472" y="1936699"/>
+            <a:off x="6909472" y="1936700"/>
             <a:ext cx="1106370" cy="1247077"/>
             <a:chOff x="4607558" y="1529326"/>
             <a:chExt cx="1106370" cy="1247077"/>
@@ -27567,7 +29713,7 @@
         </p:nvGrpSpPr>
         <p:grpSpPr>
           <a:xfrm>
-            <a:off x="2696316" y="2061617"/>
+            <a:off x="4220316" y="2061618"/>
             <a:ext cx="935288" cy="1110767"/>
             <a:chOff x="3156472" y="1597079"/>
             <a:chExt cx="935288" cy="1110767"/>
@@ -27671,7 +29817,7 @@
         </p:nvSpPr>
         <p:spPr>
           <a:xfrm>
-            <a:off x="365462" y="4356062"/>
+            <a:off x="1889462" y="4356063"/>
             <a:ext cx="369332" cy="2041045"/>
           </a:xfrm>
           <a:prstGeom prst="rect">
@@ -27712,7 +29858,7 @@
         </p:nvSpPr>
         <p:spPr>
           <a:xfrm>
-            <a:off x="428168" y="1901038"/>
+            <a:off x="1952168" y="1901038"/>
             <a:ext cx="7801432" cy="1262112"/>
           </a:xfrm>
           <a:prstGeom prst="rect">
@@ -27767,7 +29913,7 @@
         </p:nvSpPr>
         <p:spPr>
           <a:xfrm>
-            <a:off x="365462" y="1702482"/>
+            <a:off x="1889462" y="1702482"/>
             <a:ext cx="553998" cy="1420068"/>
           </a:xfrm>
           <a:prstGeom prst="rect">
@@ -27808,7 +29954,7 @@
         </p:nvSpPr>
         <p:spPr>
           <a:xfrm>
-            <a:off x="2178757" y="299397"/>
+            <a:off x="3702757" y="299397"/>
             <a:ext cx="4552120" cy="1347126"/>
           </a:xfrm>
           <a:prstGeom prst="rect">
@@ -27863,7 +30009,7 @@
         </p:nvSpPr>
         <p:spPr>
           <a:xfrm flipH="1">
-            <a:off x="2113239" y="306023"/>
+            <a:off x="3637239" y="306023"/>
             <a:ext cx="369332" cy="1319190"/>
           </a:xfrm>
           <a:prstGeom prst="rect">
@@ -27904,7 +30050,7 @@
         </p:nvSpPr>
         <p:spPr>
           <a:xfrm>
-            <a:off x="4220864" y="2573073"/>
+            <a:off x="5744865" y="2573073"/>
             <a:ext cx="738169" cy="415498"/>
           </a:xfrm>
           <a:prstGeom prst="rect">
@@ -27946,7 +30092,7 @@
         </p:nvSpPr>
         <p:spPr>
           <a:xfrm>
-            <a:off x="4488488" y="1666788"/>
+            <a:off x="6012488" y="1666789"/>
             <a:ext cx="159774" cy="294775"/>
           </a:xfrm>
           <a:prstGeom prst="upDownArrow">
@@ -27995,7 +30141,7 @@
         </p:nvSpPr>
         <p:spPr>
           <a:xfrm>
-            <a:off x="3211446" y="1662551"/>
+            <a:off x="4735446" y="1662552"/>
             <a:ext cx="159774" cy="290023"/>
           </a:xfrm>
           <a:prstGeom prst="upDownArrow">
@@ -28039,7 +30185,7 @@
         </p:nvSpPr>
         <p:spPr>
           <a:xfrm>
-            <a:off x="4570903" y="1680049"/>
+            <a:off x="6094903" y="1680049"/>
             <a:ext cx="1103716" cy="215444"/>
           </a:xfrm>
           <a:prstGeom prst="rect">
@@ -28078,7 +30224,7 @@
         </p:nvSpPr>
         <p:spPr>
           <a:xfrm>
-            <a:off x="3302344" y="1664724"/>
+            <a:off x="4826344" y="1664724"/>
             <a:ext cx="670942" cy="215444"/>
           </a:xfrm>
           <a:prstGeom prst="rect">
@@ -28122,7 +30268,7 @@
         </p:nvSpPr>
         <p:spPr>
           <a:xfrm rot="5400000">
-            <a:off x="5174381" y="2551229"/>
+            <a:off x="6698381" y="2551230"/>
             <a:ext cx="159774" cy="346749"/>
           </a:xfrm>
           <a:prstGeom prst="upDownArrow">
@@ -28166,7 +30312,7 @@
         </p:nvSpPr>
         <p:spPr>
           <a:xfrm>
-            <a:off x="654539" y="765380"/>
+            <a:off x="2178539" y="765381"/>
             <a:ext cx="264920" cy="322187"/>
           </a:xfrm>
           <a:prstGeom prst="rect">
@@ -28212,7 +30358,7 @@
         </p:nvSpPr>
         <p:spPr>
           <a:xfrm>
-            <a:off x="919460" y="703811"/>
+            <a:off x="2443461" y="703812"/>
             <a:ext cx="1267771" cy="461665"/>
           </a:xfrm>
           <a:prstGeom prst="rect">
@@ -28265,7 +30411,7 @@
         </p:nvGrpSpPr>
         <p:grpSpPr>
           <a:xfrm>
-            <a:off x="1905000" y="3172971"/>
+            <a:off x="3429001" y="3172972"/>
             <a:ext cx="758031" cy="408429"/>
             <a:chOff x="1247741" y="3178870"/>
             <a:chExt cx="758031" cy="408429"/>
@@ -28374,7 +30520,7 @@
         </p:nvGrpSpPr>
         <p:grpSpPr>
           <a:xfrm>
-            <a:off x="3552165" y="3172971"/>
+            <a:off x="5076166" y="3172972"/>
             <a:ext cx="758031" cy="408429"/>
             <a:chOff x="1247741" y="3178870"/>
             <a:chExt cx="758031" cy="408429"/>
@@ -28483,7 +30629,7 @@
         </p:nvGrpSpPr>
         <p:grpSpPr>
           <a:xfrm>
-            <a:off x="5135004" y="3179450"/>
+            <a:off x="6659005" y="3179450"/>
             <a:ext cx="758031" cy="379660"/>
             <a:chOff x="1247741" y="3178871"/>
             <a:chExt cx="758031" cy="379660"/>
@@ -28592,7 +30738,7 @@
         </p:nvGrpSpPr>
         <p:grpSpPr>
           <a:xfrm>
-            <a:off x="6771576" y="3174001"/>
+            <a:off x="8295577" y="3174002"/>
             <a:ext cx="758031" cy="369299"/>
             <a:chOff x="1247741" y="3178870"/>
             <a:chExt cx="758031" cy="369299"/>
@@ -28731,7 +30877,7 @@
         </p:nvSpPr>
         <p:spPr>
           <a:xfrm>
-            <a:off x="304800" y="148773"/>
+            <a:off x="1828801" y="148773"/>
             <a:ext cx="8519885" cy="6602832"/>
           </a:xfrm>
           <a:prstGeom prst="rect">
@@ -28783,7 +30929,7 @@
         </p:blipFill>
         <p:spPr>
           <a:xfrm>
-            <a:off x="7616618" y="165549"/>
+            <a:off x="9140619" y="165550"/>
             <a:ext cx="1202383" cy="1202383"/>
           </a:xfrm>
           <a:prstGeom prst="rect">
@@ -28805,7 +30951,7 @@
         </p:nvSpPr>
         <p:spPr>
           <a:xfrm>
-            <a:off x="2752937" y="6497503"/>
+            <a:off x="4276938" y="6497504"/>
             <a:ext cx="4103521" cy="276999"/>
           </a:xfrm>
           <a:prstGeom prst="rect">
@@ -28844,7 +30990,7 @@
         </p:nvGrpSpPr>
         <p:grpSpPr>
           <a:xfrm>
-            <a:off x="4049486" y="2017194"/>
+            <a:off x="5573487" y="2017194"/>
             <a:ext cx="1068151" cy="919700"/>
             <a:chOff x="2818049" y="184199"/>
             <a:chExt cx="1068151" cy="919700"/>
@@ -28967,7 +31113,7 @@
         </p:nvGrpSpPr>
         <p:grpSpPr>
           <a:xfrm>
-            <a:off x="5473281" y="401206"/>
+            <a:off x="6997282" y="401207"/>
             <a:ext cx="1068151" cy="1238067"/>
             <a:chOff x="6573338" y="111903"/>
             <a:chExt cx="1068151" cy="1238067"/>
@@ -29229,7 +31375,7 @@
         </p:nvSpPr>
         <p:spPr>
           <a:xfrm>
-            <a:off x="429045" y="3275646"/>
+            <a:off x="1953045" y="3275647"/>
             <a:ext cx="8267916" cy="3147473"/>
           </a:xfrm>
           <a:prstGeom prst="rect">
@@ -29284,7 +31430,7 @@
         </p:nvGrpSpPr>
         <p:grpSpPr>
           <a:xfrm>
-            <a:off x="2733125" y="386003"/>
+            <a:off x="4257126" y="386003"/>
             <a:ext cx="1098325" cy="1232584"/>
             <a:chOff x="597730" y="116629"/>
             <a:chExt cx="1098325" cy="1232584"/>
@@ -29587,7 +31733,7 @@
         </p:nvGrpSpPr>
         <p:grpSpPr>
           <a:xfrm>
-            <a:off x="874565" y="3380186"/>
+            <a:off x="2398566" y="3380187"/>
             <a:ext cx="7735215" cy="2911173"/>
             <a:chOff x="1089933" y="3038101"/>
             <a:chExt cx="7735215" cy="2911173"/>
@@ -33644,7 +35790,7 @@
         </p:nvGrpSpPr>
         <p:grpSpPr>
           <a:xfrm>
-            <a:off x="4033240" y="396940"/>
+            <a:off x="5557240" y="396940"/>
             <a:ext cx="1101764" cy="1232584"/>
             <a:chOff x="1885137" y="116629"/>
             <a:chExt cx="1101764" cy="1232584"/>
@@ -34037,7 +36183,7 @@
         </p:nvGrpSpPr>
         <p:grpSpPr>
           <a:xfrm>
-            <a:off x="5385472" y="1936699"/>
+            <a:off x="6909472" y="1936700"/>
             <a:ext cx="1106370" cy="1247077"/>
             <a:chOff x="4607558" y="1529326"/>
             <a:chExt cx="1106370" cy="1247077"/>
@@ -34388,7 +36534,7 @@
         </p:nvGrpSpPr>
         <p:grpSpPr>
           <a:xfrm>
-            <a:off x="2696316" y="1979067"/>
+            <a:off x="4220316" y="1979068"/>
             <a:ext cx="935288" cy="1110767"/>
             <a:chOff x="3156472" y="1597079"/>
             <a:chExt cx="935288" cy="1110767"/>
@@ -34492,7 +36638,7 @@
         </p:nvSpPr>
         <p:spPr>
           <a:xfrm>
-            <a:off x="365462" y="4356062"/>
+            <a:off x="1889462" y="4356063"/>
             <a:ext cx="369332" cy="2041045"/>
           </a:xfrm>
           <a:prstGeom prst="rect">
@@ -34533,7 +36679,7 @@
         </p:nvSpPr>
         <p:spPr>
           <a:xfrm>
-            <a:off x="428168" y="1901038"/>
+            <a:off x="1952168" y="1901038"/>
             <a:ext cx="8267916" cy="1262112"/>
           </a:xfrm>
           <a:prstGeom prst="rect">
@@ -34588,7 +36734,7 @@
         </p:nvSpPr>
         <p:spPr>
           <a:xfrm>
-            <a:off x="365462" y="1702482"/>
+            <a:off x="1889462" y="1702482"/>
             <a:ext cx="553998" cy="1420068"/>
           </a:xfrm>
           <a:prstGeom prst="rect">
@@ -34629,7 +36775,7 @@
         </p:nvSpPr>
         <p:spPr>
           <a:xfrm>
-            <a:off x="2178757" y="299397"/>
+            <a:off x="3702757" y="299397"/>
             <a:ext cx="4552120" cy="1347126"/>
           </a:xfrm>
           <a:prstGeom prst="rect">
@@ -34684,7 +36830,7 @@
         </p:nvSpPr>
         <p:spPr>
           <a:xfrm flipH="1">
-            <a:off x="2113239" y="306023"/>
+            <a:off x="3637239" y="306023"/>
             <a:ext cx="369332" cy="1319190"/>
           </a:xfrm>
           <a:prstGeom prst="rect">
@@ -34725,7 +36871,7 @@
         </p:nvSpPr>
         <p:spPr>
           <a:xfrm>
-            <a:off x="4220864" y="2573073"/>
+            <a:off x="5744865" y="2573073"/>
             <a:ext cx="738169" cy="415498"/>
           </a:xfrm>
           <a:prstGeom prst="rect">
@@ -34767,7 +36913,7 @@
         </p:nvSpPr>
         <p:spPr>
           <a:xfrm>
-            <a:off x="4488488" y="1666788"/>
+            <a:off x="6012488" y="1666789"/>
             <a:ext cx="159774" cy="294775"/>
           </a:xfrm>
           <a:prstGeom prst="upDownArrow">
@@ -34816,7 +36962,7 @@
         </p:nvSpPr>
         <p:spPr>
           <a:xfrm>
-            <a:off x="3211446" y="1662551"/>
+            <a:off x="4735446" y="1662552"/>
             <a:ext cx="159774" cy="290023"/>
           </a:xfrm>
           <a:prstGeom prst="upDownArrow">
@@ -34860,7 +37006,7 @@
         </p:nvSpPr>
         <p:spPr>
           <a:xfrm>
-            <a:off x="4570903" y="1680049"/>
+            <a:off x="6094903" y="1680049"/>
             <a:ext cx="1103716" cy="215444"/>
           </a:xfrm>
           <a:prstGeom prst="rect">
@@ -34899,7 +37045,7 @@
         </p:nvSpPr>
         <p:spPr>
           <a:xfrm>
-            <a:off x="3302344" y="1664724"/>
+            <a:off x="4826344" y="1664724"/>
             <a:ext cx="670942" cy="215444"/>
           </a:xfrm>
           <a:prstGeom prst="rect">
@@ -34943,7 +37089,7 @@
         </p:nvSpPr>
         <p:spPr>
           <a:xfrm rot="5400000">
-            <a:off x="5174381" y="2551229"/>
+            <a:off x="6698381" y="2551230"/>
             <a:ext cx="159774" cy="346749"/>
           </a:xfrm>
           <a:prstGeom prst="upDownArrow">
@@ -34987,7 +37133,7 @@
         </p:nvSpPr>
         <p:spPr>
           <a:xfrm>
-            <a:off x="654539" y="765380"/>
+            <a:off x="2178539" y="765381"/>
             <a:ext cx="264920" cy="322187"/>
           </a:xfrm>
           <a:prstGeom prst="rect">
@@ -35033,7 +37179,7 @@
         </p:nvSpPr>
         <p:spPr>
           <a:xfrm>
-            <a:off x="919460" y="703811"/>
+            <a:off x="2443461" y="703812"/>
             <a:ext cx="1267771" cy="461665"/>
           </a:xfrm>
           <a:prstGeom prst="rect">
@@ -35086,7 +37232,7 @@
         </p:nvGrpSpPr>
         <p:grpSpPr>
           <a:xfrm>
-            <a:off x="1385626" y="3178870"/>
+            <a:off x="2909627" y="3178871"/>
             <a:ext cx="758031" cy="408429"/>
             <a:chOff x="1247741" y="3178870"/>
             <a:chExt cx="758031" cy="408429"/>
@@ -35195,7 +37341,7 @@
         </p:nvGrpSpPr>
         <p:grpSpPr>
           <a:xfrm>
-            <a:off x="2662055" y="3174312"/>
+            <a:off x="4186056" y="3174313"/>
             <a:ext cx="758031" cy="408429"/>
             <a:chOff x="1247741" y="3178870"/>
             <a:chExt cx="758031" cy="408429"/>
@@ -35304,7 +37450,7 @@
         </p:nvGrpSpPr>
         <p:grpSpPr>
           <a:xfrm>
-            <a:off x="3953643" y="3173553"/>
+            <a:off x="5477644" y="3173553"/>
             <a:ext cx="758031" cy="379660"/>
             <a:chOff x="1247741" y="3178871"/>
             <a:chExt cx="758031" cy="379660"/>
@@ -35413,7 +37559,7 @@
         </p:nvGrpSpPr>
         <p:grpSpPr>
           <a:xfrm>
-            <a:off x="5291090" y="3178870"/>
+            <a:off x="6815091" y="3178871"/>
             <a:ext cx="758031" cy="369299"/>
             <a:chOff x="1247741" y="3178870"/>
             <a:chExt cx="758031" cy="369299"/>
@@ -35522,7 +37668,7 @@
         </p:nvGrpSpPr>
         <p:grpSpPr>
           <a:xfrm>
-            <a:off x="6602746" y="3178870"/>
+            <a:off x="8126747" y="3178870"/>
             <a:ext cx="758031" cy="380906"/>
             <a:chOff x="1247741" y="3178871"/>
             <a:chExt cx="758031" cy="380906"/>
@@ -35631,7 +37777,7 @@
         </p:nvGrpSpPr>
         <p:grpSpPr>
           <a:xfrm>
-            <a:off x="7927640" y="3185437"/>
+            <a:off x="9451641" y="3185438"/>
             <a:ext cx="758031" cy="347519"/>
             <a:chOff x="1247741" y="3178870"/>
             <a:chExt cx="758031" cy="347519"/>
@@ -35742,7 +37888,7 @@
 <file path=ppt/theme/theme1.xml><?xml version="1.0" encoding="utf-8"?>
 <a:theme xmlns:a="http://schemas.openxmlformats.org/drawingml/2006/main" name="Office Theme">
   <a:themeElements>
-    <a:clrScheme name="Office">
+    <a:clrScheme name="Office Theme">
       <a:dk1>
         <a:sysClr val="windowText" lastClr="000000"/>
       </a:dk1>
@@ -35780,7 +37926,7 @@
         <a:srgbClr val="954F72"/>
       </a:folHlink>
     </a:clrScheme>
-    <a:fontScheme name="Office">
+    <a:fontScheme name="Office Theme">
       <a:majorFont>
         <a:latin typeface="Calibri Light" panose="020F0302020204030204"/>
         <a:ea typeface=""/>
@@ -35815,23 +37961,6 @@
         <a:font script="Viet" typeface="Times New Roman"/>
         <a:font script="Uigh" typeface="Microsoft Uighur"/>
         <a:font script="Geor" typeface="Sylfaen"/>
-        <a:font script="Armn" typeface="Arial"/>
-        <a:font script="Bugi" typeface="Leelawadee UI"/>
-        <a:font script="Bopo" typeface="Microsoft JhengHei"/>
-        <a:font script="Java" typeface="Javanese Text"/>
-        <a:font script="Lisu" typeface="Segoe UI"/>
-        <a:font script="Mymr" typeface="Myanmar Text"/>
-        <a:font script="Nkoo" typeface="Ebrima"/>
-        <a:font script="Olck" typeface="Nirmala UI"/>
-        <a:font script="Osma" typeface="Ebrima"/>
-        <a:font script="Phag" typeface="Phagspa"/>
-        <a:font script="Syrn" typeface="Estrangelo Edessa"/>
-        <a:font script="Syrj" typeface="Estrangelo Edessa"/>
-        <a:font script="Syre" typeface="Estrangelo Edessa"/>
-        <a:font script="Sora" typeface="Nirmala UI"/>
-        <a:font script="Tale" typeface="Microsoft Tai Le"/>
-        <a:font script="Talu" typeface="Microsoft New Tai Lue"/>
-        <a:font script="Tfng" typeface="Ebrima"/>
       </a:majorFont>
       <a:minorFont>
         <a:latin typeface="Calibri" panose="020F0502020204030204"/>
@@ -35867,26 +37996,9 @@
         <a:font script="Viet" typeface="Arial"/>
         <a:font script="Uigh" typeface="Microsoft Uighur"/>
         <a:font script="Geor" typeface="Sylfaen"/>
-        <a:font script="Armn" typeface="Arial"/>
-        <a:font script="Bugi" typeface="Leelawadee UI"/>
-        <a:font script="Bopo" typeface="Microsoft JhengHei"/>
-        <a:font script="Java" typeface="Javanese Text"/>
-        <a:font script="Lisu" typeface="Segoe UI"/>
-        <a:font script="Mymr" typeface="Myanmar Text"/>
-        <a:font script="Nkoo" typeface="Ebrima"/>
-        <a:font script="Olck" typeface="Nirmala UI"/>
-        <a:font script="Osma" typeface="Ebrima"/>
-        <a:font script="Phag" typeface="Phagspa"/>
-        <a:font script="Syrn" typeface="Estrangelo Edessa"/>
-        <a:font script="Syrj" typeface="Estrangelo Edessa"/>
-        <a:font script="Syre" typeface="Estrangelo Edessa"/>
-        <a:font script="Sora" typeface="Nirmala UI"/>
-        <a:font script="Tale" typeface="Microsoft Tai Le"/>
-        <a:font script="Talu" typeface="Microsoft New Tai Lue"/>
-        <a:font script="Tfng" typeface="Ebrima"/>
       </a:minorFont>
     </a:fontScheme>
-    <a:fmtScheme name="Office">
+    <a:fmtScheme name="Office Theme">
       <a:fillStyleLst>
         <a:solidFill>
           <a:schemeClr val="phClr"/>
